--- a/Documentation/Training/CohortBuilder.pptx
+++ b/Documentation/Training/CohortBuilder.pptx
@@ -5,27 +5,19 @@
     <p:sldMasterId id="2147483648" r:id="rId1"/>
   </p:sldMasterIdLst>
   <p:notesMasterIdLst>
-    <p:notesMasterId r:id="rId20"/>
+    <p:notesMasterId r:id="rId12"/>
   </p:notesMasterIdLst>
   <p:sldIdLst>
     <p:sldId id="272" r:id="rId2"/>
     <p:sldId id="256" r:id="rId3"/>
     <p:sldId id="273" r:id="rId4"/>
     <p:sldId id="274" r:id="rId5"/>
-    <p:sldId id="257" r:id="rId6"/>
-    <p:sldId id="258" r:id="rId7"/>
-    <p:sldId id="259" r:id="rId8"/>
-    <p:sldId id="260" r:id="rId9"/>
-    <p:sldId id="261" r:id="rId10"/>
-    <p:sldId id="263" r:id="rId11"/>
-    <p:sldId id="266" r:id="rId12"/>
-    <p:sldId id="264" r:id="rId13"/>
-    <p:sldId id="267" r:id="rId14"/>
-    <p:sldId id="268" r:id="rId15"/>
-    <p:sldId id="269" r:id="rId16"/>
-    <p:sldId id="265" r:id="rId17"/>
-    <p:sldId id="270" r:id="rId18"/>
-    <p:sldId id="271" r:id="rId19"/>
+    <p:sldId id="276" r:id="rId6"/>
+    <p:sldId id="275" r:id="rId7"/>
+    <p:sldId id="257" r:id="rId8"/>
+    <p:sldId id="277" r:id="rId9"/>
+    <p:sldId id="278" r:id="rId10"/>
+    <p:sldId id="279" r:id="rId11"/>
   </p:sldIdLst>
   <p:sldSz cx="12192000" cy="6858000"/>
   <p:notesSz cx="6858000" cy="9144000"/>
@@ -133,25 +125,16 @@
             <p14:sldId id="256"/>
             <p14:sldId id="273"/>
             <p14:sldId id="274"/>
+            <p14:sldId id="276"/>
+            <p14:sldId id="275"/>
             <p14:sldId id="257"/>
-            <p14:sldId id="258"/>
-            <p14:sldId id="259"/>
-            <p14:sldId id="260"/>
-            <p14:sldId id="261"/>
+            <p14:sldId id="277"/>
+            <p14:sldId id="278"/>
+            <p14:sldId id="279"/>
           </p14:sldIdLst>
         </p14:section>
         <p14:section name="Simpler workthrough" id="{DBD142CE-6DD3-4D58-9A98-F12788E9E14C}">
-          <p14:sldIdLst>
-            <p14:sldId id="263"/>
-            <p14:sldId id="266"/>
-            <p14:sldId id="264"/>
-            <p14:sldId id="267"/>
-            <p14:sldId id="268"/>
-            <p14:sldId id="269"/>
-            <p14:sldId id="265"/>
-            <p14:sldId id="270"/>
-            <p14:sldId id="271"/>
-          </p14:sldIdLst>
+          <p14:sldIdLst/>
         </p14:section>
       </p14:sectionLst>
     </p:ext>
@@ -244,7 +227,7 @@
           <a:p>
             <a:fld id="{E6799723-5C7A-4148-A580-1582FB869D21}" type="datetimeFigureOut">
               <a:rPr lang="en-GB" smtClean="0"/>
-              <a:t>24/10/2019</a:t>
+              <a:t>25/10/2019</a:t>
             </a:fld>
             <a:endParaRPr lang="en-GB"/>
           </a:p>
@@ -596,6 +579,93 @@
 </p:notes>
 </file>
 
+<file path=ppt/notesSlides/notesSlide2.xml><?xml version="1.0" encoding="utf-8"?>
+<p:notes xmlns:a="http://schemas.openxmlformats.org/drawingml/2006/main" xmlns:r="http://schemas.openxmlformats.org/officeDocument/2006/relationships" xmlns:p="http://schemas.openxmlformats.org/presentationml/2006/main">
+  <p:cSld>
+    <p:spTree>
+      <p:nvGrpSpPr>
+        <p:cNvPr id="1" name=""/>
+        <p:cNvGrpSpPr/>
+        <p:nvPr/>
+      </p:nvGrpSpPr>
+      <p:grpSpPr>
+        <a:xfrm>
+          <a:off x="0" y="0"/>
+          <a:ext cx="0" cy="0"/>
+          <a:chOff x="0" y="0"/>
+          <a:chExt cx="0" cy="0"/>
+        </a:xfrm>
+      </p:grpSpPr>
+      <p:sp>
+        <p:nvSpPr>
+          <p:cNvPr id="2" name="Slide Image Placeholder 1"/>
+          <p:cNvSpPr>
+            <a:spLocks noGrp="1" noRot="1" noChangeAspect="1"/>
+          </p:cNvSpPr>
+          <p:nvPr>
+            <p:ph type="sldImg"/>
+          </p:nvPr>
+        </p:nvSpPr>
+        <p:spPr/>
+      </p:sp>
+      <p:sp>
+        <p:nvSpPr>
+          <p:cNvPr id="3" name="Notes Placeholder 2"/>
+          <p:cNvSpPr>
+            <a:spLocks noGrp="1"/>
+          </p:cNvSpPr>
+          <p:nvPr>
+            <p:ph type="body" idx="1"/>
+          </p:nvPr>
+        </p:nvSpPr>
+        <p:spPr/>
+        <p:txBody>
+          <a:bodyPr/>
+          <a:lstStyle/>
+          <a:p>
+            <a:r>
+              <a:rPr lang="en-GB" dirty="0"/>
+              <a:t>All the 3 methods above take you to the Wizard, so it’s really just a matter of preferences and of what people remember.</a:t>
+            </a:r>
+          </a:p>
+        </p:txBody>
+      </p:sp>
+      <p:sp>
+        <p:nvSpPr>
+          <p:cNvPr id="4" name="Slide Number Placeholder 3"/>
+          <p:cNvSpPr>
+            <a:spLocks noGrp="1"/>
+          </p:cNvSpPr>
+          <p:nvPr>
+            <p:ph type="sldNum" sz="quarter" idx="5"/>
+          </p:nvPr>
+        </p:nvSpPr>
+        <p:spPr/>
+        <p:txBody>
+          <a:bodyPr/>
+          <a:lstStyle/>
+          <a:p>
+            <a:fld id="{F1738015-88EA-481E-8FC9-2B0FD70A3B16}" type="slidenum">
+              <a:rPr lang="en-GB" smtClean="0"/>
+              <a:t>3</a:t>
+            </a:fld>
+            <a:endParaRPr lang="en-GB"/>
+          </a:p>
+        </p:txBody>
+      </p:sp>
+    </p:spTree>
+    <p:extLst>
+      <p:ext uri="{BB962C8B-B14F-4D97-AF65-F5344CB8AC3E}">
+        <p14:creationId xmlns:p14="http://schemas.microsoft.com/office/powerpoint/2010/main" val="3618803359"/>
+      </p:ext>
+    </p:extLst>
+  </p:cSld>
+  <p:clrMapOvr>
+    <a:masterClrMapping/>
+  </p:clrMapOvr>
+</p:notes>
+</file>
+
 <file path=ppt/slideLayouts/slideLayout1.xml><?xml version="1.0" encoding="utf-8"?>
 <p:sldLayout xmlns:a="http://schemas.openxmlformats.org/drawingml/2006/main" xmlns:r="http://schemas.openxmlformats.org/officeDocument/2006/relationships" xmlns:p="http://schemas.openxmlformats.org/presentationml/2006/main" type="title" preserve="1">
   <p:cSld name="Title Slide">
@@ -727,7 +797,7 @@
           <a:p>
             <a:fld id="{A4B2E03E-B9F4-48CD-BEDC-03BA93144C1F}" type="datetimeFigureOut">
               <a:rPr lang="en-GB" smtClean="0"/>
-              <a:t>24/10/2019</a:t>
+              <a:t>25/10/2019</a:t>
             </a:fld>
             <a:endParaRPr lang="en-GB"/>
           </a:p>
@@ -897,7 +967,7 @@
           <a:p>
             <a:fld id="{A4B2E03E-B9F4-48CD-BEDC-03BA93144C1F}" type="datetimeFigureOut">
               <a:rPr lang="en-GB" smtClean="0"/>
-              <a:t>24/10/2019</a:t>
+              <a:t>25/10/2019</a:t>
             </a:fld>
             <a:endParaRPr lang="en-GB"/>
           </a:p>
@@ -1077,7 +1147,7 @@
           <a:p>
             <a:fld id="{A4B2E03E-B9F4-48CD-BEDC-03BA93144C1F}" type="datetimeFigureOut">
               <a:rPr lang="en-GB" smtClean="0"/>
-              <a:t>24/10/2019</a:t>
+              <a:t>25/10/2019</a:t>
             </a:fld>
             <a:endParaRPr lang="en-GB"/>
           </a:p>
@@ -1247,7 +1317,7 @@
           <a:p>
             <a:fld id="{A4B2E03E-B9F4-48CD-BEDC-03BA93144C1F}" type="datetimeFigureOut">
               <a:rPr lang="en-GB" smtClean="0"/>
-              <a:t>24/10/2019</a:t>
+              <a:t>25/10/2019</a:t>
             </a:fld>
             <a:endParaRPr lang="en-GB"/>
           </a:p>
@@ -1493,7 +1563,7 @@
           <a:p>
             <a:fld id="{A4B2E03E-B9F4-48CD-BEDC-03BA93144C1F}" type="datetimeFigureOut">
               <a:rPr lang="en-GB" smtClean="0"/>
-              <a:t>24/10/2019</a:t>
+              <a:t>25/10/2019</a:t>
             </a:fld>
             <a:endParaRPr lang="en-GB"/>
           </a:p>
@@ -1725,7 +1795,7 @@
           <a:p>
             <a:fld id="{A4B2E03E-B9F4-48CD-BEDC-03BA93144C1F}" type="datetimeFigureOut">
               <a:rPr lang="en-GB" smtClean="0"/>
-              <a:t>24/10/2019</a:t>
+              <a:t>25/10/2019</a:t>
             </a:fld>
             <a:endParaRPr lang="en-GB"/>
           </a:p>
@@ -2092,7 +2162,7 @@
           <a:p>
             <a:fld id="{A4B2E03E-B9F4-48CD-BEDC-03BA93144C1F}" type="datetimeFigureOut">
               <a:rPr lang="en-GB" smtClean="0"/>
-              <a:t>24/10/2019</a:t>
+              <a:t>25/10/2019</a:t>
             </a:fld>
             <a:endParaRPr lang="en-GB"/>
           </a:p>
@@ -2210,7 +2280,7 @@
           <a:p>
             <a:fld id="{A4B2E03E-B9F4-48CD-BEDC-03BA93144C1F}" type="datetimeFigureOut">
               <a:rPr lang="en-GB" smtClean="0"/>
-              <a:t>24/10/2019</a:t>
+              <a:t>25/10/2019</a:t>
             </a:fld>
             <a:endParaRPr lang="en-GB"/>
           </a:p>
@@ -2305,7 +2375,7 @@
           <a:p>
             <a:fld id="{A4B2E03E-B9F4-48CD-BEDC-03BA93144C1F}" type="datetimeFigureOut">
               <a:rPr lang="en-GB" smtClean="0"/>
-              <a:t>24/10/2019</a:t>
+              <a:t>25/10/2019</a:t>
             </a:fld>
             <a:endParaRPr lang="en-GB"/>
           </a:p>
@@ -2582,7 +2652,7 @@
           <a:p>
             <a:fld id="{A4B2E03E-B9F4-48CD-BEDC-03BA93144C1F}" type="datetimeFigureOut">
               <a:rPr lang="en-GB" smtClean="0"/>
-              <a:t>24/10/2019</a:t>
+              <a:t>25/10/2019</a:t>
             </a:fld>
             <a:endParaRPr lang="en-GB"/>
           </a:p>
@@ -2835,7 +2905,7 @@
           <a:p>
             <a:fld id="{A4B2E03E-B9F4-48CD-BEDC-03BA93144C1F}" type="datetimeFigureOut">
               <a:rPr lang="en-GB" smtClean="0"/>
-              <a:t>24/10/2019</a:t>
+              <a:t>25/10/2019</a:t>
             </a:fld>
             <a:endParaRPr lang="en-GB"/>
           </a:p>
@@ -3048,7 +3118,7 @@
           <a:p>
             <a:fld id="{A4B2E03E-B9F4-48CD-BEDC-03BA93144C1F}" type="datetimeFigureOut">
               <a:rPr lang="en-GB" smtClean="0"/>
-              <a:t>24/10/2019</a:t>
+              <a:t>25/10/2019</a:t>
             </a:fld>
             <a:endParaRPr lang="en-GB"/>
           </a:p>
@@ -3575,277 +3645,10 @@
       </p:grpSpPr>
       <p:sp>
         <p:nvSpPr>
-          <p:cNvPr id="4" name="Oval 3">
+          <p:cNvPr id="2" name="Title 1">
             <a:extLst>
               <a:ext uri="{FF2B5EF4-FFF2-40B4-BE49-F238E27FC236}">
-                <a16:creationId xmlns:a16="http://schemas.microsoft.com/office/drawing/2014/main" id="{10237B3E-94EC-487A-9005-6484D12BA64B}"/>
-              </a:ext>
-            </a:extLst>
-          </p:cNvPr>
-          <p:cNvSpPr/>
-          <p:nvPr/>
-        </p:nvSpPr>
-        <p:spPr>
-          <a:xfrm>
-            <a:off x="953025" y="1377949"/>
-            <a:ext cx="1644242" cy="1644242"/>
-          </a:xfrm>
-          <a:prstGeom prst="ellipse">
-            <a:avLst/>
-          </a:prstGeom>
-          <a:noFill/>
-          <a:effectLst>
-            <a:glow rad="139700">
-              <a:schemeClr val="accent6">
-                <a:satMod val="175000"/>
-                <a:alpha val="40000"/>
-              </a:schemeClr>
-            </a:glow>
-          </a:effectLst>
-        </p:spPr>
-        <p:style>
-          <a:lnRef idx="2">
-            <a:schemeClr val="dk1"/>
-          </a:lnRef>
-          <a:fillRef idx="1">
-            <a:schemeClr val="lt1"/>
-          </a:fillRef>
-          <a:effectRef idx="0">
-            <a:schemeClr val="dk1"/>
-          </a:effectRef>
-          <a:fontRef idx="minor">
-            <a:schemeClr val="dk1"/>
-          </a:fontRef>
-        </p:style>
-        <p:txBody>
-          <a:bodyPr rtlCol="0" anchor="ctr"/>
-          <a:lstStyle/>
-          <a:p>
-            <a:pPr algn="ctr"/>
-            <a:endParaRPr lang="en-GB"/>
-          </a:p>
-        </p:txBody>
-      </p:sp>
-      <p:sp>
-        <p:nvSpPr>
-          <p:cNvPr id="5" name="Oval 4">
-            <a:extLst>
-              <a:ext uri="{FF2B5EF4-FFF2-40B4-BE49-F238E27FC236}">
-                <a16:creationId xmlns:a16="http://schemas.microsoft.com/office/drawing/2014/main" id="{B7AA9A62-B63A-4022-B575-904DF59A41D3}"/>
-              </a:ext>
-            </a:extLst>
-          </p:cNvPr>
-          <p:cNvSpPr/>
-          <p:nvPr/>
-        </p:nvSpPr>
-        <p:spPr>
-          <a:xfrm>
-            <a:off x="1132949" y="3305012"/>
-            <a:ext cx="1400962" cy="1400962"/>
-          </a:xfrm>
-          <a:prstGeom prst="ellipse">
-            <a:avLst/>
-          </a:prstGeom>
-          <a:noFill/>
-          <a:effectLst>
-            <a:glow rad="228600">
-              <a:schemeClr val="accent2">
-                <a:satMod val="175000"/>
-                <a:alpha val="40000"/>
-              </a:schemeClr>
-            </a:glow>
-          </a:effectLst>
-        </p:spPr>
-        <p:style>
-          <a:lnRef idx="2">
-            <a:schemeClr val="dk1"/>
-          </a:lnRef>
-          <a:fillRef idx="1">
-            <a:schemeClr val="lt1"/>
-          </a:fillRef>
-          <a:effectRef idx="0">
-            <a:schemeClr val="dk1"/>
-          </a:effectRef>
-          <a:fontRef idx="minor">
-            <a:schemeClr val="dk1"/>
-          </a:fontRef>
-        </p:style>
-        <p:txBody>
-          <a:bodyPr rtlCol="0" anchor="ctr"/>
-          <a:lstStyle/>
-          <a:p>
-            <a:pPr algn="ctr"/>
-            <a:endParaRPr lang="en-GB"/>
-          </a:p>
-        </p:txBody>
-      </p:sp>
-      <p:sp>
-        <p:nvSpPr>
-          <p:cNvPr id="6" name="Oval 5">
-            <a:extLst>
-              <a:ext uri="{FF2B5EF4-FFF2-40B4-BE49-F238E27FC236}">
-                <a16:creationId xmlns:a16="http://schemas.microsoft.com/office/drawing/2014/main" id="{2BC74221-A8B5-482F-9917-4A3D5CD17F2C}"/>
-              </a:ext>
-            </a:extLst>
-          </p:cNvPr>
-          <p:cNvSpPr/>
-          <p:nvPr/>
-        </p:nvSpPr>
-        <p:spPr>
-          <a:xfrm>
-            <a:off x="1132949" y="5091913"/>
-            <a:ext cx="1400962" cy="1400962"/>
-          </a:xfrm>
-          <a:prstGeom prst="ellipse">
-            <a:avLst/>
-          </a:prstGeom>
-          <a:noFill/>
-          <a:effectLst>
-            <a:glow rad="228600">
-              <a:schemeClr val="accent5">
-                <a:satMod val="175000"/>
-                <a:alpha val="40000"/>
-              </a:schemeClr>
-            </a:glow>
-          </a:effectLst>
-        </p:spPr>
-        <p:style>
-          <a:lnRef idx="2">
-            <a:schemeClr val="dk1"/>
-          </a:lnRef>
-          <a:fillRef idx="1">
-            <a:schemeClr val="lt1"/>
-          </a:fillRef>
-          <a:effectRef idx="0">
-            <a:schemeClr val="dk1"/>
-          </a:effectRef>
-          <a:fontRef idx="minor">
-            <a:schemeClr val="dk1"/>
-          </a:fontRef>
-        </p:style>
-        <p:txBody>
-          <a:bodyPr rtlCol="0" anchor="ctr"/>
-          <a:lstStyle/>
-          <a:p>
-            <a:pPr algn="ctr"/>
-            <a:endParaRPr lang="en-GB"/>
-          </a:p>
-        </p:txBody>
-      </p:sp>
-      <p:sp>
-        <p:nvSpPr>
-          <p:cNvPr id="8" name="TextBox 7">
-            <a:extLst>
-              <a:ext uri="{FF2B5EF4-FFF2-40B4-BE49-F238E27FC236}">
-                <a16:creationId xmlns:a16="http://schemas.microsoft.com/office/drawing/2014/main" id="{221A61D3-B596-46B7-9271-206ACBEF1C25}"/>
-              </a:ext>
-            </a:extLst>
-          </p:cNvPr>
-          <p:cNvSpPr txBox="1"/>
-          <p:nvPr/>
-        </p:nvSpPr>
-        <p:spPr>
-          <a:xfrm>
-            <a:off x="1074665" y="2015404"/>
-            <a:ext cx="1459246" cy="369332"/>
-          </a:xfrm>
-          <a:prstGeom prst="rect">
-            <a:avLst/>
-          </a:prstGeom>
-          <a:noFill/>
-        </p:spPr>
-        <p:txBody>
-          <a:bodyPr wrap="none" rtlCol="0">
-            <a:spAutoFit/>
-          </a:bodyPr>
-          <a:lstStyle/>
-          <a:p>
-            <a:r>
-              <a:rPr lang="en-US"/>
-              <a:t>Biochemistry</a:t>
-            </a:r>
-            <a:endParaRPr lang="en-GB"/>
-          </a:p>
-        </p:txBody>
-      </p:sp>
-      <p:sp>
-        <p:nvSpPr>
-          <p:cNvPr id="9" name="TextBox 8">
-            <a:extLst>
-              <a:ext uri="{FF2B5EF4-FFF2-40B4-BE49-F238E27FC236}">
-                <a16:creationId xmlns:a16="http://schemas.microsoft.com/office/drawing/2014/main" id="{D37D8F0B-D8DD-4EE7-9F64-A3EA6AD7EEE0}"/>
-              </a:ext>
-            </a:extLst>
-          </p:cNvPr>
-          <p:cNvSpPr txBox="1"/>
-          <p:nvPr/>
-        </p:nvSpPr>
-        <p:spPr>
-          <a:xfrm>
-            <a:off x="1293890" y="3851604"/>
-            <a:ext cx="1137363" cy="307777"/>
-          </a:xfrm>
-          <a:prstGeom prst="rect">
-            <a:avLst/>
-          </a:prstGeom>
-          <a:noFill/>
-        </p:spPr>
-        <p:txBody>
-          <a:bodyPr wrap="none" rtlCol="0">
-            <a:spAutoFit/>
-          </a:bodyPr>
-          <a:lstStyle/>
-          <a:p>
-            <a:r>
-              <a:rPr lang="en-US" sz="1400"/>
-              <a:t>Biochemistry</a:t>
-            </a:r>
-            <a:endParaRPr lang="en-GB" sz="1400"/>
-          </a:p>
-        </p:txBody>
-      </p:sp>
-      <p:sp>
-        <p:nvSpPr>
-          <p:cNvPr id="10" name="TextBox 9">
-            <a:extLst>
-              <a:ext uri="{FF2B5EF4-FFF2-40B4-BE49-F238E27FC236}">
-                <a16:creationId xmlns:a16="http://schemas.microsoft.com/office/drawing/2014/main" id="{7591D5D2-4CF8-45FB-89A1-BDAA124F156D}"/>
-              </a:ext>
-            </a:extLst>
-          </p:cNvPr>
-          <p:cNvSpPr txBox="1"/>
-          <p:nvPr/>
-        </p:nvSpPr>
-        <p:spPr>
-          <a:xfrm>
-            <a:off x="1264748" y="5638505"/>
-            <a:ext cx="1120243" cy="307777"/>
-          </a:xfrm>
-          <a:prstGeom prst="rect">
-            <a:avLst/>
-          </a:prstGeom>
-          <a:noFill/>
-        </p:spPr>
-        <p:txBody>
-          <a:bodyPr wrap="none" rtlCol="0">
-            <a:spAutoFit/>
-          </a:bodyPr>
-          <a:lstStyle/>
-          <a:p>
-            <a:r>
-              <a:rPr lang="en-US" sz="1400"/>
-              <a:t>Demography</a:t>
-            </a:r>
-            <a:endParaRPr lang="en-GB" sz="1400"/>
-          </a:p>
-        </p:txBody>
-      </p:sp>
-      <p:sp>
-        <p:nvSpPr>
-          <p:cNvPr id="11" name="Title 10">
-            <a:extLst>
-              <a:ext uri="{FF2B5EF4-FFF2-40B4-BE49-F238E27FC236}">
-                <a16:creationId xmlns:a16="http://schemas.microsoft.com/office/drawing/2014/main" id="{057A705E-24A6-4415-82CE-387A9068B72C}"/>
+                <a16:creationId xmlns:a16="http://schemas.microsoft.com/office/drawing/2014/main" id="{E8BED8F5-6947-41BD-BD0B-E488EB013891}"/>
               </a:ext>
             </a:extLst>
           </p:cNvPr>
@@ -3856,547 +3659,251 @@
             <p:ph type="title"/>
           </p:nvPr>
         </p:nvSpPr>
-        <p:spPr>
-          <a:xfrm>
-            <a:off x="838200" y="365125"/>
-            <a:ext cx="10515600" cy="1325563"/>
-          </a:xfrm>
-        </p:spPr>
+        <p:spPr/>
         <p:txBody>
           <a:bodyPr/>
           <a:lstStyle/>
           <a:p>
-            <a:pPr algn="ctr"/>
-            <a:r>
-              <a:rPr lang="en-US"/>
-              <a:t>Define starting dataset(s)</a:t>
-            </a:r>
-            <a:endParaRPr lang="en-GB"/>
+            <a:r>
+              <a:rPr lang="en-GB" dirty="0"/>
+              <a:t>The result</a:t>
+            </a:r>
           </a:p>
         </p:txBody>
       </p:sp>
-      <p:cxnSp>
-        <p:nvCxnSpPr>
-          <p:cNvPr id="13" name="Straight Arrow Connector 12">
+      <p:sp>
+        <p:nvSpPr>
+          <p:cNvPr id="4" name="Content Placeholder 3">
             <a:extLst>
               <a:ext uri="{FF2B5EF4-FFF2-40B4-BE49-F238E27FC236}">
-                <a16:creationId xmlns:a16="http://schemas.microsoft.com/office/drawing/2014/main" id="{0C6D4A09-3F52-4B6B-8553-777DB9488CD6}"/>
+                <a16:creationId xmlns:a16="http://schemas.microsoft.com/office/drawing/2014/main" id="{1C0CD41F-2B5C-4251-B656-112499F6664A}"/>
               </a:ext>
             </a:extLst>
           </p:cNvPr>
-          <p:cNvCxnSpPr/>
+          <p:cNvSpPr txBox="1">
+            <a:spLocks/>
+          </p:cNvSpPr>
           <p:nvPr/>
-        </p:nvCxnSpPr>
+        </p:nvSpPr>
         <p:spPr>
           <a:xfrm>
-            <a:off x="2857500" y="2143125"/>
-            <a:ext cx="3924300" cy="0"/>
-          </a:xfrm>
-          <a:prstGeom prst="straightConnector1">
-            <a:avLst/>
-          </a:prstGeom>
-          <a:ln>
-            <a:tailEnd type="triangle"/>
-          </a:ln>
-        </p:spPr>
-        <p:style>
-          <a:lnRef idx="1">
-            <a:schemeClr val="accent1"/>
-          </a:lnRef>
-          <a:fillRef idx="0">
-            <a:schemeClr val="accent1"/>
-          </a:fillRef>
-          <a:effectRef idx="0">
-            <a:schemeClr val="accent1"/>
-          </a:effectRef>
-          <a:fontRef idx="minor">
-            <a:schemeClr val="tx1"/>
-          </a:fontRef>
-        </p:style>
-      </p:cxnSp>
-      <p:sp>
-        <p:nvSpPr>
-          <p:cNvPr id="14" name="TextBox 13">
-            <a:extLst>
-              <a:ext uri="{FF2B5EF4-FFF2-40B4-BE49-F238E27FC236}">
-                <a16:creationId xmlns:a16="http://schemas.microsoft.com/office/drawing/2014/main" id="{301F9F2F-1D06-40EB-B377-3C32E4D43417}"/>
-              </a:ext>
-            </a:extLst>
-          </p:cNvPr>
-          <p:cNvSpPr txBox="1"/>
-          <p:nvPr/>
-        </p:nvSpPr>
-        <p:spPr>
-          <a:xfrm>
-            <a:off x="3105150" y="1690688"/>
-            <a:ext cx="3596177" cy="369332"/>
+            <a:off x="504967" y="1794680"/>
+            <a:ext cx="5226362" cy="4201236"/>
           </a:xfrm>
           <a:prstGeom prst="rect">
             <a:avLst/>
           </a:prstGeom>
-          <a:noFill/>
         </p:spPr>
         <p:txBody>
-          <a:bodyPr wrap="none" rtlCol="0">
-            <a:spAutoFit/>
+          <a:bodyPr vert="horz" lIns="91440" tIns="45720" rIns="91440" bIns="45720" rtlCol="0">
+            <a:normAutofit/>
           </a:bodyPr>
-          <a:lstStyle/>
-          <a:p>
-            <a:r>
-              <a:rPr lang="en-US"/>
-              <a:t>Select distinct chi from Biochemistry</a:t>
-            </a:r>
-            <a:endParaRPr lang="en-GB"/>
+          <a:lstStyle>
+            <a:lvl1pPr marL="228600" indent="-228600" algn="l" defTabSz="914400" rtl="0" eaLnBrk="1" latinLnBrk="0" hangingPunct="1">
+              <a:lnSpc>
+                <a:spcPct val="90000"/>
+              </a:lnSpc>
+              <a:spcBef>
+                <a:spcPts val="1000"/>
+              </a:spcBef>
+              <a:buFont typeface="Arial" panose="020B0604020202020204" pitchFamily="34" charset="0"/>
+              <a:buChar char="•"/>
+              <a:defRPr sz="2800" kern="1200">
+                <a:solidFill>
+                  <a:schemeClr val="tx1"/>
+                </a:solidFill>
+                <a:latin typeface="+mn-lt"/>
+                <a:ea typeface="+mn-ea"/>
+                <a:cs typeface="+mn-cs"/>
+              </a:defRPr>
+            </a:lvl1pPr>
+            <a:lvl2pPr marL="685800" indent="-228600" algn="l" defTabSz="914400" rtl="0" eaLnBrk="1" latinLnBrk="0" hangingPunct="1">
+              <a:lnSpc>
+                <a:spcPct val="90000"/>
+              </a:lnSpc>
+              <a:spcBef>
+                <a:spcPts val="500"/>
+              </a:spcBef>
+              <a:buFont typeface="Arial" panose="020B0604020202020204" pitchFamily="34" charset="0"/>
+              <a:buChar char="•"/>
+              <a:defRPr sz="2400" kern="1200">
+                <a:solidFill>
+                  <a:schemeClr val="tx1"/>
+                </a:solidFill>
+                <a:latin typeface="+mn-lt"/>
+                <a:ea typeface="+mn-ea"/>
+                <a:cs typeface="+mn-cs"/>
+              </a:defRPr>
+            </a:lvl2pPr>
+            <a:lvl3pPr marL="1143000" indent="-228600" algn="l" defTabSz="914400" rtl="0" eaLnBrk="1" latinLnBrk="0" hangingPunct="1">
+              <a:lnSpc>
+                <a:spcPct val="90000"/>
+              </a:lnSpc>
+              <a:spcBef>
+                <a:spcPts val="500"/>
+              </a:spcBef>
+              <a:buFont typeface="Arial" panose="020B0604020202020204" pitchFamily="34" charset="0"/>
+              <a:buChar char="•"/>
+              <a:defRPr sz="2000" kern="1200">
+                <a:solidFill>
+                  <a:schemeClr val="tx1"/>
+                </a:solidFill>
+                <a:latin typeface="+mn-lt"/>
+                <a:ea typeface="+mn-ea"/>
+                <a:cs typeface="+mn-cs"/>
+              </a:defRPr>
+            </a:lvl3pPr>
+            <a:lvl4pPr marL="1600200" indent="-228600" algn="l" defTabSz="914400" rtl="0" eaLnBrk="1" latinLnBrk="0" hangingPunct="1">
+              <a:lnSpc>
+                <a:spcPct val="90000"/>
+              </a:lnSpc>
+              <a:spcBef>
+                <a:spcPts val="500"/>
+              </a:spcBef>
+              <a:buFont typeface="Arial" panose="020B0604020202020204" pitchFamily="34" charset="0"/>
+              <a:buChar char="•"/>
+              <a:defRPr sz="1800" kern="1200">
+                <a:solidFill>
+                  <a:schemeClr val="tx1"/>
+                </a:solidFill>
+                <a:latin typeface="+mn-lt"/>
+                <a:ea typeface="+mn-ea"/>
+                <a:cs typeface="+mn-cs"/>
+              </a:defRPr>
+            </a:lvl4pPr>
+            <a:lvl5pPr marL="2057400" indent="-228600" algn="l" defTabSz="914400" rtl="0" eaLnBrk="1" latinLnBrk="0" hangingPunct="1">
+              <a:lnSpc>
+                <a:spcPct val="90000"/>
+              </a:lnSpc>
+              <a:spcBef>
+                <a:spcPts val="500"/>
+              </a:spcBef>
+              <a:buFont typeface="Arial" panose="020B0604020202020204" pitchFamily="34" charset="0"/>
+              <a:buChar char="•"/>
+              <a:defRPr sz="1800" kern="1200">
+                <a:solidFill>
+                  <a:schemeClr val="tx1"/>
+                </a:solidFill>
+                <a:latin typeface="+mn-lt"/>
+                <a:ea typeface="+mn-ea"/>
+                <a:cs typeface="+mn-cs"/>
+              </a:defRPr>
+            </a:lvl5pPr>
+            <a:lvl6pPr marL="2514600" indent="-228600" algn="l" defTabSz="914400" rtl="0" eaLnBrk="1" latinLnBrk="0" hangingPunct="1">
+              <a:lnSpc>
+                <a:spcPct val="90000"/>
+              </a:lnSpc>
+              <a:spcBef>
+                <a:spcPts val="500"/>
+              </a:spcBef>
+              <a:buFont typeface="Arial" panose="020B0604020202020204" pitchFamily="34" charset="0"/>
+              <a:buChar char="•"/>
+              <a:defRPr sz="1800" kern="1200">
+                <a:solidFill>
+                  <a:schemeClr val="tx1"/>
+                </a:solidFill>
+                <a:latin typeface="+mn-lt"/>
+                <a:ea typeface="+mn-ea"/>
+                <a:cs typeface="+mn-cs"/>
+              </a:defRPr>
+            </a:lvl6pPr>
+            <a:lvl7pPr marL="2971800" indent="-228600" algn="l" defTabSz="914400" rtl="0" eaLnBrk="1" latinLnBrk="0" hangingPunct="1">
+              <a:lnSpc>
+                <a:spcPct val="90000"/>
+              </a:lnSpc>
+              <a:spcBef>
+                <a:spcPts val="500"/>
+              </a:spcBef>
+              <a:buFont typeface="Arial" panose="020B0604020202020204" pitchFamily="34" charset="0"/>
+              <a:buChar char="•"/>
+              <a:defRPr sz="1800" kern="1200">
+                <a:solidFill>
+                  <a:schemeClr val="tx1"/>
+                </a:solidFill>
+                <a:latin typeface="+mn-lt"/>
+                <a:ea typeface="+mn-ea"/>
+                <a:cs typeface="+mn-cs"/>
+              </a:defRPr>
+            </a:lvl7pPr>
+            <a:lvl8pPr marL="3429000" indent="-228600" algn="l" defTabSz="914400" rtl="0" eaLnBrk="1" latinLnBrk="0" hangingPunct="1">
+              <a:lnSpc>
+                <a:spcPct val="90000"/>
+              </a:lnSpc>
+              <a:spcBef>
+                <a:spcPts val="500"/>
+              </a:spcBef>
+              <a:buFont typeface="Arial" panose="020B0604020202020204" pitchFamily="34" charset="0"/>
+              <a:buChar char="•"/>
+              <a:defRPr sz="1800" kern="1200">
+                <a:solidFill>
+                  <a:schemeClr val="tx1"/>
+                </a:solidFill>
+                <a:latin typeface="+mn-lt"/>
+                <a:ea typeface="+mn-ea"/>
+                <a:cs typeface="+mn-cs"/>
+              </a:defRPr>
+            </a:lvl8pPr>
+            <a:lvl9pPr marL="3886200" indent="-228600" algn="l" defTabSz="914400" rtl="0" eaLnBrk="1" latinLnBrk="0" hangingPunct="1">
+              <a:lnSpc>
+                <a:spcPct val="90000"/>
+              </a:lnSpc>
+              <a:spcBef>
+                <a:spcPts val="500"/>
+              </a:spcBef>
+              <a:buFont typeface="Arial" panose="020B0604020202020204" pitchFamily="34" charset="0"/>
+              <a:buChar char="•"/>
+              <a:defRPr sz="1800" kern="1200">
+                <a:solidFill>
+                  <a:schemeClr val="tx1"/>
+                </a:solidFill>
+                <a:latin typeface="+mn-lt"/>
+                <a:ea typeface="+mn-ea"/>
+                <a:cs typeface="+mn-cs"/>
+              </a:defRPr>
+            </a:lvl9pPr>
+          </a:lstStyle>
+          <a:p>
+            <a:r>
+              <a:rPr lang="en-GB" dirty="0"/>
+              <a:t>INTERSECT</a:t>
+            </a:r>
+          </a:p>
+          <a:p>
+            <a:pPr lvl="1"/>
+            <a:r>
+              <a:rPr lang="en-GB" dirty="0"/>
+              <a:t>EXCEPT</a:t>
+            </a:r>
+          </a:p>
+          <a:p>
+            <a:pPr lvl="2"/>
+            <a:r>
+              <a:rPr lang="en-GB" dirty="0"/>
+              <a:t>People who have ever had Diazepam prescriptions</a:t>
+            </a:r>
+          </a:p>
+          <a:p>
+            <a:pPr lvl="2"/>
+            <a:r>
+              <a:rPr lang="en-GB" dirty="0"/>
+              <a:t>People who collected Diazepam prescriptions before 2000</a:t>
+            </a:r>
+          </a:p>
+          <a:p>
+            <a:pPr lvl="1"/>
+            <a:r>
+              <a:rPr lang="en-GB" dirty="0"/>
+              <a:t>People who are still alive</a:t>
+            </a:r>
           </a:p>
         </p:txBody>
       </p:sp>
-      <p:sp>
-        <p:nvSpPr>
-          <p:cNvPr id="15" name="TextBox 14">
+      <p:pic>
+        <p:nvPicPr>
+          <p:cNvPr id="6" name="Picture 5">
             <a:extLst>
               <a:ext uri="{FF2B5EF4-FFF2-40B4-BE49-F238E27FC236}">
-                <a16:creationId xmlns:a16="http://schemas.microsoft.com/office/drawing/2014/main" id="{ACABADCB-5ED2-4A7D-8DFF-144236BD229D}"/>
-              </a:ext>
-            </a:extLst>
-          </p:cNvPr>
-          <p:cNvSpPr txBox="1"/>
-          <p:nvPr/>
-        </p:nvSpPr>
-        <p:spPr>
-          <a:xfrm>
-            <a:off x="3885420" y="2327791"/>
-            <a:ext cx="1868460" cy="369332"/>
-          </a:xfrm>
-          <a:prstGeom prst="rect">
-            <a:avLst/>
-          </a:prstGeom>
-          <a:noFill/>
-        </p:spPr>
-        <p:txBody>
-          <a:bodyPr wrap="none" rtlCol="0">
-            <a:spAutoFit/>
-          </a:bodyPr>
-          <a:lstStyle/>
-          <a:p>
-            <a:r>
-              <a:rPr lang="en-US"/>
-              <a:t>List of unique chis</a:t>
-            </a:r>
-            <a:endParaRPr lang="en-GB"/>
-          </a:p>
-        </p:txBody>
-      </p:sp>
-      <p:cxnSp>
-        <p:nvCxnSpPr>
-          <p:cNvPr id="16" name="Straight Arrow Connector 15">
-            <a:extLst>
-              <a:ext uri="{FF2B5EF4-FFF2-40B4-BE49-F238E27FC236}">
-                <a16:creationId xmlns:a16="http://schemas.microsoft.com/office/drawing/2014/main" id="{53344CBE-F08B-439B-8AE5-2737D12A3B5F}"/>
-              </a:ext>
-            </a:extLst>
-          </p:cNvPr>
-          <p:cNvCxnSpPr>
-            <a:cxnSpLocks/>
-          </p:cNvCxnSpPr>
-          <p:nvPr/>
-        </p:nvCxnSpPr>
-        <p:spPr>
-          <a:xfrm flipH="1" flipV="1">
-            <a:off x="2847975" y="2299216"/>
-            <a:ext cx="3924300" cy="12515"/>
-          </a:xfrm>
-          <a:prstGeom prst="straightConnector1">
-            <a:avLst/>
-          </a:prstGeom>
-          <a:ln>
-            <a:tailEnd type="triangle"/>
-          </a:ln>
-        </p:spPr>
-        <p:style>
-          <a:lnRef idx="1">
-            <a:schemeClr val="accent1"/>
-          </a:lnRef>
-          <a:fillRef idx="0">
-            <a:schemeClr val="accent1"/>
-          </a:fillRef>
-          <a:effectRef idx="0">
-            <a:schemeClr val="accent1"/>
-          </a:effectRef>
-          <a:fontRef idx="minor">
-            <a:schemeClr val="tx1"/>
-          </a:fontRef>
-        </p:style>
-      </p:cxnSp>
-      <p:cxnSp>
-        <p:nvCxnSpPr>
-          <p:cNvPr id="17" name="Straight Arrow Connector 16">
-            <a:extLst>
-              <a:ext uri="{FF2B5EF4-FFF2-40B4-BE49-F238E27FC236}">
-                <a16:creationId xmlns:a16="http://schemas.microsoft.com/office/drawing/2014/main" id="{93AB0E1E-21A9-49CD-BEFF-58A29C057607}"/>
-              </a:ext>
-            </a:extLst>
-          </p:cNvPr>
-          <p:cNvCxnSpPr/>
-          <p:nvPr/>
-        </p:nvCxnSpPr>
-        <p:spPr>
-          <a:xfrm>
-            <a:off x="2857500" y="3990775"/>
-            <a:ext cx="3924300" cy="0"/>
-          </a:xfrm>
-          <a:prstGeom prst="straightConnector1">
-            <a:avLst/>
-          </a:prstGeom>
-          <a:ln>
-            <a:tailEnd type="triangle"/>
-          </a:ln>
-        </p:spPr>
-        <p:style>
-          <a:lnRef idx="1">
-            <a:schemeClr val="accent1"/>
-          </a:lnRef>
-          <a:fillRef idx="0">
-            <a:schemeClr val="accent1"/>
-          </a:fillRef>
-          <a:effectRef idx="0">
-            <a:schemeClr val="accent1"/>
-          </a:effectRef>
-          <a:fontRef idx="minor">
-            <a:schemeClr val="tx1"/>
-          </a:fontRef>
-        </p:style>
-      </p:cxnSp>
-      <p:sp>
-        <p:nvSpPr>
-          <p:cNvPr id="18" name="TextBox 17">
-            <a:extLst>
-              <a:ext uri="{FF2B5EF4-FFF2-40B4-BE49-F238E27FC236}">
-                <a16:creationId xmlns:a16="http://schemas.microsoft.com/office/drawing/2014/main" id="{00B691F1-DE5B-48FF-B868-68355B56B896}"/>
-              </a:ext>
-            </a:extLst>
-          </p:cNvPr>
-          <p:cNvSpPr txBox="1"/>
-          <p:nvPr/>
-        </p:nvSpPr>
-        <p:spPr>
-          <a:xfrm>
-            <a:off x="3105150" y="3538338"/>
-            <a:ext cx="3596177" cy="369332"/>
-          </a:xfrm>
-          <a:prstGeom prst="rect">
-            <a:avLst/>
-          </a:prstGeom>
-          <a:noFill/>
-        </p:spPr>
-        <p:txBody>
-          <a:bodyPr wrap="none" rtlCol="0">
-            <a:spAutoFit/>
-          </a:bodyPr>
-          <a:lstStyle/>
-          <a:p>
-            <a:r>
-              <a:rPr lang="en-US"/>
-              <a:t>Select distinct chi from Biochemistry</a:t>
-            </a:r>
-            <a:endParaRPr lang="en-GB"/>
-          </a:p>
-        </p:txBody>
-      </p:sp>
-      <p:sp>
-        <p:nvSpPr>
-          <p:cNvPr id="19" name="TextBox 18">
-            <a:extLst>
-              <a:ext uri="{FF2B5EF4-FFF2-40B4-BE49-F238E27FC236}">
-                <a16:creationId xmlns:a16="http://schemas.microsoft.com/office/drawing/2014/main" id="{573D28ED-E65D-4381-BB08-ABAA6A7F8632}"/>
-              </a:ext>
-            </a:extLst>
-          </p:cNvPr>
-          <p:cNvSpPr txBox="1"/>
-          <p:nvPr/>
-        </p:nvSpPr>
-        <p:spPr>
-          <a:xfrm>
-            <a:off x="3885420" y="4175441"/>
-            <a:ext cx="1868460" cy="369332"/>
-          </a:xfrm>
-          <a:prstGeom prst="rect">
-            <a:avLst/>
-          </a:prstGeom>
-          <a:noFill/>
-        </p:spPr>
-        <p:txBody>
-          <a:bodyPr wrap="none" rtlCol="0">
-            <a:spAutoFit/>
-          </a:bodyPr>
-          <a:lstStyle/>
-          <a:p>
-            <a:r>
-              <a:rPr lang="en-US"/>
-              <a:t>List of unique chis</a:t>
-            </a:r>
-            <a:endParaRPr lang="en-GB"/>
-          </a:p>
-        </p:txBody>
-      </p:sp>
-      <p:cxnSp>
-        <p:nvCxnSpPr>
-          <p:cNvPr id="20" name="Straight Arrow Connector 19">
-            <a:extLst>
-              <a:ext uri="{FF2B5EF4-FFF2-40B4-BE49-F238E27FC236}">
-                <a16:creationId xmlns:a16="http://schemas.microsoft.com/office/drawing/2014/main" id="{466E31D7-9B3D-42F0-B2BA-7C8ED6B84D03}"/>
-              </a:ext>
-            </a:extLst>
-          </p:cNvPr>
-          <p:cNvCxnSpPr>
-            <a:cxnSpLocks/>
-          </p:cNvCxnSpPr>
-          <p:nvPr/>
-        </p:nvCxnSpPr>
-        <p:spPr>
-          <a:xfrm flipH="1" flipV="1">
-            <a:off x="2847975" y="4146866"/>
-            <a:ext cx="3924300" cy="12515"/>
-          </a:xfrm>
-          <a:prstGeom prst="straightConnector1">
-            <a:avLst/>
-          </a:prstGeom>
-          <a:ln>
-            <a:tailEnd type="triangle"/>
-          </a:ln>
-        </p:spPr>
-        <p:style>
-          <a:lnRef idx="1">
-            <a:schemeClr val="accent1"/>
-          </a:lnRef>
-          <a:fillRef idx="0">
-            <a:schemeClr val="accent1"/>
-          </a:fillRef>
-          <a:effectRef idx="0">
-            <a:schemeClr val="accent1"/>
-          </a:effectRef>
-          <a:fontRef idx="minor">
-            <a:schemeClr val="tx1"/>
-          </a:fontRef>
-        </p:style>
-      </p:cxnSp>
-      <p:cxnSp>
-        <p:nvCxnSpPr>
-          <p:cNvPr id="21" name="Straight Arrow Connector 20">
-            <a:extLst>
-              <a:ext uri="{FF2B5EF4-FFF2-40B4-BE49-F238E27FC236}">
-                <a16:creationId xmlns:a16="http://schemas.microsoft.com/office/drawing/2014/main" id="{258A8A89-C0CB-4E7C-90AE-76EF6443DE9B}"/>
-              </a:ext>
-            </a:extLst>
-          </p:cNvPr>
-          <p:cNvCxnSpPr/>
-          <p:nvPr/>
-        </p:nvCxnSpPr>
-        <p:spPr>
-          <a:xfrm>
-            <a:off x="2907807" y="5838425"/>
-            <a:ext cx="3924300" cy="0"/>
-          </a:xfrm>
-          <a:prstGeom prst="straightConnector1">
-            <a:avLst/>
-          </a:prstGeom>
-          <a:ln>
-            <a:tailEnd type="triangle"/>
-          </a:ln>
-        </p:spPr>
-        <p:style>
-          <a:lnRef idx="1">
-            <a:schemeClr val="accent1"/>
-          </a:lnRef>
-          <a:fillRef idx="0">
-            <a:schemeClr val="accent1"/>
-          </a:fillRef>
-          <a:effectRef idx="0">
-            <a:schemeClr val="accent1"/>
-          </a:effectRef>
-          <a:fontRef idx="minor">
-            <a:schemeClr val="tx1"/>
-          </a:fontRef>
-        </p:style>
-      </p:cxnSp>
-      <p:sp>
-        <p:nvSpPr>
-          <p:cNvPr id="22" name="TextBox 21">
-            <a:extLst>
-              <a:ext uri="{FF2B5EF4-FFF2-40B4-BE49-F238E27FC236}">
-                <a16:creationId xmlns:a16="http://schemas.microsoft.com/office/drawing/2014/main" id="{3D1EA4C9-E45B-46C5-8240-84BA75E4518B}"/>
-              </a:ext>
-            </a:extLst>
-          </p:cNvPr>
-          <p:cNvSpPr txBox="1"/>
-          <p:nvPr/>
-        </p:nvSpPr>
-        <p:spPr>
-          <a:xfrm>
-            <a:off x="3155457" y="5385988"/>
-            <a:ext cx="3577326" cy="369332"/>
-          </a:xfrm>
-          <a:prstGeom prst="rect">
-            <a:avLst/>
-          </a:prstGeom>
-          <a:noFill/>
-        </p:spPr>
-        <p:txBody>
-          <a:bodyPr wrap="none" rtlCol="0">
-            <a:spAutoFit/>
-          </a:bodyPr>
-          <a:lstStyle/>
-          <a:p>
-            <a:r>
-              <a:rPr lang="en-US"/>
-              <a:t>Select distinct chi from Demography</a:t>
-            </a:r>
-            <a:endParaRPr lang="en-GB"/>
-          </a:p>
-        </p:txBody>
-      </p:sp>
-      <p:sp>
-        <p:nvSpPr>
-          <p:cNvPr id="23" name="TextBox 22">
-            <a:extLst>
-              <a:ext uri="{FF2B5EF4-FFF2-40B4-BE49-F238E27FC236}">
-                <a16:creationId xmlns:a16="http://schemas.microsoft.com/office/drawing/2014/main" id="{7C594BFE-0EBE-42A8-8B1A-E7C2249F1F83}"/>
-              </a:ext>
-            </a:extLst>
-          </p:cNvPr>
-          <p:cNvSpPr txBox="1"/>
-          <p:nvPr/>
-        </p:nvSpPr>
-        <p:spPr>
-          <a:xfrm>
-            <a:off x="3935727" y="6023091"/>
-            <a:ext cx="1868460" cy="369332"/>
-          </a:xfrm>
-          <a:prstGeom prst="rect">
-            <a:avLst/>
-          </a:prstGeom>
-          <a:noFill/>
-        </p:spPr>
-        <p:txBody>
-          <a:bodyPr wrap="none" rtlCol="0">
-            <a:spAutoFit/>
-          </a:bodyPr>
-          <a:lstStyle/>
-          <a:p>
-            <a:r>
-              <a:rPr lang="en-US"/>
-              <a:t>List of unique chis</a:t>
-            </a:r>
-            <a:endParaRPr lang="en-GB"/>
-          </a:p>
-        </p:txBody>
-      </p:sp>
-      <p:cxnSp>
-        <p:nvCxnSpPr>
-          <p:cNvPr id="24" name="Straight Arrow Connector 23">
-            <a:extLst>
-              <a:ext uri="{FF2B5EF4-FFF2-40B4-BE49-F238E27FC236}">
-                <a16:creationId xmlns:a16="http://schemas.microsoft.com/office/drawing/2014/main" id="{B47B5FAE-5273-4DD8-92B1-3DD0B1D2AEE4}"/>
-              </a:ext>
-            </a:extLst>
-          </p:cNvPr>
-          <p:cNvCxnSpPr>
-            <a:cxnSpLocks/>
-          </p:cNvCxnSpPr>
-          <p:nvPr/>
-        </p:nvCxnSpPr>
-        <p:spPr>
-          <a:xfrm flipH="1" flipV="1">
-            <a:off x="2898282" y="5994516"/>
-            <a:ext cx="3924300" cy="12515"/>
-          </a:xfrm>
-          <a:prstGeom prst="straightConnector1">
-            <a:avLst/>
-          </a:prstGeom>
-          <a:ln>
-            <a:tailEnd type="triangle"/>
-          </a:ln>
-        </p:spPr>
-        <p:style>
-          <a:lnRef idx="1">
-            <a:schemeClr val="accent1"/>
-          </a:lnRef>
-          <a:fillRef idx="0">
-            <a:schemeClr val="accent1"/>
-          </a:fillRef>
-          <a:effectRef idx="0">
-            <a:schemeClr val="accent1"/>
-          </a:effectRef>
-          <a:fontRef idx="minor">
-            <a:schemeClr val="tx1"/>
-          </a:fontRef>
-        </p:style>
-      </p:cxnSp>
-    </p:spTree>
-    <p:extLst>
-      <p:ext uri="{BB962C8B-B14F-4D97-AF65-F5344CB8AC3E}">
-        <p14:creationId xmlns:p14="http://schemas.microsoft.com/office/powerpoint/2010/main" val="1796787201"/>
-      </p:ext>
-    </p:extLst>
-  </p:cSld>
-  <p:clrMapOvr>
-    <a:masterClrMapping/>
-  </p:clrMapOvr>
-</p:sld>
-</file>
-
-<file path=ppt/slides/slide11.xml><?xml version="1.0" encoding="utf-8"?>
-<p:sld xmlns:a="http://schemas.openxmlformats.org/drawingml/2006/main" xmlns:r="http://schemas.openxmlformats.org/officeDocument/2006/relationships" xmlns:p="http://schemas.openxmlformats.org/presentationml/2006/main">
-  <p:cSld>
-    <p:spTree>
-      <p:nvGrpSpPr>
-        <p:cNvPr id="1" name=""/>
-        <p:cNvGrpSpPr/>
-        <p:nvPr/>
-      </p:nvGrpSpPr>
-      <p:grpSpPr>
-        <a:xfrm>
-          <a:off x="0" y="0"/>
-          <a:ext cx="0" cy="0"/>
-          <a:chOff x="0" y="0"/>
-          <a:chExt cx="0" cy="0"/>
-        </a:xfrm>
-      </p:grpSpPr>
-      <p:sp>
-        <p:nvSpPr>
-          <p:cNvPr id="2" name="Title 1">
-            <a:extLst>
-              <a:ext uri="{FF2B5EF4-FFF2-40B4-BE49-F238E27FC236}">
-                <a16:creationId xmlns:a16="http://schemas.microsoft.com/office/drawing/2014/main" id="{CFB9A266-B22A-4EA6-858E-C0BAB3C5830F}"/>
-              </a:ext>
-            </a:extLst>
-          </p:cNvPr>
-          <p:cNvSpPr>
-            <a:spLocks noGrp="1"/>
-          </p:cNvSpPr>
-          <p:nvPr>
-            <p:ph type="title"/>
-          </p:nvPr>
-        </p:nvSpPr>
-        <p:spPr/>
-        <p:txBody>
-          <a:bodyPr/>
-          <a:lstStyle/>
-          <a:p>
-            <a:pPr algn="ctr"/>
-            <a:r>
-              <a:rPr lang="en-US"/>
-              <a:t>Create a simple graph for the dataset(s)</a:t>
-            </a:r>
-            <a:endParaRPr lang="en-GB"/>
-          </a:p>
-        </p:txBody>
-      </p:sp>
-      <p:pic>
-        <p:nvPicPr>
-          <p:cNvPr id="4" name="Picture 3">
-            <a:extLst>
-              <a:ext uri="{FF2B5EF4-FFF2-40B4-BE49-F238E27FC236}">
-                <a16:creationId xmlns:a16="http://schemas.microsoft.com/office/drawing/2014/main" id="{6A385112-E8F1-487B-B461-B9A2AA06D599}"/>
+                <a16:creationId xmlns:a16="http://schemas.microsoft.com/office/drawing/2014/main" id="{2EA66BD6-F665-473D-871A-FF82A15DD66E}"/>
               </a:ext>
             </a:extLst>
           </p:cNvPr>
@@ -4413,630 +3920,8 @@
         </p:blipFill>
         <p:spPr>
           <a:xfrm>
-            <a:off x="0" y="1791033"/>
-            <a:ext cx="4900629" cy="3123661"/>
-          </a:xfrm>
-          <a:prstGeom prst="rect">
-            <a:avLst/>
-          </a:prstGeom>
-        </p:spPr>
-      </p:pic>
-      <p:pic>
-        <p:nvPicPr>
-          <p:cNvPr id="6" name="Picture 5">
-            <a:extLst>
-              <a:ext uri="{FF2B5EF4-FFF2-40B4-BE49-F238E27FC236}">
-                <a16:creationId xmlns:a16="http://schemas.microsoft.com/office/drawing/2014/main" id="{180E9D06-1766-4F45-BB35-74A7820947EB}"/>
-              </a:ext>
-            </a:extLst>
-          </p:cNvPr>
-          <p:cNvPicPr>
-            <a:picLocks noChangeAspect="1"/>
-          </p:cNvPicPr>
-          <p:nvPr/>
-        </p:nvPicPr>
-        <p:blipFill>
-          <a:blip r:embed="rId3"/>
-          <a:stretch>
-            <a:fillRect/>
-          </a:stretch>
-        </p:blipFill>
-        <p:spPr>
-          <a:xfrm>
-            <a:off x="5226700" y="1690688"/>
-            <a:ext cx="7054077" cy="3615769"/>
-          </a:xfrm>
-          <a:prstGeom prst="rect">
-            <a:avLst/>
-          </a:prstGeom>
-        </p:spPr>
-      </p:pic>
-      <p:sp>
-        <p:nvSpPr>
-          <p:cNvPr id="7" name="TextBox 6">
-            <a:extLst>
-              <a:ext uri="{FF2B5EF4-FFF2-40B4-BE49-F238E27FC236}">
-                <a16:creationId xmlns:a16="http://schemas.microsoft.com/office/drawing/2014/main" id="{724C55E4-2F16-4EF6-9309-919A19FAB6E2}"/>
-              </a:ext>
-            </a:extLst>
-          </p:cNvPr>
-          <p:cNvSpPr txBox="1"/>
-          <p:nvPr/>
-        </p:nvSpPr>
-        <p:spPr>
-          <a:xfrm>
-            <a:off x="1429305" y="4937125"/>
-            <a:ext cx="1406347" cy="369332"/>
-          </a:xfrm>
-          <a:prstGeom prst="rect">
-            <a:avLst/>
-          </a:prstGeom>
-          <a:noFill/>
-        </p:spPr>
-        <p:txBody>
-          <a:bodyPr wrap="none" rtlCol="0">
-            <a:spAutoFit/>
-          </a:bodyPr>
-          <a:lstStyle/>
-          <a:p>
-            <a:r>
-              <a:rPr lang="en-US"/>
-              <a:t>Biochemistry</a:t>
-            </a:r>
-            <a:endParaRPr lang="en-GB"/>
-          </a:p>
-        </p:txBody>
-      </p:sp>
-      <p:sp>
-        <p:nvSpPr>
-          <p:cNvPr id="8" name="TextBox 7">
-            <a:extLst>
-              <a:ext uri="{FF2B5EF4-FFF2-40B4-BE49-F238E27FC236}">
-                <a16:creationId xmlns:a16="http://schemas.microsoft.com/office/drawing/2014/main" id="{69874AE7-182F-4678-A541-A5BEB3972035}"/>
-              </a:ext>
-            </a:extLst>
-          </p:cNvPr>
-          <p:cNvSpPr txBox="1"/>
-          <p:nvPr/>
-        </p:nvSpPr>
-        <p:spPr>
-          <a:xfrm>
-            <a:off x="8059990" y="4937125"/>
-            <a:ext cx="1387496" cy="369332"/>
-          </a:xfrm>
-          <a:prstGeom prst="rect">
-            <a:avLst/>
-          </a:prstGeom>
-          <a:noFill/>
-        </p:spPr>
-        <p:txBody>
-          <a:bodyPr wrap="none" rtlCol="0">
-            <a:spAutoFit/>
-          </a:bodyPr>
-          <a:lstStyle/>
-          <a:p>
-            <a:r>
-              <a:rPr lang="en-US"/>
-              <a:t>Demography</a:t>
-            </a:r>
-            <a:endParaRPr lang="en-GB"/>
-          </a:p>
-        </p:txBody>
-      </p:sp>
-    </p:spTree>
-    <p:extLst>
-      <p:ext uri="{BB962C8B-B14F-4D97-AF65-F5344CB8AC3E}">
-        <p14:creationId xmlns:p14="http://schemas.microsoft.com/office/powerpoint/2010/main" val="1315798188"/>
-      </p:ext>
-    </p:extLst>
-  </p:cSld>
-  <p:clrMapOvr>
-    <a:masterClrMapping/>
-  </p:clrMapOvr>
-</p:sld>
-</file>
-
-<file path=ppt/slides/slide12.xml><?xml version="1.0" encoding="utf-8"?>
-<p:sld xmlns:a="http://schemas.openxmlformats.org/drawingml/2006/main" xmlns:r="http://schemas.openxmlformats.org/officeDocument/2006/relationships" xmlns:p="http://schemas.openxmlformats.org/presentationml/2006/main">
-  <p:cSld>
-    <p:spTree>
-      <p:nvGrpSpPr>
-        <p:cNvPr id="1" name=""/>
-        <p:cNvGrpSpPr/>
-        <p:nvPr/>
-      </p:nvGrpSpPr>
-      <p:grpSpPr>
-        <a:xfrm>
-          <a:off x="0" y="0"/>
-          <a:ext cx="0" cy="0"/>
-          <a:chOff x="0" y="0"/>
-          <a:chExt cx="0" cy="0"/>
-        </a:xfrm>
-      </p:grpSpPr>
-      <p:sp>
-        <p:nvSpPr>
-          <p:cNvPr id="2" name="Title 1">
-            <a:extLst>
-              <a:ext uri="{FF2B5EF4-FFF2-40B4-BE49-F238E27FC236}">
-                <a16:creationId xmlns:a16="http://schemas.microsoft.com/office/drawing/2014/main" id="{66041FB6-DD4D-4946-9E79-28BED2D7450F}"/>
-              </a:ext>
-            </a:extLst>
-          </p:cNvPr>
-          <p:cNvSpPr>
-            <a:spLocks noGrp="1"/>
-          </p:cNvSpPr>
-          <p:nvPr>
-            <p:ph type="title"/>
-          </p:nvPr>
-        </p:nvSpPr>
-        <p:spPr>
-          <a:xfrm>
-            <a:off x="838200" y="365125"/>
-            <a:ext cx="10515600" cy="1325563"/>
-          </a:xfrm>
-        </p:spPr>
-        <p:txBody>
-          <a:bodyPr/>
-          <a:lstStyle/>
-          <a:p>
-            <a:pPr algn="ctr"/>
-            <a:r>
-              <a:rPr lang="en-US"/>
-              <a:t>Add filters and rename set</a:t>
-            </a:r>
-            <a:endParaRPr lang="en-GB"/>
-          </a:p>
-        </p:txBody>
-      </p:sp>
-      <p:sp>
-        <p:nvSpPr>
-          <p:cNvPr id="3" name="Oval 2">
-            <a:extLst>
-              <a:ext uri="{FF2B5EF4-FFF2-40B4-BE49-F238E27FC236}">
-                <a16:creationId xmlns:a16="http://schemas.microsoft.com/office/drawing/2014/main" id="{EBA6D551-0431-4AF8-B205-6F99298C8CD0}"/>
-              </a:ext>
-            </a:extLst>
-          </p:cNvPr>
-          <p:cNvSpPr/>
-          <p:nvPr/>
-        </p:nvSpPr>
-        <p:spPr>
-          <a:xfrm>
-            <a:off x="953025" y="1377949"/>
-            <a:ext cx="1644242" cy="1644242"/>
-          </a:xfrm>
-          <a:prstGeom prst="ellipse">
-            <a:avLst/>
-          </a:prstGeom>
-          <a:noFill/>
-          <a:effectLst>
-            <a:glow rad="139700">
-              <a:schemeClr val="accent6">
-                <a:satMod val="175000"/>
-                <a:alpha val="40000"/>
-              </a:schemeClr>
-            </a:glow>
-          </a:effectLst>
-        </p:spPr>
-        <p:style>
-          <a:lnRef idx="2">
-            <a:schemeClr val="dk1"/>
-          </a:lnRef>
-          <a:fillRef idx="1">
-            <a:schemeClr val="lt1"/>
-          </a:fillRef>
-          <a:effectRef idx="0">
-            <a:schemeClr val="dk1"/>
-          </a:effectRef>
-          <a:fontRef idx="minor">
-            <a:schemeClr val="dk1"/>
-          </a:fontRef>
-        </p:style>
-        <p:txBody>
-          <a:bodyPr rtlCol="0" anchor="ctr"/>
-          <a:lstStyle/>
-          <a:p>
-            <a:pPr algn="ctr"/>
-            <a:endParaRPr lang="en-GB"/>
-          </a:p>
-        </p:txBody>
-      </p:sp>
-      <p:sp>
-        <p:nvSpPr>
-          <p:cNvPr id="4" name="Oval 3">
-            <a:extLst>
-              <a:ext uri="{FF2B5EF4-FFF2-40B4-BE49-F238E27FC236}">
-                <a16:creationId xmlns:a16="http://schemas.microsoft.com/office/drawing/2014/main" id="{BD02AF69-93A6-49D3-BAC5-E959E45D20FA}"/>
-              </a:ext>
-            </a:extLst>
-          </p:cNvPr>
-          <p:cNvSpPr/>
-          <p:nvPr/>
-        </p:nvSpPr>
-        <p:spPr>
-          <a:xfrm>
-            <a:off x="1132949" y="3305012"/>
-            <a:ext cx="1400962" cy="1400962"/>
-          </a:xfrm>
-          <a:prstGeom prst="ellipse">
-            <a:avLst/>
-          </a:prstGeom>
-          <a:noFill/>
-          <a:effectLst>
-            <a:glow rad="228600">
-              <a:schemeClr val="accent2">
-                <a:satMod val="175000"/>
-                <a:alpha val="40000"/>
-              </a:schemeClr>
-            </a:glow>
-          </a:effectLst>
-        </p:spPr>
-        <p:style>
-          <a:lnRef idx="2">
-            <a:schemeClr val="dk1"/>
-          </a:lnRef>
-          <a:fillRef idx="1">
-            <a:schemeClr val="lt1"/>
-          </a:fillRef>
-          <a:effectRef idx="0">
-            <a:schemeClr val="dk1"/>
-          </a:effectRef>
-          <a:fontRef idx="minor">
-            <a:schemeClr val="dk1"/>
-          </a:fontRef>
-        </p:style>
-        <p:txBody>
-          <a:bodyPr rtlCol="0" anchor="ctr"/>
-          <a:lstStyle/>
-          <a:p>
-            <a:pPr algn="ctr"/>
-            <a:endParaRPr lang="en-GB"/>
-          </a:p>
-        </p:txBody>
-      </p:sp>
-      <p:sp>
-        <p:nvSpPr>
-          <p:cNvPr id="5" name="Oval 4">
-            <a:extLst>
-              <a:ext uri="{FF2B5EF4-FFF2-40B4-BE49-F238E27FC236}">
-                <a16:creationId xmlns:a16="http://schemas.microsoft.com/office/drawing/2014/main" id="{118F8010-60C9-48D8-BC23-21CE968A6A0F}"/>
-              </a:ext>
-            </a:extLst>
-          </p:cNvPr>
-          <p:cNvSpPr/>
-          <p:nvPr/>
-        </p:nvSpPr>
-        <p:spPr>
-          <a:xfrm>
-            <a:off x="1132949" y="5091913"/>
-            <a:ext cx="1400962" cy="1400962"/>
-          </a:xfrm>
-          <a:prstGeom prst="ellipse">
-            <a:avLst/>
-          </a:prstGeom>
-          <a:noFill/>
-          <a:effectLst>
-            <a:glow rad="228600">
-              <a:schemeClr val="accent5">
-                <a:satMod val="175000"/>
-                <a:alpha val="40000"/>
-              </a:schemeClr>
-            </a:glow>
-          </a:effectLst>
-        </p:spPr>
-        <p:style>
-          <a:lnRef idx="2">
-            <a:schemeClr val="dk1"/>
-          </a:lnRef>
-          <a:fillRef idx="1">
-            <a:schemeClr val="lt1"/>
-          </a:fillRef>
-          <a:effectRef idx="0">
-            <a:schemeClr val="dk1"/>
-          </a:effectRef>
-          <a:fontRef idx="minor">
-            <a:schemeClr val="dk1"/>
-          </a:fontRef>
-        </p:style>
-        <p:txBody>
-          <a:bodyPr rtlCol="0" anchor="ctr"/>
-          <a:lstStyle/>
-          <a:p>
-            <a:pPr algn="ctr"/>
-            <a:endParaRPr lang="en-GB"/>
-          </a:p>
-        </p:txBody>
-      </p:sp>
-      <p:sp>
-        <p:nvSpPr>
-          <p:cNvPr id="6" name="TextBox 5">
-            <a:extLst>
-              <a:ext uri="{FF2B5EF4-FFF2-40B4-BE49-F238E27FC236}">
-                <a16:creationId xmlns:a16="http://schemas.microsoft.com/office/drawing/2014/main" id="{4D57F034-8C15-4D7F-B04A-62EF385331E7}"/>
-              </a:ext>
-            </a:extLst>
-          </p:cNvPr>
-          <p:cNvSpPr txBox="1"/>
-          <p:nvPr/>
-        </p:nvSpPr>
-        <p:spPr>
-          <a:xfrm>
-            <a:off x="1000921" y="1923720"/>
-            <a:ext cx="1493615" cy="738664"/>
-          </a:xfrm>
-          <a:prstGeom prst="rect">
-            <a:avLst/>
-          </a:prstGeom>
-          <a:noFill/>
-        </p:spPr>
-        <p:txBody>
-          <a:bodyPr wrap="none" rtlCol="0">
-            <a:spAutoFit/>
-          </a:bodyPr>
-          <a:lstStyle/>
-          <a:p>
-            <a:pPr algn="ctr"/>
-            <a:r>
-              <a:rPr lang="en-US" sz="1400"/>
-              <a:t>Biochemistry</a:t>
-            </a:r>
-          </a:p>
-          <a:p>
-            <a:pPr algn="ctr"/>
-            <a:r>
-              <a:rPr lang="en-US" sz="1400"/>
-              <a:t>People with UREA</a:t>
-            </a:r>
-          </a:p>
-          <a:p>
-            <a:pPr algn="ctr"/>
-            <a:r>
-              <a:rPr lang="en-US" sz="1400"/>
-              <a:t>Tests over 100</a:t>
-            </a:r>
-            <a:endParaRPr lang="en-GB" sz="1400"/>
-          </a:p>
-        </p:txBody>
-      </p:sp>
-      <p:sp>
-        <p:nvSpPr>
-          <p:cNvPr id="7" name="TextBox 6">
-            <a:extLst>
-              <a:ext uri="{FF2B5EF4-FFF2-40B4-BE49-F238E27FC236}">
-                <a16:creationId xmlns:a16="http://schemas.microsoft.com/office/drawing/2014/main" id="{2DB7026B-B494-459A-9C43-D645942749CD}"/>
-              </a:ext>
-            </a:extLst>
-          </p:cNvPr>
-          <p:cNvSpPr txBox="1"/>
-          <p:nvPr/>
-        </p:nvSpPr>
-        <p:spPr>
-          <a:xfrm>
-            <a:off x="1368398" y="3756970"/>
-            <a:ext cx="930063" cy="600164"/>
-          </a:xfrm>
-          <a:prstGeom prst="rect">
-            <a:avLst/>
-          </a:prstGeom>
-          <a:noFill/>
-        </p:spPr>
-        <p:txBody>
-          <a:bodyPr wrap="none" rtlCol="0">
-            <a:spAutoFit/>
-          </a:bodyPr>
-          <a:lstStyle/>
-          <a:p>
-            <a:r>
-              <a:rPr lang="en-US" sz="1100"/>
-              <a:t>Biochemistry</a:t>
-            </a:r>
-          </a:p>
-          <a:p>
-            <a:r>
-              <a:rPr lang="en-US" sz="1100"/>
-              <a:t>People with </a:t>
-            </a:r>
-          </a:p>
-          <a:p>
-            <a:r>
-              <a:rPr lang="en-US" sz="1100"/>
-              <a:t>Sodium tests</a:t>
-            </a:r>
-            <a:endParaRPr lang="en-GB" sz="1100"/>
-          </a:p>
-        </p:txBody>
-      </p:sp>
-      <p:sp>
-        <p:nvSpPr>
-          <p:cNvPr id="8" name="TextBox 7">
-            <a:extLst>
-              <a:ext uri="{FF2B5EF4-FFF2-40B4-BE49-F238E27FC236}">
-                <a16:creationId xmlns:a16="http://schemas.microsoft.com/office/drawing/2014/main" id="{9C7DC4F6-A048-4E71-93E9-24600512C875}"/>
-              </a:ext>
-            </a:extLst>
-          </p:cNvPr>
-          <p:cNvSpPr txBox="1"/>
-          <p:nvPr/>
-        </p:nvSpPr>
-        <p:spPr>
-          <a:xfrm>
-            <a:off x="1214319" y="5480051"/>
-            <a:ext cx="1319592" cy="769441"/>
-          </a:xfrm>
-          <a:prstGeom prst="rect">
-            <a:avLst/>
-          </a:prstGeom>
-          <a:noFill/>
-        </p:spPr>
-        <p:txBody>
-          <a:bodyPr wrap="none" rtlCol="0">
-            <a:spAutoFit/>
-          </a:bodyPr>
-          <a:lstStyle/>
-          <a:p>
-            <a:r>
-              <a:rPr lang="en-US" sz="1100"/>
-              <a:t>People who have</a:t>
-            </a:r>
-          </a:p>
-          <a:p>
-            <a:r>
-              <a:rPr lang="en-US" sz="1100"/>
-              <a:t>Ever Been residents</a:t>
-            </a:r>
-          </a:p>
-          <a:p>
-            <a:pPr algn="ctr"/>
-            <a:r>
-              <a:rPr lang="en-US" sz="1100"/>
-              <a:t>Of Fife</a:t>
-            </a:r>
-          </a:p>
-          <a:p>
-            <a:endParaRPr lang="en-GB" sz="1100"/>
-          </a:p>
-        </p:txBody>
-      </p:sp>
-      <p:cxnSp>
-        <p:nvCxnSpPr>
-          <p:cNvPr id="9" name="Straight Arrow Connector 8">
-            <a:extLst>
-              <a:ext uri="{FF2B5EF4-FFF2-40B4-BE49-F238E27FC236}">
-                <a16:creationId xmlns:a16="http://schemas.microsoft.com/office/drawing/2014/main" id="{C3DE4B30-51FC-46E9-B297-03B96B3E3EEA}"/>
-              </a:ext>
-            </a:extLst>
-          </p:cNvPr>
-          <p:cNvCxnSpPr/>
-          <p:nvPr/>
-        </p:nvCxnSpPr>
-        <p:spPr>
-          <a:xfrm>
-            <a:off x="2867025" y="2751014"/>
-            <a:ext cx="3924300" cy="0"/>
-          </a:xfrm>
-          <a:prstGeom prst="straightConnector1">
-            <a:avLst/>
-          </a:prstGeom>
-          <a:ln>
-            <a:tailEnd type="triangle"/>
-          </a:ln>
-        </p:spPr>
-        <p:style>
-          <a:lnRef idx="1">
-            <a:schemeClr val="accent1"/>
-          </a:lnRef>
-          <a:fillRef idx="0">
-            <a:schemeClr val="accent1"/>
-          </a:fillRef>
-          <a:effectRef idx="0">
-            <a:schemeClr val="accent1"/>
-          </a:effectRef>
-          <a:fontRef idx="minor">
-            <a:schemeClr val="tx1"/>
-          </a:fontRef>
-        </p:style>
-      </p:cxnSp>
-      <p:sp>
-        <p:nvSpPr>
-          <p:cNvPr id="11" name="TextBox 10">
-            <a:extLst>
-              <a:ext uri="{FF2B5EF4-FFF2-40B4-BE49-F238E27FC236}">
-                <a16:creationId xmlns:a16="http://schemas.microsoft.com/office/drawing/2014/main" id="{80225154-A753-42FD-A5B5-6DB377AC949C}"/>
-              </a:ext>
-            </a:extLst>
-          </p:cNvPr>
-          <p:cNvSpPr txBox="1"/>
-          <p:nvPr/>
-        </p:nvSpPr>
-        <p:spPr>
-          <a:xfrm>
-            <a:off x="3894945" y="2935680"/>
-            <a:ext cx="1868460" cy="369332"/>
-          </a:xfrm>
-          <a:prstGeom prst="rect">
-            <a:avLst/>
-          </a:prstGeom>
-          <a:noFill/>
-        </p:spPr>
-        <p:txBody>
-          <a:bodyPr wrap="none" rtlCol="0">
-            <a:spAutoFit/>
-          </a:bodyPr>
-          <a:lstStyle/>
-          <a:p>
-            <a:r>
-              <a:rPr lang="en-US"/>
-              <a:t>List of unique chis</a:t>
-            </a:r>
-            <a:endParaRPr lang="en-GB"/>
-          </a:p>
-        </p:txBody>
-      </p:sp>
-      <p:cxnSp>
-        <p:nvCxnSpPr>
-          <p:cNvPr id="12" name="Straight Arrow Connector 11">
-            <a:extLst>
-              <a:ext uri="{FF2B5EF4-FFF2-40B4-BE49-F238E27FC236}">
-                <a16:creationId xmlns:a16="http://schemas.microsoft.com/office/drawing/2014/main" id="{6E4ADF0E-40B3-4D7C-8225-EF532544CFC1}"/>
-              </a:ext>
-            </a:extLst>
-          </p:cNvPr>
-          <p:cNvCxnSpPr>
-            <a:cxnSpLocks/>
-          </p:cNvCxnSpPr>
-          <p:nvPr/>
-        </p:nvCxnSpPr>
-        <p:spPr>
-          <a:xfrm flipH="1" flipV="1">
-            <a:off x="2857500" y="2907105"/>
-            <a:ext cx="3924300" cy="12515"/>
-          </a:xfrm>
-          <a:prstGeom prst="straightConnector1">
-            <a:avLst/>
-          </a:prstGeom>
-          <a:ln>
-            <a:tailEnd type="triangle"/>
-          </a:ln>
-        </p:spPr>
-        <p:style>
-          <a:lnRef idx="1">
-            <a:schemeClr val="accent1"/>
-          </a:lnRef>
-          <a:fillRef idx="0">
-            <a:schemeClr val="accent1"/>
-          </a:fillRef>
-          <a:effectRef idx="0">
-            <a:schemeClr val="accent1"/>
-          </a:effectRef>
-          <a:fontRef idx="minor">
-            <a:schemeClr val="tx1"/>
-          </a:fontRef>
-        </p:style>
-      </p:cxnSp>
-      <p:pic>
-        <p:nvPicPr>
-          <p:cNvPr id="13" name="Picture 12">
-            <a:extLst>
-              <a:ext uri="{FF2B5EF4-FFF2-40B4-BE49-F238E27FC236}">
-                <a16:creationId xmlns:a16="http://schemas.microsoft.com/office/drawing/2014/main" id="{45D9917A-8419-42E5-B5B0-12DD839FCF91}"/>
-              </a:ext>
-            </a:extLst>
-          </p:cNvPr>
-          <p:cNvPicPr>
-            <a:picLocks noChangeAspect="1"/>
-          </p:cNvPicPr>
-          <p:nvPr/>
-        </p:nvPicPr>
-        <p:blipFill>
-          <a:blip r:embed="rId2"/>
-          <a:stretch>
-            <a:fillRect/>
-          </a:stretch>
-        </p:blipFill>
-        <p:spPr>
-          <a:xfrm>
-            <a:off x="3517001" y="1330707"/>
-            <a:ext cx="2578999" cy="1358024"/>
+            <a:off x="6920917" y="506369"/>
+            <a:ext cx="4271994" cy="5986506"/>
           </a:xfrm>
           <a:prstGeom prst="rect">
             <a:avLst/>
@@ -5046,1302 +3931,7 @@
     </p:spTree>
     <p:extLst>
       <p:ext uri="{BB962C8B-B14F-4D97-AF65-F5344CB8AC3E}">
-        <p14:creationId xmlns:p14="http://schemas.microsoft.com/office/powerpoint/2010/main" val="935709164"/>
-      </p:ext>
-    </p:extLst>
-  </p:cSld>
-  <p:clrMapOvr>
-    <a:masterClrMapping/>
-  </p:clrMapOvr>
-</p:sld>
-</file>
-
-<file path=ppt/slides/slide13.xml><?xml version="1.0" encoding="utf-8"?>
-<p:sld xmlns:a="http://schemas.openxmlformats.org/drawingml/2006/main" xmlns:r="http://schemas.openxmlformats.org/officeDocument/2006/relationships" xmlns:p="http://schemas.openxmlformats.org/presentationml/2006/main">
-  <p:cSld>
-    <p:spTree>
-      <p:nvGrpSpPr>
-        <p:cNvPr id="1" name=""/>
-        <p:cNvGrpSpPr/>
-        <p:nvPr/>
-      </p:nvGrpSpPr>
-      <p:grpSpPr>
-        <a:xfrm>
-          <a:off x="0" y="0"/>
-          <a:ext cx="0" cy="0"/>
-          <a:chOff x="0" y="0"/>
-          <a:chExt cx="0" cy="0"/>
-        </a:xfrm>
-      </p:grpSpPr>
-      <p:pic>
-        <p:nvPicPr>
-          <p:cNvPr id="5" name="Picture 4">
-            <a:extLst>
-              <a:ext uri="{FF2B5EF4-FFF2-40B4-BE49-F238E27FC236}">
-                <a16:creationId xmlns:a16="http://schemas.microsoft.com/office/drawing/2014/main" id="{70D498BB-17DD-4485-91F7-63F304671044}"/>
-              </a:ext>
-            </a:extLst>
-          </p:cNvPr>
-          <p:cNvPicPr>
-            <a:picLocks noChangeAspect="1"/>
-          </p:cNvPicPr>
-          <p:nvPr/>
-        </p:nvPicPr>
-        <p:blipFill>
-          <a:blip r:embed="rId2"/>
-          <a:stretch>
-            <a:fillRect/>
-          </a:stretch>
-        </p:blipFill>
-        <p:spPr>
-          <a:xfrm>
-            <a:off x="2929015" y="4428311"/>
-            <a:ext cx="6572442" cy="2064564"/>
-          </a:xfrm>
-          <a:prstGeom prst="rect">
-            <a:avLst/>
-          </a:prstGeom>
-        </p:spPr>
-      </p:pic>
-      <p:sp>
-        <p:nvSpPr>
-          <p:cNvPr id="2" name="Title 1">
-            <a:extLst>
-              <a:ext uri="{FF2B5EF4-FFF2-40B4-BE49-F238E27FC236}">
-                <a16:creationId xmlns:a16="http://schemas.microsoft.com/office/drawing/2014/main" id="{CE1997BA-4875-48C2-8087-4FA853F5BA4E}"/>
-              </a:ext>
-            </a:extLst>
-          </p:cNvPr>
-          <p:cNvSpPr>
-            <a:spLocks noGrp="1"/>
-          </p:cNvSpPr>
-          <p:nvPr>
-            <p:ph type="title"/>
-          </p:nvPr>
-        </p:nvSpPr>
-        <p:spPr/>
-        <p:txBody>
-          <a:bodyPr>
-            <a:normAutofit/>
-          </a:bodyPr>
-          <a:lstStyle/>
-          <a:p>
-            <a:pPr algn="ctr"/>
-            <a:r>
-              <a:rPr lang="en-US" sz="2800"/>
-              <a:t>Check each set(s) by combining with existing graph(s)</a:t>
-            </a:r>
-            <a:endParaRPr lang="en-GB" sz="2800"/>
-          </a:p>
-        </p:txBody>
-      </p:sp>
-      <p:sp>
-        <p:nvSpPr>
-          <p:cNvPr id="3" name="Oval 2">
-            <a:extLst>
-              <a:ext uri="{FF2B5EF4-FFF2-40B4-BE49-F238E27FC236}">
-                <a16:creationId xmlns:a16="http://schemas.microsoft.com/office/drawing/2014/main" id="{2BDAF33B-E6A1-4DCB-85DF-327DE13497EB}"/>
-              </a:ext>
-            </a:extLst>
-          </p:cNvPr>
-          <p:cNvSpPr/>
-          <p:nvPr/>
-        </p:nvSpPr>
-        <p:spPr>
-          <a:xfrm>
-            <a:off x="287200" y="1235906"/>
-            <a:ext cx="1644242" cy="1644242"/>
-          </a:xfrm>
-          <a:prstGeom prst="ellipse">
-            <a:avLst/>
-          </a:prstGeom>
-          <a:noFill/>
-          <a:effectLst>
-            <a:glow rad="139700">
-              <a:schemeClr val="accent6">
-                <a:satMod val="175000"/>
-                <a:alpha val="40000"/>
-              </a:schemeClr>
-            </a:glow>
-          </a:effectLst>
-        </p:spPr>
-        <p:style>
-          <a:lnRef idx="2">
-            <a:schemeClr val="dk1"/>
-          </a:lnRef>
-          <a:fillRef idx="1">
-            <a:schemeClr val="lt1"/>
-          </a:fillRef>
-          <a:effectRef idx="0">
-            <a:schemeClr val="dk1"/>
-          </a:effectRef>
-          <a:fontRef idx="minor">
-            <a:schemeClr val="dk1"/>
-          </a:fontRef>
-        </p:style>
-        <p:txBody>
-          <a:bodyPr rtlCol="0" anchor="ctr"/>
-          <a:lstStyle/>
-          <a:p>
-            <a:pPr algn="ctr"/>
-            <a:endParaRPr lang="en-GB"/>
-          </a:p>
-        </p:txBody>
-      </p:sp>
-      <p:sp>
-        <p:nvSpPr>
-          <p:cNvPr id="4" name="TextBox 3">
-            <a:extLst>
-              <a:ext uri="{FF2B5EF4-FFF2-40B4-BE49-F238E27FC236}">
-                <a16:creationId xmlns:a16="http://schemas.microsoft.com/office/drawing/2014/main" id="{B42D2A4E-DE7D-44D4-8A58-CB486B3EAC70}"/>
-              </a:ext>
-            </a:extLst>
-          </p:cNvPr>
-          <p:cNvSpPr txBox="1"/>
-          <p:nvPr/>
-        </p:nvSpPr>
-        <p:spPr>
-          <a:xfrm>
-            <a:off x="335096" y="1781677"/>
-            <a:ext cx="1493615" cy="738664"/>
-          </a:xfrm>
-          <a:prstGeom prst="rect">
-            <a:avLst/>
-          </a:prstGeom>
-          <a:noFill/>
-        </p:spPr>
-        <p:txBody>
-          <a:bodyPr wrap="none" rtlCol="0">
-            <a:spAutoFit/>
-          </a:bodyPr>
-          <a:lstStyle/>
-          <a:p>
-            <a:pPr algn="ctr"/>
-            <a:r>
-              <a:rPr lang="en-US" sz="1400"/>
-              <a:t>Biochemistry</a:t>
-            </a:r>
-          </a:p>
-          <a:p>
-            <a:pPr algn="ctr"/>
-            <a:r>
-              <a:rPr lang="en-US" sz="1400"/>
-              <a:t>People with UREA</a:t>
-            </a:r>
-          </a:p>
-          <a:p>
-            <a:pPr algn="ctr"/>
-            <a:r>
-              <a:rPr lang="en-US" sz="1400"/>
-              <a:t>Tests over 100</a:t>
-            </a:r>
-            <a:endParaRPr lang="en-GB" sz="1400"/>
-          </a:p>
-        </p:txBody>
-      </p:sp>
-      <p:pic>
-        <p:nvPicPr>
-          <p:cNvPr id="6" name="Picture 5">
-            <a:extLst>
-              <a:ext uri="{FF2B5EF4-FFF2-40B4-BE49-F238E27FC236}">
-                <a16:creationId xmlns:a16="http://schemas.microsoft.com/office/drawing/2014/main" id="{EB53B2A1-6C82-42C5-928A-8DF066737A66}"/>
-              </a:ext>
-            </a:extLst>
-          </p:cNvPr>
-          <p:cNvPicPr>
-            <a:picLocks noChangeAspect="1"/>
-          </p:cNvPicPr>
-          <p:nvPr/>
-        </p:nvPicPr>
-        <p:blipFill>
-          <a:blip r:embed="rId3"/>
-          <a:stretch>
-            <a:fillRect/>
-          </a:stretch>
-        </p:blipFill>
-        <p:spPr>
-          <a:xfrm>
-            <a:off x="2482442" y="1374895"/>
-            <a:ext cx="7870996" cy="2849229"/>
-          </a:xfrm>
-          <a:prstGeom prst="rect">
-            <a:avLst/>
-          </a:prstGeom>
-        </p:spPr>
-      </p:pic>
-      <p:sp>
-        <p:nvSpPr>
-          <p:cNvPr id="8" name="TextBox 7">
-            <a:extLst>
-              <a:ext uri="{FF2B5EF4-FFF2-40B4-BE49-F238E27FC236}">
-                <a16:creationId xmlns:a16="http://schemas.microsoft.com/office/drawing/2014/main" id="{C1B4BF25-B1BE-4D4F-A31E-876ED1953C30}"/>
-              </a:ext>
-            </a:extLst>
-          </p:cNvPr>
-          <p:cNvSpPr txBox="1"/>
-          <p:nvPr/>
-        </p:nvSpPr>
-        <p:spPr>
-          <a:xfrm>
-            <a:off x="467992" y="2971137"/>
-            <a:ext cx="1437701" cy="369332"/>
-          </a:xfrm>
-          <a:prstGeom prst="rect">
-            <a:avLst/>
-          </a:prstGeom>
-          <a:noFill/>
-        </p:spPr>
-        <p:txBody>
-          <a:bodyPr wrap="none" rtlCol="0">
-            <a:spAutoFit/>
-          </a:bodyPr>
-          <a:lstStyle/>
-          <a:p>
-            <a:r>
-              <a:rPr lang="en-US"/>
-              <a:t>Count = 7104</a:t>
-            </a:r>
-            <a:endParaRPr lang="en-GB"/>
-          </a:p>
-        </p:txBody>
-      </p:sp>
-    </p:spTree>
-    <p:extLst>
-      <p:ext uri="{BB962C8B-B14F-4D97-AF65-F5344CB8AC3E}">
-        <p14:creationId xmlns:p14="http://schemas.microsoft.com/office/powerpoint/2010/main" val="4016702716"/>
-      </p:ext>
-    </p:extLst>
-  </p:cSld>
-  <p:clrMapOvr>
-    <a:masterClrMapping/>
-  </p:clrMapOvr>
-</p:sld>
-</file>
-
-<file path=ppt/slides/slide14.xml><?xml version="1.0" encoding="utf-8"?>
-<p:sld xmlns:a="http://schemas.openxmlformats.org/drawingml/2006/main" xmlns:r="http://schemas.openxmlformats.org/officeDocument/2006/relationships" xmlns:p="http://schemas.openxmlformats.org/presentationml/2006/main">
-  <p:cSld>
-    <p:spTree>
-      <p:nvGrpSpPr>
-        <p:cNvPr id="1" name=""/>
-        <p:cNvGrpSpPr/>
-        <p:nvPr/>
-      </p:nvGrpSpPr>
-      <p:grpSpPr>
-        <a:xfrm>
-          <a:off x="0" y="0"/>
-          <a:ext cx="0" cy="0"/>
-          <a:chOff x="0" y="0"/>
-          <a:chExt cx="0" cy="0"/>
-        </a:xfrm>
-      </p:grpSpPr>
-      <p:sp>
-        <p:nvSpPr>
-          <p:cNvPr id="2" name="Title 1">
-            <a:extLst>
-              <a:ext uri="{FF2B5EF4-FFF2-40B4-BE49-F238E27FC236}">
-                <a16:creationId xmlns:a16="http://schemas.microsoft.com/office/drawing/2014/main" id="{06BE9252-0EBB-4209-BEB2-AAA5BF55FEBB}"/>
-              </a:ext>
-            </a:extLst>
-          </p:cNvPr>
-          <p:cNvSpPr>
-            <a:spLocks noGrp="1"/>
-          </p:cNvSpPr>
-          <p:nvPr>
-            <p:ph type="title"/>
-          </p:nvPr>
-        </p:nvSpPr>
-        <p:spPr/>
-        <p:txBody>
-          <a:bodyPr/>
-          <a:lstStyle/>
-          <a:p>
-            <a:r>
-              <a:rPr lang="en-US" sz="2800"/>
-              <a:t>Check each set(s) by viewing sample of matched records</a:t>
-            </a:r>
-            <a:endParaRPr lang="en-GB" sz="2800"/>
-          </a:p>
-        </p:txBody>
-      </p:sp>
-      <p:pic>
-        <p:nvPicPr>
-          <p:cNvPr id="3" name="Picture 2">
-            <a:extLst>
-              <a:ext uri="{FF2B5EF4-FFF2-40B4-BE49-F238E27FC236}">
-                <a16:creationId xmlns:a16="http://schemas.microsoft.com/office/drawing/2014/main" id="{50FF6AAD-5E33-45E6-9511-2F96C5AFA929}"/>
-              </a:ext>
-            </a:extLst>
-          </p:cNvPr>
-          <p:cNvPicPr>
-            <a:picLocks noChangeAspect="1"/>
-          </p:cNvPicPr>
-          <p:nvPr/>
-        </p:nvPicPr>
-        <p:blipFill>
-          <a:blip r:embed="rId2"/>
-          <a:stretch>
-            <a:fillRect/>
-          </a:stretch>
-        </p:blipFill>
-        <p:spPr>
-          <a:xfrm>
-            <a:off x="1877671" y="3710866"/>
-            <a:ext cx="10229561" cy="3133039"/>
-          </a:xfrm>
-          <a:prstGeom prst="rect">
-            <a:avLst/>
-          </a:prstGeom>
-        </p:spPr>
-      </p:pic>
-      <p:sp>
-        <p:nvSpPr>
-          <p:cNvPr id="4" name="Oval 3">
-            <a:extLst>
-              <a:ext uri="{FF2B5EF4-FFF2-40B4-BE49-F238E27FC236}">
-                <a16:creationId xmlns:a16="http://schemas.microsoft.com/office/drawing/2014/main" id="{FB949BFF-705E-4B34-A97A-734C59D7A0C1}"/>
-              </a:ext>
-            </a:extLst>
-          </p:cNvPr>
-          <p:cNvSpPr/>
-          <p:nvPr/>
-        </p:nvSpPr>
-        <p:spPr>
-          <a:xfrm>
-            <a:off x="136280" y="1771152"/>
-            <a:ext cx="1644242" cy="1644242"/>
-          </a:xfrm>
-          <a:prstGeom prst="ellipse">
-            <a:avLst/>
-          </a:prstGeom>
-          <a:noFill/>
-          <a:effectLst>
-            <a:glow rad="139700">
-              <a:schemeClr val="accent6">
-                <a:satMod val="175000"/>
-                <a:alpha val="40000"/>
-              </a:schemeClr>
-            </a:glow>
-          </a:effectLst>
-        </p:spPr>
-        <p:style>
-          <a:lnRef idx="2">
-            <a:schemeClr val="dk1"/>
-          </a:lnRef>
-          <a:fillRef idx="1">
-            <a:schemeClr val="lt1"/>
-          </a:fillRef>
-          <a:effectRef idx="0">
-            <a:schemeClr val="dk1"/>
-          </a:effectRef>
-          <a:fontRef idx="minor">
-            <a:schemeClr val="dk1"/>
-          </a:fontRef>
-        </p:style>
-        <p:txBody>
-          <a:bodyPr rtlCol="0" anchor="ctr"/>
-          <a:lstStyle/>
-          <a:p>
-            <a:pPr algn="ctr"/>
-            <a:endParaRPr lang="en-GB"/>
-          </a:p>
-        </p:txBody>
-      </p:sp>
-      <p:sp>
-        <p:nvSpPr>
-          <p:cNvPr id="5" name="TextBox 4">
-            <a:extLst>
-              <a:ext uri="{FF2B5EF4-FFF2-40B4-BE49-F238E27FC236}">
-                <a16:creationId xmlns:a16="http://schemas.microsoft.com/office/drawing/2014/main" id="{EC99E198-3AB9-474E-884C-C1637EFFA89C}"/>
-              </a:ext>
-            </a:extLst>
-          </p:cNvPr>
-          <p:cNvSpPr txBox="1"/>
-          <p:nvPr/>
-        </p:nvSpPr>
-        <p:spPr>
-          <a:xfrm>
-            <a:off x="184176" y="2316923"/>
-            <a:ext cx="1493615" cy="738664"/>
-          </a:xfrm>
-          <a:prstGeom prst="rect">
-            <a:avLst/>
-          </a:prstGeom>
-          <a:noFill/>
-        </p:spPr>
-        <p:txBody>
-          <a:bodyPr wrap="none" rtlCol="0">
-            <a:spAutoFit/>
-          </a:bodyPr>
-          <a:lstStyle/>
-          <a:p>
-            <a:pPr algn="ctr"/>
-            <a:r>
-              <a:rPr lang="en-US" sz="1400"/>
-              <a:t>Biochemistry</a:t>
-            </a:r>
-          </a:p>
-          <a:p>
-            <a:pPr algn="ctr"/>
-            <a:r>
-              <a:rPr lang="en-US" sz="1400"/>
-              <a:t>People with UREA</a:t>
-            </a:r>
-          </a:p>
-          <a:p>
-            <a:pPr algn="ctr"/>
-            <a:r>
-              <a:rPr lang="en-US" sz="1400"/>
-              <a:t>Tests over 100</a:t>
-            </a:r>
-            <a:endParaRPr lang="en-GB" sz="1400"/>
-          </a:p>
-        </p:txBody>
-      </p:sp>
-      <p:sp>
-        <p:nvSpPr>
-          <p:cNvPr id="6" name="TextBox 5">
-            <a:extLst>
-              <a:ext uri="{FF2B5EF4-FFF2-40B4-BE49-F238E27FC236}">
-                <a16:creationId xmlns:a16="http://schemas.microsoft.com/office/drawing/2014/main" id="{6F15F1FA-AA80-46CA-8C8E-FD2B2F9C7CA1}"/>
-              </a:ext>
-            </a:extLst>
-          </p:cNvPr>
-          <p:cNvSpPr txBox="1"/>
-          <p:nvPr/>
-        </p:nvSpPr>
-        <p:spPr>
-          <a:xfrm>
-            <a:off x="317072" y="3506383"/>
-            <a:ext cx="1437701" cy="369332"/>
-          </a:xfrm>
-          <a:prstGeom prst="rect">
-            <a:avLst/>
-          </a:prstGeom>
-          <a:noFill/>
-        </p:spPr>
-        <p:txBody>
-          <a:bodyPr wrap="none" rtlCol="0">
-            <a:spAutoFit/>
-          </a:bodyPr>
-          <a:lstStyle/>
-          <a:p>
-            <a:r>
-              <a:rPr lang="en-US"/>
-              <a:t>Count = 7104</a:t>
-            </a:r>
-            <a:endParaRPr lang="en-GB"/>
-          </a:p>
-        </p:txBody>
-      </p:sp>
-    </p:spTree>
-    <p:extLst>
-      <p:ext uri="{BB962C8B-B14F-4D97-AF65-F5344CB8AC3E}">
-        <p14:creationId xmlns:p14="http://schemas.microsoft.com/office/powerpoint/2010/main" val="3872199317"/>
-      </p:ext>
-    </p:extLst>
-  </p:cSld>
-  <p:clrMapOvr>
-    <a:masterClrMapping/>
-  </p:clrMapOvr>
-</p:sld>
-</file>
-
-<file path=ppt/slides/slide15.xml><?xml version="1.0" encoding="utf-8"?>
-<p:sld xmlns:a="http://schemas.openxmlformats.org/drawingml/2006/main" xmlns:r="http://schemas.openxmlformats.org/officeDocument/2006/relationships" xmlns:p="http://schemas.openxmlformats.org/presentationml/2006/main">
-  <p:cSld>
-    <p:spTree>
-      <p:nvGrpSpPr>
-        <p:cNvPr id="1" name=""/>
-        <p:cNvGrpSpPr/>
-        <p:nvPr/>
-      </p:nvGrpSpPr>
-      <p:grpSpPr>
-        <a:xfrm>
-          <a:off x="0" y="0"/>
-          <a:ext cx="0" cy="0"/>
-          <a:chOff x="0" y="0"/>
-          <a:chExt cx="0" cy="0"/>
-        </a:xfrm>
-      </p:grpSpPr>
-      <p:sp>
-        <p:nvSpPr>
-          <p:cNvPr id="2" name="Title 1">
-            <a:extLst>
-              <a:ext uri="{FF2B5EF4-FFF2-40B4-BE49-F238E27FC236}">
-                <a16:creationId xmlns:a16="http://schemas.microsoft.com/office/drawing/2014/main" id="{4AD1D827-B02F-4752-BE3B-3CCCC99189AC}"/>
-              </a:ext>
-            </a:extLst>
-          </p:cNvPr>
-          <p:cNvSpPr>
-            <a:spLocks noGrp="1"/>
-          </p:cNvSpPr>
-          <p:nvPr>
-            <p:ph type="title"/>
-          </p:nvPr>
-        </p:nvSpPr>
-        <p:spPr/>
-        <p:txBody>
-          <a:bodyPr/>
-          <a:lstStyle/>
-          <a:p>
-            <a:r>
-              <a:rPr lang="en-US"/>
-              <a:t>Combine sets to answer final question</a:t>
-            </a:r>
-            <a:endParaRPr lang="en-GB"/>
-          </a:p>
-        </p:txBody>
-      </p:sp>
-      <p:pic>
-        <p:nvPicPr>
-          <p:cNvPr id="3" name="Picture 2">
-            <a:extLst>
-              <a:ext uri="{FF2B5EF4-FFF2-40B4-BE49-F238E27FC236}">
-                <a16:creationId xmlns:a16="http://schemas.microsoft.com/office/drawing/2014/main" id="{9E9F24B1-F42C-429E-8B3F-B3CBEAED7959}"/>
-              </a:ext>
-            </a:extLst>
-          </p:cNvPr>
-          <p:cNvPicPr>
-            <a:picLocks noChangeAspect="1"/>
-          </p:cNvPicPr>
-          <p:nvPr/>
-        </p:nvPicPr>
-        <p:blipFill>
-          <a:blip r:embed="rId2"/>
-          <a:stretch>
-            <a:fillRect/>
-          </a:stretch>
-        </p:blipFill>
-        <p:spPr>
-          <a:xfrm>
-            <a:off x="140380" y="1524005"/>
-            <a:ext cx="5824991" cy="5333995"/>
-          </a:xfrm>
-          <a:prstGeom prst="rect">
-            <a:avLst/>
-          </a:prstGeom>
-        </p:spPr>
-      </p:pic>
-      <p:sp>
-        <p:nvSpPr>
-          <p:cNvPr id="4" name="TextBox 3">
-            <a:extLst>
-              <a:ext uri="{FF2B5EF4-FFF2-40B4-BE49-F238E27FC236}">
-                <a16:creationId xmlns:a16="http://schemas.microsoft.com/office/drawing/2014/main" id="{FC0B3055-B282-4940-A899-3ABD858902AE}"/>
-              </a:ext>
-            </a:extLst>
-          </p:cNvPr>
-          <p:cNvSpPr txBox="1"/>
-          <p:nvPr/>
-        </p:nvSpPr>
-        <p:spPr>
-          <a:xfrm>
-            <a:off x="5471886" y="1690688"/>
-            <a:ext cx="6473371" cy="923330"/>
-          </a:xfrm>
-          <a:prstGeom prst="rect">
-            <a:avLst/>
-          </a:prstGeom>
-          <a:noFill/>
-        </p:spPr>
-        <p:txBody>
-          <a:bodyPr wrap="square" rtlCol="0">
-            <a:spAutoFit/>
-          </a:bodyPr>
-          <a:lstStyle/>
-          <a:p>
-            <a:pPr marL="285750" indent="-285750">
-              <a:buFont typeface="Arial" panose="020B0604020202020204" pitchFamily="34" charset="0"/>
-              <a:buChar char="•"/>
-            </a:pPr>
-            <a:r>
-              <a:rPr lang="en-US"/>
-              <a:t>People  who have a UREA test over 100</a:t>
-            </a:r>
-          </a:p>
-          <a:p>
-            <a:pPr marL="285750" indent="-285750">
-              <a:buFont typeface="Arial" panose="020B0604020202020204" pitchFamily="34" charset="0"/>
-              <a:buChar char="•"/>
-            </a:pPr>
-            <a:r>
-              <a:rPr lang="en-US"/>
-              <a:t>Who have never had a Sodium (NA) test</a:t>
-            </a:r>
-          </a:p>
-          <a:p>
-            <a:pPr marL="285750" indent="-285750">
-              <a:buFont typeface="Arial" panose="020B0604020202020204" pitchFamily="34" charset="0"/>
-              <a:buChar char="•"/>
-            </a:pPr>
-            <a:r>
-              <a:rPr lang="en-US"/>
-              <a:t>And have never been resident in Fife</a:t>
-            </a:r>
-            <a:endParaRPr lang="en-GB"/>
-          </a:p>
-        </p:txBody>
-      </p:sp>
-      <p:sp>
-        <p:nvSpPr>
-          <p:cNvPr id="5" name="Rectangle 4">
-            <a:extLst>
-              <a:ext uri="{FF2B5EF4-FFF2-40B4-BE49-F238E27FC236}">
-                <a16:creationId xmlns:a16="http://schemas.microsoft.com/office/drawing/2014/main" id="{D52FCF66-E8F6-4D62-8AB0-C4C407BB1C52}"/>
-              </a:ext>
-            </a:extLst>
-          </p:cNvPr>
-          <p:cNvSpPr/>
-          <p:nvPr/>
-        </p:nvSpPr>
-        <p:spPr>
-          <a:xfrm>
-            <a:off x="-1716620" y="1229023"/>
-            <a:ext cx="5318480" cy="923330"/>
-          </a:xfrm>
-          <a:prstGeom prst="rect">
-            <a:avLst/>
-          </a:prstGeom>
-        </p:spPr>
-        <p:txBody>
-          <a:bodyPr wrap="square">
-            <a:spAutoFit/>
-          </a:bodyPr>
-          <a:lstStyle/>
-          <a:p>
-            <a:pPr algn="ctr"/>
-            <a:r>
-              <a:rPr lang="en-US"/>
-              <a:t>Biochemistry</a:t>
-            </a:r>
-          </a:p>
-          <a:p>
-            <a:pPr algn="ctr"/>
-            <a:r>
-              <a:rPr lang="en-US"/>
-              <a:t>People with UREA</a:t>
-            </a:r>
-          </a:p>
-          <a:p>
-            <a:pPr algn="ctr"/>
-            <a:r>
-              <a:rPr lang="en-US"/>
-              <a:t>Tests over 100</a:t>
-            </a:r>
-            <a:endParaRPr lang="en-GB"/>
-          </a:p>
-        </p:txBody>
-      </p:sp>
-      <p:sp>
-        <p:nvSpPr>
-          <p:cNvPr id="6" name="TextBox 5">
-            <a:extLst>
-              <a:ext uri="{FF2B5EF4-FFF2-40B4-BE49-F238E27FC236}">
-                <a16:creationId xmlns:a16="http://schemas.microsoft.com/office/drawing/2014/main" id="{1AD3DF3A-8D0A-4A47-87FE-5AFC52B4AA83}"/>
-              </a:ext>
-            </a:extLst>
-          </p:cNvPr>
-          <p:cNvSpPr txBox="1"/>
-          <p:nvPr/>
-        </p:nvSpPr>
-        <p:spPr>
-          <a:xfrm>
-            <a:off x="5006854" y="4435927"/>
-            <a:ext cx="930063" cy="600164"/>
-          </a:xfrm>
-          <a:prstGeom prst="rect">
-            <a:avLst/>
-          </a:prstGeom>
-          <a:noFill/>
-        </p:spPr>
-        <p:txBody>
-          <a:bodyPr wrap="none" rtlCol="0">
-            <a:spAutoFit/>
-          </a:bodyPr>
-          <a:lstStyle/>
-          <a:p>
-            <a:r>
-              <a:rPr lang="en-US" sz="1100"/>
-              <a:t>Biochemistry</a:t>
-            </a:r>
-          </a:p>
-          <a:p>
-            <a:r>
-              <a:rPr lang="en-US" sz="1100"/>
-              <a:t>People with </a:t>
-            </a:r>
-          </a:p>
-          <a:p>
-            <a:r>
-              <a:rPr lang="en-US" sz="1100"/>
-              <a:t>Sodium tests</a:t>
-            </a:r>
-            <a:endParaRPr lang="en-GB" sz="1100"/>
-          </a:p>
-        </p:txBody>
-      </p:sp>
-      <p:sp>
-        <p:nvSpPr>
-          <p:cNvPr id="7" name="TextBox 6">
-            <a:extLst>
-              <a:ext uri="{FF2B5EF4-FFF2-40B4-BE49-F238E27FC236}">
-                <a16:creationId xmlns:a16="http://schemas.microsoft.com/office/drawing/2014/main" id="{45D7F842-1C2C-4667-8731-9D69A3DA1D82}"/>
-              </a:ext>
-            </a:extLst>
-          </p:cNvPr>
-          <p:cNvSpPr txBox="1"/>
-          <p:nvPr/>
-        </p:nvSpPr>
-        <p:spPr>
-          <a:xfrm>
-            <a:off x="140380" y="5764488"/>
-            <a:ext cx="1319592" cy="600164"/>
-          </a:xfrm>
-          <a:prstGeom prst="rect">
-            <a:avLst/>
-          </a:prstGeom>
-          <a:noFill/>
-        </p:spPr>
-        <p:txBody>
-          <a:bodyPr wrap="none" rtlCol="0">
-            <a:spAutoFit/>
-          </a:bodyPr>
-          <a:lstStyle/>
-          <a:p>
-            <a:r>
-              <a:rPr lang="en-US" sz="1100"/>
-              <a:t>People who have</a:t>
-            </a:r>
-          </a:p>
-          <a:p>
-            <a:r>
-              <a:rPr lang="en-US" sz="1100"/>
-              <a:t>Ever Been residents</a:t>
-            </a:r>
-          </a:p>
-          <a:p>
-            <a:r>
-              <a:rPr lang="en-US" sz="1100"/>
-              <a:t>Of Fife</a:t>
-            </a:r>
-          </a:p>
-        </p:txBody>
-      </p:sp>
-      <p:pic>
-        <p:nvPicPr>
-          <p:cNvPr id="9" name="Picture 8">
-            <a:extLst>
-              <a:ext uri="{FF2B5EF4-FFF2-40B4-BE49-F238E27FC236}">
-                <a16:creationId xmlns:a16="http://schemas.microsoft.com/office/drawing/2014/main" id="{287B397A-ED85-46E0-A1F6-9929FAF0BB52}"/>
-              </a:ext>
-            </a:extLst>
-          </p:cNvPr>
-          <p:cNvPicPr>
-            <a:picLocks noChangeAspect="1"/>
-          </p:cNvPicPr>
-          <p:nvPr/>
-        </p:nvPicPr>
-        <p:blipFill>
-          <a:blip r:embed="rId3"/>
-          <a:stretch>
-            <a:fillRect/>
-          </a:stretch>
-        </p:blipFill>
-        <p:spPr>
-          <a:xfrm>
-            <a:off x="4828147" y="5373911"/>
-            <a:ext cx="7363853" cy="1381318"/>
-          </a:xfrm>
-          <a:prstGeom prst="rect">
-            <a:avLst/>
-          </a:prstGeom>
-        </p:spPr>
-      </p:pic>
-      <p:sp>
-        <p:nvSpPr>
-          <p:cNvPr id="10" name="TextBox 9">
-            <a:extLst>
-              <a:ext uri="{FF2B5EF4-FFF2-40B4-BE49-F238E27FC236}">
-                <a16:creationId xmlns:a16="http://schemas.microsoft.com/office/drawing/2014/main" id="{84410498-FE78-479B-8C5F-8C27C155AA16}"/>
-              </a:ext>
-            </a:extLst>
-          </p:cNvPr>
-          <p:cNvSpPr txBox="1"/>
-          <p:nvPr/>
-        </p:nvSpPr>
-        <p:spPr>
-          <a:xfrm>
-            <a:off x="1593373" y="2978301"/>
-            <a:ext cx="1517210" cy="369332"/>
-          </a:xfrm>
-          <a:prstGeom prst="rect">
-            <a:avLst/>
-          </a:prstGeom>
-          <a:noFill/>
-        </p:spPr>
-        <p:txBody>
-          <a:bodyPr wrap="none" rtlCol="0">
-            <a:spAutoFit/>
-          </a:bodyPr>
-          <a:lstStyle/>
-          <a:p>
-            <a:r>
-              <a:rPr lang="en-US"/>
-              <a:t>5,975 Patients</a:t>
-            </a:r>
-            <a:endParaRPr lang="en-GB"/>
-          </a:p>
-        </p:txBody>
-      </p:sp>
-    </p:spTree>
-    <p:extLst>
-      <p:ext uri="{BB962C8B-B14F-4D97-AF65-F5344CB8AC3E}">
-        <p14:creationId xmlns:p14="http://schemas.microsoft.com/office/powerpoint/2010/main" val="1558505030"/>
-      </p:ext>
-    </p:extLst>
-  </p:cSld>
-  <p:clrMapOvr>
-    <a:masterClrMapping/>
-  </p:clrMapOvr>
-</p:sld>
-</file>
-
-<file path=ppt/slides/slide16.xml><?xml version="1.0" encoding="utf-8"?>
-<p:sld xmlns:a="http://schemas.openxmlformats.org/drawingml/2006/main" xmlns:r="http://schemas.openxmlformats.org/officeDocument/2006/relationships" xmlns:p="http://schemas.openxmlformats.org/presentationml/2006/main">
-  <p:cSld>
-    <p:spTree>
-      <p:nvGrpSpPr>
-        <p:cNvPr id="1" name=""/>
-        <p:cNvGrpSpPr/>
-        <p:nvPr/>
-      </p:nvGrpSpPr>
-      <p:grpSpPr>
-        <a:xfrm>
-          <a:off x="0" y="0"/>
-          <a:ext cx="0" cy="0"/>
-          <a:chOff x="0" y="0"/>
-          <a:chExt cx="0" cy="0"/>
-        </a:xfrm>
-      </p:grpSpPr>
-      <p:sp>
-        <p:nvSpPr>
-          <p:cNvPr id="3" name="Title 1">
-            <a:extLst>
-              <a:ext uri="{FF2B5EF4-FFF2-40B4-BE49-F238E27FC236}">
-                <a16:creationId xmlns:a16="http://schemas.microsoft.com/office/drawing/2014/main" id="{A4C9F07B-A795-485B-9417-D8FF5A1F43D3}"/>
-              </a:ext>
-            </a:extLst>
-          </p:cNvPr>
-          <p:cNvSpPr>
-            <a:spLocks noGrp="1"/>
-          </p:cNvSpPr>
-          <p:nvPr>
-            <p:ph type="title"/>
-          </p:nvPr>
-        </p:nvSpPr>
-        <p:spPr>
-          <a:xfrm>
-            <a:off x="838200" y="365125"/>
-            <a:ext cx="10515600" cy="1325563"/>
-          </a:xfrm>
-        </p:spPr>
-        <p:txBody>
-          <a:bodyPr/>
-          <a:lstStyle/>
-          <a:p>
-            <a:pPr algn="ctr"/>
-            <a:r>
-              <a:rPr lang="en-US"/>
-              <a:t>Run Graphs on Final Matched Patients</a:t>
-            </a:r>
-            <a:endParaRPr lang="en-GB"/>
-          </a:p>
-        </p:txBody>
-      </p:sp>
-      <p:pic>
-        <p:nvPicPr>
-          <p:cNvPr id="2" name="Picture 1">
-            <a:extLst>
-              <a:ext uri="{FF2B5EF4-FFF2-40B4-BE49-F238E27FC236}">
-                <a16:creationId xmlns:a16="http://schemas.microsoft.com/office/drawing/2014/main" id="{0AB796C5-179E-4E7D-96EB-B9C858F3692A}"/>
-              </a:ext>
-            </a:extLst>
-          </p:cNvPr>
-          <p:cNvPicPr>
-            <a:picLocks noChangeAspect="1"/>
-          </p:cNvPicPr>
-          <p:nvPr/>
-        </p:nvPicPr>
-        <p:blipFill>
-          <a:blip r:embed="rId2"/>
-          <a:stretch>
-            <a:fillRect/>
-          </a:stretch>
-        </p:blipFill>
-        <p:spPr>
-          <a:xfrm>
-            <a:off x="1530220" y="1387884"/>
-            <a:ext cx="9321282" cy="4790304"/>
-          </a:xfrm>
-          <a:prstGeom prst="rect">
-            <a:avLst/>
-          </a:prstGeom>
-        </p:spPr>
-      </p:pic>
-      <p:sp>
-        <p:nvSpPr>
-          <p:cNvPr id="5" name="TextBox 4">
-            <a:extLst>
-              <a:ext uri="{FF2B5EF4-FFF2-40B4-BE49-F238E27FC236}">
-                <a16:creationId xmlns:a16="http://schemas.microsoft.com/office/drawing/2014/main" id="{A1B74E92-9C74-421A-B707-FA2E61646E87}"/>
-              </a:ext>
-            </a:extLst>
-          </p:cNvPr>
-          <p:cNvSpPr txBox="1"/>
-          <p:nvPr/>
-        </p:nvSpPr>
-        <p:spPr>
-          <a:xfrm>
-            <a:off x="2433931" y="6123543"/>
-            <a:ext cx="2493696" cy="369332"/>
-          </a:xfrm>
-          <a:prstGeom prst="rect">
-            <a:avLst/>
-          </a:prstGeom>
-          <a:noFill/>
-        </p:spPr>
-        <p:txBody>
-          <a:bodyPr wrap="none" rtlCol="0">
-            <a:spAutoFit/>
-          </a:bodyPr>
-          <a:lstStyle/>
-          <a:p>
-            <a:r>
-              <a:rPr lang="en-US"/>
-              <a:t>All Biochemistry Records</a:t>
-            </a:r>
-            <a:endParaRPr lang="en-GB"/>
-          </a:p>
-        </p:txBody>
-      </p:sp>
-      <p:sp>
-        <p:nvSpPr>
-          <p:cNvPr id="6" name="TextBox 5">
-            <a:extLst>
-              <a:ext uri="{FF2B5EF4-FFF2-40B4-BE49-F238E27FC236}">
-                <a16:creationId xmlns:a16="http://schemas.microsoft.com/office/drawing/2014/main" id="{9643D4FB-2AAC-45AF-998C-0EDA6221DDF9}"/>
-              </a:ext>
-            </a:extLst>
-          </p:cNvPr>
-          <p:cNvSpPr txBox="1"/>
-          <p:nvPr/>
-        </p:nvSpPr>
-        <p:spPr>
-          <a:xfrm>
-            <a:off x="6280764" y="6164421"/>
-            <a:ext cx="4570738" cy="369332"/>
-          </a:xfrm>
-          <a:prstGeom prst="rect">
-            <a:avLst/>
-          </a:prstGeom>
-          <a:noFill/>
-        </p:spPr>
-        <p:txBody>
-          <a:bodyPr wrap="none" rtlCol="0">
-            <a:spAutoFit/>
-          </a:bodyPr>
-          <a:lstStyle/>
-          <a:p>
-            <a:r>
-              <a:rPr lang="en-US"/>
-              <a:t>Biochemistry records of patients in final cohort</a:t>
-            </a:r>
-            <a:endParaRPr lang="en-GB"/>
-          </a:p>
-        </p:txBody>
-      </p:sp>
-    </p:spTree>
-    <p:extLst>
-      <p:ext uri="{BB962C8B-B14F-4D97-AF65-F5344CB8AC3E}">
-        <p14:creationId xmlns:p14="http://schemas.microsoft.com/office/powerpoint/2010/main" val="3279893822"/>
-      </p:ext>
-    </p:extLst>
-  </p:cSld>
-  <p:clrMapOvr>
-    <a:masterClrMapping/>
-  </p:clrMapOvr>
-</p:sld>
-</file>
-
-<file path=ppt/slides/slide17.xml><?xml version="1.0" encoding="utf-8"?>
-<p:sld xmlns:a="http://schemas.openxmlformats.org/drawingml/2006/main" xmlns:r="http://schemas.openxmlformats.org/officeDocument/2006/relationships" xmlns:p="http://schemas.openxmlformats.org/presentationml/2006/main">
-  <p:cSld>
-    <p:spTree>
-      <p:nvGrpSpPr>
-        <p:cNvPr id="1" name=""/>
-        <p:cNvGrpSpPr/>
-        <p:nvPr/>
-      </p:nvGrpSpPr>
-      <p:grpSpPr>
-        <a:xfrm>
-          <a:off x="0" y="0"/>
-          <a:ext cx="0" cy="0"/>
-          <a:chOff x="0" y="0"/>
-          <a:chExt cx="0" cy="0"/>
-        </a:xfrm>
-      </p:grpSpPr>
-      <p:sp>
-        <p:nvSpPr>
-          <p:cNvPr id="2" name="Title 1">
-            <a:extLst>
-              <a:ext uri="{FF2B5EF4-FFF2-40B4-BE49-F238E27FC236}">
-                <a16:creationId xmlns:a16="http://schemas.microsoft.com/office/drawing/2014/main" id="{FE341572-7E57-4757-8778-5A5FFE8C8582}"/>
-              </a:ext>
-            </a:extLst>
-          </p:cNvPr>
-          <p:cNvSpPr>
-            <a:spLocks noGrp="1"/>
-          </p:cNvSpPr>
-          <p:nvPr>
-            <p:ph type="title"/>
-          </p:nvPr>
-        </p:nvSpPr>
-        <p:spPr/>
-        <p:txBody>
-          <a:bodyPr/>
-          <a:lstStyle/>
-          <a:p>
-            <a:pPr algn="ctr"/>
-            <a:r>
-              <a:rPr lang="en-US"/>
-              <a:t>Run Graphs on Final Matched Patients</a:t>
-            </a:r>
-            <a:endParaRPr lang="en-GB"/>
-          </a:p>
-        </p:txBody>
-      </p:sp>
-      <p:pic>
-        <p:nvPicPr>
-          <p:cNvPr id="5" name="Picture 4">
-            <a:extLst>
-              <a:ext uri="{FF2B5EF4-FFF2-40B4-BE49-F238E27FC236}">
-                <a16:creationId xmlns:a16="http://schemas.microsoft.com/office/drawing/2014/main" id="{DCD91877-8EED-46D7-B5E5-315FCF1942C9}"/>
-              </a:ext>
-            </a:extLst>
-          </p:cNvPr>
-          <p:cNvPicPr>
-            <a:picLocks noChangeAspect="1"/>
-          </p:cNvPicPr>
-          <p:nvPr/>
-        </p:nvPicPr>
-        <p:blipFill>
-          <a:blip r:embed="rId2"/>
-          <a:stretch>
-            <a:fillRect/>
-          </a:stretch>
-        </p:blipFill>
-        <p:spPr>
-          <a:xfrm>
-            <a:off x="1595097" y="1386868"/>
-            <a:ext cx="9001806" cy="4671470"/>
-          </a:xfrm>
-          <a:prstGeom prst="rect">
-            <a:avLst/>
-          </a:prstGeom>
-        </p:spPr>
-      </p:pic>
-      <p:sp>
-        <p:nvSpPr>
-          <p:cNvPr id="7" name="TextBox 6">
-            <a:extLst>
-              <a:ext uri="{FF2B5EF4-FFF2-40B4-BE49-F238E27FC236}">
-                <a16:creationId xmlns:a16="http://schemas.microsoft.com/office/drawing/2014/main" id="{032F7F9F-6C81-4495-8481-39D2069C2DE8}"/>
-              </a:ext>
-            </a:extLst>
-          </p:cNvPr>
-          <p:cNvSpPr txBox="1"/>
-          <p:nvPr/>
-        </p:nvSpPr>
-        <p:spPr>
-          <a:xfrm>
-            <a:off x="2433931" y="6123543"/>
-            <a:ext cx="2474845" cy="369332"/>
-          </a:xfrm>
-          <a:prstGeom prst="rect">
-            <a:avLst/>
-          </a:prstGeom>
-          <a:noFill/>
-        </p:spPr>
-        <p:txBody>
-          <a:bodyPr wrap="none" rtlCol="0">
-            <a:spAutoFit/>
-          </a:bodyPr>
-          <a:lstStyle/>
-          <a:p>
-            <a:r>
-              <a:rPr lang="en-US"/>
-              <a:t>All Demography Records</a:t>
-            </a:r>
-            <a:endParaRPr lang="en-GB"/>
-          </a:p>
-        </p:txBody>
-      </p:sp>
-      <p:sp>
-        <p:nvSpPr>
-          <p:cNvPr id="8" name="TextBox 7">
-            <a:extLst>
-              <a:ext uri="{FF2B5EF4-FFF2-40B4-BE49-F238E27FC236}">
-                <a16:creationId xmlns:a16="http://schemas.microsoft.com/office/drawing/2014/main" id="{79850677-6EA9-45BD-B4B2-3854761B3301}"/>
-              </a:ext>
-            </a:extLst>
-          </p:cNvPr>
-          <p:cNvSpPr txBox="1"/>
-          <p:nvPr/>
-        </p:nvSpPr>
-        <p:spPr>
-          <a:xfrm>
-            <a:off x="6280764" y="6164421"/>
-            <a:ext cx="4560031" cy="369332"/>
-          </a:xfrm>
-          <a:prstGeom prst="rect">
-            <a:avLst/>
-          </a:prstGeom>
-          <a:noFill/>
-        </p:spPr>
-        <p:txBody>
-          <a:bodyPr wrap="none" rtlCol="0">
-            <a:spAutoFit/>
-          </a:bodyPr>
-          <a:lstStyle/>
-          <a:p>
-            <a:r>
-              <a:rPr lang="en-US"/>
-              <a:t>Demography records of patients in final cohort</a:t>
-            </a:r>
-            <a:endParaRPr lang="en-GB"/>
-          </a:p>
-        </p:txBody>
-      </p:sp>
-    </p:spTree>
-    <p:extLst>
-      <p:ext uri="{BB962C8B-B14F-4D97-AF65-F5344CB8AC3E}">
-        <p14:creationId xmlns:p14="http://schemas.microsoft.com/office/powerpoint/2010/main" val="1376639511"/>
-      </p:ext>
-    </p:extLst>
-  </p:cSld>
-  <p:clrMapOvr>
-    <a:masterClrMapping/>
-  </p:clrMapOvr>
-</p:sld>
-</file>
-
-<file path=ppt/slides/slide18.xml><?xml version="1.0" encoding="utf-8"?>
-<p:sld xmlns:a="http://schemas.openxmlformats.org/drawingml/2006/main" xmlns:r="http://schemas.openxmlformats.org/officeDocument/2006/relationships" xmlns:p="http://schemas.openxmlformats.org/presentationml/2006/main">
-  <p:cSld>
-    <p:spTree>
-      <p:nvGrpSpPr>
-        <p:cNvPr id="1" name=""/>
-        <p:cNvGrpSpPr/>
-        <p:nvPr/>
-      </p:nvGrpSpPr>
-      <p:grpSpPr>
-        <a:xfrm>
-          <a:off x="0" y="0"/>
-          <a:ext cx="0" cy="0"/>
-          <a:chOff x="0" y="0"/>
-          <a:chExt cx="0" cy="0"/>
-        </a:xfrm>
-      </p:grpSpPr>
-      <p:sp>
-        <p:nvSpPr>
-          <p:cNvPr id="2" name="Title 1">
-            <a:extLst>
-              <a:ext uri="{FF2B5EF4-FFF2-40B4-BE49-F238E27FC236}">
-                <a16:creationId xmlns:a16="http://schemas.microsoft.com/office/drawing/2014/main" id="{FB87DE5C-544C-467A-8DF8-7F3ABDBA6284}"/>
-              </a:ext>
-            </a:extLst>
-          </p:cNvPr>
-          <p:cNvSpPr>
-            <a:spLocks noGrp="1"/>
-          </p:cNvSpPr>
-          <p:nvPr>
-            <p:ph type="title"/>
-          </p:nvPr>
-        </p:nvSpPr>
-        <p:spPr/>
-        <p:txBody>
-          <a:bodyPr/>
-          <a:lstStyle/>
-          <a:p>
-            <a:pPr algn="ctr"/>
-            <a:r>
-              <a:rPr lang="en-US"/>
-              <a:t>DLS Example</a:t>
-            </a:r>
-            <a:endParaRPr lang="en-GB"/>
-          </a:p>
-        </p:txBody>
-      </p:sp>
-      <p:sp>
-        <p:nvSpPr>
-          <p:cNvPr id="3" name="Content Placeholder 2">
-            <a:extLst>
-              <a:ext uri="{FF2B5EF4-FFF2-40B4-BE49-F238E27FC236}">
-                <a16:creationId xmlns:a16="http://schemas.microsoft.com/office/drawing/2014/main" id="{248FAED9-1048-450E-9E7E-43FEC9BC1AAC}"/>
-              </a:ext>
-            </a:extLst>
-          </p:cNvPr>
-          <p:cNvSpPr>
-            <a:spLocks noGrp="1"/>
-          </p:cNvSpPr>
-          <p:nvPr>
-            <p:ph idx="1"/>
-          </p:nvPr>
-        </p:nvSpPr>
-        <p:spPr/>
-        <p:txBody>
-          <a:bodyPr/>
-          <a:lstStyle/>
-          <a:p>
-            <a:endParaRPr lang="en-GB"/>
-          </a:p>
-        </p:txBody>
-      </p:sp>
-      <p:pic>
-        <p:nvPicPr>
-          <p:cNvPr id="4" name="Picture 3">
-            <a:extLst>
-              <a:ext uri="{FF2B5EF4-FFF2-40B4-BE49-F238E27FC236}">
-                <a16:creationId xmlns:a16="http://schemas.microsoft.com/office/drawing/2014/main" id="{243E120A-E3ED-4C38-B2D6-18A1E3E94028}"/>
-              </a:ext>
-            </a:extLst>
-          </p:cNvPr>
-          <p:cNvPicPr>
-            <a:picLocks noChangeAspect="1"/>
-          </p:cNvPicPr>
-          <p:nvPr/>
-        </p:nvPicPr>
-        <p:blipFill>
-          <a:blip r:embed="rId2"/>
-          <a:stretch>
-            <a:fillRect/>
-          </a:stretch>
-        </p:blipFill>
-        <p:spPr>
-          <a:xfrm>
-            <a:off x="838200" y="1740601"/>
-            <a:ext cx="10786242" cy="5117399"/>
-          </a:xfrm>
-          <a:prstGeom prst="rect">
-            <a:avLst/>
-          </a:prstGeom>
-        </p:spPr>
-      </p:pic>
-    </p:spTree>
-    <p:extLst>
-      <p:ext uri="{BB962C8B-B14F-4D97-AF65-F5344CB8AC3E}">
-        <p14:creationId xmlns:p14="http://schemas.microsoft.com/office/powerpoint/2010/main" val="2468800823"/>
+        <p14:creationId xmlns:p14="http://schemas.microsoft.com/office/powerpoint/2010/main" val="80542501"/>
       </p:ext>
     </p:extLst>
   </p:cSld>
@@ -6558,7 +4148,7 @@
             <p:nvPr/>
           </p:nvPicPr>
           <p:blipFill>
-            <a:blip r:embed="rId2"/>
+            <a:blip r:embed="rId3"/>
             <a:stretch>
               <a:fillRect/>
             </a:stretch>
@@ -6661,7 +4251,7 @@
             <p:nvPr/>
           </p:nvPicPr>
           <p:blipFill>
-            <a:blip r:embed="rId3"/>
+            <a:blip r:embed="rId4"/>
             <a:stretch>
               <a:fillRect/>
             </a:stretch>
@@ -6691,7 +4281,7 @@
             <p:nvPr/>
           </p:nvPicPr>
           <p:blipFill>
-            <a:blip r:embed="rId4"/>
+            <a:blip r:embed="rId5"/>
             <a:stretch>
               <a:fillRect/>
             </a:stretch>
@@ -6788,7 +4378,7 @@
             <p:nvPr/>
           </p:nvPicPr>
           <p:blipFill>
-            <a:blip r:embed="rId5"/>
+            <a:blip r:embed="rId6"/>
             <a:stretch>
               <a:fillRect/>
             </a:stretch>
@@ -6818,7 +4408,7 @@
             <p:nvPr/>
           </p:nvPicPr>
           <p:blipFill>
-            <a:blip r:embed="rId6"/>
+            <a:blip r:embed="rId7"/>
             <a:stretch>
               <a:fillRect/>
             </a:stretch>
@@ -7417,10 +5007,10 @@
       </p:sp>
       <p:pic>
         <p:nvPicPr>
-          <p:cNvPr id="4" name="Picture 3">
+          <p:cNvPr id="3" name="Picture 2">
             <a:extLst>
               <a:ext uri="{FF2B5EF4-FFF2-40B4-BE49-F238E27FC236}">
-                <a16:creationId xmlns:a16="http://schemas.microsoft.com/office/drawing/2014/main" id="{19696E05-1FE7-438A-BF73-BFE2111F4F12}"/>
+                <a16:creationId xmlns:a16="http://schemas.microsoft.com/office/drawing/2014/main" id="{A79AA92E-1BD0-44DE-A8C5-C502AA24F3D6}"/>
               </a:ext>
             </a:extLst>
           </p:cNvPr>
@@ -7437,14 +5027,573 @@
         </p:blipFill>
         <p:spPr>
           <a:xfrm>
-            <a:off x="1415282" y="1339995"/>
-            <a:ext cx="9361436" cy="5412740"/>
+            <a:off x="1504382" y="1298085"/>
+            <a:ext cx="9183236" cy="5309706"/>
           </a:xfrm>
           <a:prstGeom prst="rect">
             <a:avLst/>
           </a:prstGeom>
         </p:spPr>
       </p:pic>
+      <p:grpSp>
+        <p:nvGrpSpPr>
+          <p:cNvPr id="7" name="Group 6">
+            <a:extLst>
+              <a:ext uri="{FF2B5EF4-FFF2-40B4-BE49-F238E27FC236}">
+                <a16:creationId xmlns:a16="http://schemas.microsoft.com/office/drawing/2014/main" id="{25BBC08D-CDE3-4DE0-8956-6A2BB9F5F706}"/>
+              </a:ext>
+            </a:extLst>
+          </p:cNvPr>
+          <p:cNvGrpSpPr/>
+          <p:nvPr/>
+        </p:nvGrpSpPr>
+        <p:grpSpPr>
+          <a:xfrm>
+            <a:off x="4813110" y="837063"/>
+            <a:ext cx="1373876" cy="1346579"/>
+            <a:chOff x="4813110" y="837063"/>
+            <a:chExt cx="1373876" cy="1346579"/>
+          </a:xfrm>
+        </p:grpSpPr>
+        <p:sp>
+          <p:nvSpPr>
+            <p:cNvPr id="4" name="Rectangle: Rounded Corners 3">
+              <a:extLst>
+                <a:ext uri="{FF2B5EF4-FFF2-40B4-BE49-F238E27FC236}">
+                  <a16:creationId xmlns:a16="http://schemas.microsoft.com/office/drawing/2014/main" id="{2D014929-043F-4E43-B097-573C7561F8EF}"/>
+                </a:ext>
+              </a:extLst>
+            </p:cNvPr>
+            <p:cNvSpPr/>
+            <p:nvPr/>
+          </p:nvSpPr>
+          <p:spPr>
+            <a:xfrm>
+              <a:off x="5004180" y="837063"/>
+              <a:ext cx="1182806" cy="315446"/>
+            </a:xfrm>
+            <a:prstGeom prst="roundRect">
+              <a:avLst/>
+            </a:prstGeom>
+          </p:spPr>
+          <p:style>
+            <a:lnRef idx="2">
+              <a:schemeClr val="accent1">
+                <a:shade val="50000"/>
+              </a:schemeClr>
+            </a:lnRef>
+            <a:fillRef idx="1">
+              <a:schemeClr val="accent1"/>
+            </a:fillRef>
+            <a:effectRef idx="0">
+              <a:schemeClr val="accent1"/>
+            </a:effectRef>
+            <a:fontRef idx="minor">
+              <a:schemeClr val="lt1"/>
+            </a:fontRef>
+          </p:style>
+          <p:txBody>
+            <a:bodyPr rtlCol="0" anchor="ctr"/>
+            <a:lstStyle/>
+            <a:p>
+              <a:pPr algn="ctr"/>
+              <a:r>
+                <a:rPr lang="en-GB" sz="1200" dirty="0"/>
+                <a:t>First dataset</a:t>
+              </a:r>
+            </a:p>
+          </p:txBody>
+        </p:sp>
+        <p:cxnSp>
+          <p:nvCxnSpPr>
+            <p:cNvPr id="6" name="Straight Arrow Connector 5">
+              <a:extLst>
+                <a:ext uri="{FF2B5EF4-FFF2-40B4-BE49-F238E27FC236}">
+                  <a16:creationId xmlns:a16="http://schemas.microsoft.com/office/drawing/2014/main" id="{AC3F2E5F-BB8A-4560-8919-948927FC1ABD}"/>
+                </a:ext>
+              </a:extLst>
+            </p:cNvPr>
+            <p:cNvCxnSpPr>
+              <a:stCxn id="4" idx="2"/>
+            </p:cNvCxnSpPr>
+            <p:nvPr/>
+          </p:nvCxnSpPr>
+          <p:spPr>
+            <a:xfrm flipH="1">
+              <a:off x="4813110" y="1152509"/>
+              <a:ext cx="782473" cy="1031133"/>
+            </a:xfrm>
+            <a:prstGeom prst="straightConnector1">
+              <a:avLst/>
+            </a:prstGeom>
+            <a:ln w="12700">
+              <a:tailEnd type="triangle"/>
+            </a:ln>
+          </p:spPr>
+          <p:style>
+            <a:lnRef idx="1">
+              <a:schemeClr val="accent1"/>
+            </a:lnRef>
+            <a:fillRef idx="0">
+              <a:schemeClr val="accent1"/>
+            </a:fillRef>
+            <a:effectRef idx="0">
+              <a:schemeClr val="accent1"/>
+            </a:effectRef>
+            <a:fontRef idx="minor">
+              <a:schemeClr val="tx1"/>
+            </a:fontRef>
+          </p:style>
+        </p:cxnSp>
+      </p:grpSp>
+      <p:grpSp>
+        <p:nvGrpSpPr>
+          <p:cNvPr id="8" name="Group 7">
+            <a:extLst>
+              <a:ext uri="{FF2B5EF4-FFF2-40B4-BE49-F238E27FC236}">
+                <a16:creationId xmlns:a16="http://schemas.microsoft.com/office/drawing/2014/main" id="{4BF1B35D-C523-4131-96BF-F317A510CA8D}"/>
+              </a:ext>
+            </a:extLst>
+          </p:cNvPr>
+          <p:cNvGrpSpPr/>
+          <p:nvPr/>
+        </p:nvGrpSpPr>
+        <p:grpSpPr>
+          <a:xfrm>
+            <a:off x="5249839" y="2413015"/>
+            <a:ext cx="2028967" cy="380227"/>
+            <a:chOff x="4847513" y="1837899"/>
+            <a:chExt cx="2028967" cy="380227"/>
+          </a:xfrm>
+        </p:grpSpPr>
+        <p:sp>
+          <p:nvSpPr>
+            <p:cNvPr id="9" name="Rectangle: Rounded Corners 8">
+              <a:extLst>
+                <a:ext uri="{FF2B5EF4-FFF2-40B4-BE49-F238E27FC236}">
+                  <a16:creationId xmlns:a16="http://schemas.microsoft.com/office/drawing/2014/main" id="{7DE92CC6-6880-45A2-AE24-BE3438F71282}"/>
+                </a:ext>
+              </a:extLst>
+            </p:cNvPr>
+            <p:cNvSpPr/>
+            <p:nvPr/>
+          </p:nvSpPr>
+          <p:spPr>
+            <a:xfrm>
+              <a:off x="5693674" y="1837899"/>
+              <a:ext cx="1182806" cy="315446"/>
+            </a:xfrm>
+            <a:prstGeom prst="roundRect">
+              <a:avLst/>
+            </a:prstGeom>
+          </p:spPr>
+          <p:style>
+            <a:lnRef idx="2">
+              <a:schemeClr val="accent1">
+                <a:shade val="50000"/>
+              </a:schemeClr>
+            </a:lnRef>
+            <a:fillRef idx="1">
+              <a:schemeClr val="accent1"/>
+            </a:fillRef>
+            <a:effectRef idx="0">
+              <a:schemeClr val="accent1"/>
+            </a:effectRef>
+            <a:fontRef idx="minor">
+              <a:schemeClr val="lt1"/>
+            </a:fontRef>
+          </p:style>
+          <p:txBody>
+            <a:bodyPr rtlCol="0" anchor="ctr"/>
+            <a:lstStyle/>
+            <a:p>
+              <a:pPr algn="ctr"/>
+              <a:r>
+                <a:rPr lang="en-GB" sz="1200" dirty="0"/>
+                <a:t>Filters</a:t>
+              </a:r>
+            </a:p>
+          </p:txBody>
+        </p:sp>
+        <p:cxnSp>
+          <p:nvCxnSpPr>
+            <p:cNvPr id="10" name="Straight Arrow Connector 9">
+              <a:extLst>
+                <a:ext uri="{FF2B5EF4-FFF2-40B4-BE49-F238E27FC236}">
+                  <a16:creationId xmlns:a16="http://schemas.microsoft.com/office/drawing/2014/main" id="{DA4D1969-BCBD-44A5-A56F-7F8FD83ACE13}"/>
+                </a:ext>
+              </a:extLst>
+            </p:cNvPr>
+            <p:cNvCxnSpPr>
+              <a:cxnSpLocks/>
+              <a:stCxn id="9" idx="1"/>
+            </p:cNvCxnSpPr>
+            <p:nvPr/>
+          </p:nvCxnSpPr>
+          <p:spPr>
+            <a:xfrm flipH="1">
+              <a:off x="4847513" y="1995622"/>
+              <a:ext cx="846161" cy="222504"/>
+            </a:xfrm>
+            <a:prstGeom prst="straightConnector1">
+              <a:avLst/>
+            </a:prstGeom>
+            <a:ln w="12700">
+              <a:tailEnd type="triangle"/>
+            </a:ln>
+          </p:spPr>
+          <p:style>
+            <a:lnRef idx="1">
+              <a:schemeClr val="accent1"/>
+            </a:lnRef>
+            <a:fillRef idx="0">
+              <a:schemeClr val="accent1"/>
+            </a:fillRef>
+            <a:effectRef idx="0">
+              <a:schemeClr val="accent1"/>
+            </a:effectRef>
+            <a:fontRef idx="minor">
+              <a:schemeClr val="tx1"/>
+            </a:fontRef>
+          </p:style>
+        </p:cxnSp>
+      </p:grpSp>
+      <p:grpSp>
+        <p:nvGrpSpPr>
+          <p:cNvPr id="14" name="Group 13">
+            <a:extLst>
+              <a:ext uri="{FF2B5EF4-FFF2-40B4-BE49-F238E27FC236}">
+                <a16:creationId xmlns:a16="http://schemas.microsoft.com/office/drawing/2014/main" id="{720EE7CA-986D-4599-8B28-5993FC3788FF}"/>
+              </a:ext>
+            </a:extLst>
+          </p:cNvPr>
+          <p:cNvGrpSpPr/>
+          <p:nvPr/>
+        </p:nvGrpSpPr>
+        <p:grpSpPr>
+          <a:xfrm>
+            <a:off x="191070" y="3248167"/>
+            <a:ext cx="2383808" cy="458748"/>
+            <a:chOff x="5004180" y="693761"/>
+            <a:chExt cx="2383808" cy="458748"/>
+          </a:xfrm>
+        </p:grpSpPr>
+        <p:sp>
+          <p:nvSpPr>
+            <p:cNvPr id="15" name="Rectangle: Rounded Corners 14">
+              <a:extLst>
+                <a:ext uri="{FF2B5EF4-FFF2-40B4-BE49-F238E27FC236}">
+                  <a16:creationId xmlns:a16="http://schemas.microsoft.com/office/drawing/2014/main" id="{1E178DE4-3913-45B4-845E-E8E8C5BEA498}"/>
+                </a:ext>
+              </a:extLst>
+            </p:cNvPr>
+            <p:cNvSpPr/>
+            <p:nvPr/>
+          </p:nvSpPr>
+          <p:spPr>
+            <a:xfrm>
+              <a:off x="5004180" y="837063"/>
+              <a:ext cx="1182806" cy="315446"/>
+            </a:xfrm>
+            <a:prstGeom prst="roundRect">
+              <a:avLst/>
+            </a:prstGeom>
+          </p:spPr>
+          <p:style>
+            <a:lnRef idx="2">
+              <a:schemeClr val="accent1">
+                <a:shade val="50000"/>
+              </a:schemeClr>
+            </a:lnRef>
+            <a:fillRef idx="1">
+              <a:schemeClr val="accent1"/>
+            </a:fillRef>
+            <a:effectRef idx="0">
+              <a:schemeClr val="accent1"/>
+            </a:effectRef>
+            <a:fontRef idx="minor">
+              <a:schemeClr val="lt1"/>
+            </a:fontRef>
+          </p:style>
+          <p:txBody>
+            <a:bodyPr rtlCol="0" anchor="ctr"/>
+            <a:lstStyle/>
+            <a:p>
+              <a:pPr algn="ctr"/>
+              <a:r>
+                <a:rPr lang="en-GB" sz="1200" dirty="0"/>
+                <a:t>Known params</a:t>
+              </a:r>
+            </a:p>
+          </p:txBody>
+        </p:sp>
+        <p:cxnSp>
+          <p:nvCxnSpPr>
+            <p:cNvPr id="16" name="Straight Arrow Connector 15">
+              <a:extLst>
+                <a:ext uri="{FF2B5EF4-FFF2-40B4-BE49-F238E27FC236}">
+                  <a16:creationId xmlns:a16="http://schemas.microsoft.com/office/drawing/2014/main" id="{13C549CA-017B-458A-879B-2542EB813E9D}"/>
+                </a:ext>
+              </a:extLst>
+            </p:cNvPr>
+            <p:cNvCxnSpPr>
+              <a:cxnSpLocks/>
+              <a:stCxn id="15" idx="3"/>
+            </p:cNvCxnSpPr>
+            <p:nvPr/>
+          </p:nvCxnSpPr>
+          <p:spPr>
+            <a:xfrm flipV="1">
+              <a:off x="6186986" y="693761"/>
+              <a:ext cx="1201002" cy="301025"/>
+            </a:xfrm>
+            <a:prstGeom prst="straightConnector1">
+              <a:avLst/>
+            </a:prstGeom>
+            <a:ln w="12700">
+              <a:tailEnd type="triangle"/>
+            </a:ln>
+          </p:spPr>
+          <p:style>
+            <a:lnRef idx="1">
+              <a:schemeClr val="accent1"/>
+            </a:lnRef>
+            <a:fillRef idx="0">
+              <a:schemeClr val="accent1"/>
+            </a:fillRef>
+            <a:effectRef idx="0">
+              <a:schemeClr val="accent1"/>
+            </a:effectRef>
+            <a:fontRef idx="minor">
+              <a:schemeClr val="tx1"/>
+            </a:fontRef>
+          </p:style>
+        </p:cxnSp>
+      </p:grpSp>
+      <p:grpSp>
+        <p:nvGrpSpPr>
+          <p:cNvPr id="19" name="Group 18">
+            <a:extLst>
+              <a:ext uri="{FF2B5EF4-FFF2-40B4-BE49-F238E27FC236}">
+                <a16:creationId xmlns:a16="http://schemas.microsoft.com/office/drawing/2014/main" id="{5448B618-27DA-4A8A-990F-0554EBD17B8D}"/>
+              </a:ext>
+            </a:extLst>
+          </p:cNvPr>
+          <p:cNvGrpSpPr/>
+          <p:nvPr/>
+        </p:nvGrpSpPr>
+        <p:grpSpPr>
+          <a:xfrm>
+            <a:off x="256323" y="4576683"/>
+            <a:ext cx="2427737" cy="473169"/>
+            <a:chOff x="5004180" y="679340"/>
+            <a:chExt cx="2427737" cy="473169"/>
+          </a:xfrm>
+        </p:grpSpPr>
+        <p:sp>
+          <p:nvSpPr>
+            <p:cNvPr id="20" name="Rectangle: Rounded Corners 19">
+              <a:extLst>
+                <a:ext uri="{FF2B5EF4-FFF2-40B4-BE49-F238E27FC236}">
+                  <a16:creationId xmlns:a16="http://schemas.microsoft.com/office/drawing/2014/main" id="{742D1C6C-63A9-49BC-9652-E384415687EC}"/>
+                </a:ext>
+              </a:extLst>
+            </p:cNvPr>
+            <p:cNvSpPr/>
+            <p:nvPr/>
+          </p:nvSpPr>
+          <p:spPr>
+            <a:xfrm>
+              <a:off x="5004180" y="837063"/>
+              <a:ext cx="1182806" cy="315446"/>
+            </a:xfrm>
+            <a:prstGeom prst="roundRect">
+              <a:avLst/>
+            </a:prstGeom>
+          </p:spPr>
+          <p:style>
+            <a:lnRef idx="2">
+              <a:schemeClr val="accent1">
+                <a:shade val="50000"/>
+              </a:schemeClr>
+            </a:lnRef>
+            <a:fillRef idx="1">
+              <a:schemeClr val="accent1"/>
+            </a:fillRef>
+            <a:effectRef idx="0">
+              <a:schemeClr val="accent1"/>
+            </a:effectRef>
+            <a:fontRef idx="minor">
+              <a:schemeClr val="lt1"/>
+            </a:fontRef>
+          </p:style>
+          <p:txBody>
+            <a:bodyPr rtlCol="0" anchor="ctr"/>
+            <a:lstStyle/>
+            <a:p>
+              <a:pPr algn="ctr"/>
+              <a:r>
+                <a:rPr lang="en-GB" sz="1200" dirty="0"/>
+                <a:t>Second dataset</a:t>
+              </a:r>
+            </a:p>
+          </p:txBody>
+        </p:sp>
+        <p:cxnSp>
+          <p:nvCxnSpPr>
+            <p:cNvPr id="21" name="Straight Arrow Connector 20">
+              <a:extLst>
+                <a:ext uri="{FF2B5EF4-FFF2-40B4-BE49-F238E27FC236}">
+                  <a16:creationId xmlns:a16="http://schemas.microsoft.com/office/drawing/2014/main" id="{3885700C-A497-4C99-A723-E1D6A7FE948A}"/>
+                </a:ext>
+              </a:extLst>
+            </p:cNvPr>
+            <p:cNvCxnSpPr>
+              <a:cxnSpLocks/>
+              <a:stCxn id="20" idx="3"/>
+            </p:cNvCxnSpPr>
+            <p:nvPr/>
+          </p:nvCxnSpPr>
+          <p:spPr>
+            <a:xfrm flipV="1">
+              <a:off x="6186986" y="679340"/>
+              <a:ext cx="1244931" cy="315446"/>
+            </a:xfrm>
+            <a:prstGeom prst="straightConnector1">
+              <a:avLst/>
+            </a:prstGeom>
+            <a:ln w="12700">
+              <a:tailEnd type="triangle"/>
+            </a:ln>
+          </p:spPr>
+          <p:style>
+            <a:lnRef idx="1">
+              <a:schemeClr val="accent1"/>
+            </a:lnRef>
+            <a:fillRef idx="0">
+              <a:schemeClr val="accent1"/>
+            </a:fillRef>
+            <a:effectRef idx="0">
+              <a:schemeClr val="accent1"/>
+            </a:effectRef>
+            <a:fontRef idx="minor">
+              <a:schemeClr val="tx1"/>
+            </a:fontRef>
+          </p:style>
+        </p:cxnSp>
+      </p:grpSp>
+      <p:grpSp>
+        <p:nvGrpSpPr>
+          <p:cNvPr id="24" name="Group 23">
+            <a:extLst>
+              <a:ext uri="{FF2B5EF4-FFF2-40B4-BE49-F238E27FC236}">
+                <a16:creationId xmlns:a16="http://schemas.microsoft.com/office/drawing/2014/main" id="{A8F936A0-8525-4F11-A8D0-B6043238BE74}"/>
+              </a:ext>
+            </a:extLst>
+          </p:cNvPr>
+          <p:cNvGrpSpPr/>
+          <p:nvPr/>
+        </p:nvGrpSpPr>
+        <p:grpSpPr>
+          <a:xfrm>
+            <a:off x="1934214" y="4362349"/>
+            <a:ext cx="1686992" cy="1576883"/>
+            <a:chOff x="3339153" y="-378881"/>
+            <a:chExt cx="1686992" cy="1576883"/>
+          </a:xfrm>
+        </p:grpSpPr>
+        <p:sp>
+          <p:nvSpPr>
+            <p:cNvPr id="25" name="Rectangle: Rounded Corners 24">
+              <a:extLst>
+                <a:ext uri="{FF2B5EF4-FFF2-40B4-BE49-F238E27FC236}">
+                  <a16:creationId xmlns:a16="http://schemas.microsoft.com/office/drawing/2014/main" id="{14FDC321-470E-46DB-8EA2-35133827F705}"/>
+                </a:ext>
+              </a:extLst>
+            </p:cNvPr>
+            <p:cNvSpPr/>
+            <p:nvPr/>
+          </p:nvSpPr>
+          <p:spPr>
+            <a:xfrm>
+              <a:off x="3339153" y="690579"/>
+              <a:ext cx="1686992" cy="507423"/>
+            </a:xfrm>
+            <a:prstGeom prst="roundRect">
+              <a:avLst/>
+            </a:prstGeom>
+          </p:spPr>
+          <p:style>
+            <a:lnRef idx="2">
+              <a:schemeClr val="accent1">
+                <a:shade val="50000"/>
+              </a:schemeClr>
+            </a:lnRef>
+            <a:fillRef idx="1">
+              <a:schemeClr val="accent1"/>
+            </a:fillRef>
+            <a:effectRef idx="0">
+              <a:schemeClr val="accent1"/>
+            </a:effectRef>
+            <a:fontRef idx="minor">
+              <a:schemeClr val="lt1"/>
+            </a:fontRef>
+          </p:style>
+          <p:txBody>
+            <a:bodyPr rtlCol="0" anchor="ctr"/>
+            <a:lstStyle/>
+            <a:p>
+              <a:pPr algn="ctr"/>
+              <a:r>
+                <a:rPr lang="en-GB" sz="1200" dirty="0"/>
+                <a:t>Datasets join type (Union or Intersection)</a:t>
+              </a:r>
+            </a:p>
+          </p:txBody>
+        </p:sp>
+        <p:cxnSp>
+          <p:nvCxnSpPr>
+            <p:cNvPr id="26" name="Straight Arrow Connector 25">
+              <a:extLst>
+                <a:ext uri="{FF2B5EF4-FFF2-40B4-BE49-F238E27FC236}">
+                  <a16:creationId xmlns:a16="http://schemas.microsoft.com/office/drawing/2014/main" id="{AA0C6373-FC1D-4D31-B188-57AD7D1BACDC}"/>
+                </a:ext>
+              </a:extLst>
+            </p:cNvPr>
+            <p:cNvCxnSpPr>
+              <a:cxnSpLocks/>
+              <a:stCxn id="25" idx="0"/>
+            </p:cNvCxnSpPr>
+            <p:nvPr/>
+          </p:nvCxnSpPr>
+          <p:spPr>
+            <a:xfrm flipH="1" flipV="1">
+              <a:off x="3761453" y="-378881"/>
+              <a:ext cx="421196" cy="1069460"/>
+            </a:xfrm>
+            <a:prstGeom prst="straightConnector1">
+              <a:avLst/>
+            </a:prstGeom>
+            <a:ln w="12700">
+              <a:tailEnd type="triangle"/>
+            </a:ln>
+          </p:spPr>
+          <p:style>
+            <a:lnRef idx="1">
+              <a:schemeClr val="accent1"/>
+            </a:lnRef>
+            <a:fillRef idx="0">
+              <a:schemeClr val="accent1"/>
+            </a:fillRef>
+            <a:effectRef idx="0">
+              <a:schemeClr val="accent1"/>
+            </a:effectRef>
+            <a:fontRef idx="minor">
+              <a:schemeClr val="tx1"/>
+            </a:fontRef>
+          </p:style>
+        </p:cxnSp>
+      </p:grpSp>
     </p:spTree>
     <p:extLst>
       <p:ext uri="{BB962C8B-B14F-4D97-AF65-F5344CB8AC3E}">
@@ -7477,7 +5626,13 @@
       </p:grpSpPr>
       <p:sp>
         <p:nvSpPr>
-          <p:cNvPr id="2" name="Title 1"/>
+          <p:cNvPr id="2" name="Title 1">
+            <a:extLst>
+              <a:ext uri="{FF2B5EF4-FFF2-40B4-BE49-F238E27FC236}">
+                <a16:creationId xmlns:a16="http://schemas.microsoft.com/office/drawing/2014/main" id="{8B569E49-816C-4E04-9B91-6DB7EBC260BC}"/>
+              </a:ext>
+            </a:extLst>
+          </p:cNvPr>
           <p:cNvSpPr>
             <a:spLocks noGrp="1"/>
           </p:cNvSpPr>
@@ -7499,7 +5654,13 @@
       </p:sp>
       <p:sp>
         <p:nvSpPr>
-          <p:cNvPr id="3" name="Content Placeholder 2"/>
+          <p:cNvPr id="3" name="Content Placeholder 2">
+            <a:extLst>
+              <a:ext uri="{FF2B5EF4-FFF2-40B4-BE49-F238E27FC236}">
+                <a16:creationId xmlns:a16="http://schemas.microsoft.com/office/drawing/2014/main" id="{9DF916A6-06D6-4F8A-AF43-0103CCA57CF8}"/>
+              </a:ext>
+            </a:extLst>
+          </p:cNvPr>
           <p:cNvSpPr>
             <a:spLocks noGrp="1"/>
           </p:cNvSpPr>
@@ -7512,78 +5673,53 @@
           <a:bodyPr/>
           <a:lstStyle/>
           <a:p>
+            <a:r>
+              <a:rPr lang="en-GB" dirty="0"/>
+              <a:t>All that you need for simpler cohort</a:t>
+            </a:r>
+          </a:p>
+          <a:p>
+            <a:r>
+              <a:rPr lang="en-GB" dirty="0"/>
+              <a:t>Good for starting more complex cohorts</a:t>
+            </a:r>
+          </a:p>
+          <a:p>
+            <a:endParaRPr lang="en-GB" dirty="0"/>
+          </a:p>
+          <a:p>
             <a:pPr marL="0" indent="0">
               <a:buNone/>
             </a:pPr>
             <a:r>
-              <a:rPr lang="en-US" dirty="0"/>
-              <a:t>“I want all </a:t>
-            </a:r>
-            <a:r>
-              <a:rPr lang="en-US" b="1" dirty="0">
-                <a:solidFill>
-                  <a:srgbClr val="FF0000"/>
-                </a:solidFill>
-              </a:rPr>
-              <a:t>patients who have been prescribed Diazepam</a:t>
-            </a:r>
-            <a:r>
-              <a:rPr lang="en-US" b="1" baseline="30000" dirty="0"/>
-              <a:t>1</a:t>
-            </a:r>
-            <a:r>
-              <a:rPr lang="en-US" b="1" dirty="0"/>
-              <a:t> </a:t>
-            </a:r>
-            <a:r>
-              <a:rPr lang="en-US" dirty="0"/>
-              <a:t>for the </a:t>
-            </a:r>
-            <a:r>
-              <a:rPr lang="en-US" b="1" dirty="0">
-                <a:solidFill>
-                  <a:srgbClr val="FF0000"/>
-                </a:solidFill>
-              </a:rPr>
-              <a:t>first time after 2000</a:t>
-            </a:r>
-            <a:r>
-              <a:rPr lang="en-US" b="1" baseline="30000" dirty="0"/>
-              <a:t>2</a:t>
-            </a:r>
-            <a:r>
-              <a:rPr lang="en-US" dirty="0"/>
-              <a:t> and who are </a:t>
-            </a:r>
-            <a:r>
-              <a:rPr lang="en-US" b="1" dirty="0">
-                <a:solidFill>
-                  <a:srgbClr val="FF0000"/>
-                </a:solidFill>
-              </a:rPr>
-              <a:t>still alive today</a:t>
-            </a:r>
-            <a:r>
-              <a:rPr lang="en-US" b="1" baseline="30000" dirty="0"/>
-              <a:t>3</a:t>
-            </a:r>
-            <a:r>
-              <a:rPr lang="en-US" dirty="0"/>
-              <a:t>”</a:t>
+              <a:rPr lang="en-GB" dirty="0"/>
+              <a:t>Gotchas:</a:t>
+            </a:r>
+          </a:p>
+          <a:p>
+            <a:r>
+              <a:rPr lang="en-GB" dirty="0"/>
+              <a:t>Can only use pre-defined filters from datasets (not new ones)</a:t>
+            </a:r>
+          </a:p>
+          <a:p>
+            <a:r>
+              <a:rPr lang="en-GB" dirty="0"/>
+              <a:t>Can only use 2 datasets for inclusion and 2 for exclusion</a:t>
             </a:r>
           </a:p>
           <a:p>
             <a:pPr marL="0" indent="0">
               <a:buNone/>
             </a:pPr>
-            <a:endParaRPr lang="en-US" dirty="0"/>
+            <a:endParaRPr lang="en-GB" dirty="0"/>
           </a:p>
         </p:txBody>
       </p:sp>
     </p:spTree>
     <p:extLst>
       <p:ext uri="{BB962C8B-B14F-4D97-AF65-F5344CB8AC3E}">
-        <p14:creationId xmlns:p14="http://schemas.microsoft.com/office/powerpoint/2010/main" val="535029506"/>
+        <p14:creationId xmlns:p14="http://schemas.microsoft.com/office/powerpoint/2010/main" val="1420120129"/>
       </p:ext>
     </p:extLst>
   </p:cSld>
@@ -7612,7 +5748,13 @@
       </p:grpSpPr>
       <p:pic>
         <p:nvPicPr>
-          <p:cNvPr id="6" name="Picture 5"/>
+          <p:cNvPr id="20" name="Picture 19">
+            <a:extLst>
+              <a:ext uri="{FF2B5EF4-FFF2-40B4-BE49-F238E27FC236}">
+                <a16:creationId xmlns:a16="http://schemas.microsoft.com/office/drawing/2014/main" id="{91F123A6-717C-4B09-A020-11EA1AA2C668}"/>
+              </a:ext>
+            </a:extLst>
+          </p:cNvPr>
           <p:cNvPicPr>
             <a:picLocks noChangeAspect="1"/>
           </p:cNvPicPr>
@@ -7626,566 +5768,494 @@
         </p:blipFill>
         <p:spPr>
           <a:xfrm>
-            <a:off x="2223372" y="792745"/>
-            <a:ext cx="4401164" cy="4001058"/>
+            <a:off x="1878914" y="1418886"/>
+            <a:ext cx="9882260" cy="4948274"/>
           </a:xfrm>
           <a:prstGeom prst="rect">
             <a:avLst/>
           </a:prstGeom>
         </p:spPr>
       </p:pic>
-      <p:cxnSp>
-        <p:nvCxnSpPr>
-          <p:cNvPr id="8" name="Straight Arrow Connector 7"/>
-          <p:cNvCxnSpPr/>
+      <p:sp>
+        <p:nvSpPr>
+          <p:cNvPr id="2" name="Title 1">
+            <a:extLst>
+              <a:ext uri="{FF2B5EF4-FFF2-40B4-BE49-F238E27FC236}">
+                <a16:creationId xmlns:a16="http://schemas.microsoft.com/office/drawing/2014/main" id="{026AA71A-09E4-498F-9784-AB65886C9CD6}"/>
+              </a:ext>
+            </a:extLst>
+          </p:cNvPr>
+          <p:cNvSpPr>
+            <a:spLocks noGrp="1"/>
+          </p:cNvSpPr>
+          <p:nvPr>
+            <p:ph type="title"/>
+          </p:nvPr>
+        </p:nvSpPr>
+        <p:spPr/>
+        <p:txBody>
+          <a:bodyPr/>
+          <a:lstStyle/>
+          <a:p>
+            <a:r>
+              <a:rPr lang="en-GB" dirty="0"/>
+              <a:t>The Result from the wizard</a:t>
+            </a:r>
+          </a:p>
+        </p:txBody>
+      </p:sp>
+      <p:grpSp>
+        <p:nvGrpSpPr>
+          <p:cNvPr id="5" name="Group 4">
+            <a:extLst>
+              <a:ext uri="{FF2B5EF4-FFF2-40B4-BE49-F238E27FC236}">
+                <a16:creationId xmlns:a16="http://schemas.microsoft.com/office/drawing/2014/main" id="{88C7E679-66B2-407A-B16A-22F469036517}"/>
+              </a:ext>
+            </a:extLst>
+          </p:cNvPr>
+          <p:cNvGrpSpPr/>
           <p:nvPr/>
-        </p:nvCxnSpPr>
-        <p:spPr>
+        </p:nvGrpSpPr>
+        <p:grpSpPr>
           <a:xfrm>
-            <a:off x="1942011" y="1611086"/>
-            <a:ext cx="879566" cy="104503"/>
+            <a:off x="2833261" y="2720614"/>
+            <a:ext cx="2841723" cy="1308309"/>
+            <a:chOff x="2516033" y="857035"/>
+            <a:chExt cx="2841723" cy="1308309"/>
           </a:xfrm>
-          <a:prstGeom prst="straightConnector1">
-            <a:avLst/>
-          </a:prstGeom>
-          <a:ln>
-            <a:tailEnd type="triangle"/>
-          </a:ln>
-        </p:spPr>
-        <p:style>
-          <a:lnRef idx="1">
-            <a:schemeClr val="accent1"/>
-          </a:lnRef>
-          <a:fillRef idx="0">
-            <a:schemeClr val="accent1"/>
-          </a:fillRef>
-          <a:effectRef idx="0">
-            <a:schemeClr val="accent1"/>
-          </a:effectRef>
-          <a:fontRef idx="minor">
-            <a:schemeClr val="tx1"/>
-          </a:fontRef>
-        </p:style>
-      </p:cxnSp>
-      <p:cxnSp>
-        <p:nvCxnSpPr>
-          <p:cNvPr id="10" name="Straight Arrow Connector 9"/>
-          <p:cNvCxnSpPr/>
+        </p:grpSpPr>
+        <p:sp>
+          <p:nvSpPr>
+            <p:cNvPr id="6" name="Rectangle: Rounded Corners 5">
+              <a:extLst>
+                <a:ext uri="{FF2B5EF4-FFF2-40B4-BE49-F238E27FC236}">
+                  <a16:creationId xmlns:a16="http://schemas.microsoft.com/office/drawing/2014/main" id="{1908BBD4-3277-4576-B14D-B2C277192381}"/>
+                </a:ext>
+              </a:extLst>
+            </p:cNvPr>
+            <p:cNvSpPr/>
+            <p:nvPr/>
+          </p:nvSpPr>
+          <p:spPr>
+            <a:xfrm>
+              <a:off x="4174950" y="857035"/>
+              <a:ext cx="1182806" cy="315446"/>
+            </a:xfrm>
+            <a:prstGeom prst="roundRect">
+              <a:avLst/>
+            </a:prstGeom>
+          </p:spPr>
+          <p:style>
+            <a:lnRef idx="2">
+              <a:schemeClr val="accent1">
+                <a:shade val="50000"/>
+              </a:schemeClr>
+            </a:lnRef>
+            <a:fillRef idx="1">
+              <a:schemeClr val="accent1"/>
+            </a:fillRef>
+            <a:effectRef idx="0">
+              <a:schemeClr val="accent1"/>
+            </a:effectRef>
+            <a:fontRef idx="minor">
+              <a:schemeClr val="lt1"/>
+            </a:fontRef>
+          </p:style>
+          <p:txBody>
+            <a:bodyPr rtlCol="0" anchor="ctr"/>
+            <a:lstStyle/>
+            <a:p>
+              <a:pPr algn="ctr"/>
+              <a:r>
+                <a:rPr lang="en-GB" sz="1200" dirty="0"/>
+                <a:t>First dataset</a:t>
+              </a:r>
+            </a:p>
+          </p:txBody>
+        </p:sp>
+        <p:cxnSp>
+          <p:nvCxnSpPr>
+            <p:cNvPr id="7" name="Straight Arrow Connector 6">
+              <a:extLst>
+                <a:ext uri="{FF2B5EF4-FFF2-40B4-BE49-F238E27FC236}">
+                  <a16:creationId xmlns:a16="http://schemas.microsoft.com/office/drawing/2014/main" id="{8E4FE291-C97C-44A2-A5EF-FA6C150F3687}"/>
+                </a:ext>
+              </a:extLst>
+            </p:cNvPr>
+            <p:cNvCxnSpPr>
+              <a:cxnSpLocks/>
+              <a:stCxn id="6" idx="2"/>
+            </p:cNvCxnSpPr>
+            <p:nvPr/>
+          </p:nvCxnSpPr>
+          <p:spPr>
+            <a:xfrm flipH="1">
+              <a:off x="2516033" y="1172481"/>
+              <a:ext cx="2250320" cy="992863"/>
+            </a:xfrm>
+            <a:prstGeom prst="straightConnector1">
+              <a:avLst/>
+            </a:prstGeom>
+            <a:ln w="12700">
+              <a:tailEnd type="triangle"/>
+            </a:ln>
+          </p:spPr>
+          <p:style>
+            <a:lnRef idx="1">
+              <a:schemeClr val="accent1"/>
+            </a:lnRef>
+            <a:fillRef idx="0">
+              <a:schemeClr val="accent1"/>
+            </a:fillRef>
+            <a:effectRef idx="0">
+              <a:schemeClr val="accent1"/>
+            </a:effectRef>
+            <a:fontRef idx="minor">
+              <a:schemeClr val="tx1"/>
+            </a:fontRef>
+          </p:style>
+        </p:cxnSp>
+      </p:grpSp>
+      <p:grpSp>
+        <p:nvGrpSpPr>
+          <p:cNvPr id="8" name="Group 7">
+            <a:extLst>
+              <a:ext uri="{FF2B5EF4-FFF2-40B4-BE49-F238E27FC236}">
+                <a16:creationId xmlns:a16="http://schemas.microsoft.com/office/drawing/2014/main" id="{72AFEF8A-7E77-4DF0-93C9-10E78C7E941D}"/>
+              </a:ext>
+            </a:extLst>
+          </p:cNvPr>
+          <p:cNvGrpSpPr/>
           <p:nvPr/>
-        </p:nvCxnSpPr>
-        <p:spPr>
-          <a:xfrm flipV="1">
-            <a:off x="1332753" y="1959430"/>
-            <a:ext cx="2385807" cy="1282526"/>
+        </p:nvGrpSpPr>
+        <p:grpSpPr>
+          <a:xfrm>
+            <a:off x="3166281" y="4191318"/>
+            <a:ext cx="2028967" cy="380227"/>
+            <a:chOff x="4847513" y="1837899"/>
+            <a:chExt cx="2028967" cy="380227"/>
           </a:xfrm>
-          <a:prstGeom prst="straightConnector1">
-            <a:avLst/>
-          </a:prstGeom>
-          <a:ln>
-            <a:tailEnd type="triangle"/>
-          </a:ln>
-        </p:spPr>
-        <p:style>
-          <a:lnRef idx="1">
-            <a:schemeClr val="accent1"/>
-          </a:lnRef>
-          <a:fillRef idx="0">
-            <a:schemeClr val="accent1"/>
-          </a:fillRef>
-          <a:effectRef idx="0">
-            <a:schemeClr val="accent1"/>
-          </a:effectRef>
-          <a:fontRef idx="minor">
-            <a:schemeClr val="tx1"/>
-          </a:fontRef>
-        </p:style>
-      </p:cxnSp>
-      <p:cxnSp>
-        <p:nvCxnSpPr>
-          <p:cNvPr id="12" name="Straight Arrow Connector 11"/>
-          <p:cNvCxnSpPr/>
+        </p:grpSpPr>
+        <p:sp>
+          <p:nvSpPr>
+            <p:cNvPr id="9" name="Rectangle: Rounded Corners 8">
+              <a:extLst>
+                <a:ext uri="{FF2B5EF4-FFF2-40B4-BE49-F238E27FC236}">
+                  <a16:creationId xmlns:a16="http://schemas.microsoft.com/office/drawing/2014/main" id="{737F2CBF-44EF-4A21-9FCF-E0997943F98A}"/>
+                </a:ext>
+              </a:extLst>
+            </p:cNvPr>
+            <p:cNvSpPr/>
+            <p:nvPr/>
+          </p:nvSpPr>
+          <p:spPr>
+            <a:xfrm>
+              <a:off x="5693674" y="1837899"/>
+              <a:ext cx="1182806" cy="315446"/>
+            </a:xfrm>
+            <a:prstGeom prst="roundRect">
+              <a:avLst/>
+            </a:prstGeom>
+          </p:spPr>
+          <p:style>
+            <a:lnRef idx="2">
+              <a:schemeClr val="accent1">
+                <a:shade val="50000"/>
+              </a:schemeClr>
+            </a:lnRef>
+            <a:fillRef idx="1">
+              <a:schemeClr val="accent1"/>
+            </a:fillRef>
+            <a:effectRef idx="0">
+              <a:schemeClr val="accent1"/>
+            </a:effectRef>
+            <a:fontRef idx="minor">
+              <a:schemeClr val="lt1"/>
+            </a:fontRef>
+          </p:style>
+          <p:txBody>
+            <a:bodyPr rtlCol="0" anchor="ctr"/>
+            <a:lstStyle/>
+            <a:p>
+              <a:pPr algn="ctr"/>
+              <a:r>
+                <a:rPr lang="en-GB" sz="1200" dirty="0"/>
+                <a:t>Filters</a:t>
+              </a:r>
+            </a:p>
+          </p:txBody>
+        </p:sp>
+        <p:cxnSp>
+          <p:nvCxnSpPr>
+            <p:cNvPr id="10" name="Straight Arrow Connector 9">
+              <a:extLst>
+                <a:ext uri="{FF2B5EF4-FFF2-40B4-BE49-F238E27FC236}">
+                  <a16:creationId xmlns:a16="http://schemas.microsoft.com/office/drawing/2014/main" id="{44E1AA92-BBCB-4B97-BA5A-85AC2FF166AE}"/>
+                </a:ext>
+              </a:extLst>
+            </p:cNvPr>
+            <p:cNvCxnSpPr>
+              <a:cxnSpLocks/>
+              <a:stCxn id="9" idx="1"/>
+            </p:cNvCxnSpPr>
+            <p:nvPr/>
+          </p:nvCxnSpPr>
+          <p:spPr>
+            <a:xfrm flipH="1">
+              <a:off x="4847513" y="1995622"/>
+              <a:ext cx="846161" cy="222504"/>
+            </a:xfrm>
+            <a:prstGeom prst="straightConnector1">
+              <a:avLst/>
+            </a:prstGeom>
+            <a:ln w="12700">
+              <a:tailEnd type="triangle"/>
+            </a:ln>
+          </p:spPr>
+          <p:style>
+            <a:lnRef idx="1">
+              <a:schemeClr val="accent1"/>
+            </a:lnRef>
+            <a:fillRef idx="0">
+              <a:schemeClr val="accent1"/>
+            </a:fillRef>
+            <a:effectRef idx="0">
+              <a:schemeClr val="accent1"/>
+            </a:effectRef>
+            <a:fontRef idx="minor">
+              <a:schemeClr val="tx1"/>
+            </a:fontRef>
+          </p:style>
+        </p:cxnSp>
+      </p:grpSp>
+      <p:grpSp>
+        <p:nvGrpSpPr>
+          <p:cNvPr id="14" name="Group 13">
+            <a:extLst>
+              <a:ext uri="{FF2B5EF4-FFF2-40B4-BE49-F238E27FC236}">
+                <a16:creationId xmlns:a16="http://schemas.microsoft.com/office/drawing/2014/main" id="{11BBFD11-C0BA-49EA-B54F-523990D350DB}"/>
+              </a:ext>
+            </a:extLst>
+          </p:cNvPr>
+          <p:cNvGrpSpPr/>
           <p:nvPr/>
-        </p:nvCxnSpPr>
-        <p:spPr>
-          <a:xfrm flipV="1">
-            <a:off x="2511589" y="2238103"/>
-            <a:ext cx="1529188" cy="1828800"/>
+        </p:nvGrpSpPr>
+        <p:grpSpPr>
+          <a:xfrm>
+            <a:off x="128301" y="4904096"/>
+            <a:ext cx="2432929" cy="577222"/>
+            <a:chOff x="5004180" y="575287"/>
+            <a:chExt cx="2432929" cy="577222"/>
           </a:xfrm>
-          <a:prstGeom prst="straightConnector1">
-            <a:avLst/>
-          </a:prstGeom>
-          <a:ln>
-            <a:tailEnd type="triangle"/>
-          </a:ln>
-        </p:spPr>
-        <p:style>
-          <a:lnRef idx="1">
-            <a:schemeClr val="accent1"/>
-          </a:lnRef>
-          <a:fillRef idx="0">
-            <a:schemeClr val="accent1"/>
-          </a:fillRef>
-          <a:effectRef idx="0">
-            <a:schemeClr val="accent1"/>
-          </a:effectRef>
-          <a:fontRef idx="minor">
-            <a:schemeClr val="tx1"/>
-          </a:fontRef>
-        </p:style>
-      </p:cxnSp>
-      <p:cxnSp>
-        <p:nvCxnSpPr>
-          <p:cNvPr id="15" name="Straight Arrow Connector 14"/>
-          <p:cNvCxnSpPr/>
+        </p:grpSpPr>
+        <p:sp>
+          <p:nvSpPr>
+            <p:cNvPr id="15" name="Rectangle: Rounded Corners 14">
+              <a:extLst>
+                <a:ext uri="{FF2B5EF4-FFF2-40B4-BE49-F238E27FC236}">
+                  <a16:creationId xmlns:a16="http://schemas.microsoft.com/office/drawing/2014/main" id="{A24DC256-209B-4EC0-9517-C70F98A4CB46}"/>
+                </a:ext>
+              </a:extLst>
+            </p:cNvPr>
+            <p:cNvSpPr/>
+            <p:nvPr/>
+          </p:nvSpPr>
+          <p:spPr>
+            <a:xfrm>
+              <a:off x="5004180" y="837063"/>
+              <a:ext cx="1182806" cy="315446"/>
+            </a:xfrm>
+            <a:prstGeom prst="roundRect">
+              <a:avLst/>
+            </a:prstGeom>
+          </p:spPr>
+          <p:style>
+            <a:lnRef idx="2">
+              <a:schemeClr val="accent1">
+                <a:shade val="50000"/>
+              </a:schemeClr>
+            </a:lnRef>
+            <a:fillRef idx="1">
+              <a:schemeClr val="accent1"/>
+            </a:fillRef>
+            <a:effectRef idx="0">
+              <a:schemeClr val="accent1"/>
+            </a:effectRef>
+            <a:fontRef idx="minor">
+              <a:schemeClr val="lt1"/>
+            </a:fontRef>
+          </p:style>
+          <p:txBody>
+            <a:bodyPr rtlCol="0" anchor="ctr"/>
+            <a:lstStyle/>
+            <a:p>
+              <a:pPr algn="ctr"/>
+              <a:r>
+                <a:rPr lang="en-GB" sz="1200" dirty="0"/>
+                <a:t>Second dataset</a:t>
+              </a:r>
+            </a:p>
+          </p:txBody>
+        </p:sp>
+        <p:cxnSp>
+          <p:nvCxnSpPr>
+            <p:cNvPr id="16" name="Straight Arrow Connector 15">
+              <a:extLst>
+                <a:ext uri="{FF2B5EF4-FFF2-40B4-BE49-F238E27FC236}">
+                  <a16:creationId xmlns:a16="http://schemas.microsoft.com/office/drawing/2014/main" id="{0B1CD2DB-0B1F-4575-8E68-7145CAA8510C}"/>
+                </a:ext>
+              </a:extLst>
+            </p:cNvPr>
+            <p:cNvCxnSpPr>
+              <a:cxnSpLocks/>
+              <a:stCxn id="15" idx="3"/>
+            </p:cNvCxnSpPr>
+            <p:nvPr/>
+          </p:nvCxnSpPr>
+          <p:spPr>
+            <a:xfrm flipV="1">
+              <a:off x="6186986" y="575287"/>
+              <a:ext cx="1250123" cy="419499"/>
+            </a:xfrm>
+            <a:prstGeom prst="straightConnector1">
+              <a:avLst/>
+            </a:prstGeom>
+            <a:ln w="12700">
+              <a:tailEnd type="triangle"/>
+            </a:ln>
+          </p:spPr>
+          <p:style>
+            <a:lnRef idx="1">
+              <a:schemeClr val="accent1"/>
+            </a:lnRef>
+            <a:fillRef idx="0">
+              <a:schemeClr val="accent1"/>
+            </a:fillRef>
+            <a:effectRef idx="0">
+              <a:schemeClr val="accent1"/>
+            </a:effectRef>
+            <a:fontRef idx="minor">
+              <a:schemeClr val="tx1"/>
+            </a:fontRef>
+          </p:style>
+        </p:cxnSp>
+      </p:grpSp>
+      <p:grpSp>
+        <p:nvGrpSpPr>
+          <p:cNvPr id="17" name="Group 16">
+            <a:extLst>
+              <a:ext uri="{FF2B5EF4-FFF2-40B4-BE49-F238E27FC236}">
+                <a16:creationId xmlns:a16="http://schemas.microsoft.com/office/drawing/2014/main" id="{AC3AC055-C68D-475C-A564-79A390602477}"/>
+              </a:ext>
+            </a:extLst>
+          </p:cNvPr>
+          <p:cNvGrpSpPr/>
           <p:nvPr/>
-        </p:nvCxnSpPr>
-        <p:spPr>
-          <a:xfrm flipH="1">
-            <a:off x="6313714" y="1828800"/>
-            <a:ext cx="592183" cy="513806"/>
+        </p:nvGrpSpPr>
+        <p:grpSpPr>
+          <a:xfrm>
+            <a:off x="105555" y="3554803"/>
+            <a:ext cx="2254799" cy="507423"/>
+            <a:chOff x="3339153" y="690579"/>
+            <a:chExt cx="2254799" cy="507423"/>
           </a:xfrm>
-          <a:prstGeom prst="straightConnector1">
-            <a:avLst/>
-          </a:prstGeom>
-          <a:ln>
-            <a:tailEnd type="triangle"/>
-          </a:ln>
-        </p:spPr>
-        <p:style>
-          <a:lnRef idx="1">
-            <a:schemeClr val="accent1"/>
-          </a:lnRef>
-          <a:fillRef idx="0">
-            <a:schemeClr val="accent1"/>
-          </a:fillRef>
-          <a:effectRef idx="0">
-            <a:schemeClr val="accent1"/>
-          </a:effectRef>
-          <a:fontRef idx="minor">
-            <a:schemeClr val="tx1"/>
-          </a:fontRef>
-        </p:style>
-      </p:cxnSp>
-      <p:cxnSp>
-        <p:nvCxnSpPr>
-          <p:cNvPr id="17" name="Straight Arrow Connector 16"/>
-          <p:cNvCxnSpPr/>
-          <p:nvPr/>
-        </p:nvCxnSpPr>
-        <p:spPr>
-          <a:xfrm flipV="1">
-            <a:off x="3467355" y="3113182"/>
-            <a:ext cx="322217" cy="1780637"/>
-          </a:xfrm>
-          <a:prstGeom prst="straightConnector1">
-            <a:avLst/>
-          </a:prstGeom>
-          <a:ln>
-            <a:tailEnd type="triangle"/>
-          </a:ln>
-        </p:spPr>
-        <p:style>
-          <a:lnRef idx="1">
-            <a:schemeClr val="accent1"/>
-          </a:lnRef>
-          <a:fillRef idx="0">
-            <a:schemeClr val="accent1"/>
-          </a:fillRef>
-          <a:effectRef idx="0">
-            <a:schemeClr val="accent1"/>
-          </a:effectRef>
-          <a:fontRef idx="minor">
-            <a:schemeClr val="tx1"/>
-          </a:fontRef>
-        </p:style>
-      </p:cxnSp>
-      <p:cxnSp>
-        <p:nvCxnSpPr>
-          <p:cNvPr id="19" name="Straight Arrow Connector 18"/>
-          <p:cNvCxnSpPr/>
-          <p:nvPr/>
-        </p:nvCxnSpPr>
-        <p:spPr>
-          <a:xfrm>
-            <a:off x="3172606" y="661851"/>
-            <a:ext cx="119234" cy="365760"/>
-          </a:xfrm>
-          <a:prstGeom prst="straightConnector1">
-            <a:avLst/>
-          </a:prstGeom>
-          <a:ln>
-            <a:tailEnd type="triangle"/>
-          </a:ln>
-        </p:spPr>
-        <p:style>
-          <a:lnRef idx="1">
-            <a:schemeClr val="accent1"/>
-          </a:lnRef>
-          <a:fillRef idx="0">
-            <a:schemeClr val="accent1"/>
-          </a:fillRef>
-          <a:effectRef idx="0">
-            <a:schemeClr val="accent1"/>
-          </a:effectRef>
-          <a:fontRef idx="minor">
-            <a:schemeClr val="tx1"/>
-          </a:fontRef>
-        </p:style>
-      </p:cxnSp>
-      <p:sp>
-        <p:nvSpPr>
-          <p:cNvPr id="21" name="TextBox 20"/>
-          <p:cNvSpPr txBox="1"/>
-          <p:nvPr/>
-        </p:nvSpPr>
-        <p:spPr>
-          <a:xfrm>
-            <a:off x="1645919" y="277887"/>
-            <a:ext cx="3332696" cy="461665"/>
-          </a:xfrm>
-          <a:prstGeom prst="rect">
-            <a:avLst/>
-          </a:prstGeom>
-          <a:noFill/>
-        </p:spPr>
-        <p:txBody>
-          <a:bodyPr wrap="square" rtlCol="0">
-            <a:spAutoFit/>
-          </a:bodyPr>
-          <a:lstStyle/>
-          <a:p>
-            <a:r>
-              <a:rPr lang="en-US" sz="1200" dirty="0"/>
-              <a:t>Set 1</a:t>
-            </a:r>
-          </a:p>
-          <a:p>
-            <a:r>
-              <a:rPr lang="en-US" sz="1200" dirty="0"/>
-              <a:t>People who have ever had Diazepam prescriptions</a:t>
-            </a:r>
-            <a:endParaRPr lang="en-GB" sz="1200" dirty="0"/>
-          </a:p>
-        </p:txBody>
-      </p:sp>
-      <p:cxnSp>
-        <p:nvCxnSpPr>
-          <p:cNvPr id="23" name="Straight Arrow Connector 22"/>
-          <p:cNvCxnSpPr/>
-          <p:nvPr/>
-        </p:nvCxnSpPr>
-        <p:spPr>
-          <a:xfrm flipH="1">
-            <a:off x="4116143" y="505550"/>
-            <a:ext cx="1143833" cy="1282018"/>
-          </a:xfrm>
-          <a:prstGeom prst="straightConnector1">
-            <a:avLst/>
-          </a:prstGeom>
-          <a:ln>
-            <a:tailEnd type="triangle"/>
-          </a:ln>
-        </p:spPr>
-        <p:style>
-          <a:lnRef idx="1">
-            <a:schemeClr val="accent1"/>
-          </a:lnRef>
-          <a:fillRef idx="0">
-            <a:schemeClr val="accent1"/>
-          </a:fillRef>
-          <a:effectRef idx="0">
-            <a:schemeClr val="accent1"/>
-          </a:effectRef>
-          <a:fontRef idx="minor">
-            <a:schemeClr val="tx1"/>
-          </a:fontRef>
-        </p:style>
-      </p:cxnSp>
-      <p:sp>
-        <p:nvSpPr>
-          <p:cNvPr id="28" name="TextBox 27"/>
-          <p:cNvSpPr txBox="1"/>
-          <p:nvPr/>
-        </p:nvSpPr>
-        <p:spPr>
-          <a:xfrm>
-            <a:off x="5033556" y="43885"/>
-            <a:ext cx="3884022" cy="461665"/>
-          </a:xfrm>
-          <a:prstGeom prst="rect">
-            <a:avLst/>
-          </a:prstGeom>
-          <a:noFill/>
-        </p:spPr>
-        <p:txBody>
-          <a:bodyPr wrap="square" rtlCol="0">
-            <a:spAutoFit/>
-          </a:bodyPr>
-          <a:lstStyle/>
-          <a:p>
-            <a:r>
-              <a:rPr lang="en-US" sz="1200" dirty="0"/>
-              <a:t>Set 2</a:t>
-            </a:r>
-          </a:p>
-          <a:p>
-            <a:r>
-              <a:rPr lang="en-US" sz="1200" dirty="0"/>
-              <a:t>People who collected diazepam prescriptions before 2000</a:t>
-            </a:r>
-            <a:endParaRPr lang="en-GB" sz="1200" dirty="0"/>
-          </a:p>
-        </p:txBody>
-      </p:sp>
-      <p:sp>
-        <p:nvSpPr>
-          <p:cNvPr id="29" name="TextBox 28"/>
-          <p:cNvSpPr txBox="1"/>
-          <p:nvPr/>
-        </p:nvSpPr>
-        <p:spPr>
-          <a:xfrm>
-            <a:off x="6751216" y="1218439"/>
-            <a:ext cx="1503617" cy="461665"/>
-          </a:xfrm>
-          <a:prstGeom prst="rect">
-            <a:avLst/>
-          </a:prstGeom>
-          <a:noFill/>
-        </p:spPr>
-        <p:txBody>
-          <a:bodyPr wrap="none" rtlCol="0">
-            <a:spAutoFit/>
-          </a:bodyPr>
-          <a:lstStyle/>
-          <a:p>
-            <a:r>
-              <a:rPr lang="en-US" sz="1200" dirty="0"/>
-              <a:t>Set 3 </a:t>
-            </a:r>
-          </a:p>
-          <a:p>
-            <a:r>
-              <a:rPr lang="en-US" sz="1200" dirty="0"/>
-              <a:t>People who are dead</a:t>
-            </a:r>
-            <a:endParaRPr lang="en-GB" sz="1200" dirty="0"/>
-          </a:p>
-        </p:txBody>
-      </p:sp>
-      <p:sp>
-        <p:nvSpPr>
-          <p:cNvPr id="31" name="TextBox 30"/>
-          <p:cNvSpPr txBox="1"/>
-          <p:nvPr/>
-        </p:nvSpPr>
-        <p:spPr>
-          <a:xfrm>
-            <a:off x="2821577" y="4985392"/>
-            <a:ext cx="5465855" cy="461665"/>
-          </a:xfrm>
-          <a:prstGeom prst="rect">
-            <a:avLst/>
-          </a:prstGeom>
-          <a:noFill/>
-        </p:spPr>
-        <p:txBody>
-          <a:bodyPr wrap="none" rtlCol="0">
-            <a:spAutoFit/>
-          </a:bodyPr>
-          <a:lstStyle/>
-          <a:p>
-            <a:r>
-              <a:rPr lang="en-US" sz="1200" dirty="0"/>
-              <a:t>Set 3 INTERSECT Set 1 EXCEPT Set 2</a:t>
-            </a:r>
-          </a:p>
-          <a:p>
-            <a:r>
-              <a:rPr lang="en-US" sz="1200" dirty="0"/>
-              <a:t>People who were prescribed diazepam for the first time after 2000 and are now dead</a:t>
-            </a:r>
-          </a:p>
-        </p:txBody>
-      </p:sp>
-      <p:sp>
-        <p:nvSpPr>
-          <p:cNvPr id="32" name="TextBox 31"/>
-          <p:cNvSpPr txBox="1"/>
-          <p:nvPr/>
-        </p:nvSpPr>
-        <p:spPr>
-          <a:xfrm>
-            <a:off x="705394" y="4116259"/>
-            <a:ext cx="2761961" cy="646331"/>
-          </a:xfrm>
-          <a:prstGeom prst="rect">
-            <a:avLst/>
-          </a:prstGeom>
-          <a:noFill/>
-        </p:spPr>
-        <p:txBody>
-          <a:bodyPr wrap="square" rtlCol="0">
-            <a:spAutoFit/>
-          </a:bodyPr>
-          <a:lstStyle/>
-          <a:p>
-            <a:r>
-              <a:rPr lang="en-US" sz="1200" dirty="0"/>
-              <a:t>Set 2 INTERSECT Set 3</a:t>
-            </a:r>
-          </a:p>
-          <a:p>
-            <a:r>
-              <a:rPr lang="en-US" sz="1200" dirty="0"/>
-              <a:t>People who were prescribed  diazepam before 2000 and are now dead</a:t>
-            </a:r>
-          </a:p>
-        </p:txBody>
-      </p:sp>
-      <p:sp>
-        <p:nvSpPr>
-          <p:cNvPr id="35" name="TextBox 34"/>
-          <p:cNvSpPr txBox="1"/>
-          <p:nvPr/>
-        </p:nvSpPr>
-        <p:spPr>
-          <a:xfrm>
-            <a:off x="205355" y="936117"/>
-            <a:ext cx="2306234" cy="830997"/>
-          </a:xfrm>
-          <a:prstGeom prst="rect">
-            <a:avLst/>
-          </a:prstGeom>
-          <a:noFill/>
-        </p:spPr>
-        <p:txBody>
-          <a:bodyPr wrap="square" rtlCol="0">
-            <a:spAutoFit/>
-          </a:bodyPr>
-          <a:lstStyle/>
-          <a:p>
-            <a:r>
-              <a:rPr lang="en-US" sz="1200" dirty="0"/>
-              <a:t>Set 1 EXCEPT Set 2 EXCEPT Set 3</a:t>
-            </a:r>
-          </a:p>
-          <a:p>
-            <a:r>
-              <a:rPr lang="en-US" sz="1200" dirty="0"/>
-              <a:t>People who were prescribed diazepam for the FIRST time after 2000 and are alive today</a:t>
-            </a:r>
-          </a:p>
-        </p:txBody>
-      </p:sp>
-      <p:sp>
-        <p:nvSpPr>
-          <p:cNvPr id="37" name="TextBox 36"/>
-          <p:cNvSpPr txBox="1"/>
-          <p:nvPr/>
-        </p:nvSpPr>
-        <p:spPr>
-          <a:xfrm>
-            <a:off x="-4466" y="3124535"/>
-            <a:ext cx="2660580" cy="646331"/>
-          </a:xfrm>
-          <a:prstGeom prst="rect">
-            <a:avLst/>
-          </a:prstGeom>
-          <a:noFill/>
-        </p:spPr>
-        <p:txBody>
-          <a:bodyPr wrap="square" rtlCol="0">
-            <a:spAutoFit/>
-          </a:bodyPr>
-          <a:lstStyle/>
-          <a:p>
-            <a:r>
-              <a:rPr lang="en-US" sz="1200" dirty="0"/>
-              <a:t>Set 2 EXCEPT Set 3</a:t>
-            </a:r>
-          </a:p>
-          <a:p>
-            <a:r>
-              <a:rPr lang="en-US" sz="1200" dirty="0"/>
-              <a:t>People who were prescribed diazepam before 2000 and are still alive</a:t>
-            </a:r>
-          </a:p>
-        </p:txBody>
-      </p:sp>
-      <p:cxnSp>
-        <p:nvCxnSpPr>
-          <p:cNvPr id="39" name="Straight Arrow Connector 38"/>
-          <p:cNvCxnSpPr/>
-          <p:nvPr/>
-        </p:nvCxnSpPr>
-        <p:spPr>
-          <a:xfrm flipH="1">
-            <a:off x="5991498" y="2749731"/>
-            <a:ext cx="1123405" cy="41367"/>
-          </a:xfrm>
-          <a:prstGeom prst="straightConnector1">
-            <a:avLst/>
-          </a:prstGeom>
-          <a:ln>
-            <a:tailEnd type="triangle"/>
-          </a:ln>
-        </p:spPr>
-        <p:style>
-          <a:lnRef idx="1">
-            <a:schemeClr val="accent1"/>
-          </a:lnRef>
-          <a:fillRef idx="0">
-            <a:schemeClr val="accent1"/>
-          </a:fillRef>
-          <a:effectRef idx="0">
-            <a:schemeClr val="accent1"/>
-          </a:effectRef>
-          <a:fontRef idx="minor">
-            <a:schemeClr val="tx1"/>
-          </a:fontRef>
-        </p:style>
-      </p:cxnSp>
-      <p:sp>
-        <p:nvSpPr>
-          <p:cNvPr id="41" name="TextBox 40"/>
-          <p:cNvSpPr txBox="1"/>
-          <p:nvPr/>
-        </p:nvSpPr>
-        <p:spPr>
-          <a:xfrm>
-            <a:off x="7090723" y="2560265"/>
-            <a:ext cx="1551830" cy="830997"/>
-          </a:xfrm>
-          <a:prstGeom prst="rect">
-            <a:avLst/>
-          </a:prstGeom>
-          <a:noFill/>
-        </p:spPr>
-        <p:txBody>
-          <a:bodyPr wrap="square" rtlCol="0">
-            <a:spAutoFit/>
-          </a:bodyPr>
-          <a:lstStyle/>
-          <a:p>
-            <a:r>
-              <a:rPr lang="en-US" sz="1200" dirty="0"/>
-              <a:t>Set 3  EXCEPT Set 1</a:t>
-            </a:r>
-          </a:p>
-          <a:p>
-            <a:r>
-              <a:rPr lang="en-US" sz="1200" dirty="0"/>
-              <a:t>People who are dead and have never been prescribed Diazepam</a:t>
-            </a:r>
-            <a:endParaRPr lang="en-GB" sz="1200" dirty="0"/>
-          </a:p>
-        </p:txBody>
-      </p:sp>
+        </p:grpSpPr>
+        <p:sp>
+          <p:nvSpPr>
+            <p:cNvPr id="18" name="Rectangle: Rounded Corners 17">
+              <a:extLst>
+                <a:ext uri="{FF2B5EF4-FFF2-40B4-BE49-F238E27FC236}">
+                  <a16:creationId xmlns:a16="http://schemas.microsoft.com/office/drawing/2014/main" id="{8D28D647-482A-44C3-8565-144DED30EF49}"/>
+                </a:ext>
+              </a:extLst>
+            </p:cNvPr>
+            <p:cNvSpPr/>
+            <p:nvPr/>
+          </p:nvSpPr>
+          <p:spPr>
+            <a:xfrm>
+              <a:off x="3339153" y="690579"/>
+              <a:ext cx="1686992" cy="507423"/>
+            </a:xfrm>
+            <a:prstGeom prst="roundRect">
+              <a:avLst/>
+            </a:prstGeom>
+          </p:spPr>
+          <p:style>
+            <a:lnRef idx="2">
+              <a:schemeClr val="accent1">
+                <a:shade val="50000"/>
+              </a:schemeClr>
+            </a:lnRef>
+            <a:fillRef idx="1">
+              <a:schemeClr val="accent1"/>
+            </a:fillRef>
+            <a:effectRef idx="0">
+              <a:schemeClr val="accent1"/>
+            </a:effectRef>
+            <a:fontRef idx="minor">
+              <a:schemeClr val="lt1"/>
+            </a:fontRef>
+          </p:style>
+          <p:txBody>
+            <a:bodyPr rtlCol="0" anchor="ctr"/>
+            <a:lstStyle/>
+            <a:p>
+              <a:pPr algn="ctr"/>
+              <a:r>
+                <a:rPr lang="en-GB" sz="1200" dirty="0"/>
+                <a:t>Datasets join type</a:t>
+              </a:r>
+            </a:p>
+          </p:txBody>
+        </p:sp>
+        <p:cxnSp>
+          <p:nvCxnSpPr>
+            <p:cNvPr id="19" name="Straight Arrow Connector 18">
+              <a:extLst>
+                <a:ext uri="{FF2B5EF4-FFF2-40B4-BE49-F238E27FC236}">
+                  <a16:creationId xmlns:a16="http://schemas.microsoft.com/office/drawing/2014/main" id="{14E7967F-577C-43DD-86E8-A8D8AB7801C1}"/>
+                </a:ext>
+              </a:extLst>
+            </p:cNvPr>
+            <p:cNvCxnSpPr>
+              <a:cxnSpLocks/>
+              <a:stCxn id="18" idx="3"/>
+            </p:cNvCxnSpPr>
+            <p:nvPr/>
+          </p:nvCxnSpPr>
+          <p:spPr>
+            <a:xfrm>
+              <a:off x="5026145" y="944291"/>
+              <a:ext cx="567807" cy="84508"/>
+            </a:xfrm>
+            <a:prstGeom prst="straightConnector1">
+              <a:avLst/>
+            </a:prstGeom>
+            <a:ln w="12700">
+              <a:tailEnd type="triangle"/>
+            </a:ln>
+          </p:spPr>
+          <p:style>
+            <a:lnRef idx="1">
+              <a:schemeClr val="accent1"/>
+            </a:lnRef>
+            <a:fillRef idx="0">
+              <a:schemeClr val="accent1"/>
+            </a:fillRef>
+            <a:effectRef idx="0">
+              <a:schemeClr val="accent1"/>
+            </a:effectRef>
+            <a:fontRef idx="minor">
+              <a:schemeClr val="tx1"/>
+            </a:fontRef>
+          </p:style>
+        </p:cxnSp>
+      </p:grpSp>
     </p:spTree>
     <p:extLst>
       <p:ext uri="{BB962C8B-B14F-4D97-AF65-F5344CB8AC3E}">
-        <p14:creationId xmlns:p14="http://schemas.microsoft.com/office/powerpoint/2010/main" val="2524855296"/>
+        <p14:creationId xmlns:p14="http://schemas.microsoft.com/office/powerpoint/2010/main" val="736967507"/>
       </p:ext>
     </p:extLst>
   </p:cSld>
@@ -8228,652 +6298,146 @@
           <a:lstStyle/>
           <a:p>
             <a:r>
+              <a:rPr lang="en-GB" dirty="0"/>
+              <a:t>The sample cohort</a:t>
+            </a:r>
+          </a:p>
+        </p:txBody>
+      </p:sp>
+      <p:sp>
+        <p:nvSpPr>
+          <p:cNvPr id="3" name="Content Placeholder 2"/>
+          <p:cNvSpPr>
+            <a:spLocks noGrp="1"/>
+          </p:cNvSpPr>
+          <p:nvPr>
+            <p:ph idx="1"/>
+          </p:nvPr>
+        </p:nvSpPr>
+        <p:spPr/>
+        <p:txBody>
+          <a:bodyPr/>
+          <a:lstStyle/>
+          <a:p>
+            <a:pPr marL="0" indent="0">
+              <a:buNone/>
+            </a:pPr>
+            <a:r>
               <a:rPr lang="en-US" dirty="0"/>
-              <a:t>Physical Diagram - Simple Case (1 data server)</a:t>
-            </a:r>
-            <a:endParaRPr lang="en-GB" dirty="0"/>
-          </a:p>
-        </p:txBody>
-      </p:sp>
-      <p:sp>
-        <p:nvSpPr>
-          <p:cNvPr id="5" name="Rectangle 4"/>
-          <p:cNvSpPr/>
-          <p:nvPr/>
-        </p:nvSpPr>
-        <p:spPr>
-          <a:xfrm>
-            <a:off x="3395709" y="4589634"/>
-            <a:ext cx="3994951" cy="435006"/>
-          </a:xfrm>
-          <a:prstGeom prst="rect">
-            <a:avLst/>
-          </a:prstGeom>
-        </p:spPr>
-        <p:style>
-          <a:lnRef idx="2">
-            <a:schemeClr val="accent1">
-              <a:shade val="50000"/>
-            </a:schemeClr>
-          </a:lnRef>
-          <a:fillRef idx="1">
-            <a:schemeClr val="accent1"/>
-          </a:fillRef>
-          <a:effectRef idx="0">
-            <a:schemeClr val="accent1"/>
-          </a:effectRef>
-          <a:fontRef idx="minor">
-            <a:schemeClr val="lt1"/>
-          </a:fontRef>
-        </p:style>
-        <p:txBody>
-          <a:bodyPr rtlCol="0" anchor="ctr"/>
-          <a:lstStyle/>
-          <a:p>
-            <a:pPr algn="ctr"/>
+              <a:t>“I want all patients who have been prescribed Diazepam for the first time after 2000 and who are still alive today”</a:t>
+            </a:r>
+          </a:p>
+          <a:p>
+            <a:pPr marL="0" indent="0">
+              <a:buNone/>
+            </a:pPr>
+            <a:endParaRPr lang="en-US" dirty="0"/>
+          </a:p>
+          <a:p>
+            <a:pPr marL="0" indent="0">
+              <a:buNone/>
+            </a:pPr>
             <a:r>
               <a:rPr lang="en-US" dirty="0"/>
-              <a:t>RDMP Software</a:t>
-            </a:r>
-            <a:endParaRPr lang="en-GB" dirty="0"/>
-          </a:p>
-        </p:txBody>
-      </p:sp>
-      <p:sp>
-        <p:nvSpPr>
-          <p:cNvPr id="6" name="Cylinder 5"/>
-          <p:cNvSpPr/>
-          <p:nvPr/>
-        </p:nvSpPr>
-        <p:spPr>
-          <a:xfrm>
-            <a:off x="3249228" y="1548645"/>
-            <a:ext cx="4279036" cy="1753848"/>
-          </a:xfrm>
-          <a:prstGeom prst="can">
-            <a:avLst/>
-          </a:prstGeom>
-        </p:spPr>
-        <p:style>
-          <a:lnRef idx="2">
-            <a:schemeClr val="accent1">
-              <a:shade val="50000"/>
-            </a:schemeClr>
-          </a:lnRef>
-          <a:fillRef idx="1">
-            <a:schemeClr val="accent1"/>
-          </a:fillRef>
-          <a:effectRef idx="0">
-            <a:schemeClr val="accent1"/>
-          </a:effectRef>
-          <a:fontRef idx="minor">
-            <a:schemeClr val="lt1"/>
-          </a:fontRef>
-        </p:style>
-        <p:txBody>
-          <a:bodyPr rtlCol="0" anchor="ctr"/>
-          <a:lstStyle/>
-          <a:p>
-            <a:pPr algn="ctr"/>
+              <a:t>Identify distinct sets:</a:t>
+            </a:r>
+          </a:p>
+          <a:p>
+            <a:pPr marL="0" indent="0">
+              <a:buNone/>
+            </a:pPr>
+            <a:endParaRPr lang="en-US" dirty="0"/>
+          </a:p>
+          <a:p>
+            <a:pPr marL="0" indent="0">
+              <a:buNone/>
+            </a:pPr>
             <a:r>
               <a:rPr lang="en-US" dirty="0"/>
-              <a:t>Database Server</a:t>
-            </a:r>
-            <a:endParaRPr lang="en-GB" dirty="0"/>
-          </a:p>
-        </p:txBody>
-      </p:sp>
-      <p:sp>
-        <p:nvSpPr>
-          <p:cNvPr id="8" name="Cylinder 7"/>
-          <p:cNvSpPr/>
-          <p:nvPr/>
-        </p:nvSpPr>
-        <p:spPr>
-          <a:xfrm>
-            <a:off x="5388746" y="2874208"/>
-            <a:ext cx="2139518" cy="807867"/>
-          </a:xfrm>
-          <a:prstGeom prst="can">
-            <a:avLst/>
-          </a:prstGeom>
-        </p:spPr>
-        <p:style>
-          <a:lnRef idx="2">
-            <a:schemeClr val="accent1">
-              <a:shade val="50000"/>
-            </a:schemeClr>
-          </a:lnRef>
-          <a:fillRef idx="1">
-            <a:schemeClr val="accent1"/>
-          </a:fillRef>
-          <a:effectRef idx="0">
-            <a:schemeClr val="accent1"/>
-          </a:effectRef>
-          <a:fontRef idx="minor">
-            <a:schemeClr val="lt1"/>
-          </a:fontRef>
-        </p:style>
-        <p:txBody>
-          <a:bodyPr rtlCol="0" anchor="ctr"/>
-          <a:lstStyle/>
-          <a:p>
-            <a:pPr algn="ctr"/>
+              <a:t>“I want all </a:t>
+            </a:r>
+            <a:r>
+              <a:rPr lang="en-US" b="1" dirty="0">
+                <a:solidFill>
+                  <a:srgbClr val="C00000"/>
+                </a:solidFill>
+              </a:rPr>
+              <a:t>patients who have been prescribed Diazepam</a:t>
+            </a:r>
+            <a:r>
+              <a:rPr lang="en-US" baseline="30000" dirty="0"/>
+              <a:t>1</a:t>
+            </a:r>
+            <a:r>
+              <a:rPr lang="en-US" b="1" dirty="0"/>
+              <a:t> </a:t>
+            </a:r>
             <a:r>
               <a:rPr lang="en-US" dirty="0"/>
-              <a:t>Database 2</a:t>
-            </a:r>
-            <a:endParaRPr lang="en-GB" dirty="0"/>
-          </a:p>
-        </p:txBody>
-      </p:sp>
-      <p:sp>
-        <p:nvSpPr>
-          <p:cNvPr id="9" name="Cylinder 8"/>
-          <p:cNvSpPr/>
-          <p:nvPr/>
-        </p:nvSpPr>
-        <p:spPr>
-          <a:xfrm>
-            <a:off x="3249228" y="2898559"/>
-            <a:ext cx="2139518" cy="807867"/>
-          </a:xfrm>
-          <a:prstGeom prst="can">
-            <a:avLst/>
-          </a:prstGeom>
-        </p:spPr>
-        <p:style>
-          <a:lnRef idx="2">
-            <a:schemeClr val="accent1">
-              <a:shade val="50000"/>
-            </a:schemeClr>
-          </a:lnRef>
-          <a:fillRef idx="1">
-            <a:schemeClr val="accent1"/>
-          </a:fillRef>
-          <a:effectRef idx="0">
-            <a:schemeClr val="accent1"/>
-          </a:effectRef>
-          <a:fontRef idx="minor">
-            <a:schemeClr val="lt1"/>
-          </a:fontRef>
-        </p:style>
-        <p:txBody>
-          <a:bodyPr rtlCol="0" anchor="ctr"/>
-          <a:lstStyle/>
-          <a:p>
-            <a:pPr algn="ctr"/>
+              <a:t>for</a:t>
+            </a:r>
+            <a:r>
+              <a:rPr lang="en-US" b="1" dirty="0"/>
+              <a:t> </a:t>
+            </a:r>
             <a:r>
               <a:rPr lang="en-US" dirty="0"/>
-              <a:t>Database 1</a:t>
-            </a:r>
-            <a:endParaRPr lang="en-GB" dirty="0"/>
-          </a:p>
-        </p:txBody>
-      </p:sp>
-      <p:sp>
-        <p:nvSpPr>
-          <p:cNvPr id="10" name="Arrow: Left 9"/>
-          <p:cNvSpPr/>
-          <p:nvPr/>
-        </p:nvSpPr>
-        <p:spPr>
-          <a:xfrm rot="5400000">
-            <a:off x="3892860" y="3924852"/>
-            <a:ext cx="346228" cy="221941"/>
-          </a:xfrm>
-          <a:prstGeom prst="leftArrow">
-            <a:avLst/>
-          </a:prstGeom>
-        </p:spPr>
-        <p:style>
-          <a:lnRef idx="2">
-            <a:schemeClr val="accent1">
-              <a:shade val="50000"/>
-            </a:schemeClr>
-          </a:lnRef>
-          <a:fillRef idx="1">
-            <a:schemeClr val="accent1"/>
-          </a:fillRef>
-          <a:effectRef idx="0">
-            <a:schemeClr val="accent1"/>
-          </a:effectRef>
-          <a:fontRef idx="minor">
-            <a:schemeClr val="lt1"/>
-          </a:fontRef>
-        </p:style>
-        <p:txBody>
-          <a:bodyPr rtlCol="0" anchor="ctr"/>
-          <a:lstStyle/>
-          <a:p>
-            <a:pPr algn="ctr"/>
-            <a:endParaRPr lang="en-GB"/>
-          </a:p>
-        </p:txBody>
-      </p:sp>
-      <p:sp>
-        <p:nvSpPr>
-          <p:cNvPr id="11" name="Rectangle: Folded Corner 10"/>
-          <p:cNvSpPr/>
-          <p:nvPr/>
-        </p:nvSpPr>
-        <p:spPr>
-          <a:xfrm>
-            <a:off x="315095" y="5024640"/>
-            <a:ext cx="2576128" cy="452637"/>
-          </a:xfrm>
-          <a:prstGeom prst="foldedCorner">
-            <a:avLst/>
-          </a:prstGeom>
-        </p:spPr>
-        <p:style>
-          <a:lnRef idx="2">
-            <a:schemeClr val="accent1">
-              <a:shade val="50000"/>
-            </a:schemeClr>
-          </a:lnRef>
-          <a:fillRef idx="1">
-            <a:schemeClr val="accent1"/>
-          </a:fillRef>
-          <a:effectRef idx="0">
-            <a:schemeClr val="accent1"/>
-          </a:effectRef>
-          <a:fontRef idx="minor">
-            <a:schemeClr val="lt1"/>
-          </a:fontRef>
-        </p:style>
-        <p:txBody>
-          <a:bodyPr rtlCol="0" anchor="ctr"/>
-          <a:lstStyle/>
-          <a:p>
-            <a:pPr algn="ctr"/>
-            <a:r>
-              <a:rPr lang="en-US" sz="1600" dirty="0"/>
-              <a:t>Query 1 </a:t>
-            </a:r>
-          </a:p>
-          <a:p>
-            <a:pPr algn="ctr"/>
-            <a:r>
-              <a:rPr lang="en-US" sz="1100" dirty="0"/>
-              <a:t>People on diabetic drugs</a:t>
-            </a:r>
-            <a:endParaRPr lang="en-GB" sz="1100" dirty="0"/>
-          </a:p>
-        </p:txBody>
-      </p:sp>
-      <p:sp>
-        <p:nvSpPr>
-          <p:cNvPr id="12" name="Rectangle: Folded Corner 11"/>
-          <p:cNvSpPr/>
-          <p:nvPr/>
-        </p:nvSpPr>
-        <p:spPr>
-          <a:xfrm>
-            <a:off x="315095" y="5530419"/>
-            <a:ext cx="2576128" cy="452637"/>
-          </a:xfrm>
-          <a:prstGeom prst="foldedCorner">
-            <a:avLst/>
-          </a:prstGeom>
-        </p:spPr>
-        <p:style>
-          <a:lnRef idx="2">
-            <a:schemeClr val="accent1">
-              <a:shade val="50000"/>
-            </a:schemeClr>
-          </a:lnRef>
-          <a:fillRef idx="1">
-            <a:schemeClr val="accent1"/>
-          </a:fillRef>
-          <a:effectRef idx="0">
-            <a:schemeClr val="accent1"/>
-          </a:effectRef>
-          <a:fontRef idx="minor">
-            <a:schemeClr val="lt1"/>
-          </a:fontRef>
-        </p:style>
-        <p:txBody>
-          <a:bodyPr rtlCol="0" anchor="ctr"/>
-          <a:lstStyle/>
-          <a:p>
-            <a:pPr algn="ctr"/>
-            <a:r>
-              <a:rPr lang="en-US" sz="1600" dirty="0"/>
-              <a:t>Query 2 </a:t>
-            </a:r>
-          </a:p>
-          <a:p>
-            <a:pPr algn="ctr"/>
-            <a:r>
-              <a:rPr lang="en-US" sz="1100" dirty="0"/>
-              <a:t>People with a diabetic hospital admission</a:t>
-            </a:r>
-            <a:endParaRPr lang="en-GB" sz="1100" dirty="0"/>
-          </a:p>
-        </p:txBody>
-      </p:sp>
-      <p:sp>
-        <p:nvSpPr>
-          <p:cNvPr id="13" name="Rectangle: Folded Corner 12"/>
-          <p:cNvSpPr/>
-          <p:nvPr/>
-        </p:nvSpPr>
-        <p:spPr>
-          <a:xfrm>
-            <a:off x="3395709" y="4280371"/>
-            <a:ext cx="1198486" cy="229993"/>
-          </a:xfrm>
-          <a:prstGeom prst="foldedCorner">
-            <a:avLst/>
-          </a:prstGeom>
-        </p:spPr>
-        <p:style>
-          <a:lnRef idx="2">
-            <a:schemeClr val="accent1">
-              <a:shade val="50000"/>
-            </a:schemeClr>
-          </a:lnRef>
-          <a:fillRef idx="1">
-            <a:schemeClr val="accent1"/>
-          </a:fillRef>
-          <a:effectRef idx="0">
-            <a:schemeClr val="accent1"/>
-          </a:effectRef>
-          <a:fontRef idx="minor">
-            <a:schemeClr val="lt1"/>
-          </a:fontRef>
-        </p:style>
-        <p:txBody>
-          <a:bodyPr rtlCol="0" anchor="ctr"/>
-          <a:lstStyle/>
-          <a:p>
-            <a:pPr algn="ctr"/>
-            <a:r>
-              <a:rPr lang="en-US" sz="1600" dirty="0"/>
-              <a:t>Query 1</a:t>
-            </a:r>
-          </a:p>
-        </p:txBody>
-      </p:sp>
-      <p:sp>
-        <p:nvSpPr>
-          <p:cNvPr id="18" name="Arrow: Left 17"/>
-          <p:cNvSpPr/>
-          <p:nvPr/>
-        </p:nvSpPr>
-        <p:spPr>
-          <a:xfrm rot="5400000">
-            <a:off x="5189001" y="3924852"/>
-            <a:ext cx="346228" cy="221941"/>
-          </a:xfrm>
-          <a:prstGeom prst="leftArrow">
-            <a:avLst/>
-          </a:prstGeom>
-        </p:spPr>
-        <p:style>
-          <a:lnRef idx="2">
-            <a:schemeClr val="accent1">
-              <a:shade val="50000"/>
-            </a:schemeClr>
-          </a:lnRef>
-          <a:fillRef idx="1">
-            <a:schemeClr val="accent1"/>
-          </a:fillRef>
-          <a:effectRef idx="0">
-            <a:schemeClr val="accent1"/>
-          </a:effectRef>
-          <a:fontRef idx="minor">
-            <a:schemeClr val="lt1"/>
-          </a:fontRef>
-        </p:style>
-        <p:txBody>
-          <a:bodyPr rtlCol="0" anchor="ctr"/>
-          <a:lstStyle/>
-          <a:p>
-            <a:pPr algn="ctr"/>
-            <a:endParaRPr lang="en-GB"/>
-          </a:p>
-        </p:txBody>
-      </p:sp>
-      <p:sp>
-        <p:nvSpPr>
-          <p:cNvPr id="19" name="Rectangle: Folded Corner 18"/>
-          <p:cNvSpPr/>
-          <p:nvPr/>
-        </p:nvSpPr>
-        <p:spPr>
-          <a:xfrm>
-            <a:off x="4691850" y="4280371"/>
-            <a:ext cx="1198486" cy="229993"/>
-          </a:xfrm>
-          <a:prstGeom prst="foldedCorner">
-            <a:avLst/>
-          </a:prstGeom>
-        </p:spPr>
-        <p:style>
-          <a:lnRef idx="2">
-            <a:schemeClr val="accent1">
-              <a:shade val="50000"/>
-            </a:schemeClr>
-          </a:lnRef>
-          <a:fillRef idx="1">
-            <a:schemeClr val="accent1"/>
-          </a:fillRef>
-          <a:effectRef idx="0">
-            <a:schemeClr val="accent1"/>
-          </a:effectRef>
-          <a:fontRef idx="minor">
-            <a:schemeClr val="lt1"/>
-          </a:fontRef>
-        </p:style>
-        <p:txBody>
-          <a:bodyPr rtlCol="0" anchor="ctr"/>
-          <a:lstStyle/>
-          <a:p>
-            <a:pPr algn="ctr"/>
-            <a:r>
-              <a:rPr lang="en-US" sz="1600" dirty="0"/>
-              <a:t>Query 2</a:t>
-            </a:r>
-          </a:p>
-        </p:txBody>
-      </p:sp>
-      <p:sp>
-        <p:nvSpPr>
-          <p:cNvPr id="20" name="Arrow: Left 19"/>
-          <p:cNvSpPr/>
-          <p:nvPr/>
-        </p:nvSpPr>
-        <p:spPr>
-          <a:xfrm rot="5400000">
-            <a:off x="6445193" y="3924851"/>
-            <a:ext cx="346228" cy="221941"/>
-          </a:xfrm>
-          <a:prstGeom prst="leftArrow">
-            <a:avLst/>
-          </a:prstGeom>
-        </p:spPr>
-        <p:style>
-          <a:lnRef idx="2">
-            <a:schemeClr val="accent1">
-              <a:shade val="50000"/>
-            </a:schemeClr>
-          </a:lnRef>
-          <a:fillRef idx="1">
-            <a:schemeClr val="accent1"/>
-          </a:fillRef>
-          <a:effectRef idx="0">
-            <a:schemeClr val="accent1"/>
-          </a:effectRef>
-          <a:fontRef idx="minor">
-            <a:schemeClr val="lt1"/>
-          </a:fontRef>
-        </p:style>
-        <p:txBody>
-          <a:bodyPr rtlCol="0" anchor="ctr"/>
-          <a:lstStyle/>
-          <a:p>
-            <a:pPr algn="ctr"/>
-            <a:endParaRPr lang="en-GB"/>
-          </a:p>
-        </p:txBody>
-      </p:sp>
-      <p:sp>
-        <p:nvSpPr>
-          <p:cNvPr id="21" name="Rectangle: Folded Corner 20"/>
-          <p:cNvSpPr/>
-          <p:nvPr/>
-        </p:nvSpPr>
-        <p:spPr>
-          <a:xfrm>
-            <a:off x="5948041" y="4280370"/>
-            <a:ext cx="1442619" cy="229993"/>
-          </a:xfrm>
-          <a:prstGeom prst="foldedCorner">
-            <a:avLst/>
-          </a:prstGeom>
-        </p:spPr>
-        <p:style>
-          <a:lnRef idx="2">
-            <a:schemeClr val="accent1">
-              <a:shade val="50000"/>
-            </a:schemeClr>
-          </a:lnRef>
-          <a:fillRef idx="1">
-            <a:schemeClr val="accent1"/>
-          </a:fillRef>
-          <a:effectRef idx="0">
-            <a:schemeClr val="accent1"/>
-          </a:effectRef>
-          <a:fontRef idx="minor">
-            <a:schemeClr val="lt1"/>
-          </a:fontRef>
-        </p:style>
-        <p:txBody>
-          <a:bodyPr rtlCol="0" anchor="ctr"/>
-          <a:lstStyle/>
-          <a:p>
-            <a:pPr algn="ctr"/>
-            <a:r>
-              <a:rPr lang="en-US" sz="1600" dirty="0"/>
-              <a:t>Q1+Q2</a:t>
-            </a:r>
-          </a:p>
-        </p:txBody>
-      </p:sp>
-      <p:pic>
-        <p:nvPicPr>
-          <p:cNvPr id="23" name="Picture 22"/>
-          <p:cNvPicPr>
-            <a:picLocks noChangeAspect="1"/>
-          </p:cNvPicPr>
-          <p:nvPr/>
-        </p:nvPicPr>
-        <p:blipFill>
-          <a:blip r:embed="rId2" cstate="print">
-            <a:extLst>
-              <a:ext uri="{28A0092B-C50C-407E-A947-70E740481C1C}">
-                <a14:useLocalDpi xmlns:a14="http://schemas.microsoft.com/office/drawing/2010/main" val="0"/>
-              </a:ext>
-            </a:extLst>
-          </a:blip>
-          <a:stretch>
-            <a:fillRect/>
-          </a:stretch>
-        </p:blipFill>
-        <p:spPr>
-          <a:xfrm>
-            <a:off x="5033578" y="5103910"/>
-            <a:ext cx="710335" cy="710335"/>
-          </a:xfrm>
-          <a:prstGeom prst="rect">
-            <a:avLst/>
-          </a:prstGeom>
-        </p:spPr>
-      </p:pic>
-      <p:sp>
-        <p:nvSpPr>
-          <p:cNvPr id="24" name="TextBox 23"/>
-          <p:cNvSpPr txBox="1"/>
-          <p:nvPr/>
-        </p:nvSpPr>
-        <p:spPr>
-          <a:xfrm>
-            <a:off x="3515557" y="5708849"/>
-            <a:ext cx="3990514" cy="369332"/>
-          </a:xfrm>
-          <a:prstGeom prst="rect">
-            <a:avLst/>
-          </a:prstGeom>
-          <a:noFill/>
-        </p:spPr>
-        <p:txBody>
-          <a:bodyPr wrap="square" rtlCol="0">
-            <a:spAutoFit/>
-          </a:bodyPr>
-          <a:lstStyle/>
-          <a:p>
+              <a:t>the</a:t>
+            </a:r>
+            <a:r>
+              <a:rPr lang="en-US" b="1" dirty="0">
+                <a:solidFill>
+                  <a:srgbClr val="C00000"/>
+                </a:solidFill>
+              </a:rPr>
+              <a:t> first time after 2000</a:t>
+            </a:r>
+            <a:r>
+              <a:rPr lang="en-US" baseline="30000" dirty="0"/>
+              <a:t>2</a:t>
+            </a:r>
             <a:r>
               <a:rPr lang="en-US" dirty="0"/>
-              <a:t>User Account</a:t>
-            </a:r>
-            <a:r>
-              <a:rPr lang="en-GB" dirty="0"/>
-              <a:t> with read access to server</a:t>
-            </a:r>
+              <a:t> and who are </a:t>
+            </a:r>
+            <a:r>
+              <a:rPr lang="en-US" b="1" dirty="0">
+                <a:solidFill>
+                  <a:srgbClr val="C00000"/>
+                </a:solidFill>
+              </a:rPr>
+              <a:t>still alive today</a:t>
+            </a:r>
+            <a:r>
+              <a:rPr lang="en-US" baseline="30000" dirty="0"/>
+              <a:t>3</a:t>
+            </a:r>
+            <a:r>
+              <a:rPr lang="en-US" dirty="0"/>
+              <a:t>”</a:t>
+            </a:r>
+          </a:p>
+          <a:p>
+            <a:pPr marL="0" indent="0">
+              <a:buNone/>
+            </a:pPr>
             <a:endParaRPr lang="en-US" dirty="0"/>
           </a:p>
-        </p:txBody>
-      </p:sp>
-      <p:sp>
-        <p:nvSpPr>
-          <p:cNvPr id="25" name="Rectangle: Folded Corner 24"/>
-          <p:cNvSpPr/>
-          <p:nvPr/>
-        </p:nvSpPr>
-        <p:spPr>
-          <a:xfrm>
-            <a:off x="142043" y="4745180"/>
-            <a:ext cx="2476870" cy="226318"/>
-          </a:xfrm>
-          <a:prstGeom prst="foldedCorner">
-            <a:avLst/>
-          </a:prstGeom>
-        </p:spPr>
-        <p:style>
-          <a:lnRef idx="2">
-            <a:schemeClr val="accent1">
-              <a:shade val="50000"/>
-            </a:schemeClr>
-          </a:lnRef>
-          <a:fillRef idx="1">
-            <a:schemeClr val="accent1"/>
-          </a:fillRef>
-          <a:effectRef idx="0">
-            <a:schemeClr val="accent1"/>
-          </a:effectRef>
-          <a:fontRef idx="minor">
-            <a:schemeClr val="lt1"/>
-          </a:fontRef>
-        </p:style>
-        <p:txBody>
-          <a:bodyPr rtlCol="0" anchor="ctr"/>
-          <a:lstStyle/>
-          <a:p>
-            <a:pPr algn="ctr"/>
-            <a:r>
-              <a:rPr lang="en-US" sz="1600" dirty="0"/>
-              <a:t>Inclusion Criteria (UNION)</a:t>
-            </a:r>
-            <a:endParaRPr lang="en-GB" sz="1100" dirty="0"/>
+          <a:p>
+            <a:pPr marL="0" indent="0">
+              <a:buNone/>
+            </a:pPr>
+            <a:r>
+              <a:rPr lang="en-US" dirty="0"/>
+              <a:t>Then identify set interactions…</a:t>
+            </a:r>
           </a:p>
         </p:txBody>
       </p:sp>
     </p:spTree>
     <p:extLst>
       <p:ext uri="{BB962C8B-B14F-4D97-AF65-F5344CB8AC3E}">
-        <p14:creationId xmlns:p14="http://schemas.microsoft.com/office/powerpoint/2010/main" val="3902096882"/>
+        <p14:creationId xmlns:p14="http://schemas.microsoft.com/office/powerpoint/2010/main" val="535029506"/>
       </p:ext>
     </p:extLst>
   </p:cSld>
@@ -8902,41 +6466,27 @@
       </p:grpSpPr>
       <p:sp>
         <p:nvSpPr>
-          <p:cNvPr id="2" name="Title 1"/>
-          <p:cNvSpPr>
-            <a:spLocks noGrp="1"/>
-          </p:cNvSpPr>
-          <p:nvPr>
-            <p:ph type="title"/>
-          </p:nvPr>
-        </p:nvSpPr>
-        <p:spPr/>
-        <p:txBody>
-          <a:bodyPr/>
-          <a:lstStyle/>
-          <a:p>
-            <a:r>
-              <a:rPr lang="en-US" dirty="0"/>
-              <a:t>Physical Diagram – Complex Case (2 servers)</a:t>
-            </a:r>
-            <a:endParaRPr lang="en-GB" dirty="0"/>
-          </a:p>
-        </p:txBody>
-      </p:sp>
-      <p:sp>
-        <p:nvSpPr>
-          <p:cNvPr id="5" name="Cylinder 4"/>
+          <p:cNvPr id="3" name="Oval 2">
+            <a:extLst>
+              <a:ext uri="{FF2B5EF4-FFF2-40B4-BE49-F238E27FC236}">
+                <a16:creationId xmlns:a16="http://schemas.microsoft.com/office/drawing/2014/main" id="{D5B55D5F-55FA-4619-BC80-3C94EE6685E3}"/>
+              </a:ext>
+            </a:extLst>
+          </p:cNvPr>
           <p:cNvSpPr/>
           <p:nvPr/>
         </p:nvSpPr>
         <p:spPr>
           <a:xfrm>
-            <a:off x="1597980" y="1548645"/>
-            <a:ext cx="2139518" cy="1753848"/>
+            <a:off x="1138451" y="2350782"/>
+            <a:ext cx="1518450" cy="1518450"/>
           </a:xfrm>
-          <a:prstGeom prst="can">
+          <a:prstGeom prst="ellipse">
             <a:avLst/>
           </a:prstGeom>
+          <a:solidFill>
+            <a:srgbClr val="C00000"/>
+          </a:solidFill>
         </p:spPr>
         <p:style>
           <a:lnRef idx="2">
@@ -8959,28 +6509,172 @@
           <a:lstStyle/>
           <a:p>
             <a:pPr algn="ctr"/>
-            <a:r>
-              <a:rPr lang="en-US" dirty="0"/>
-              <a:t>Database Server</a:t>
-            </a:r>
-            <a:endParaRPr lang="en-GB" dirty="0"/>
+            <a:endParaRPr lang="en-GB"/>
           </a:p>
         </p:txBody>
       </p:sp>
       <p:sp>
         <p:nvSpPr>
-          <p:cNvPr id="7" name="Cylinder 6"/>
+          <p:cNvPr id="21" name="TextBox 20"/>
+          <p:cNvSpPr txBox="1"/>
+          <p:nvPr/>
+        </p:nvSpPr>
+        <p:spPr>
+          <a:xfrm>
+            <a:off x="1125491" y="1690689"/>
+            <a:ext cx="1895214" cy="646331"/>
+          </a:xfrm>
+          <a:prstGeom prst="rect">
+            <a:avLst/>
+          </a:prstGeom>
+          <a:noFill/>
+        </p:spPr>
+        <p:txBody>
+          <a:bodyPr wrap="square" rtlCol="0">
+            <a:spAutoFit/>
+          </a:bodyPr>
+          <a:lstStyle/>
+          <a:p>
+            <a:r>
+              <a:rPr lang="en-US" sz="1200" dirty="0"/>
+              <a:t>Set 1</a:t>
+            </a:r>
+          </a:p>
+          <a:p>
+            <a:r>
+              <a:rPr lang="en-US" sz="1200" dirty="0"/>
+              <a:t>People who have ever had Diazepam prescriptions</a:t>
+            </a:r>
+            <a:endParaRPr lang="en-GB" sz="1200" dirty="0"/>
+          </a:p>
+        </p:txBody>
+      </p:sp>
+      <p:sp>
+        <p:nvSpPr>
+          <p:cNvPr id="28" name="TextBox 27"/>
+          <p:cNvSpPr txBox="1"/>
+          <p:nvPr/>
+        </p:nvSpPr>
+        <p:spPr>
+          <a:xfrm>
+            <a:off x="4334417" y="1690688"/>
+            <a:ext cx="2252902" cy="646331"/>
+          </a:xfrm>
+          <a:prstGeom prst="rect">
+            <a:avLst/>
+          </a:prstGeom>
+          <a:noFill/>
+        </p:spPr>
+        <p:txBody>
+          <a:bodyPr wrap="square" rtlCol="0">
+            <a:spAutoFit/>
+          </a:bodyPr>
+          <a:lstStyle/>
+          <a:p>
+            <a:r>
+              <a:rPr lang="en-US" sz="1200" dirty="0"/>
+              <a:t>Set 2</a:t>
+            </a:r>
+          </a:p>
+          <a:p>
+            <a:r>
+              <a:rPr lang="en-US" sz="1200" dirty="0"/>
+              <a:t>People who collected diazepam prescriptions before 2000</a:t>
+            </a:r>
+            <a:endParaRPr lang="en-GB" sz="1200" dirty="0"/>
+          </a:p>
+        </p:txBody>
+      </p:sp>
+      <p:sp>
+        <p:nvSpPr>
+          <p:cNvPr id="29" name="TextBox 28"/>
+          <p:cNvSpPr txBox="1"/>
+          <p:nvPr/>
+        </p:nvSpPr>
+        <p:spPr>
+          <a:xfrm>
+            <a:off x="7901031" y="1783020"/>
+            <a:ext cx="1732847" cy="461665"/>
+          </a:xfrm>
+          <a:prstGeom prst="rect">
+            <a:avLst/>
+          </a:prstGeom>
+          <a:noFill/>
+        </p:spPr>
+        <p:txBody>
+          <a:bodyPr wrap="none" rtlCol="0">
+            <a:spAutoFit/>
+          </a:bodyPr>
+          <a:lstStyle/>
+          <a:p>
+            <a:r>
+              <a:rPr lang="en-US" sz="1200" dirty="0"/>
+              <a:t>Set 3 </a:t>
+            </a:r>
+          </a:p>
+          <a:p>
+            <a:r>
+              <a:rPr lang="en-US" sz="1200" dirty="0"/>
+              <a:t>People who are still alive</a:t>
+            </a:r>
+            <a:endParaRPr lang="en-GB" sz="1200" dirty="0"/>
+          </a:p>
+        </p:txBody>
+      </p:sp>
+      <p:sp>
+        <p:nvSpPr>
+          <p:cNvPr id="2" name="Title 1">
+            <a:extLst>
+              <a:ext uri="{FF2B5EF4-FFF2-40B4-BE49-F238E27FC236}">
+                <a16:creationId xmlns:a16="http://schemas.microsoft.com/office/drawing/2014/main" id="{1E123FE6-CBF9-4E55-B2D6-409A64150DA6}"/>
+              </a:ext>
+            </a:extLst>
+          </p:cNvPr>
+          <p:cNvSpPr>
+            <a:spLocks noGrp="1"/>
+          </p:cNvSpPr>
+          <p:nvPr>
+            <p:ph type="title"/>
+          </p:nvPr>
+        </p:nvSpPr>
+        <p:spPr/>
+        <p:txBody>
+          <a:bodyPr/>
+          <a:lstStyle/>
+          <a:p>
+            <a:r>
+              <a:rPr lang="en-GB" dirty="0"/>
+              <a:t>Sets interaction</a:t>
+            </a:r>
+          </a:p>
+        </p:txBody>
+      </p:sp>
+      <p:sp>
+        <p:nvSpPr>
+          <p:cNvPr id="22" name="Oval 21">
+            <a:extLst>
+              <a:ext uri="{FF2B5EF4-FFF2-40B4-BE49-F238E27FC236}">
+                <a16:creationId xmlns:a16="http://schemas.microsoft.com/office/drawing/2014/main" id="{2E6F7AC3-F000-4F55-A15F-10B22FFA79F9}"/>
+              </a:ext>
+            </a:extLst>
+          </p:cNvPr>
           <p:cNvSpPr/>
           <p:nvPr/>
         </p:nvSpPr>
         <p:spPr>
           <a:xfrm>
-            <a:off x="1597980" y="2898559"/>
-            <a:ext cx="2139518" cy="807867"/>
+            <a:off x="4488908" y="2350780"/>
+            <a:ext cx="1518450" cy="1518450"/>
           </a:xfrm>
-          <a:prstGeom prst="can">
+          <a:prstGeom prst="ellipse">
             <a:avLst/>
           </a:prstGeom>
+          <a:solidFill>
+            <a:schemeClr val="accent4">
+              <a:lumMod val="40000"/>
+              <a:lumOff val="60000"/>
+            </a:schemeClr>
+          </a:solidFill>
         </p:spPr>
         <p:style>
           <a:lnRef idx="2">
@@ -9003,28 +6697,36 @@
           <a:lstStyle/>
           <a:p>
             <a:pPr algn="ctr"/>
-            <a:r>
-              <a:rPr lang="en-US" dirty="0"/>
-              <a:t>Database 1</a:t>
-            </a:r>
-            <a:endParaRPr lang="en-GB" dirty="0"/>
+            <a:endParaRPr lang="en-GB"/>
           </a:p>
         </p:txBody>
       </p:sp>
       <p:sp>
         <p:nvSpPr>
-          <p:cNvPr id="18" name="Cylinder 17"/>
+          <p:cNvPr id="24" name="Oval 23">
+            <a:extLst>
+              <a:ext uri="{FF2B5EF4-FFF2-40B4-BE49-F238E27FC236}">
+                <a16:creationId xmlns:a16="http://schemas.microsoft.com/office/drawing/2014/main" id="{68FBC3BC-38DE-4FDE-8F17-146553525AC0}"/>
+              </a:ext>
+            </a:extLst>
+          </p:cNvPr>
           <p:cNvSpPr/>
           <p:nvPr/>
         </p:nvSpPr>
         <p:spPr>
           <a:xfrm>
-            <a:off x="4403327" y="1166593"/>
-            <a:ext cx="2139518" cy="1753848"/>
+            <a:off x="7839365" y="2337019"/>
+            <a:ext cx="1518450" cy="1518450"/>
           </a:xfrm>
-          <a:prstGeom prst="can">
+          <a:prstGeom prst="ellipse">
             <a:avLst/>
           </a:prstGeom>
+          <a:solidFill>
+            <a:schemeClr val="accent6">
+              <a:lumMod val="60000"/>
+              <a:lumOff val="40000"/>
+            </a:schemeClr>
+          </a:solidFill>
         </p:spPr>
         <p:style>
           <a:lnRef idx="2">
@@ -9047,186 +6749,503 @@
           <a:lstStyle/>
           <a:p>
             <a:pPr algn="ctr"/>
-            <a:r>
-              <a:rPr lang="en-US" dirty="0"/>
-              <a:t>Caching Server</a:t>
-            </a:r>
-            <a:endParaRPr lang="en-GB" dirty="0"/>
+            <a:endParaRPr lang="en-GB"/>
           </a:p>
         </p:txBody>
       </p:sp>
-      <p:sp>
-        <p:nvSpPr>
-          <p:cNvPr id="19" name="Cylinder 18"/>
-          <p:cNvSpPr/>
+      <p:grpSp>
+        <p:nvGrpSpPr>
+          <p:cNvPr id="5" name="Group 4">
+            <a:extLst>
+              <a:ext uri="{FF2B5EF4-FFF2-40B4-BE49-F238E27FC236}">
+                <a16:creationId xmlns:a16="http://schemas.microsoft.com/office/drawing/2014/main" id="{97004924-A9F4-4295-A4C2-6646963C079D}"/>
+              </a:ext>
+            </a:extLst>
+          </p:cNvPr>
+          <p:cNvGrpSpPr/>
+          <p:nvPr/>
+        </p:nvGrpSpPr>
+        <p:grpSpPr>
+          <a:xfrm>
+            <a:off x="1280167" y="4380564"/>
+            <a:ext cx="2430507" cy="1532211"/>
+            <a:chOff x="1280167" y="4380564"/>
+            <a:chExt cx="2430507" cy="1532211"/>
+          </a:xfrm>
+        </p:grpSpPr>
+        <p:sp>
+          <p:nvSpPr>
+            <p:cNvPr id="52" name="Freeform: Shape 51">
+              <a:extLst>
+                <a:ext uri="{FF2B5EF4-FFF2-40B4-BE49-F238E27FC236}">
+                  <a16:creationId xmlns:a16="http://schemas.microsoft.com/office/drawing/2014/main" id="{15DF27A3-07AC-4239-8A2D-D0B3E81436A2}"/>
+                </a:ext>
+              </a:extLst>
+            </p:cNvPr>
+            <p:cNvSpPr/>
+            <p:nvPr/>
+          </p:nvSpPr>
+          <p:spPr>
+            <a:xfrm>
+              <a:off x="2192224" y="4543131"/>
+              <a:ext cx="606393" cy="1207079"/>
+            </a:xfrm>
+            <a:custGeom>
+              <a:avLst/>
+              <a:gdLst>
+                <a:gd name="connsiteX0" fmla="*/ 294857 w 606393"/>
+                <a:gd name="connsiteY0" fmla="*/ 0 h 1207079"/>
+                <a:gd name="connsiteX1" fmla="*/ 384021 w 606393"/>
+                <a:gd name="connsiteY1" fmla="*/ 73567 h 1207079"/>
+                <a:gd name="connsiteX2" fmla="*/ 606393 w 606393"/>
+                <a:gd name="connsiteY2" fmla="*/ 610420 h 1207079"/>
+                <a:gd name="connsiteX3" fmla="*/ 384021 w 606393"/>
+                <a:gd name="connsiteY3" fmla="*/ 1147273 h 1207079"/>
+                <a:gd name="connsiteX4" fmla="*/ 311536 w 606393"/>
+                <a:gd name="connsiteY4" fmla="*/ 1207079 h 1207079"/>
+                <a:gd name="connsiteX5" fmla="*/ 222372 w 606393"/>
+                <a:gd name="connsiteY5" fmla="*/ 1133512 h 1207079"/>
+                <a:gd name="connsiteX6" fmla="*/ 0 w 606393"/>
+                <a:gd name="connsiteY6" fmla="*/ 596659 h 1207079"/>
+                <a:gd name="connsiteX7" fmla="*/ 222372 w 606393"/>
+                <a:gd name="connsiteY7" fmla="*/ 59806 h 1207079"/>
+                <a:gd name="connsiteX8" fmla="*/ 294857 w 606393"/>
+                <a:gd name="connsiteY8" fmla="*/ 0 h 1207079"/>
+              </a:gdLst>
+              <a:ahLst/>
+              <a:cxnLst>
+                <a:cxn ang="0">
+                  <a:pos x="connsiteX0" y="connsiteY0"/>
+                </a:cxn>
+                <a:cxn ang="0">
+                  <a:pos x="connsiteX1" y="connsiteY1"/>
+                </a:cxn>
+                <a:cxn ang="0">
+                  <a:pos x="connsiteX2" y="connsiteY2"/>
+                </a:cxn>
+                <a:cxn ang="0">
+                  <a:pos x="connsiteX3" y="connsiteY3"/>
+                </a:cxn>
+                <a:cxn ang="0">
+                  <a:pos x="connsiteX4" y="connsiteY4"/>
+                </a:cxn>
+                <a:cxn ang="0">
+                  <a:pos x="connsiteX5" y="connsiteY5"/>
+                </a:cxn>
+                <a:cxn ang="0">
+                  <a:pos x="connsiteX6" y="connsiteY6"/>
+                </a:cxn>
+                <a:cxn ang="0">
+                  <a:pos x="connsiteX7" y="connsiteY7"/>
+                </a:cxn>
+                <a:cxn ang="0">
+                  <a:pos x="connsiteX8" y="connsiteY8"/>
+                </a:cxn>
+              </a:cxnLst>
+              <a:rect l="l" t="t" r="r" b="b"/>
+              <a:pathLst>
+                <a:path w="606393" h="1207079">
+                  <a:moveTo>
+                    <a:pt x="294857" y="0"/>
+                  </a:moveTo>
+                  <a:lnTo>
+                    <a:pt x="384021" y="73567"/>
+                  </a:lnTo>
+                  <a:cubicBezTo>
+                    <a:pt x="521414" y="210960"/>
+                    <a:pt x="606393" y="400766"/>
+                    <a:pt x="606393" y="610420"/>
+                  </a:cubicBezTo>
+                  <a:cubicBezTo>
+                    <a:pt x="606393" y="820074"/>
+                    <a:pt x="521414" y="1009880"/>
+                    <a:pt x="384021" y="1147273"/>
+                  </a:cubicBezTo>
+                  <a:lnTo>
+                    <a:pt x="311536" y="1207079"/>
+                  </a:lnTo>
+                  <a:lnTo>
+                    <a:pt x="222372" y="1133512"/>
+                  </a:lnTo>
+                  <a:cubicBezTo>
+                    <a:pt x="84979" y="996119"/>
+                    <a:pt x="0" y="806313"/>
+                    <a:pt x="0" y="596659"/>
+                  </a:cubicBezTo>
+                  <a:cubicBezTo>
+                    <a:pt x="0" y="387005"/>
+                    <a:pt x="84979" y="197199"/>
+                    <a:pt x="222372" y="59806"/>
+                  </a:cubicBezTo>
+                  <a:lnTo>
+                    <a:pt x="294857" y="0"/>
+                  </a:lnTo>
+                  <a:close/>
+                </a:path>
+              </a:pathLst>
+            </a:custGeom>
+            <a:noFill/>
+          </p:spPr>
+          <p:style>
+            <a:lnRef idx="2">
+              <a:schemeClr val="accent1">
+                <a:shade val="50000"/>
+              </a:schemeClr>
+            </a:lnRef>
+            <a:fillRef idx="1">
+              <a:schemeClr val="accent1"/>
+            </a:fillRef>
+            <a:effectRef idx="0">
+              <a:schemeClr val="accent1"/>
+            </a:effectRef>
+            <a:fontRef idx="minor">
+              <a:schemeClr val="lt1"/>
+            </a:fontRef>
+          </p:style>
+          <p:txBody>
+            <a:bodyPr rtlCol="0" anchor="ctr"/>
+            <a:lstStyle/>
+            <a:p>
+              <a:pPr algn="ctr"/>
+              <a:endParaRPr lang="en-GB"/>
+            </a:p>
+          </p:txBody>
+        </p:sp>
+        <p:sp>
+          <p:nvSpPr>
+            <p:cNvPr id="51" name="Freeform: Shape 50">
+              <a:extLst>
+                <a:ext uri="{FF2B5EF4-FFF2-40B4-BE49-F238E27FC236}">
+                  <a16:creationId xmlns:a16="http://schemas.microsoft.com/office/drawing/2014/main" id="{65BA838A-1E78-49F2-8155-7017808998A2}"/>
+                </a:ext>
+              </a:extLst>
+            </p:cNvPr>
+            <p:cNvSpPr/>
+            <p:nvPr/>
+          </p:nvSpPr>
+          <p:spPr>
+            <a:xfrm>
+              <a:off x="2487081" y="4380564"/>
+              <a:ext cx="1223593" cy="1518450"/>
+            </a:xfrm>
+            <a:custGeom>
+              <a:avLst/>
+              <a:gdLst>
+                <a:gd name="connsiteX0" fmla="*/ 464368 w 1223593"/>
+                <a:gd name="connsiteY0" fmla="*/ 0 h 1518450"/>
+                <a:gd name="connsiteX1" fmla="*/ 1223593 w 1223593"/>
+                <a:gd name="connsiteY1" fmla="*/ 759225 h 1518450"/>
+                <a:gd name="connsiteX2" fmla="*/ 464368 w 1223593"/>
+                <a:gd name="connsiteY2" fmla="*/ 1518450 h 1518450"/>
+                <a:gd name="connsiteX3" fmla="*/ 39878 w 1223593"/>
+                <a:gd name="connsiteY3" fmla="*/ 1388786 h 1518450"/>
+                <a:gd name="connsiteX4" fmla="*/ 16679 w 1223593"/>
+                <a:gd name="connsiteY4" fmla="*/ 1369645 h 1518450"/>
+                <a:gd name="connsiteX5" fmla="*/ 89164 w 1223593"/>
+                <a:gd name="connsiteY5" fmla="*/ 1309839 h 1518450"/>
+                <a:gd name="connsiteX6" fmla="*/ 311536 w 1223593"/>
+                <a:gd name="connsiteY6" fmla="*/ 772986 h 1518450"/>
+                <a:gd name="connsiteX7" fmla="*/ 89164 w 1223593"/>
+                <a:gd name="connsiteY7" fmla="*/ 236133 h 1518450"/>
+                <a:gd name="connsiteX8" fmla="*/ 0 w 1223593"/>
+                <a:gd name="connsiteY8" fmla="*/ 162566 h 1518450"/>
+                <a:gd name="connsiteX9" fmla="*/ 39878 w 1223593"/>
+                <a:gd name="connsiteY9" fmla="*/ 129664 h 1518450"/>
+                <a:gd name="connsiteX10" fmla="*/ 464368 w 1223593"/>
+                <a:gd name="connsiteY10" fmla="*/ 0 h 1518450"/>
+              </a:gdLst>
+              <a:ahLst/>
+              <a:cxnLst>
+                <a:cxn ang="0">
+                  <a:pos x="connsiteX0" y="connsiteY0"/>
+                </a:cxn>
+                <a:cxn ang="0">
+                  <a:pos x="connsiteX1" y="connsiteY1"/>
+                </a:cxn>
+                <a:cxn ang="0">
+                  <a:pos x="connsiteX2" y="connsiteY2"/>
+                </a:cxn>
+                <a:cxn ang="0">
+                  <a:pos x="connsiteX3" y="connsiteY3"/>
+                </a:cxn>
+                <a:cxn ang="0">
+                  <a:pos x="connsiteX4" y="connsiteY4"/>
+                </a:cxn>
+                <a:cxn ang="0">
+                  <a:pos x="connsiteX5" y="connsiteY5"/>
+                </a:cxn>
+                <a:cxn ang="0">
+                  <a:pos x="connsiteX6" y="connsiteY6"/>
+                </a:cxn>
+                <a:cxn ang="0">
+                  <a:pos x="connsiteX7" y="connsiteY7"/>
+                </a:cxn>
+                <a:cxn ang="0">
+                  <a:pos x="connsiteX8" y="connsiteY8"/>
+                </a:cxn>
+                <a:cxn ang="0">
+                  <a:pos x="connsiteX9" y="connsiteY9"/>
+                </a:cxn>
+                <a:cxn ang="0">
+                  <a:pos x="connsiteX10" y="connsiteY10"/>
+                </a:cxn>
+              </a:cxnLst>
+              <a:rect l="l" t="t" r="r" b="b"/>
+              <a:pathLst>
+                <a:path w="1223593" h="1518450">
+                  <a:moveTo>
+                    <a:pt x="464368" y="0"/>
+                  </a:moveTo>
+                  <a:cubicBezTo>
+                    <a:pt x="883676" y="0"/>
+                    <a:pt x="1223593" y="339917"/>
+                    <a:pt x="1223593" y="759225"/>
+                  </a:cubicBezTo>
+                  <a:cubicBezTo>
+                    <a:pt x="1223593" y="1178533"/>
+                    <a:pt x="883676" y="1518450"/>
+                    <a:pt x="464368" y="1518450"/>
+                  </a:cubicBezTo>
+                  <a:cubicBezTo>
+                    <a:pt x="307128" y="1518450"/>
+                    <a:pt x="161051" y="1470649"/>
+                    <a:pt x="39878" y="1388786"/>
+                  </a:cubicBezTo>
+                  <a:lnTo>
+                    <a:pt x="16679" y="1369645"/>
+                  </a:lnTo>
+                  <a:lnTo>
+                    <a:pt x="89164" y="1309839"/>
+                  </a:lnTo>
+                  <a:cubicBezTo>
+                    <a:pt x="226557" y="1172446"/>
+                    <a:pt x="311536" y="982640"/>
+                    <a:pt x="311536" y="772986"/>
+                  </a:cubicBezTo>
+                  <a:cubicBezTo>
+                    <a:pt x="311536" y="563332"/>
+                    <a:pt x="226557" y="373526"/>
+                    <a:pt x="89164" y="236133"/>
+                  </a:cubicBezTo>
+                  <a:lnTo>
+                    <a:pt x="0" y="162566"/>
+                  </a:lnTo>
+                  <a:lnTo>
+                    <a:pt x="39878" y="129664"/>
+                  </a:lnTo>
+                  <a:cubicBezTo>
+                    <a:pt x="161051" y="47801"/>
+                    <a:pt x="307128" y="0"/>
+                    <a:pt x="464368" y="0"/>
+                  </a:cubicBezTo>
+                  <a:close/>
+                </a:path>
+              </a:pathLst>
+            </a:custGeom>
+            <a:noFill/>
+          </p:spPr>
+          <p:style>
+            <a:lnRef idx="2">
+              <a:schemeClr val="accent1">
+                <a:shade val="50000"/>
+              </a:schemeClr>
+            </a:lnRef>
+            <a:fillRef idx="1">
+              <a:schemeClr val="accent1"/>
+            </a:fillRef>
+            <a:effectRef idx="0">
+              <a:schemeClr val="accent1"/>
+            </a:effectRef>
+            <a:fontRef idx="minor">
+              <a:schemeClr val="lt1"/>
+            </a:fontRef>
+          </p:style>
+          <p:txBody>
+            <a:bodyPr rtlCol="0" anchor="ctr"/>
+            <a:lstStyle/>
+            <a:p>
+              <a:pPr algn="ctr"/>
+              <a:endParaRPr lang="en-GB"/>
+            </a:p>
+          </p:txBody>
+        </p:sp>
+        <p:sp>
+          <p:nvSpPr>
+            <p:cNvPr id="50" name="Freeform: Shape 49">
+              <a:extLst>
+                <a:ext uri="{FF2B5EF4-FFF2-40B4-BE49-F238E27FC236}">
+                  <a16:creationId xmlns:a16="http://schemas.microsoft.com/office/drawing/2014/main" id="{7BAEA159-26CA-4B08-96CC-B579AF5335F3}"/>
+                </a:ext>
+              </a:extLst>
+            </p:cNvPr>
+            <p:cNvSpPr/>
+            <p:nvPr/>
+          </p:nvSpPr>
+          <p:spPr>
+            <a:xfrm>
+              <a:off x="1280167" y="4394325"/>
+              <a:ext cx="1223593" cy="1518450"/>
+            </a:xfrm>
+            <a:custGeom>
+              <a:avLst/>
+              <a:gdLst>
+                <a:gd name="connsiteX0" fmla="*/ 759225 w 1223593"/>
+                <a:gd name="connsiteY0" fmla="*/ 0 h 1518450"/>
+                <a:gd name="connsiteX1" fmla="*/ 1183715 w 1223593"/>
+                <a:gd name="connsiteY1" fmla="*/ 129664 h 1518450"/>
+                <a:gd name="connsiteX2" fmla="*/ 1206914 w 1223593"/>
+                <a:gd name="connsiteY2" fmla="*/ 148805 h 1518450"/>
+                <a:gd name="connsiteX3" fmla="*/ 1134429 w 1223593"/>
+                <a:gd name="connsiteY3" fmla="*/ 208611 h 1518450"/>
+                <a:gd name="connsiteX4" fmla="*/ 912057 w 1223593"/>
+                <a:gd name="connsiteY4" fmla="*/ 745464 h 1518450"/>
+                <a:gd name="connsiteX5" fmla="*/ 1134429 w 1223593"/>
+                <a:gd name="connsiteY5" fmla="*/ 1282317 h 1518450"/>
+                <a:gd name="connsiteX6" fmla="*/ 1223593 w 1223593"/>
+                <a:gd name="connsiteY6" fmla="*/ 1355884 h 1518450"/>
+                <a:gd name="connsiteX7" fmla="*/ 1183715 w 1223593"/>
+                <a:gd name="connsiteY7" fmla="*/ 1388786 h 1518450"/>
+                <a:gd name="connsiteX8" fmla="*/ 759225 w 1223593"/>
+                <a:gd name="connsiteY8" fmla="*/ 1518450 h 1518450"/>
+                <a:gd name="connsiteX9" fmla="*/ 0 w 1223593"/>
+                <a:gd name="connsiteY9" fmla="*/ 759225 h 1518450"/>
+                <a:gd name="connsiteX10" fmla="*/ 759225 w 1223593"/>
+                <a:gd name="connsiteY10" fmla="*/ 0 h 1518450"/>
+              </a:gdLst>
+              <a:ahLst/>
+              <a:cxnLst>
+                <a:cxn ang="0">
+                  <a:pos x="connsiteX0" y="connsiteY0"/>
+                </a:cxn>
+                <a:cxn ang="0">
+                  <a:pos x="connsiteX1" y="connsiteY1"/>
+                </a:cxn>
+                <a:cxn ang="0">
+                  <a:pos x="connsiteX2" y="connsiteY2"/>
+                </a:cxn>
+                <a:cxn ang="0">
+                  <a:pos x="connsiteX3" y="connsiteY3"/>
+                </a:cxn>
+                <a:cxn ang="0">
+                  <a:pos x="connsiteX4" y="connsiteY4"/>
+                </a:cxn>
+                <a:cxn ang="0">
+                  <a:pos x="connsiteX5" y="connsiteY5"/>
+                </a:cxn>
+                <a:cxn ang="0">
+                  <a:pos x="connsiteX6" y="connsiteY6"/>
+                </a:cxn>
+                <a:cxn ang="0">
+                  <a:pos x="connsiteX7" y="connsiteY7"/>
+                </a:cxn>
+                <a:cxn ang="0">
+                  <a:pos x="connsiteX8" y="connsiteY8"/>
+                </a:cxn>
+                <a:cxn ang="0">
+                  <a:pos x="connsiteX9" y="connsiteY9"/>
+                </a:cxn>
+                <a:cxn ang="0">
+                  <a:pos x="connsiteX10" y="connsiteY10"/>
+                </a:cxn>
+              </a:cxnLst>
+              <a:rect l="l" t="t" r="r" b="b"/>
+              <a:pathLst>
+                <a:path w="1223593" h="1518450">
+                  <a:moveTo>
+                    <a:pt x="759225" y="0"/>
+                  </a:moveTo>
+                  <a:cubicBezTo>
+                    <a:pt x="916466" y="0"/>
+                    <a:pt x="1062542" y="47801"/>
+                    <a:pt x="1183715" y="129664"/>
+                  </a:cubicBezTo>
+                  <a:lnTo>
+                    <a:pt x="1206914" y="148805"/>
+                  </a:lnTo>
+                  <a:lnTo>
+                    <a:pt x="1134429" y="208611"/>
+                  </a:lnTo>
+                  <a:cubicBezTo>
+                    <a:pt x="997036" y="346004"/>
+                    <a:pt x="912057" y="535810"/>
+                    <a:pt x="912057" y="745464"/>
+                  </a:cubicBezTo>
+                  <a:cubicBezTo>
+                    <a:pt x="912057" y="955118"/>
+                    <a:pt x="997036" y="1144924"/>
+                    <a:pt x="1134429" y="1282317"/>
+                  </a:cubicBezTo>
+                  <a:lnTo>
+                    <a:pt x="1223593" y="1355884"/>
+                  </a:lnTo>
+                  <a:lnTo>
+                    <a:pt x="1183715" y="1388786"/>
+                  </a:lnTo>
+                  <a:cubicBezTo>
+                    <a:pt x="1062542" y="1470649"/>
+                    <a:pt x="916466" y="1518450"/>
+                    <a:pt x="759225" y="1518450"/>
+                  </a:cubicBezTo>
+                  <a:cubicBezTo>
+                    <a:pt x="339917" y="1518450"/>
+                    <a:pt x="0" y="1178533"/>
+                    <a:pt x="0" y="759225"/>
+                  </a:cubicBezTo>
+                  <a:cubicBezTo>
+                    <a:pt x="0" y="339917"/>
+                    <a:pt x="339917" y="0"/>
+                    <a:pt x="759225" y="0"/>
+                  </a:cubicBezTo>
+                  <a:close/>
+                </a:path>
+              </a:pathLst>
+            </a:custGeom>
+            <a:solidFill>
+              <a:srgbClr val="C00000"/>
+            </a:solidFill>
+          </p:spPr>
+          <p:style>
+            <a:lnRef idx="2">
+              <a:schemeClr val="accent1">
+                <a:shade val="50000"/>
+              </a:schemeClr>
+            </a:lnRef>
+            <a:fillRef idx="1">
+              <a:schemeClr val="accent1"/>
+            </a:fillRef>
+            <a:effectRef idx="0">
+              <a:schemeClr val="accent1"/>
+            </a:effectRef>
+            <a:fontRef idx="minor">
+              <a:schemeClr val="lt1"/>
+            </a:fontRef>
+          </p:style>
+          <p:txBody>
+            <a:bodyPr rtlCol="0" anchor="ctr"/>
+            <a:lstStyle/>
+            <a:p>
+              <a:pPr algn="ctr"/>
+              <a:endParaRPr lang="en-GB"/>
+            </a:p>
+          </p:txBody>
+        </p:sp>
+      </p:grpSp>
+      <p:sp>
+        <p:nvSpPr>
+          <p:cNvPr id="34" name="TextBox 33">
+            <a:extLst>
+              <a:ext uri="{FF2B5EF4-FFF2-40B4-BE49-F238E27FC236}">
+                <a16:creationId xmlns:a16="http://schemas.microsoft.com/office/drawing/2014/main" id="{3A184BC3-3203-4074-8321-20C9E84E13D5}"/>
+              </a:ext>
+            </a:extLst>
+          </p:cNvPr>
+          <p:cNvSpPr txBox="1"/>
           <p:nvPr/>
         </p:nvSpPr>
         <p:spPr>
           <a:xfrm>
-            <a:off x="4403327" y="2516507"/>
-            <a:ext cx="2139518" cy="807867"/>
-          </a:xfrm>
-          <a:prstGeom prst="can">
-            <a:avLst/>
-          </a:prstGeom>
-        </p:spPr>
-        <p:style>
-          <a:lnRef idx="2">
-            <a:schemeClr val="accent1">
-              <a:shade val="50000"/>
-            </a:schemeClr>
-          </a:lnRef>
-          <a:fillRef idx="1">
-            <a:schemeClr val="accent1"/>
-          </a:fillRef>
-          <a:effectRef idx="0">
-            <a:schemeClr val="accent1"/>
-          </a:effectRef>
-          <a:fontRef idx="minor">
-            <a:schemeClr val="lt1"/>
-          </a:fontRef>
-        </p:style>
-        <p:txBody>
-          <a:bodyPr rtlCol="0" anchor="ctr"/>
-          <a:lstStyle/>
-          <a:p>
-            <a:pPr algn="ctr"/>
-            <a:r>
-              <a:rPr lang="en-US" dirty="0"/>
-              <a:t>Cache Database</a:t>
-            </a:r>
-            <a:endParaRPr lang="en-GB" dirty="0"/>
-          </a:p>
-        </p:txBody>
-      </p:sp>
-      <p:sp>
-        <p:nvSpPr>
-          <p:cNvPr id="20" name="Cylinder 19"/>
-          <p:cNvSpPr/>
-          <p:nvPr/>
-        </p:nvSpPr>
-        <p:spPr>
-          <a:xfrm>
-            <a:off x="7302625" y="1501663"/>
-            <a:ext cx="2139518" cy="1753848"/>
-          </a:xfrm>
-          <a:prstGeom prst="can">
-            <a:avLst/>
-          </a:prstGeom>
-        </p:spPr>
-        <p:style>
-          <a:lnRef idx="2">
-            <a:schemeClr val="accent1">
-              <a:shade val="50000"/>
-            </a:schemeClr>
-          </a:lnRef>
-          <a:fillRef idx="1">
-            <a:schemeClr val="accent1"/>
-          </a:fillRef>
-          <a:effectRef idx="0">
-            <a:schemeClr val="accent1"/>
-          </a:effectRef>
-          <a:fontRef idx="minor">
-            <a:schemeClr val="lt1"/>
-          </a:fontRef>
-        </p:style>
-        <p:txBody>
-          <a:bodyPr rtlCol="0" anchor="ctr"/>
-          <a:lstStyle/>
-          <a:p>
-            <a:pPr algn="ctr"/>
-            <a:r>
-              <a:rPr lang="en-US" dirty="0"/>
-              <a:t>Database Server</a:t>
-            </a:r>
-            <a:endParaRPr lang="en-GB" dirty="0"/>
-          </a:p>
-        </p:txBody>
-      </p:sp>
-      <p:sp>
-        <p:nvSpPr>
-          <p:cNvPr id="21" name="Cylinder 20"/>
-          <p:cNvSpPr/>
-          <p:nvPr/>
-        </p:nvSpPr>
-        <p:spPr>
-          <a:xfrm>
-            <a:off x="7302625" y="2851577"/>
-            <a:ext cx="2139518" cy="807867"/>
-          </a:xfrm>
-          <a:prstGeom prst="can">
-            <a:avLst/>
-          </a:prstGeom>
-        </p:spPr>
-        <p:style>
-          <a:lnRef idx="2">
-            <a:schemeClr val="accent1">
-              <a:shade val="50000"/>
-            </a:schemeClr>
-          </a:lnRef>
-          <a:fillRef idx="1">
-            <a:schemeClr val="accent1"/>
-          </a:fillRef>
-          <a:effectRef idx="0">
-            <a:schemeClr val="accent1"/>
-          </a:effectRef>
-          <a:fontRef idx="minor">
-            <a:schemeClr val="lt1"/>
-          </a:fontRef>
-        </p:style>
-        <p:txBody>
-          <a:bodyPr rtlCol="0" anchor="ctr"/>
-          <a:lstStyle/>
-          <a:p>
-            <a:pPr algn="ctr"/>
-            <a:r>
-              <a:rPr lang="en-US" dirty="0"/>
-              <a:t>Database 2</a:t>
-            </a:r>
-            <a:endParaRPr lang="en-GB" dirty="0"/>
-          </a:p>
-        </p:txBody>
-      </p:sp>
-      <p:pic>
-        <p:nvPicPr>
-          <p:cNvPr id="22" name="Picture 21"/>
-          <p:cNvPicPr>
-            <a:picLocks noChangeAspect="1"/>
-          </p:cNvPicPr>
-          <p:nvPr/>
-        </p:nvPicPr>
-        <p:blipFill>
-          <a:blip r:embed="rId2" cstate="print">
-            <a:extLst>
-              <a:ext uri="{28A0092B-C50C-407E-A947-70E740481C1C}">
-                <a14:useLocalDpi xmlns:a14="http://schemas.microsoft.com/office/drawing/2010/main" val="0"/>
-              </a:ext>
-            </a:extLst>
-          </a:blip>
-          <a:stretch>
-            <a:fillRect/>
-          </a:stretch>
-        </p:blipFill>
-        <p:spPr>
-          <a:xfrm>
-            <a:off x="2032925" y="4832624"/>
-            <a:ext cx="710335" cy="710335"/>
-          </a:xfrm>
-          <a:prstGeom prst="rect">
-            <a:avLst/>
-          </a:prstGeom>
-        </p:spPr>
-      </p:pic>
-      <p:sp>
-        <p:nvSpPr>
-          <p:cNvPr id="23" name="TextBox 22"/>
-          <p:cNvSpPr txBox="1"/>
-          <p:nvPr/>
-        </p:nvSpPr>
-        <p:spPr>
-          <a:xfrm>
-            <a:off x="514904" y="5437563"/>
-            <a:ext cx="2756516" cy="923330"/>
+            <a:off x="1280166" y="6003986"/>
+            <a:ext cx="2573740" cy="646331"/>
           </a:xfrm>
           <a:prstGeom prst="rect">
             <a:avLst/>
@@ -9240,68 +7259,896 @@
           <a:lstStyle/>
           <a:p>
             <a:r>
-              <a:rPr lang="en-US" dirty="0"/>
-              <a:t>User Account</a:t>
-            </a:r>
-            <a:r>
-              <a:rPr lang="en-GB" dirty="0"/>
-              <a:t> with:</a:t>
-            </a:r>
-          </a:p>
-          <a:p>
-            <a:r>
-              <a:rPr lang="en-GB" dirty="0"/>
-              <a:t> read access to database1</a:t>
-            </a:r>
-          </a:p>
-          <a:p>
-            <a:r>
-              <a:rPr lang="en-US" dirty="0"/>
-              <a:t> write access to cache</a:t>
-            </a:r>
+              <a:rPr lang="en-US" sz="1200" dirty="0"/>
+              <a:t>Set 1 EXCEPT Set 2</a:t>
+            </a:r>
+          </a:p>
+          <a:p>
+            <a:r>
+              <a:rPr lang="en-US" sz="1200" dirty="0"/>
+              <a:t>People who have ever had Diazepam prescriptions only after 2000</a:t>
+            </a:r>
+            <a:endParaRPr lang="en-GB" sz="1200" dirty="0"/>
           </a:p>
         </p:txBody>
       </p:sp>
-      <p:pic>
-        <p:nvPicPr>
-          <p:cNvPr id="24" name="Picture 23"/>
-          <p:cNvPicPr>
-            <a:picLocks noChangeAspect="1"/>
-          </p:cNvPicPr>
-          <p:nvPr/>
-        </p:nvPicPr>
-        <p:blipFill>
-          <a:blip r:embed="rId2" cstate="print">
+      <p:grpSp>
+        <p:nvGrpSpPr>
+          <p:cNvPr id="7" name="Group 6">
             <a:extLst>
-              <a:ext uri="{28A0092B-C50C-407E-A947-70E740481C1C}">
-                <a14:useLocalDpi xmlns:a14="http://schemas.microsoft.com/office/drawing/2010/main" val="0"/>
+              <a:ext uri="{FF2B5EF4-FFF2-40B4-BE49-F238E27FC236}">
+                <a16:creationId xmlns:a16="http://schemas.microsoft.com/office/drawing/2014/main" id="{E7A73235-AAD6-4928-9535-73154EBC1562}"/>
               </a:ext>
             </a:extLst>
-          </a:blip>
-          <a:stretch>
-            <a:fillRect/>
-          </a:stretch>
-        </p:blipFill>
+          </p:cNvPr>
+          <p:cNvGrpSpPr/>
+          <p:nvPr/>
+        </p:nvGrpSpPr>
+        <p:grpSpPr>
+          <a:xfrm>
+            <a:off x="5408858" y="3960441"/>
+            <a:ext cx="2430507" cy="2245763"/>
+            <a:chOff x="5408858" y="3960441"/>
+            <a:chExt cx="2430507" cy="2245763"/>
+          </a:xfrm>
+        </p:grpSpPr>
+        <p:sp>
+          <p:nvSpPr>
+            <p:cNvPr id="49" name="Freeform: Shape 48">
+              <a:extLst>
+                <a:ext uri="{FF2B5EF4-FFF2-40B4-BE49-F238E27FC236}">
+                  <a16:creationId xmlns:a16="http://schemas.microsoft.com/office/drawing/2014/main" id="{7A7DAD62-E0F7-4BE5-8D59-361D35ED076F}"/>
+                </a:ext>
+              </a:extLst>
+            </p:cNvPr>
+            <p:cNvSpPr/>
+            <p:nvPr/>
+          </p:nvSpPr>
+          <p:spPr>
+            <a:xfrm>
+              <a:off x="6322554" y="4687754"/>
+              <a:ext cx="603863" cy="642460"/>
+            </a:xfrm>
+            <a:custGeom>
+              <a:avLst/>
+              <a:gdLst>
+                <a:gd name="connsiteX0" fmla="*/ 301559 w 603863"/>
+                <a:gd name="connsiteY0" fmla="*/ 0 h 642460"/>
+                <a:gd name="connsiteX1" fmla="*/ 597083 w 603863"/>
+                <a:gd name="connsiteY1" fmla="*/ 59664 h 642460"/>
+                <a:gd name="connsiteX2" fmla="*/ 603863 w 603863"/>
+                <a:gd name="connsiteY2" fmla="*/ 63344 h 642460"/>
+                <a:gd name="connsiteX3" fmla="*/ 600835 w 603863"/>
+                <a:gd name="connsiteY3" fmla="*/ 123299 h 642460"/>
+                <a:gd name="connsiteX4" fmla="*/ 356016 w 603863"/>
+                <a:gd name="connsiteY4" fmla="*/ 607665 h 642460"/>
+                <a:gd name="connsiteX5" fmla="*/ 310052 w 603863"/>
+                <a:gd name="connsiteY5" fmla="*/ 642460 h 642460"/>
+                <a:gd name="connsiteX6" fmla="*/ 220734 w 603863"/>
+                <a:gd name="connsiteY6" fmla="*/ 568765 h 642460"/>
+                <a:gd name="connsiteX7" fmla="*/ 2282 w 603863"/>
+                <a:gd name="connsiteY7" fmla="*/ 109538 h 642460"/>
+                <a:gd name="connsiteX8" fmla="*/ 0 w 603863"/>
+                <a:gd name="connsiteY8" fmla="*/ 64344 h 642460"/>
+                <a:gd name="connsiteX9" fmla="*/ 23171 w 603863"/>
+                <a:gd name="connsiteY9" fmla="*/ 52662 h 642460"/>
+                <a:gd name="connsiteX10" fmla="*/ 301559 w 603863"/>
+                <a:gd name="connsiteY10" fmla="*/ 0 h 642460"/>
+              </a:gdLst>
+              <a:ahLst/>
+              <a:cxnLst>
+                <a:cxn ang="0">
+                  <a:pos x="connsiteX0" y="connsiteY0"/>
+                </a:cxn>
+                <a:cxn ang="0">
+                  <a:pos x="connsiteX1" y="connsiteY1"/>
+                </a:cxn>
+                <a:cxn ang="0">
+                  <a:pos x="connsiteX2" y="connsiteY2"/>
+                </a:cxn>
+                <a:cxn ang="0">
+                  <a:pos x="connsiteX3" y="connsiteY3"/>
+                </a:cxn>
+                <a:cxn ang="0">
+                  <a:pos x="connsiteX4" y="connsiteY4"/>
+                </a:cxn>
+                <a:cxn ang="0">
+                  <a:pos x="connsiteX5" y="connsiteY5"/>
+                </a:cxn>
+                <a:cxn ang="0">
+                  <a:pos x="connsiteX6" y="connsiteY6"/>
+                </a:cxn>
+                <a:cxn ang="0">
+                  <a:pos x="connsiteX7" y="connsiteY7"/>
+                </a:cxn>
+                <a:cxn ang="0">
+                  <a:pos x="connsiteX8" y="connsiteY8"/>
+                </a:cxn>
+                <a:cxn ang="0">
+                  <a:pos x="connsiteX9" y="connsiteY9"/>
+                </a:cxn>
+                <a:cxn ang="0">
+                  <a:pos x="connsiteX10" y="connsiteY10"/>
+                </a:cxn>
+              </a:cxnLst>
+              <a:rect l="l" t="t" r="r" b="b"/>
+              <a:pathLst>
+                <a:path w="603863" h="642460">
+                  <a:moveTo>
+                    <a:pt x="301559" y="0"/>
+                  </a:moveTo>
+                  <a:cubicBezTo>
+                    <a:pt x="406386" y="0"/>
+                    <a:pt x="506251" y="21245"/>
+                    <a:pt x="597083" y="59664"/>
+                  </a:cubicBezTo>
+                  <a:lnTo>
+                    <a:pt x="603863" y="63344"/>
+                  </a:lnTo>
+                  <a:lnTo>
+                    <a:pt x="600835" y="123299"/>
+                  </a:lnTo>
+                  <a:cubicBezTo>
+                    <a:pt x="581396" y="314721"/>
+                    <a:pt x="490845" y="485121"/>
+                    <a:pt x="356016" y="607665"/>
+                  </a:cubicBezTo>
+                  <a:lnTo>
+                    <a:pt x="310052" y="642460"/>
+                  </a:lnTo>
+                  <a:lnTo>
+                    <a:pt x="220734" y="568765"/>
+                  </a:lnTo>
+                  <a:cubicBezTo>
+                    <a:pt x="100516" y="448547"/>
+                    <a:pt x="20426" y="288199"/>
+                    <a:pt x="2282" y="109538"/>
+                  </a:cubicBezTo>
+                  <a:lnTo>
+                    <a:pt x="0" y="64344"/>
+                  </a:lnTo>
+                  <a:lnTo>
+                    <a:pt x="23171" y="52662"/>
+                  </a:lnTo>
+                  <a:cubicBezTo>
+                    <a:pt x="109370" y="18672"/>
+                    <a:pt x="203284" y="0"/>
+                    <a:pt x="301559" y="0"/>
+                  </a:cubicBezTo>
+                  <a:close/>
+                </a:path>
+              </a:pathLst>
+            </a:custGeom>
+            <a:noFill/>
+          </p:spPr>
+          <p:style>
+            <a:lnRef idx="2">
+              <a:schemeClr val="accent1">
+                <a:shade val="50000"/>
+              </a:schemeClr>
+            </a:lnRef>
+            <a:fillRef idx="1">
+              <a:schemeClr val="accent1"/>
+            </a:fillRef>
+            <a:effectRef idx="0">
+              <a:schemeClr val="accent1"/>
+            </a:effectRef>
+            <a:fontRef idx="minor">
+              <a:schemeClr val="lt1"/>
+            </a:fontRef>
+          </p:style>
+          <p:txBody>
+            <a:bodyPr rtlCol="0" anchor="ctr"/>
+            <a:lstStyle/>
+            <a:p>
+              <a:pPr algn="ctr"/>
+              <a:endParaRPr lang="en-GB"/>
+            </a:p>
+          </p:txBody>
+        </p:sp>
+        <p:sp>
+          <p:nvSpPr>
+            <p:cNvPr id="48" name="Freeform: Shape 47">
+              <a:extLst>
+                <a:ext uri="{FF2B5EF4-FFF2-40B4-BE49-F238E27FC236}">
+                  <a16:creationId xmlns:a16="http://schemas.microsoft.com/office/drawing/2014/main" id="{B79C6C3E-8603-4C7A-B536-4FBEE49CA21D}"/>
+                </a:ext>
+              </a:extLst>
+            </p:cNvPr>
+            <p:cNvSpPr/>
+            <p:nvPr/>
+          </p:nvSpPr>
+          <p:spPr>
+            <a:xfrm>
+              <a:off x="6320915" y="3960441"/>
+              <a:ext cx="1518450" cy="1518450"/>
+            </a:xfrm>
+            <a:custGeom>
+              <a:avLst/>
+              <a:gdLst>
+                <a:gd name="connsiteX0" fmla="*/ 759225 w 1518450"/>
+                <a:gd name="connsiteY0" fmla="*/ 0 h 1518450"/>
+                <a:gd name="connsiteX1" fmla="*/ 1518450 w 1518450"/>
+                <a:gd name="connsiteY1" fmla="*/ 759225 h 1518450"/>
+                <a:gd name="connsiteX2" fmla="*/ 759225 w 1518450"/>
+                <a:gd name="connsiteY2" fmla="*/ 1518450 h 1518450"/>
+                <a:gd name="connsiteX3" fmla="*/ 334735 w 1518450"/>
+                <a:gd name="connsiteY3" fmla="*/ 1388786 h 1518450"/>
+                <a:gd name="connsiteX4" fmla="*/ 311690 w 1518450"/>
+                <a:gd name="connsiteY4" fmla="*/ 1369773 h 1518450"/>
+                <a:gd name="connsiteX5" fmla="*/ 357654 w 1518450"/>
+                <a:gd name="connsiteY5" fmla="*/ 1334978 h 1518450"/>
+                <a:gd name="connsiteX6" fmla="*/ 602473 w 1518450"/>
+                <a:gd name="connsiteY6" fmla="*/ 850612 h 1518450"/>
+                <a:gd name="connsiteX7" fmla="*/ 605501 w 1518450"/>
+                <a:gd name="connsiteY7" fmla="*/ 790657 h 1518450"/>
+                <a:gd name="connsiteX8" fmla="*/ 598721 w 1518450"/>
+                <a:gd name="connsiteY8" fmla="*/ 786977 h 1518450"/>
+                <a:gd name="connsiteX9" fmla="*/ 303197 w 1518450"/>
+                <a:gd name="connsiteY9" fmla="*/ 727313 h 1518450"/>
+                <a:gd name="connsiteX10" fmla="*/ 24809 w 1518450"/>
+                <a:gd name="connsiteY10" fmla="*/ 779975 h 1518450"/>
+                <a:gd name="connsiteX11" fmla="*/ 1638 w 1518450"/>
+                <a:gd name="connsiteY11" fmla="*/ 791657 h 1518450"/>
+                <a:gd name="connsiteX12" fmla="*/ 0 w 1518450"/>
+                <a:gd name="connsiteY12" fmla="*/ 759225 h 1518450"/>
+                <a:gd name="connsiteX13" fmla="*/ 759225 w 1518450"/>
+                <a:gd name="connsiteY13" fmla="*/ 0 h 1518450"/>
+              </a:gdLst>
+              <a:ahLst/>
+              <a:cxnLst>
+                <a:cxn ang="0">
+                  <a:pos x="connsiteX0" y="connsiteY0"/>
+                </a:cxn>
+                <a:cxn ang="0">
+                  <a:pos x="connsiteX1" y="connsiteY1"/>
+                </a:cxn>
+                <a:cxn ang="0">
+                  <a:pos x="connsiteX2" y="connsiteY2"/>
+                </a:cxn>
+                <a:cxn ang="0">
+                  <a:pos x="connsiteX3" y="connsiteY3"/>
+                </a:cxn>
+                <a:cxn ang="0">
+                  <a:pos x="connsiteX4" y="connsiteY4"/>
+                </a:cxn>
+                <a:cxn ang="0">
+                  <a:pos x="connsiteX5" y="connsiteY5"/>
+                </a:cxn>
+                <a:cxn ang="0">
+                  <a:pos x="connsiteX6" y="connsiteY6"/>
+                </a:cxn>
+                <a:cxn ang="0">
+                  <a:pos x="connsiteX7" y="connsiteY7"/>
+                </a:cxn>
+                <a:cxn ang="0">
+                  <a:pos x="connsiteX8" y="connsiteY8"/>
+                </a:cxn>
+                <a:cxn ang="0">
+                  <a:pos x="connsiteX9" y="connsiteY9"/>
+                </a:cxn>
+                <a:cxn ang="0">
+                  <a:pos x="connsiteX10" y="connsiteY10"/>
+                </a:cxn>
+                <a:cxn ang="0">
+                  <a:pos x="connsiteX11" y="connsiteY11"/>
+                </a:cxn>
+                <a:cxn ang="0">
+                  <a:pos x="connsiteX12" y="connsiteY12"/>
+                </a:cxn>
+                <a:cxn ang="0">
+                  <a:pos x="connsiteX13" y="connsiteY13"/>
+                </a:cxn>
+              </a:cxnLst>
+              <a:rect l="l" t="t" r="r" b="b"/>
+              <a:pathLst>
+                <a:path w="1518450" h="1518450">
+                  <a:moveTo>
+                    <a:pt x="759225" y="0"/>
+                  </a:moveTo>
+                  <a:cubicBezTo>
+                    <a:pt x="1178533" y="0"/>
+                    <a:pt x="1518450" y="339917"/>
+                    <a:pt x="1518450" y="759225"/>
+                  </a:cubicBezTo>
+                  <a:cubicBezTo>
+                    <a:pt x="1518450" y="1178533"/>
+                    <a:pt x="1178533" y="1518450"/>
+                    <a:pt x="759225" y="1518450"/>
+                  </a:cubicBezTo>
+                  <a:cubicBezTo>
+                    <a:pt x="601985" y="1518450"/>
+                    <a:pt x="455909" y="1470649"/>
+                    <a:pt x="334735" y="1388786"/>
+                  </a:cubicBezTo>
+                  <a:lnTo>
+                    <a:pt x="311690" y="1369773"/>
+                  </a:lnTo>
+                  <a:lnTo>
+                    <a:pt x="357654" y="1334978"/>
+                  </a:lnTo>
+                  <a:cubicBezTo>
+                    <a:pt x="492483" y="1212434"/>
+                    <a:pt x="583034" y="1042034"/>
+                    <a:pt x="602473" y="850612"/>
+                  </a:cubicBezTo>
+                  <a:lnTo>
+                    <a:pt x="605501" y="790657"/>
+                  </a:lnTo>
+                  <a:lnTo>
+                    <a:pt x="598721" y="786977"/>
+                  </a:lnTo>
+                  <a:cubicBezTo>
+                    <a:pt x="507889" y="748558"/>
+                    <a:pt x="408024" y="727313"/>
+                    <a:pt x="303197" y="727313"/>
+                  </a:cubicBezTo>
+                  <a:cubicBezTo>
+                    <a:pt x="204922" y="727313"/>
+                    <a:pt x="111008" y="745985"/>
+                    <a:pt x="24809" y="779975"/>
+                  </a:cubicBezTo>
+                  <a:lnTo>
+                    <a:pt x="1638" y="791657"/>
+                  </a:lnTo>
+                  <a:lnTo>
+                    <a:pt x="0" y="759225"/>
+                  </a:lnTo>
+                  <a:cubicBezTo>
+                    <a:pt x="0" y="339917"/>
+                    <a:pt x="339917" y="0"/>
+                    <a:pt x="759225" y="0"/>
+                  </a:cubicBezTo>
+                  <a:close/>
+                </a:path>
+              </a:pathLst>
+            </a:custGeom>
+            <a:noFill/>
+          </p:spPr>
+          <p:style>
+            <a:lnRef idx="2">
+              <a:schemeClr val="accent1">
+                <a:shade val="50000"/>
+              </a:schemeClr>
+            </a:lnRef>
+            <a:fillRef idx="1">
+              <a:schemeClr val="accent1"/>
+            </a:fillRef>
+            <a:effectRef idx="0">
+              <a:schemeClr val="accent1"/>
+            </a:effectRef>
+            <a:fontRef idx="minor">
+              <a:schemeClr val="lt1"/>
+            </a:fontRef>
+          </p:style>
+          <p:txBody>
+            <a:bodyPr rtlCol="0" anchor="ctr"/>
+            <a:lstStyle/>
+            <a:p>
+              <a:pPr algn="ctr"/>
+              <a:endParaRPr lang="en-GB"/>
+            </a:p>
+          </p:txBody>
+        </p:sp>
+        <p:sp>
+          <p:nvSpPr>
+            <p:cNvPr id="47" name="Freeform: Shape 46">
+              <a:extLst>
+                <a:ext uri="{FF2B5EF4-FFF2-40B4-BE49-F238E27FC236}">
+                  <a16:creationId xmlns:a16="http://schemas.microsoft.com/office/drawing/2014/main" id="{D24F7171-D946-4825-8013-44EA5A509452}"/>
+                </a:ext>
+              </a:extLst>
+            </p:cNvPr>
+            <p:cNvSpPr/>
+            <p:nvPr/>
+          </p:nvSpPr>
+          <p:spPr>
+            <a:xfrm>
+              <a:off x="5865781" y="4752098"/>
+              <a:ext cx="766825" cy="740554"/>
+            </a:xfrm>
+            <a:custGeom>
+              <a:avLst/>
+              <a:gdLst>
+                <a:gd name="connsiteX0" fmla="*/ 456773 w 766825"/>
+                <a:gd name="connsiteY0" fmla="*/ 0 h 740554"/>
+                <a:gd name="connsiteX1" fmla="*/ 459055 w 766825"/>
+                <a:gd name="connsiteY1" fmla="*/ 45194 h 740554"/>
+                <a:gd name="connsiteX2" fmla="*/ 677507 w 766825"/>
+                <a:gd name="connsiteY2" fmla="*/ 504421 h 740554"/>
+                <a:gd name="connsiteX3" fmla="*/ 766825 w 766825"/>
+                <a:gd name="connsiteY3" fmla="*/ 578116 h 740554"/>
+                <a:gd name="connsiteX4" fmla="*/ 703784 w 766825"/>
+                <a:gd name="connsiteY4" fmla="*/ 625837 h 740554"/>
+                <a:gd name="connsiteX5" fmla="*/ 302303 w 766825"/>
+                <a:gd name="connsiteY5" fmla="*/ 740554 h 740554"/>
+                <a:gd name="connsiteX6" fmla="*/ 6779 w 766825"/>
+                <a:gd name="connsiteY6" fmla="*/ 680890 h 740554"/>
+                <a:gd name="connsiteX7" fmla="*/ 0 w 766825"/>
+                <a:gd name="connsiteY7" fmla="*/ 677210 h 740554"/>
+                <a:gd name="connsiteX8" fmla="*/ 3027 w 766825"/>
+                <a:gd name="connsiteY8" fmla="*/ 617255 h 740554"/>
+                <a:gd name="connsiteX9" fmla="*/ 356851 w 766825"/>
+                <a:gd name="connsiteY9" fmla="*/ 50373 h 740554"/>
+                <a:gd name="connsiteX10" fmla="*/ 456773 w 766825"/>
+                <a:gd name="connsiteY10" fmla="*/ 0 h 740554"/>
+              </a:gdLst>
+              <a:ahLst/>
+              <a:cxnLst>
+                <a:cxn ang="0">
+                  <a:pos x="connsiteX0" y="connsiteY0"/>
+                </a:cxn>
+                <a:cxn ang="0">
+                  <a:pos x="connsiteX1" y="connsiteY1"/>
+                </a:cxn>
+                <a:cxn ang="0">
+                  <a:pos x="connsiteX2" y="connsiteY2"/>
+                </a:cxn>
+                <a:cxn ang="0">
+                  <a:pos x="connsiteX3" y="connsiteY3"/>
+                </a:cxn>
+                <a:cxn ang="0">
+                  <a:pos x="connsiteX4" y="connsiteY4"/>
+                </a:cxn>
+                <a:cxn ang="0">
+                  <a:pos x="connsiteX5" y="connsiteY5"/>
+                </a:cxn>
+                <a:cxn ang="0">
+                  <a:pos x="connsiteX6" y="connsiteY6"/>
+                </a:cxn>
+                <a:cxn ang="0">
+                  <a:pos x="connsiteX7" y="connsiteY7"/>
+                </a:cxn>
+                <a:cxn ang="0">
+                  <a:pos x="connsiteX8" y="connsiteY8"/>
+                </a:cxn>
+                <a:cxn ang="0">
+                  <a:pos x="connsiteX9" y="connsiteY9"/>
+                </a:cxn>
+                <a:cxn ang="0">
+                  <a:pos x="connsiteX10" y="connsiteY10"/>
+                </a:cxn>
+              </a:cxnLst>
+              <a:rect l="l" t="t" r="r" b="b"/>
+              <a:pathLst>
+                <a:path w="766825" h="740554">
+                  <a:moveTo>
+                    <a:pt x="456773" y="0"/>
+                  </a:moveTo>
+                  <a:lnTo>
+                    <a:pt x="459055" y="45194"/>
+                  </a:lnTo>
+                  <a:cubicBezTo>
+                    <a:pt x="477199" y="223855"/>
+                    <a:pt x="557289" y="384203"/>
+                    <a:pt x="677507" y="504421"/>
+                  </a:cubicBezTo>
+                  <a:lnTo>
+                    <a:pt x="766825" y="578116"/>
+                  </a:lnTo>
+                  <a:lnTo>
+                    <a:pt x="703784" y="625837"/>
+                  </a:lnTo>
+                  <a:cubicBezTo>
+                    <a:pt x="587317" y="698542"/>
+                    <a:pt x="449716" y="740554"/>
+                    <a:pt x="302303" y="740554"/>
+                  </a:cubicBezTo>
+                  <a:cubicBezTo>
+                    <a:pt x="197476" y="740554"/>
+                    <a:pt x="97611" y="719309"/>
+                    <a:pt x="6779" y="680890"/>
+                  </a:cubicBezTo>
+                  <a:lnTo>
+                    <a:pt x="0" y="677210"/>
+                  </a:lnTo>
+                  <a:lnTo>
+                    <a:pt x="3027" y="617255"/>
+                  </a:lnTo>
+                  <a:cubicBezTo>
+                    <a:pt x="27327" y="377978"/>
+                    <a:pt x="162738" y="171548"/>
+                    <a:pt x="356851" y="50373"/>
+                  </a:cubicBezTo>
+                  <a:lnTo>
+                    <a:pt x="456773" y="0"/>
+                  </a:lnTo>
+                  <a:close/>
+                </a:path>
+              </a:pathLst>
+            </a:custGeom>
+            <a:solidFill>
+              <a:schemeClr val="accent6">
+                <a:lumMod val="60000"/>
+                <a:lumOff val="40000"/>
+              </a:schemeClr>
+            </a:solidFill>
+          </p:spPr>
+          <p:style>
+            <a:lnRef idx="2">
+              <a:schemeClr val="accent1">
+                <a:shade val="50000"/>
+              </a:schemeClr>
+            </a:lnRef>
+            <a:fillRef idx="1">
+              <a:schemeClr val="accent1"/>
+            </a:fillRef>
+            <a:effectRef idx="0">
+              <a:schemeClr val="accent1"/>
+            </a:effectRef>
+            <a:fontRef idx="minor">
+              <a:schemeClr val="lt1"/>
+            </a:fontRef>
+          </p:style>
+          <p:txBody>
+            <a:bodyPr rtlCol="0" anchor="ctr"/>
+            <a:lstStyle/>
+            <a:p>
+              <a:pPr algn="ctr"/>
+              <a:endParaRPr lang="en-GB"/>
+            </a:p>
+          </p:txBody>
+        </p:sp>
+        <p:sp>
+          <p:nvSpPr>
+            <p:cNvPr id="45" name="Freeform: Shape 44">
+              <a:extLst>
+                <a:ext uri="{FF2B5EF4-FFF2-40B4-BE49-F238E27FC236}">
+                  <a16:creationId xmlns:a16="http://schemas.microsoft.com/office/drawing/2014/main" id="{2E76B576-FF02-4D71-A6A8-2DF0193E2277}"/>
+                </a:ext>
+              </a:extLst>
+            </p:cNvPr>
+            <p:cNvSpPr/>
+            <p:nvPr/>
+          </p:nvSpPr>
+          <p:spPr>
+            <a:xfrm>
+              <a:off x="5408858" y="3974202"/>
+              <a:ext cx="1518450" cy="1455106"/>
+            </a:xfrm>
+            <a:custGeom>
+              <a:avLst/>
+              <a:gdLst>
+                <a:gd name="connsiteX0" fmla="*/ 759225 w 1518450"/>
+                <a:gd name="connsiteY0" fmla="*/ 0 h 1455106"/>
+                <a:gd name="connsiteX1" fmla="*/ 1518450 w 1518450"/>
+                <a:gd name="connsiteY1" fmla="*/ 759225 h 1455106"/>
+                <a:gd name="connsiteX2" fmla="*/ 1517558 w 1518450"/>
+                <a:gd name="connsiteY2" fmla="*/ 776896 h 1455106"/>
+                <a:gd name="connsiteX3" fmla="*/ 1510778 w 1518450"/>
+                <a:gd name="connsiteY3" fmla="*/ 773216 h 1455106"/>
+                <a:gd name="connsiteX4" fmla="*/ 1215254 w 1518450"/>
+                <a:gd name="connsiteY4" fmla="*/ 713552 h 1455106"/>
+                <a:gd name="connsiteX5" fmla="*/ 459949 w 1518450"/>
+                <a:gd name="connsiteY5" fmla="*/ 1395151 h 1455106"/>
+                <a:gd name="connsiteX6" fmla="*/ 456922 w 1518450"/>
+                <a:gd name="connsiteY6" fmla="*/ 1455106 h 1455106"/>
+                <a:gd name="connsiteX7" fmla="*/ 334735 w 1518450"/>
+                <a:gd name="connsiteY7" fmla="*/ 1388786 h 1455106"/>
+                <a:gd name="connsiteX8" fmla="*/ 0 w 1518450"/>
+                <a:gd name="connsiteY8" fmla="*/ 759225 h 1455106"/>
+                <a:gd name="connsiteX9" fmla="*/ 759225 w 1518450"/>
+                <a:gd name="connsiteY9" fmla="*/ 0 h 1455106"/>
+              </a:gdLst>
+              <a:ahLst/>
+              <a:cxnLst>
+                <a:cxn ang="0">
+                  <a:pos x="connsiteX0" y="connsiteY0"/>
+                </a:cxn>
+                <a:cxn ang="0">
+                  <a:pos x="connsiteX1" y="connsiteY1"/>
+                </a:cxn>
+                <a:cxn ang="0">
+                  <a:pos x="connsiteX2" y="connsiteY2"/>
+                </a:cxn>
+                <a:cxn ang="0">
+                  <a:pos x="connsiteX3" y="connsiteY3"/>
+                </a:cxn>
+                <a:cxn ang="0">
+                  <a:pos x="connsiteX4" y="connsiteY4"/>
+                </a:cxn>
+                <a:cxn ang="0">
+                  <a:pos x="connsiteX5" y="connsiteY5"/>
+                </a:cxn>
+                <a:cxn ang="0">
+                  <a:pos x="connsiteX6" y="connsiteY6"/>
+                </a:cxn>
+                <a:cxn ang="0">
+                  <a:pos x="connsiteX7" y="connsiteY7"/>
+                </a:cxn>
+                <a:cxn ang="0">
+                  <a:pos x="connsiteX8" y="connsiteY8"/>
+                </a:cxn>
+                <a:cxn ang="0">
+                  <a:pos x="connsiteX9" y="connsiteY9"/>
+                </a:cxn>
+              </a:cxnLst>
+              <a:rect l="l" t="t" r="r" b="b"/>
+              <a:pathLst>
+                <a:path w="1518450" h="1455106">
+                  <a:moveTo>
+                    <a:pt x="759225" y="0"/>
+                  </a:moveTo>
+                  <a:cubicBezTo>
+                    <a:pt x="1178533" y="0"/>
+                    <a:pt x="1518450" y="339917"/>
+                    <a:pt x="1518450" y="759225"/>
+                  </a:cubicBezTo>
+                  <a:lnTo>
+                    <a:pt x="1517558" y="776896"/>
+                  </a:lnTo>
+                  <a:lnTo>
+                    <a:pt x="1510778" y="773216"/>
+                  </a:lnTo>
+                  <a:cubicBezTo>
+                    <a:pt x="1419946" y="734797"/>
+                    <a:pt x="1320081" y="713552"/>
+                    <a:pt x="1215254" y="713552"/>
+                  </a:cubicBezTo>
+                  <a:cubicBezTo>
+                    <a:pt x="822153" y="713552"/>
+                    <a:pt x="498829" y="1012307"/>
+                    <a:pt x="459949" y="1395151"/>
+                  </a:cubicBezTo>
+                  <a:lnTo>
+                    <a:pt x="456922" y="1455106"/>
+                  </a:lnTo>
+                  <a:lnTo>
+                    <a:pt x="334735" y="1388786"/>
+                  </a:lnTo>
+                  <a:cubicBezTo>
+                    <a:pt x="132780" y="1252348"/>
+                    <a:pt x="0" y="1021293"/>
+                    <a:pt x="0" y="759225"/>
+                  </a:cubicBezTo>
+                  <a:cubicBezTo>
+                    <a:pt x="0" y="339917"/>
+                    <a:pt x="339917" y="0"/>
+                    <a:pt x="759225" y="0"/>
+                  </a:cubicBezTo>
+                  <a:close/>
+                </a:path>
+              </a:pathLst>
+            </a:custGeom>
+            <a:noFill/>
+          </p:spPr>
+          <p:style>
+            <a:lnRef idx="2">
+              <a:schemeClr val="accent1">
+                <a:shade val="50000"/>
+              </a:schemeClr>
+            </a:lnRef>
+            <a:fillRef idx="1">
+              <a:schemeClr val="accent1"/>
+            </a:fillRef>
+            <a:effectRef idx="0">
+              <a:schemeClr val="accent1"/>
+            </a:effectRef>
+            <a:fontRef idx="minor">
+              <a:schemeClr val="lt1"/>
+            </a:fontRef>
+          </p:style>
+          <p:txBody>
+            <a:bodyPr rtlCol="0" anchor="ctr"/>
+            <a:lstStyle/>
+            <a:p>
+              <a:pPr algn="ctr"/>
+              <a:endParaRPr lang="en-GB"/>
+            </a:p>
+          </p:txBody>
+        </p:sp>
+        <p:sp>
+          <p:nvSpPr>
+            <p:cNvPr id="44" name="Freeform: Shape 43">
+              <a:extLst>
+                <a:ext uri="{FF2B5EF4-FFF2-40B4-BE49-F238E27FC236}">
+                  <a16:creationId xmlns:a16="http://schemas.microsoft.com/office/drawing/2014/main" id="{1BC5227A-65A7-4100-A9B8-0E2AF848EFDB}"/>
+                </a:ext>
+              </a:extLst>
+            </p:cNvPr>
+            <p:cNvSpPr/>
+            <p:nvPr/>
+          </p:nvSpPr>
+          <p:spPr>
+            <a:xfrm>
+              <a:off x="5864887" y="4751098"/>
+              <a:ext cx="1518450" cy="1455106"/>
+            </a:xfrm>
+            <a:custGeom>
+              <a:avLst/>
+              <a:gdLst>
+                <a:gd name="connsiteX0" fmla="*/ 1061529 w 1518450"/>
+                <a:gd name="connsiteY0" fmla="*/ 0 h 1455106"/>
+                <a:gd name="connsiteX1" fmla="*/ 1183715 w 1518450"/>
+                <a:gd name="connsiteY1" fmla="*/ 66320 h 1455106"/>
+                <a:gd name="connsiteX2" fmla="*/ 1518450 w 1518450"/>
+                <a:gd name="connsiteY2" fmla="*/ 695881 h 1455106"/>
+                <a:gd name="connsiteX3" fmla="*/ 759225 w 1518450"/>
+                <a:gd name="connsiteY3" fmla="*/ 1455106 h 1455106"/>
+                <a:gd name="connsiteX4" fmla="*/ 0 w 1518450"/>
+                <a:gd name="connsiteY4" fmla="*/ 695881 h 1455106"/>
+                <a:gd name="connsiteX5" fmla="*/ 893 w 1518450"/>
+                <a:gd name="connsiteY5" fmla="*/ 678210 h 1455106"/>
+                <a:gd name="connsiteX6" fmla="*/ 7672 w 1518450"/>
+                <a:gd name="connsiteY6" fmla="*/ 681890 h 1455106"/>
+                <a:gd name="connsiteX7" fmla="*/ 303196 w 1518450"/>
+                <a:gd name="connsiteY7" fmla="*/ 741554 h 1455106"/>
+                <a:gd name="connsiteX8" fmla="*/ 1058501 w 1518450"/>
+                <a:gd name="connsiteY8" fmla="*/ 59955 h 1455106"/>
+                <a:gd name="connsiteX9" fmla="*/ 1061529 w 1518450"/>
+                <a:gd name="connsiteY9" fmla="*/ 0 h 1455106"/>
+              </a:gdLst>
+              <a:ahLst/>
+              <a:cxnLst>
+                <a:cxn ang="0">
+                  <a:pos x="connsiteX0" y="connsiteY0"/>
+                </a:cxn>
+                <a:cxn ang="0">
+                  <a:pos x="connsiteX1" y="connsiteY1"/>
+                </a:cxn>
+                <a:cxn ang="0">
+                  <a:pos x="connsiteX2" y="connsiteY2"/>
+                </a:cxn>
+                <a:cxn ang="0">
+                  <a:pos x="connsiteX3" y="connsiteY3"/>
+                </a:cxn>
+                <a:cxn ang="0">
+                  <a:pos x="connsiteX4" y="connsiteY4"/>
+                </a:cxn>
+                <a:cxn ang="0">
+                  <a:pos x="connsiteX5" y="connsiteY5"/>
+                </a:cxn>
+                <a:cxn ang="0">
+                  <a:pos x="connsiteX6" y="connsiteY6"/>
+                </a:cxn>
+                <a:cxn ang="0">
+                  <a:pos x="connsiteX7" y="connsiteY7"/>
+                </a:cxn>
+                <a:cxn ang="0">
+                  <a:pos x="connsiteX8" y="connsiteY8"/>
+                </a:cxn>
+                <a:cxn ang="0">
+                  <a:pos x="connsiteX9" y="connsiteY9"/>
+                </a:cxn>
+              </a:cxnLst>
+              <a:rect l="l" t="t" r="r" b="b"/>
+              <a:pathLst>
+                <a:path w="1518450" h="1455106">
+                  <a:moveTo>
+                    <a:pt x="1061529" y="0"/>
+                  </a:moveTo>
+                  <a:lnTo>
+                    <a:pt x="1183715" y="66320"/>
+                  </a:lnTo>
+                  <a:cubicBezTo>
+                    <a:pt x="1385670" y="202758"/>
+                    <a:pt x="1518450" y="433814"/>
+                    <a:pt x="1518450" y="695881"/>
+                  </a:cubicBezTo>
+                  <a:cubicBezTo>
+                    <a:pt x="1518450" y="1115189"/>
+                    <a:pt x="1178533" y="1455106"/>
+                    <a:pt x="759225" y="1455106"/>
+                  </a:cubicBezTo>
+                  <a:cubicBezTo>
+                    <a:pt x="339917" y="1455106"/>
+                    <a:pt x="0" y="1115189"/>
+                    <a:pt x="0" y="695881"/>
+                  </a:cubicBezTo>
+                  <a:lnTo>
+                    <a:pt x="893" y="678210"/>
+                  </a:lnTo>
+                  <a:lnTo>
+                    <a:pt x="7672" y="681890"/>
+                  </a:lnTo>
+                  <a:cubicBezTo>
+                    <a:pt x="98504" y="720309"/>
+                    <a:pt x="198369" y="741554"/>
+                    <a:pt x="303196" y="741554"/>
+                  </a:cubicBezTo>
+                  <a:cubicBezTo>
+                    <a:pt x="696297" y="741554"/>
+                    <a:pt x="1019622" y="442799"/>
+                    <a:pt x="1058501" y="59955"/>
+                  </a:cubicBezTo>
+                  <a:lnTo>
+                    <a:pt x="1061529" y="0"/>
+                  </a:lnTo>
+                  <a:close/>
+                </a:path>
+              </a:pathLst>
+            </a:custGeom>
+            <a:noFill/>
+          </p:spPr>
+          <p:style>
+            <a:lnRef idx="2">
+              <a:schemeClr val="accent1">
+                <a:shade val="50000"/>
+              </a:schemeClr>
+            </a:lnRef>
+            <a:fillRef idx="1">
+              <a:schemeClr val="accent1"/>
+            </a:fillRef>
+            <a:effectRef idx="0">
+              <a:schemeClr val="accent1"/>
+            </a:effectRef>
+            <a:fontRef idx="minor">
+              <a:schemeClr val="lt1"/>
+            </a:fontRef>
+          </p:style>
+          <p:txBody>
+            <a:bodyPr rtlCol="0" anchor="ctr"/>
+            <a:lstStyle/>
+            <a:p>
+              <a:pPr algn="ctr"/>
+              <a:endParaRPr lang="en-GB"/>
+            </a:p>
+          </p:txBody>
+        </p:sp>
+        <p:sp>
+          <p:nvSpPr>
+            <p:cNvPr id="43" name="Oval 42">
+              <a:extLst>
+                <a:ext uri="{FF2B5EF4-FFF2-40B4-BE49-F238E27FC236}">
+                  <a16:creationId xmlns:a16="http://schemas.microsoft.com/office/drawing/2014/main" id="{D96C465F-DFD4-4EB4-B980-EB0038F3CA4A}"/>
+                </a:ext>
+              </a:extLst>
+            </p:cNvPr>
+            <p:cNvSpPr/>
+            <p:nvPr/>
+          </p:nvSpPr>
+          <p:spPr>
+            <a:xfrm>
+              <a:off x="5864886" y="4687754"/>
+              <a:ext cx="1518450" cy="1518450"/>
+            </a:xfrm>
+            <a:prstGeom prst="ellipse">
+              <a:avLst/>
+            </a:prstGeom>
+            <a:noFill/>
+          </p:spPr>
+          <p:style>
+            <a:lnRef idx="2">
+              <a:schemeClr val="accent1">
+                <a:shade val="50000"/>
+              </a:schemeClr>
+            </a:lnRef>
+            <a:fillRef idx="1">
+              <a:schemeClr val="accent1"/>
+            </a:fillRef>
+            <a:effectRef idx="0">
+              <a:schemeClr val="accent1"/>
+            </a:effectRef>
+            <a:fontRef idx="minor">
+              <a:schemeClr val="lt1"/>
+            </a:fontRef>
+          </p:style>
+          <p:txBody>
+            <a:bodyPr rtlCol="0" anchor="ctr"/>
+            <a:lstStyle/>
+            <a:p>
+              <a:pPr algn="ctr"/>
+              <a:endParaRPr lang="en-GB"/>
+            </a:p>
+          </p:txBody>
+        </p:sp>
+      </p:grpSp>
+      <p:sp>
+        <p:nvSpPr>
+          <p:cNvPr id="42" name="TextBox 41">
+            <a:extLst>
+              <a:ext uri="{FF2B5EF4-FFF2-40B4-BE49-F238E27FC236}">
+                <a16:creationId xmlns:a16="http://schemas.microsoft.com/office/drawing/2014/main" id="{078711FF-FF64-47FD-8B4E-A8CAFC3E3090}"/>
+              </a:ext>
+            </a:extLst>
+          </p:cNvPr>
+          <p:cNvSpPr txBox="1"/>
+          <p:nvPr/>
+        </p:nvSpPr>
         <p:spPr>
           <a:xfrm>
-            <a:off x="8203648" y="4820333"/>
-            <a:ext cx="710335" cy="710335"/>
-          </a:xfrm>
-          <a:prstGeom prst="rect">
-            <a:avLst/>
-          </a:prstGeom>
-        </p:spPr>
-      </p:pic>
-      <p:sp>
-        <p:nvSpPr>
-          <p:cNvPr id="25" name="TextBox 24"/>
-          <p:cNvSpPr txBox="1"/>
-          <p:nvPr/>
-        </p:nvSpPr>
-        <p:spPr>
-          <a:xfrm>
-            <a:off x="6685627" y="5425272"/>
-            <a:ext cx="2756516" cy="923330"/>
+            <a:off x="5408858" y="6192443"/>
+            <a:ext cx="3366652" cy="646331"/>
           </a:xfrm>
           <a:prstGeom prst="rect">
             <a:avLst/>
@@ -9315,732 +8162,23 @@
           <a:lstStyle/>
           <a:p>
             <a:r>
-              <a:rPr lang="en-US" dirty="0"/>
-              <a:t>User Account</a:t>
-            </a:r>
-            <a:r>
-              <a:rPr lang="en-GB" dirty="0"/>
-              <a:t> with:</a:t>
-            </a:r>
-          </a:p>
-          <a:p>
-            <a:r>
-              <a:rPr lang="en-GB" dirty="0"/>
-              <a:t> read access to database2</a:t>
-            </a:r>
-          </a:p>
-          <a:p>
-            <a:r>
-              <a:rPr lang="en-US" dirty="0"/>
-              <a:t> write access to cache</a:t>
-            </a:r>
-          </a:p>
-        </p:txBody>
-      </p:sp>
-      <p:sp>
-        <p:nvSpPr>
-          <p:cNvPr id="26" name="Rectangle 25"/>
-          <p:cNvSpPr/>
-          <p:nvPr/>
-        </p:nvSpPr>
-        <p:spPr>
-          <a:xfrm>
-            <a:off x="1740022" y="4428690"/>
-            <a:ext cx="1731147" cy="338811"/>
-          </a:xfrm>
-          <a:prstGeom prst="rect">
-            <a:avLst/>
-          </a:prstGeom>
-        </p:spPr>
-        <p:style>
-          <a:lnRef idx="2">
-            <a:schemeClr val="accent1">
-              <a:shade val="50000"/>
-            </a:schemeClr>
-          </a:lnRef>
-          <a:fillRef idx="1">
-            <a:schemeClr val="accent1"/>
-          </a:fillRef>
-          <a:effectRef idx="0">
-            <a:schemeClr val="accent1"/>
-          </a:effectRef>
-          <a:fontRef idx="minor">
-            <a:schemeClr val="lt1"/>
-          </a:fontRef>
-        </p:style>
-        <p:txBody>
-          <a:bodyPr rtlCol="0" anchor="ctr"/>
-          <a:lstStyle/>
-          <a:p>
-            <a:pPr algn="ctr"/>
-            <a:r>
-              <a:rPr lang="en-US" dirty="0"/>
-              <a:t>RDMP Software</a:t>
-            </a:r>
-            <a:endParaRPr lang="en-GB" dirty="0"/>
-          </a:p>
-        </p:txBody>
-      </p:sp>
-      <p:sp>
-        <p:nvSpPr>
-          <p:cNvPr id="27" name="Arrow: Left 26"/>
-          <p:cNvSpPr/>
-          <p:nvPr/>
-        </p:nvSpPr>
-        <p:spPr>
-          <a:xfrm rot="5400000">
-            <a:off x="2237173" y="3818247"/>
-            <a:ext cx="346228" cy="221941"/>
-          </a:xfrm>
-          <a:prstGeom prst="leftArrow">
-            <a:avLst/>
-          </a:prstGeom>
-        </p:spPr>
-        <p:style>
-          <a:lnRef idx="2">
-            <a:schemeClr val="accent1">
-              <a:shade val="50000"/>
-            </a:schemeClr>
-          </a:lnRef>
-          <a:fillRef idx="1">
-            <a:schemeClr val="accent1"/>
-          </a:fillRef>
-          <a:effectRef idx="0">
-            <a:schemeClr val="accent1"/>
-          </a:effectRef>
-          <a:fontRef idx="minor">
-            <a:schemeClr val="lt1"/>
-          </a:fontRef>
-        </p:style>
-        <p:txBody>
-          <a:bodyPr rtlCol="0" anchor="ctr"/>
-          <a:lstStyle/>
-          <a:p>
-            <a:pPr algn="ctr"/>
-            <a:endParaRPr lang="en-GB"/>
-          </a:p>
-        </p:txBody>
-      </p:sp>
-      <p:sp>
-        <p:nvSpPr>
-          <p:cNvPr id="28" name="Rectangle: Folded Corner 27"/>
-          <p:cNvSpPr/>
-          <p:nvPr/>
-        </p:nvSpPr>
-        <p:spPr>
-          <a:xfrm>
-            <a:off x="1740022" y="4173766"/>
-            <a:ext cx="1198486" cy="229993"/>
-          </a:xfrm>
-          <a:prstGeom prst="foldedCorner">
-            <a:avLst/>
-          </a:prstGeom>
-        </p:spPr>
-        <p:style>
-          <a:lnRef idx="2">
-            <a:schemeClr val="accent1">
-              <a:shade val="50000"/>
-            </a:schemeClr>
-          </a:lnRef>
-          <a:fillRef idx="1">
-            <a:schemeClr val="accent1"/>
-          </a:fillRef>
-          <a:effectRef idx="0">
-            <a:schemeClr val="accent1"/>
-          </a:effectRef>
-          <a:fontRef idx="minor">
-            <a:schemeClr val="lt1"/>
-          </a:fontRef>
-        </p:style>
-        <p:txBody>
-          <a:bodyPr rtlCol="0" anchor="ctr"/>
-          <a:lstStyle/>
-          <a:p>
-            <a:pPr algn="ctr"/>
-            <a:r>
-              <a:rPr lang="en-US" sz="1600" dirty="0"/>
-              <a:t>Query 1</a:t>
-            </a:r>
-          </a:p>
-        </p:txBody>
-      </p:sp>
-      <p:sp>
-        <p:nvSpPr>
-          <p:cNvPr id="29" name="Arrow: Left 28"/>
-          <p:cNvSpPr/>
-          <p:nvPr/>
-        </p:nvSpPr>
-        <p:spPr>
-          <a:xfrm rot="5400000">
-            <a:off x="4567564" y="3828968"/>
-            <a:ext cx="346228" cy="221941"/>
-          </a:xfrm>
-          <a:prstGeom prst="leftArrow">
-            <a:avLst/>
-          </a:prstGeom>
-        </p:spPr>
-        <p:style>
-          <a:lnRef idx="2">
-            <a:schemeClr val="accent1">
-              <a:shade val="50000"/>
-            </a:schemeClr>
-          </a:lnRef>
-          <a:fillRef idx="1">
-            <a:schemeClr val="accent1"/>
-          </a:fillRef>
-          <a:effectRef idx="0">
-            <a:schemeClr val="accent1"/>
-          </a:effectRef>
-          <a:fontRef idx="minor">
-            <a:schemeClr val="lt1"/>
-          </a:fontRef>
-        </p:style>
-        <p:txBody>
-          <a:bodyPr rtlCol="0" anchor="ctr"/>
-          <a:lstStyle/>
-          <a:p>
-            <a:pPr algn="ctr"/>
-            <a:endParaRPr lang="en-GB"/>
-          </a:p>
-        </p:txBody>
-      </p:sp>
-      <p:sp>
-        <p:nvSpPr>
-          <p:cNvPr id="30" name="Rectangle: Folded Corner 29"/>
-          <p:cNvSpPr/>
-          <p:nvPr/>
-        </p:nvSpPr>
-        <p:spPr>
-          <a:xfrm>
-            <a:off x="3555508" y="4173450"/>
-            <a:ext cx="1198486" cy="229993"/>
-          </a:xfrm>
-          <a:prstGeom prst="foldedCorner">
-            <a:avLst/>
-          </a:prstGeom>
-        </p:spPr>
-        <p:style>
-          <a:lnRef idx="2">
-            <a:schemeClr val="accent1">
-              <a:shade val="50000"/>
-            </a:schemeClr>
-          </a:lnRef>
-          <a:fillRef idx="1">
-            <a:schemeClr val="accent1"/>
-          </a:fillRef>
-          <a:effectRef idx="0">
-            <a:schemeClr val="accent1"/>
-          </a:effectRef>
-          <a:fontRef idx="minor">
-            <a:schemeClr val="lt1"/>
-          </a:fontRef>
-        </p:style>
-        <p:txBody>
-          <a:bodyPr rtlCol="0" anchor="ctr"/>
-          <a:lstStyle/>
-          <a:p>
-            <a:pPr algn="ctr"/>
-            <a:r>
-              <a:rPr lang="en-US" sz="1600" dirty="0"/>
-              <a:t>Query 2</a:t>
-            </a:r>
-          </a:p>
-        </p:txBody>
-      </p:sp>
-      <p:sp>
-        <p:nvSpPr>
-          <p:cNvPr id="32" name="Rectangle: Folded Corner 31"/>
-          <p:cNvSpPr/>
-          <p:nvPr/>
-        </p:nvSpPr>
-        <p:spPr>
-          <a:xfrm>
-            <a:off x="3555508" y="4456998"/>
-            <a:ext cx="1442619" cy="229993"/>
-          </a:xfrm>
-          <a:prstGeom prst="foldedCorner">
-            <a:avLst/>
-          </a:prstGeom>
-        </p:spPr>
-        <p:style>
-          <a:lnRef idx="2">
-            <a:schemeClr val="accent1">
-              <a:shade val="50000"/>
-            </a:schemeClr>
-          </a:lnRef>
-          <a:fillRef idx="1">
-            <a:schemeClr val="accent1"/>
-          </a:fillRef>
-          <a:effectRef idx="0">
-            <a:schemeClr val="accent1"/>
-          </a:effectRef>
-          <a:fontRef idx="minor">
-            <a:schemeClr val="lt1"/>
-          </a:fontRef>
-        </p:style>
-        <p:txBody>
-          <a:bodyPr rtlCol="0" anchor="ctr"/>
-          <a:lstStyle/>
-          <a:p>
-            <a:pPr algn="ctr"/>
-            <a:r>
-              <a:rPr lang="en-US" sz="1600" dirty="0"/>
-              <a:t>UNION Q1+Q2</a:t>
-            </a:r>
-          </a:p>
-        </p:txBody>
-      </p:sp>
-      <p:sp>
-        <p:nvSpPr>
-          <p:cNvPr id="33" name="Cross 32"/>
-          <p:cNvSpPr/>
-          <p:nvPr/>
-        </p:nvSpPr>
-        <p:spPr>
-          <a:xfrm rot="18900000">
-            <a:off x="4567034" y="3434023"/>
-            <a:ext cx="359548" cy="346229"/>
-          </a:xfrm>
-          <a:prstGeom prst="plus">
-            <a:avLst>
-              <a:gd name="adj" fmla="val 37821"/>
-            </a:avLst>
-          </a:prstGeom>
-        </p:spPr>
-        <p:style>
-          <a:lnRef idx="2">
-            <a:schemeClr val="accent1">
-              <a:shade val="50000"/>
-            </a:schemeClr>
-          </a:lnRef>
-          <a:fillRef idx="1">
-            <a:schemeClr val="accent1"/>
-          </a:fillRef>
-          <a:effectRef idx="0">
-            <a:schemeClr val="accent1"/>
-          </a:effectRef>
-          <a:fontRef idx="minor">
-            <a:schemeClr val="lt1"/>
-          </a:fontRef>
-        </p:style>
-        <p:txBody>
-          <a:bodyPr rtlCol="0" anchor="ctr"/>
-          <a:lstStyle/>
-          <a:p>
-            <a:pPr algn="ctr"/>
-            <a:endParaRPr lang="en-GB"/>
-          </a:p>
-        </p:txBody>
-      </p:sp>
-      <p:sp>
-        <p:nvSpPr>
-          <p:cNvPr id="34" name="Arrow: Left 33"/>
-          <p:cNvSpPr/>
-          <p:nvPr/>
-        </p:nvSpPr>
-        <p:spPr>
-          <a:xfrm rot="8703795">
-            <a:off x="2923008" y="3580145"/>
-            <a:ext cx="1518829" cy="221941"/>
-          </a:xfrm>
-          <a:prstGeom prst="leftArrow">
-            <a:avLst/>
-          </a:prstGeom>
-        </p:spPr>
-        <p:style>
-          <a:lnRef idx="2">
-            <a:schemeClr val="accent1">
-              <a:shade val="50000"/>
-            </a:schemeClr>
-          </a:lnRef>
-          <a:fillRef idx="1">
-            <a:schemeClr val="accent1"/>
-          </a:fillRef>
-          <a:effectRef idx="0">
-            <a:schemeClr val="accent1"/>
-          </a:effectRef>
-          <a:fontRef idx="minor">
-            <a:schemeClr val="lt1"/>
-          </a:fontRef>
-        </p:style>
-        <p:txBody>
-          <a:bodyPr rtlCol="0" anchor="ctr"/>
-          <a:lstStyle/>
-          <a:p>
-            <a:pPr algn="ctr"/>
-            <a:endParaRPr lang="en-GB"/>
-          </a:p>
-        </p:txBody>
-      </p:sp>
-      <p:sp>
-        <p:nvSpPr>
-          <p:cNvPr id="35" name="TextBox 34"/>
-          <p:cNvSpPr txBox="1"/>
-          <p:nvPr/>
-        </p:nvSpPr>
-        <p:spPr>
-          <a:xfrm>
-            <a:off x="4232368" y="4721114"/>
-            <a:ext cx="2419969" cy="369332"/>
-          </a:xfrm>
-          <a:prstGeom prst="rect">
-            <a:avLst/>
-          </a:prstGeom>
-          <a:noFill/>
-        </p:spPr>
-        <p:txBody>
-          <a:bodyPr wrap="square" rtlCol="0">
-            <a:spAutoFit/>
-          </a:bodyPr>
-          <a:lstStyle/>
-          <a:p>
-            <a:r>
-              <a:rPr lang="en-US" dirty="0"/>
-              <a:t>Cached identifiers only</a:t>
-            </a:r>
-            <a:endParaRPr lang="en-GB" dirty="0"/>
-          </a:p>
-        </p:txBody>
-      </p:sp>
-      <p:sp>
-        <p:nvSpPr>
-          <p:cNvPr id="36" name="Rectangle 35"/>
-          <p:cNvSpPr/>
-          <p:nvPr/>
-        </p:nvSpPr>
-        <p:spPr>
-          <a:xfrm>
-            <a:off x="7591917" y="4401645"/>
-            <a:ext cx="1731147" cy="338811"/>
-          </a:xfrm>
-          <a:prstGeom prst="rect">
-            <a:avLst/>
-          </a:prstGeom>
-        </p:spPr>
-        <p:style>
-          <a:lnRef idx="2">
-            <a:schemeClr val="accent1">
-              <a:shade val="50000"/>
-            </a:schemeClr>
-          </a:lnRef>
-          <a:fillRef idx="1">
-            <a:schemeClr val="accent1"/>
-          </a:fillRef>
-          <a:effectRef idx="0">
-            <a:schemeClr val="accent1"/>
-          </a:effectRef>
-          <a:fontRef idx="minor">
-            <a:schemeClr val="lt1"/>
-          </a:fontRef>
-        </p:style>
-        <p:txBody>
-          <a:bodyPr rtlCol="0" anchor="ctr"/>
-          <a:lstStyle/>
-          <a:p>
-            <a:pPr algn="ctr"/>
-            <a:r>
-              <a:rPr lang="en-US" dirty="0"/>
-              <a:t>RDMP Software</a:t>
-            </a:r>
-            <a:endParaRPr lang="en-GB" dirty="0"/>
-          </a:p>
-        </p:txBody>
-      </p:sp>
-      <p:sp>
-        <p:nvSpPr>
-          <p:cNvPr id="37" name="Rectangle: Folded Corner 36"/>
-          <p:cNvSpPr/>
-          <p:nvPr/>
-        </p:nvSpPr>
-        <p:spPr>
-          <a:xfrm>
-            <a:off x="6064959" y="4216493"/>
-            <a:ext cx="1198486" cy="229993"/>
-          </a:xfrm>
-          <a:prstGeom prst="foldedCorner">
-            <a:avLst/>
-          </a:prstGeom>
-        </p:spPr>
-        <p:style>
-          <a:lnRef idx="2">
-            <a:schemeClr val="accent1">
-              <a:shade val="50000"/>
-            </a:schemeClr>
-          </a:lnRef>
-          <a:fillRef idx="1">
-            <a:schemeClr val="accent1"/>
-          </a:fillRef>
-          <a:effectRef idx="0">
-            <a:schemeClr val="accent1"/>
-          </a:effectRef>
-          <a:fontRef idx="minor">
-            <a:schemeClr val="lt1"/>
-          </a:fontRef>
-        </p:style>
-        <p:txBody>
-          <a:bodyPr rtlCol="0" anchor="ctr"/>
-          <a:lstStyle/>
-          <a:p>
-            <a:pPr algn="ctr"/>
-            <a:r>
-              <a:rPr lang="en-US" sz="1600" dirty="0"/>
-              <a:t>Query 1</a:t>
-            </a:r>
-          </a:p>
-        </p:txBody>
-      </p:sp>
-      <p:sp>
-        <p:nvSpPr>
-          <p:cNvPr id="38" name="Rectangle: Folded Corner 37"/>
-          <p:cNvSpPr/>
-          <p:nvPr/>
-        </p:nvSpPr>
-        <p:spPr>
-          <a:xfrm>
-            <a:off x="7591917" y="4138442"/>
-            <a:ext cx="1198486" cy="229993"/>
-          </a:xfrm>
-          <a:prstGeom prst="foldedCorner">
-            <a:avLst/>
-          </a:prstGeom>
-        </p:spPr>
-        <p:style>
-          <a:lnRef idx="2">
-            <a:schemeClr val="accent1">
-              <a:shade val="50000"/>
-            </a:schemeClr>
-          </a:lnRef>
-          <a:fillRef idx="1">
-            <a:schemeClr val="accent1"/>
-          </a:fillRef>
-          <a:effectRef idx="0">
-            <a:schemeClr val="accent1"/>
-          </a:effectRef>
-          <a:fontRef idx="minor">
-            <a:schemeClr val="lt1"/>
-          </a:fontRef>
-        </p:style>
-        <p:txBody>
-          <a:bodyPr rtlCol="0" anchor="ctr"/>
-          <a:lstStyle/>
-          <a:p>
-            <a:pPr algn="ctr"/>
-            <a:r>
-              <a:rPr lang="en-US" sz="1600" dirty="0"/>
-              <a:t>Query 2</a:t>
-            </a:r>
-          </a:p>
-        </p:txBody>
-      </p:sp>
-      <p:sp>
-        <p:nvSpPr>
-          <p:cNvPr id="39" name="Rectangle: Folded Corner 38"/>
-          <p:cNvSpPr/>
-          <p:nvPr/>
-        </p:nvSpPr>
-        <p:spPr>
-          <a:xfrm>
-            <a:off x="6064959" y="4507036"/>
-            <a:ext cx="1442619" cy="229993"/>
-          </a:xfrm>
-          <a:prstGeom prst="foldedCorner">
-            <a:avLst/>
-          </a:prstGeom>
-        </p:spPr>
-        <p:style>
-          <a:lnRef idx="2">
-            <a:schemeClr val="accent1">
-              <a:shade val="50000"/>
-            </a:schemeClr>
-          </a:lnRef>
-          <a:fillRef idx="1">
-            <a:schemeClr val="accent1"/>
-          </a:fillRef>
-          <a:effectRef idx="0">
-            <a:schemeClr val="accent1"/>
-          </a:effectRef>
-          <a:fontRef idx="minor">
-            <a:schemeClr val="lt1"/>
-          </a:fontRef>
-        </p:style>
-        <p:txBody>
-          <a:bodyPr rtlCol="0" anchor="ctr"/>
-          <a:lstStyle/>
-          <a:p>
-            <a:pPr algn="ctr"/>
-            <a:r>
-              <a:rPr lang="en-US" sz="1600" dirty="0"/>
-              <a:t>UNION Q1+Q2</a:t>
-            </a:r>
-          </a:p>
-        </p:txBody>
-      </p:sp>
-      <p:sp>
-        <p:nvSpPr>
-          <p:cNvPr id="40" name="Arrow: Left 39"/>
-          <p:cNvSpPr/>
-          <p:nvPr/>
-        </p:nvSpPr>
-        <p:spPr>
-          <a:xfrm rot="5400000">
-            <a:off x="6114071" y="3892327"/>
-            <a:ext cx="346228" cy="221941"/>
-          </a:xfrm>
-          <a:prstGeom prst="leftArrow">
-            <a:avLst/>
-          </a:prstGeom>
-        </p:spPr>
-        <p:style>
-          <a:lnRef idx="2">
-            <a:schemeClr val="accent1">
-              <a:shade val="50000"/>
-            </a:schemeClr>
-          </a:lnRef>
-          <a:fillRef idx="1">
-            <a:schemeClr val="accent1"/>
-          </a:fillRef>
-          <a:effectRef idx="0">
-            <a:schemeClr val="accent1"/>
-          </a:effectRef>
-          <a:fontRef idx="minor">
-            <a:schemeClr val="lt1"/>
-          </a:fontRef>
-        </p:style>
-        <p:txBody>
-          <a:bodyPr rtlCol="0" anchor="ctr"/>
-          <a:lstStyle/>
-          <a:p>
-            <a:pPr algn="ctr"/>
-            <a:endParaRPr lang="en-GB"/>
-          </a:p>
-        </p:txBody>
-      </p:sp>
-      <p:sp>
-        <p:nvSpPr>
-          <p:cNvPr id="41" name="Cross 40"/>
-          <p:cNvSpPr/>
-          <p:nvPr/>
-        </p:nvSpPr>
-        <p:spPr>
-          <a:xfrm rot="18900000">
-            <a:off x="6113541" y="3497382"/>
-            <a:ext cx="359548" cy="346229"/>
-          </a:xfrm>
-          <a:prstGeom prst="plus">
-            <a:avLst>
-              <a:gd name="adj" fmla="val 37821"/>
-            </a:avLst>
-          </a:prstGeom>
-        </p:spPr>
-        <p:style>
-          <a:lnRef idx="2">
-            <a:schemeClr val="accent1">
-              <a:shade val="50000"/>
-            </a:schemeClr>
-          </a:lnRef>
-          <a:fillRef idx="1">
-            <a:schemeClr val="accent1"/>
-          </a:fillRef>
-          <a:effectRef idx="0">
-            <a:schemeClr val="accent1"/>
-          </a:effectRef>
-          <a:fontRef idx="minor">
-            <a:schemeClr val="lt1"/>
-          </a:fontRef>
-        </p:style>
-        <p:txBody>
-          <a:bodyPr rtlCol="0" anchor="ctr"/>
-          <a:lstStyle/>
-          <a:p>
-            <a:pPr algn="ctr"/>
-            <a:endParaRPr lang="en-GB"/>
-          </a:p>
-        </p:txBody>
-      </p:sp>
-      <p:sp>
-        <p:nvSpPr>
-          <p:cNvPr id="42" name="Arrow: Left 41"/>
-          <p:cNvSpPr/>
-          <p:nvPr/>
-        </p:nvSpPr>
-        <p:spPr>
-          <a:xfrm rot="5400000">
-            <a:off x="8030534" y="3811865"/>
-            <a:ext cx="346228" cy="221941"/>
-          </a:xfrm>
-          <a:prstGeom prst="leftArrow">
-            <a:avLst/>
-          </a:prstGeom>
-        </p:spPr>
-        <p:style>
-          <a:lnRef idx="2">
-            <a:schemeClr val="accent1">
-              <a:shade val="50000"/>
-            </a:schemeClr>
-          </a:lnRef>
-          <a:fillRef idx="1">
-            <a:schemeClr val="accent1"/>
-          </a:fillRef>
-          <a:effectRef idx="0">
-            <a:schemeClr val="accent1"/>
-          </a:effectRef>
-          <a:fontRef idx="minor">
-            <a:schemeClr val="lt1"/>
-          </a:fontRef>
-        </p:style>
-        <p:txBody>
-          <a:bodyPr rtlCol="0" anchor="ctr"/>
-          <a:lstStyle/>
-          <a:p>
-            <a:pPr algn="ctr"/>
-            <a:endParaRPr lang="en-GB"/>
-          </a:p>
-        </p:txBody>
-      </p:sp>
-      <p:sp>
-        <p:nvSpPr>
-          <p:cNvPr id="43" name="Arrow: Left 42"/>
-          <p:cNvSpPr/>
-          <p:nvPr/>
-        </p:nvSpPr>
-        <p:spPr>
-          <a:xfrm rot="2704728">
-            <a:off x="6486002" y="3447010"/>
-            <a:ext cx="1518829" cy="221941"/>
-          </a:xfrm>
-          <a:prstGeom prst="leftArrow">
-            <a:avLst/>
-          </a:prstGeom>
-        </p:spPr>
-        <p:style>
-          <a:lnRef idx="2">
-            <a:schemeClr val="accent1">
-              <a:shade val="50000"/>
-            </a:schemeClr>
-          </a:lnRef>
-          <a:fillRef idx="1">
-            <a:schemeClr val="accent1"/>
-          </a:fillRef>
-          <a:effectRef idx="0">
-            <a:schemeClr val="accent1"/>
-          </a:effectRef>
-          <a:fontRef idx="minor">
-            <a:schemeClr val="lt1"/>
-          </a:fontRef>
-        </p:style>
-        <p:txBody>
-          <a:bodyPr rtlCol="0" anchor="ctr"/>
-          <a:lstStyle/>
-          <a:p>
-            <a:pPr algn="ctr"/>
-            <a:endParaRPr lang="en-GB"/>
+              <a:rPr lang="en-US" sz="1200" dirty="0"/>
+              <a:t>(Set 1 EXCEPT Set 2) INTERSECT Set 3</a:t>
+            </a:r>
+          </a:p>
+          <a:p>
+            <a:r>
+              <a:rPr lang="en-US" sz="1200" dirty="0"/>
+              <a:t>People who have ever had Diazepam prescriptions only after 2000 and are still alive</a:t>
+            </a:r>
+            <a:endParaRPr lang="en-GB" sz="1200" dirty="0"/>
           </a:p>
         </p:txBody>
       </p:sp>
     </p:spTree>
     <p:extLst>
       <p:ext uri="{BB962C8B-B14F-4D97-AF65-F5344CB8AC3E}">
-        <p14:creationId xmlns:p14="http://schemas.microsoft.com/office/powerpoint/2010/main" val="2883764160"/>
+        <p14:creationId xmlns:p14="http://schemas.microsoft.com/office/powerpoint/2010/main" val="3664223344"/>
       </p:ext>
     </p:extLst>
   </p:cSld>
@@ -10069,7 +8207,13 @@
       </p:grpSpPr>
       <p:sp>
         <p:nvSpPr>
-          <p:cNvPr id="2" name="Title 1"/>
+          <p:cNvPr id="2" name="Title 1">
+            <a:extLst>
+              <a:ext uri="{FF2B5EF4-FFF2-40B4-BE49-F238E27FC236}">
+                <a16:creationId xmlns:a16="http://schemas.microsoft.com/office/drawing/2014/main" id="{1E123FE6-CBF9-4E55-B2D6-409A64150DA6}"/>
+              </a:ext>
+            </a:extLst>
+          </p:cNvPr>
           <p:cNvSpPr>
             <a:spLocks noGrp="1"/>
           </p:cNvSpPr>
@@ -10083,16 +8227,21 @@
           <a:lstStyle/>
           <a:p>
             <a:r>
-              <a:rPr lang="en-US" dirty="0"/>
-              <a:t>Complex Case 2 - Restrictions</a:t>
-            </a:r>
-            <a:endParaRPr lang="en-GB" dirty="0"/>
+              <a:rPr lang="en-GB" dirty="0"/>
+              <a:t>Translate into tree structure</a:t>
+            </a:r>
           </a:p>
         </p:txBody>
       </p:sp>
       <p:sp>
         <p:nvSpPr>
-          <p:cNvPr id="3" name="Content Placeholder 2"/>
+          <p:cNvPr id="4" name="Content Placeholder 3">
+            <a:extLst>
+              <a:ext uri="{FF2B5EF4-FFF2-40B4-BE49-F238E27FC236}">
+                <a16:creationId xmlns:a16="http://schemas.microsoft.com/office/drawing/2014/main" id="{56F83D8D-54DD-4EE6-BFBF-D42E59F6BE53}"/>
+              </a:ext>
+            </a:extLst>
+          </p:cNvPr>
           <p:cNvSpPr>
             <a:spLocks noGrp="1"/>
           </p:cNvSpPr>
@@ -10102,87 +8251,930 @@
         </p:nvSpPr>
         <p:spPr>
           <a:xfrm>
-            <a:off x="838200" y="1637010"/>
-            <a:ext cx="10515600" cy="4351338"/>
+            <a:off x="4038394" y="1825625"/>
+            <a:ext cx="7703230" cy="3528847"/>
           </a:xfrm>
         </p:spPr>
         <p:txBody>
           <a:bodyPr>
-            <a:normAutofit fontScale="92500" lnSpcReduction="10000"/>
+            <a:normAutofit/>
           </a:bodyPr>
           <a:lstStyle/>
           <a:p>
-            <a:pPr marL="0" indent="0">
-              <a:buNone/>
-            </a:pPr>
-            <a:r>
-              <a:rPr lang="en-US" dirty="0"/>
-              <a:t>All users:</a:t>
-            </a:r>
-          </a:p>
-          <a:p>
-            <a:r>
-              <a:rPr lang="en-US" dirty="0"/>
-              <a:t>Share access to the same ‘query building configuration’ </a:t>
-            </a:r>
-          </a:p>
-          <a:p>
-            <a:r>
-              <a:rPr lang="en-US" dirty="0"/>
-              <a:t>Cannot execute queries for which they do not have access to the underlying database/server</a:t>
-            </a:r>
-          </a:p>
-          <a:p>
-            <a:r>
-              <a:rPr lang="en-US" dirty="0"/>
-              <a:t>Can execute queries which have cached results</a:t>
-            </a:r>
-          </a:p>
-          <a:p>
-            <a:r>
-              <a:rPr lang="en-US" dirty="0"/>
-              <a:t>Cannot modify any queries which are cached*</a:t>
-            </a:r>
-          </a:p>
-          <a:p>
-            <a:r>
-              <a:rPr lang="en-US" dirty="0"/>
-              <a:t>Cache only stores identifiers</a:t>
-            </a:r>
-          </a:p>
-          <a:p>
-            <a:pPr marL="0" indent="0">
-              <a:buNone/>
-            </a:pPr>
-            <a:r>
-              <a:rPr lang="en-US" dirty="0"/>
-              <a:t>Added benefit</a:t>
-            </a:r>
-          </a:p>
-          <a:p>
-            <a:r>
-              <a:rPr lang="en-US" dirty="0"/>
-              <a:t>Queries can run on a ‘substitution layer’ or any magic number strategy</a:t>
-            </a:r>
-          </a:p>
-          <a:p>
-            <a:r>
-              <a:rPr lang="en-US" dirty="0"/>
-              <a:t>There can be multiple cache databases for different projects if required</a:t>
+            <a:r>
+              <a:rPr lang="en-GB" dirty="0"/>
+              <a:t>The outermost operation becomes the root</a:t>
+            </a:r>
+          </a:p>
+          <a:p>
+            <a:r>
+              <a:rPr lang="en-GB" dirty="0"/>
+              <a:t>Every operand is on the same level</a:t>
+            </a:r>
+          </a:p>
+          <a:p>
+            <a:r>
+              <a:rPr lang="en-GB" dirty="0"/>
+              <a:t>Other operations become a node </a:t>
+            </a:r>
+          </a:p>
+          <a:p>
+            <a:r>
+              <a:rPr lang="en-GB" dirty="0"/>
+              <a:t>Other operands are nested</a:t>
+            </a:r>
+          </a:p>
+          <a:p>
+            <a:r>
+              <a:rPr lang="en-GB" dirty="0"/>
+              <a:t>Order is important!!</a:t>
+            </a:r>
+          </a:p>
+          <a:p>
+            <a:r>
+              <a:rPr lang="en-GB" dirty="0"/>
+              <a:t>Operation with 0 or 1 child will be flagged</a:t>
             </a:r>
           </a:p>
         </p:txBody>
       </p:sp>
-      <p:sp>
-        <p:nvSpPr>
-          <p:cNvPr id="4" name="TextBox 3"/>
+      <p:grpSp>
+        <p:nvGrpSpPr>
+          <p:cNvPr id="7" name="Group 6">
+            <a:extLst>
+              <a:ext uri="{FF2B5EF4-FFF2-40B4-BE49-F238E27FC236}">
+                <a16:creationId xmlns:a16="http://schemas.microsoft.com/office/drawing/2014/main" id="{E7A73235-AAD6-4928-9535-73154EBC1562}"/>
+              </a:ext>
+            </a:extLst>
+          </p:cNvPr>
+          <p:cNvGrpSpPr/>
+          <p:nvPr/>
+        </p:nvGrpSpPr>
+        <p:grpSpPr>
+          <a:xfrm>
+            <a:off x="695830" y="1922376"/>
+            <a:ext cx="2430507" cy="2245763"/>
+            <a:chOff x="5408858" y="3960441"/>
+            <a:chExt cx="2430507" cy="2245763"/>
+          </a:xfrm>
+        </p:grpSpPr>
+        <p:sp>
+          <p:nvSpPr>
+            <p:cNvPr id="49" name="Freeform: Shape 48">
+              <a:extLst>
+                <a:ext uri="{FF2B5EF4-FFF2-40B4-BE49-F238E27FC236}">
+                  <a16:creationId xmlns:a16="http://schemas.microsoft.com/office/drawing/2014/main" id="{7A7DAD62-E0F7-4BE5-8D59-361D35ED076F}"/>
+                </a:ext>
+              </a:extLst>
+            </p:cNvPr>
+            <p:cNvSpPr/>
+            <p:nvPr/>
+          </p:nvSpPr>
+          <p:spPr>
+            <a:xfrm>
+              <a:off x="6322554" y="4687754"/>
+              <a:ext cx="603863" cy="642460"/>
+            </a:xfrm>
+            <a:custGeom>
+              <a:avLst/>
+              <a:gdLst>
+                <a:gd name="connsiteX0" fmla="*/ 301559 w 603863"/>
+                <a:gd name="connsiteY0" fmla="*/ 0 h 642460"/>
+                <a:gd name="connsiteX1" fmla="*/ 597083 w 603863"/>
+                <a:gd name="connsiteY1" fmla="*/ 59664 h 642460"/>
+                <a:gd name="connsiteX2" fmla="*/ 603863 w 603863"/>
+                <a:gd name="connsiteY2" fmla="*/ 63344 h 642460"/>
+                <a:gd name="connsiteX3" fmla="*/ 600835 w 603863"/>
+                <a:gd name="connsiteY3" fmla="*/ 123299 h 642460"/>
+                <a:gd name="connsiteX4" fmla="*/ 356016 w 603863"/>
+                <a:gd name="connsiteY4" fmla="*/ 607665 h 642460"/>
+                <a:gd name="connsiteX5" fmla="*/ 310052 w 603863"/>
+                <a:gd name="connsiteY5" fmla="*/ 642460 h 642460"/>
+                <a:gd name="connsiteX6" fmla="*/ 220734 w 603863"/>
+                <a:gd name="connsiteY6" fmla="*/ 568765 h 642460"/>
+                <a:gd name="connsiteX7" fmla="*/ 2282 w 603863"/>
+                <a:gd name="connsiteY7" fmla="*/ 109538 h 642460"/>
+                <a:gd name="connsiteX8" fmla="*/ 0 w 603863"/>
+                <a:gd name="connsiteY8" fmla="*/ 64344 h 642460"/>
+                <a:gd name="connsiteX9" fmla="*/ 23171 w 603863"/>
+                <a:gd name="connsiteY9" fmla="*/ 52662 h 642460"/>
+                <a:gd name="connsiteX10" fmla="*/ 301559 w 603863"/>
+                <a:gd name="connsiteY10" fmla="*/ 0 h 642460"/>
+              </a:gdLst>
+              <a:ahLst/>
+              <a:cxnLst>
+                <a:cxn ang="0">
+                  <a:pos x="connsiteX0" y="connsiteY0"/>
+                </a:cxn>
+                <a:cxn ang="0">
+                  <a:pos x="connsiteX1" y="connsiteY1"/>
+                </a:cxn>
+                <a:cxn ang="0">
+                  <a:pos x="connsiteX2" y="connsiteY2"/>
+                </a:cxn>
+                <a:cxn ang="0">
+                  <a:pos x="connsiteX3" y="connsiteY3"/>
+                </a:cxn>
+                <a:cxn ang="0">
+                  <a:pos x="connsiteX4" y="connsiteY4"/>
+                </a:cxn>
+                <a:cxn ang="0">
+                  <a:pos x="connsiteX5" y="connsiteY5"/>
+                </a:cxn>
+                <a:cxn ang="0">
+                  <a:pos x="connsiteX6" y="connsiteY6"/>
+                </a:cxn>
+                <a:cxn ang="0">
+                  <a:pos x="connsiteX7" y="connsiteY7"/>
+                </a:cxn>
+                <a:cxn ang="0">
+                  <a:pos x="connsiteX8" y="connsiteY8"/>
+                </a:cxn>
+                <a:cxn ang="0">
+                  <a:pos x="connsiteX9" y="connsiteY9"/>
+                </a:cxn>
+                <a:cxn ang="0">
+                  <a:pos x="connsiteX10" y="connsiteY10"/>
+                </a:cxn>
+              </a:cxnLst>
+              <a:rect l="l" t="t" r="r" b="b"/>
+              <a:pathLst>
+                <a:path w="603863" h="642460">
+                  <a:moveTo>
+                    <a:pt x="301559" y="0"/>
+                  </a:moveTo>
+                  <a:cubicBezTo>
+                    <a:pt x="406386" y="0"/>
+                    <a:pt x="506251" y="21245"/>
+                    <a:pt x="597083" y="59664"/>
+                  </a:cubicBezTo>
+                  <a:lnTo>
+                    <a:pt x="603863" y="63344"/>
+                  </a:lnTo>
+                  <a:lnTo>
+                    <a:pt x="600835" y="123299"/>
+                  </a:lnTo>
+                  <a:cubicBezTo>
+                    <a:pt x="581396" y="314721"/>
+                    <a:pt x="490845" y="485121"/>
+                    <a:pt x="356016" y="607665"/>
+                  </a:cubicBezTo>
+                  <a:lnTo>
+                    <a:pt x="310052" y="642460"/>
+                  </a:lnTo>
+                  <a:lnTo>
+                    <a:pt x="220734" y="568765"/>
+                  </a:lnTo>
+                  <a:cubicBezTo>
+                    <a:pt x="100516" y="448547"/>
+                    <a:pt x="20426" y="288199"/>
+                    <a:pt x="2282" y="109538"/>
+                  </a:cubicBezTo>
+                  <a:lnTo>
+                    <a:pt x="0" y="64344"/>
+                  </a:lnTo>
+                  <a:lnTo>
+                    <a:pt x="23171" y="52662"/>
+                  </a:lnTo>
+                  <a:cubicBezTo>
+                    <a:pt x="109370" y="18672"/>
+                    <a:pt x="203284" y="0"/>
+                    <a:pt x="301559" y="0"/>
+                  </a:cubicBezTo>
+                  <a:close/>
+                </a:path>
+              </a:pathLst>
+            </a:custGeom>
+            <a:noFill/>
+          </p:spPr>
+          <p:style>
+            <a:lnRef idx="2">
+              <a:schemeClr val="accent1">
+                <a:shade val="50000"/>
+              </a:schemeClr>
+            </a:lnRef>
+            <a:fillRef idx="1">
+              <a:schemeClr val="accent1"/>
+            </a:fillRef>
+            <a:effectRef idx="0">
+              <a:schemeClr val="accent1"/>
+            </a:effectRef>
+            <a:fontRef idx="minor">
+              <a:schemeClr val="lt1"/>
+            </a:fontRef>
+          </p:style>
+          <p:txBody>
+            <a:bodyPr rtlCol="0" anchor="ctr"/>
+            <a:lstStyle/>
+            <a:p>
+              <a:pPr algn="ctr"/>
+              <a:endParaRPr lang="en-GB"/>
+            </a:p>
+          </p:txBody>
+        </p:sp>
+        <p:sp>
+          <p:nvSpPr>
+            <p:cNvPr id="48" name="Freeform: Shape 47">
+              <a:extLst>
+                <a:ext uri="{FF2B5EF4-FFF2-40B4-BE49-F238E27FC236}">
+                  <a16:creationId xmlns:a16="http://schemas.microsoft.com/office/drawing/2014/main" id="{B79C6C3E-8603-4C7A-B536-4FBEE49CA21D}"/>
+                </a:ext>
+              </a:extLst>
+            </p:cNvPr>
+            <p:cNvSpPr/>
+            <p:nvPr/>
+          </p:nvSpPr>
+          <p:spPr>
+            <a:xfrm>
+              <a:off x="6320915" y="3960441"/>
+              <a:ext cx="1518450" cy="1518450"/>
+            </a:xfrm>
+            <a:custGeom>
+              <a:avLst/>
+              <a:gdLst>
+                <a:gd name="connsiteX0" fmla="*/ 759225 w 1518450"/>
+                <a:gd name="connsiteY0" fmla="*/ 0 h 1518450"/>
+                <a:gd name="connsiteX1" fmla="*/ 1518450 w 1518450"/>
+                <a:gd name="connsiteY1" fmla="*/ 759225 h 1518450"/>
+                <a:gd name="connsiteX2" fmla="*/ 759225 w 1518450"/>
+                <a:gd name="connsiteY2" fmla="*/ 1518450 h 1518450"/>
+                <a:gd name="connsiteX3" fmla="*/ 334735 w 1518450"/>
+                <a:gd name="connsiteY3" fmla="*/ 1388786 h 1518450"/>
+                <a:gd name="connsiteX4" fmla="*/ 311690 w 1518450"/>
+                <a:gd name="connsiteY4" fmla="*/ 1369773 h 1518450"/>
+                <a:gd name="connsiteX5" fmla="*/ 357654 w 1518450"/>
+                <a:gd name="connsiteY5" fmla="*/ 1334978 h 1518450"/>
+                <a:gd name="connsiteX6" fmla="*/ 602473 w 1518450"/>
+                <a:gd name="connsiteY6" fmla="*/ 850612 h 1518450"/>
+                <a:gd name="connsiteX7" fmla="*/ 605501 w 1518450"/>
+                <a:gd name="connsiteY7" fmla="*/ 790657 h 1518450"/>
+                <a:gd name="connsiteX8" fmla="*/ 598721 w 1518450"/>
+                <a:gd name="connsiteY8" fmla="*/ 786977 h 1518450"/>
+                <a:gd name="connsiteX9" fmla="*/ 303197 w 1518450"/>
+                <a:gd name="connsiteY9" fmla="*/ 727313 h 1518450"/>
+                <a:gd name="connsiteX10" fmla="*/ 24809 w 1518450"/>
+                <a:gd name="connsiteY10" fmla="*/ 779975 h 1518450"/>
+                <a:gd name="connsiteX11" fmla="*/ 1638 w 1518450"/>
+                <a:gd name="connsiteY11" fmla="*/ 791657 h 1518450"/>
+                <a:gd name="connsiteX12" fmla="*/ 0 w 1518450"/>
+                <a:gd name="connsiteY12" fmla="*/ 759225 h 1518450"/>
+                <a:gd name="connsiteX13" fmla="*/ 759225 w 1518450"/>
+                <a:gd name="connsiteY13" fmla="*/ 0 h 1518450"/>
+              </a:gdLst>
+              <a:ahLst/>
+              <a:cxnLst>
+                <a:cxn ang="0">
+                  <a:pos x="connsiteX0" y="connsiteY0"/>
+                </a:cxn>
+                <a:cxn ang="0">
+                  <a:pos x="connsiteX1" y="connsiteY1"/>
+                </a:cxn>
+                <a:cxn ang="0">
+                  <a:pos x="connsiteX2" y="connsiteY2"/>
+                </a:cxn>
+                <a:cxn ang="0">
+                  <a:pos x="connsiteX3" y="connsiteY3"/>
+                </a:cxn>
+                <a:cxn ang="0">
+                  <a:pos x="connsiteX4" y="connsiteY4"/>
+                </a:cxn>
+                <a:cxn ang="0">
+                  <a:pos x="connsiteX5" y="connsiteY5"/>
+                </a:cxn>
+                <a:cxn ang="0">
+                  <a:pos x="connsiteX6" y="connsiteY6"/>
+                </a:cxn>
+                <a:cxn ang="0">
+                  <a:pos x="connsiteX7" y="connsiteY7"/>
+                </a:cxn>
+                <a:cxn ang="0">
+                  <a:pos x="connsiteX8" y="connsiteY8"/>
+                </a:cxn>
+                <a:cxn ang="0">
+                  <a:pos x="connsiteX9" y="connsiteY9"/>
+                </a:cxn>
+                <a:cxn ang="0">
+                  <a:pos x="connsiteX10" y="connsiteY10"/>
+                </a:cxn>
+                <a:cxn ang="0">
+                  <a:pos x="connsiteX11" y="connsiteY11"/>
+                </a:cxn>
+                <a:cxn ang="0">
+                  <a:pos x="connsiteX12" y="connsiteY12"/>
+                </a:cxn>
+                <a:cxn ang="0">
+                  <a:pos x="connsiteX13" y="connsiteY13"/>
+                </a:cxn>
+              </a:cxnLst>
+              <a:rect l="l" t="t" r="r" b="b"/>
+              <a:pathLst>
+                <a:path w="1518450" h="1518450">
+                  <a:moveTo>
+                    <a:pt x="759225" y="0"/>
+                  </a:moveTo>
+                  <a:cubicBezTo>
+                    <a:pt x="1178533" y="0"/>
+                    <a:pt x="1518450" y="339917"/>
+                    <a:pt x="1518450" y="759225"/>
+                  </a:cubicBezTo>
+                  <a:cubicBezTo>
+                    <a:pt x="1518450" y="1178533"/>
+                    <a:pt x="1178533" y="1518450"/>
+                    <a:pt x="759225" y="1518450"/>
+                  </a:cubicBezTo>
+                  <a:cubicBezTo>
+                    <a:pt x="601985" y="1518450"/>
+                    <a:pt x="455909" y="1470649"/>
+                    <a:pt x="334735" y="1388786"/>
+                  </a:cubicBezTo>
+                  <a:lnTo>
+                    <a:pt x="311690" y="1369773"/>
+                  </a:lnTo>
+                  <a:lnTo>
+                    <a:pt x="357654" y="1334978"/>
+                  </a:lnTo>
+                  <a:cubicBezTo>
+                    <a:pt x="492483" y="1212434"/>
+                    <a:pt x="583034" y="1042034"/>
+                    <a:pt x="602473" y="850612"/>
+                  </a:cubicBezTo>
+                  <a:lnTo>
+                    <a:pt x="605501" y="790657"/>
+                  </a:lnTo>
+                  <a:lnTo>
+                    <a:pt x="598721" y="786977"/>
+                  </a:lnTo>
+                  <a:cubicBezTo>
+                    <a:pt x="507889" y="748558"/>
+                    <a:pt x="408024" y="727313"/>
+                    <a:pt x="303197" y="727313"/>
+                  </a:cubicBezTo>
+                  <a:cubicBezTo>
+                    <a:pt x="204922" y="727313"/>
+                    <a:pt x="111008" y="745985"/>
+                    <a:pt x="24809" y="779975"/>
+                  </a:cubicBezTo>
+                  <a:lnTo>
+                    <a:pt x="1638" y="791657"/>
+                  </a:lnTo>
+                  <a:lnTo>
+                    <a:pt x="0" y="759225"/>
+                  </a:lnTo>
+                  <a:cubicBezTo>
+                    <a:pt x="0" y="339917"/>
+                    <a:pt x="339917" y="0"/>
+                    <a:pt x="759225" y="0"/>
+                  </a:cubicBezTo>
+                  <a:close/>
+                </a:path>
+              </a:pathLst>
+            </a:custGeom>
+            <a:noFill/>
+          </p:spPr>
+          <p:style>
+            <a:lnRef idx="2">
+              <a:schemeClr val="accent1">
+                <a:shade val="50000"/>
+              </a:schemeClr>
+            </a:lnRef>
+            <a:fillRef idx="1">
+              <a:schemeClr val="accent1"/>
+            </a:fillRef>
+            <a:effectRef idx="0">
+              <a:schemeClr val="accent1"/>
+            </a:effectRef>
+            <a:fontRef idx="minor">
+              <a:schemeClr val="lt1"/>
+            </a:fontRef>
+          </p:style>
+          <p:txBody>
+            <a:bodyPr rtlCol="0" anchor="ctr"/>
+            <a:lstStyle/>
+            <a:p>
+              <a:pPr algn="ctr"/>
+              <a:endParaRPr lang="en-GB"/>
+            </a:p>
+          </p:txBody>
+        </p:sp>
+        <p:sp>
+          <p:nvSpPr>
+            <p:cNvPr id="47" name="Freeform: Shape 46">
+              <a:extLst>
+                <a:ext uri="{FF2B5EF4-FFF2-40B4-BE49-F238E27FC236}">
+                  <a16:creationId xmlns:a16="http://schemas.microsoft.com/office/drawing/2014/main" id="{D24F7171-D946-4825-8013-44EA5A509452}"/>
+                </a:ext>
+              </a:extLst>
+            </p:cNvPr>
+            <p:cNvSpPr/>
+            <p:nvPr/>
+          </p:nvSpPr>
+          <p:spPr>
+            <a:xfrm>
+              <a:off x="5865781" y="4752098"/>
+              <a:ext cx="766825" cy="740554"/>
+            </a:xfrm>
+            <a:custGeom>
+              <a:avLst/>
+              <a:gdLst>
+                <a:gd name="connsiteX0" fmla="*/ 456773 w 766825"/>
+                <a:gd name="connsiteY0" fmla="*/ 0 h 740554"/>
+                <a:gd name="connsiteX1" fmla="*/ 459055 w 766825"/>
+                <a:gd name="connsiteY1" fmla="*/ 45194 h 740554"/>
+                <a:gd name="connsiteX2" fmla="*/ 677507 w 766825"/>
+                <a:gd name="connsiteY2" fmla="*/ 504421 h 740554"/>
+                <a:gd name="connsiteX3" fmla="*/ 766825 w 766825"/>
+                <a:gd name="connsiteY3" fmla="*/ 578116 h 740554"/>
+                <a:gd name="connsiteX4" fmla="*/ 703784 w 766825"/>
+                <a:gd name="connsiteY4" fmla="*/ 625837 h 740554"/>
+                <a:gd name="connsiteX5" fmla="*/ 302303 w 766825"/>
+                <a:gd name="connsiteY5" fmla="*/ 740554 h 740554"/>
+                <a:gd name="connsiteX6" fmla="*/ 6779 w 766825"/>
+                <a:gd name="connsiteY6" fmla="*/ 680890 h 740554"/>
+                <a:gd name="connsiteX7" fmla="*/ 0 w 766825"/>
+                <a:gd name="connsiteY7" fmla="*/ 677210 h 740554"/>
+                <a:gd name="connsiteX8" fmla="*/ 3027 w 766825"/>
+                <a:gd name="connsiteY8" fmla="*/ 617255 h 740554"/>
+                <a:gd name="connsiteX9" fmla="*/ 356851 w 766825"/>
+                <a:gd name="connsiteY9" fmla="*/ 50373 h 740554"/>
+                <a:gd name="connsiteX10" fmla="*/ 456773 w 766825"/>
+                <a:gd name="connsiteY10" fmla="*/ 0 h 740554"/>
+              </a:gdLst>
+              <a:ahLst/>
+              <a:cxnLst>
+                <a:cxn ang="0">
+                  <a:pos x="connsiteX0" y="connsiteY0"/>
+                </a:cxn>
+                <a:cxn ang="0">
+                  <a:pos x="connsiteX1" y="connsiteY1"/>
+                </a:cxn>
+                <a:cxn ang="0">
+                  <a:pos x="connsiteX2" y="connsiteY2"/>
+                </a:cxn>
+                <a:cxn ang="0">
+                  <a:pos x="connsiteX3" y="connsiteY3"/>
+                </a:cxn>
+                <a:cxn ang="0">
+                  <a:pos x="connsiteX4" y="connsiteY4"/>
+                </a:cxn>
+                <a:cxn ang="0">
+                  <a:pos x="connsiteX5" y="connsiteY5"/>
+                </a:cxn>
+                <a:cxn ang="0">
+                  <a:pos x="connsiteX6" y="connsiteY6"/>
+                </a:cxn>
+                <a:cxn ang="0">
+                  <a:pos x="connsiteX7" y="connsiteY7"/>
+                </a:cxn>
+                <a:cxn ang="0">
+                  <a:pos x="connsiteX8" y="connsiteY8"/>
+                </a:cxn>
+                <a:cxn ang="0">
+                  <a:pos x="connsiteX9" y="connsiteY9"/>
+                </a:cxn>
+                <a:cxn ang="0">
+                  <a:pos x="connsiteX10" y="connsiteY10"/>
+                </a:cxn>
+              </a:cxnLst>
+              <a:rect l="l" t="t" r="r" b="b"/>
+              <a:pathLst>
+                <a:path w="766825" h="740554">
+                  <a:moveTo>
+                    <a:pt x="456773" y="0"/>
+                  </a:moveTo>
+                  <a:lnTo>
+                    <a:pt x="459055" y="45194"/>
+                  </a:lnTo>
+                  <a:cubicBezTo>
+                    <a:pt x="477199" y="223855"/>
+                    <a:pt x="557289" y="384203"/>
+                    <a:pt x="677507" y="504421"/>
+                  </a:cubicBezTo>
+                  <a:lnTo>
+                    <a:pt x="766825" y="578116"/>
+                  </a:lnTo>
+                  <a:lnTo>
+                    <a:pt x="703784" y="625837"/>
+                  </a:lnTo>
+                  <a:cubicBezTo>
+                    <a:pt x="587317" y="698542"/>
+                    <a:pt x="449716" y="740554"/>
+                    <a:pt x="302303" y="740554"/>
+                  </a:cubicBezTo>
+                  <a:cubicBezTo>
+                    <a:pt x="197476" y="740554"/>
+                    <a:pt x="97611" y="719309"/>
+                    <a:pt x="6779" y="680890"/>
+                  </a:cubicBezTo>
+                  <a:lnTo>
+                    <a:pt x="0" y="677210"/>
+                  </a:lnTo>
+                  <a:lnTo>
+                    <a:pt x="3027" y="617255"/>
+                  </a:lnTo>
+                  <a:cubicBezTo>
+                    <a:pt x="27327" y="377978"/>
+                    <a:pt x="162738" y="171548"/>
+                    <a:pt x="356851" y="50373"/>
+                  </a:cubicBezTo>
+                  <a:lnTo>
+                    <a:pt x="456773" y="0"/>
+                  </a:lnTo>
+                  <a:close/>
+                </a:path>
+              </a:pathLst>
+            </a:custGeom>
+            <a:solidFill>
+              <a:schemeClr val="accent6">
+                <a:lumMod val="60000"/>
+                <a:lumOff val="40000"/>
+              </a:schemeClr>
+            </a:solidFill>
+          </p:spPr>
+          <p:style>
+            <a:lnRef idx="2">
+              <a:schemeClr val="accent1">
+                <a:shade val="50000"/>
+              </a:schemeClr>
+            </a:lnRef>
+            <a:fillRef idx="1">
+              <a:schemeClr val="accent1"/>
+            </a:fillRef>
+            <a:effectRef idx="0">
+              <a:schemeClr val="accent1"/>
+            </a:effectRef>
+            <a:fontRef idx="minor">
+              <a:schemeClr val="lt1"/>
+            </a:fontRef>
+          </p:style>
+          <p:txBody>
+            <a:bodyPr rtlCol="0" anchor="ctr"/>
+            <a:lstStyle/>
+            <a:p>
+              <a:pPr algn="ctr"/>
+              <a:endParaRPr lang="en-GB"/>
+            </a:p>
+          </p:txBody>
+        </p:sp>
+        <p:sp>
+          <p:nvSpPr>
+            <p:cNvPr id="45" name="Freeform: Shape 44">
+              <a:extLst>
+                <a:ext uri="{FF2B5EF4-FFF2-40B4-BE49-F238E27FC236}">
+                  <a16:creationId xmlns:a16="http://schemas.microsoft.com/office/drawing/2014/main" id="{2E76B576-FF02-4D71-A6A8-2DF0193E2277}"/>
+                </a:ext>
+              </a:extLst>
+            </p:cNvPr>
+            <p:cNvSpPr/>
+            <p:nvPr/>
+          </p:nvSpPr>
+          <p:spPr>
+            <a:xfrm>
+              <a:off x="5408858" y="3974202"/>
+              <a:ext cx="1518450" cy="1455106"/>
+            </a:xfrm>
+            <a:custGeom>
+              <a:avLst/>
+              <a:gdLst>
+                <a:gd name="connsiteX0" fmla="*/ 759225 w 1518450"/>
+                <a:gd name="connsiteY0" fmla="*/ 0 h 1455106"/>
+                <a:gd name="connsiteX1" fmla="*/ 1518450 w 1518450"/>
+                <a:gd name="connsiteY1" fmla="*/ 759225 h 1455106"/>
+                <a:gd name="connsiteX2" fmla="*/ 1517558 w 1518450"/>
+                <a:gd name="connsiteY2" fmla="*/ 776896 h 1455106"/>
+                <a:gd name="connsiteX3" fmla="*/ 1510778 w 1518450"/>
+                <a:gd name="connsiteY3" fmla="*/ 773216 h 1455106"/>
+                <a:gd name="connsiteX4" fmla="*/ 1215254 w 1518450"/>
+                <a:gd name="connsiteY4" fmla="*/ 713552 h 1455106"/>
+                <a:gd name="connsiteX5" fmla="*/ 459949 w 1518450"/>
+                <a:gd name="connsiteY5" fmla="*/ 1395151 h 1455106"/>
+                <a:gd name="connsiteX6" fmla="*/ 456922 w 1518450"/>
+                <a:gd name="connsiteY6" fmla="*/ 1455106 h 1455106"/>
+                <a:gd name="connsiteX7" fmla="*/ 334735 w 1518450"/>
+                <a:gd name="connsiteY7" fmla="*/ 1388786 h 1455106"/>
+                <a:gd name="connsiteX8" fmla="*/ 0 w 1518450"/>
+                <a:gd name="connsiteY8" fmla="*/ 759225 h 1455106"/>
+                <a:gd name="connsiteX9" fmla="*/ 759225 w 1518450"/>
+                <a:gd name="connsiteY9" fmla="*/ 0 h 1455106"/>
+              </a:gdLst>
+              <a:ahLst/>
+              <a:cxnLst>
+                <a:cxn ang="0">
+                  <a:pos x="connsiteX0" y="connsiteY0"/>
+                </a:cxn>
+                <a:cxn ang="0">
+                  <a:pos x="connsiteX1" y="connsiteY1"/>
+                </a:cxn>
+                <a:cxn ang="0">
+                  <a:pos x="connsiteX2" y="connsiteY2"/>
+                </a:cxn>
+                <a:cxn ang="0">
+                  <a:pos x="connsiteX3" y="connsiteY3"/>
+                </a:cxn>
+                <a:cxn ang="0">
+                  <a:pos x="connsiteX4" y="connsiteY4"/>
+                </a:cxn>
+                <a:cxn ang="0">
+                  <a:pos x="connsiteX5" y="connsiteY5"/>
+                </a:cxn>
+                <a:cxn ang="0">
+                  <a:pos x="connsiteX6" y="connsiteY6"/>
+                </a:cxn>
+                <a:cxn ang="0">
+                  <a:pos x="connsiteX7" y="connsiteY7"/>
+                </a:cxn>
+                <a:cxn ang="0">
+                  <a:pos x="connsiteX8" y="connsiteY8"/>
+                </a:cxn>
+                <a:cxn ang="0">
+                  <a:pos x="connsiteX9" y="connsiteY9"/>
+                </a:cxn>
+              </a:cxnLst>
+              <a:rect l="l" t="t" r="r" b="b"/>
+              <a:pathLst>
+                <a:path w="1518450" h="1455106">
+                  <a:moveTo>
+                    <a:pt x="759225" y="0"/>
+                  </a:moveTo>
+                  <a:cubicBezTo>
+                    <a:pt x="1178533" y="0"/>
+                    <a:pt x="1518450" y="339917"/>
+                    <a:pt x="1518450" y="759225"/>
+                  </a:cubicBezTo>
+                  <a:lnTo>
+                    <a:pt x="1517558" y="776896"/>
+                  </a:lnTo>
+                  <a:lnTo>
+                    <a:pt x="1510778" y="773216"/>
+                  </a:lnTo>
+                  <a:cubicBezTo>
+                    <a:pt x="1419946" y="734797"/>
+                    <a:pt x="1320081" y="713552"/>
+                    <a:pt x="1215254" y="713552"/>
+                  </a:cubicBezTo>
+                  <a:cubicBezTo>
+                    <a:pt x="822153" y="713552"/>
+                    <a:pt x="498829" y="1012307"/>
+                    <a:pt x="459949" y="1395151"/>
+                  </a:cubicBezTo>
+                  <a:lnTo>
+                    <a:pt x="456922" y="1455106"/>
+                  </a:lnTo>
+                  <a:lnTo>
+                    <a:pt x="334735" y="1388786"/>
+                  </a:lnTo>
+                  <a:cubicBezTo>
+                    <a:pt x="132780" y="1252348"/>
+                    <a:pt x="0" y="1021293"/>
+                    <a:pt x="0" y="759225"/>
+                  </a:cubicBezTo>
+                  <a:cubicBezTo>
+                    <a:pt x="0" y="339917"/>
+                    <a:pt x="339917" y="0"/>
+                    <a:pt x="759225" y="0"/>
+                  </a:cubicBezTo>
+                  <a:close/>
+                </a:path>
+              </a:pathLst>
+            </a:custGeom>
+            <a:noFill/>
+          </p:spPr>
+          <p:style>
+            <a:lnRef idx="2">
+              <a:schemeClr val="accent1">
+                <a:shade val="50000"/>
+              </a:schemeClr>
+            </a:lnRef>
+            <a:fillRef idx="1">
+              <a:schemeClr val="accent1"/>
+            </a:fillRef>
+            <a:effectRef idx="0">
+              <a:schemeClr val="accent1"/>
+            </a:effectRef>
+            <a:fontRef idx="minor">
+              <a:schemeClr val="lt1"/>
+            </a:fontRef>
+          </p:style>
+          <p:txBody>
+            <a:bodyPr rtlCol="0" anchor="ctr"/>
+            <a:lstStyle/>
+            <a:p>
+              <a:pPr algn="ctr"/>
+              <a:endParaRPr lang="en-GB"/>
+            </a:p>
+          </p:txBody>
+        </p:sp>
+        <p:sp>
+          <p:nvSpPr>
+            <p:cNvPr id="44" name="Freeform: Shape 43">
+              <a:extLst>
+                <a:ext uri="{FF2B5EF4-FFF2-40B4-BE49-F238E27FC236}">
+                  <a16:creationId xmlns:a16="http://schemas.microsoft.com/office/drawing/2014/main" id="{1BC5227A-65A7-4100-A9B8-0E2AF848EFDB}"/>
+                </a:ext>
+              </a:extLst>
+            </p:cNvPr>
+            <p:cNvSpPr/>
+            <p:nvPr/>
+          </p:nvSpPr>
+          <p:spPr>
+            <a:xfrm>
+              <a:off x="5864887" y="4751098"/>
+              <a:ext cx="1518450" cy="1455106"/>
+            </a:xfrm>
+            <a:custGeom>
+              <a:avLst/>
+              <a:gdLst>
+                <a:gd name="connsiteX0" fmla="*/ 1061529 w 1518450"/>
+                <a:gd name="connsiteY0" fmla="*/ 0 h 1455106"/>
+                <a:gd name="connsiteX1" fmla="*/ 1183715 w 1518450"/>
+                <a:gd name="connsiteY1" fmla="*/ 66320 h 1455106"/>
+                <a:gd name="connsiteX2" fmla="*/ 1518450 w 1518450"/>
+                <a:gd name="connsiteY2" fmla="*/ 695881 h 1455106"/>
+                <a:gd name="connsiteX3" fmla="*/ 759225 w 1518450"/>
+                <a:gd name="connsiteY3" fmla="*/ 1455106 h 1455106"/>
+                <a:gd name="connsiteX4" fmla="*/ 0 w 1518450"/>
+                <a:gd name="connsiteY4" fmla="*/ 695881 h 1455106"/>
+                <a:gd name="connsiteX5" fmla="*/ 893 w 1518450"/>
+                <a:gd name="connsiteY5" fmla="*/ 678210 h 1455106"/>
+                <a:gd name="connsiteX6" fmla="*/ 7672 w 1518450"/>
+                <a:gd name="connsiteY6" fmla="*/ 681890 h 1455106"/>
+                <a:gd name="connsiteX7" fmla="*/ 303196 w 1518450"/>
+                <a:gd name="connsiteY7" fmla="*/ 741554 h 1455106"/>
+                <a:gd name="connsiteX8" fmla="*/ 1058501 w 1518450"/>
+                <a:gd name="connsiteY8" fmla="*/ 59955 h 1455106"/>
+                <a:gd name="connsiteX9" fmla="*/ 1061529 w 1518450"/>
+                <a:gd name="connsiteY9" fmla="*/ 0 h 1455106"/>
+              </a:gdLst>
+              <a:ahLst/>
+              <a:cxnLst>
+                <a:cxn ang="0">
+                  <a:pos x="connsiteX0" y="connsiteY0"/>
+                </a:cxn>
+                <a:cxn ang="0">
+                  <a:pos x="connsiteX1" y="connsiteY1"/>
+                </a:cxn>
+                <a:cxn ang="0">
+                  <a:pos x="connsiteX2" y="connsiteY2"/>
+                </a:cxn>
+                <a:cxn ang="0">
+                  <a:pos x="connsiteX3" y="connsiteY3"/>
+                </a:cxn>
+                <a:cxn ang="0">
+                  <a:pos x="connsiteX4" y="connsiteY4"/>
+                </a:cxn>
+                <a:cxn ang="0">
+                  <a:pos x="connsiteX5" y="connsiteY5"/>
+                </a:cxn>
+                <a:cxn ang="0">
+                  <a:pos x="connsiteX6" y="connsiteY6"/>
+                </a:cxn>
+                <a:cxn ang="0">
+                  <a:pos x="connsiteX7" y="connsiteY7"/>
+                </a:cxn>
+                <a:cxn ang="0">
+                  <a:pos x="connsiteX8" y="connsiteY8"/>
+                </a:cxn>
+                <a:cxn ang="0">
+                  <a:pos x="connsiteX9" y="connsiteY9"/>
+                </a:cxn>
+              </a:cxnLst>
+              <a:rect l="l" t="t" r="r" b="b"/>
+              <a:pathLst>
+                <a:path w="1518450" h="1455106">
+                  <a:moveTo>
+                    <a:pt x="1061529" y="0"/>
+                  </a:moveTo>
+                  <a:lnTo>
+                    <a:pt x="1183715" y="66320"/>
+                  </a:lnTo>
+                  <a:cubicBezTo>
+                    <a:pt x="1385670" y="202758"/>
+                    <a:pt x="1518450" y="433814"/>
+                    <a:pt x="1518450" y="695881"/>
+                  </a:cubicBezTo>
+                  <a:cubicBezTo>
+                    <a:pt x="1518450" y="1115189"/>
+                    <a:pt x="1178533" y="1455106"/>
+                    <a:pt x="759225" y="1455106"/>
+                  </a:cubicBezTo>
+                  <a:cubicBezTo>
+                    <a:pt x="339917" y="1455106"/>
+                    <a:pt x="0" y="1115189"/>
+                    <a:pt x="0" y="695881"/>
+                  </a:cubicBezTo>
+                  <a:lnTo>
+                    <a:pt x="893" y="678210"/>
+                  </a:lnTo>
+                  <a:lnTo>
+                    <a:pt x="7672" y="681890"/>
+                  </a:lnTo>
+                  <a:cubicBezTo>
+                    <a:pt x="98504" y="720309"/>
+                    <a:pt x="198369" y="741554"/>
+                    <a:pt x="303196" y="741554"/>
+                  </a:cubicBezTo>
+                  <a:cubicBezTo>
+                    <a:pt x="696297" y="741554"/>
+                    <a:pt x="1019622" y="442799"/>
+                    <a:pt x="1058501" y="59955"/>
+                  </a:cubicBezTo>
+                  <a:lnTo>
+                    <a:pt x="1061529" y="0"/>
+                  </a:lnTo>
+                  <a:close/>
+                </a:path>
+              </a:pathLst>
+            </a:custGeom>
+            <a:noFill/>
+          </p:spPr>
+          <p:style>
+            <a:lnRef idx="2">
+              <a:schemeClr val="accent1">
+                <a:shade val="50000"/>
+              </a:schemeClr>
+            </a:lnRef>
+            <a:fillRef idx="1">
+              <a:schemeClr val="accent1"/>
+            </a:fillRef>
+            <a:effectRef idx="0">
+              <a:schemeClr val="accent1"/>
+            </a:effectRef>
+            <a:fontRef idx="minor">
+              <a:schemeClr val="lt1"/>
+            </a:fontRef>
+          </p:style>
+          <p:txBody>
+            <a:bodyPr rtlCol="0" anchor="ctr"/>
+            <a:lstStyle/>
+            <a:p>
+              <a:pPr algn="ctr"/>
+              <a:endParaRPr lang="en-GB"/>
+            </a:p>
+          </p:txBody>
+        </p:sp>
+        <p:sp>
+          <p:nvSpPr>
+            <p:cNvPr id="43" name="Oval 42">
+              <a:extLst>
+                <a:ext uri="{FF2B5EF4-FFF2-40B4-BE49-F238E27FC236}">
+                  <a16:creationId xmlns:a16="http://schemas.microsoft.com/office/drawing/2014/main" id="{D96C465F-DFD4-4EB4-B980-EB0038F3CA4A}"/>
+                </a:ext>
+              </a:extLst>
+            </p:cNvPr>
+            <p:cNvSpPr/>
+            <p:nvPr/>
+          </p:nvSpPr>
+          <p:spPr>
+            <a:xfrm>
+              <a:off x="5864886" y="4687754"/>
+              <a:ext cx="1518450" cy="1518450"/>
+            </a:xfrm>
+            <a:prstGeom prst="ellipse">
+              <a:avLst/>
+            </a:prstGeom>
+            <a:noFill/>
+          </p:spPr>
+          <p:style>
+            <a:lnRef idx="2">
+              <a:schemeClr val="accent1">
+                <a:shade val="50000"/>
+              </a:schemeClr>
+            </a:lnRef>
+            <a:fillRef idx="1">
+              <a:schemeClr val="accent1"/>
+            </a:fillRef>
+            <a:effectRef idx="0">
+              <a:schemeClr val="accent1"/>
+            </a:effectRef>
+            <a:fontRef idx="minor">
+              <a:schemeClr val="lt1"/>
+            </a:fontRef>
+          </p:style>
+          <p:txBody>
+            <a:bodyPr rtlCol="0" anchor="ctr"/>
+            <a:lstStyle/>
+            <a:p>
+              <a:pPr algn="ctr"/>
+              <a:endParaRPr lang="en-GB"/>
+            </a:p>
+          </p:txBody>
+        </p:sp>
+      </p:grpSp>
+      <p:sp>
+        <p:nvSpPr>
+          <p:cNvPr id="42" name="TextBox 41">
+            <a:extLst>
+              <a:ext uri="{FF2B5EF4-FFF2-40B4-BE49-F238E27FC236}">
+                <a16:creationId xmlns:a16="http://schemas.microsoft.com/office/drawing/2014/main" id="{078711FF-FF64-47FD-8B4E-A8CAFC3E3090}"/>
+              </a:ext>
+            </a:extLst>
+          </p:cNvPr>
           <p:cNvSpPr txBox="1"/>
           <p:nvPr/>
         </p:nvSpPr>
         <p:spPr>
           <a:xfrm>
-            <a:off x="873341" y="5934670"/>
-            <a:ext cx="10445318" cy="923330"/>
+            <a:off x="350086" y="4231483"/>
+            <a:ext cx="3366652" cy="646331"/>
           </a:xfrm>
           <a:prstGeom prst="rect">
             <a:avLst/>
@@ -10196,17 +9188,23 @@
           <a:lstStyle/>
           <a:p>
             <a:r>
-              <a:rPr lang="en-US" i="1" dirty="0"/>
-              <a:t>Cached queries have SQL executed stored and versioned such that any change invalidates the cached identifier list.  In future we can add read-only decorations to the UI too if we want to prevent users accidentally invalidating cached results</a:t>
-            </a:r>
-            <a:endParaRPr lang="en-GB" i="1" dirty="0"/>
+              <a:rPr lang="en-US" sz="1200" dirty="0"/>
+              <a:t>(Set 1 EXCEPT Set 2) INTERSECT Set 3</a:t>
+            </a:r>
+          </a:p>
+          <a:p>
+            <a:r>
+              <a:rPr lang="en-US" sz="1200" dirty="0"/>
+              <a:t>People who have ever had Diazepam prescriptions only after 2000 and are still alive</a:t>
+            </a:r>
+            <a:endParaRPr lang="en-GB" sz="1200" dirty="0"/>
           </a:p>
         </p:txBody>
       </p:sp>
     </p:spTree>
     <p:extLst>
       <p:ext uri="{BB962C8B-B14F-4D97-AF65-F5344CB8AC3E}">
-        <p14:creationId xmlns:p14="http://schemas.microsoft.com/office/powerpoint/2010/main" val="3380575569"/>
+        <p14:creationId xmlns:p14="http://schemas.microsoft.com/office/powerpoint/2010/main" val="1120164298"/>
       </p:ext>
     </p:extLst>
   </p:cSld>

--- a/Documentation/Training/CohortBuilder.pptx
+++ b/Documentation/Training/CohortBuilder.pptx
@@ -5,7 +5,7 @@
     <p:sldMasterId id="2147483648" r:id="rId1"/>
   </p:sldMasterIdLst>
   <p:notesMasterIdLst>
-    <p:notesMasterId r:id="rId12"/>
+    <p:notesMasterId r:id="rId13"/>
   </p:notesMasterIdLst>
   <p:sldIdLst>
     <p:sldId id="272" r:id="rId2"/>
@@ -17,7 +17,8 @@
     <p:sldId id="257" r:id="rId8"/>
     <p:sldId id="277" r:id="rId9"/>
     <p:sldId id="278" r:id="rId10"/>
-    <p:sldId id="279" r:id="rId11"/>
+    <p:sldId id="280" r:id="rId11"/>
+    <p:sldId id="279" r:id="rId12"/>
   </p:sldIdLst>
   <p:sldSz cx="12192000" cy="6858000"/>
   <p:notesSz cx="6858000" cy="9144000"/>
@@ -130,6 +131,7 @@
             <p14:sldId id="257"/>
             <p14:sldId id="277"/>
             <p14:sldId id="278"/>
+            <p14:sldId id="280"/>
             <p14:sldId id="279"/>
           </p14:sldIdLst>
         </p14:section>
@@ -3928,6 +3930,584 @@
           </a:prstGeom>
         </p:spPr>
       </p:pic>
+    </p:spTree>
+    <p:extLst>
+      <p:ext uri="{BB962C8B-B14F-4D97-AF65-F5344CB8AC3E}">
+        <p14:creationId xmlns:p14="http://schemas.microsoft.com/office/powerpoint/2010/main" val="3109344228"/>
+      </p:ext>
+    </p:extLst>
+  </p:cSld>
+  <p:clrMapOvr>
+    <a:masterClrMapping/>
+  </p:clrMapOvr>
+</p:sld>
+</file>
+
+<file path=ppt/slides/slide11.xml><?xml version="1.0" encoding="utf-8"?>
+<p:sld xmlns:a="http://schemas.openxmlformats.org/drawingml/2006/main" xmlns:r="http://schemas.openxmlformats.org/officeDocument/2006/relationships" xmlns:p="http://schemas.openxmlformats.org/presentationml/2006/main">
+  <p:cSld>
+    <p:spTree>
+      <p:nvGrpSpPr>
+        <p:cNvPr id="1" name=""/>
+        <p:cNvGrpSpPr/>
+        <p:nvPr/>
+      </p:nvGrpSpPr>
+      <p:grpSpPr>
+        <a:xfrm>
+          <a:off x="0" y="0"/>
+          <a:ext cx="0" cy="0"/>
+          <a:chOff x="0" y="0"/>
+          <a:chExt cx="0" cy="0"/>
+        </a:xfrm>
+      </p:grpSpPr>
+      <p:sp>
+        <p:nvSpPr>
+          <p:cNvPr id="2" name="Title 1">
+            <a:extLst>
+              <a:ext uri="{FF2B5EF4-FFF2-40B4-BE49-F238E27FC236}">
+                <a16:creationId xmlns:a16="http://schemas.microsoft.com/office/drawing/2014/main" id="{E8BED8F5-6947-41BD-BD0B-E488EB013891}"/>
+              </a:ext>
+            </a:extLst>
+          </p:cNvPr>
+          <p:cNvSpPr>
+            <a:spLocks noGrp="1"/>
+          </p:cNvSpPr>
+          <p:nvPr>
+            <p:ph type="title"/>
+          </p:nvPr>
+        </p:nvSpPr>
+        <p:spPr/>
+        <p:txBody>
+          <a:bodyPr/>
+          <a:lstStyle/>
+          <a:p>
+            <a:r>
+              <a:rPr lang="en-GB" dirty="0"/>
+              <a:t>Execute</a:t>
+            </a:r>
+          </a:p>
+        </p:txBody>
+      </p:sp>
+      <p:pic>
+        <p:nvPicPr>
+          <p:cNvPr id="3" name="Picture 2">
+            <a:extLst>
+              <a:ext uri="{FF2B5EF4-FFF2-40B4-BE49-F238E27FC236}">
+                <a16:creationId xmlns:a16="http://schemas.microsoft.com/office/drawing/2014/main" id="{4A9F8D3C-3F43-4F78-A994-C99D3BB3DC4F}"/>
+              </a:ext>
+            </a:extLst>
+          </p:cNvPr>
+          <p:cNvPicPr>
+            <a:picLocks noChangeAspect="1"/>
+          </p:cNvPicPr>
+          <p:nvPr/>
+        </p:nvPicPr>
+        <p:blipFill>
+          <a:blip r:embed="rId2"/>
+          <a:stretch>
+            <a:fillRect/>
+          </a:stretch>
+        </p:blipFill>
+        <p:spPr>
+          <a:xfrm>
+            <a:off x="1184119" y="2825723"/>
+            <a:ext cx="9896547" cy="3667152"/>
+          </a:xfrm>
+          <a:prstGeom prst="rect">
+            <a:avLst/>
+          </a:prstGeom>
+        </p:spPr>
+      </p:pic>
+      <p:grpSp>
+        <p:nvGrpSpPr>
+          <p:cNvPr id="7" name="Group 6">
+            <a:extLst>
+              <a:ext uri="{FF2B5EF4-FFF2-40B4-BE49-F238E27FC236}">
+                <a16:creationId xmlns:a16="http://schemas.microsoft.com/office/drawing/2014/main" id="{AA81887F-5054-472B-A3EC-ADB42007E8C9}"/>
+              </a:ext>
+            </a:extLst>
+          </p:cNvPr>
+          <p:cNvGrpSpPr/>
+          <p:nvPr/>
+        </p:nvGrpSpPr>
+        <p:grpSpPr>
+          <a:xfrm>
+            <a:off x="305722" y="1907973"/>
+            <a:ext cx="1686992" cy="1681388"/>
+            <a:chOff x="3539320" y="-956251"/>
+            <a:chExt cx="1686992" cy="1681388"/>
+          </a:xfrm>
+        </p:grpSpPr>
+        <p:sp>
+          <p:nvSpPr>
+            <p:cNvPr id="8" name="Rectangle: Rounded Corners 7">
+              <a:extLst>
+                <a:ext uri="{FF2B5EF4-FFF2-40B4-BE49-F238E27FC236}">
+                  <a16:creationId xmlns:a16="http://schemas.microsoft.com/office/drawing/2014/main" id="{F2C87B9B-7663-4932-A6E2-6A7E01C1B5F6}"/>
+                </a:ext>
+              </a:extLst>
+            </p:cNvPr>
+            <p:cNvSpPr/>
+            <p:nvPr/>
+          </p:nvSpPr>
+          <p:spPr>
+            <a:xfrm>
+              <a:off x="3539320" y="-956251"/>
+              <a:ext cx="1686992" cy="507423"/>
+            </a:xfrm>
+            <a:prstGeom prst="roundRect">
+              <a:avLst/>
+            </a:prstGeom>
+          </p:spPr>
+          <p:style>
+            <a:lnRef idx="2">
+              <a:schemeClr val="accent1">
+                <a:shade val="50000"/>
+              </a:schemeClr>
+            </a:lnRef>
+            <a:fillRef idx="1">
+              <a:schemeClr val="accent1"/>
+            </a:fillRef>
+            <a:effectRef idx="0">
+              <a:schemeClr val="accent1"/>
+            </a:effectRef>
+            <a:fontRef idx="minor">
+              <a:schemeClr val="lt1"/>
+            </a:fontRef>
+          </p:style>
+          <p:txBody>
+            <a:bodyPr rtlCol="0" anchor="ctr"/>
+            <a:lstStyle/>
+            <a:p>
+              <a:pPr algn="ctr"/>
+              <a:r>
+                <a:rPr lang="en-GB" sz="1200" dirty="0"/>
+                <a:t>Execute full Cohort Query</a:t>
+              </a:r>
+            </a:p>
+          </p:txBody>
+        </p:sp>
+        <p:cxnSp>
+          <p:nvCxnSpPr>
+            <p:cNvPr id="9" name="Straight Arrow Connector 8">
+              <a:extLst>
+                <a:ext uri="{FF2B5EF4-FFF2-40B4-BE49-F238E27FC236}">
+                  <a16:creationId xmlns:a16="http://schemas.microsoft.com/office/drawing/2014/main" id="{321350E4-FDAF-48ED-B4B3-2A835767304A}"/>
+                </a:ext>
+              </a:extLst>
+            </p:cNvPr>
+            <p:cNvCxnSpPr>
+              <a:cxnSpLocks/>
+              <a:stCxn id="8" idx="2"/>
+            </p:cNvCxnSpPr>
+            <p:nvPr/>
+          </p:nvCxnSpPr>
+          <p:spPr>
+            <a:xfrm>
+              <a:off x="4382816" y="-448828"/>
+              <a:ext cx="647737" cy="1173965"/>
+            </a:xfrm>
+            <a:prstGeom prst="straightConnector1">
+              <a:avLst/>
+            </a:prstGeom>
+            <a:ln w="12700">
+              <a:tailEnd type="triangle"/>
+            </a:ln>
+          </p:spPr>
+          <p:style>
+            <a:lnRef idx="1">
+              <a:schemeClr val="accent1"/>
+            </a:lnRef>
+            <a:fillRef idx="0">
+              <a:schemeClr val="accent1"/>
+            </a:fillRef>
+            <a:effectRef idx="0">
+              <a:schemeClr val="accent1"/>
+            </a:effectRef>
+            <a:fontRef idx="minor">
+              <a:schemeClr val="tx1"/>
+            </a:fontRef>
+          </p:style>
+        </p:cxnSp>
+      </p:grpSp>
+      <p:grpSp>
+        <p:nvGrpSpPr>
+          <p:cNvPr id="11" name="Group 10">
+            <a:extLst>
+              <a:ext uri="{FF2B5EF4-FFF2-40B4-BE49-F238E27FC236}">
+                <a16:creationId xmlns:a16="http://schemas.microsoft.com/office/drawing/2014/main" id="{1EFCF71A-CAC8-406C-932B-DA07154FA3D8}"/>
+              </a:ext>
+            </a:extLst>
+          </p:cNvPr>
+          <p:cNvGrpSpPr/>
+          <p:nvPr/>
+        </p:nvGrpSpPr>
+        <p:grpSpPr>
+          <a:xfrm>
+            <a:off x="3060295" y="2180670"/>
+            <a:ext cx="1686992" cy="2809861"/>
+            <a:chOff x="3539320" y="-956251"/>
+            <a:chExt cx="1686992" cy="2809861"/>
+          </a:xfrm>
+        </p:grpSpPr>
+        <p:sp>
+          <p:nvSpPr>
+            <p:cNvPr id="12" name="Rectangle: Rounded Corners 11">
+              <a:extLst>
+                <a:ext uri="{FF2B5EF4-FFF2-40B4-BE49-F238E27FC236}">
+                  <a16:creationId xmlns:a16="http://schemas.microsoft.com/office/drawing/2014/main" id="{248859A0-E833-432F-85CB-EB7203D5F6B7}"/>
+                </a:ext>
+              </a:extLst>
+            </p:cNvPr>
+            <p:cNvSpPr/>
+            <p:nvPr/>
+          </p:nvSpPr>
+          <p:spPr>
+            <a:xfrm>
+              <a:off x="3539320" y="-956251"/>
+              <a:ext cx="1686992" cy="507423"/>
+            </a:xfrm>
+            <a:prstGeom prst="roundRect">
+              <a:avLst/>
+            </a:prstGeom>
+          </p:spPr>
+          <p:style>
+            <a:lnRef idx="2">
+              <a:schemeClr val="accent1">
+                <a:shade val="50000"/>
+              </a:schemeClr>
+            </a:lnRef>
+            <a:fillRef idx="1">
+              <a:schemeClr val="accent1"/>
+            </a:fillRef>
+            <a:effectRef idx="0">
+              <a:schemeClr val="accent1"/>
+            </a:effectRef>
+            <a:fontRef idx="minor">
+              <a:schemeClr val="lt1"/>
+            </a:fontRef>
+          </p:style>
+          <p:txBody>
+            <a:bodyPr rtlCol="0" anchor="ctr"/>
+            <a:lstStyle/>
+            <a:p>
+              <a:pPr algn="ctr"/>
+              <a:r>
+                <a:rPr lang="en-GB" sz="1200" dirty="0"/>
+                <a:t>Execute subqueries individually</a:t>
+              </a:r>
+            </a:p>
+          </p:txBody>
+        </p:sp>
+        <p:cxnSp>
+          <p:nvCxnSpPr>
+            <p:cNvPr id="13" name="Straight Arrow Connector 12">
+              <a:extLst>
+                <a:ext uri="{FF2B5EF4-FFF2-40B4-BE49-F238E27FC236}">
+                  <a16:creationId xmlns:a16="http://schemas.microsoft.com/office/drawing/2014/main" id="{98B3B287-40E9-4D18-BEDF-891CA1BF46B4}"/>
+                </a:ext>
+              </a:extLst>
+            </p:cNvPr>
+            <p:cNvCxnSpPr>
+              <a:cxnSpLocks/>
+              <a:stCxn id="12" idx="2"/>
+            </p:cNvCxnSpPr>
+            <p:nvPr/>
+          </p:nvCxnSpPr>
+          <p:spPr>
+            <a:xfrm>
+              <a:off x="4382816" y="-448828"/>
+              <a:ext cx="231481" cy="2302438"/>
+            </a:xfrm>
+            <a:prstGeom prst="straightConnector1">
+              <a:avLst/>
+            </a:prstGeom>
+            <a:ln w="12700">
+              <a:tailEnd type="triangle"/>
+            </a:ln>
+          </p:spPr>
+          <p:style>
+            <a:lnRef idx="1">
+              <a:schemeClr val="accent1"/>
+            </a:lnRef>
+            <a:fillRef idx="0">
+              <a:schemeClr val="accent1"/>
+            </a:fillRef>
+            <a:effectRef idx="0">
+              <a:schemeClr val="accent1"/>
+            </a:effectRef>
+            <a:fontRef idx="minor">
+              <a:schemeClr val="tx1"/>
+            </a:fontRef>
+          </p:style>
+        </p:cxnSp>
+      </p:grpSp>
+      <p:grpSp>
+        <p:nvGrpSpPr>
+          <p:cNvPr id="16" name="Group 15">
+            <a:extLst>
+              <a:ext uri="{FF2B5EF4-FFF2-40B4-BE49-F238E27FC236}">
+                <a16:creationId xmlns:a16="http://schemas.microsoft.com/office/drawing/2014/main" id="{A4D90DFB-E08B-48C6-81DA-C7E7E560DB76}"/>
+              </a:ext>
+            </a:extLst>
+          </p:cNvPr>
+          <p:cNvGrpSpPr/>
+          <p:nvPr/>
+        </p:nvGrpSpPr>
+        <p:grpSpPr>
+          <a:xfrm>
+            <a:off x="7466959" y="1849438"/>
+            <a:ext cx="1686992" cy="3277571"/>
+            <a:chOff x="3539320" y="-956251"/>
+            <a:chExt cx="1686992" cy="3277571"/>
+          </a:xfrm>
+        </p:grpSpPr>
+        <p:sp>
+          <p:nvSpPr>
+            <p:cNvPr id="17" name="Rectangle: Rounded Corners 16">
+              <a:extLst>
+                <a:ext uri="{FF2B5EF4-FFF2-40B4-BE49-F238E27FC236}">
+                  <a16:creationId xmlns:a16="http://schemas.microsoft.com/office/drawing/2014/main" id="{36B09FF0-9BC5-4472-A767-F667CC4BD1FF}"/>
+                </a:ext>
+              </a:extLst>
+            </p:cNvPr>
+            <p:cNvSpPr/>
+            <p:nvPr/>
+          </p:nvSpPr>
+          <p:spPr>
+            <a:xfrm>
+              <a:off x="3539320" y="-956251"/>
+              <a:ext cx="1686992" cy="639004"/>
+            </a:xfrm>
+            <a:prstGeom prst="roundRect">
+              <a:avLst/>
+            </a:prstGeom>
+          </p:spPr>
+          <p:style>
+            <a:lnRef idx="2">
+              <a:schemeClr val="accent1">
+                <a:shade val="50000"/>
+              </a:schemeClr>
+            </a:lnRef>
+            <a:fillRef idx="1">
+              <a:schemeClr val="accent1"/>
+            </a:fillRef>
+            <a:effectRef idx="0">
+              <a:schemeClr val="accent1"/>
+            </a:effectRef>
+            <a:fontRef idx="minor">
+              <a:schemeClr val="lt1"/>
+            </a:fontRef>
+          </p:style>
+          <p:txBody>
+            <a:bodyPr rtlCol="0" anchor="ctr"/>
+            <a:lstStyle/>
+            <a:p>
+              <a:pPr algn="ctr"/>
+              <a:r>
+                <a:rPr lang="en-GB" sz="1200" dirty="0"/>
+                <a:t>Individual &amp; cumulative patients counts</a:t>
+              </a:r>
+            </a:p>
+          </p:txBody>
+        </p:sp>
+        <p:cxnSp>
+          <p:nvCxnSpPr>
+            <p:cNvPr id="18" name="Straight Arrow Connector 17">
+              <a:extLst>
+                <a:ext uri="{FF2B5EF4-FFF2-40B4-BE49-F238E27FC236}">
+                  <a16:creationId xmlns:a16="http://schemas.microsoft.com/office/drawing/2014/main" id="{499E0585-320F-4380-A0DC-E9765EFACDCE}"/>
+                </a:ext>
+              </a:extLst>
+            </p:cNvPr>
+            <p:cNvCxnSpPr>
+              <a:cxnSpLocks/>
+              <a:stCxn id="17" idx="2"/>
+            </p:cNvCxnSpPr>
+            <p:nvPr/>
+          </p:nvCxnSpPr>
+          <p:spPr>
+            <a:xfrm flipH="1">
+              <a:off x="4074498" y="-317247"/>
+              <a:ext cx="308318" cy="2638567"/>
+            </a:xfrm>
+            <a:prstGeom prst="straightConnector1">
+              <a:avLst/>
+            </a:prstGeom>
+            <a:ln w="12700">
+              <a:tailEnd type="triangle"/>
+            </a:ln>
+          </p:spPr>
+          <p:style>
+            <a:lnRef idx="1">
+              <a:schemeClr val="accent1"/>
+            </a:lnRef>
+            <a:fillRef idx="0">
+              <a:schemeClr val="accent1"/>
+            </a:fillRef>
+            <a:effectRef idx="0">
+              <a:schemeClr val="accent1"/>
+            </a:effectRef>
+            <a:fontRef idx="minor">
+              <a:schemeClr val="tx1"/>
+            </a:fontRef>
+          </p:style>
+        </p:cxnSp>
+      </p:grpSp>
+      <p:cxnSp>
+        <p:nvCxnSpPr>
+          <p:cNvPr id="20" name="Straight Arrow Connector 19">
+            <a:extLst>
+              <a:ext uri="{FF2B5EF4-FFF2-40B4-BE49-F238E27FC236}">
+                <a16:creationId xmlns:a16="http://schemas.microsoft.com/office/drawing/2014/main" id="{A06321FD-2137-45D7-86AB-55CF2844FE7D}"/>
+              </a:ext>
+            </a:extLst>
+          </p:cNvPr>
+          <p:cNvCxnSpPr>
+            <a:cxnSpLocks/>
+            <a:stCxn id="17" idx="2"/>
+          </p:cNvCxnSpPr>
+          <p:nvPr/>
+        </p:nvCxnSpPr>
+        <p:spPr>
+          <a:xfrm>
+            <a:off x="8310455" y="2488442"/>
+            <a:ext cx="343789" cy="2793242"/>
+          </a:xfrm>
+          <a:prstGeom prst="straightConnector1">
+            <a:avLst/>
+          </a:prstGeom>
+          <a:ln w="12700">
+            <a:tailEnd type="triangle"/>
+          </a:ln>
+        </p:spPr>
+        <p:style>
+          <a:lnRef idx="1">
+            <a:schemeClr val="accent1"/>
+          </a:lnRef>
+          <a:fillRef idx="0">
+            <a:schemeClr val="accent1"/>
+          </a:fillRef>
+          <a:effectRef idx="0">
+            <a:schemeClr val="accent1"/>
+          </a:effectRef>
+          <a:fontRef idx="minor">
+            <a:schemeClr val="tx1"/>
+          </a:fontRef>
+        </p:style>
+      </p:cxnSp>
+      <p:grpSp>
+        <p:nvGrpSpPr>
+          <p:cNvPr id="25" name="Group 24">
+            <a:extLst>
+              <a:ext uri="{FF2B5EF4-FFF2-40B4-BE49-F238E27FC236}">
+                <a16:creationId xmlns:a16="http://schemas.microsoft.com/office/drawing/2014/main" id="{CB0D67AE-0C67-4FA5-830D-86661EA061E9}"/>
+              </a:ext>
+            </a:extLst>
+          </p:cNvPr>
+          <p:cNvGrpSpPr/>
+          <p:nvPr/>
+        </p:nvGrpSpPr>
+        <p:grpSpPr>
+          <a:xfrm>
+            <a:off x="9701709" y="1283162"/>
+            <a:ext cx="1812452" cy="3043178"/>
+            <a:chOff x="3539320" y="-956251"/>
+            <a:chExt cx="1812452" cy="3043178"/>
+          </a:xfrm>
+        </p:grpSpPr>
+        <p:sp>
+          <p:nvSpPr>
+            <p:cNvPr id="26" name="Rectangle: Rounded Corners 25">
+              <a:extLst>
+                <a:ext uri="{FF2B5EF4-FFF2-40B4-BE49-F238E27FC236}">
+                  <a16:creationId xmlns:a16="http://schemas.microsoft.com/office/drawing/2014/main" id="{B5415190-7B88-4F9D-A4B0-6448EFD3158C}"/>
+                </a:ext>
+              </a:extLst>
+            </p:cNvPr>
+            <p:cNvSpPr/>
+            <p:nvPr/>
+          </p:nvSpPr>
+          <p:spPr>
+            <a:xfrm>
+              <a:off x="3539320" y="-956251"/>
+              <a:ext cx="1812452" cy="1086999"/>
+            </a:xfrm>
+            <a:prstGeom prst="roundRect">
+              <a:avLst/>
+            </a:prstGeom>
+          </p:spPr>
+          <p:style>
+            <a:lnRef idx="2">
+              <a:schemeClr val="accent1">
+                <a:shade val="50000"/>
+              </a:schemeClr>
+            </a:lnRef>
+            <a:fillRef idx="1">
+              <a:schemeClr val="accent1"/>
+            </a:fillRef>
+            <a:effectRef idx="0">
+              <a:schemeClr val="accent1"/>
+            </a:effectRef>
+            <a:fontRef idx="minor">
+              <a:schemeClr val="lt1"/>
+            </a:fontRef>
+          </p:style>
+          <p:txBody>
+            <a:bodyPr rtlCol="0" anchor="ctr"/>
+            <a:lstStyle/>
+            <a:p>
+              <a:pPr algn="ctr"/>
+              <a:r>
+                <a:rPr lang="en-GB" sz="1200" dirty="0"/>
+                <a:t>The system will decide an appropriate caching strategy if a Caching DB has been set (not in this example)</a:t>
+              </a:r>
+            </a:p>
+          </p:txBody>
+        </p:sp>
+        <p:cxnSp>
+          <p:nvCxnSpPr>
+            <p:cNvPr id="27" name="Straight Arrow Connector 26">
+              <a:extLst>
+                <a:ext uri="{FF2B5EF4-FFF2-40B4-BE49-F238E27FC236}">
+                  <a16:creationId xmlns:a16="http://schemas.microsoft.com/office/drawing/2014/main" id="{24245E15-E032-4F8D-B834-40BD693EAE32}"/>
+                </a:ext>
+              </a:extLst>
+            </p:cNvPr>
+            <p:cNvCxnSpPr>
+              <a:cxnSpLocks/>
+              <a:stCxn id="26" idx="2"/>
+            </p:cNvCxnSpPr>
+            <p:nvPr/>
+          </p:nvCxnSpPr>
+          <p:spPr>
+            <a:xfrm flipH="1">
+              <a:off x="4423724" y="130748"/>
+              <a:ext cx="21822" cy="1956179"/>
+            </a:xfrm>
+            <a:prstGeom prst="straightConnector1">
+              <a:avLst/>
+            </a:prstGeom>
+            <a:ln w="12700">
+              <a:tailEnd type="triangle"/>
+            </a:ln>
+          </p:spPr>
+          <p:style>
+            <a:lnRef idx="1">
+              <a:schemeClr val="accent1"/>
+            </a:lnRef>
+            <a:fillRef idx="0">
+              <a:schemeClr val="accent1"/>
+            </a:fillRef>
+            <a:effectRef idx="0">
+              <a:schemeClr val="accent1"/>
+            </a:effectRef>
+            <a:fontRef idx="minor">
+              <a:schemeClr val="tx1"/>
+            </a:fontRef>
+          </p:style>
+        </p:cxnSp>
+      </p:grpSp>
     </p:spTree>
     <p:extLst>
       <p:ext uri="{BB962C8B-B14F-4D97-AF65-F5344CB8AC3E}">
@@ -6444,6 +7024,283 @@
   <p:clrMapOvr>
     <a:masterClrMapping/>
   </p:clrMapOvr>
+  <p:timing>
+    <p:tnLst>
+      <p:par>
+        <p:cTn id="1" dur="indefinite" restart="never" nodeType="tmRoot">
+          <p:childTnLst>
+            <p:seq concurrent="1" nextAc="seek">
+              <p:cTn id="2" dur="indefinite" nodeType="mainSeq">
+                <p:childTnLst>
+                  <p:par>
+                    <p:cTn id="3" fill="hold">
+                      <p:stCondLst>
+                        <p:cond delay="indefinite"/>
+                      </p:stCondLst>
+                      <p:childTnLst>
+                        <p:par>
+                          <p:cTn id="4" fill="hold">
+                            <p:stCondLst>
+                              <p:cond delay="0"/>
+                            </p:stCondLst>
+                            <p:childTnLst>
+                              <p:par>
+                                <p:cTn id="5" presetID="10" presetClass="entr" presetSubtype="0" fill="hold" grpId="0" nodeType="clickEffect">
+                                  <p:stCondLst>
+                                    <p:cond delay="0"/>
+                                  </p:stCondLst>
+                                  <p:childTnLst>
+                                    <p:set>
+                                      <p:cBhvr>
+                                        <p:cTn id="6" dur="1" fill="hold">
+                                          <p:stCondLst>
+                                            <p:cond delay="0"/>
+                                          </p:stCondLst>
+                                        </p:cTn>
+                                        <p:tgtEl>
+                                          <p:spTgt spid="3">
+                                            <p:txEl>
+                                              <p:pRg st="0" end="0"/>
+                                            </p:txEl>
+                                          </p:spTgt>
+                                        </p:tgtEl>
+                                        <p:attrNameLst>
+                                          <p:attrName>style.visibility</p:attrName>
+                                        </p:attrNameLst>
+                                      </p:cBhvr>
+                                      <p:to>
+                                        <p:strVal val="visible"/>
+                                      </p:to>
+                                    </p:set>
+                                    <p:animEffect transition="in" filter="fade">
+                                      <p:cBhvr>
+                                        <p:cTn id="7" dur="500"/>
+                                        <p:tgtEl>
+                                          <p:spTgt spid="3">
+                                            <p:txEl>
+                                              <p:pRg st="0" end="0"/>
+                                            </p:txEl>
+                                          </p:spTgt>
+                                        </p:tgtEl>
+                                      </p:cBhvr>
+                                    </p:animEffect>
+                                  </p:childTnLst>
+                                </p:cTn>
+                              </p:par>
+                            </p:childTnLst>
+                          </p:cTn>
+                        </p:par>
+                      </p:childTnLst>
+                    </p:cTn>
+                  </p:par>
+                  <p:par>
+                    <p:cTn id="8" fill="hold">
+                      <p:stCondLst>
+                        <p:cond delay="indefinite"/>
+                      </p:stCondLst>
+                      <p:childTnLst>
+                        <p:par>
+                          <p:cTn id="9" fill="hold">
+                            <p:stCondLst>
+                              <p:cond delay="0"/>
+                            </p:stCondLst>
+                            <p:childTnLst>
+                              <p:par>
+                                <p:cTn id="10" presetID="10" presetClass="entr" presetSubtype="0" fill="hold" grpId="0" nodeType="clickEffect">
+                                  <p:stCondLst>
+                                    <p:cond delay="0"/>
+                                  </p:stCondLst>
+                                  <p:childTnLst>
+                                    <p:set>
+                                      <p:cBhvr>
+                                        <p:cTn id="11" dur="1" fill="hold">
+                                          <p:stCondLst>
+                                            <p:cond delay="0"/>
+                                          </p:stCondLst>
+                                        </p:cTn>
+                                        <p:tgtEl>
+                                          <p:spTgt spid="3">
+                                            <p:txEl>
+                                              <p:pRg st="2" end="2"/>
+                                            </p:txEl>
+                                          </p:spTgt>
+                                        </p:tgtEl>
+                                        <p:attrNameLst>
+                                          <p:attrName>style.visibility</p:attrName>
+                                        </p:attrNameLst>
+                                      </p:cBhvr>
+                                      <p:to>
+                                        <p:strVal val="visible"/>
+                                      </p:to>
+                                    </p:set>
+                                    <p:animEffect transition="in" filter="fade">
+                                      <p:cBhvr>
+                                        <p:cTn id="12" dur="500"/>
+                                        <p:tgtEl>
+                                          <p:spTgt spid="3">
+                                            <p:txEl>
+                                              <p:pRg st="2" end="2"/>
+                                            </p:txEl>
+                                          </p:spTgt>
+                                        </p:tgtEl>
+                                      </p:cBhvr>
+                                    </p:animEffect>
+                                  </p:childTnLst>
+                                </p:cTn>
+                              </p:par>
+                            </p:childTnLst>
+                          </p:cTn>
+                        </p:par>
+                      </p:childTnLst>
+                    </p:cTn>
+                  </p:par>
+                  <p:par>
+                    <p:cTn id="13" fill="hold">
+                      <p:stCondLst>
+                        <p:cond delay="indefinite"/>
+                      </p:stCondLst>
+                      <p:childTnLst>
+                        <p:par>
+                          <p:cTn id="14" fill="hold">
+                            <p:stCondLst>
+                              <p:cond delay="0"/>
+                            </p:stCondLst>
+                            <p:childTnLst>
+                              <p:par>
+                                <p:cTn id="15" presetID="10" presetClass="entr" presetSubtype="0" fill="hold" grpId="0" nodeType="clickEffect">
+                                  <p:stCondLst>
+                                    <p:cond delay="0"/>
+                                  </p:stCondLst>
+                                  <p:childTnLst>
+                                    <p:set>
+                                      <p:cBhvr>
+                                        <p:cTn id="16" dur="1" fill="hold">
+                                          <p:stCondLst>
+                                            <p:cond delay="0"/>
+                                          </p:stCondLst>
+                                        </p:cTn>
+                                        <p:tgtEl>
+                                          <p:spTgt spid="3">
+                                            <p:txEl>
+                                              <p:pRg st="4" end="4"/>
+                                            </p:txEl>
+                                          </p:spTgt>
+                                        </p:tgtEl>
+                                        <p:attrNameLst>
+                                          <p:attrName>style.visibility</p:attrName>
+                                        </p:attrNameLst>
+                                      </p:cBhvr>
+                                      <p:to>
+                                        <p:strVal val="visible"/>
+                                      </p:to>
+                                    </p:set>
+                                    <p:animEffect transition="in" filter="fade">
+                                      <p:cBhvr>
+                                        <p:cTn id="17" dur="500"/>
+                                        <p:tgtEl>
+                                          <p:spTgt spid="3">
+                                            <p:txEl>
+                                              <p:pRg st="4" end="4"/>
+                                            </p:txEl>
+                                          </p:spTgt>
+                                        </p:tgtEl>
+                                      </p:cBhvr>
+                                    </p:animEffect>
+                                  </p:childTnLst>
+                                </p:cTn>
+                              </p:par>
+                            </p:childTnLst>
+                          </p:cTn>
+                        </p:par>
+                      </p:childTnLst>
+                    </p:cTn>
+                  </p:par>
+                  <p:par>
+                    <p:cTn id="18" fill="hold">
+                      <p:stCondLst>
+                        <p:cond delay="indefinite"/>
+                      </p:stCondLst>
+                      <p:childTnLst>
+                        <p:par>
+                          <p:cTn id="19" fill="hold">
+                            <p:stCondLst>
+                              <p:cond delay="0"/>
+                            </p:stCondLst>
+                            <p:childTnLst>
+                              <p:par>
+                                <p:cTn id="20" presetID="10" presetClass="entr" presetSubtype="0" fill="hold" grpId="0" nodeType="clickEffect">
+                                  <p:stCondLst>
+                                    <p:cond delay="0"/>
+                                  </p:stCondLst>
+                                  <p:childTnLst>
+                                    <p:set>
+                                      <p:cBhvr>
+                                        <p:cTn id="21" dur="1" fill="hold">
+                                          <p:stCondLst>
+                                            <p:cond delay="0"/>
+                                          </p:stCondLst>
+                                        </p:cTn>
+                                        <p:tgtEl>
+                                          <p:spTgt spid="3">
+                                            <p:txEl>
+                                              <p:pRg st="6" end="6"/>
+                                            </p:txEl>
+                                          </p:spTgt>
+                                        </p:tgtEl>
+                                        <p:attrNameLst>
+                                          <p:attrName>style.visibility</p:attrName>
+                                        </p:attrNameLst>
+                                      </p:cBhvr>
+                                      <p:to>
+                                        <p:strVal val="visible"/>
+                                      </p:to>
+                                    </p:set>
+                                    <p:animEffect transition="in" filter="fade">
+                                      <p:cBhvr>
+                                        <p:cTn id="22" dur="500"/>
+                                        <p:tgtEl>
+                                          <p:spTgt spid="3">
+                                            <p:txEl>
+                                              <p:pRg st="6" end="6"/>
+                                            </p:txEl>
+                                          </p:spTgt>
+                                        </p:tgtEl>
+                                      </p:cBhvr>
+                                    </p:animEffect>
+                                  </p:childTnLst>
+                                </p:cTn>
+                              </p:par>
+                            </p:childTnLst>
+                          </p:cTn>
+                        </p:par>
+                      </p:childTnLst>
+                    </p:cTn>
+                  </p:par>
+                </p:childTnLst>
+              </p:cTn>
+              <p:prevCondLst>
+                <p:cond evt="onPrev" delay="0">
+                  <p:tgtEl>
+                    <p:sldTgt/>
+                  </p:tgtEl>
+                </p:cond>
+              </p:prevCondLst>
+              <p:nextCondLst>
+                <p:cond evt="onNext" delay="0">
+                  <p:tgtEl>
+                    <p:sldTgt/>
+                  </p:tgtEl>
+                </p:cond>
+              </p:nextCondLst>
+            </p:seq>
+          </p:childTnLst>
+        </p:cTn>
+      </p:par>
+    </p:tnLst>
+    <p:bldLst>
+      <p:bldP spid="3" grpId="0" build="p"/>
+    </p:bldLst>
+  </p:timing>
 </p:sld>
 </file>
 
@@ -6464,163 +7321,112 @@
           <a:chExt cx="0" cy="0"/>
         </a:xfrm>
       </p:grpSpPr>
-      <p:sp>
-        <p:nvSpPr>
-          <p:cNvPr id="3" name="Oval 2">
+      <p:grpSp>
+        <p:nvGrpSpPr>
+          <p:cNvPr id="40" name="Group 39">
             <a:extLst>
               <a:ext uri="{FF2B5EF4-FFF2-40B4-BE49-F238E27FC236}">
-                <a16:creationId xmlns:a16="http://schemas.microsoft.com/office/drawing/2014/main" id="{D5B55D5F-55FA-4619-BC80-3C94EE6685E3}"/>
+                <a16:creationId xmlns:a16="http://schemas.microsoft.com/office/drawing/2014/main" id="{9DF97BB8-74AD-4017-80D0-50B24D151E6E}"/>
               </a:ext>
             </a:extLst>
           </p:cNvPr>
-          <p:cNvSpPr/>
+          <p:cNvGrpSpPr/>
           <p:nvPr/>
-        </p:nvSpPr>
-        <p:spPr>
-          <a:xfrm>
-            <a:off x="1138451" y="2350782"/>
-            <a:ext cx="1518450" cy="1518450"/>
-          </a:xfrm>
-          <a:prstGeom prst="ellipse">
-            <a:avLst/>
-          </a:prstGeom>
-          <a:solidFill>
-            <a:srgbClr val="C00000"/>
-          </a:solidFill>
-        </p:spPr>
-        <p:style>
-          <a:lnRef idx="2">
-            <a:schemeClr val="accent1">
-              <a:shade val="50000"/>
-            </a:schemeClr>
-          </a:lnRef>
-          <a:fillRef idx="1">
-            <a:schemeClr val="accent1"/>
-          </a:fillRef>
-          <a:effectRef idx="0">
-            <a:schemeClr val="accent1"/>
-          </a:effectRef>
-          <a:fontRef idx="minor">
-            <a:schemeClr val="lt1"/>
-          </a:fontRef>
-        </p:style>
-        <p:txBody>
-          <a:bodyPr rtlCol="0" anchor="ctr"/>
-          <a:lstStyle/>
-          <a:p>
-            <a:pPr algn="ctr"/>
-            <a:endParaRPr lang="en-GB"/>
-          </a:p>
-        </p:txBody>
-      </p:sp>
-      <p:sp>
-        <p:nvSpPr>
-          <p:cNvPr id="21" name="TextBox 20"/>
-          <p:cNvSpPr txBox="1"/>
-          <p:nvPr/>
-        </p:nvSpPr>
-        <p:spPr>
+        </p:nvGrpSpPr>
+        <p:grpSpPr>
           <a:xfrm>
             <a:off x="1125491" y="1690689"/>
-            <a:ext cx="1895214" cy="646331"/>
+            <a:ext cx="1895214" cy="2178543"/>
+            <a:chOff x="1125491" y="1690689"/>
+            <a:chExt cx="1895214" cy="2178543"/>
           </a:xfrm>
-          <a:prstGeom prst="rect">
-            <a:avLst/>
-          </a:prstGeom>
-          <a:noFill/>
-        </p:spPr>
-        <p:txBody>
-          <a:bodyPr wrap="square" rtlCol="0">
-            <a:spAutoFit/>
-          </a:bodyPr>
-          <a:lstStyle/>
-          <a:p>
-            <a:r>
-              <a:rPr lang="en-US" sz="1200" dirty="0"/>
-              <a:t>Set 1</a:t>
-            </a:r>
-          </a:p>
-          <a:p>
-            <a:r>
-              <a:rPr lang="en-US" sz="1200" dirty="0"/>
-              <a:t>People who have ever had Diazepam prescriptions</a:t>
-            </a:r>
-            <a:endParaRPr lang="en-GB" sz="1200" dirty="0"/>
-          </a:p>
-        </p:txBody>
-      </p:sp>
-      <p:sp>
-        <p:nvSpPr>
-          <p:cNvPr id="28" name="TextBox 27"/>
-          <p:cNvSpPr txBox="1"/>
-          <p:nvPr/>
-        </p:nvSpPr>
-        <p:spPr>
-          <a:xfrm>
-            <a:off x="4334417" y="1690688"/>
-            <a:ext cx="2252902" cy="646331"/>
-          </a:xfrm>
-          <a:prstGeom prst="rect">
-            <a:avLst/>
-          </a:prstGeom>
-          <a:noFill/>
-        </p:spPr>
-        <p:txBody>
-          <a:bodyPr wrap="square" rtlCol="0">
-            <a:spAutoFit/>
-          </a:bodyPr>
-          <a:lstStyle/>
-          <a:p>
-            <a:r>
-              <a:rPr lang="en-US" sz="1200" dirty="0"/>
-              <a:t>Set 2</a:t>
-            </a:r>
-          </a:p>
-          <a:p>
-            <a:r>
-              <a:rPr lang="en-US" sz="1200" dirty="0"/>
-              <a:t>People who collected diazepam prescriptions before 2000</a:t>
-            </a:r>
-            <a:endParaRPr lang="en-GB" sz="1200" dirty="0"/>
-          </a:p>
-        </p:txBody>
-      </p:sp>
-      <p:sp>
-        <p:nvSpPr>
-          <p:cNvPr id="29" name="TextBox 28"/>
-          <p:cNvSpPr txBox="1"/>
-          <p:nvPr/>
-        </p:nvSpPr>
-        <p:spPr>
-          <a:xfrm>
-            <a:off x="7901031" y="1783020"/>
-            <a:ext cx="1732847" cy="461665"/>
-          </a:xfrm>
-          <a:prstGeom prst="rect">
-            <a:avLst/>
-          </a:prstGeom>
-          <a:noFill/>
-        </p:spPr>
-        <p:txBody>
-          <a:bodyPr wrap="none" rtlCol="0">
-            <a:spAutoFit/>
-          </a:bodyPr>
-          <a:lstStyle/>
-          <a:p>
-            <a:r>
-              <a:rPr lang="en-US" sz="1200" dirty="0"/>
-              <a:t>Set 3 </a:t>
-            </a:r>
-          </a:p>
-          <a:p>
-            <a:r>
-              <a:rPr lang="en-US" sz="1200" dirty="0"/>
-              <a:t>People who are still alive</a:t>
-            </a:r>
-            <a:endParaRPr lang="en-GB" sz="1200" dirty="0"/>
-          </a:p>
-        </p:txBody>
-      </p:sp>
+        </p:grpSpPr>
+        <p:sp>
+          <p:nvSpPr>
+            <p:cNvPr id="3" name="Oval 2">
+              <a:extLst>
+                <a:ext uri="{FF2B5EF4-FFF2-40B4-BE49-F238E27FC236}">
+                  <a16:creationId xmlns:a16="http://schemas.microsoft.com/office/drawing/2014/main" id="{D5B55D5F-55FA-4619-BC80-3C94EE6685E3}"/>
+                </a:ext>
+              </a:extLst>
+            </p:cNvPr>
+            <p:cNvSpPr/>
+            <p:nvPr/>
+          </p:nvSpPr>
+          <p:spPr>
+            <a:xfrm>
+              <a:off x="1138451" y="2350782"/>
+              <a:ext cx="1518450" cy="1518450"/>
+            </a:xfrm>
+            <a:prstGeom prst="ellipse">
+              <a:avLst/>
+            </a:prstGeom>
+            <a:solidFill>
+              <a:srgbClr val="C00000"/>
+            </a:solidFill>
+          </p:spPr>
+          <p:style>
+            <a:lnRef idx="2">
+              <a:schemeClr val="accent1">
+                <a:shade val="50000"/>
+              </a:schemeClr>
+            </a:lnRef>
+            <a:fillRef idx="1">
+              <a:schemeClr val="accent1"/>
+            </a:fillRef>
+            <a:effectRef idx="0">
+              <a:schemeClr val="accent1"/>
+            </a:effectRef>
+            <a:fontRef idx="minor">
+              <a:schemeClr val="lt1"/>
+            </a:fontRef>
+          </p:style>
+          <p:txBody>
+            <a:bodyPr rtlCol="0" anchor="ctr"/>
+            <a:lstStyle/>
+            <a:p>
+              <a:pPr algn="ctr"/>
+              <a:endParaRPr lang="en-GB"/>
+            </a:p>
+          </p:txBody>
+        </p:sp>
+        <p:sp>
+          <p:nvSpPr>
+            <p:cNvPr id="21" name="TextBox 20"/>
+            <p:cNvSpPr txBox="1"/>
+            <p:nvPr/>
+          </p:nvSpPr>
+          <p:spPr>
+            <a:xfrm>
+              <a:off x="1125491" y="1690689"/>
+              <a:ext cx="1895214" cy="646331"/>
+            </a:xfrm>
+            <a:prstGeom prst="rect">
+              <a:avLst/>
+            </a:prstGeom>
+            <a:noFill/>
+          </p:spPr>
+          <p:txBody>
+            <a:bodyPr wrap="square" rtlCol="0">
+              <a:spAutoFit/>
+            </a:bodyPr>
+            <a:lstStyle/>
+            <a:p>
+              <a:r>
+                <a:rPr lang="en-US" sz="1200" dirty="0"/>
+                <a:t>Set 1</a:t>
+              </a:r>
+            </a:p>
+            <a:p>
+              <a:r>
+                <a:rPr lang="en-US" sz="1200" dirty="0"/>
+                <a:t>People who have ever had Diazepam prescriptions</a:t>
+              </a:r>
+              <a:endParaRPr lang="en-GB" sz="1200" dirty="0"/>
+            </a:p>
+          </p:txBody>
+        </p:sp>
+      </p:grpSp>
       <p:sp>
         <p:nvSpPr>
           <p:cNvPr id="2" name="Title 1">
@@ -6637,7 +7443,12 @@
             <p:ph type="title"/>
           </p:nvPr>
         </p:nvSpPr>
-        <p:spPr/>
+        <p:spPr>
+          <a:xfrm>
+            <a:off x="838200" y="365125"/>
+            <a:ext cx="10515600" cy="1325563"/>
+          </a:xfrm>
+        </p:spPr>
         <p:txBody>
           <a:bodyPr/>
           <a:lstStyle/>
@@ -6646,119 +7457,15 @@
               <a:rPr lang="en-GB" dirty="0"/>
               <a:t>Sets interaction</a:t>
             </a:r>
-          </a:p>
-        </p:txBody>
-      </p:sp>
-      <p:sp>
-        <p:nvSpPr>
-          <p:cNvPr id="22" name="Oval 21">
-            <a:extLst>
-              <a:ext uri="{FF2B5EF4-FFF2-40B4-BE49-F238E27FC236}">
-                <a16:creationId xmlns:a16="http://schemas.microsoft.com/office/drawing/2014/main" id="{2E6F7AC3-F000-4F55-A15F-10B22FFA79F9}"/>
-              </a:ext>
-            </a:extLst>
-          </p:cNvPr>
-          <p:cNvSpPr/>
-          <p:nvPr/>
-        </p:nvSpPr>
-        <p:spPr>
-          <a:xfrm>
-            <a:off x="4488908" y="2350780"/>
-            <a:ext cx="1518450" cy="1518450"/>
-          </a:xfrm>
-          <a:prstGeom prst="ellipse">
-            <a:avLst/>
-          </a:prstGeom>
-          <a:solidFill>
-            <a:schemeClr val="accent4">
-              <a:lumMod val="40000"/>
-              <a:lumOff val="60000"/>
-            </a:schemeClr>
-          </a:solidFill>
-        </p:spPr>
-        <p:style>
-          <a:lnRef idx="2">
-            <a:schemeClr val="accent1">
-              <a:shade val="50000"/>
-            </a:schemeClr>
-          </a:lnRef>
-          <a:fillRef idx="1">
-            <a:schemeClr val="accent1"/>
-          </a:fillRef>
-          <a:effectRef idx="0">
-            <a:schemeClr val="accent1"/>
-          </a:effectRef>
-          <a:fontRef idx="minor">
-            <a:schemeClr val="lt1"/>
-          </a:fontRef>
-        </p:style>
-        <p:txBody>
-          <a:bodyPr rtlCol="0" anchor="ctr"/>
-          <a:lstStyle/>
-          <a:p>
-            <a:pPr algn="ctr"/>
-            <a:endParaRPr lang="en-GB"/>
-          </a:p>
-        </p:txBody>
-      </p:sp>
-      <p:sp>
-        <p:nvSpPr>
-          <p:cNvPr id="24" name="Oval 23">
-            <a:extLst>
-              <a:ext uri="{FF2B5EF4-FFF2-40B4-BE49-F238E27FC236}">
-                <a16:creationId xmlns:a16="http://schemas.microsoft.com/office/drawing/2014/main" id="{68FBC3BC-38DE-4FDE-8F17-146553525AC0}"/>
-              </a:ext>
-            </a:extLst>
-          </p:cNvPr>
-          <p:cNvSpPr/>
-          <p:nvPr/>
-        </p:nvSpPr>
-        <p:spPr>
-          <a:xfrm>
-            <a:off x="7839365" y="2337019"/>
-            <a:ext cx="1518450" cy="1518450"/>
-          </a:xfrm>
-          <a:prstGeom prst="ellipse">
-            <a:avLst/>
-          </a:prstGeom>
-          <a:solidFill>
-            <a:schemeClr val="accent6">
-              <a:lumMod val="60000"/>
-              <a:lumOff val="40000"/>
-            </a:schemeClr>
-          </a:solidFill>
-        </p:spPr>
-        <p:style>
-          <a:lnRef idx="2">
-            <a:schemeClr val="accent1">
-              <a:shade val="50000"/>
-            </a:schemeClr>
-          </a:lnRef>
-          <a:fillRef idx="1">
-            <a:schemeClr val="accent1"/>
-          </a:fillRef>
-          <a:effectRef idx="0">
-            <a:schemeClr val="accent1"/>
-          </a:effectRef>
-          <a:fontRef idx="minor">
-            <a:schemeClr val="lt1"/>
-          </a:fontRef>
-        </p:style>
-        <p:txBody>
-          <a:bodyPr rtlCol="0" anchor="ctr"/>
-          <a:lstStyle/>
-          <a:p>
-            <a:pPr algn="ctr"/>
-            <a:endParaRPr lang="en-GB"/>
           </a:p>
         </p:txBody>
       </p:sp>
       <p:grpSp>
         <p:nvGrpSpPr>
-          <p:cNvPr id="5" name="Group 4">
+          <p:cNvPr id="41" name="Group 40">
             <a:extLst>
               <a:ext uri="{FF2B5EF4-FFF2-40B4-BE49-F238E27FC236}">
-                <a16:creationId xmlns:a16="http://schemas.microsoft.com/office/drawing/2014/main" id="{97004924-A9F4-4295-A4C2-6646963C079D}"/>
+                <a16:creationId xmlns:a16="http://schemas.microsoft.com/office/drawing/2014/main" id="{BA1354E5-00BE-43D2-9FD1-9A169AA20640}"/>
               </a:ext>
             </a:extLst>
           </p:cNvPr>
@@ -6767,10 +7474,228 @@
         </p:nvGrpSpPr>
         <p:grpSpPr>
           <a:xfrm>
-            <a:off x="1280167" y="4380564"/>
-            <a:ext cx="2430507" cy="1532211"/>
-            <a:chOff x="1280167" y="4380564"/>
-            <a:chExt cx="2430507" cy="1532211"/>
+            <a:off x="4334417" y="1690688"/>
+            <a:ext cx="2252902" cy="2178542"/>
+            <a:chOff x="4334417" y="1690688"/>
+            <a:chExt cx="2252902" cy="2178542"/>
+          </a:xfrm>
+        </p:grpSpPr>
+        <p:sp>
+          <p:nvSpPr>
+            <p:cNvPr id="28" name="TextBox 27"/>
+            <p:cNvSpPr txBox="1"/>
+            <p:nvPr/>
+          </p:nvSpPr>
+          <p:spPr>
+            <a:xfrm>
+              <a:off x="4334417" y="1690688"/>
+              <a:ext cx="2252902" cy="646331"/>
+            </a:xfrm>
+            <a:prstGeom prst="rect">
+              <a:avLst/>
+            </a:prstGeom>
+            <a:noFill/>
+          </p:spPr>
+          <p:txBody>
+            <a:bodyPr wrap="square" rtlCol="0">
+              <a:spAutoFit/>
+            </a:bodyPr>
+            <a:lstStyle/>
+            <a:p>
+              <a:r>
+                <a:rPr lang="en-US" sz="1200" dirty="0"/>
+                <a:t>Set 2</a:t>
+              </a:r>
+            </a:p>
+            <a:p>
+              <a:r>
+                <a:rPr lang="en-US" sz="1200" dirty="0"/>
+                <a:t>People who collected diazepam prescriptions before 2000</a:t>
+              </a:r>
+              <a:endParaRPr lang="en-GB" sz="1200" dirty="0"/>
+            </a:p>
+          </p:txBody>
+        </p:sp>
+        <p:sp>
+          <p:nvSpPr>
+            <p:cNvPr id="22" name="Oval 21">
+              <a:extLst>
+                <a:ext uri="{FF2B5EF4-FFF2-40B4-BE49-F238E27FC236}">
+                  <a16:creationId xmlns:a16="http://schemas.microsoft.com/office/drawing/2014/main" id="{2E6F7AC3-F000-4F55-A15F-10B22FFA79F9}"/>
+                </a:ext>
+              </a:extLst>
+            </p:cNvPr>
+            <p:cNvSpPr/>
+            <p:nvPr/>
+          </p:nvSpPr>
+          <p:spPr>
+            <a:xfrm>
+              <a:off x="4488908" y="2350780"/>
+              <a:ext cx="1518450" cy="1518450"/>
+            </a:xfrm>
+            <a:prstGeom prst="ellipse">
+              <a:avLst/>
+            </a:prstGeom>
+            <a:solidFill>
+              <a:schemeClr val="accent4">
+                <a:lumMod val="40000"/>
+                <a:lumOff val="60000"/>
+              </a:schemeClr>
+            </a:solidFill>
+          </p:spPr>
+          <p:style>
+            <a:lnRef idx="2">
+              <a:schemeClr val="accent1">
+                <a:shade val="50000"/>
+              </a:schemeClr>
+            </a:lnRef>
+            <a:fillRef idx="1">
+              <a:schemeClr val="accent1"/>
+            </a:fillRef>
+            <a:effectRef idx="0">
+              <a:schemeClr val="accent1"/>
+            </a:effectRef>
+            <a:fontRef idx="minor">
+              <a:schemeClr val="lt1"/>
+            </a:fontRef>
+          </p:style>
+          <p:txBody>
+            <a:bodyPr rtlCol="0" anchor="ctr"/>
+            <a:lstStyle/>
+            <a:p>
+              <a:pPr algn="ctr"/>
+              <a:endParaRPr lang="en-GB"/>
+            </a:p>
+          </p:txBody>
+        </p:sp>
+      </p:grpSp>
+      <p:grpSp>
+        <p:nvGrpSpPr>
+          <p:cNvPr id="46" name="Group 45">
+            <a:extLst>
+              <a:ext uri="{FF2B5EF4-FFF2-40B4-BE49-F238E27FC236}">
+                <a16:creationId xmlns:a16="http://schemas.microsoft.com/office/drawing/2014/main" id="{585B3E7A-BB45-4BC1-A7AE-B371C428803B}"/>
+              </a:ext>
+            </a:extLst>
+          </p:cNvPr>
+          <p:cNvGrpSpPr/>
+          <p:nvPr/>
+        </p:nvGrpSpPr>
+        <p:grpSpPr>
+          <a:xfrm>
+            <a:off x="7839365" y="1783020"/>
+            <a:ext cx="1794513" cy="2072449"/>
+            <a:chOff x="7839365" y="1783020"/>
+            <a:chExt cx="1794513" cy="2072449"/>
+          </a:xfrm>
+        </p:grpSpPr>
+        <p:sp>
+          <p:nvSpPr>
+            <p:cNvPr id="29" name="TextBox 28"/>
+            <p:cNvSpPr txBox="1"/>
+            <p:nvPr/>
+          </p:nvSpPr>
+          <p:spPr>
+            <a:xfrm>
+              <a:off x="7901031" y="1783020"/>
+              <a:ext cx="1732847" cy="461665"/>
+            </a:xfrm>
+            <a:prstGeom prst="rect">
+              <a:avLst/>
+            </a:prstGeom>
+            <a:noFill/>
+          </p:spPr>
+          <p:txBody>
+            <a:bodyPr wrap="none" rtlCol="0">
+              <a:spAutoFit/>
+            </a:bodyPr>
+            <a:lstStyle/>
+            <a:p>
+              <a:r>
+                <a:rPr lang="en-US" sz="1200" dirty="0"/>
+                <a:t>Set 3 </a:t>
+              </a:r>
+            </a:p>
+            <a:p>
+              <a:r>
+                <a:rPr lang="en-US" sz="1200" dirty="0"/>
+                <a:t>People who are still alive</a:t>
+              </a:r>
+              <a:endParaRPr lang="en-GB" sz="1200" dirty="0"/>
+            </a:p>
+          </p:txBody>
+        </p:sp>
+        <p:sp>
+          <p:nvSpPr>
+            <p:cNvPr id="24" name="Oval 23">
+              <a:extLst>
+                <a:ext uri="{FF2B5EF4-FFF2-40B4-BE49-F238E27FC236}">
+                  <a16:creationId xmlns:a16="http://schemas.microsoft.com/office/drawing/2014/main" id="{68FBC3BC-38DE-4FDE-8F17-146553525AC0}"/>
+                </a:ext>
+              </a:extLst>
+            </p:cNvPr>
+            <p:cNvSpPr/>
+            <p:nvPr/>
+          </p:nvSpPr>
+          <p:spPr>
+            <a:xfrm>
+              <a:off x="7839365" y="2337019"/>
+              <a:ext cx="1518450" cy="1518450"/>
+            </a:xfrm>
+            <a:prstGeom prst="ellipse">
+              <a:avLst/>
+            </a:prstGeom>
+            <a:solidFill>
+              <a:schemeClr val="accent6">
+                <a:lumMod val="60000"/>
+                <a:lumOff val="40000"/>
+              </a:schemeClr>
+            </a:solidFill>
+          </p:spPr>
+          <p:style>
+            <a:lnRef idx="2">
+              <a:schemeClr val="accent1">
+                <a:shade val="50000"/>
+              </a:schemeClr>
+            </a:lnRef>
+            <a:fillRef idx="1">
+              <a:schemeClr val="accent1"/>
+            </a:fillRef>
+            <a:effectRef idx="0">
+              <a:schemeClr val="accent1"/>
+            </a:effectRef>
+            <a:fontRef idx="minor">
+              <a:schemeClr val="lt1"/>
+            </a:fontRef>
+          </p:style>
+          <p:txBody>
+            <a:bodyPr rtlCol="0" anchor="ctr"/>
+            <a:lstStyle/>
+            <a:p>
+              <a:pPr algn="ctr"/>
+              <a:endParaRPr lang="en-GB"/>
+            </a:p>
+          </p:txBody>
+        </p:sp>
+      </p:grpSp>
+      <p:grpSp>
+        <p:nvGrpSpPr>
+          <p:cNvPr id="38" name="Group 37">
+            <a:extLst>
+              <a:ext uri="{FF2B5EF4-FFF2-40B4-BE49-F238E27FC236}">
+                <a16:creationId xmlns:a16="http://schemas.microsoft.com/office/drawing/2014/main" id="{9F558821-AEA2-4CCF-A681-60F9E872982A}"/>
+              </a:ext>
+            </a:extLst>
+          </p:cNvPr>
+          <p:cNvGrpSpPr/>
+          <p:nvPr/>
+        </p:nvGrpSpPr>
+        <p:grpSpPr>
+          <a:xfrm>
+            <a:off x="866184" y="4249759"/>
+            <a:ext cx="3468233" cy="2418938"/>
+            <a:chOff x="866184" y="4249759"/>
+            <a:chExt cx="3468233" cy="2418938"/>
           </a:xfrm>
         </p:grpSpPr>
         <p:sp>
@@ -6787,7 +7712,7 @@
           </p:nvSpPr>
           <p:spPr>
             <a:xfrm>
-              <a:off x="2192224" y="4543131"/>
+              <a:off x="1778241" y="4412326"/>
               <a:ext cx="606393" cy="1207079"/>
             </a:xfrm>
             <a:custGeom>
@@ -6884,7 +7809,12 @@
                 </a:path>
               </a:pathLst>
             </a:custGeom>
-            <a:noFill/>
+            <a:solidFill>
+              <a:schemeClr val="accent4">
+                <a:lumMod val="40000"/>
+                <a:lumOff val="60000"/>
+              </a:schemeClr>
+            </a:solidFill>
           </p:spPr>
           <p:style>
             <a:lnRef idx="2">
@@ -6925,7 +7855,7 @@
           </p:nvSpPr>
           <p:spPr>
             <a:xfrm>
-              <a:off x="2487081" y="4380564"/>
+              <a:off x="2073098" y="4249759"/>
               <a:ext cx="1223593" cy="1518450"/>
             </a:xfrm>
             <a:custGeom>
@@ -7042,7 +7972,12 @@
                 </a:path>
               </a:pathLst>
             </a:custGeom>
-            <a:noFill/>
+            <a:solidFill>
+              <a:schemeClr val="accent4">
+                <a:lumMod val="40000"/>
+                <a:lumOff val="60000"/>
+              </a:schemeClr>
+            </a:solidFill>
           </p:spPr>
           <p:style>
             <a:lnRef idx="2">
@@ -7083,7 +8018,7 @@
           </p:nvSpPr>
           <p:spPr>
             <a:xfrm>
-              <a:off x="1280167" y="4394325"/>
+              <a:off x="866184" y="4263520"/>
               <a:ext cx="1223593" cy="1518450"/>
             </a:xfrm>
             <a:custGeom>
@@ -7203,223 +8138,11 @@
             <a:solidFill>
               <a:srgbClr val="C00000"/>
             </a:solidFill>
-          </p:spPr>
-          <p:style>
-            <a:lnRef idx="2">
-              <a:schemeClr val="accent1">
-                <a:shade val="50000"/>
-              </a:schemeClr>
-            </a:lnRef>
-            <a:fillRef idx="1">
-              <a:schemeClr val="accent1"/>
-            </a:fillRef>
-            <a:effectRef idx="0">
-              <a:schemeClr val="accent1"/>
-            </a:effectRef>
-            <a:fontRef idx="minor">
-              <a:schemeClr val="lt1"/>
-            </a:fontRef>
-          </p:style>
-          <p:txBody>
-            <a:bodyPr rtlCol="0" anchor="ctr"/>
-            <a:lstStyle/>
-            <a:p>
-              <a:pPr algn="ctr"/>
-              <a:endParaRPr lang="en-GB"/>
-            </a:p>
-          </p:txBody>
-        </p:sp>
-      </p:grpSp>
-      <p:sp>
-        <p:nvSpPr>
-          <p:cNvPr id="34" name="TextBox 33">
-            <a:extLst>
-              <a:ext uri="{FF2B5EF4-FFF2-40B4-BE49-F238E27FC236}">
-                <a16:creationId xmlns:a16="http://schemas.microsoft.com/office/drawing/2014/main" id="{3A184BC3-3203-4074-8321-20C9E84E13D5}"/>
-              </a:ext>
-            </a:extLst>
-          </p:cNvPr>
-          <p:cNvSpPr txBox="1"/>
-          <p:nvPr/>
-        </p:nvSpPr>
-        <p:spPr>
-          <a:xfrm>
-            <a:off x="1280166" y="6003986"/>
-            <a:ext cx="2573740" cy="646331"/>
-          </a:xfrm>
-          <a:prstGeom prst="rect">
-            <a:avLst/>
-          </a:prstGeom>
-          <a:noFill/>
-        </p:spPr>
-        <p:txBody>
-          <a:bodyPr wrap="square" rtlCol="0">
-            <a:spAutoFit/>
-          </a:bodyPr>
-          <a:lstStyle/>
-          <a:p>
-            <a:r>
-              <a:rPr lang="en-US" sz="1200" dirty="0"/>
-              <a:t>Set 1 EXCEPT Set 2</a:t>
-            </a:r>
-          </a:p>
-          <a:p>
-            <a:r>
-              <a:rPr lang="en-US" sz="1200" dirty="0"/>
-              <a:t>People who have ever had Diazepam prescriptions only after 2000</a:t>
-            </a:r>
-            <a:endParaRPr lang="en-GB" sz="1200" dirty="0"/>
-          </a:p>
-        </p:txBody>
-      </p:sp>
-      <p:grpSp>
-        <p:nvGrpSpPr>
-          <p:cNvPr id="7" name="Group 6">
-            <a:extLst>
-              <a:ext uri="{FF2B5EF4-FFF2-40B4-BE49-F238E27FC236}">
-                <a16:creationId xmlns:a16="http://schemas.microsoft.com/office/drawing/2014/main" id="{E7A73235-AAD6-4928-9535-73154EBC1562}"/>
-              </a:ext>
-            </a:extLst>
-          </p:cNvPr>
-          <p:cNvGrpSpPr/>
-          <p:nvPr/>
-        </p:nvGrpSpPr>
-        <p:grpSpPr>
-          <a:xfrm>
-            <a:off x="5408858" y="3960441"/>
-            <a:ext cx="2430507" cy="2245763"/>
-            <a:chOff x="5408858" y="3960441"/>
-            <a:chExt cx="2430507" cy="2245763"/>
-          </a:xfrm>
-        </p:grpSpPr>
-        <p:sp>
-          <p:nvSpPr>
-            <p:cNvPr id="49" name="Freeform: Shape 48">
-              <a:extLst>
-                <a:ext uri="{FF2B5EF4-FFF2-40B4-BE49-F238E27FC236}">
-                  <a16:creationId xmlns:a16="http://schemas.microsoft.com/office/drawing/2014/main" id="{7A7DAD62-E0F7-4BE5-8D59-361D35ED076F}"/>
-                </a:ext>
-              </a:extLst>
-            </p:cNvPr>
-            <p:cNvSpPr/>
-            <p:nvPr/>
-          </p:nvSpPr>
-          <p:spPr>
-            <a:xfrm>
-              <a:off x="6322554" y="4687754"/>
-              <a:ext cx="603863" cy="642460"/>
-            </a:xfrm>
-            <a:custGeom>
-              <a:avLst/>
-              <a:gdLst>
-                <a:gd name="connsiteX0" fmla="*/ 301559 w 603863"/>
-                <a:gd name="connsiteY0" fmla="*/ 0 h 642460"/>
-                <a:gd name="connsiteX1" fmla="*/ 597083 w 603863"/>
-                <a:gd name="connsiteY1" fmla="*/ 59664 h 642460"/>
-                <a:gd name="connsiteX2" fmla="*/ 603863 w 603863"/>
-                <a:gd name="connsiteY2" fmla="*/ 63344 h 642460"/>
-                <a:gd name="connsiteX3" fmla="*/ 600835 w 603863"/>
-                <a:gd name="connsiteY3" fmla="*/ 123299 h 642460"/>
-                <a:gd name="connsiteX4" fmla="*/ 356016 w 603863"/>
-                <a:gd name="connsiteY4" fmla="*/ 607665 h 642460"/>
-                <a:gd name="connsiteX5" fmla="*/ 310052 w 603863"/>
-                <a:gd name="connsiteY5" fmla="*/ 642460 h 642460"/>
-                <a:gd name="connsiteX6" fmla="*/ 220734 w 603863"/>
-                <a:gd name="connsiteY6" fmla="*/ 568765 h 642460"/>
-                <a:gd name="connsiteX7" fmla="*/ 2282 w 603863"/>
-                <a:gd name="connsiteY7" fmla="*/ 109538 h 642460"/>
-                <a:gd name="connsiteX8" fmla="*/ 0 w 603863"/>
-                <a:gd name="connsiteY8" fmla="*/ 64344 h 642460"/>
-                <a:gd name="connsiteX9" fmla="*/ 23171 w 603863"/>
-                <a:gd name="connsiteY9" fmla="*/ 52662 h 642460"/>
-                <a:gd name="connsiteX10" fmla="*/ 301559 w 603863"/>
-                <a:gd name="connsiteY10" fmla="*/ 0 h 642460"/>
-              </a:gdLst>
-              <a:ahLst/>
-              <a:cxnLst>
-                <a:cxn ang="0">
-                  <a:pos x="connsiteX0" y="connsiteY0"/>
-                </a:cxn>
-                <a:cxn ang="0">
-                  <a:pos x="connsiteX1" y="connsiteY1"/>
-                </a:cxn>
-                <a:cxn ang="0">
-                  <a:pos x="connsiteX2" y="connsiteY2"/>
-                </a:cxn>
-                <a:cxn ang="0">
-                  <a:pos x="connsiteX3" y="connsiteY3"/>
-                </a:cxn>
-                <a:cxn ang="0">
-                  <a:pos x="connsiteX4" y="connsiteY4"/>
-                </a:cxn>
-                <a:cxn ang="0">
-                  <a:pos x="connsiteX5" y="connsiteY5"/>
-                </a:cxn>
-                <a:cxn ang="0">
-                  <a:pos x="connsiteX6" y="connsiteY6"/>
-                </a:cxn>
-                <a:cxn ang="0">
-                  <a:pos x="connsiteX7" y="connsiteY7"/>
-                </a:cxn>
-                <a:cxn ang="0">
-                  <a:pos x="connsiteX8" y="connsiteY8"/>
-                </a:cxn>
-                <a:cxn ang="0">
-                  <a:pos x="connsiteX9" y="connsiteY9"/>
-                </a:cxn>
-                <a:cxn ang="0">
-                  <a:pos x="connsiteX10" y="connsiteY10"/>
-                </a:cxn>
-              </a:cxnLst>
-              <a:rect l="l" t="t" r="r" b="b"/>
-              <a:pathLst>
-                <a:path w="603863" h="642460">
-                  <a:moveTo>
-                    <a:pt x="301559" y="0"/>
-                  </a:moveTo>
-                  <a:cubicBezTo>
-                    <a:pt x="406386" y="0"/>
-                    <a:pt x="506251" y="21245"/>
-                    <a:pt x="597083" y="59664"/>
-                  </a:cubicBezTo>
-                  <a:lnTo>
-                    <a:pt x="603863" y="63344"/>
-                  </a:lnTo>
-                  <a:lnTo>
-                    <a:pt x="600835" y="123299"/>
-                  </a:lnTo>
-                  <a:cubicBezTo>
-                    <a:pt x="581396" y="314721"/>
-                    <a:pt x="490845" y="485121"/>
-                    <a:pt x="356016" y="607665"/>
-                  </a:cubicBezTo>
-                  <a:lnTo>
-                    <a:pt x="310052" y="642460"/>
-                  </a:lnTo>
-                  <a:lnTo>
-                    <a:pt x="220734" y="568765"/>
-                  </a:lnTo>
-                  <a:cubicBezTo>
-                    <a:pt x="100516" y="448547"/>
-                    <a:pt x="20426" y="288199"/>
-                    <a:pt x="2282" y="109538"/>
-                  </a:cubicBezTo>
-                  <a:lnTo>
-                    <a:pt x="0" y="64344"/>
-                  </a:lnTo>
-                  <a:lnTo>
-                    <a:pt x="23171" y="52662"/>
-                  </a:lnTo>
-                  <a:cubicBezTo>
-                    <a:pt x="109370" y="18672"/>
-                    <a:pt x="203284" y="0"/>
-                    <a:pt x="301559" y="0"/>
-                  </a:cubicBezTo>
-                  <a:close/>
-                </a:path>
-              </a:pathLst>
-            </a:custGeom>
-            <a:noFill/>
+            <a:ln w="57150">
+              <a:solidFill>
+                <a:srgbClr val="00B050"/>
+              </a:solidFill>
+            </a:ln>
           </p:spPr>
           <p:style>
             <a:lnRef idx="2">
@@ -7448,10 +8171,160 @@
         </p:sp>
         <p:sp>
           <p:nvSpPr>
-            <p:cNvPr id="48" name="Freeform: Shape 47">
+            <p:cNvPr id="34" name="TextBox 33">
               <a:extLst>
                 <a:ext uri="{FF2B5EF4-FFF2-40B4-BE49-F238E27FC236}">
-                  <a16:creationId xmlns:a16="http://schemas.microsoft.com/office/drawing/2014/main" id="{B79C6C3E-8603-4C7A-B536-4FBEE49CA21D}"/>
+                  <a16:creationId xmlns:a16="http://schemas.microsoft.com/office/drawing/2014/main" id="{3A184BC3-3203-4074-8321-20C9E84E13D5}"/>
+                </a:ext>
+              </a:extLst>
+            </p:cNvPr>
+            <p:cNvSpPr txBox="1"/>
+            <p:nvPr/>
+          </p:nvSpPr>
+          <p:spPr>
+            <a:xfrm>
+              <a:off x="1760677" y="6022366"/>
+              <a:ext cx="2573740" cy="646331"/>
+            </a:xfrm>
+            <a:prstGeom prst="rect">
+              <a:avLst/>
+            </a:prstGeom>
+            <a:noFill/>
+          </p:spPr>
+          <p:txBody>
+            <a:bodyPr wrap="square" rtlCol="0">
+              <a:spAutoFit/>
+            </a:bodyPr>
+            <a:lstStyle/>
+            <a:p>
+              <a:r>
+                <a:rPr lang="en-US" sz="1200" dirty="0"/>
+                <a:t>Set 1 EXCEPT Set 2</a:t>
+              </a:r>
+            </a:p>
+            <a:p>
+              <a:r>
+                <a:rPr lang="en-US" sz="1200" dirty="0"/>
+                <a:t>People who have ever had Diazepam prescriptions only after 2000</a:t>
+              </a:r>
+              <a:endParaRPr lang="en-GB" sz="1200" dirty="0"/>
+            </a:p>
+          </p:txBody>
+        </p:sp>
+        <p:cxnSp>
+          <p:nvCxnSpPr>
+            <p:cNvPr id="35" name="Connector: Elbow 34">
+              <a:extLst>
+                <a:ext uri="{FF2B5EF4-FFF2-40B4-BE49-F238E27FC236}">
+                  <a16:creationId xmlns:a16="http://schemas.microsoft.com/office/drawing/2014/main" id="{1AC1554B-9FEC-47F8-A7B1-4C3C2509A90D}"/>
+                </a:ext>
+              </a:extLst>
+            </p:cNvPr>
+            <p:cNvCxnSpPr>
+              <a:cxnSpLocks/>
+              <a:stCxn id="34" idx="1"/>
+            </p:cNvCxnSpPr>
+            <p:nvPr/>
+          </p:nvCxnSpPr>
+          <p:spPr>
+            <a:xfrm rot="10800000">
+              <a:off x="1438227" y="5863188"/>
+              <a:ext cx="322450" cy="482344"/>
+            </a:xfrm>
+            <a:prstGeom prst="bentConnector2">
+              <a:avLst/>
+            </a:prstGeom>
+            <a:ln w="28575">
+              <a:solidFill>
+                <a:srgbClr val="C00000"/>
+              </a:solidFill>
+              <a:tailEnd type="triangle"/>
+            </a:ln>
+          </p:spPr>
+          <p:style>
+            <a:lnRef idx="1">
+              <a:schemeClr val="accent1"/>
+            </a:lnRef>
+            <a:fillRef idx="0">
+              <a:schemeClr val="accent1"/>
+            </a:fillRef>
+            <a:effectRef idx="0">
+              <a:schemeClr val="accent1"/>
+            </a:effectRef>
+            <a:fontRef idx="minor">
+              <a:schemeClr val="tx1"/>
+            </a:fontRef>
+          </p:style>
+        </p:cxnSp>
+      </p:grpSp>
+      <p:grpSp>
+        <p:nvGrpSpPr>
+          <p:cNvPr id="63" name="Group 62">
+            <a:extLst>
+              <a:ext uri="{FF2B5EF4-FFF2-40B4-BE49-F238E27FC236}">
+                <a16:creationId xmlns:a16="http://schemas.microsoft.com/office/drawing/2014/main" id="{0187A3D9-8B32-4E95-BBAE-983FBCD23576}"/>
+              </a:ext>
+            </a:extLst>
+          </p:cNvPr>
+          <p:cNvGrpSpPr/>
+          <p:nvPr/>
+        </p:nvGrpSpPr>
+        <p:grpSpPr>
+          <a:xfrm>
+            <a:off x="5248133" y="3855438"/>
+            <a:ext cx="3366652" cy="2962863"/>
+            <a:chOff x="5248133" y="3855438"/>
+            <a:chExt cx="3366652" cy="2962863"/>
+          </a:xfrm>
+        </p:grpSpPr>
+        <p:sp>
+          <p:nvSpPr>
+            <p:cNvPr id="42" name="TextBox 41">
+              <a:extLst>
+                <a:ext uri="{FF2B5EF4-FFF2-40B4-BE49-F238E27FC236}">
+                  <a16:creationId xmlns:a16="http://schemas.microsoft.com/office/drawing/2014/main" id="{078711FF-FF64-47FD-8B4E-A8CAFC3E3090}"/>
+                </a:ext>
+              </a:extLst>
+            </p:cNvPr>
+            <p:cNvSpPr txBox="1"/>
+            <p:nvPr/>
+          </p:nvSpPr>
+          <p:spPr>
+            <a:xfrm>
+              <a:off x="5248133" y="6171970"/>
+              <a:ext cx="3366652" cy="646331"/>
+            </a:xfrm>
+            <a:prstGeom prst="rect">
+              <a:avLst/>
+            </a:prstGeom>
+            <a:noFill/>
+          </p:spPr>
+          <p:txBody>
+            <a:bodyPr wrap="square" rtlCol="0">
+              <a:spAutoFit/>
+            </a:bodyPr>
+            <a:lstStyle/>
+            <a:p>
+              <a:r>
+                <a:rPr lang="en-US" sz="1200" dirty="0"/>
+                <a:t>(Set 1 EXCEPT Set 2) INTERSECT Set 3</a:t>
+              </a:r>
+            </a:p>
+            <a:p>
+              <a:r>
+                <a:rPr lang="en-US" sz="1200" dirty="0"/>
+                <a:t>People who have ever had Diazepam prescriptions only after 2000 and are still alive</a:t>
+              </a:r>
+              <a:endParaRPr lang="en-GB" sz="1200" dirty="0"/>
+            </a:p>
+          </p:txBody>
+        </p:sp>
+        <p:sp>
+          <p:nvSpPr>
+            <p:cNvPr id="62" name="Freeform: Shape 61">
+              <a:extLst>
+                <a:ext uri="{FF2B5EF4-FFF2-40B4-BE49-F238E27FC236}">
+                  <a16:creationId xmlns:a16="http://schemas.microsoft.com/office/drawing/2014/main" id="{3104AA4C-2D54-42D9-AF7F-36E607478A5F}"/>
                 </a:ext>
               </a:extLst>
             </p:cNvPr>
@@ -7460,40 +8333,34 @@
           </p:nvSpPr>
           <p:spPr>
             <a:xfrm>
-              <a:off x="6320915" y="3960441"/>
-              <a:ext cx="1518450" cy="1518450"/>
+              <a:off x="6716400" y="4002843"/>
+              <a:ext cx="630145" cy="648454"/>
             </a:xfrm>
             <a:custGeom>
               <a:avLst/>
               <a:gdLst>
-                <a:gd name="connsiteX0" fmla="*/ 759225 w 1518450"/>
-                <a:gd name="connsiteY0" fmla="*/ 0 h 1518450"/>
-                <a:gd name="connsiteX1" fmla="*/ 1518450 w 1518450"/>
-                <a:gd name="connsiteY1" fmla="*/ 759225 h 1518450"/>
-                <a:gd name="connsiteX2" fmla="*/ 759225 w 1518450"/>
-                <a:gd name="connsiteY2" fmla="*/ 1518450 h 1518450"/>
-                <a:gd name="connsiteX3" fmla="*/ 334735 w 1518450"/>
-                <a:gd name="connsiteY3" fmla="*/ 1388786 h 1518450"/>
-                <a:gd name="connsiteX4" fmla="*/ 311690 w 1518450"/>
-                <a:gd name="connsiteY4" fmla="*/ 1369773 h 1518450"/>
-                <a:gd name="connsiteX5" fmla="*/ 357654 w 1518450"/>
-                <a:gd name="connsiteY5" fmla="*/ 1334978 h 1518450"/>
-                <a:gd name="connsiteX6" fmla="*/ 602473 w 1518450"/>
-                <a:gd name="connsiteY6" fmla="*/ 850612 h 1518450"/>
-                <a:gd name="connsiteX7" fmla="*/ 605501 w 1518450"/>
-                <a:gd name="connsiteY7" fmla="*/ 790657 h 1518450"/>
-                <a:gd name="connsiteX8" fmla="*/ 598721 w 1518450"/>
-                <a:gd name="connsiteY8" fmla="*/ 786977 h 1518450"/>
-                <a:gd name="connsiteX9" fmla="*/ 303197 w 1518450"/>
-                <a:gd name="connsiteY9" fmla="*/ 727313 h 1518450"/>
-                <a:gd name="connsiteX10" fmla="*/ 24809 w 1518450"/>
-                <a:gd name="connsiteY10" fmla="*/ 779975 h 1518450"/>
-                <a:gd name="connsiteX11" fmla="*/ 1638 w 1518450"/>
-                <a:gd name="connsiteY11" fmla="*/ 791657 h 1518450"/>
-                <a:gd name="connsiteX12" fmla="*/ 0 w 1518450"/>
-                <a:gd name="connsiteY12" fmla="*/ 759225 h 1518450"/>
-                <a:gd name="connsiteX13" fmla="*/ 759225 w 1518450"/>
-                <a:gd name="connsiteY13" fmla="*/ 0 h 1518450"/>
+                <a:gd name="connsiteX0" fmla="*/ 316913 w 630145"/>
+                <a:gd name="connsiteY0" fmla="*/ 0 h 648454"/>
+                <a:gd name="connsiteX1" fmla="*/ 407773 w 630145"/>
+                <a:gd name="connsiteY1" fmla="*/ 74966 h 648454"/>
+                <a:gd name="connsiteX2" fmla="*/ 630145 w 630145"/>
+                <a:gd name="connsiteY2" fmla="*/ 611819 h 648454"/>
+                <a:gd name="connsiteX3" fmla="*/ 628295 w 630145"/>
+                <a:gd name="connsiteY3" fmla="*/ 648454 h 648454"/>
+                <a:gd name="connsiteX4" fmla="*/ 573962 w 630145"/>
+                <a:gd name="connsiteY4" fmla="*/ 618963 h 648454"/>
+                <a:gd name="connsiteX5" fmla="*/ 278438 w 630145"/>
+                <a:gd name="connsiteY5" fmla="*/ 559299 h 648454"/>
+                <a:gd name="connsiteX6" fmla="*/ 125428 w 630145"/>
+                <a:gd name="connsiteY6" fmla="*/ 574724 h 648454"/>
+                <a:gd name="connsiteX7" fmla="*/ 0 w 630145"/>
+                <a:gd name="connsiteY7" fmla="*/ 613659 h 648454"/>
+                <a:gd name="connsiteX8" fmla="*/ 3857 w 630145"/>
+                <a:gd name="connsiteY8" fmla="*/ 537282 h 648454"/>
+                <a:gd name="connsiteX9" fmla="*/ 222309 w 630145"/>
+                <a:gd name="connsiteY9" fmla="*/ 78055 h 648454"/>
+                <a:gd name="connsiteX10" fmla="*/ 316913 w 630145"/>
+                <a:gd name="connsiteY10" fmla="*/ 0 h 648454"/>
               </a:gdLst>
               <a:ahLst/>
               <a:cxnLst>
@@ -7530,80 +8397,61 @@
                 <a:cxn ang="0">
                   <a:pos x="connsiteX10" y="connsiteY10"/>
                 </a:cxn>
-                <a:cxn ang="0">
-                  <a:pos x="connsiteX11" y="connsiteY11"/>
-                </a:cxn>
-                <a:cxn ang="0">
-                  <a:pos x="connsiteX12" y="connsiteY12"/>
-                </a:cxn>
-                <a:cxn ang="0">
-                  <a:pos x="connsiteX13" y="connsiteY13"/>
-                </a:cxn>
               </a:cxnLst>
               <a:rect l="l" t="t" r="r" b="b"/>
               <a:pathLst>
-                <a:path w="1518450" h="1518450">
+                <a:path w="630145" h="648454">
                   <a:moveTo>
-                    <a:pt x="759225" y="0"/>
+                    <a:pt x="316913" y="0"/>
                   </a:moveTo>
+                  <a:lnTo>
+                    <a:pt x="407773" y="74966"/>
+                  </a:lnTo>
                   <a:cubicBezTo>
-                    <a:pt x="1178533" y="0"/>
-                    <a:pt x="1518450" y="339917"/>
-                    <a:pt x="1518450" y="759225"/>
+                    <a:pt x="545166" y="212359"/>
+                    <a:pt x="630145" y="402165"/>
+                    <a:pt x="630145" y="611819"/>
+                  </a:cubicBezTo>
+                  <a:lnTo>
+                    <a:pt x="628295" y="648454"/>
+                  </a:lnTo>
+                  <a:lnTo>
+                    <a:pt x="573962" y="618963"/>
+                  </a:lnTo>
+                  <a:cubicBezTo>
+                    <a:pt x="483130" y="580544"/>
+                    <a:pt x="383265" y="559299"/>
+                    <a:pt x="278438" y="559299"/>
                   </a:cubicBezTo>
                   <a:cubicBezTo>
-                    <a:pt x="1518450" y="1178533"/>
-                    <a:pt x="1178533" y="1518450"/>
-                    <a:pt x="759225" y="1518450"/>
-                  </a:cubicBezTo>
-                  <a:cubicBezTo>
-                    <a:pt x="601985" y="1518450"/>
-                    <a:pt x="455909" y="1470649"/>
-                    <a:pt x="334735" y="1388786"/>
+                    <a:pt x="226025" y="559299"/>
+                    <a:pt x="174852" y="564610"/>
+                    <a:pt x="125428" y="574724"/>
                   </a:cubicBezTo>
                   <a:lnTo>
-                    <a:pt x="311690" y="1369773"/>
+                    <a:pt x="0" y="613659"/>
                   </a:lnTo>
                   <a:lnTo>
-                    <a:pt x="357654" y="1334978"/>
+                    <a:pt x="3857" y="537282"/>
                   </a:lnTo>
                   <a:cubicBezTo>
-                    <a:pt x="492483" y="1212434"/>
-                    <a:pt x="583034" y="1042034"/>
-                    <a:pt x="602473" y="850612"/>
+                    <a:pt x="22001" y="358622"/>
+                    <a:pt x="102091" y="198274"/>
+                    <a:pt x="222309" y="78055"/>
                   </a:cubicBezTo>
                   <a:lnTo>
-                    <a:pt x="605501" y="790657"/>
+                    <a:pt x="316913" y="0"/>
                   </a:lnTo>
-                  <a:lnTo>
-                    <a:pt x="598721" y="786977"/>
-                  </a:lnTo>
-                  <a:cubicBezTo>
-                    <a:pt x="507889" y="748558"/>
-                    <a:pt x="408024" y="727313"/>
-                    <a:pt x="303197" y="727313"/>
-                  </a:cubicBezTo>
-                  <a:cubicBezTo>
-                    <a:pt x="204922" y="727313"/>
-                    <a:pt x="111008" y="745985"/>
-                    <a:pt x="24809" y="779975"/>
-                  </a:cubicBezTo>
-                  <a:lnTo>
-                    <a:pt x="1638" y="791657"/>
-                  </a:lnTo>
-                  <a:lnTo>
-                    <a:pt x="0" y="759225"/>
-                  </a:lnTo>
-                  <a:cubicBezTo>
-                    <a:pt x="0" y="339917"/>
-                    <a:pt x="339917" y="0"/>
-                    <a:pt x="759225" y="0"/>
-                  </a:cubicBezTo>
                   <a:close/>
                 </a:path>
               </a:pathLst>
             </a:custGeom>
-            <a:noFill/>
+            <a:solidFill>
+              <a:schemeClr val="accent4">
+                <a:lumMod val="40000"/>
+                <a:lumOff val="60000"/>
+              </a:schemeClr>
+            </a:solidFill>
           </p:spPr>
           <p:style>
             <a:lnRef idx="2">
@@ -7622,7 +8470,9 @@
             </a:fontRef>
           </p:style>
           <p:txBody>
-            <a:bodyPr rtlCol="0" anchor="ctr"/>
+            <a:bodyPr wrap="square" rtlCol="0" anchor="ctr">
+              <a:noAutofit/>
+            </a:bodyPr>
             <a:lstStyle/>
             <a:p>
               <a:pPr algn="ctr"/>
@@ -7632,10 +8482,10 @@
         </p:sp>
         <p:sp>
           <p:nvSpPr>
-            <p:cNvPr id="47" name="Freeform: Shape 46">
+            <p:cNvPr id="60" name="Freeform: Shape 59">
               <a:extLst>
                 <a:ext uri="{FF2B5EF4-FFF2-40B4-BE49-F238E27FC236}">
-                  <a16:creationId xmlns:a16="http://schemas.microsoft.com/office/drawing/2014/main" id="{D24F7171-D946-4825-8013-44EA5A509452}"/>
+                  <a16:creationId xmlns:a16="http://schemas.microsoft.com/office/drawing/2014/main" id="{6D4FD780-9163-4C6C-8F55-749DA1F0DC54}"/>
                 </a:ext>
               </a:extLst>
             </p:cNvPr>
@@ -7644,34 +8494,34 @@
           </p:nvSpPr>
           <p:spPr>
             <a:xfrm>
-              <a:off x="5865781" y="4752098"/>
-              <a:ext cx="766825" cy="740554"/>
+              <a:off x="7029568" y="4651298"/>
+              <a:ext cx="724494" cy="725679"/>
             </a:xfrm>
             <a:custGeom>
               <a:avLst/>
               <a:gdLst>
-                <a:gd name="connsiteX0" fmla="*/ 456773 w 766825"/>
-                <a:gd name="connsiteY0" fmla="*/ 0 h 740554"/>
-                <a:gd name="connsiteX1" fmla="*/ 459055 w 766825"/>
-                <a:gd name="connsiteY1" fmla="*/ 45194 h 740554"/>
-                <a:gd name="connsiteX2" fmla="*/ 677507 w 766825"/>
-                <a:gd name="connsiteY2" fmla="*/ 504421 h 740554"/>
-                <a:gd name="connsiteX3" fmla="*/ 766825 w 766825"/>
-                <a:gd name="connsiteY3" fmla="*/ 578116 h 740554"/>
-                <a:gd name="connsiteX4" fmla="*/ 703784 w 766825"/>
-                <a:gd name="connsiteY4" fmla="*/ 625837 h 740554"/>
-                <a:gd name="connsiteX5" fmla="*/ 302303 w 766825"/>
-                <a:gd name="connsiteY5" fmla="*/ 740554 h 740554"/>
-                <a:gd name="connsiteX6" fmla="*/ 6779 w 766825"/>
-                <a:gd name="connsiteY6" fmla="*/ 680890 h 740554"/>
-                <a:gd name="connsiteX7" fmla="*/ 0 w 766825"/>
-                <a:gd name="connsiteY7" fmla="*/ 677210 h 740554"/>
-                <a:gd name="connsiteX8" fmla="*/ 3027 w 766825"/>
-                <a:gd name="connsiteY8" fmla="*/ 617255 h 740554"/>
-                <a:gd name="connsiteX9" fmla="*/ 356851 w 766825"/>
-                <a:gd name="connsiteY9" fmla="*/ 50373 h 740554"/>
-                <a:gd name="connsiteX10" fmla="*/ 456773 w 766825"/>
-                <a:gd name="connsiteY10" fmla="*/ 0 h 740554"/>
+                <a:gd name="connsiteX0" fmla="*/ 315126 w 724494"/>
+                <a:gd name="connsiteY0" fmla="*/ 0 h 725679"/>
+                <a:gd name="connsiteX1" fmla="*/ 389759 w 724494"/>
+                <a:gd name="connsiteY1" fmla="*/ 40509 h 725679"/>
+                <a:gd name="connsiteX2" fmla="*/ 724494 w 724494"/>
+                <a:gd name="connsiteY2" fmla="*/ 670070 h 725679"/>
+                <a:gd name="connsiteX3" fmla="*/ 724431 w 724494"/>
+                <a:gd name="connsiteY3" fmla="*/ 671319 h 725679"/>
+                <a:gd name="connsiteX4" fmla="*/ 599003 w 724494"/>
+                <a:gd name="connsiteY4" fmla="*/ 710254 h 725679"/>
+                <a:gd name="connsiteX5" fmla="*/ 445993 w 724494"/>
+                <a:gd name="connsiteY5" fmla="*/ 725679 h 725679"/>
+                <a:gd name="connsiteX6" fmla="*/ 21503 w 724494"/>
+                <a:gd name="connsiteY6" fmla="*/ 596015 h 725679"/>
+                <a:gd name="connsiteX7" fmla="*/ 0 w 724494"/>
+                <a:gd name="connsiteY7" fmla="*/ 578274 h 725679"/>
+                <a:gd name="connsiteX8" fmla="*/ 94604 w 724494"/>
+                <a:gd name="connsiteY8" fmla="*/ 500218 h 725679"/>
+                <a:gd name="connsiteX9" fmla="*/ 313056 w 724494"/>
+                <a:gd name="connsiteY9" fmla="*/ 40991 h 725679"/>
+                <a:gd name="connsiteX10" fmla="*/ 315126 w 724494"/>
+                <a:gd name="connsiteY10" fmla="*/ 0 h 725679"/>
               </a:gdLst>
               <a:ahLst/>
               <a:cxnLst>
@@ -7711,47 +8561,47 @@
               </a:cxnLst>
               <a:rect l="l" t="t" r="r" b="b"/>
               <a:pathLst>
-                <a:path w="766825" h="740554">
+                <a:path w="724494" h="725679">
                   <a:moveTo>
-                    <a:pt x="456773" y="0"/>
+                    <a:pt x="315126" y="0"/>
                   </a:moveTo>
                   <a:lnTo>
-                    <a:pt x="459055" y="45194"/>
+                    <a:pt x="389759" y="40509"/>
                   </a:lnTo>
                   <a:cubicBezTo>
-                    <a:pt x="477199" y="223855"/>
-                    <a:pt x="557289" y="384203"/>
-                    <a:pt x="677507" y="504421"/>
+                    <a:pt x="591714" y="176947"/>
+                    <a:pt x="724494" y="408003"/>
+                    <a:pt x="724494" y="670070"/>
                   </a:cubicBezTo>
                   <a:lnTo>
-                    <a:pt x="766825" y="578116"/>
+                    <a:pt x="724431" y="671319"/>
                   </a:lnTo>
                   <a:lnTo>
-                    <a:pt x="703784" y="625837"/>
+                    <a:pt x="599003" y="710254"/>
                   </a:lnTo>
                   <a:cubicBezTo>
-                    <a:pt x="587317" y="698542"/>
-                    <a:pt x="449716" y="740554"/>
-                    <a:pt x="302303" y="740554"/>
+                    <a:pt x="549580" y="720368"/>
+                    <a:pt x="498407" y="725679"/>
+                    <a:pt x="445993" y="725679"/>
                   </a:cubicBezTo>
                   <a:cubicBezTo>
-                    <a:pt x="197476" y="740554"/>
-                    <a:pt x="97611" y="719309"/>
-                    <a:pt x="6779" y="680890"/>
+                    <a:pt x="288753" y="725679"/>
+                    <a:pt x="142677" y="677878"/>
+                    <a:pt x="21503" y="596015"/>
                   </a:cubicBezTo>
                   <a:lnTo>
-                    <a:pt x="0" y="677210"/>
+                    <a:pt x="0" y="578274"/>
                   </a:lnTo>
                   <a:lnTo>
-                    <a:pt x="3027" y="617255"/>
+                    <a:pt x="94604" y="500218"/>
                   </a:lnTo>
                   <a:cubicBezTo>
-                    <a:pt x="27327" y="377978"/>
-                    <a:pt x="162738" y="171548"/>
-                    <a:pt x="356851" y="50373"/>
+                    <a:pt x="214823" y="380000"/>
+                    <a:pt x="294912" y="219652"/>
+                    <a:pt x="313056" y="40991"/>
                   </a:cubicBezTo>
                   <a:lnTo>
-                    <a:pt x="456773" y="0"/>
+                    <a:pt x="315126" y="0"/>
                   </a:lnTo>
                   <a:close/>
                 </a:path>
@@ -7781,7 +8631,9 @@
             </a:fontRef>
           </p:style>
           <p:txBody>
-            <a:bodyPr rtlCol="0" anchor="ctr"/>
+            <a:bodyPr wrap="square" rtlCol="0" anchor="ctr">
+              <a:noAutofit/>
+            </a:bodyPr>
             <a:lstStyle/>
             <a:p>
               <a:pPr algn="ctr"/>
@@ -7791,10 +8643,10 @@
         </p:sp>
         <p:sp>
           <p:nvSpPr>
-            <p:cNvPr id="45" name="Freeform: Shape 44">
+            <p:cNvPr id="59" name="Freeform: Shape 58">
               <a:extLst>
                 <a:ext uri="{FF2B5EF4-FFF2-40B4-BE49-F238E27FC236}">
-                  <a16:creationId xmlns:a16="http://schemas.microsoft.com/office/drawing/2014/main" id="{2E76B576-FF02-4D71-A6A8-2DF0193E2277}"/>
+                  <a16:creationId xmlns:a16="http://schemas.microsoft.com/office/drawing/2014/main" id="{CD6513C6-B545-4B71-A98C-EB6F915758D1}"/>
                 </a:ext>
               </a:extLst>
             </p:cNvPr>
@@ -7803,32 +8655,36 @@
           </p:nvSpPr>
           <p:spPr>
             <a:xfrm>
-              <a:off x="5408858" y="3974202"/>
-              <a:ext cx="1518450" cy="1455106"/>
+              <a:off x="5828094" y="3855438"/>
+              <a:ext cx="1205218" cy="1429295"/>
             </a:xfrm>
             <a:custGeom>
               <a:avLst/>
               <a:gdLst>
-                <a:gd name="connsiteX0" fmla="*/ 759225 w 1518450"/>
-                <a:gd name="connsiteY0" fmla="*/ 0 h 1455106"/>
-                <a:gd name="connsiteX1" fmla="*/ 1518450 w 1518450"/>
-                <a:gd name="connsiteY1" fmla="*/ 759225 h 1455106"/>
-                <a:gd name="connsiteX2" fmla="*/ 1517558 w 1518450"/>
-                <a:gd name="connsiteY2" fmla="*/ 776896 h 1455106"/>
-                <a:gd name="connsiteX3" fmla="*/ 1510778 w 1518450"/>
-                <a:gd name="connsiteY3" fmla="*/ 773216 h 1455106"/>
-                <a:gd name="connsiteX4" fmla="*/ 1215254 w 1518450"/>
-                <a:gd name="connsiteY4" fmla="*/ 713552 h 1455106"/>
-                <a:gd name="connsiteX5" fmla="*/ 459949 w 1518450"/>
-                <a:gd name="connsiteY5" fmla="*/ 1395151 h 1455106"/>
-                <a:gd name="connsiteX6" fmla="*/ 456922 w 1518450"/>
-                <a:gd name="connsiteY6" fmla="*/ 1455106 h 1455106"/>
-                <a:gd name="connsiteX7" fmla="*/ 334735 w 1518450"/>
-                <a:gd name="connsiteY7" fmla="*/ 1388786 h 1455106"/>
-                <a:gd name="connsiteX8" fmla="*/ 0 w 1518450"/>
-                <a:gd name="connsiteY8" fmla="*/ 759225 h 1455106"/>
-                <a:gd name="connsiteX9" fmla="*/ 759225 w 1518450"/>
-                <a:gd name="connsiteY9" fmla="*/ 0 h 1455106"/>
+                <a:gd name="connsiteX0" fmla="*/ 759225 w 1205218"/>
+                <a:gd name="connsiteY0" fmla="*/ 0 h 1429295"/>
+                <a:gd name="connsiteX1" fmla="*/ 1183715 w 1205218"/>
+                <a:gd name="connsiteY1" fmla="*/ 129664 h 1429295"/>
+                <a:gd name="connsiteX2" fmla="*/ 1205218 w 1205218"/>
+                <a:gd name="connsiteY2" fmla="*/ 147406 h 1429295"/>
+                <a:gd name="connsiteX3" fmla="*/ 1110614 w 1205218"/>
+                <a:gd name="connsiteY3" fmla="*/ 225461 h 1429295"/>
+                <a:gd name="connsiteX4" fmla="*/ 892162 w 1205218"/>
+                <a:gd name="connsiteY4" fmla="*/ 684688 h 1429295"/>
+                <a:gd name="connsiteX5" fmla="*/ 888305 w 1205218"/>
+                <a:gd name="connsiteY5" fmla="*/ 761065 h 1429295"/>
+                <a:gd name="connsiteX6" fmla="*/ 871219 w 1205218"/>
+                <a:gd name="connsiteY6" fmla="*/ 766369 h 1429295"/>
+                <a:gd name="connsiteX7" fmla="*/ 411438 w 1205218"/>
+                <a:gd name="connsiteY7" fmla="*/ 1388304 h 1429295"/>
+                <a:gd name="connsiteX8" fmla="*/ 409368 w 1205218"/>
+                <a:gd name="connsiteY8" fmla="*/ 1429295 h 1429295"/>
+                <a:gd name="connsiteX9" fmla="*/ 334735 w 1205218"/>
+                <a:gd name="connsiteY9" fmla="*/ 1388786 h 1429295"/>
+                <a:gd name="connsiteX10" fmla="*/ 0 w 1205218"/>
+                <a:gd name="connsiteY10" fmla="*/ 759225 h 1429295"/>
+                <a:gd name="connsiteX11" fmla="*/ 759225 w 1205218"/>
+                <a:gd name="connsiteY11" fmla="*/ 0 h 1429295"/>
               </a:gdLst>
               <a:ahLst/>
               <a:cxnLst>
@@ -7862,36 +8718,48 @@
                 <a:cxn ang="0">
                   <a:pos x="connsiteX9" y="connsiteY9"/>
                 </a:cxn>
+                <a:cxn ang="0">
+                  <a:pos x="connsiteX10" y="connsiteY10"/>
+                </a:cxn>
+                <a:cxn ang="0">
+                  <a:pos x="connsiteX11" y="connsiteY11"/>
+                </a:cxn>
               </a:cxnLst>
               <a:rect l="l" t="t" r="r" b="b"/>
               <a:pathLst>
-                <a:path w="1518450" h="1455106">
+                <a:path w="1205218" h="1429295">
                   <a:moveTo>
                     <a:pt x="759225" y="0"/>
                   </a:moveTo>
                   <a:cubicBezTo>
-                    <a:pt x="1178533" y="0"/>
-                    <a:pt x="1518450" y="339917"/>
-                    <a:pt x="1518450" y="759225"/>
+                    <a:pt x="916466" y="0"/>
+                    <a:pt x="1062542" y="47801"/>
+                    <a:pt x="1183715" y="129664"/>
                   </a:cubicBezTo>
                   <a:lnTo>
-                    <a:pt x="1517558" y="776896"/>
+                    <a:pt x="1205218" y="147406"/>
                   </a:lnTo>
                   <a:lnTo>
-                    <a:pt x="1510778" y="773216"/>
+                    <a:pt x="1110614" y="225461"/>
                   </a:lnTo>
                   <a:cubicBezTo>
-                    <a:pt x="1419946" y="734797"/>
-                    <a:pt x="1320081" y="713552"/>
-                    <a:pt x="1215254" y="713552"/>
-                  </a:cubicBezTo>
-                  <a:cubicBezTo>
-                    <a:pt x="822153" y="713552"/>
-                    <a:pt x="498829" y="1012307"/>
-                    <a:pt x="459949" y="1395151"/>
+                    <a:pt x="990396" y="345680"/>
+                    <a:pt x="910306" y="506028"/>
+                    <a:pt x="892162" y="684688"/>
                   </a:cubicBezTo>
                   <a:lnTo>
-                    <a:pt x="456922" y="1455106"/>
+                    <a:pt x="888305" y="761065"/>
+                  </a:lnTo>
+                  <a:lnTo>
+                    <a:pt x="871219" y="766369"/>
+                  </a:lnTo>
+                  <a:cubicBezTo>
+                    <a:pt x="621430" y="872021"/>
+                    <a:pt x="439950" y="1107552"/>
+                    <a:pt x="411438" y="1388304"/>
+                  </a:cubicBezTo>
+                  <a:lnTo>
+                    <a:pt x="409368" y="1429295"/>
                   </a:lnTo>
                   <a:lnTo>
                     <a:pt x="334735" y="1388786"/>
@@ -7910,7 +8778,9 @@
                 </a:path>
               </a:pathLst>
             </a:custGeom>
-            <a:noFill/>
+            <a:solidFill>
+              <a:srgbClr val="C00000"/>
+            </a:solidFill>
           </p:spPr>
           <p:style>
             <a:lnRef idx="2">
@@ -7929,7 +8799,9 @@
             </a:fontRef>
           </p:style>
           <p:txBody>
-            <a:bodyPr rtlCol="0" anchor="ctr"/>
+            <a:bodyPr wrap="square" rtlCol="0" anchor="ctr">
+              <a:noAutofit/>
+            </a:bodyPr>
             <a:lstStyle/>
             <a:p>
               <a:pPr algn="ctr"/>
@@ -7939,10 +8811,10 @@
         </p:sp>
         <p:sp>
           <p:nvSpPr>
-            <p:cNvPr id="44" name="Freeform: Shape 43">
+            <p:cNvPr id="58" name="Freeform: Shape 57">
               <a:extLst>
                 <a:ext uri="{FF2B5EF4-FFF2-40B4-BE49-F238E27FC236}">
-                  <a16:creationId xmlns:a16="http://schemas.microsoft.com/office/drawing/2014/main" id="{1BC5227A-65A7-4100-A9B8-0E2AF848EFDB}"/>
+                  <a16:creationId xmlns:a16="http://schemas.microsoft.com/office/drawing/2014/main" id="{741F887A-5836-4CBF-B700-238D7ADBDE07}"/>
                 </a:ext>
               </a:extLst>
             </p:cNvPr>
@@ -7951,32 +8823,36 @@
           </p:nvSpPr>
           <p:spPr>
             <a:xfrm>
-              <a:off x="5864887" y="4751098"/>
-              <a:ext cx="1518450" cy="1455106"/>
+              <a:off x="7033312" y="3858526"/>
+              <a:ext cx="1201474" cy="1464090"/>
             </a:xfrm>
             <a:custGeom>
               <a:avLst/>
               <a:gdLst>
-                <a:gd name="connsiteX0" fmla="*/ 1061529 w 1518450"/>
-                <a:gd name="connsiteY0" fmla="*/ 0 h 1455106"/>
-                <a:gd name="connsiteX1" fmla="*/ 1183715 w 1518450"/>
-                <a:gd name="connsiteY1" fmla="*/ 66320 h 1455106"/>
-                <a:gd name="connsiteX2" fmla="*/ 1518450 w 1518450"/>
-                <a:gd name="connsiteY2" fmla="*/ 695881 h 1455106"/>
-                <a:gd name="connsiteX3" fmla="*/ 759225 w 1518450"/>
-                <a:gd name="connsiteY3" fmla="*/ 1455106 h 1455106"/>
-                <a:gd name="connsiteX4" fmla="*/ 0 w 1518450"/>
-                <a:gd name="connsiteY4" fmla="*/ 695881 h 1455106"/>
-                <a:gd name="connsiteX5" fmla="*/ 893 w 1518450"/>
-                <a:gd name="connsiteY5" fmla="*/ 678210 h 1455106"/>
-                <a:gd name="connsiteX6" fmla="*/ 7672 w 1518450"/>
-                <a:gd name="connsiteY6" fmla="*/ 681890 h 1455106"/>
-                <a:gd name="connsiteX7" fmla="*/ 303196 w 1518450"/>
-                <a:gd name="connsiteY7" fmla="*/ 741554 h 1455106"/>
-                <a:gd name="connsiteX8" fmla="*/ 1058501 w 1518450"/>
-                <a:gd name="connsiteY8" fmla="*/ 59955 h 1455106"/>
-                <a:gd name="connsiteX9" fmla="*/ 1061529 w 1518450"/>
-                <a:gd name="connsiteY9" fmla="*/ 0 h 1455106"/>
+                <a:gd name="connsiteX0" fmla="*/ 442249 w 1201474"/>
+                <a:gd name="connsiteY0" fmla="*/ 0 h 1464090"/>
+                <a:gd name="connsiteX1" fmla="*/ 1201474 w 1201474"/>
+                <a:gd name="connsiteY1" fmla="*/ 759225 h 1464090"/>
+                <a:gd name="connsiteX2" fmla="*/ 737773 w 1201474"/>
+                <a:gd name="connsiteY2" fmla="*/ 1458786 h 1464090"/>
+                <a:gd name="connsiteX3" fmla="*/ 720687 w 1201474"/>
+                <a:gd name="connsiteY3" fmla="*/ 1464090 h 1464090"/>
+                <a:gd name="connsiteX4" fmla="*/ 720750 w 1201474"/>
+                <a:gd name="connsiteY4" fmla="*/ 1462841 h 1464090"/>
+                <a:gd name="connsiteX5" fmla="*/ 386015 w 1201474"/>
+                <a:gd name="connsiteY5" fmla="*/ 833280 h 1464090"/>
+                <a:gd name="connsiteX6" fmla="*/ 311382 w 1201474"/>
+                <a:gd name="connsiteY6" fmla="*/ 792771 h 1464090"/>
+                <a:gd name="connsiteX7" fmla="*/ 313232 w 1201474"/>
+                <a:gd name="connsiteY7" fmla="*/ 756136 h 1464090"/>
+                <a:gd name="connsiteX8" fmla="*/ 90860 w 1201474"/>
+                <a:gd name="connsiteY8" fmla="*/ 219283 h 1464090"/>
+                <a:gd name="connsiteX9" fmla="*/ 0 w 1201474"/>
+                <a:gd name="connsiteY9" fmla="*/ 144317 h 1464090"/>
+                <a:gd name="connsiteX10" fmla="*/ 17759 w 1201474"/>
+                <a:gd name="connsiteY10" fmla="*/ 129664 h 1464090"/>
+                <a:gd name="connsiteX11" fmla="*/ 442249 w 1201474"/>
+                <a:gd name="connsiteY11" fmla="*/ 0 h 1464090"/>
               </a:gdLst>
               <a:ahLst/>
               <a:cxnLst>
@@ -8010,55 +8886,72 @@
                 <a:cxn ang="0">
                   <a:pos x="connsiteX9" y="connsiteY9"/>
                 </a:cxn>
+                <a:cxn ang="0">
+                  <a:pos x="connsiteX10" y="connsiteY10"/>
+                </a:cxn>
+                <a:cxn ang="0">
+                  <a:pos x="connsiteX11" y="connsiteY11"/>
+                </a:cxn>
               </a:cxnLst>
               <a:rect l="l" t="t" r="r" b="b"/>
               <a:pathLst>
-                <a:path w="1518450" h="1455106">
+                <a:path w="1201474" h="1464090">
                   <a:moveTo>
-                    <a:pt x="1061529" y="0"/>
+                    <a:pt x="442249" y="0"/>
                   </a:moveTo>
+                  <a:cubicBezTo>
+                    <a:pt x="861557" y="0"/>
+                    <a:pt x="1201474" y="339917"/>
+                    <a:pt x="1201474" y="759225"/>
+                  </a:cubicBezTo>
+                  <a:cubicBezTo>
+                    <a:pt x="1201474" y="1073706"/>
+                    <a:pt x="1010271" y="1343530"/>
+                    <a:pt x="737773" y="1458786"/>
+                  </a:cubicBezTo>
                   <a:lnTo>
-                    <a:pt x="1183715" y="66320"/>
+                    <a:pt x="720687" y="1464090"/>
+                  </a:lnTo>
+                  <a:lnTo>
+                    <a:pt x="720750" y="1462841"/>
                   </a:lnTo>
                   <a:cubicBezTo>
-                    <a:pt x="1385670" y="202758"/>
-                    <a:pt x="1518450" y="433814"/>
-                    <a:pt x="1518450" y="695881"/>
-                  </a:cubicBezTo>
-                  <a:cubicBezTo>
-                    <a:pt x="1518450" y="1115189"/>
-                    <a:pt x="1178533" y="1455106"/>
-                    <a:pt x="759225" y="1455106"/>
-                  </a:cubicBezTo>
-                  <a:cubicBezTo>
-                    <a:pt x="339917" y="1455106"/>
-                    <a:pt x="0" y="1115189"/>
-                    <a:pt x="0" y="695881"/>
+                    <a:pt x="720750" y="1200774"/>
+                    <a:pt x="587970" y="969718"/>
+                    <a:pt x="386015" y="833280"/>
                   </a:cubicBezTo>
                   <a:lnTo>
-                    <a:pt x="893" y="678210"/>
+                    <a:pt x="311382" y="792771"/>
                   </a:lnTo>
                   <a:lnTo>
-                    <a:pt x="7672" y="681890"/>
+                    <a:pt x="313232" y="756136"/>
                   </a:lnTo>
                   <a:cubicBezTo>
-                    <a:pt x="98504" y="720309"/>
-                    <a:pt x="198369" y="741554"/>
-                    <a:pt x="303196" y="741554"/>
-                  </a:cubicBezTo>
-                  <a:cubicBezTo>
-                    <a:pt x="696297" y="741554"/>
-                    <a:pt x="1019622" y="442799"/>
-                    <a:pt x="1058501" y="59955"/>
+                    <a:pt x="313232" y="546482"/>
+                    <a:pt x="228253" y="356676"/>
+                    <a:pt x="90860" y="219283"/>
                   </a:cubicBezTo>
                   <a:lnTo>
-                    <a:pt x="1061529" y="0"/>
+                    <a:pt x="0" y="144317"/>
                   </a:lnTo>
+                  <a:lnTo>
+                    <a:pt x="17759" y="129664"/>
+                  </a:lnTo>
+                  <a:cubicBezTo>
+                    <a:pt x="138933" y="47801"/>
+                    <a:pt x="285009" y="0"/>
+                    <a:pt x="442249" y="0"/>
+                  </a:cubicBezTo>
                   <a:close/>
                 </a:path>
               </a:pathLst>
             </a:custGeom>
-            <a:noFill/>
+            <a:solidFill>
+              <a:schemeClr val="accent4">
+                <a:lumMod val="40000"/>
+                <a:lumOff val="60000"/>
+              </a:schemeClr>
+            </a:solidFill>
           </p:spPr>
           <p:style>
             <a:lnRef idx="2">
@@ -8077,7 +8970,9 @@
             </a:fontRef>
           </p:style>
           <p:txBody>
-            <a:bodyPr rtlCol="0" anchor="ctr"/>
+            <a:bodyPr wrap="square" rtlCol="0" anchor="ctr">
+              <a:noAutofit/>
+            </a:bodyPr>
             <a:lstStyle/>
             <a:p>
               <a:pPr algn="ctr"/>
@@ -8087,10 +8982,10 @@
         </p:sp>
         <p:sp>
           <p:nvSpPr>
-            <p:cNvPr id="43" name="Oval 42">
+            <p:cNvPr id="57" name="Freeform: Shape 56">
               <a:extLst>
                 <a:ext uri="{FF2B5EF4-FFF2-40B4-BE49-F238E27FC236}">
-                  <a16:creationId xmlns:a16="http://schemas.microsoft.com/office/drawing/2014/main" id="{D96C465F-DFD4-4EB4-B980-EB0038F3CA4A}"/>
+                  <a16:creationId xmlns:a16="http://schemas.microsoft.com/office/drawing/2014/main" id="{A5488AAD-8D02-406C-970A-5229A010B38E}"/>
                 </a:ext>
               </a:extLst>
             </p:cNvPr>
@@ -8099,13 +8994,125 @@
           </p:nvSpPr>
           <p:spPr>
             <a:xfrm>
-              <a:off x="5864886" y="4687754"/>
-              <a:ext cx="1518450" cy="1518450"/>
+              <a:off x="6716336" y="4562143"/>
+              <a:ext cx="628358" cy="667429"/>
             </a:xfrm>
-            <a:prstGeom prst="ellipse">
+            <a:custGeom>
               <a:avLst/>
-            </a:prstGeom>
-            <a:noFill/>
+              <a:gdLst>
+                <a:gd name="connsiteX0" fmla="*/ 278501 w 628358"/>
+                <a:gd name="connsiteY0" fmla="*/ 0 h 667429"/>
+                <a:gd name="connsiteX1" fmla="*/ 574025 w 628358"/>
+                <a:gd name="connsiteY1" fmla="*/ 59664 h 667429"/>
+                <a:gd name="connsiteX2" fmla="*/ 628358 w 628358"/>
+                <a:gd name="connsiteY2" fmla="*/ 89155 h 667429"/>
+                <a:gd name="connsiteX3" fmla="*/ 626288 w 628358"/>
+                <a:gd name="connsiteY3" fmla="*/ 130146 h 667429"/>
+                <a:gd name="connsiteX4" fmla="*/ 407836 w 628358"/>
+                <a:gd name="connsiteY4" fmla="*/ 589373 h 667429"/>
+                <a:gd name="connsiteX5" fmla="*/ 313232 w 628358"/>
+                <a:gd name="connsiteY5" fmla="*/ 667429 h 667429"/>
+                <a:gd name="connsiteX6" fmla="*/ 222372 w 628358"/>
+                <a:gd name="connsiteY6" fmla="*/ 592462 h 667429"/>
+                <a:gd name="connsiteX7" fmla="*/ 0 w 628358"/>
+                <a:gd name="connsiteY7" fmla="*/ 55609 h 667429"/>
+                <a:gd name="connsiteX8" fmla="*/ 63 w 628358"/>
+                <a:gd name="connsiteY8" fmla="*/ 54360 h 667429"/>
+                <a:gd name="connsiteX9" fmla="*/ 125491 w 628358"/>
+                <a:gd name="connsiteY9" fmla="*/ 15425 h 667429"/>
+                <a:gd name="connsiteX10" fmla="*/ 278501 w 628358"/>
+                <a:gd name="connsiteY10" fmla="*/ 0 h 667429"/>
+              </a:gdLst>
+              <a:ahLst/>
+              <a:cxnLst>
+                <a:cxn ang="0">
+                  <a:pos x="connsiteX0" y="connsiteY0"/>
+                </a:cxn>
+                <a:cxn ang="0">
+                  <a:pos x="connsiteX1" y="connsiteY1"/>
+                </a:cxn>
+                <a:cxn ang="0">
+                  <a:pos x="connsiteX2" y="connsiteY2"/>
+                </a:cxn>
+                <a:cxn ang="0">
+                  <a:pos x="connsiteX3" y="connsiteY3"/>
+                </a:cxn>
+                <a:cxn ang="0">
+                  <a:pos x="connsiteX4" y="connsiteY4"/>
+                </a:cxn>
+                <a:cxn ang="0">
+                  <a:pos x="connsiteX5" y="connsiteY5"/>
+                </a:cxn>
+                <a:cxn ang="0">
+                  <a:pos x="connsiteX6" y="connsiteY6"/>
+                </a:cxn>
+                <a:cxn ang="0">
+                  <a:pos x="connsiteX7" y="connsiteY7"/>
+                </a:cxn>
+                <a:cxn ang="0">
+                  <a:pos x="connsiteX8" y="connsiteY8"/>
+                </a:cxn>
+                <a:cxn ang="0">
+                  <a:pos x="connsiteX9" y="connsiteY9"/>
+                </a:cxn>
+                <a:cxn ang="0">
+                  <a:pos x="connsiteX10" y="connsiteY10"/>
+                </a:cxn>
+              </a:cxnLst>
+              <a:rect l="l" t="t" r="r" b="b"/>
+              <a:pathLst>
+                <a:path w="628358" h="667429">
+                  <a:moveTo>
+                    <a:pt x="278501" y="0"/>
+                  </a:moveTo>
+                  <a:cubicBezTo>
+                    <a:pt x="383328" y="0"/>
+                    <a:pt x="483193" y="21245"/>
+                    <a:pt x="574025" y="59664"/>
+                  </a:cubicBezTo>
+                  <a:lnTo>
+                    <a:pt x="628358" y="89155"/>
+                  </a:lnTo>
+                  <a:lnTo>
+                    <a:pt x="626288" y="130146"/>
+                  </a:lnTo>
+                  <a:cubicBezTo>
+                    <a:pt x="608144" y="308807"/>
+                    <a:pt x="528055" y="469155"/>
+                    <a:pt x="407836" y="589373"/>
+                  </a:cubicBezTo>
+                  <a:lnTo>
+                    <a:pt x="313232" y="667429"/>
+                  </a:lnTo>
+                  <a:lnTo>
+                    <a:pt x="222372" y="592462"/>
+                  </a:lnTo>
+                  <a:cubicBezTo>
+                    <a:pt x="84979" y="455069"/>
+                    <a:pt x="0" y="265263"/>
+                    <a:pt x="0" y="55609"/>
+                  </a:cubicBezTo>
+                  <a:lnTo>
+                    <a:pt x="63" y="54360"/>
+                  </a:lnTo>
+                  <a:lnTo>
+                    <a:pt x="125491" y="15425"/>
+                  </a:lnTo>
+                  <a:cubicBezTo>
+                    <a:pt x="174915" y="5311"/>
+                    <a:pt x="226088" y="0"/>
+                    <a:pt x="278501" y="0"/>
+                  </a:cubicBezTo>
+                  <a:close/>
+                </a:path>
+              </a:pathLst>
+            </a:custGeom>
+            <a:solidFill>
+              <a:schemeClr val="accent6">
+                <a:lumMod val="60000"/>
+                <a:lumOff val="40000"/>
+              </a:schemeClr>
+            </a:solidFill>
           </p:spPr>
           <p:style>
             <a:lnRef idx="2">
@@ -8124,7 +9131,356 @@
             </a:fontRef>
           </p:style>
           <p:txBody>
-            <a:bodyPr rtlCol="0" anchor="ctr"/>
+            <a:bodyPr wrap="square" rtlCol="0" anchor="ctr">
+              <a:noAutofit/>
+            </a:bodyPr>
+            <a:lstStyle/>
+            <a:p>
+              <a:pPr algn="ctr"/>
+              <a:endParaRPr lang="en-GB"/>
+            </a:p>
+          </p:txBody>
+        </p:sp>
+        <p:sp>
+          <p:nvSpPr>
+            <p:cNvPr id="56" name="Freeform: Shape 55">
+              <a:extLst>
+                <a:ext uri="{FF2B5EF4-FFF2-40B4-BE49-F238E27FC236}">
+                  <a16:creationId xmlns:a16="http://schemas.microsoft.com/office/drawing/2014/main" id="{97B77D8D-9B43-41E6-85AC-B7D2D1E7B4CD}"/>
+                </a:ext>
+              </a:extLst>
+            </p:cNvPr>
+            <p:cNvSpPr/>
+            <p:nvPr/>
+          </p:nvSpPr>
+          <p:spPr>
+            <a:xfrm>
+              <a:off x="6235613" y="5229572"/>
+              <a:ext cx="1518387" cy="851021"/>
+            </a:xfrm>
+            <a:custGeom>
+              <a:avLst/>
+              <a:gdLst>
+                <a:gd name="connsiteX0" fmla="*/ 793956 w 1518387"/>
+                <a:gd name="connsiteY0" fmla="*/ 0 h 851021"/>
+                <a:gd name="connsiteX1" fmla="*/ 815459 w 1518387"/>
+                <a:gd name="connsiteY1" fmla="*/ 17741 h 851021"/>
+                <a:gd name="connsiteX2" fmla="*/ 1239949 w 1518387"/>
+                <a:gd name="connsiteY2" fmla="*/ 147405 h 851021"/>
+                <a:gd name="connsiteX3" fmla="*/ 1392959 w 1518387"/>
+                <a:gd name="connsiteY3" fmla="*/ 131980 h 851021"/>
+                <a:gd name="connsiteX4" fmla="*/ 1518387 w 1518387"/>
+                <a:gd name="connsiteY4" fmla="*/ 93045 h 851021"/>
+                <a:gd name="connsiteX5" fmla="*/ 1514530 w 1518387"/>
+                <a:gd name="connsiteY5" fmla="*/ 169422 h 851021"/>
+                <a:gd name="connsiteX6" fmla="*/ 759225 w 1518387"/>
+                <a:gd name="connsiteY6" fmla="*/ 851021 h 851021"/>
+                <a:gd name="connsiteX7" fmla="*/ 0 w 1518387"/>
+                <a:gd name="connsiteY7" fmla="*/ 91796 h 851021"/>
+                <a:gd name="connsiteX8" fmla="*/ 1850 w 1518387"/>
+                <a:gd name="connsiteY8" fmla="*/ 55161 h 851021"/>
+                <a:gd name="connsiteX9" fmla="*/ 56183 w 1518387"/>
+                <a:gd name="connsiteY9" fmla="*/ 84652 h 851021"/>
+                <a:gd name="connsiteX10" fmla="*/ 351707 w 1518387"/>
+                <a:gd name="connsiteY10" fmla="*/ 144316 h 851021"/>
+                <a:gd name="connsiteX11" fmla="*/ 776197 w 1518387"/>
+                <a:gd name="connsiteY11" fmla="*/ 14652 h 851021"/>
+                <a:gd name="connsiteX12" fmla="*/ 793956 w 1518387"/>
+                <a:gd name="connsiteY12" fmla="*/ 0 h 851021"/>
+              </a:gdLst>
+              <a:ahLst/>
+              <a:cxnLst>
+                <a:cxn ang="0">
+                  <a:pos x="connsiteX0" y="connsiteY0"/>
+                </a:cxn>
+                <a:cxn ang="0">
+                  <a:pos x="connsiteX1" y="connsiteY1"/>
+                </a:cxn>
+                <a:cxn ang="0">
+                  <a:pos x="connsiteX2" y="connsiteY2"/>
+                </a:cxn>
+                <a:cxn ang="0">
+                  <a:pos x="connsiteX3" y="connsiteY3"/>
+                </a:cxn>
+                <a:cxn ang="0">
+                  <a:pos x="connsiteX4" y="connsiteY4"/>
+                </a:cxn>
+                <a:cxn ang="0">
+                  <a:pos x="connsiteX5" y="connsiteY5"/>
+                </a:cxn>
+                <a:cxn ang="0">
+                  <a:pos x="connsiteX6" y="connsiteY6"/>
+                </a:cxn>
+                <a:cxn ang="0">
+                  <a:pos x="connsiteX7" y="connsiteY7"/>
+                </a:cxn>
+                <a:cxn ang="0">
+                  <a:pos x="connsiteX8" y="connsiteY8"/>
+                </a:cxn>
+                <a:cxn ang="0">
+                  <a:pos x="connsiteX9" y="connsiteY9"/>
+                </a:cxn>
+                <a:cxn ang="0">
+                  <a:pos x="connsiteX10" y="connsiteY10"/>
+                </a:cxn>
+                <a:cxn ang="0">
+                  <a:pos x="connsiteX11" y="connsiteY11"/>
+                </a:cxn>
+                <a:cxn ang="0">
+                  <a:pos x="connsiteX12" y="connsiteY12"/>
+                </a:cxn>
+              </a:cxnLst>
+              <a:rect l="l" t="t" r="r" b="b"/>
+              <a:pathLst>
+                <a:path w="1518387" h="851021">
+                  <a:moveTo>
+                    <a:pt x="793956" y="0"/>
+                  </a:moveTo>
+                  <a:lnTo>
+                    <a:pt x="815459" y="17741"/>
+                  </a:lnTo>
+                  <a:cubicBezTo>
+                    <a:pt x="936633" y="99604"/>
+                    <a:pt x="1082709" y="147405"/>
+                    <a:pt x="1239949" y="147405"/>
+                  </a:cubicBezTo>
+                  <a:cubicBezTo>
+                    <a:pt x="1292363" y="147405"/>
+                    <a:pt x="1343536" y="142094"/>
+                    <a:pt x="1392959" y="131980"/>
+                  </a:cubicBezTo>
+                  <a:lnTo>
+                    <a:pt x="1518387" y="93045"/>
+                  </a:lnTo>
+                  <a:lnTo>
+                    <a:pt x="1514530" y="169422"/>
+                  </a:lnTo>
+                  <a:cubicBezTo>
+                    <a:pt x="1475651" y="552266"/>
+                    <a:pt x="1152326" y="851021"/>
+                    <a:pt x="759225" y="851021"/>
+                  </a:cubicBezTo>
+                  <a:cubicBezTo>
+                    <a:pt x="339917" y="851021"/>
+                    <a:pt x="0" y="511104"/>
+                    <a:pt x="0" y="91796"/>
+                  </a:cubicBezTo>
+                  <a:lnTo>
+                    <a:pt x="1850" y="55161"/>
+                  </a:lnTo>
+                  <a:lnTo>
+                    <a:pt x="56183" y="84652"/>
+                  </a:lnTo>
+                  <a:cubicBezTo>
+                    <a:pt x="147015" y="123071"/>
+                    <a:pt x="246880" y="144316"/>
+                    <a:pt x="351707" y="144316"/>
+                  </a:cubicBezTo>
+                  <a:cubicBezTo>
+                    <a:pt x="508948" y="144316"/>
+                    <a:pt x="655024" y="96515"/>
+                    <a:pt x="776197" y="14652"/>
+                  </a:cubicBezTo>
+                  <a:lnTo>
+                    <a:pt x="793956" y="0"/>
+                  </a:lnTo>
+                  <a:close/>
+                </a:path>
+              </a:pathLst>
+            </a:custGeom>
+            <a:solidFill>
+              <a:schemeClr val="accent6">
+                <a:lumMod val="60000"/>
+                <a:lumOff val="40000"/>
+              </a:schemeClr>
+            </a:solidFill>
+          </p:spPr>
+          <p:style>
+            <a:lnRef idx="2">
+              <a:schemeClr val="accent1">
+                <a:shade val="50000"/>
+              </a:schemeClr>
+            </a:lnRef>
+            <a:fillRef idx="1">
+              <a:schemeClr val="accent1"/>
+            </a:fillRef>
+            <a:effectRef idx="0">
+              <a:schemeClr val="accent1"/>
+            </a:effectRef>
+            <a:fontRef idx="minor">
+              <a:schemeClr val="lt1"/>
+            </a:fontRef>
+          </p:style>
+          <p:txBody>
+            <a:bodyPr wrap="square" rtlCol="0" anchor="ctr">
+              <a:noAutofit/>
+            </a:bodyPr>
+            <a:lstStyle/>
+            <a:p>
+              <a:pPr algn="ctr"/>
+              <a:endParaRPr lang="en-GB"/>
+            </a:p>
+          </p:txBody>
+        </p:sp>
+        <p:sp>
+          <p:nvSpPr>
+            <p:cNvPr id="61" name="Freeform: Shape 60">
+              <a:extLst>
+                <a:ext uri="{FF2B5EF4-FFF2-40B4-BE49-F238E27FC236}">
+                  <a16:creationId xmlns:a16="http://schemas.microsoft.com/office/drawing/2014/main" id="{C3CB891E-F48B-4D98-9E73-1FB092938405}"/>
+                </a:ext>
+              </a:extLst>
+            </p:cNvPr>
+            <p:cNvSpPr/>
+            <p:nvPr/>
+          </p:nvSpPr>
+          <p:spPr>
+            <a:xfrm>
+              <a:off x="6237462" y="4616503"/>
+              <a:ext cx="792106" cy="757385"/>
+            </a:xfrm>
+            <a:custGeom>
+              <a:avLst/>
+              <a:gdLst>
+                <a:gd name="connsiteX0" fmla="*/ 478937 w 792106"/>
+                <a:gd name="connsiteY0" fmla="*/ 0 h 757385"/>
+                <a:gd name="connsiteX1" fmla="*/ 478874 w 792106"/>
+                <a:gd name="connsiteY1" fmla="*/ 1249 h 757385"/>
+                <a:gd name="connsiteX2" fmla="*/ 701246 w 792106"/>
+                <a:gd name="connsiteY2" fmla="*/ 538102 h 757385"/>
+                <a:gd name="connsiteX3" fmla="*/ 792106 w 792106"/>
+                <a:gd name="connsiteY3" fmla="*/ 613069 h 757385"/>
+                <a:gd name="connsiteX4" fmla="*/ 774347 w 792106"/>
+                <a:gd name="connsiteY4" fmla="*/ 627721 h 757385"/>
+                <a:gd name="connsiteX5" fmla="*/ 349857 w 792106"/>
+                <a:gd name="connsiteY5" fmla="*/ 757385 h 757385"/>
+                <a:gd name="connsiteX6" fmla="*/ 54333 w 792106"/>
+                <a:gd name="connsiteY6" fmla="*/ 697721 h 757385"/>
+                <a:gd name="connsiteX7" fmla="*/ 0 w 792106"/>
+                <a:gd name="connsiteY7" fmla="*/ 668230 h 757385"/>
+                <a:gd name="connsiteX8" fmla="*/ 2070 w 792106"/>
+                <a:gd name="connsiteY8" fmla="*/ 627239 h 757385"/>
+                <a:gd name="connsiteX9" fmla="*/ 461851 w 792106"/>
+                <a:gd name="connsiteY9" fmla="*/ 5304 h 757385"/>
+                <a:gd name="connsiteX10" fmla="*/ 478937 w 792106"/>
+                <a:gd name="connsiteY10" fmla="*/ 0 h 757385"/>
+              </a:gdLst>
+              <a:ahLst/>
+              <a:cxnLst>
+                <a:cxn ang="0">
+                  <a:pos x="connsiteX0" y="connsiteY0"/>
+                </a:cxn>
+                <a:cxn ang="0">
+                  <a:pos x="connsiteX1" y="connsiteY1"/>
+                </a:cxn>
+                <a:cxn ang="0">
+                  <a:pos x="connsiteX2" y="connsiteY2"/>
+                </a:cxn>
+                <a:cxn ang="0">
+                  <a:pos x="connsiteX3" y="connsiteY3"/>
+                </a:cxn>
+                <a:cxn ang="0">
+                  <a:pos x="connsiteX4" y="connsiteY4"/>
+                </a:cxn>
+                <a:cxn ang="0">
+                  <a:pos x="connsiteX5" y="connsiteY5"/>
+                </a:cxn>
+                <a:cxn ang="0">
+                  <a:pos x="connsiteX6" y="connsiteY6"/>
+                </a:cxn>
+                <a:cxn ang="0">
+                  <a:pos x="connsiteX7" y="connsiteY7"/>
+                </a:cxn>
+                <a:cxn ang="0">
+                  <a:pos x="connsiteX8" y="connsiteY8"/>
+                </a:cxn>
+                <a:cxn ang="0">
+                  <a:pos x="connsiteX9" y="connsiteY9"/>
+                </a:cxn>
+                <a:cxn ang="0">
+                  <a:pos x="connsiteX10" y="connsiteY10"/>
+                </a:cxn>
+              </a:cxnLst>
+              <a:rect l="l" t="t" r="r" b="b"/>
+              <a:pathLst>
+                <a:path w="792106" h="757385">
+                  <a:moveTo>
+                    <a:pt x="478937" y="0"/>
+                  </a:moveTo>
+                  <a:lnTo>
+                    <a:pt x="478874" y="1249"/>
+                  </a:lnTo>
+                  <a:cubicBezTo>
+                    <a:pt x="478874" y="210903"/>
+                    <a:pt x="563853" y="400709"/>
+                    <a:pt x="701246" y="538102"/>
+                  </a:cubicBezTo>
+                  <a:lnTo>
+                    <a:pt x="792106" y="613069"/>
+                  </a:lnTo>
+                  <a:lnTo>
+                    <a:pt x="774347" y="627721"/>
+                  </a:lnTo>
+                  <a:cubicBezTo>
+                    <a:pt x="653174" y="709584"/>
+                    <a:pt x="507098" y="757385"/>
+                    <a:pt x="349857" y="757385"/>
+                  </a:cubicBezTo>
+                  <a:cubicBezTo>
+                    <a:pt x="245030" y="757385"/>
+                    <a:pt x="145165" y="736140"/>
+                    <a:pt x="54333" y="697721"/>
+                  </a:cubicBezTo>
+                  <a:lnTo>
+                    <a:pt x="0" y="668230"/>
+                  </a:lnTo>
+                  <a:lnTo>
+                    <a:pt x="2070" y="627239"/>
+                  </a:lnTo>
+                  <a:cubicBezTo>
+                    <a:pt x="30582" y="346487"/>
+                    <a:pt x="212062" y="110956"/>
+                    <a:pt x="461851" y="5304"/>
+                  </a:cubicBezTo>
+                  <a:lnTo>
+                    <a:pt x="478937" y="0"/>
+                  </a:lnTo>
+                  <a:close/>
+                </a:path>
+              </a:pathLst>
+            </a:custGeom>
+            <a:solidFill>
+              <a:schemeClr val="accent6">
+                <a:lumMod val="60000"/>
+                <a:lumOff val="40000"/>
+              </a:schemeClr>
+            </a:solidFill>
+            <a:ln w="57150">
+              <a:solidFill>
+                <a:srgbClr val="00B050"/>
+              </a:solidFill>
+            </a:ln>
+          </p:spPr>
+          <p:style>
+            <a:lnRef idx="2">
+              <a:schemeClr val="accent1">
+                <a:shade val="50000"/>
+              </a:schemeClr>
+            </a:lnRef>
+            <a:fillRef idx="1">
+              <a:schemeClr val="accent1"/>
+            </a:fillRef>
+            <a:effectRef idx="0">
+              <a:schemeClr val="accent1"/>
+            </a:effectRef>
+            <a:fontRef idx="minor">
+              <a:schemeClr val="lt1"/>
+            </a:fontRef>
+          </p:style>
+          <p:txBody>
+            <a:bodyPr wrap="square" rtlCol="0" anchor="ctr">
+              <a:noAutofit/>
+            </a:bodyPr>
             <a:lstStyle/>
             <a:p>
               <a:pPr algn="ctr"/>
@@ -8133,48 +9489,6 @@
           </p:txBody>
         </p:sp>
       </p:grpSp>
-      <p:sp>
-        <p:nvSpPr>
-          <p:cNvPr id="42" name="TextBox 41">
-            <a:extLst>
-              <a:ext uri="{FF2B5EF4-FFF2-40B4-BE49-F238E27FC236}">
-                <a16:creationId xmlns:a16="http://schemas.microsoft.com/office/drawing/2014/main" id="{078711FF-FF64-47FD-8B4E-A8CAFC3E3090}"/>
-              </a:ext>
-            </a:extLst>
-          </p:cNvPr>
-          <p:cNvSpPr txBox="1"/>
-          <p:nvPr/>
-        </p:nvSpPr>
-        <p:spPr>
-          <a:xfrm>
-            <a:off x="5408858" y="6192443"/>
-            <a:ext cx="3366652" cy="646331"/>
-          </a:xfrm>
-          <a:prstGeom prst="rect">
-            <a:avLst/>
-          </a:prstGeom>
-          <a:noFill/>
-        </p:spPr>
-        <p:txBody>
-          <a:bodyPr wrap="square" rtlCol="0">
-            <a:spAutoFit/>
-          </a:bodyPr>
-          <a:lstStyle/>
-          <a:p>
-            <a:r>
-              <a:rPr lang="en-US" sz="1200" dirty="0"/>
-              <a:t>(Set 1 EXCEPT Set 2) INTERSECT Set 3</a:t>
-            </a:r>
-          </a:p>
-          <a:p>
-            <a:r>
-              <a:rPr lang="en-US" sz="1200" dirty="0"/>
-              <a:t>People who have ever had Diazepam prescriptions only after 2000 and are still alive</a:t>
-            </a:r>
-            <a:endParaRPr lang="en-GB" sz="1200" dirty="0"/>
-          </a:p>
-        </p:txBody>
-      </p:sp>
     </p:spTree>
     <p:extLst>
       <p:ext uri="{BB962C8B-B14F-4D97-AF65-F5344CB8AC3E}">
@@ -8185,6 +9499,248 @@
   <p:clrMapOvr>
     <a:masterClrMapping/>
   </p:clrMapOvr>
+  <p:timing>
+    <p:tnLst>
+      <p:par>
+        <p:cTn id="1" dur="indefinite" restart="never" nodeType="tmRoot">
+          <p:childTnLst>
+            <p:seq concurrent="1" nextAc="seek">
+              <p:cTn id="2" dur="indefinite" nodeType="mainSeq">
+                <p:childTnLst>
+                  <p:par>
+                    <p:cTn id="3" fill="hold">
+                      <p:stCondLst>
+                        <p:cond delay="indefinite"/>
+                      </p:stCondLst>
+                      <p:childTnLst>
+                        <p:par>
+                          <p:cTn id="4" fill="hold">
+                            <p:stCondLst>
+                              <p:cond delay="0"/>
+                            </p:stCondLst>
+                            <p:childTnLst>
+                              <p:par>
+                                <p:cTn id="5" presetID="10" presetClass="entr" presetSubtype="0" fill="hold" nodeType="clickEffect">
+                                  <p:stCondLst>
+                                    <p:cond delay="0"/>
+                                  </p:stCondLst>
+                                  <p:childTnLst>
+                                    <p:set>
+                                      <p:cBhvr>
+                                        <p:cTn id="6" dur="1" fill="hold">
+                                          <p:stCondLst>
+                                            <p:cond delay="0"/>
+                                          </p:stCondLst>
+                                        </p:cTn>
+                                        <p:tgtEl>
+                                          <p:spTgt spid="40"/>
+                                        </p:tgtEl>
+                                        <p:attrNameLst>
+                                          <p:attrName>style.visibility</p:attrName>
+                                        </p:attrNameLst>
+                                      </p:cBhvr>
+                                      <p:to>
+                                        <p:strVal val="visible"/>
+                                      </p:to>
+                                    </p:set>
+                                    <p:animEffect transition="in" filter="fade">
+                                      <p:cBhvr>
+                                        <p:cTn id="7" dur="500"/>
+                                        <p:tgtEl>
+                                          <p:spTgt spid="40"/>
+                                        </p:tgtEl>
+                                      </p:cBhvr>
+                                    </p:animEffect>
+                                  </p:childTnLst>
+                                </p:cTn>
+                              </p:par>
+                            </p:childTnLst>
+                          </p:cTn>
+                        </p:par>
+                      </p:childTnLst>
+                    </p:cTn>
+                  </p:par>
+                  <p:par>
+                    <p:cTn id="8" fill="hold">
+                      <p:stCondLst>
+                        <p:cond delay="indefinite"/>
+                      </p:stCondLst>
+                      <p:childTnLst>
+                        <p:par>
+                          <p:cTn id="9" fill="hold">
+                            <p:stCondLst>
+                              <p:cond delay="0"/>
+                            </p:stCondLst>
+                            <p:childTnLst>
+                              <p:par>
+                                <p:cTn id="10" presetID="10" presetClass="entr" presetSubtype="0" fill="hold" nodeType="clickEffect">
+                                  <p:stCondLst>
+                                    <p:cond delay="0"/>
+                                  </p:stCondLst>
+                                  <p:childTnLst>
+                                    <p:set>
+                                      <p:cBhvr>
+                                        <p:cTn id="11" dur="1" fill="hold">
+                                          <p:stCondLst>
+                                            <p:cond delay="0"/>
+                                          </p:stCondLst>
+                                        </p:cTn>
+                                        <p:tgtEl>
+                                          <p:spTgt spid="41"/>
+                                        </p:tgtEl>
+                                        <p:attrNameLst>
+                                          <p:attrName>style.visibility</p:attrName>
+                                        </p:attrNameLst>
+                                      </p:cBhvr>
+                                      <p:to>
+                                        <p:strVal val="visible"/>
+                                      </p:to>
+                                    </p:set>
+                                    <p:animEffect transition="in" filter="fade">
+                                      <p:cBhvr>
+                                        <p:cTn id="12" dur="500"/>
+                                        <p:tgtEl>
+                                          <p:spTgt spid="41"/>
+                                        </p:tgtEl>
+                                      </p:cBhvr>
+                                    </p:animEffect>
+                                  </p:childTnLst>
+                                </p:cTn>
+                              </p:par>
+                            </p:childTnLst>
+                          </p:cTn>
+                        </p:par>
+                      </p:childTnLst>
+                    </p:cTn>
+                  </p:par>
+                  <p:par>
+                    <p:cTn id="13" fill="hold">
+                      <p:stCondLst>
+                        <p:cond delay="indefinite"/>
+                      </p:stCondLst>
+                      <p:childTnLst>
+                        <p:par>
+                          <p:cTn id="14" fill="hold">
+                            <p:stCondLst>
+                              <p:cond delay="0"/>
+                            </p:stCondLst>
+                            <p:childTnLst>
+                              <p:par>
+                                <p:cTn id="15" presetID="10" presetClass="entr" presetSubtype="0" fill="hold" nodeType="clickEffect">
+                                  <p:stCondLst>
+                                    <p:cond delay="0"/>
+                                  </p:stCondLst>
+                                  <p:childTnLst>
+                                    <p:set>
+                                      <p:cBhvr>
+                                        <p:cTn id="16" dur="1" fill="hold">
+                                          <p:stCondLst>
+                                            <p:cond delay="0"/>
+                                          </p:stCondLst>
+                                        </p:cTn>
+                                        <p:tgtEl>
+                                          <p:spTgt spid="46"/>
+                                        </p:tgtEl>
+                                        <p:attrNameLst>
+                                          <p:attrName>style.visibility</p:attrName>
+                                        </p:attrNameLst>
+                                      </p:cBhvr>
+                                      <p:to>
+                                        <p:strVal val="visible"/>
+                                      </p:to>
+                                    </p:set>
+                                    <p:animEffect transition="in" filter="fade">
+                                      <p:cBhvr>
+                                        <p:cTn id="17" dur="500"/>
+                                        <p:tgtEl>
+                                          <p:spTgt spid="46"/>
+                                        </p:tgtEl>
+                                      </p:cBhvr>
+                                    </p:animEffect>
+                                  </p:childTnLst>
+                                </p:cTn>
+                              </p:par>
+                            </p:childTnLst>
+                          </p:cTn>
+                        </p:par>
+                      </p:childTnLst>
+                    </p:cTn>
+                  </p:par>
+                  <p:par>
+                    <p:cTn id="18" fill="hold">
+                      <p:stCondLst>
+                        <p:cond delay="indefinite"/>
+                      </p:stCondLst>
+                      <p:childTnLst>
+                        <p:par>
+                          <p:cTn id="19" fill="hold">
+                            <p:stCondLst>
+                              <p:cond delay="0"/>
+                            </p:stCondLst>
+                            <p:childTnLst>
+                              <p:par>
+                                <p:cTn id="20" presetID="10" presetClass="entr" presetSubtype="0" fill="hold" nodeType="clickEffect">
+                                  <p:stCondLst>
+                                    <p:cond delay="0"/>
+                                  </p:stCondLst>
+                                  <p:childTnLst>
+                                    <p:set>
+                                      <p:cBhvr>
+                                        <p:cTn id="21" dur="1" fill="hold">
+                                          <p:stCondLst>
+                                            <p:cond delay="0"/>
+                                          </p:stCondLst>
+                                        </p:cTn>
+                                        <p:tgtEl>
+                                          <p:spTgt spid="38"/>
+                                        </p:tgtEl>
+                                        <p:attrNameLst>
+                                          <p:attrName>style.visibility</p:attrName>
+                                        </p:attrNameLst>
+                                      </p:cBhvr>
+                                      <p:to>
+                                        <p:strVal val="visible"/>
+                                      </p:to>
+                                    </p:set>
+                                    <p:animEffect transition="in" filter="fade">
+                                      <p:cBhvr>
+                                        <p:cTn id="22" dur="500"/>
+                                        <p:tgtEl>
+                                          <p:spTgt spid="38"/>
+                                        </p:tgtEl>
+                                      </p:cBhvr>
+                                    </p:animEffect>
+                                  </p:childTnLst>
+                                </p:cTn>
+                              </p:par>
+                            </p:childTnLst>
+                          </p:cTn>
+                        </p:par>
+                      </p:childTnLst>
+                    </p:cTn>
+                  </p:par>
+                </p:childTnLst>
+              </p:cTn>
+              <p:prevCondLst>
+                <p:cond evt="onPrev" delay="0">
+                  <p:tgtEl>
+                    <p:sldTgt/>
+                  </p:tgtEl>
+                </p:cond>
+              </p:prevCondLst>
+              <p:nextCondLst>
+                <p:cond evt="onNext" delay="0">
+                  <p:tgtEl>
+                    <p:sldTgt/>
+                  </p:tgtEl>
+                </p:cond>
+              </p:nextCondLst>
+            </p:seq>
+          </p:childTnLst>
+        </p:cTn>
+      </p:par>
+    </p:tnLst>
+  </p:timing>
 </p:sld>
 </file>
 
@@ -8257,7 +9813,7 @@
         </p:spPr>
         <p:txBody>
           <a:bodyPr>
-            <a:normAutofit/>
+            <a:normAutofit fontScale="70000" lnSpcReduction="20000"/>
           </a:bodyPr>
           <a:lstStyle/>
           <a:p>
@@ -8267,43 +9823,85 @@
             </a:r>
           </a:p>
           <a:p>
+            <a:pPr lvl="1"/>
+            <a:r>
+              <a:rPr lang="en-GB" dirty="0"/>
+              <a:t>INTERSECT in this case</a:t>
+            </a:r>
+          </a:p>
+          <a:p>
             <a:r>
               <a:rPr lang="en-GB" dirty="0"/>
               <a:t>Every operand is on the same level</a:t>
             </a:r>
           </a:p>
           <a:p>
+            <a:pPr lvl="1"/>
+            <a:r>
+              <a:rPr lang="en-GB" dirty="0"/>
+              <a:t>“Set 3” and “(Set 1 EXCEPT Set 2)”</a:t>
+            </a:r>
+          </a:p>
+          <a:p>
             <a:r>
               <a:rPr lang="en-GB" dirty="0"/>
               <a:t>Other operations become a node </a:t>
             </a:r>
           </a:p>
           <a:p>
+            <a:pPr lvl="1"/>
+            <a:r>
+              <a:rPr lang="en-GB" dirty="0"/>
+              <a:t>The EXCEPT in this case</a:t>
+            </a:r>
+          </a:p>
+          <a:p>
             <a:r>
               <a:rPr lang="en-GB" dirty="0"/>
               <a:t>Other operands are nested</a:t>
             </a:r>
           </a:p>
           <a:p>
+            <a:pPr lvl="1"/>
             <a:r>
               <a:rPr lang="en-GB" dirty="0"/>
-              <a:t>Order is important!!</a:t>
+              <a:t>“Set 1” and “Set 2”</a:t>
+            </a:r>
+          </a:p>
+          <a:p>
+            <a:r>
+              <a:rPr lang="en-GB" dirty="0"/>
+              <a:t>Order is important!</a:t>
+            </a:r>
+          </a:p>
+          <a:p>
+            <a:pPr lvl="1"/>
+            <a:r>
+              <a:rPr lang="en-GB" dirty="0"/>
+              <a:t>(Set 1 EXCEPT Set 2) is different than (Set 2 EXCEPT Set 1)</a:t>
             </a:r>
           </a:p>
           <a:p>
             <a:r>
               <a:rPr lang="en-GB" dirty="0"/>
               <a:t>Operation with 0 or 1 child will be flagged</a:t>
+            </a:r>
+          </a:p>
+          <a:p>
+            <a:pPr lvl="1"/>
+            <a:r>
+              <a:rPr lang="en-GB" dirty="0"/>
+              <a:t>(Set 1 EXCEPT NIL) is the same as just Set 1</a:t>
             </a:r>
           </a:p>
         </p:txBody>
       </p:sp>
       <p:grpSp>
         <p:nvGrpSpPr>
-          <p:cNvPr id="7" name="Group 6">
+          <p:cNvPr id="21" name="Group 20">
             <a:extLst>
               <a:ext uri="{FF2B5EF4-FFF2-40B4-BE49-F238E27FC236}">
-                <a16:creationId xmlns:a16="http://schemas.microsoft.com/office/drawing/2014/main" id="{E7A73235-AAD6-4928-9535-73154EBC1562}"/>
+                <a16:creationId xmlns:a16="http://schemas.microsoft.com/office/drawing/2014/main" id="{23A0CE87-D740-4689-B582-55C3C15DBFCA}"/>
               </a:ext>
             </a:extLst>
           </p:cNvPr>
@@ -8312,18 +9910,60 @@
         </p:nvGrpSpPr>
         <p:grpSpPr>
           <a:xfrm>
-            <a:off x="695830" y="1922376"/>
-            <a:ext cx="2430507" cy="2245763"/>
-            <a:chOff x="5408858" y="3960441"/>
-            <a:chExt cx="2430507" cy="2245763"/>
+            <a:off x="353136" y="2035737"/>
+            <a:ext cx="3366652" cy="2962863"/>
+            <a:chOff x="5248133" y="3855438"/>
+            <a:chExt cx="3366652" cy="2962863"/>
           </a:xfrm>
         </p:grpSpPr>
         <p:sp>
           <p:nvSpPr>
-            <p:cNvPr id="49" name="Freeform: Shape 48">
+            <p:cNvPr id="22" name="TextBox 21">
               <a:extLst>
                 <a:ext uri="{FF2B5EF4-FFF2-40B4-BE49-F238E27FC236}">
-                  <a16:creationId xmlns:a16="http://schemas.microsoft.com/office/drawing/2014/main" id="{7A7DAD62-E0F7-4BE5-8D59-361D35ED076F}"/>
+                  <a16:creationId xmlns:a16="http://schemas.microsoft.com/office/drawing/2014/main" id="{EFFCBF04-3C34-4E6E-8A3C-BA8BF04B2325}"/>
+                </a:ext>
+              </a:extLst>
+            </p:cNvPr>
+            <p:cNvSpPr txBox="1"/>
+            <p:nvPr/>
+          </p:nvSpPr>
+          <p:spPr>
+            <a:xfrm>
+              <a:off x="5248133" y="6171970"/>
+              <a:ext cx="3366652" cy="646331"/>
+            </a:xfrm>
+            <a:prstGeom prst="rect">
+              <a:avLst/>
+            </a:prstGeom>
+            <a:noFill/>
+          </p:spPr>
+          <p:txBody>
+            <a:bodyPr wrap="square" rtlCol="0">
+              <a:spAutoFit/>
+            </a:bodyPr>
+            <a:lstStyle/>
+            <a:p>
+              <a:r>
+                <a:rPr lang="en-US" sz="1200" dirty="0"/>
+                <a:t>(Set 1 EXCEPT Set 2) INTERSECT Set 3</a:t>
+              </a:r>
+            </a:p>
+            <a:p>
+              <a:r>
+                <a:rPr lang="en-US" sz="1200" dirty="0"/>
+                <a:t>People who have ever had Diazepam prescriptions only after 2000 and are still alive</a:t>
+              </a:r>
+              <a:endParaRPr lang="en-GB" sz="1200" dirty="0"/>
+            </a:p>
+          </p:txBody>
+        </p:sp>
+        <p:sp>
+          <p:nvSpPr>
+            <p:cNvPr id="23" name="Freeform: Shape 22">
+              <a:extLst>
+                <a:ext uri="{FF2B5EF4-FFF2-40B4-BE49-F238E27FC236}">
+                  <a16:creationId xmlns:a16="http://schemas.microsoft.com/office/drawing/2014/main" id="{6E5D0EFD-E556-47D3-98BA-FC5F2BE58943}"/>
                 </a:ext>
               </a:extLst>
             </p:cNvPr>
@@ -8332,34 +9972,34 @@
           </p:nvSpPr>
           <p:spPr>
             <a:xfrm>
-              <a:off x="6322554" y="4687754"/>
-              <a:ext cx="603863" cy="642460"/>
+              <a:off x="6716400" y="4002843"/>
+              <a:ext cx="630145" cy="648454"/>
             </a:xfrm>
             <a:custGeom>
               <a:avLst/>
               <a:gdLst>
-                <a:gd name="connsiteX0" fmla="*/ 301559 w 603863"/>
-                <a:gd name="connsiteY0" fmla="*/ 0 h 642460"/>
-                <a:gd name="connsiteX1" fmla="*/ 597083 w 603863"/>
-                <a:gd name="connsiteY1" fmla="*/ 59664 h 642460"/>
-                <a:gd name="connsiteX2" fmla="*/ 603863 w 603863"/>
-                <a:gd name="connsiteY2" fmla="*/ 63344 h 642460"/>
-                <a:gd name="connsiteX3" fmla="*/ 600835 w 603863"/>
-                <a:gd name="connsiteY3" fmla="*/ 123299 h 642460"/>
-                <a:gd name="connsiteX4" fmla="*/ 356016 w 603863"/>
-                <a:gd name="connsiteY4" fmla="*/ 607665 h 642460"/>
-                <a:gd name="connsiteX5" fmla="*/ 310052 w 603863"/>
-                <a:gd name="connsiteY5" fmla="*/ 642460 h 642460"/>
-                <a:gd name="connsiteX6" fmla="*/ 220734 w 603863"/>
-                <a:gd name="connsiteY6" fmla="*/ 568765 h 642460"/>
-                <a:gd name="connsiteX7" fmla="*/ 2282 w 603863"/>
-                <a:gd name="connsiteY7" fmla="*/ 109538 h 642460"/>
-                <a:gd name="connsiteX8" fmla="*/ 0 w 603863"/>
-                <a:gd name="connsiteY8" fmla="*/ 64344 h 642460"/>
-                <a:gd name="connsiteX9" fmla="*/ 23171 w 603863"/>
-                <a:gd name="connsiteY9" fmla="*/ 52662 h 642460"/>
-                <a:gd name="connsiteX10" fmla="*/ 301559 w 603863"/>
-                <a:gd name="connsiteY10" fmla="*/ 0 h 642460"/>
+                <a:gd name="connsiteX0" fmla="*/ 316913 w 630145"/>
+                <a:gd name="connsiteY0" fmla="*/ 0 h 648454"/>
+                <a:gd name="connsiteX1" fmla="*/ 407773 w 630145"/>
+                <a:gd name="connsiteY1" fmla="*/ 74966 h 648454"/>
+                <a:gd name="connsiteX2" fmla="*/ 630145 w 630145"/>
+                <a:gd name="connsiteY2" fmla="*/ 611819 h 648454"/>
+                <a:gd name="connsiteX3" fmla="*/ 628295 w 630145"/>
+                <a:gd name="connsiteY3" fmla="*/ 648454 h 648454"/>
+                <a:gd name="connsiteX4" fmla="*/ 573962 w 630145"/>
+                <a:gd name="connsiteY4" fmla="*/ 618963 h 648454"/>
+                <a:gd name="connsiteX5" fmla="*/ 278438 w 630145"/>
+                <a:gd name="connsiteY5" fmla="*/ 559299 h 648454"/>
+                <a:gd name="connsiteX6" fmla="*/ 125428 w 630145"/>
+                <a:gd name="connsiteY6" fmla="*/ 574724 h 648454"/>
+                <a:gd name="connsiteX7" fmla="*/ 0 w 630145"/>
+                <a:gd name="connsiteY7" fmla="*/ 613659 h 648454"/>
+                <a:gd name="connsiteX8" fmla="*/ 3857 w 630145"/>
+                <a:gd name="connsiteY8" fmla="*/ 537282 h 648454"/>
+                <a:gd name="connsiteX9" fmla="*/ 222309 w 630145"/>
+                <a:gd name="connsiteY9" fmla="*/ 78055 h 648454"/>
+                <a:gd name="connsiteX10" fmla="*/ 316913 w 630145"/>
+                <a:gd name="connsiteY10" fmla="*/ 0 h 648454"/>
               </a:gdLst>
               <a:ahLst/>
               <a:cxnLst>
@@ -8399,53 +10039,58 @@
               </a:cxnLst>
               <a:rect l="l" t="t" r="r" b="b"/>
               <a:pathLst>
-                <a:path w="603863" h="642460">
+                <a:path w="630145" h="648454">
                   <a:moveTo>
-                    <a:pt x="301559" y="0"/>
+                    <a:pt x="316913" y="0"/>
                   </a:moveTo>
+                  <a:lnTo>
+                    <a:pt x="407773" y="74966"/>
+                  </a:lnTo>
                   <a:cubicBezTo>
-                    <a:pt x="406386" y="0"/>
-                    <a:pt x="506251" y="21245"/>
-                    <a:pt x="597083" y="59664"/>
+                    <a:pt x="545166" y="212359"/>
+                    <a:pt x="630145" y="402165"/>
+                    <a:pt x="630145" y="611819"/>
                   </a:cubicBezTo>
                   <a:lnTo>
-                    <a:pt x="603863" y="63344"/>
+                    <a:pt x="628295" y="648454"/>
                   </a:lnTo>
                   <a:lnTo>
-                    <a:pt x="600835" y="123299"/>
+                    <a:pt x="573962" y="618963"/>
                   </a:lnTo>
                   <a:cubicBezTo>
-                    <a:pt x="581396" y="314721"/>
-                    <a:pt x="490845" y="485121"/>
-                    <a:pt x="356016" y="607665"/>
+                    <a:pt x="483130" y="580544"/>
+                    <a:pt x="383265" y="559299"/>
+                    <a:pt x="278438" y="559299"/>
+                  </a:cubicBezTo>
+                  <a:cubicBezTo>
+                    <a:pt x="226025" y="559299"/>
+                    <a:pt x="174852" y="564610"/>
+                    <a:pt x="125428" y="574724"/>
                   </a:cubicBezTo>
                   <a:lnTo>
-                    <a:pt x="310052" y="642460"/>
+                    <a:pt x="0" y="613659"/>
                   </a:lnTo>
                   <a:lnTo>
-                    <a:pt x="220734" y="568765"/>
+                    <a:pt x="3857" y="537282"/>
                   </a:lnTo>
                   <a:cubicBezTo>
-                    <a:pt x="100516" y="448547"/>
-                    <a:pt x="20426" y="288199"/>
-                    <a:pt x="2282" y="109538"/>
+                    <a:pt x="22001" y="358622"/>
+                    <a:pt x="102091" y="198274"/>
+                    <a:pt x="222309" y="78055"/>
                   </a:cubicBezTo>
                   <a:lnTo>
-                    <a:pt x="0" y="64344"/>
+                    <a:pt x="316913" y="0"/>
                   </a:lnTo>
-                  <a:lnTo>
-                    <a:pt x="23171" y="52662"/>
-                  </a:lnTo>
-                  <a:cubicBezTo>
-                    <a:pt x="109370" y="18672"/>
-                    <a:pt x="203284" y="0"/>
-                    <a:pt x="301559" y="0"/>
-                  </a:cubicBezTo>
                   <a:close/>
                 </a:path>
               </a:pathLst>
             </a:custGeom>
-            <a:noFill/>
+            <a:solidFill>
+              <a:schemeClr val="accent4">
+                <a:lumMod val="40000"/>
+                <a:lumOff val="60000"/>
+              </a:schemeClr>
+            </a:solidFill>
           </p:spPr>
           <p:style>
             <a:lnRef idx="2">
@@ -8464,7 +10109,9 @@
             </a:fontRef>
           </p:style>
           <p:txBody>
-            <a:bodyPr rtlCol="0" anchor="ctr"/>
+            <a:bodyPr wrap="square" rtlCol="0" anchor="ctr">
+              <a:noAutofit/>
+            </a:bodyPr>
             <a:lstStyle/>
             <a:p>
               <a:pPr algn="ctr"/>
@@ -8474,10 +10121,10 @@
         </p:sp>
         <p:sp>
           <p:nvSpPr>
-            <p:cNvPr id="48" name="Freeform: Shape 47">
+            <p:cNvPr id="24" name="Freeform: Shape 23">
               <a:extLst>
                 <a:ext uri="{FF2B5EF4-FFF2-40B4-BE49-F238E27FC236}">
-                  <a16:creationId xmlns:a16="http://schemas.microsoft.com/office/drawing/2014/main" id="{B79C6C3E-8603-4C7A-B536-4FBEE49CA21D}"/>
+                  <a16:creationId xmlns:a16="http://schemas.microsoft.com/office/drawing/2014/main" id="{C334D76C-123B-4E5E-9A57-CF41A1348C9A}"/>
                 </a:ext>
               </a:extLst>
             </p:cNvPr>
@@ -8486,40 +10133,34 @@
           </p:nvSpPr>
           <p:spPr>
             <a:xfrm>
-              <a:off x="6320915" y="3960441"/>
-              <a:ext cx="1518450" cy="1518450"/>
+              <a:off x="7029568" y="4651298"/>
+              <a:ext cx="724494" cy="725679"/>
             </a:xfrm>
             <a:custGeom>
               <a:avLst/>
               <a:gdLst>
-                <a:gd name="connsiteX0" fmla="*/ 759225 w 1518450"/>
-                <a:gd name="connsiteY0" fmla="*/ 0 h 1518450"/>
-                <a:gd name="connsiteX1" fmla="*/ 1518450 w 1518450"/>
-                <a:gd name="connsiteY1" fmla="*/ 759225 h 1518450"/>
-                <a:gd name="connsiteX2" fmla="*/ 759225 w 1518450"/>
-                <a:gd name="connsiteY2" fmla="*/ 1518450 h 1518450"/>
-                <a:gd name="connsiteX3" fmla="*/ 334735 w 1518450"/>
-                <a:gd name="connsiteY3" fmla="*/ 1388786 h 1518450"/>
-                <a:gd name="connsiteX4" fmla="*/ 311690 w 1518450"/>
-                <a:gd name="connsiteY4" fmla="*/ 1369773 h 1518450"/>
-                <a:gd name="connsiteX5" fmla="*/ 357654 w 1518450"/>
-                <a:gd name="connsiteY5" fmla="*/ 1334978 h 1518450"/>
-                <a:gd name="connsiteX6" fmla="*/ 602473 w 1518450"/>
-                <a:gd name="connsiteY6" fmla="*/ 850612 h 1518450"/>
-                <a:gd name="connsiteX7" fmla="*/ 605501 w 1518450"/>
-                <a:gd name="connsiteY7" fmla="*/ 790657 h 1518450"/>
-                <a:gd name="connsiteX8" fmla="*/ 598721 w 1518450"/>
-                <a:gd name="connsiteY8" fmla="*/ 786977 h 1518450"/>
-                <a:gd name="connsiteX9" fmla="*/ 303197 w 1518450"/>
-                <a:gd name="connsiteY9" fmla="*/ 727313 h 1518450"/>
-                <a:gd name="connsiteX10" fmla="*/ 24809 w 1518450"/>
-                <a:gd name="connsiteY10" fmla="*/ 779975 h 1518450"/>
-                <a:gd name="connsiteX11" fmla="*/ 1638 w 1518450"/>
-                <a:gd name="connsiteY11" fmla="*/ 791657 h 1518450"/>
-                <a:gd name="connsiteX12" fmla="*/ 0 w 1518450"/>
-                <a:gd name="connsiteY12" fmla="*/ 759225 h 1518450"/>
-                <a:gd name="connsiteX13" fmla="*/ 759225 w 1518450"/>
-                <a:gd name="connsiteY13" fmla="*/ 0 h 1518450"/>
+                <a:gd name="connsiteX0" fmla="*/ 315126 w 724494"/>
+                <a:gd name="connsiteY0" fmla="*/ 0 h 725679"/>
+                <a:gd name="connsiteX1" fmla="*/ 389759 w 724494"/>
+                <a:gd name="connsiteY1" fmla="*/ 40509 h 725679"/>
+                <a:gd name="connsiteX2" fmla="*/ 724494 w 724494"/>
+                <a:gd name="connsiteY2" fmla="*/ 670070 h 725679"/>
+                <a:gd name="connsiteX3" fmla="*/ 724431 w 724494"/>
+                <a:gd name="connsiteY3" fmla="*/ 671319 h 725679"/>
+                <a:gd name="connsiteX4" fmla="*/ 599003 w 724494"/>
+                <a:gd name="connsiteY4" fmla="*/ 710254 h 725679"/>
+                <a:gd name="connsiteX5" fmla="*/ 445993 w 724494"/>
+                <a:gd name="connsiteY5" fmla="*/ 725679 h 725679"/>
+                <a:gd name="connsiteX6" fmla="*/ 21503 w 724494"/>
+                <a:gd name="connsiteY6" fmla="*/ 596015 h 725679"/>
+                <a:gd name="connsiteX7" fmla="*/ 0 w 724494"/>
+                <a:gd name="connsiteY7" fmla="*/ 578274 h 725679"/>
+                <a:gd name="connsiteX8" fmla="*/ 94604 w 724494"/>
+                <a:gd name="connsiteY8" fmla="*/ 500218 h 725679"/>
+                <a:gd name="connsiteX9" fmla="*/ 313056 w 724494"/>
+                <a:gd name="connsiteY9" fmla="*/ 40991 h 725679"/>
+                <a:gd name="connsiteX10" fmla="*/ 315126 w 724494"/>
+                <a:gd name="connsiteY10" fmla="*/ 0 h 725679"/>
               </a:gdLst>
               <a:ahLst/>
               <a:cxnLst>
@@ -8556,228 +10197,50 @@
                 <a:cxn ang="0">
                   <a:pos x="connsiteX10" y="connsiteY10"/>
                 </a:cxn>
-                <a:cxn ang="0">
-                  <a:pos x="connsiteX11" y="connsiteY11"/>
-                </a:cxn>
-                <a:cxn ang="0">
-                  <a:pos x="connsiteX12" y="connsiteY12"/>
-                </a:cxn>
-                <a:cxn ang="0">
-                  <a:pos x="connsiteX13" y="connsiteY13"/>
-                </a:cxn>
               </a:cxnLst>
               <a:rect l="l" t="t" r="r" b="b"/>
               <a:pathLst>
-                <a:path w="1518450" h="1518450">
+                <a:path w="724494" h="725679">
                   <a:moveTo>
-                    <a:pt x="759225" y="0"/>
+                    <a:pt x="315126" y="0"/>
                   </a:moveTo>
+                  <a:lnTo>
+                    <a:pt x="389759" y="40509"/>
+                  </a:lnTo>
                   <a:cubicBezTo>
-                    <a:pt x="1178533" y="0"/>
-                    <a:pt x="1518450" y="339917"/>
-                    <a:pt x="1518450" y="759225"/>
+                    <a:pt x="591714" y="176947"/>
+                    <a:pt x="724494" y="408003"/>
+                    <a:pt x="724494" y="670070"/>
+                  </a:cubicBezTo>
+                  <a:lnTo>
+                    <a:pt x="724431" y="671319"/>
+                  </a:lnTo>
+                  <a:lnTo>
+                    <a:pt x="599003" y="710254"/>
+                  </a:lnTo>
+                  <a:cubicBezTo>
+                    <a:pt x="549580" y="720368"/>
+                    <a:pt x="498407" y="725679"/>
+                    <a:pt x="445993" y="725679"/>
                   </a:cubicBezTo>
                   <a:cubicBezTo>
-                    <a:pt x="1518450" y="1178533"/>
-                    <a:pt x="1178533" y="1518450"/>
-                    <a:pt x="759225" y="1518450"/>
-                  </a:cubicBezTo>
-                  <a:cubicBezTo>
-                    <a:pt x="601985" y="1518450"/>
-                    <a:pt x="455909" y="1470649"/>
-                    <a:pt x="334735" y="1388786"/>
+                    <a:pt x="288753" y="725679"/>
+                    <a:pt x="142677" y="677878"/>
+                    <a:pt x="21503" y="596015"/>
                   </a:cubicBezTo>
                   <a:lnTo>
-                    <a:pt x="311690" y="1369773"/>
+                    <a:pt x="0" y="578274"/>
                   </a:lnTo>
                   <a:lnTo>
-                    <a:pt x="357654" y="1334978"/>
+                    <a:pt x="94604" y="500218"/>
                   </a:lnTo>
                   <a:cubicBezTo>
-                    <a:pt x="492483" y="1212434"/>
-                    <a:pt x="583034" y="1042034"/>
-                    <a:pt x="602473" y="850612"/>
+                    <a:pt x="214823" y="380000"/>
+                    <a:pt x="294912" y="219652"/>
+                    <a:pt x="313056" y="40991"/>
                   </a:cubicBezTo>
                   <a:lnTo>
-                    <a:pt x="605501" y="790657"/>
-                  </a:lnTo>
-                  <a:lnTo>
-                    <a:pt x="598721" y="786977"/>
-                  </a:lnTo>
-                  <a:cubicBezTo>
-                    <a:pt x="507889" y="748558"/>
-                    <a:pt x="408024" y="727313"/>
-                    <a:pt x="303197" y="727313"/>
-                  </a:cubicBezTo>
-                  <a:cubicBezTo>
-                    <a:pt x="204922" y="727313"/>
-                    <a:pt x="111008" y="745985"/>
-                    <a:pt x="24809" y="779975"/>
-                  </a:cubicBezTo>
-                  <a:lnTo>
-                    <a:pt x="1638" y="791657"/>
-                  </a:lnTo>
-                  <a:lnTo>
-                    <a:pt x="0" y="759225"/>
-                  </a:lnTo>
-                  <a:cubicBezTo>
-                    <a:pt x="0" y="339917"/>
-                    <a:pt x="339917" y="0"/>
-                    <a:pt x="759225" y="0"/>
-                  </a:cubicBezTo>
-                  <a:close/>
-                </a:path>
-              </a:pathLst>
-            </a:custGeom>
-            <a:noFill/>
-          </p:spPr>
-          <p:style>
-            <a:lnRef idx="2">
-              <a:schemeClr val="accent1">
-                <a:shade val="50000"/>
-              </a:schemeClr>
-            </a:lnRef>
-            <a:fillRef idx="1">
-              <a:schemeClr val="accent1"/>
-            </a:fillRef>
-            <a:effectRef idx="0">
-              <a:schemeClr val="accent1"/>
-            </a:effectRef>
-            <a:fontRef idx="minor">
-              <a:schemeClr val="lt1"/>
-            </a:fontRef>
-          </p:style>
-          <p:txBody>
-            <a:bodyPr rtlCol="0" anchor="ctr"/>
-            <a:lstStyle/>
-            <a:p>
-              <a:pPr algn="ctr"/>
-              <a:endParaRPr lang="en-GB"/>
-            </a:p>
-          </p:txBody>
-        </p:sp>
-        <p:sp>
-          <p:nvSpPr>
-            <p:cNvPr id="47" name="Freeform: Shape 46">
-              <a:extLst>
-                <a:ext uri="{FF2B5EF4-FFF2-40B4-BE49-F238E27FC236}">
-                  <a16:creationId xmlns:a16="http://schemas.microsoft.com/office/drawing/2014/main" id="{D24F7171-D946-4825-8013-44EA5A509452}"/>
-                </a:ext>
-              </a:extLst>
-            </p:cNvPr>
-            <p:cNvSpPr/>
-            <p:nvPr/>
-          </p:nvSpPr>
-          <p:spPr>
-            <a:xfrm>
-              <a:off x="5865781" y="4752098"/>
-              <a:ext cx="766825" cy="740554"/>
-            </a:xfrm>
-            <a:custGeom>
-              <a:avLst/>
-              <a:gdLst>
-                <a:gd name="connsiteX0" fmla="*/ 456773 w 766825"/>
-                <a:gd name="connsiteY0" fmla="*/ 0 h 740554"/>
-                <a:gd name="connsiteX1" fmla="*/ 459055 w 766825"/>
-                <a:gd name="connsiteY1" fmla="*/ 45194 h 740554"/>
-                <a:gd name="connsiteX2" fmla="*/ 677507 w 766825"/>
-                <a:gd name="connsiteY2" fmla="*/ 504421 h 740554"/>
-                <a:gd name="connsiteX3" fmla="*/ 766825 w 766825"/>
-                <a:gd name="connsiteY3" fmla="*/ 578116 h 740554"/>
-                <a:gd name="connsiteX4" fmla="*/ 703784 w 766825"/>
-                <a:gd name="connsiteY4" fmla="*/ 625837 h 740554"/>
-                <a:gd name="connsiteX5" fmla="*/ 302303 w 766825"/>
-                <a:gd name="connsiteY5" fmla="*/ 740554 h 740554"/>
-                <a:gd name="connsiteX6" fmla="*/ 6779 w 766825"/>
-                <a:gd name="connsiteY6" fmla="*/ 680890 h 740554"/>
-                <a:gd name="connsiteX7" fmla="*/ 0 w 766825"/>
-                <a:gd name="connsiteY7" fmla="*/ 677210 h 740554"/>
-                <a:gd name="connsiteX8" fmla="*/ 3027 w 766825"/>
-                <a:gd name="connsiteY8" fmla="*/ 617255 h 740554"/>
-                <a:gd name="connsiteX9" fmla="*/ 356851 w 766825"/>
-                <a:gd name="connsiteY9" fmla="*/ 50373 h 740554"/>
-                <a:gd name="connsiteX10" fmla="*/ 456773 w 766825"/>
-                <a:gd name="connsiteY10" fmla="*/ 0 h 740554"/>
-              </a:gdLst>
-              <a:ahLst/>
-              <a:cxnLst>
-                <a:cxn ang="0">
-                  <a:pos x="connsiteX0" y="connsiteY0"/>
-                </a:cxn>
-                <a:cxn ang="0">
-                  <a:pos x="connsiteX1" y="connsiteY1"/>
-                </a:cxn>
-                <a:cxn ang="0">
-                  <a:pos x="connsiteX2" y="connsiteY2"/>
-                </a:cxn>
-                <a:cxn ang="0">
-                  <a:pos x="connsiteX3" y="connsiteY3"/>
-                </a:cxn>
-                <a:cxn ang="0">
-                  <a:pos x="connsiteX4" y="connsiteY4"/>
-                </a:cxn>
-                <a:cxn ang="0">
-                  <a:pos x="connsiteX5" y="connsiteY5"/>
-                </a:cxn>
-                <a:cxn ang="0">
-                  <a:pos x="connsiteX6" y="connsiteY6"/>
-                </a:cxn>
-                <a:cxn ang="0">
-                  <a:pos x="connsiteX7" y="connsiteY7"/>
-                </a:cxn>
-                <a:cxn ang="0">
-                  <a:pos x="connsiteX8" y="connsiteY8"/>
-                </a:cxn>
-                <a:cxn ang="0">
-                  <a:pos x="connsiteX9" y="connsiteY9"/>
-                </a:cxn>
-                <a:cxn ang="0">
-                  <a:pos x="connsiteX10" y="connsiteY10"/>
-                </a:cxn>
-              </a:cxnLst>
-              <a:rect l="l" t="t" r="r" b="b"/>
-              <a:pathLst>
-                <a:path w="766825" h="740554">
-                  <a:moveTo>
-                    <a:pt x="456773" y="0"/>
-                  </a:moveTo>
-                  <a:lnTo>
-                    <a:pt x="459055" y="45194"/>
-                  </a:lnTo>
-                  <a:cubicBezTo>
-                    <a:pt x="477199" y="223855"/>
-                    <a:pt x="557289" y="384203"/>
-                    <a:pt x="677507" y="504421"/>
-                  </a:cubicBezTo>
-                  <a:lnTo>
-                    <a:pt x="766825" y="578116"/>
-                  </a:lnTo>
-                  <a:lnTo>
-                    <a:pt x="703784" y="625837"/>
-                  </a:lnTo>
-                  <a:cubicBezTo>
-                    <a:pt x="587317" y="698542"/>
-                    <a:pt x="449716" y="740554"/>
-                    <a:pt x="302303" y="740554"/>
-                  </a:cubicBezTo>
-                  <a:cubicBezTo>
-                    <a:pt x="197476" y="740554"/>
-                    <a:pt x="97611" y="719309"/>
-                    <a:pt x="6779" y="680890"/>
-                  </a:cubicBezTo>
-                  <a:lnTo>
-                    <a:pt x="0" y="677210"/>
-                  </a:lnTo>
-                  <a:lnTo>
-                    <a:pt x="3027" y="617255"/>
-                  </a:lnTo>
-                  <a:cubicBezTo>
-                    <a:pt x="27327" y="377978"/>
-                    <a:pt x="162738" y="171548"/>
-                    <a:pt x="356851" y="50373"/>
-                  </a:cubicBezTo>
-                  <a:lnTo>
-                    <a:pt x="456773" y="0"/>
+                    <a:pt x="315126" y="0"/>
                   </a:lnTo>
                   <a:close/>
                 </a:path>
@@ -8807,7 +10270,9 @@
             </a:fontRef>
           </p:style>
           <p:txBody>
-            <a:bodyPr rtlCol="0" anchor="ctr"/>
+            <a:bodyPr wrap="square" rtlCol="0" anchor="ctr">
+              <a:noAutofit/>
+            </a:bodyPr>
             <a:lstStyle/>
             <a:p>
               <a:pPr algn="ctr"/>
@@ -8817,10 +10282,10 @@
         </p:sp>
         <p:sp>
           <p:nvSpPr>
-            <p:cNvPr id="45" name="Freeform: Shape 44">
+            <p:cNvPr id="25" name="Freeform: Shape 24">
               <a:extLst>
                 <a:ext uri="{FF2B5EF4-FFF2-40B4-BE49-F238E27FC236}">
-                  <a16:creationId xmlns:a16="http://schemas.microsoft.com/office/drawing/2014/main" id="{2E76B576-FF02-4D71-A6A8-2DF0193E2277}"/>
+                  <a16:creationId xmlns:a16="http://schemas.microsoft.com/office/drawing/2014/main" id="{B630F719-82B2-4434-A252-C01B8B180D78}"/>
                 </a:ext>
               </a:extLst>
             </p:cNvPr>
@@ -8829,32 +10294,36 @@
           </p:nvSpPr>
           <p:spPr>
             <a:xfrm>
-              <a:off x="5408858" y="3974202"/>
-              <a:ext cx="1518450" cy="1455106"/>
+              <a:off x="5828094" y="3855438"/>
+              <a:ext cx="1205218" cy="1429295"/>
             </a:xfrm>
             <a:custGeom>
               <a:avLst/>
               <a:gdLst>
-                <a:gd name="connsiteX0" fmla="*/ 759225 w 1518450"/>
-                <a:gd name="connsiteY0" fmla="*/ 0 h 1455106"/>
-                <a:gd name="connsiteX1" fmla="*/ 1518450 w 1518450"/>
-                <a:gd name="connsiteY1" fmla="*/ 759225 h 1455106"/>
-                <a:gd name="connsiteX2" fmla="*/ 1517558 w 1518450"/>
-                <a:gd name="connsiteY2" fmla="*/ 776896 h 1455106"/>
-                <a:gd name="connsiteX3" fmla="*/ 1510778 w 1518450"/>
-                <a:gd name="connsiteY3" fmla="*/ 773216 h 1455106"/>
-                <a:gd name="connsiteX4" fmla="*/ 1215254 w 1518450"/>
-                <a:gd name="connsiteY4" fmla="*/ 713552 h 1455106"/>
-                <a:gd name="connsiteX5" fmla="*/ 459949 w 1518450"/>
-                <a:gd name="connsiteY5" fmla="*/ 1395151 h 1455106"/>
-                <a:gd name="connsiteX6" fmla="*/ 456922 w 1518450"/>
-                <a:gd name="connsiteY6" fmla="*/ 1455106 h 1455106"/>
-                <a:gd name="connsiteX7" fmla="*/ 334735 w 1518450"/>
-                <a:gd name="connsiteY7" fmla="*/ 1388786 h 1455106"/>
-                <a:gd name="connsiteX8" fmla="*/ 0 w 1518450"/>
-                <a:gd name="connsiteY8" fmla="*/ 759225 h 1455106"/>
-                <a:gd name="connsiteX9" fmla="*/ 759225 w 1518450"/>
-                <a:gd name="connsiteY9" fmla="*/ 0 h 1455106"/>
+                <a:gd name="connsiteX0" fmla="*/ 759225 w 1205218"/>
+                <a:gd name="connsiteY0" fmla="*/ 0 h 1429295"/>
+                <a:gd name="connsiteX1" fmla="*/ 1183715 w 1205218"/>
+                <a:gd name="connsiteY1" fmla="*/ 129664 h 1429295"/>
+                <a:gd name="connsiteX2" fmla="*/ 1205218 w 1205218"/>
+                <a:gd name="connsiteY2" fmla="*/ 147406 h 1429295"/>
+                <a:gd name="connsiteX3" fmla="*/ 1110614 w 1205218"/>
+                <a:gd name="connsiteY3" fmla="*/ 225461 h 1429295"/>
+                <a:gd name="connsiteX4" fmla="*/ 892162 w 1205218"/>
+                <a:gd name="connsiteY4" fmla="*/ 684688 h 1429295"/>
+                <a:gd name="connsiteX5" fmla="*/ 888305 w 1205218"/>
+                <a:gd name="connsiteY5" fmla="*/ 761065 h 1429295"/>
+                <a:gd name="connsiteX6" fmla="*/ 871219 w 1205218"/>
+                <a:gd name="connsiteY6" fmla="*/ 766369 h 1429295"/>
+                <a:gd name="connsiteX7" fmla="*/ 411438 w 1205218"/>
+                <a:gd name="connsiteY7" fmla="*/ 1388304 h 1429295"/>
+                <a:gd name="connsiteX8" fmla="*/ 409368 w 1205218"/>
+                <a:gd name="connsiteY8" fmla="*/ 1429295 h 1429295"/>
+                <a:gd name="connsiteX9" fmla="*/ 334735 w 1205218"/>
+                <a:gd name="connsiteY9" fmla="*/ 1388786 h 1429295"/>
+                <a:gd name="connsiteX10" fmla="*/ 0 w 1205218"/>
+                <a:gd name="connsiteY10" fmla="*/ 759225 h 1429295"/>
+                <a:gd name="connsiteX11" fmla="*/ 759225 w 1205218"/>
+                <a:gd name="connsiteY11" fmla="*/ 0 h 1429295"/>
               </a:gdLst>
               <a:ahLst/>
               <a:cxnLst>
@@ -8888,36 +10357,48 @@
                 <a:cxn ang="0">
                   <a:pos x="connsiteX9" y="connsiteY9"/>
                 </a:cxn>
+                <a:cxn ang="0">
+                  <a:pos x="connsiteX10" y="connsiteY10"/>
+                </a:cxn>
+                <a:cxn ang="0">
+                  <a:pos x="connsiteX11" y="connsiteY11"/>
+                </a:cxn>
               </a:cxnLst>
               <a:rect l="l" t="t" r="r" b="b"/>
               <a:pathLst>
-                <a:path w="1518450" h="1455106">
+                <a:path w="1205218" h="1429295">
                   <a:moveTo>
                     <a:pt x="759225" y="0"/>
                   </a:moveTo>
                   <a:cubicBezTo>
-                    <a:pt x="1178533" y="0"/>
-                    <a:pt x="1518450" y="339917"/>
-                    <a:pt x="1518450" y="759225"/>
+                    <a:pt x="916466" y="0"/>
+                    <a:pt x="1062542" y="47801"/>
+                    <a:pt x="1183715" y="129664"/>
                   </a:cubicBezTo>
                   <a:lnTo>
-                    <a:pt x="1517558" y="776896"/>
+                    <a:pt x="1205218" y="147406"/>
                   </a:lnTo>
                   <a:lnTo>
-                    <a:pt x="1510778" y="773216"/>
+                    <a:pt x="1110614" y="225461"/>
                   </a:lnTo>
                   <a:cubicBezTo>
-                    <a:pt x="1419946" y="734797"/>
-                    <a:pt x="1320081" y="713552"/>
-                    <a:pt x="1215254" y="713552"/>
-                  </a:cubicBezTo>
-                  <a:cubicBezTo>
-                    <a:pt x="822153" y="713552"/>
-                    <a:pt x="498829" y="1012307"/>
-                    <a:pt x="459949" y="1395151"/>
+                    <a:pt x="990396" y="345680"/>
+                    <a:pt x="910306" y="506028"/>
+                    <a:pt x="892162" y="684688"/>
                   </a:cubicBezTo>
                   <a:lnTo>
-                    <a:pt x="456922" y="1455106"/>
+                    <a:pt x="888305" y="761065"/>
+                  </a:lnTo>
+                  <a:lnTo>
+                    <a:pt x="871219" y="766369"/>
+                  </a:lnTo>
+                  <a:cubicBezTo>
+                    <a:pt x="621430" y="872021"/>
+                    <a:pt x="439950" y="1107552"/>
+                    <a:pt x="411438" y="1388304"/>
+                  </a:cubicBezTo>
+                  <a:lnTo>
+                    <a:pt x="409368" y="1429295"/>
                   </a:lnTo>
                   <a:lnTo>
                     <a:pt x="334735" y="1388786"/>
@@ -8936,7 +10417,9 @@
                 </a:path>
               </a:pathLst>
             </a:custGeom>
-            <a:noFill/>
+            <a:solidFill>
+              <a:srgbClr val="C00000"/>
+            </a:solidFill>
           </p:spPr>
           <p:style>
             <a:lnRef idx="2">
@@ -8955,7 +10438,9 @@
             </a:fontRef>
           </p:style>
           <p:txBody>
-            <a:bodyPr rtlCol="0" anchor="ctr"/>
+            <a:bodyPr wrap="square" rtlCol="0" anchor="ctr">
+              <a:noAutofit/>
+            </a:bodyPr>
             <a:lstStyle/>
             <a:p>
               <a:pPr algn="ctr"/>
@@ -8965,10 +10450,10 @@
         </p:sp>
         <p:sp>
           <p:nvSpPr>
-            <p:cNvPr id="44" name="Freeform: Shape 43">
+            <p:cNvPr id="26" name="Freeform: Shape 25">
               <a:extLst>
                 <a:ext uri="{FF2B5EF4-FFF2-40B4-BE49-F238E27FC236}">
-                  <a16:creationId xmlns:a16="http://schemas.microsoft.com/office/drawing/2014/main" id="{1BC5227A-65A7-4100-A9B8-0E2AF848EFDB}"/>
+                  <a16:creationId xmlns:a16="http://schemas.microsoft.com/office/drawing/2014/main" id="{73FE858F-3627-4EE3-B345-8AB7A305BE23}"/>
                 </a:ext>
               </a:extLst>
             </p:cNvPr>
@@ -8977,32 +10462,36 @@
           </p:nvSpPr>
           <p:spPr>
             <a:xfrm>
-              <a:off x="5864887" y="4751098"/>
-              <a:ext cx="1518450" cy="1455106"/>
+              <a:off x="7033312" y="3858526"/>
+              <a:ext cx="1201474" cy="1464090"/>
             </a:xfrm>
             <a:custGeom>
               <a:avLst/>
               <a:gdLst>
-                <a:gd name="connsiteX0" fmla="*/ 1061529 w 1518450"/>
-                <a:gd name="connsiteY0" fmla="*/ 0 h 1455106"/>
-                <a:gd name="connsiteX1" fmla="*/ 1183715 w 1518450"/>
-                <a:gd name="connsiteY1" fmla="*/ 66320 h 1455106"/>
-                <a:gd name="connsiteX2" fmla="*/ 1518450 w 1518450"/>
-                <a:gd name="connsiteY2" fmla="*/ 695881 h 1455106"/>
-                <a:gd name="connsiteX3" fmla="*/ 759225 w 1518450"/>
-                <a:gd name="connsiteY3" fmla="*/ 1455106 h 1455106"/>
-                <a:gd name="connsiteX4" fmla="*/ 0 w 1518450"/>
-                <a:gd name="connsiteY4" fmla="*/ 695881 h 1455106"/>
-                <a:gd name="connsiteX5" fmla="*/ 893 w 1518450"/>
-                <a:gd name="connsiteY5" fmla="*/ 678210 h 1455106"/>
-                <a:gd name="connsiteX6" fmla="*/ 7672 w 1518450"/>
-                <a:gd name="connsiteY6" fmla="*/ 681890 h 1455106"/>
-                <a:gd name="connsiteX7" fmla="*/ 303196 w 1518450"/>
-                <a:gd name="connsiteY7" fmla="*/ 741554 h 1455106"/>
-                <a:gd name="connsiteX8" fmla="*/ 1058501 w 1518450"/>
-                <a:gd name="connsiteY8" fmla="*/ 59955 h 1455106"/>
-                <a:gd name="connsiteX9" fmla="*/ 1061529 w 1518450"/>
-                <a:gd name="connsiteY9" fmla="*/ 0 h 1455106"/>
+                <a:gd name="connsiteX0" fmla="*/ 442249 w 1201474"/>
+                <a:gd name="connsiteY0" fmla="*/ 0 h 1464090"/>
+                <a:gd name="connsiteX1" fmla="*/ 1201474 w 1201474"/>
+                <a:gd name="connsiteY1" fmla="*/ 759225 h 1464090"/>
+                <a:gd name="connsiteX2" fmla="*/ 737773 w 1201474"/>
+                <a:gd name="connsiteY2" fmla="*/ 1458786 h 1464090"/>
+                <a:gd name="connsiteX3" fmla="*/ 720687 w 1201474"/>
+                <a:gd name="connsiteY3" fmla="*/ 1464090 h 1464090"/>
+                <a:gd name="connsiteX4" fmla="*/ 720750 w 1201474"/>
+                <a:gd name="connsiteY4" fmla="*/ 1462841 h 1464090"/>
+                <a:gd name="connsiteX5" fmla="*/ 386015 w 1201474"/>
+                <a:gd name="connsiteY5" fmla="*/ 833280 h 1464090"/>
+                <a:gd name="connsiteX6" fmla="*/ 311382 w 1201474"/>
+                <a:gd name="connsiteY6" fmla="*/ 792771 h 1464090"/>
+                <a:gd name="connsiteX7" fmla="*/ 313232 w 1201474"/>
+                <a:gd name="connsiteY7" fmla="*/ 756136 h 1464090"/>
+                <a:gd name="connsiteX8" fmla="*/ 90860 w 1201474"/>
+                <a:gd name="connsiteY8" fmla="*/ 219283 h 1464090"/>
+                <a:gd name="connsiteX9" fmla="*/ 0 w 1201474"/>
+                <a:gd name="connsiteY9" fmla="*/ 144317 h 1464090"/>
+                <a:gd name="connsiteX10" fmla="*/ 17759 w 1201474"/>
+                <a:gd name="connsiteY10" fmla="*/ 129664 h 1464090"/>
+                <a:gd name="connsiteX11" fmla="*/ 442249 w 1201474"/>
+                <a:gd name="connsiteY11" fmla="*/ 0 h 1464090"/>
               </a:gdLst>
               <a:ahLst/>
               <a:cxnLst>
@@ -9036,55 +10525,72 @@
                 <a:cxn ang="0">
                   <a:pos x="connsiteX9" y="connsiteY9"/>
                 </a:cxn>
+                <a:cxn ang="0">
+                  <a:pos x="connsiteX10" y="connsiteY10"/>
+                </a:cxn>
+                <a:cxn ang="0">
+                  <a:pos x="connsiteX11" y="connsiteY11"/>
+                </a:cxn>
               </a:cxnLst>
               <a:rect l="l" t="t" r="r" b="b"/>
               <a:pathLst>
-                <a:path w="1518450" h="1455106">
+                <a:path w="1201474" h="1464090">
                   <a:moveTo>
-                    <a:pt x="1061529" y="0"/>
+                    <a:pt x="442249" y="0"/>
                   </a:moveTo>
+                  <a:cubicBezTo>
+                    <a:pt x="861557" y="0"/>
+                    <a:pt x="1201474" y="339917"/>
+                    <a:pt x="1201474" y="759225"/>
+                  </a:cubicBezTo>
+                  <a:cubicBezTo>
+                    <a:pt x="1201474" y="1073706"/>
+                    <a:pt x="1010271" y="1343530"/>
+                    <a:pt x="737773" y="1458786"/>
+                  </a:cubicBezTo>
                   <a:lnTo>
-                    <a:pt x="1183715" y="66320"/>
+                    <a:pt x="720687" y="1464090"/>
+                  </a:lnTo>
+                  <a:lnTo>
+                    <a:pt x="720750" y="1462841"/>
                   </a:lnTo>
                   <a:cubicBezTo>
-                    <a:pt x="1385670" y="202758"/>
-                    <a:pt x="1518450" y="433814"/>
-                    <a:pt x="1518450" y="695881"/>
-                  </a:cubicBezTo>
-                  <a:cubicBezTo>
-                    <a:pt x="1518450" y="1115189"/>
-                    <a:pt x="1178533" y="1455106"/>
-                    <a:pt x="759225" y="1455106"/>
-                  </a:cubicBezTo>
-                  <a:cubicBezTo>
-                    <a:pt x="339917" y="1455106"/>
-                    <a:pt x="0" y="1115189"/>
-                    <a:pt x="0" y="695881"/>
+                    <a:pt x="720750" y="1200774"/>
+                    <a:pt x="587970" y="969718"/>
+                    <a:pt x="386015" y="833280"/>
                   </a:cubicBezTo>
                   <a:lnTo>
-                    <a:pt x="893" y="678210"/>
+                    <a:pt x="311382" y="792771"/>
                   </a:lnTo>
                   <a:lnTo>
-                    <a:pt x="7672" y="681890"/>
+                    <a:pt x="313232" y="756136"/>
                   </a:lnTo>
                   <a:cubicBezTo>
-                    <a:pt x="98504" y="720309"/>
-                    <a:pt x="198369" y="741554"/>
-                    <a:pt x="303196" y="741554"/>
-                  </a:cubicBezTo>
-                  <a:cubicBezTo>
-                    <a:pt x="696297" y="741554"/>
-                    <a:pt x="1019622" y="442799"/>
-                    <a:pt x="1058501" y="59955"/>
+                    <a:pt x="313232" y="546482"/>
+                    <a:pt x="228253" y="356676"/>
+                    <a:pt x="90860" y="219283"/>
                   </a:cubicBezTo>
                   <a:lnTo>
-                    <a:pt x="1061529" y="0"/>
+                    <a:pt x="0" y="144317"/>
                   </a:lnTo>
+                  <a:lnTo>
+                    <a:pt x="17759" y="129664"/>
+                  </a:lnTo>
+                  <a:cubicBezTo>
+                    <a:pt x="138933" y="47801"/>
+                    <a:pt x="285009" y="0"/>
+                    <a:pt x="442249" y="0"/>
+                  </a:cubicBezTo>
                   <a:close/>
                 </a:path>
               </a:pathLst>
             </a:custGeom>
-            <a:noFill/>
+            <a:solidFill>
+              <a:schemeClr val="accent4">
+                <a:lumMod val="40000"/>
+                <a:lumOff val="60000"/>
+              </a:schemeClr>
+            </a:solidFill>
           </p:spPr>
           <p:style>
             <a:lnRef idx="2">
@@ -9103,7 +10609,9 @@
             </a:fontRef>
           </p:style>
           <p:txBody>
-            <a:bodyPr rtlCol="0" anchor="ctr"/>
+            <a:bodyPr wrap="square" rtlCol="0" anchor="ctr">
+              <a:noAutofit/>
+            </a:bodyPr>
             <a:lstStyle/>
             <a:p>
               <a:pPr algn="ctr"/>
@@ -9113,10 +10621,10 @@
         </p:sp>
         <p:sp>
           <p:nvSpPr>
-            <p:cNvPr id="43" name="Oval 42">
+            <p:cNvPr id="27" name="Freeform: Shape 26">
               <a:extLst>
                 <a:ext uri="{FF2B5EF4-FFF2-40B4-BE49-F238E27FC236}">
-                  <a16:creationId xmlns:a16="http://schemas.microsoft.com/office/drawing/2014/main" id="{D96C465F-DFD4-4EB4-B980-EB0038F3CA4A}"/>
+                  <a16:creationId xmlns:a16="http://schemas.microsoft.com/office/drawing/2014/main" id="{6A9C653E-2569-4B6E-A46F-C1C53F056071}"/>
                 </a:ext>
               </a:extLst>
             </p:cNvPr>
@@ -9125,13 +10633,125 @@
           </p:nvSpPr>
           <p:spPr>
             <a:xfrm>
-              <a:off x="5864886" y="4687754"/>
-              <a:ext cx="1518450" cy="1518450"/>
+              <a:off x="6716336" y="4562143"/>
+              <a:ext cx="628358" cy="667429"/>
             </a:xfrm>
-            <a:prstGeom prst="ellipse">
+            <a:custGeom>
               <a:avLst/>
-            </a:prstGeom>
-            <a:noFill/>
+              <a:gdLst>
+                <a:gd name="connsiteX0" fmla="*/ 278501 w 628358"/>
+                <a:gd name="connsiteY0" fmla="*/ 0 h 667429"/>
+                <a:gd name="connsiteX1" fmla="*/ 574025 w 628358"/>
+                <a:gd name="connsiteY1" fmla="*/ 59664 h 667429"/>
+                <a:gd name="connsiteX2" fmla="*/ 628358 w 628358"/>
+                <a:gd name="connsiteY2" fmla="*/ 89155 h 667429"/>
+                <a:gd name="connsiteX3" fmla="*/ 626288 w 628358"/>
+                <a:gd name="connsiteY3" fmla="*/ 130146 h 667429"/>
+                <a:gd name="connsiteX4" fmla="*/ 407836 w 628358"/>
+                <a:gd name="connsiteY4" fmla="*/ 589373 h 667429"/>
+                <a:gd name="connsiteX5" fmla="*/ 313232 w 628358"/>
+                <a:gd name="connsiteY5" fmla="*/ 667429 h 667429"/>
+                <a:gd name="connsiteX6" fmla="*/ 222372 w 628358"/>
+                <a:gd name="connsiteY6" fmla="*/ 592462 h 667429"/>
+                <a:gd name="connsiteX7" fmla="*/ 0 w 628358"/>
+                <a:gd name="connsiteY7" fmla="*/ 55609 h 667429"/>
+                <a:gd name="connsiteX8" fmla="*/ 63 w 628358"/>
+                <a:gd name="connsiteY8" fmla="*/ 54360 h 667429"/>
+                <a:gd name="connsiteX9" fmla="*/ 125491 w 628358"/>
+                <a:gd name="connsiteY9" fmla="*/ 15425 h 667429"/>
+                <a:gd name="connsiteX10" fmla="*/ 278501 w 628358"/>
+                <a:gd name="connsiteY10" fmla="*/ 0 h 667429"/>
+              </a:gdLst>
+              <a:ahLst/>
+              <a:cxnLst>
+                <a:cxn ang="0">
+                  <a:pos x="connsiteX0" y="connsiteY0"/>
+                </a:cxn>
+                <a:cxn ang="0">
+                  <a:pos x="connsiteX1" y="connsiteY1"/>
+                </a:cxn>
+                <a:cxn ang="0">
+                  <a:pos x="connsiteX2" y="connsiteY2"/>
+                </a:cxn>
+                <a:cxn ang="0">
+                  <a:pos x="connsiteX3" y="connsiteY3"/>
+                </a:cxn>
+                <a:cxn ang="0">
+                  <a:pos x="connsiteX4" y="connsiteY4"/>
+                </a:cxn>
+                <a:cxn ang="0">
+                  <a:pos x="connsiteX5" y="connsiteY5"/>
+                </a:cxn>
+                <a:cxn ang="0">
+                  <a:pos x="connsiteX6" y="connsiteY6"/>
+                </a:cxn>
+                <a:cxn ang="0">
+                  <a:pos x="connsiteX7" y="connsiteY7"/>
+                </a:cxn>
+                <a:cxn ang="0">
+                  <a:pos x="connsiteX8" y="connsiteY8"/>
+                </a:cxn>
+                <a:cxn ang="0">
+                  <a:pos x="connsiteX9" y="connsiteY9"/>
+                </a:cxn>
+                <a:cxn ang="0">
+                  <a:pos x="connsiteX10" y="connsiteY10"/>
+                </a:cxn>
+              </a:cxnLst>
+              <a:rect l="l" t="t" r="r" b="b"/>
+              <a:pathLst>
+                <a:path w="628358" h="667429">
+                  <a:moveTo>
+                    <a:pt x="278501" y="0"/>
+                  </a:moveTo>
+                  <a:cubicBezTo>
+                    <a:pt x="383328" y="0"/>
+                    <a:pt x="483193" y="21245"/>
+                    <a:pt x="574025" y="59664"/>
+                  </a:cubicBezTo>
+                  <a:lnTo>
+                    <a:pt x="628358" y="89155"/>
+                  </a:lnTo>
+                  <a:lnTo>
+                    <a:pt x="626288" y="130146"/>
+                  </a:lnTo>
+                  <a:cubicBezTo>
+                    <a:pt x="608144" y="308807"/>
+                    <a:pt x="528055" y="469155"/>
+                    <a:pt x="407836" y="589373"/>
+                  </a:cubicBezTo>
+                  <a:lnTo>
+                    <a:pt x="313232" y="667429"/>
+                  </a:lnTo>
+                  <a:lnTo>
+                    <a:pt x="222372" y="592462"/>
+                  </a:lnTo>
+                  <a:cubicBezTo>
+                    <a:pt x="84979" y="455069"/>
+                    <a:pt x="0" y="265263"/>
+                    <a:pt x="0" y="55609"/>
+                  </a:cubicBezTo>
+                  <a:lnTo>
+                    <a:pt x="63" y="54360"/>
+                  </a:lnTo>
+                  <a:lnTo>
+                    <a:pt x="125491" y="15425"/>
+                  </a:lnTo>
+                  <a:cubicBezTo>
+                    <a:pt x="174915" y="5311"/>
+                    <a:pt x="226088" y="0"/>
+                    <a:pt x="278501" y="0"/>
+                  </a:cubicBezTo>
+                  <a:close/>
+                </a:path>
+              </a:pathLst>
+            </a:custGeom>
+            <a:solidFill>
+              <a:schemeClr val="accent6">
+                <a:lumMod val="60000"/>
+                <a:lumOff val="40000"/>
+              </a:schemeClr>
+            </a:solidFill>
           </p:spPr>
           <p:style>
             <a:lnRef idx="2">
@@ -9150,7 +10770,356 @@
             </a:fontRef>
           </p:style>
           <p:txBody>
-            <a:bodyPr rtlCol="0" anchor="ctr"/>
+            <a:bodyPr wrap="square" rtlCol="0" anchor="ctr">
+              <a:noAutofit/>
+            </a:bodyPr>
+            <a:lstStyle/>
+            <a:p>
+              <a:pPr algn="ctr"/>
+              <a:endParaRPr lang="en-GB"/>
+            </a:p>
+          </p:txBody>
+        </p:sp>
+        <p:sp>
+          <p:nvSpPr>
+            <p:cNvPr id="28" name="Freeform: Shape 27">
+              <a:extLst>
+                <a:ext uri="{FF2B5EF4-FFF2-40B4-BE49-F238E27FC236}">
+                  <a16:creationId xmlns:a16="http://schemas.microsoft.com/office/drawing/2014/main" id="{CE9A445A-A6C7-43E8-82A2-B088E6862170}"/>
+                </a:ext>
+              </a:extLst>
+            </p:cNvPr>
+            <p:cNvSpPr/>
+            <p:nvPr/>
+          </p:nvSpPr>
+          <p:spPr>
+            <a:xfrm>
+              <a:off x="6235613" y="5229572"/>
+              <a:ext cx="1518387" cy="851021"/>
+            </a:xfrm>
+            <a:custGeom>
+              <a:avLst/>
+              <a:gdLst>
+                <a:gd name="connsiteX0" fmla="*/ 793956 w 1518387"/>
+                <a:gd name="connsiteY0" fmla="*/ 0 h 851021"/>
+                <a:gd name="connsiteX1" fmla="*/ 815459 w 1518387"/>
+                <a:gd name="connsiteY1" fmla="*/ 17741 h 851021"/>
+                <a:gd name="connsiteX2" fmla="*/ 1239949 w 1518387"/>
+                <a:gd name="connsiteY2" fmla="*/ 147405 h 851021"/>
+                <a:gd name="connsiteX3" fmla="*/ 1392959 w 1518387"/>
+                <a:gd name="connsiteY3" fmla="*/ 131980 h 851021"/>
+                <a:gd name="connsiteX4" fmla="*/ 1518387 w 1518387"/>
+                <a:gd name="connsiteY4" fmla="*/ 93045 h 851021"/>
+                <a:gd name="connsiteX5" fmla="*/ 1514530 w 1518387"/>
+                <a:gd name="connsiteY5" fmla="*/ 169422 h 851021"/>
+                <a:gd name="connsiteX6" fmla="*/ 759225 w 1518387"/>
+                <a:gd name="connsiteY6" fmla="*/ 851021 h 851021"/>
+                <a:gd name="connsiteX7" fmla="*/ 0 w 1518387"/>
+                <a:gd name="connsiteY7" fmla="*/ 91796 h 851021"/>
+                <a:gd name="connsiteX8" fmla="*/ 1850 w 1518387"/>
+                <a:gd name="connsiteY8" fmla="*/ 55161 h 851021"/>
+                <a:gd name="connsiteX9" fmla="*/ 56183 w 1518387"/>
+                <a:gd name="connsiteY9" fmla="*/ 84652 h 851021"/>
+                <a:gd name="connsiteX10" fmla="*/ 351707 w 1518387"/>
+                <a:gd name="connsiteY10" fmla="*/ 144316 h 851021"/>
+                <a:gd name="connsiteX11" fmla="*/ 776197 w 1518387"/>
+                <a:gd name="connsiteY11" fmla="*/ 14652 h 851021"/>
+                <a:gd name="connsiteX12" fmla="*/ 793956 w 1518387"/>
+                <a:gd name="connsiteY12" fmla="*/ 0 h 851021"/>
+              </a:gdLst>
+              <a:ahLst/>
+              <a:cxnLst>
+                <a:cxn ang="0">
+                  <a:pos x="connsiteX0" y="connsiteY0"/>
+                </a:cxn>
+                <a:cxn ang="0">
+                  <a:pos x="connsiteX1" y="connsiteY1"/>
+                </a:cxn>
+                <a:cxn ang="0">
+                  <a:pos x="connsiteX2" y="connsiteY2"/>
+                </a:cxn>
+                <a:cxn ang="0">
+                  <a:pos x="connsiteX3" y="connsiteY3"/>
+                </a:cxn>
+                <a:cxn ang="0">
+                  <a:pos x="connsiteX4" y="connsiteY4"/>
+                </a:cxn>
+                <a:cxn ang="0">
+                  <a:pos x="connsiteX5" y="connsiteY5"/>
+                </a:cxn>
+                <a:cxn ang="0">
+                  <a:pos x="connsiteX6" y="connsiteY6"/>
+                </a:cxn>
+                <a:cxn ang="0">
+                  <a:pos x="connsiteX7" y="connsiteY7"/>
+                </a:cxn>
+                <a:cxn ang="0">
+                  <a:pos x="connsiteX8" y="connsiteY8"/>
+                </a:cxn>
+                <a:cxn ang="0">
+                  <a:pos x="connsiteX9" y="connsiteY9"/>
+                </a:cxn>
+                <a:cxn ang="0">
+                  <a:pos x="connsiteX10" y="connsiteY10"/>
+                </a:cxn>
+                <a:cxn ang="0">
+                  <a:pos x="connsiteX11" y="connsiteY11"/>
+                </a:cxn>
+                <a:cxn ang="0">
+                  <a:pos x="connsiteX12" y="connsiteY12"/>
+                </a:cxn>
+              </a:cxnLst>
+              <a:rect l="l" t="t" r="r" b="b"/>
+              <a:pathLst>
+                <a:path w="1518387" h="851021">
+                  <a:moveTo>
+                    <a:pt x="793956" y="0"/>
+                  </a:moveTo>
+                  <a:lnTo>
+                    <a:pt x="815459" y="17741"/>
+                  </a:lnTo>
+                  <a:cubicBezTo>
+                    <a:pt x="936633" y="99604"/>
+                    <a:pt x="1082709" y="147405"/>
+                    <a:pt x="1239949" y="147405"/>
+                  </a:cubicBezTo>
+                  <a:cubicBezTo>
+                    <a:pt x="1292363" y="147405"/>
+                    <a:pt x="1343536" y="142094"/>
+                    <a:pt x="1392959" y="131980"/>
+                  </a:cubicBezTo>
+                  <a:lnTo>
+                    <a:pt x="1518387" y="93045"/>
+                  </a:lnTo>
+                  <a:lnTo>
+                    <a:pt x="1514530" y="169422"/>
+                  </a:lnTo>
+                  <a:cubicBezTo>
+                    <a:pt x="1475651" y="552266"/>
+                    <a:pt x="1152326" y="851021"/>
+                    <a:pt x="759225" y="851021"/>
+                  </a:cubicBezTo>
+                  <a:cubicBezTo>
+                    <a:pt x="339917" y="851021"/>
+                    <a:pt x="0" y="511104"/>
+                    <a:pt x="0" y="91796"/>
+                  </a:cubicBezTo>
+                  <a:lnTo>
+                    <a:pt x="1850" y="55161"/>
+                  </a:lnTo>
+                  <a:lnTo>
+                    <a:pt x="56183" y="84652"/>
+                  </a:lnTo>
+                  <a:cubicBezTo>
+                    <a:pt x="147015" y="123071"/>
+                    <a:pt x="246880" y="144316"/>
+                    <a:pt x="351707" y="144316"/>
+                  </a:cubicBezTo>
+                  <a:cubicBezTo>
+                    <a:pt x="508948" y="144316"/>
+                    <a:pt x="655024" y="96515"/>
+                    <a:pt x="776197" y="14652"/>
+                  </a:cubicBezTo>
+                  <a:lnTo>
+                    <a:pt x="793956" y="0"/>
+                  </a:lnTo>
+                  <a:close/>
+                </a:path>
+              </a:pathLst>
+            </a:custGeom>
+            <a:solidFill>
+              <a:schemeClr val="accent6">
+                <a:lumMod val="60000"/>
+                <a:lumOff val="40000"/>
+              </a:schemeClr>
+            </a:solidFill>
+          </p:spPr>
+          <p:style>
+            <a:lnRef idx="2">
+              <a:schemeClr val="accent1">
+                <a:shade val="50000"/>
+              </a:schemeClr>
+            </a:lnRef>
+            <a:fillRef idx="1">
+              <a:schemeClr val="accent1"/>
+            </a:fillRef>
+            <a:effectRef idx="0">
+              <a:schemeClr val="accent1"/>
+            </a:effectRef>
+            <a:fontRef idx="minor">
+              <a:schemeClr val="lt1"/>
+            </a:fontRef>
+          </p:style>
+          <p:txBody>
+            <a:bodyPr wrap="square" rtlCol="0" anchor="ctr">
+              <a:noAutofit/>
+            </a:bodyPr>
+            <a:lstStyle/>
+            <a:p>
+              <a:pPr algn="ctr"/>
+              <a:endParaRPr lang="en-GB"/>
+            </a:p>
+          </p:txBody>
+        </p:sp>
+        <p:sp>
+          <p:nvSpPr>
+            <p:cNvPr id="29" name="Freeform: Shape 28">
+              <a:extLst>
+                <a:ext uri="{FF2B5EF4-FFF2-40B4-BE49-F238E27FC236}">
+                  <a16:creationId xmlns:a16="http://schemas.microsoft.com/office/drawing/2014/main" id="{0EC02748-3E20-4A63-9ABC-DD9EC79CB67E}"/>
+                </a:ext>
+              </a:extLst>
+            </p:cNvPr>
+            <p:cNvSpPr/>
+            <p:nvPr/>
+          </p:nvSpPr>
+          <p:spPr>
+            <a:xfrm>
+              <a:off x="6237462" y="4616503"/>
+              <a:ext cx="792106" cy="757385"/>
+            </a:xfrm>
+            <a:custGeom>
+              <a:avLst/>
+              <a:gdLst>
+                <a:gd name="connsiteX0" fmla="*/ 478937 w 792106"/>
+                <a:gd name="connsiteY0" fmla="*/ 0 h 757385"/>
+                <a:gd name="connsiteX1" fmla="*/ 478874 w 792106"/>
+                <a:gd name="connsiteY1" fmla="*/ 1249 h 757385"/>
+                <a:gd name="connsiteX2" fmla="*/ 701246 w 792106"/>
+                <a:gd name="connsiteY2" fmla="*/ 538102 h 757385"/>
+                <a:gd name="connsiteX3" fmla="*/ 792106 w 792106"/>
+                <a:gd name="connsiteY3" fmla="*/ 613069 h 757385"/>
+                <a:gd name="connsiteX4" fmla="*/ 774347 w 792106"/>
+                <a:gd name="connsiteY4" fmla="*/ 627721 h 757385"/>
+                <a:gd name="connsiteX5" fmla="*/ 349857 w 792106"/>
+                <a:gd name="connsiteY5" fmla="*/ 757385 h 757385"/>
+                <a:gd name="connsiteX6" fmla="*/ 54333 w 792106"/>
+                <a:gd name="connsiteY6" fmla="*/ 697721 h 757385"/>
+                <a:gd name="connsiteX7" fmla="*/ 0 w 792106"/>
+                <a:gd name="connsiteY7" fmla="*/ 668230 h 757385"/>
+                <a:gd name="connsiteX8" fmla="*/ 2070 w 792106"/>
+                <a:gd name="connsiteY8" fmla="*/ 627239 h 757385"/>
+                <a:gd name="connsiteX9" fmla="*/ 461851 w 792106"/>
+                <a:gd name="connsiteY9" fmla="*/ 5304 h 757385"/>
+                <a:gd name="connsiteX10" fmla="*/ 478937 w 792106"/>
+                <a:gd name="connsiteY10" fmla="*/ 0 h 757385"/>
+              </a:gdLst>
+              <a:ahLst/>
+              <a:cxnLst>
+                <a:cxn ang="0">
+                  <a:pos x="connsiteX0" y="connsiteY0"/>
+                </a:cxn>
+                <a:cxn ang="0">
+                  <a:pos x="connsiteX1" y="connsiteY1"/>
+                </a:cxn>
+                <a:cxn ang="0">
+                  <a:pos x="connsiteX2" y="connsiteY2"/>
+                </a:cxn>
+                <a:cxn ang="0">
+                  <a:pos x="connsiteX3" y="connsiteY3"/>
+                </a:cxn>
+                <a:cxn ang="0">
+                  <a:pos x="connsiteX4" y="connsiteY4"/>
+                </a:cxn>
+                <a:cxn ang="0">
+                  <a:pos x="connsiteX5" y="connsiteY5"/>
+                </a:cxn>
+                <a:cxn ang="0">
+                  <a:pos x="connsiteX6" y="connsiteY6"/>
+                </a:cxn>
+                <a:cxn ang="0">
+                  <a:pos x="connsiteX7" y="connsiteY7"/>
+                </a:cxn>
+                <a:cxn ang="0">
+                  <a:pos x="connsiteX8" y="connsiteY8"/>
+                </a:cxn>
+                <a:cxn ang="0">
+                  <a:pos x="connsiteX9" y="connsiteY9"/>
+                </a:cxn>
+                <a:cxn ang="0">
+                  <a:pos x="connsiteX10" y="connsiteY10"/>
+                </a:cxn>
+              </a:cxnLst>
+              <a:rect l="l" t="t" r="r" b="b"/>
+              <a:pathLst>
+                <a:path w="792106" h="757385">
+                  <a:moveTo>
+                    <a:pt x="478937" y="0"/>
+                  </a:moveTo>
+                  <a:lnTo>
+                    <a:pt x="478874" y="1249"/>
+                  </a:lnTo>
+                  <a:cubicBezTo>
+                    <a:pt x="478874" y="210903"/>
+                    <a:pt x="563853" y="400709"/>
+                    <a:pt x="701246" y="538102"/>
+                  </a:cubicBezTo>
+                  <a:lnTo>
+                    <a:pt x="792106" y="613069"/>
+                  </a:lnTo>
+                  <a:lnTo>
+                    <a:pt x="774347" y="627721"/>
+                  </a:lnTo>
+                  <a:cubicBezTo>
+                    <a:pt x="653174" y="709584"/>
+                    <a:pt x="507098" y="757385"/>
+                    <a:pt x="349857" y="757385"/>
+                  </a:cubicBezTo>
+                  <a:cubicBezTo>
+                    <a:pt x="245030" y="757385"/>
+                    <a:pt x="145165" y="736140"/>
+                    <a:pt x="54333" y="697721"/>
+                  </a:cubicBezTo>
+                  <a:lnTo>
+                    <a:pt x="0" y="668230"/>
+                  </a:lnTo>
+                  <a:lnTo>
+                    <a:pt x="2070" y="627239"/>
+                  </a:lnTo>
+                  <a:cubicBezTo>
+                    <a:pt x="30582" y="346487"/>
+                    <a:pt x="212062" y="110956"/>
+                    <a:pt x="461851" y="5304"/>
+                  </a:cubicBezTo>
+                  <a:lnTo>
+                    <a:pt x="478937" y="0"/>
+                  </a:lnTo>
+                  <a:close/>
+                </a:path>
+              </a:pathLst>
+            </a:custGeom>
+            <a:solidFill>
+              <a:schemeClr val="accent6">
+                <a:lumMod val="60000"/>
+                <a:lumOff val="40000"/>
+              </a:schemeClr>
+            </a:solidFill>
+            <a:ln w="57150">
+              <a:solidFill>
+                <a:srgbClr val="00B050"/>
+              </a:solidFill>
+            </a:ln>
+          </p:spPr>
+          <p:style>
+            <a:lnRef idx="2">
+              <a:schemeClr val="accent1">
+                <a:shade val="50000"/>
+              </a:schemeClr>
+            </a:lnRef>
+            <a:fillRef idx="1">
+              <a:schemeClr val="accent1"/>
+            </a:fillRef>
+            <a:effectRef idx="0">
+              <a:schemeClr val="accent1"/>
+            </a:effectRef>
+            <a:fontRef idx="minor">
+              <a:schemeClr val="lt1"/>
+            </a:fontRef>
+          </p:style>
+          <p:txBody>
+            <a:bodyPr wrap="square" rtlCol="0" anchor="ctr">
+              <a:noAutofit/>
+            </a:bodyPr>
             <a:lstStyle/>
             <a:p>
               <a:pPr algn="ctr"/>
@@ -9159,48 +11128,6 @@
           </p:txBody>
         </p:sp>
       </p:grpSp>
-      <p:sp>
-        <p:nvSpPr>
-          <p:cNvPr id="42" name="TextBox 41">
-            <a:extLst>
-              <a:ext uri="{FF2B5EF4-FFF2-40B4-BE49-F238E27FC236}">
-                <a16:creationId xmlns:a16="http://schemas.microsoft.com/office/drawing/2014/main" id="{078711FF-FF64-47FD-8B4E-A8CAFC3E3090}"/>
-              </a:ext>
-            </a:extLst>
-          </p:cNvPr>
-          <p:cNvSpPr txBox="1"/>
-          <p:nvPr/>
-        </p:nvSpPr>
-        <p:spPr>
-          <a:xfrm>
-            <a:off x="350086" y="4231483"/>
-            <a:ext cx="3366652" cy="646331"/>
-          </a:xfrm>
-          <a:prstGeom prst="rect">
-            <a:avLst/>
-          </a:prstGeom>
-          <a:noFill/>
-        </p:spPr>
-        <p:txBody>
-          <a:bodyPr wrap="square" rtlCol="0">
-            <a:spAutoFit/>
-          </a:bodyPr>
-          <a:lstStyle/>
-          <a:p>
-            <a:r>
-              <a:rPr lang="en-US" sz="1200" dirty="0"/>
-              <a:t>(Set 1 EXCEPT Set 2) INTERSECT Set 3</a:t>
-            </a:r>
-          </a:p>
-          <a:p>
-            <a:r>
-              <a:rPr lang="en-US" sz="1200" dirty="0"/>
-              <a:t>People who have ever had Diazepam prescriptions only after 2000 and are still alive</a:t>
-            </a:r>
-            <a:endParaRPr lang="en-GB" sz="1200" dirty="0"/>
-          </a:p>
-        </p:txBody>
-      </p:sp>
     </p:spTree>
     <p:extLst>
       <p:ext uri="{BB962C8B-B14F-4D97-AF65-F5344CB8AC3E}">

--- a/Documentation/Training/CohortBuilder.pptx
+++ b/Documentation/Training/CohortBuilder.pptx
@@ -5,7 +5,7 @@
     <p:sldMasterId id="2147483648" r:id="rId1"/>
   </p:sldMasterIdLst>
   <p:notesMasterIdLst>
-    <p:notesMasterId r:id="rId13"/>
+    <p:notesMasterId r:id="rId14"/>
   </p:notesMasterIdLst>
   <p:sldIdLst>
     <p:sldId id="272" r:id="rId2"/>
@@ -19,6 +19,7 @@
     <p:sldId id="278" r:id="rId10"/>
     <p:sldId id="280" r:id="rId11"/>
     <p:sldId id="279" r:id="rId12"/>
+    <p:sldId id="281" r:id="rId13"/>
   </p:sldIdLst>
   <p:sldSz cx="12192000" cy="6858000"/>
   <p:notesSz cx="6858000" cy="9144000"/>
@@ -133,6 +134,7 @@
             <p14:sldId id="278"/>
             <p14:sldId id="280"/>
             <p14:sldId id="279"/>
+            <p14:sldId id="281"/>
           </p14:sldIdLst>
         </p14:section>
         <p14:section name="Simpler workthrough" id="{DBD142CE-6DD3-4D58-9A98-F12788E9E14C}">
@@ -229,7 +231,7 @@
           <a:p>
             <a:fld id="{E6799723-5C7A-4148-A580-1582FB869D21}" type="datetimeFigureOut">
               <a:rPr lang="en-GB" smtClean="0"/>
-              <a:t>25/10/2019</a:t>
+              <a:t>20/11/2019</a:t>
             </a:fld>
             <a:endParaRPr lang="en-GB"/>
           </a:p>
@@ -799,7 +801,7 @@
           <a:p>
             <a:fld id="{A4B2E03E-B9F4-48CD-BEDC-03BA93144C1F}" type="datetimeFigureOut">
               <a:rPr lang="en-GB" smtClean="0"/>
-              <a:t>25/10/2019</a:t>
+              <a:t>20/11/2019</a:t>
             </a:fld>
             <a:endParaRPr lang="en-GB"/>
           </a:p>
@@ -969,7 +971,7 @@
           <a:p>
             <a:fld id="{A4B2E03E-B9F4-48CD-BEDC-03BA93144C1F}" type="datetimeFigureOut">
               <a:rPr lang="en-GB" smtClean="0"/>
-              <a:t>25/10/2019</a:t>
+              <a:t>20/11/2019</a:t>
             </a:fld>
             <a:endParaRPr lang="en-GB"/>
           </a:p>
@@ -1149,7 +1151,7 @@
           <a:p>
             <a:fld id="{A4B2E03E-B9F4-48CD-BEDC-03BA93144C1F}" type="datetimeFigureOut">
               <a:rPr lang="en-GB" smtClean="0"/>
-              <a:t>25/10/2019</a:t>
+              <a:t>20/11/2019</a:t>
             </a:fld>
             <a:endParaRPr lang="en-GB"/>
           </a:p>
@@ -1319,7 +1321,7 @@
           <a:p>
             <a:fld id="{A4B2E03E-B9F4-48CD-BEDC-03BA93144C1F}" type="datetimeFigureOut">
               <a:rPr lang="en-GB" smtClean="0"/>
-              <a:t>25/10/2019</a:t>
+              <a:t>20/11/2019</a:t>
             </a:fld>
             <a:endParaRPr lang="en-GB"/>
           </a:p>
@@ -1565,7 +1567,7 @@
           <a:p>
             <a:fld id="{A4B2E03E-B9F4-48CD-BEDC-03BA93144C1F}" type="datetimeFigureOut">
               <a:rPr lang="en-GB" smtClean="0"/>
-              <a:t>25/10/2019</a:t>
+              <a:t>20/11/2019</a:t>
             </a:fld>
             <a:endParaRPr lang="en-GB"/>
           </a:p>
@@ -1797,7 +1799,7 @@
           <a:p>
             <a:fld id="{A4B2E03E-B9F4-48CD-BEDC-03BA93144C1F}" type="datetimeFigureOut">
               <a:rPr lang="en-GB" smtClean="0"/>
-              <a:t>25/10/2019</a:t>
+              <a:t>20/11/2019</a:t>
             </a:fld>
             <a:endParaRPr lang="en-GB"/>
           </a:p>
@@ -2164,7 +2166,7 @@
           <a:p>
             <a:fld id="{A4B2E03E-B9F4-48CD-BEDC-03BA93144C1F}" type="datetimeFigureOut">
               <a:rPr lang="en-GB" smtClean="0"/>
-              <a:t>25/10/2019</a:t>
+              <a:t>20/11/2019</a:t>
             </a:fld>
             <a:endParaRPr lang="en-GB"/>
           </a:p>
@@ -2282,7 +2284,7 @@
           <a:p>
             <a:fld id="{A4B2E03E-B9F4-48CD-BEDC-03BA93144C1F}" type="datetimeFigureOut">
               <a:rPr lang="en-GB" smtClean="0"/>
-              <a:t>25/10/2019</a:t>
+              <a:t>20/11/2019</a:t>
             </a:fld>
             <a:endParaRPr lang="en-GB"/>
           </a:p>
@@ -2377,7 +2379,7 @@
           <a:p>
             <a:fld id="{A4B2E03E-B9F4-48CD-BEDC-03BA93144C1F}" type="datetimeFigureOut">
               <a:rPr lang="en-GB" smtClean="0"/>
-              <a:t>25/10/2019</a:t>
+              <a:t>20/11/2019</a:t>
             </a:fld>
             <a:endParaRPr lang="en-GB"/>
           </a:p>
@@ -2654,7 +2656,7 @@
           <a:p>
             <a:fld id="{A4B2E03E-B9F4-48CD-BEDC-03BA93144C1F}" type="datetimeFigureOut">
               <a:rPr lang="en-GB" smtClean="0"/>
-              <a:t>25/10/2019</a:t>
+              <a:t>20/11/2019</a:t>
             </a:fld>
             <a:endParaRPr lang="en-GB"/>
           </a:p>
@@ -2907,7 +2909,7 @@
           <a:p>
             <a:fld id="{A4B2E03E-B9F4-48CD-BEDC-03BA93144C1F}" type="datetimeFigureOut">
               <a:rPr lang="en-GB" smtClean="0"/>
-              <a:t>25/10/2019</a:t>
+              <a:t>20/11/2019</a:t>
             </a:fld>
             <a:endParaRPr lang="en-GB"/>
           </a:p>
@@ -3120,7 +3122,7 @@
           <a:p>
             <a:fld id="{A4B2E03E-B9F4-48CD-BEDC-03BA93144C1F}" type="datetimeFigureOut">
               <a:rPr lang="en-GB" smtClean="0"/>
-              <a:t>25/10/2019</a:t>
+              <a:t>20/11/2019</a:t>
             </a:fld>
             <a:endParaRPr lang="en-GB"/>
           </a:p>
@@ -4512,6 +4514,379 @@
     <p:extLst>
       <p:ext uri="{BB962C8B-B14F-4D97-AF65-F5344CB8AC3E}">
         <p14:creationId xmlns:p14="http://schemas.microsoft.com/office/powerpoint/2010/main" val="80542501"/>
+      </p:ext>
+    </p:extLst>
+  </p:cSld>
+  <p:clrMapOvr>
+    <a:masterClrMapping/>
+  </p:clrMapOvr>
+</p:sld>
+</file>
+
+<file path=ppt/slides/slide12.xml><?xml version="1.0" encoding="utf-8"?>
+<p:sld xmlns:a="http://schemas.openxmlformats.org/drawingml/2006/main" xmlns:r="http://schemas.openxmlformats.org/officeDocument/2006/relationships" xmlns:p="http://schemas.openxmlformats.org/presentationml/2006/main">
+  <p:cSld>
+    <p:spTree>
+      <p:nvGrpSpPr>
+        <p:cNvPr id="1" name=""/>
+        <p:cNvGrpSpPr/>
+        <p:nvPr/>
+      </p:nvGrpSpPr>
+      <p:grpSpPr>
+        <a:xfrm>
+          <a:off x="0" y="0"/>
+          <a:ext cx="0" cy="0"/>
+          <a:chOff x="0" y="0"/>
+          <a:chExt cx="0" cy="0"/>
+        </a:xfrm>
+      </p:grpSpPr>
+      <p:sp>
+        <p:nvSpPr>
+          <p:cNvPr id="12" name="Freeform: Shape 11">
+            <a:extLst>
+              <a:ext uri="{FF2B5EF4-FFF2-40B4-BE49-F238E27FC236}">
+                <a16:creationId xmlns:a16="http://schemas.microsoft.com/office/drawing/2014/main" id="{C1E87B48-4A71-48EF-95C8-7AD99B0B48DE}"/>
+              </a:ext>
+            </a:extLst>
+          </p:cNvPr>
+          <p:cNvSpPr/>
+          <p:nvPr/>
+        </p:nvSpPr>
+        <p:spPr>
+          <a:xfrm>
+            <a:off x="2026760" y="1234911"/>
+            <a:ext cx="7004116" cy="4084162"/>
+          </a:xfrm>
+          <a:custGeom>
+            <a:avLst/>
+            <a:gdLst>
+              <a:gd name="connsiteX0" fmla="*/ 5986021 w 7004116"/>
+              <a:gd name="connsiteY0" fmla="*/ 1524785 h 4084162"/>
+              <a:gd name="connsiteX1" fmla="*/ 7004116 w 7004116"/>
+              <a:gd name="connsiteY1" fmla="*/ 2542880 h 4084162"/>
+              <a:gd name="connsiteX2" fmla="*/ 5462834 w 7004116"/>
+              <a:gd name="connsiteY2" fmla="*/ 4084162 h 4084162"/>
+              <a:gd name="connsiteX3" fmla="*/ 5462834 w 7004116"/>
+              <a:gd name="connsiteY3" fmla="*/ 3313521 h 4084162"/>
+              <a:gd name="connsiteX4" fmla="*/ 0 w 7004116"/>
+              <a:gd name="connsiteY4" fmla="*/ 3313521 h 4084162"/>
+              <a:gd name="connsiteX5" fmla="*/ 0 w 7004116"/>
+              <a:gd name="connsiteY5" fmla="*/ 1772238 h 4084162"/>
+              <a:gd name="connsiteX6" fmla="*/ 3913075 w 7004116"/>
+              <a:gd name="connsiteY6" fmla="*/ 1772238 h 4084162"/>
+              <a:gd name="connsiteX7" fmla="*/ 3918444 w 7004116"/>
+              <a:gd name="connsiteY7" fmla="*/ 1825501 h 4084162"/>
+              <a:gd name="connsiteX8" fmla="*/ 4223215 w 7004116"/>
+              <a:gd name="connsiteY8" fmla="*/ 2073896 h 4084162"/>
+              <a:gd name="connsiteX9" fmla="*/ 5674930 w 7004116"/>
+              <a:gd name="connsiteY9" fmla="*/ 2073896 h 4084162"/>
+              <a:gd name="connsiteX10" fmla="*/ 5986021 w 7004116"/>
+              <a:gd name="connsiteY10" fmla="*/ 1762805 h 4084162"/>
+              <a:gd name="connsiteX11" fmla="*/ 4259050 w 7004116"/>
+              <a:gd name="connsiteY11" fmla="*/ 207389 h 4084162"/>
+              <a:gd name="connsiteX12" fmla="*/ 5674930 w 7004116"/>
+              <a:gd name="connsiteY12" fmla="*/ 207389 h 4084162"/>
+              <a:gd name="connsiteX13" fmla="*/ 5986021 w 7004116"/>
+              <a:gd name="connsiteY13" fmla="*/ 518480 h 4084162"/>
+              <a:gd name="connsiteX14" fmla="*/ 5986021 w 7004116"/>
+              <a:gd name="connsiteY14" fmla="*/ 1524785 h 4084162"/>
+              <a:gd name="connsiteX15" fmla="*/ 5462834 w 7004116"/>
+              <a:gd name="connsiteY15" fmla="*/ 1001597 h 4084162"/>
+              <a:gd name="connsiteX16" fmla="*/ 5462834 w 7004116"/>
+              <a:gd name="connsiteY16" fmla="*/ 1772238 h 4084162"/>
+              <a:gd name="connsiteX17" fmla="*/ 3913075 w 7004116"/>
+              <a:gd name="connsiteY17" fmla="*/ 1772238 h 4084162"/>
+              <a:gd name="connsiteX18" fmla="*/ 3912124 w 7004116"/>
+              <a:gd name="connsiteY18" fmla="*/ 1762805 h 4084162"/>
+              <a:gd name="connsiteX19" fmla="*/ 3912124 w 7004116"/>
+              <a:gd name="connsiteY19" fmla="*/ 1451814 h 4084162"/>
+              <a:gd name="connsiteX20" fmla="*/ 4016629 w 7004116"/>
+              <a:gd name="connsiteY20" fmla="*/ 1421855 h 4084162"/>
+              <a:gd name="connsiteX21" fmla="*/ 4506014 w 7004116"/>
+              <a:gd name="connsiteY21" fmla="*/ 740004 h 4084162"/>
+              <a:gd name="connsiteX22" fmla="*/ 4271325 w 7004116"/>
+              <a:gd name="connsiteY22" fmla="*/ 216742 h 4084162"/>
+              <a:gd name="connsiteX23" fmla="*/ 3704735 w 7004116"/>
+              <a:gd name="connsiteY23" fmla="*/ 0 h 4084162"/>
+              <a:gd name="connsiteX24" fmla="*/ 4152738 w 7004116"/>
+              <a:gd name="connsiteY24" fmla="*/ 126381 h 4084162"/>
+              <a:gd name="connsiteX25" fmla="*/ 4259050 w 7004116"/>
+              <a:gd name="connsiteY25" fmla="*/ 207389 h 4084162"/>
+              <a:gd name="connsiteX26" fmla="*/ 4223215 w 7004116"/>
+              <a:gd name="connsiteY26" fmla="*/ 207389 h 4084162"/>
+              <a:gd name="connsiteX27" fmla="*/ 3912124 w 7004116"/>
+              <a:gd name="connsiteY27" fmla="*/ 518480 h 4084162"/>
+              <a:gd name="connsiteX28" fmla="*/ 3912124 w 7004116"/>
+              <a:gd name="connsiteY28" fmla="*/ 1451814 h 4084162"/>
+              <a:gd name="connsiteX29" fmla="*/ 3866221 w 7004116"/>
+              <a:gd name="connsiteY29" fmla="*/ 1464974 h 4084162"/>
+              <a:gd name="connsiteX30" fmla="*/ 3704735 w 7004116"/>
+              <a:gd name="connsiteY30" fmla="*/ 1480008 h 4084162"/>
+              <a:gd name="connsiteX31" fmla="*/ 2903456 w 7004116"/>
+              <a:gd name="connsiteY31" fmla="*/ 740004 h 4084162"/>
+              <a:gd name="connsiteX32" fmla="*/ 3704735 w 7004116"/>
+              <a:gd name="connsiteY32" fmla="*/ 0 h 4084162"/>
+            </a:gdLst>
+            <a:ahLst/>
+            <a:cxnLst>
+              <a:cxn ang="0">
+                <a:pos x="connsiteX0" y="connsiteY0"/>
+              </a:cxn>
+              <a:cxn ang="0">
+                <a:pos x="connsiteX1" y="connsiteY1"/>
+              </a:cxn>
+              <a:cxn ang="0">
+                <a:pos x="connsiteX2" y="connsiteY2"/>
+              </a:cxn>
+              <a:cxn ang="0">
+                <a:pos x="connsiteX3" y="connsiteY3"/>
+              </a:cxn>
+              <a:cxn ang="0">
+                <a:pos x="connsiteX4" y="connsiteY4"/>
+              </a:cxn>
+              <a:cxn ang="0">
+                <a:pos x="connsiteX5" y="connsiteY5"/>
+              </a:cxn>
+              <a:cxn ang="0">
+                <a:pos x="connsiteX6" y="connsiteY6"/>
+              </a:cxn>
+              <a:cxn ang="0">
+                <a:pos x="connsiteX7" y="connsiteY7"/>
+              </a:cxn>
+              <a:cxn ang="0">
+                <a:pos x="connsiteX8" y="connsiteY8"/>
+              </a:cxn>
+              <a:cxn ang="0">
+                <a:pos x="connsiteX9" y="connsiteY9"/>
+              </a:cxn>
+              <a:cxn ang="0">
+                <a:pos x="connsiteX10" y="connsiteY10"/>
+              </a:cxn>
+              <a:cxn ang="0">
+                <a:pos x="connsiteX11" y="connsiteY11"/>
+              </a:cxn>
+              <a:cxn ang="0">
+                <a:pos x="connsiteX12" y="connsiteY12"/>
+              </a:cxn>
+              <a:cxn ang="0">
+                <a:pos x="connsiteX13" y="connsiteY13"/>
+              </a:cxn>
+              <a:cxn ang="0">
+                <a:pos x="connsiteX14" y="connsiteY14"/>
+              </a:cxn>
+              <a:cxn ang="0">
+                <a:pos x="connsiteX15" y="connsiteY15"/>
+              </a:cxn>
+              <a:cxn ang="0">
+                <a:pos x="connsiteX16" y="connsiteY16"/>
+              </a:cxn>
+              <a:cxn ang="0">
+                <a:pos x="connsiteX17" y="connsiteY17"/>
+              </a:cxn>
+              <a:cxn ang="0">
+                <a:pos x="connsiteX18" y="connsiteY18"/>
+              </a:cxn>
+              <a:cxn ang="0">
+                <a:pos x="connsiteX19" y="connsiteY19"/>
+              </a:cxn>
+              <a:cxn ang="0">
+                <a:pos x="connsiteX20" y="connsiteY20"/>
+              </a:cxn>
+              <a:cxn ang="0">
+                <a:pos x="connsiteX21" y="connsiteY21"/>
+              </a:cxn>
+              <a:cxn ang="0">
+                <a:pos x="connsiteX22" y="connsiteY22"/>
+              </a:cxn>
+              <a:cxn ang="0">
+                <a:pos x="connsiteX23" y="connsiteY23"/>
+              </a:cxn>
+              <a:cxn ang="0">
+                <a:pos x="connsiteX24" y="connsiteY24"/>
+              </a:cxn>
+              <a:cxn ang="0">
+                <a:pos x="connsiteX25" y="connsiteY25"/>
+              </a:cxn>
+              <a:cxn ang="0">
+                <a:pos x="connsiteX26" y="connsiteY26"/>
+              </a:cxn>
+              <a:cxn ang="0">
+                <a:pos x="connsiteX27" y="connsiteY27"/>
+              </a:cxn>
+              <a:cxn ang="0">
+                <a:pos x="connsiteX28" y="connsiteY28"/>
+              </a:cxn>
+              <a:cxn ang="0">
+                <a:pos x="connsiteX29" y="connsiteY29"/>
+              </a:cxn>
+              <a:cxn ang="0">
+                <a:pos x="connsiteX30" y="connsiteY30"/>
+              </a:cxn>
+              <a:cxn ang="0">
+                <a:pos x="connsiteX31" y="connsiteY31"/>
+              </a:cxn>
+              <a:cxn ang="0">
+                <a:pos x="connsiteX32" y="connsiteY32"/>
+              </a:cxn>
+            </a:cxnLst>
+            <a:rect l="l" t="t" r="r" b="b"/>
+            <a:pathLst>
+              <a:path w="7004116" h="4084162">
+                <a:moveTo>
+                  <a:pt x="5986021" y="1524785"/>
+                </a:moveTo>
+                <a:lnTo>
+                  <a:pt x="7004116" y="2542880"/>
+                </a:lnTo>
+                <a:lnTo>
+                  <a:pt x="5462834" y="4084162"/>
+                </a:lnTo>
+                <a:lnTo>
+                  <a:pt x="5462834" y="3313521"/>
+                </a:lnTo>
+                <a:lnTo>
+                  <a:pt x="0" y="3313521"/>
+                </a:lnTo>
+                <a:lnTo>
+                  <a:pt x="0" y="1772238"/>
+                </a:lnTo>
+                <a:lnTo>
+                  <a:pt x="3913075" y="1772238"/>
+                </a:lnTo>
+                <a:lnTo>
+                  <a:pt x="3918444" y="1825501"/>
+                </a:lnTo>
+                <a:cubicBezTo>
+                  <a:pt x="3947452" y="1967260"/>
+                  <a:pt x="4072881" y="2073896"/>
+                  <a:pt x="4223215" y="2073896"/>
+                </a:cubicBezTo>
+                <a:lnTo>
+                  <a:pt x="5674930" y="2073896"/>
+                </a:lnTo>
+                <a:cubicBezTo>
+                  <a:pt x="5846741" y="2073896"/>
+                  <a:pt x="5986021" y="1934616"/>
+                  <a:pt x="5986021" y="1762805"/>
+                </a:cubicBezTo>
+                <a:close/>
+                <a:moveTo>
+                  <a:pt x="4259050" y="207389"/>
+                </a:moveTo>
+                <a:lnTo>
+                  <a:pt x="5674930" y="207389"/>
+                </a:lnTo>
+                <a:cubicBezTo>
+                  <a:pt x="5846741" y="207389"/>
+                  <a:pt x="5986021" y="346669"/>
+                  <a:pt x="5986021" y="518480"/>
+                </a:cubicBezTo>
+                <a:lnTo>
+                  <a:pt x="5986021" y="1524785"/>
+                </a:lnTo>
+                <a:lnTo>
+                  <a:pt x="5462834" y="1001597"/>
+                </a:lnTo>
+                <a:lnTo>
+                  <a:pt x="5462834" y="1772238"/>
+                </a:lnTo>
+                <a:lnTo>
+                  <a:pt x="3913075" y="1772238"/>
+                </a:lnTo>
+                <a:lnTo>
+                  <a:pt x="3912124" y="1762805"/>
+                </a:lnTo>
+                <a:lnTo>
+                  <a:pt x="3912124" y="1451814"/>
+                </a:lnTo>
+                <a:lnTo>
+                  <a:pt x="4016629" y="1421855"/>
+                </a:lnTo>
+                <a:cubicBezTo>
+                  <a:pt x="4304220" y="1309516"/>
+                  <a:pt x="4506014" y="1046524"/>
+                  <a:pt x="4506014" y="740004"/>
+                </a:cubicBezTo>
+                <a:cubicBezTo>
+                  <a:pt x="4506014" y="535658"/>
+                  <a:pt x="4416328" y="350657"/>
+                  <a:pt x="4271325" y="216742"/>
+                </a:cubicBezTo>
+                <a:close/>
+                <a:moveTo>
+                  <a:pt x="3704735" y="0"/>
+                </a:moveTo>
+                <a:cubicBezTo>
+                  <a:pt x="3870685" y="0"/>
+                  <a:pt x="4024853" y="46591"/>
+                  <a:pt x="4152738" y="126381"/>
+                </a:cubicBezTo>
+                <a:lnTo>
+                  <a:pt x="4259050" y="207389"/>
+                </a:lnTo>
+                <a:lnTo>
+                  <a:pt x="4223215" y="207389"/>
+                </a:lnTo>
+                <a:cubicBezTo>
+                  <a:pt x="4051404" y="207389"/>
+                  <a:pt x="3912124" y="346669"/>
+                  <a:pt x="3912124" y="518480"/>
+                </a:cubicBezTo>
+                <a:lnTo>
+                  <a:pt x="3912124" y="1451814"/>
+                </a:lnTo>
+                <a:lnTo>
+                  <a:pt x="3866221" y="1464974"/>
+                </a:lnTo>
+                <a:cubicBezTo>
+                  <a:pt x="3814059" y="1474831"/>
+                  <a:pt x="3760052" y="1480008"/>
+                  <a:pt x="3704735" y="1480008"/>
+                </a:cubicBezTo>
+                <a:cubicBezTo>
+                  <a:pt x="3262201" y="1480008"/>
+                  <a:pt x="2903456" y="1148697"/>
+                  <a:pt x="2903456" y="740004"/>
+                </a:cubicBezTo>
+                <a:cubicBezTo>
+                  <a:pt x="2903456" y="331311"/>
+                  <a:pt x="3262201" y="0"/>
+                  <a:pt x="3704735" y="0"/>
+                </a:cubicBezTo>
+                <a:close/>
+              </a:path>
+            </a:pathLst>
+          </a:custGeom>
+        </p:spPr>
+        <p:style>
+          <a:lnRef idx="2">
+            <a:schemeClr val="accent1">
+              <a:shade val="50000"/>
+            </a:schemeClr>
+          </a:lnRef>
+          <a:fillRef idx="1">
+            <a:schemeClr val="accent1"/>
+          </a:fillRef>
+          <a:effectRef idx="0">
+            <a:schemeClr val="accent1"/>
+          </a:effectRef>
+          <a:fontRef idx="minor">
+            <a:schemeClr val="lt1"/>
+          </a:fontRef>
+        </p:style>
+        <p:txBody>
+          <a:bodyPr rtlCol="0" anchor="ctr"/>
+          <a:lstStyle/>
+          <a:p>
+            <a:pPr algn="ctr"/>
+            <a:endParaRPr lang="en-GB"/>
+          </a:p>
+        </p:txBody>
+      </p:sp>
+    </p:spTree>
+    <p:extLst>
+      <p:ext uri="{BB962C8B-B14F-4D97-AF65-F5344CB8AC3E}">
+        <p14:creationId xmlns:p14="http://schemas.microsoft.com/office/powerpoint/2010/main" val="817282608"/>
       </p:ext>
     </p:extLst>
   </p:cSld>
@@ -6184,6 +6559,301 @@
   <p:clrMapOvr>
     <a:masterClrMapping/>
   </p:clrMapOvr>
+  <p:timing>
+    <p:tnLst>
+      <p:par>
+        <p:cTn id="1" dur="indefinite" restart="never" nodeType="tmRoot">
+          <p:childTnLst>
+            <p:seq concurrent="1" nextAc="seek">
+              <p:cTn id="2" dur="indefinite" nodeType="mainSeq">
+                <p:childTnLst>
+                  <p:par>
+                    <p:cTn id="3" fill="hold">
+                      <p:stCondLst>
+                        <p:cond delay="indefinite"/>
+                      </p:stCondLst>
+                      <p:childTnLst>
+                        <p:par>
+                          <p:cTn id="4" fill="hold">
+                            <p:stCondLst>
+                              <p:cond delay="0"/>
+                            </p:stCondLst>
+                            <p:childTnLst>
+                              <p:par>
+                                <p:cTn id="5" presetID="10" presetClass="entr" presetSubtype="0" fill="hold" nodeType="clickEffect">
+                                  <p:stCondLst>
+                                    <p:cond delay="0"/>
+                                  </p:stCondLst>
+                                  <p:childTnLst>
+                                    <p:set>
+                                      <p:cBhvr>
+                                        <p:cTn id="6" dur="1" fill="hold">
+                                          <p:stCondLst>
+                                            <p:cond delay="0"/>
+                                          </p:stCondLst>
+                                        </p:cTn>
+                                        <p:tgtEl>
+                                          <p:spTgt spid="7"/>
+                                        </p:tgtEl>
+                                        <p:attrNameLst>
+                                          <p:attrName>style.visibility</p:attrName>
+                                        </p:attrNameLst>
+                                      </p:cBhvr>
+                                      <p:to>
+                                        <p:strVal val="visible"/>
+                                      </p:to>
+                                    </p:set>
+                                    <p:animEffect transition="in" filter="fade">
+                                      <p:cBhvr>
+                                        <p:cTn id="7" dur="500"/>
+                                        <p:tgtEl>
+                                          <p:spTgt spid="7"/>
+                                        </p:tgtEl>
+                                      </p:cBhvr>
+                                    </p:animEffect>
+                                  </p:childTnLst>
+                                </p:cTn>
+                              </p:par>
+                            </p:childTnLst>
+                          </p:cTn>
+                        </p:par>
+                      </p:childTnLst>
+                    </p:cTn>
+                  </p:par>
+                  <p:par>
+                    <p:cTn id="8" fill="hold">
+                      <p:stCondLst>
+                        <p:cond delay="indefinite"/>
+                      </p:stCondLst>
+                      <p:childTnLst>
+                        <p:par>
+                          <p:cTn id="9" fill="hold">
+                            <p:stCondLst>
+                              <p:cond delay="0"/>
+                            </p:stCondLst>
+                            <p:childTnLst>
+                              <p:par>
+                                <p:cTn id="10" presetID="10" presetClass="entr" presetSubtype="0" fill="hold" nodeType="clickEffect">
+                                  <p:stCondLst>
+                                    <p:cond delay="0"/>
+                                  </p:stCondLst>
+                                  <p:childTnLst>
+                                    <p:set>
+                                      <p:cBhvr>
+                                        <p:cTn id="11" dur="1" fill="hold">
+                                          <p:stCondLst>
+                                            <p:cond delay="0"/>
+                                          </p:stCondLst>
+                                        </p:cTn>
+                                        <p:tgtEl>
+                                          <p:spTgt spid="8"/>
+                                        </p:tgtEl>
+                                        <p:attrNameLst>
+                                          <p:attrName>style.visibility</p:attrName>
+                                        </p:attrNameLst>
+                                      </p:cBhvr>
+                                      <p:to>
+                                        <p:strVal val="visible"/>
+                                      </p:to>
+                                    </p:set>
+                                    <p:animEffect transition="in" filter="fade">
+                                      <p:cBhvr>
+                                        <p:cTn id="12" dur="500"/>
+                                        <p:tgtEl>
+                                          <p:spTgt spid="8"/>
+                                        </p:tgtEl>
+                                      </p:cBhvr>
+                                    </p:animEffect>
+                                  </p:childTnLst>
+                                </p:cTn>
+                              </p:par>
+                            </p:childTnLst>
+                          </p:cTn>
+                        </p:par>
+                      </p:childTnLst>
+                    </p:cTn>
+                  </p:par>
+                  <p:par>
+                    <p:cTn id="13" fill="hold">
+                      <p:stCondLst>
+                        <p:cond delay="indefinite"/>
+                      </p:stCondLst>
+                      <p:childTnLst>
+                        <p:par>
+                          <p:cTn id="14" fill="hold">
+                            <p:stCondLst>
+                              <p:cond delay="0"/>
+                            </p:stCondLst>
+                            <p:childTnLst>
+                              <p:par>
+                                <p:cTn id="15" presetID="10" presetClass="entr" presetSubtype="0" fill="hold" nodeType="clickEffect">
+                                  <p:stCondLst>
+                                    <p:cond delay="0"/>
+                                  </p:stCondLst>
+                                  <p:childTnLst>
+                                    <p:set>
+                                      <p:cBhvr>
+                                        <p:cTn id="16" dur="1" fill="hold">
+                                          <p:stCondLst>
+                                            <p:cond delay="0"/>
+                                          </p:stCondLst>
+                                        </p:cTn>
+                                        <p:tgtEl>
+                                          <p:spTgt spid="14"/>
+                                        </p:tgtEl>
+                                        <p:attrNameLst>
+                                          <p:attrName>style.visibility</p:attrName>
+                                        </p:attrNameLst>
+                                      </p:cBhvr>
+                                      <p:to>
+                                        <p:strVal val="visible"/>
+                                      </p:to>
+                                    </p:set>
+                                    <p:animEffect transition="in" filter="fade">
+                                      <p:cBhvr>
+                                        <p:cTn id="17" dur="500"/>
+                                        <p:tgtEl>
+                                          <p:spTgt spid="14"/>
+                                        </p:tgtEl>
+                                      </p:cBhvr>
+                                    </p:animEffect>
+                                  </p:childTnLst>
+                                </p:cTn>
+                              </p:par>
+                            </p:childTnLst>
+                          </p:cTn>
+                        </p:par>
+                      </p:childTnLst>
+                    </p:cTn>
+                  </p:par>
+                  <p:par>
+                    <p:cTn id="18" fill="hold">
+                      <p:stCondLst>
+                        <p:cond delay="indefinite"/>
+                      </p:stCondLst>
+                      <p:childTnLst>
+                        <p:par>
+                          <p:cTn id="19" fill="hold">
+                            <p:stCondLst>
+                              <p:cond delay="0"/>
+                            </p:stCondLst>
+                            <p:childTnLst>
+                              <p:par>
+                                <p:cTn id="20" presetID="10" presetClass="entr" presetSubtype="0" fill="hold" nodeType="clickEffect">
+                                  <p:stCondLst>
+                                    <p:cond delay="0"/>
+                                  </p:stCondLst>
+                                  <p:childTnLst>
+                                    <p:set>
+                                      <p:cBhvr>
+                                        <p:cTn id="21" dur="1" fill="hold">
+                                          <p:stCondLst>
+                                            <p:cond delay="0"/>
+                                          </p:stCondLst>
+                                        </p:cTn>
+                                        <p:tgtEl>
+                                          <p:spTgt spid="19"/>
+                                        </p:tgtEl>
+                                        <p:attrNameLst>
+                                          <p:attrName>style.visibility</p:attrName>
+                                        </p:attrNameLst>
+                                      </p:cBhvr>
+                                      <p:to>
+                                        <p:strVal val="visible"/>
+                                      </p:to>
+                                    </p:set>
+                                    <p:animEffect transition="in" filter="fade">
+                                      <p:cBhvr>
+                                        <p:cTn id="22" dur="500"/>
+                                        <p:tgtEl>
+                                          <p:spTgt spid="19"/>
+                                        </p:tgtEl>
+                                      </p:cBhvr>
+                                    </p:animEffect>
+                                  </p:childTnLst>
+                                </p:cTn>
+                              </p:par>
+                            </p:childTnLst>
+                          </p:cTn>
+                        </p:par>
+                      </p:childTnLst>
+                    </p:cTn>
+                  </p:par>
+                  <p:par>
+                    <p:cTn id="23" fill="hold">
+                      <p:stCondLst>
+                        <p:cond delay="indefinite"/>
+                      </p:stCondLst>
+                      <p:childTnLst>
+                        <p:par>
+                          <p:cTn id="24" fill="hold">
+                            <p:stCondLst>
+                              <p:cond delay="0"/>
+                            </p:stCondLst>
+                            <p:childTnLst>
+                              <p:par>
+                                <p:cTn id="25" presetID="10" presetClass="entr" presetSubtype="0" fill="hold" nodeType="clickEffect">
+                                  <p:stCondLst>
+                                    <p:cond delay="0"/>
+                                  </p:stCondLst>
+                                  <p:childTnLst>
+                                    <p:set>
+                                      <p:cBhvr>
+                                        <p:cTn id="26" dur="1" fill="hold">
+                                          <p:stCondLst>
+                                            <p:cond delay="0"/>
+                                          </p:stCondLst>
+                                        </p:cTn>
+                                        <p:tgtEl>
+                                          <p:spTgt spid="24"/>
+                                        </p:tgtEl>
+                                        <p:attrNameLst>
+                                          <p:attrName>style.visibility</p:attrName>
+                                        </p:attrNameLst>
+                                      </p:cBhvr>
+                                      <p:to>
+                                        <p:strVal val="visible"/>
+                                      </p:to>
+                                    </p:set>
+                                    <p:animEffect transition="in" filter="fade">
+                                      <p:cBhvr>
+                                        <p:cTn id="27" dur="500"/>
+                                        <p:tgtEl>
+                                          <p:spTgt spid="24"/>
+                                        </p:tgtEl>
+                                      </p:cBhvr>
+                                    </p:animEffect>
+                                  </p:childTnLst>
+                                </p:cTn>
+                              </p:par>
+                            </p:childTnLst>
+                          </p:cTn>
+                        </p:par>
+                      </p:childTnLst>
+                    </p:cTn>
+                  </p:par>
+                </p:childTnLst>
+              </p:cTn>
+              <p:prevCondLst>
+                <p:cond evt="onPrev" delay="0">
+                  <p:tgtEl>
+                    <p:sldTgt/>
+                  </p:tgtEl>
+                </p:cond>
+              </p:prevCondLst>
+              <p:nextCondLst>
+                <p:cond evt="onNext" delay="0">
+                  <p:tgtEl>
+                    <p:sldTgt/>
+                  </p:tgtEl>
+                </p:cond>
+              </p:nextCondLst>
+            </p:seq>
+          </p:childTnLst>
+        </p:cTn>
+      </p:par>
+    </p:tnLst>
+  </p:timing>
 </p:sld>
 </file>
 
@@ -6842,6 +7512,248 @@
   <p:clrMapOvr>
     <a:masterClrMapping/>
   </p:clrMapOvr>
+  <p:timing>
+    <p:tnLst>
+      <p:par>
+        <p:cTn id="1" dur="indefinite" restart="never" nodeType="tmRoot">
+          <p:childTnLst>
+            <p:seq concurrent="1" nextAc="seek">
+              <p:cTn id="2" dur="indefinite" nodeType="mainSeq">
+                <p:childTnLst>
+                  <p:par>
+                    <p:cTn id="3" fill="hold">
+                      <p:stCondLst>
+                        <p:cond delay="indefinite"/>
+                      </p:stCondLst>
+                      <p:childTnLst>
+                        <p:par>
+                          <p:cTn id="4" fill="hold">
+                            <p:stCondLst>
+                              <p:cond delay="0"/>
+                            </p:stCondLst>
+                            <p:childTnLst>
+                              <p:par>
+                                <p:cTn id="5" presetID="10" presetClass="entr" presetSubtype="0" fill="hold" nodeType="clickEffect">
+                                  <p:stCondLst>
+                                    <p:cond delay="0"/>
+                                  </p:stCondLst>
+                                  <p:childTnLst>
+                                    <p:set>
+                                      <p:cBhvr>
+                                        <p:cTn id="6" dur="1" fill="hold">
+                                          <p:stCondLst>
+                                            <p:cond delay="0"/>
+                                          </p:stCondLst>
+                                        </p:cTn>
+                                        <p:tgtEl>
+                                          <p:spTgt spid="5"/>
+                                        </p:tgtEl>
+                                        <p:attrNameLst>
+                                          <p:attrName>style.visibility</p:attrName>
+                                        </p:attrNameLst>
+                                      </p:cBhvr>
+                                      <p:to>
+                                        <p:strVal val="visible"/>
+                                      </p:to>
+                                    </p:set>
+                                    <p:animEffect transition="in" filter="fade">
+                                      <p:cBhvr>
+                                        <p:cTn id="7" dur="500"/>
+                                        <p:tgtEl>
+                                          <p:spTgt spid="5"/>
+                                        </p:tgtEl>
+                                      </p:cBhvr>
+                                    </p:animEffect>
+                                  </p:childTnLst>
+                                </p:cTn>
+                              </p:par>
+                            </p:childTnLst>
+                          </p:cTn>
+                        </p:par>
+                      </p:childTnLst>
+                    </p:cTn>
+                  </p:par>
+                  <p:par>
+                    <p:cTn id="8" fill="hold">
+                      <p:stCondLst>
+                        <p:cond delay="indefinite"/>
+                      </p:stCondLst>
+                      <p:childTnLst>
+                        <p:par>
+                          <p:cTn id="9" fill="hold">
+                            <p:stCondLst>
+                              <p:cond delay="0"/>
+                            </p:stCondLst>
+                            <p:childTnLst>
+                              <p:par>
+                                <p:cTn id="10" presetID="10" presetClass="entr" presetSubtype="0" fill="hold" nodeType="clickEffect">
+                                  <p:stCondLst>
+                                    <p:cond delay="0"/>
+                                  </p:stCondLst>
+                                  <p:childTnLst>
+                                    <p:set>
+                                      <p:cBhvr>
+                                        <p:cTn id="11" dur="1" fill="hold">
+                                          <p:stCondLst>
+                                            <p:cond delay="0"/>
+                                          </p:stCondLst>
+                                        </p:cTn>
+                                        <p:tgtEl>
+                                          <p:spTgt spid="17"/>
+                                        </p:tgtEl>
+                                        <p:attrNameLst>
+                                          <p:attrName>style.visibility</p:attrName>
+                                        </p:attrNameLst>
+                                      </p:cBhvr>
+                                      <p:to>
+                                        <p:strVal val="visible"/>
+                                      </p:to>
+                                    </p:set>
+                                    <p:animEffect transition="in" filter="fade">
+                                      <p:cBhvr>
+                                        <p:cTn id="12" dur="500"/>
+                                        <p:tgtEl>
+                                          <p:spTgt spid="17"/>
+                                        </p:tgtEl>
+                                      </p:cBhvr>
+                                    </p:animEffect>
+                                  </p:childTnLst>
+                                </p:cTn>
+                              </p:par>
+                            </p:childTnLst>
+                          </p:cTn>
+                        </p:par>
+                      </p:childTnLst>
+                    </p:cTn>
+                  </p:par>
+                  <p:par>
+                    <p:cTn id="13" fill="hold">
+                      <p:stCondLst>
+                        <p:cond delay="indefinite"/>
+                      </p:stCondLst>
+                      <p:childTnLst>
+                        <p:par>
+                          <p:cTn id="14" fill="hold">
+                            <p:stCondLst>
+                              <p:cond delay="0"/>
+                            </p:stCondLst>
+                            <p:childTnLst>
+                              <p:par>
+                                <p:cTn id="15" presetID="10" presetClass="entr" presetSubtype="0" fill="hold" nodeType="clickEffect">
+                                  <p:stCondLst>
+                                    <p:cond delay="0"/>
+                                  </p:stCondLst>
+                                  <p:childTnLst>
+                                    <p:set>
+                                      <p:cBhvr>
+                                        <p:cTn id="16" dur="1" fill="hold">
+                                          <p:stCondLst>
+                                            <p:cond delay="0"/>
+                                          </p:stCondLst>
+                                        </p:cTn>
+                                        <p:tgtEl>
+                                          <p:spTgt spid="8"/>
+                                        </p:tgtEl>
+                                        <p:attrNameLst>
+                                          <p:attrName>style.visibility</p:attrName>
+                                        </p:attrNameLst>
+                                      </p:cBhvr>
+                                      <p:to>
+                                        <p:strVal val="visible"/>
+                                      </p:to>
+                                    </p:set>
+                                    <p:animEffect transition="in" filter="fade">
+                                      <p:cBhvr>
+                                        <p:cTn id="17" dur="500"/>
+                                        <p:tgtEl>
+                                          <p:spTgt spid="8"/>
+                                        </p:tgtEl>
+                                      </p:cBhvr>
+                                    </p:animEffect>
+                                  </p:childTnLst>
+                                </p:cTn>
+                              </p:par>
+                            </p:childTnLst>
+                          </p:cTn>
+                        </p:par>
+                      </p:childTnLst>
+                    </p:cTn>
+                  </p:par>
+                  <p:par>
+                    <p:cTn id="18" fill="hold">
+                      <p:stCondLst>
+                        <p:cond delay="indefinite"/>
+                      </p:stCondLst>
+                      <p:childTnLst>
+                        <p:par>
+                          <p:cTn id="19" fill="hold">
+                            <p:stCondLst>
+                              <p:cond delay="0"/>
+                            </p:stCondLst>
+                            <p:childTnLst>
+                              <p:par>
+                                <p:cTn id="20" presetID="10" presetClass="entr" presetSubtype="0" fill="hold" nodeType="clickEffect">
+                                  <p:stCondLst>
+                                    <p:cond delay="0"/>
+                                  </p:stCondLst>
+                                  <p:childTnLst>
+                                    <p:set>
+                                      <p:cBhvr>
+                                        <p:cTn id="21" dur="1" fill="hold">
+                                          <p:stCondLst>
+                                            <p:cond delay="0"/>
+                                          </p:stCondLst>
+                                        </p:cTn>
+                                        <p:tgtEl>
+                                          <p:spTgt spid="14"/>
+                                        </p:tgtEl>
+                                        <p:attrNameLst>
+                                          <p:attrName>style.visibility</p:attrName>
+                                        </p:attrNameLst>
+                                      </p:cBhvr>
+                                      <p:to>
+                                        <p:strVal val="visible"/>
+                                      </p:to>
+                                    </p:set>
+                                    <p:animEffect transition="in" filter="fade">
+                                      <p:cBhvr>
+                                        <p:cTn id="22" dur="500"/>
+                                        <p:tgtEl>
+                                          <p:spTgt spid="14"/>
+                                        </p:tgtEl>
+                                      </p:cBhvr>
+                                    </p:animEffect>
+                                  </p:childTnLst>
+                                </p:cTn>
+                              </p:par>
+                            </p:childTnLst>
+                          </p:cTn>
+                        </p:par>
+                      </p:childTnLst>
+                    </p:cTn>
+                  </p:par>
+                </p:childTnLst>
+              </p:cTn>
+              <p:prevCondLst>
+                <p:cond evt="onPrev" delay="0">
+                  <p:tgtEl>
+                    <p:sldTgt/>
+                  </p:tgtEl>
+                </p:cond>
+              </p:prevCondLst>
+              <p:nextCondLst>
+                <p:cond evt="onNext" delay="0">
+                  <p:tgtEl>
+                    <p:sldTgt/>
+                  </p:tgtEl>
+                </p:cond>
+              </p:nextCondLst>
+            </p:seq>
+          </p:childTnLst>
+        </p:cTn>
+      </p:par>
+    </p:tnLst>
+  </p:timing>
 </p:sld>
 </file>
 
@@ -9719,6 +10631,59 @@
                       </p:childTnLst>
                     </p:cTn>
                   </p:par>
+                  <p:par>
+                    <p:cTn id="23" fill="hold">
+                      <p:stCondLst>
+                        <p:cond delay="indefinite"/>
+                      </p:stCondLst>
+                      <p:childTnLst>
+                        <p:par>
+                          <p:cTn id="24" fill="hold">
+                            <p:stCondLst>
+                              <p:cond delay="0"/>
+                            </p:stCondLst>
+                            <p:childTnLst>
+                              <p:par>
+                                <p:cTn id="25" presetID="10" presetClass="entr" presetSubtype="0" fill="hold" nodeType="clickEffect">
+                                  <p:stCondLst>
+                                    <p:cond delay="0"/>
+                                  </p:stCondLst>
+                                  <p:childTnLst>
+                                    <p:set>
+                                      <p:cBhvr>
+                                        <p:cTn id="26" dur="1" fill="hold">
+                                          <p:stCondLst>
+                                            <p:cond delay="0"/>
+                                          </p:stCondLst>
+                                        </p:cTn>
+                                        <p:tgtEl>
+                                          <p:spTgt spid="63"/>
+                                        </p:tgtEl>
+                                        <p:attrNameLst>
+                                          <p:attrName>style.visibility</p:attrName>
+                                        </p:attrNameLst>
+                                      </p:cBhvr>
+                                      <p:to>
+                                        <p:strVal val="visible"/>
+                                      </p:to>
+                                    </p:set>
+                                    <p:animEffect transition="in" filter="fade">
+                                      <p:cBhvr>
+                                        <p:cTn id="27" dur="500"/>
+                                        <p:tgtEl>
+                                          <p:spTgt spid="63"/>
+                                        </p:tgtEl>
+                                      </p:cBhvr>
+                                    </p:animEffect>
+                                  </p:childTnLst>
+                                </p:cTn>
+                              </p:par>
+                            </p:childTnLst>
+                          </p:cTn>
+                        </p:par>
+                      </p:childTnLst>
+                    </p:cTn>
+                  </p:par>
                 </p:childTnLst>
               </p:cTn>
               <p:prevCondLst>
@@ -11138,6 +12103,663 @@
   <p:clrMapOvr>
     <a:masterClrMapping/>
   </p:clrMapOvr>
+  <p:timing>
+    <p:tnLst>
+      <p:par>
+        <p:cTn id="1" dur="indefinite" restart="never" nodeType="tmRoot">
+          <p:childTnLst>
+            <p:seq concurrent="1" nextAc="seek">
+              <p:cTn id="2" dur="indefinite" nodeType="mainSeq">
+                <p:childTnLst>
+                  <p:par>
+                    <p:cTn id="3" fill="hold">
+                      <p:stCondLst>
+                        <p:cond delay="indefinite"/>
+                      </p:stCondLst>
+                      <p:childTnLst>
+                        <p:par>
+                          <p:cTn id="4" fill="hold">
+                            <p:stCondLst>
+                              <p:cond delay="0"/>
+                            </p:stCondLst>
+                            <p:childTnLst>
+                              <p:par>
+                                <p:cTn id="5" presetID="10" presetClass="entr" presetSubtype="0" fill="hold" grpId="0" nodeType="clickEffect">
+                                  <p:stCondLst>
+                                    <p:cond delay="0"/>
+                                  </p:stCondLst>
+                                  <p:childTnLst>
+                                    <p:set>
+                                      <p:cBhvr>
+                                        <p:cTn id="6" dur="1" fill="hold">
+                                          <p:stCondLst>
+                                            <p:cond delay="0"/>
+                                          </p:stCondLst>
+                                        </p:cTn>
+                                        <p:tgtEl>
+                                          <p:spTgt spid="4">
+                                            <p:txEl>
+                                              <p:pRg st="0" end="0"/>
+                                            </p:txEl>
+                                          </p:spTgt>
+                                        </p:tgtEl>
+                                        <p:attrNameLst>
+                                          <p:attrName>style.visibility</p:attrName>
+                                        </p:attrNameLst>
+                                      </p:cBhvr>
+                                      <p:to>
+                                        <p:strVal val="visible"/>
+                                      </p:to>
+                                    </p:set>
+                                    <p:animEffect transition="in" filter="fade">
+                                      <p:cBhvr>
+                                        <p:cTn id="7" dur="500"/>
+                                        <p:tgtEl>
+                                          <p:spTgt spid="4">
+                                            <p:txEl>
+                                              <p:pRg st="0" end="0"/>
+                                            </p:txEl>
+                                          </p:spTgt>
+                                        </p:tgtEl>
+                                      </p:cBhvr>
+                                    </p:animEffect>
+                                  </p:childTnLst>
+                                </p:cTn>
+                              </p:par>
+                              <p:par>
+                                <p:cTn id="8" presetID="10" presetClass="entr" presetSubtype="0" fill="hold" grpId="0" nodeType="withEffect">
+                                  <p:stCondLst>
+                                    <p:cond delay="0"/>
+                                  </p:stCondLst>
+                                  <p:childTnLst>
+                                    <p:set>
+                                      <p:cBhvr>
+                                        <p:cTn id="9" dur="1" fill="hold">
+                                          <p:stCondLst>
+                                            <p:cond delay="0"/>
+                                          </p:stCondLst>
+                                        </p:cTn>
+                                        <p:tgtEl>
+                                          <p:spTgt spid="4">
+                                            <p:txEl>
+                                              <p:pRg st="1" end="1"/>
+                                            </p:txEl>
+                                          </p:spTgt>
+                                        </p:tgtEl>
+                                        <p:attrNameLst>
+                                          <p:attrName>style.visibility</p:attrName>
+                                        </p:attrNameLst>
+                                      </p:cBhvr>
+                                      <p:to>
+                                        <p:strVal val="visible"/>
+                                      </p:to>
+                                    </p:set>
+                                    <p:animEffect transition="in" filter="fade">
+                                      <p:cBhvr>
+                                        <p:cTn id="10" dur="500"/>
+                                        <p:tgtEl>
+                                          <p:spTgt spid="4">
+                                            <p:txEl>
+                                              <p:pRg st="1" end="1"/>
+                                            </p:txEl>
+                                          </p:spTgt>
+                                        </p:tgtEl>
+                                      </p:cBhvr>
+                                    </p:animEffect>
+                                  </p:childTnLst>
+                                </p:cTn>
+                              </p:par>
+                            </p:childTnLst>
+                          </p:cTn>
+                        </p:par>
+                      </p:childTnLst>
+                    </p:cTn>
+                  </p:par>
+                  <p:par>
+                    <p:cTn id="11" fill="hold">
+                      <p:stCondLst>
+                        <p:cond delay="indefinite"/>
+                      </p:stCondLst>
+                      <p:childTnLst>
+                        <p:par>
+                          <p:cTn id="12" fill="hold">
+                            <p:stCondLst>
+                              <p:cond delay="0"/>
+                            </p:stCondLst>
+                            <p:childTnLst>
+                              <p:par>
+                                <p:cTn id="13" presetID="10" presetClass="entr" presetSubtype="0" fill="hold" grpId="0" nodeType="clickEffect">
+                                  <p:stCondLst>
+                                    <p:cond delay="0"/>
+                                  </p:stCondLst>
+                                  <p:childTnLst>
+                                    <p:set>
+                                      <p:cBhvr>
+                                        <p:cTn id="14" dur="1" fill="hold">
+                                          <p:stCondLst>
+                                            <p:cond delay="0"/>
+                                          </p:stCondLst>
+                                        </p:cTn>
+                                        <p:tgtEl>
+                                          <p:spTgt spid="4">
+                                            <p:txEl>
+                                              <p:pRg st="2" end="2"/>
+                                            </p:txEl>
+                                          </p:spTgt>
+                                        </p:tgtEl>
+                                        <p:attrNameLst>
+                                          <p:attrName>style.visibility</p:attrName>
+                                        </p:attrNameLst>
+                                      </p:cBhvr>
+                                      <p:to>
+                                        <p:strVal val="visible"/>
+                                      </p:to>
+                                    </p:set>
+                                    <p:animEffect transition="in" filter="fade">
+                                      <p:cBhvr>
+                                        <p:cTn id="15" dur="500"/>
+                                        <p:tgtEl>
+                                          <p:spTgt spid="4">
+                                            <p:txEl>
+                                              <p:pRg st="2" end="2"/>
+                                            </p:txEl>
+                                          </p:spTgt>
+                                        </p:tgtEl>
+                                      </p:cBhvr>
+                                    </p:animEffect>
+                                  </p:childTnLst>
+                                </p:cTn>
+                              </p:par>
+                              <p:par>
+                                <p:cTn id="16" presetID="10" presetClass="entr" presetSubtype="0" fill="hold" grpId="0" nodeType="withEffect">
+                                  <p:stCondLst>
+                                    <p:cond delay="0"/>
+                                  </p:stCondLst>
+                                  <p:childTnLst>
+                                    <p:set>
+                                      <p:cBhvr>
+                                        <p:cTn id="17" dur="1" fill="hold">
+                                          <p:stCondLst>
+                                            <p:cond delay="0"/>
+                                          </p:stCondLst>
+                                        </p:cTn>
+                                        <p:tgtEl>
+                                          <p:spTgt spid="4">
+                                            <p:txEl>
+                                              <p:pRg st="3" end="3"/>
+                                            </p:txEl>
+                                          </p:spTgt>
+                                        </p:tgtEl>
+                                        <p:attrNameLst>
+                                          <p:attrName>style.visibility</p:attrName>
+                                        </p:attrNameLst>
+                                      </p:cBhvr>
+                                      <p:to>
+                                        <p:strVal val="visible"/>
+                                      </p:to>
+                                    </p:set>
+                                    <p:animEffect transition="in" filter="fade">
+                                      <p:cBhvr>
+                                        <p:cTn id="18" dur="500"/>
+                                        <p:tgtEl>
+                                          <p:spTgt spid="4">
+                                            <p:txEl>
+                                              <p:pRg st="3" end="3"/>
+                                            </p:txEl>
+                                          </p:spTgt>
+                                        </p:tgtEl>
+                                      </p:cBhvr>
+                                    </p:animEffect>
+                                  </p:childTnLst>
+                                </p:cTn>
+                              </p:par>
+                            </p:childTnLst>
+                          </p:cTn>
+                        </p:par>
+                      </p:childTnLst>
+                    </p:cTn>
+                  </p:par>
+                  <p:par>
+                    <p:cTn id="19" fill="hold">
+                      <p:stCondLst>
+                        <p:cond delay="indefinite"/>
+                      </p:stCondLst>
+                      <p:childTnLst>
+                        <p:par>
+                          <p:cTn id="20" fill="hold">
+                            <p:stCondLst>
+                              <p:cond delay="0"/>
+                            </p:stCondLst>
+                            <p:childTnLst>
+                              <p:par>
+                                <p:cTn id="21" presetID="10" presetClass="entr" presetSubtype="0" fill="hold" grpId="0" nodeType="clickEffect">
+                                  <p:stCondLst>
+                                    <p:cond delay="0"/>
+                                  </p:stCondLst>
+                                  <p:childTnLst>
+                                    <p:set>
+                                      <p:cBhvr>
+                                        <p:cTn id="22" dur="1" fill="hold">
+                                          <p:stCondLst>
+                                            <p:cond delay="0"/>
+                                          </p:stCondLst>
+                                        </p:cTn>
+                                        <p:tgtEl>
+                                          <p:spTgt spid="4">
+                                            <p:txEl>
+                                              <p:pRg st="4" end="4"/>
+                                            </p:txEl>
+                                          </p:spTgt>
+                                        </p:tgtEl>
+                                        <p:attrNameLst>
+                                          <p:attrName>style.visibility</p:attrName>
+                                        </p:attrNameLst>
+                                      </p:cBhvr>
+                                      <p:to>
+                                        <p:strVal val="visible"/>
+                                      </p:to>
+                                    </p:set>
+                                    <p:animEffect transition="in" filter="fade">
+                                      <p:cBhvr>
+                                        <p:cTn id="23" dur="500"/>
+                                        <p:tgtEl>
+                                          <p:spTgt spid="4">
+                                            <p:txEl>
+                                              <p:pRg st="4" end="4"/>
+                                            </p:txEl>
+                                          </p:spTgt>
+                                        </p:tgtEl>
+                                      </p:cBhvr>
+                                    </p:animEffect>
+                                  </p:childTnLst>
+                                </p:cTn>
+                              </p:par>
+                              <p:par>
+                                <p:cTn id="24" presetID="10" presetClass="entr" presetSubtype="0" fill="hold" grpId="0" nodeType="withEffect">
+                                  <p:stCondLst>
+                                    <p:cond delay="0"/>
+                                  </p:stCondLst>
+                                  <p:childTnLst>
+                                    <p:set>
+                                      <p:cBhvr>
+                                        <p:cTn id="25" dur="1" fill="hold">
+                                          <p:stCondLst>
+                                            <p:cond delay="0"/>
+                                          </p:stCondLst>
+                                        </p:cTn>
+                                        <p:tgtEl>
+                                          <p:spTgt spid="4">
+                                            <p:txEl>
+                                              <p:pRg st="5" end="5"/>
+                                            </p:txEl>
+                                          </p:spTgt>
+                                        </p:tgtEl>
+                                        <p:attrNameLst>
+                                          <p:attrName>style.visibility</p:attrName>
+                                        </p:attrNameLst>
+                                      </p:cBhvr>
+                                      <p:to>
+                                        <p:strVal val="visible"/>
+                                      </p:to>
+                                    </p:set>
+                                    <p:animEffect transition="in" filter="fade">
+                                      <p:cBhvr>
+                                        <p:cTn id="26" dur="500"/>
+                                        <p:tgtEl>
+                                          <p:spTgt spid="4">
+                                            <p:txEl>
+                                              <p:pRg st="5" end="5"/>
+                                            </p:txEl>
+                                          </p:spTgt>
+                                        </p:tgtEl>
+                                      </p:cBhvr>
+                                    </p:animEffect>
+                                  </p:childTnLst>
+                                </p:cTn>
+                              </p:par>
+                            </p:childTnLst>
+                          </p:cTn>
+                        </p:par>
+                      </p:childTnLst>
+                    </p:cTn>
+                  </p:par>
+                  <p:par>
+                    <p:cTn id="27" fill="hold">
+                      <p:stCondLst>
+                        <p:cond delay="indefinite"/>
+                      </p:stCondLst>
+                      <p:childTnLst>
+                        <p:par>
+                          <p:cTn id="28" fill="hold">
+                            <p:stCondLst>
+                              <p:cond delay="0"/>
+                            </p:stCondLst>
+                            <p:childTnLst>
+                              <p:par>
+                                <p:cTn id="29" presetID="10" presetClass="entr" presetSubtype="0" fill="hold" grpId="0" nodeType="clickEffect">
+                                  <p:stCondLst>
+                                    <p:cond delay="0"/>
+                                  </p:stCondLst>
+                                  <p:childTnLst>
+                                    <p:set>
+                                      <p:cBhvr>
+                                        <p:cTn id="30" dur="1" fill="hold">
+                                          <p:stCondLst>
+                                            <p:cond delay="0"/>
+                                          </p:stCondLst>
+                                        </p:cTn>
+                                        <p:tgtEl>
+                                          <p:spTgt spid="4">
+                                            <p:txEl>
+                                              <p:pRg st="6" end="6"/>
+                                            </p:txEl>
+                                          </p:spTgt>
+                                        </p:tgtEl>
+                                        <p:attrNameLst>
+                                          <p:attrName>style.visibility</p:attrName>
+                                        </p:attrNameLst>
+                                      </p:cBhvr>
+                                      <p:to>
+                                        <p:strVal val="visible"/>
+                                      </p:to>
+                                    </p:set>
+                                    <p:animEffect transition="in" filter="fade">
+                                      <p:cBhvr>
+                                        <p:cTn id="31" dur="500"/>
+                                        <p:tgtEl>
+                                          <p:spTgt spid="4">
+                                            <p:txEl>
+                                              <p:pRg st="6" end="6"/>
+                                            </p:txEl>
+                                          </p:spTgt>
+                                        </p:tgtEl>
+                                      </p:cBhvr>
+                                    </p:animEffect>
+                                  </p:childTnLst>
+                                </p:cTn>
+                              </p:par>
+                              <p:par>
+                                <p:cTn id="32" presetID="10" presetClass="entr" presetSubtype="0" fill="hold" grpId="0" nodeType="withEffect">
+                                  <p:stCondLst>
+                                    <p:cond delay="0"/>
+                                  </p:stCondLst>
+                                  <p:childTnLst>
+                                    <p:set>
+                                      <p:cBhvr>
+                                        <p:cTn id="33" dur="1" fill="hold">
+                                          <p:stCondLst>
+                                            <p:cond delay="0"/>
+                                          </p:stCondLst>
+                                        </p:cTn>
+                                        <p:tgtEl>
+                                          <p:spTgt spid="4">
+                                            <p:txEl>
+                                              <p:pRg st="7" end="7"/>
+                                            </p:txEl>
+                                          </p:spTgt>
+                                        </p:tgtEl>
+                                        <p:attrNameLst>
+                                          <p:attrName>style.visibility</p:attrName>
+                                        </p:attrNameLst>
+                                      </p:cBhvr>
+                                      <p:to>
+                                        <p:strVal val="visible"/>
+                                      </p:to>
+                                    </p:set>
+                                    <p:animEffect transition="in" filter="fade">
+                                      <p:cBhvr>
+                                        <p:cTn id="34" dur="500"/>
+                                        <p:tgtEl>
+                                          <p:spTgt spid="4">
+                                            <p:txEl>
+                                              <p:pRg st="7" end="7"/>
+                                            </p:txEl>
+                                          </p:spTgt>
+                                        </p:tgtEl>
+                                      </p:cBhvr>
+                                    </p:animEffect>
+                                  </p:childTnLst>
+                                </p:cTn>
+                              </p:par>
+                            </p:childTnLst>
+                          </p:cTn>
+                        </p:par>
+                      </p:childTnLst>
+                    </p:cTn>
+                  </p:par>
+                  <p:par>
+                    <p:cTn id="35" fill="hold">
+                      <p:stCondLst>
+                        <p:cond delay="indefinite"/>
+                      </p:stCondLst>
+                      <p:childTnLst>
+                        <p:par>
+                          <p:cTn id="36" fill="hold">
+                            <p:stCondLst>
+                              <p:cond delay="0"/>
+                            </p:stCondLst>
+                            <p:childTnLst>
+                              <p:par>
+                                <p:cTn id="37" presetID="10" presetClass="entr" presetSubtype="0" fill="hold" grpId="0" nodeType="clickEffect">
+                                  <p:stCondLst>
+                                    <p:cond delay="0"/>
+                                  </p:stCondLst>
+                                  <p:childTnLst>
+                                    <p:set>
+                                      <p:cBhvr>
+                                        <p:cTn id="38" dur="1" fill="hold">
+                                          <p:stCondLst>
+                                            <p:cond delay="0"/>
+                                          </p:stCondLst>
+                                        </p:cTn>
+                                        <p:tgtEl>
+                                          <p:spTgt spid="4">
+                                            <p:txEl>
+                                              <p:pRg st="8" end="8"/>
+                                            </p:txEl>
+                                          </p:spTgt>
+                                        </p:tgtEl>
+                                        <p:attrNameLst>
+                                          <p:attrName>style.visibility</p:attrName>
+                                        </p:attrNameLst>
+                                      </p:cBhvr>
+                                      <p:to>
+                                        <p:strVal val="visible"/>
+                                      </p:to>
+                                    </p:set>
+                                    <p:animEffect transition="in" filter="fade">
+                                      <p:cBhvr>
+                                        <p:cTn id="39" dur="500"/>
+                                        <p:tgtEl>
+                                          <p:spTgt spid="4">
+                                            <p:txEl>
+                                              <p:pRg st="8" end="8"/>
+                                            </p:txEl>
+                                          </p:spTgt>
+                                        </p:tgtEl>
+                                      </p:cBhvr>
+                                    </p:animEffect>
+                                  </p:childTnLst>
+                                </p:cTn>
+                              </p:par>
+                              <p:par>
+                                <p:cTn id="40" presetID="10" presetClass="entr" presetSubtype="0" fill="hold" grpId="0" nodeType="withEffect">
+                                  <p:stCondLst>
+                                    <p:cond delay="0"/>
+                                  </p:stCondLst>
+                                  <p:childTnLst>
+                                    <p:set>
+                                      <p:cBhvr>
+                                        <p:cTn id="41" dur="1" fill="hold">
+                                          <p:stCondLst>
+                                            <p:cond delay="0"/>
+                                          </p:stCondLst>
+                                        </p:cTn>
+                                        <p:tgtEl>
+                                          <p:spTgt spid="4">
+                                            <p:txEl>
+                                              <p:pRg st="9" end="9"/>
+                                            </p:txEl>
+                                          </p:spTgt>
+                                        </p:tgtEl>
+                                        <p:attrNameLst>
+                                          <p:attrName>style.visibility</p:attrName>
+                                        </p:attrNameLst>
+                                      </p:cBhvr>
+                                      <p:to>
+                                        <p:strVal val="visible"/>
+                                      </p:to>
+                                    </p:set>
+                                    <p:animEffect transition="in" filter="fade">
+                                      <p:cBhvr>
+                                        <p:cTn id="42" dur="500"/>
+                                        <p:tgtEl>
+                                          <p:spTgt spid="4">
+                                            <p:txEl>
+                                              <p:pRg st="9" end="9"/>
+                                            </p:txEl>
+                                          </p:spTgt>
+                                        </p:tgtEl>
+                                      </p:cBhvr>
+                                    </p:animEffect>
+                                  </p:childTnLst>
+                                </p:cTn>
+                              </p:par>
+                            </p:childTnLst>
+                          </p:cTn>
+                        </p:par>
+                      </p:childTnLst>
+                    </p:cTn>
+                  </p:par>
+                  <p:par>
+                    <p:cTn id="43" fill="hold">
+                      <p:stCondLst>
+                        <p:cond delay="indefinite"/>
+                      </p:stCondLst>
+                      <p:childTnLst>
+                        <p:par>
+                          <p:cTn id="44" fill="hold">
+                            <p:stCondLst>
+                              <p:cond delay="0"/>
+                            </p:stCondLst>
+                            <p:childTnLst>
+                              <p:par>
+                                <p:cTn id="45" presetID="10" presetClass="entr" presetSubtype="0" fill="hold" grpId="0" nodeType="clickEffect">
+                                  <p:stCondLst>
+                                    <p:cond delay="0"/>
+                                  </p:stCondLst>
+                                  <p:childTnLst>
+                                    <p:set>
+                                      <p:cBhvr>
+                                        <p:cTn id="46" dur="1" fill="hold">
+                                          <p:stCondLst>
+                                            <p:cond delay="0"/>
+                                          </p:stCondLst>
+                                        </p:cTn>
+                                        <p:tgtEl>
+                                          <p:spTgt spid="4">
+                                            <p:txEl>
+                                              <p:pRg st="10" end="10"/>
+                                            </p:txEl>
+                                          </p:spTgt>
+                                        </p:tgtEl>
+                                        <p:attrNameLst>
+                                          <p:attrName>style.visibility</p:attrName>
+                                        </p:attrNameLst>
+                                      </p:cBhvr>
+                                      <p:to>
+                                        <p:strVal val="visible"/>
+                                      </p:to>
+                                    </p:set>
+                                    <p:animEffect transition="in" filter="fade">
+                                      <p:cBhvr>
+                                        <p:cTn id="47" dur="500"/>
+                                        <p:tgtEl>
+                                          <p:spTgt spid="4">
+                                            <p:txEl>
+                                              <p:pRg st="10" end="10"/>
+                                            </p:txEl>
+                                          </p:spTgt>
+                                        </p:tgtEl>
+                                      </p:cBhvr>
+                                    </p:animEffect>
+                                  </p:childTnLst>
+                                </p:cTn>
+                              </p:par>
+                              <p:par>
+                                <p:cTn id="48" presetID="10" presetClass="entr" presetSubtype="0" fill="hold" grpId="0" nodeType="withEffect">
+                                  <p:stCondLst>
+                                    <p:cond delay="0"/>
+                                  </p:stCondLst>
+                                  <p:childTnLst>
+                                    <p:set>
+                                      <p:cBhvr>
+                                        <p:cTn id="49" dur="1" fill="hold">
+                                          <p:stCondLst>
+                                            <p:cond delay="0"/>
+                                          </p:stCondLst>
+                                        </p:cTn>
+                                        <p:tgtEl>
+                                          <p:spTgt spid="4">
+                                            <p:txEl>
+                                              <p:pRg st="11" end="11"/>
+                                            </p:txEl>
+                                          </p:spTgt>
+                                        </p:tgtEl>
+                                        <p:attrNameLst>
+                                          <p:attrName>style.visibility</p:attrName>
+                                        </p:attrNameLst>
+                                      </p:cBhvr>
+                                      <p:to>
+                                        <p:strVal val="visible"/>
+                                      </p:to>
+                                    </p:set>
+                                    <p:animEffect transition="in" filter="fade">
+                                      <p:cBhvr>
+                                        <p:cTn id="50" dur="500"/>
+                                        <p:tgtEl>
+                                          <p:spTgt spid="4">
+                                            <p:txEl>
+                                              <p:pRg st="11" end="11"/>
+                                            </p:txEl>
+                                          </p:spTgt>
+                                        </p:tgtEl>
+                                      </p:cBhvr>
+                                    </p:animEffect>
+                                  </p:childTnLst>
+                                </p:cTn>
+                              </p:par>
+                            </p:childTnLst>
+                          </p:cTn>
+                        </p:par>
+                      </p:childTnLst>
+                    </p:cTn>
+                  </p:par>
+                </p:childTnLst>
+              </p:cTn>
+              <p:prevCondLst>
+                <p:cond evt="onPrev" delay="0">
+                  <p:tgtEl>
+                    <p:sldTgt/>
+                  </p:tgtEl>
+                </p:cond>
+              </p:prevCondLst>
+              <p:nextCondLst>
+                <p:cond evt="onNext" delay="0">
+                  <p:tgtEl>
+                    <p:sldTgt/>
+                  </p:tgtEl>
+                </p:cond>
+              </p:nextCondLst>
+            </p:seq>
+          </p:childTnLst>
+        </p:cTn>
+      </p:par>
+    </p:tnLst>
+    <p:bldLst>
+      <p:bldP spid="4" grpId="0" build="p"/>
+    </p:bldLst>
+  </p:timing>
 </p:sld>
 </file>
 

--- a/Documentation/Training/CohortBuilder.pptx
+++ b/Documentation/Training/CohortBuilder.pptx
@@ -5,7 +5,7 @@
     <p:sldMasterId id="2147483648" r:id="rId1"/>
   </p:sldMasterIdLst>
   <p:notesMasterIdLst>
-    <p:notesMasterId r:id="rId23"/>
+    <p:notesMasterId r:id="rId24"/>
   </p:notesMasterIdLst>
   <p:sldIdLst>
     <p:sldId id="272" r:id="rId2"/>
@@ -27,8 +27,9 @@
     <p:sldId id="288" r:id="rId18"/>
     <p:sldId id="289" r:id="rId19"/>
     <p:sldId id="290" r:id="rId20"/>
-    <p:sldId id="291" r:id="rId21"/>
-    <p:sldId id="292" r:id="rId22"/>
+    <p:sldId id="293" r:id="rId21"/>
+    <p:sldId id="291" r:id="rId22"/>
+    <p:sldId id="292" r:id="rId23"/>
   </p:sldIdLst>
   <p:sldSz cx="12192000" cy="6858000"/>
   <p:notesSz cx="6858000" cy="9144000"/>
@@ -151,6 +152,7 @@
             <p14:sldId id="288"/>
             <p14:sldId id="289"/>
             <p14:sldId id="290"/>
+            <p14:sldId id="293"/>
             <p14:sldId id="291"/>
             <p14:sldId id="292"/>
           </p14:sldIdLst>
@@ -766,6 +768,93 @@
     <p:extLst>
       <p:ext uri="{BB962C8B-B14F-4D97-AF65-F5344CB8AC3E}">
         <p14:creationId xmlns:p14="http://schemas.microsoft.com/office/powerpoint/2010/main" val="538101936"/>
+      </p:ext>
+    </p:extLst>
+  </p:cSld>
+  <p:clrMapOvr>
+    <a:masterClrMapping/>
+  </p:clrMapOvr>
+</p:notes>
+</file>
+
+<file path=ppt/notesSlides/notesSlide4.xml><?xml version="1.0" encoding="utf-8"?>
+<p:notes xmlns:a="http://schemas.openxmlformats.org/drawingml/2006/main" xmlns:r="http://schemas.openxmlformats.org/officeDocument/2006/relationships" xmlns:p="http://schemas.openxmlformats.org/presentationml/2006/main">
+  <p:cSld>
+    <p:spTree>
+      <p:nvGrpSpPr>
+        <p:cNvPr id="1" name=""/>
+        <p:cNvGrpSpPr/>
+        <p:nvPr/>
+      </p:nvGrpSpPr>
+      <p:grpSpPr>
+        <a:xfrm>
+          <a:off x="0" y="0"/>
+          <a:ext cx="0" cy="0"/>
+          <a:chOff x="0" y="0"/>
+          <a:chExt cx="0" cy="0"/>
+        </a:xfrm>
+      </p:grpSpPr>
+      <p:sp>
+        <p:nvSpPr>
+          <p:cNvPr id="2" name="Slide Image Placeholder 1"/>
+          <p:cNvSpPr>
+            <a:spLocks noGrp="1" noRot="1" noChangeAspect="1"/>
+          </p:cNvSpPr>
+          <p:nvPr>
+            <p:ph type="sldImg"/>
+          </p:nvPr>
+        </p:nvSpPr>
+        <p:spPr/>
+      </p:sp>
+      <p:sp>
+        <p:nvSpPr>
+          <p:cNvPr id="3" name="Notes Placeholder 2"/>
+          <p:cNvSpPr>
+            <a:spLocks noGrp="1"/>
+          </p:cNvSpPr>
+          <p:nvPr>
+            <p:ph type="body" idx="1"/>
+          </p:nvPr>
+        </p:nvSpPr>
+        <p:spPr/>
+        <p:txBody>
+          <a:bodyPr/>
+          <a:lstStyle/>
+          <a:p>
+            <a:r>
+              <a:rPr lang="en-GB" dirty="0"/>
+              <a:t>The index still needs to be joined to a cohort set, but at least the “View Sample” will show the SQL query generated.</a:t>
+            </a:r>
+          </a:p>
+        </p:txBody>
+      </p:sp>
+      <p:sp>
+        <p:nvSpPr>
+          <p:cNvPr id="4" name="Slide Number Placeholder 3"/>
+          <p:cNvSpPr>
+            <a:spLocks noGrp="1"/>
+          </p:cNvSpPr>
+          <p:nvPr>
+            <p:ph type="sldNum" sz="quarter" idx="5"/>
+          </p:nvPr>
+        </p:nvSpPr>
+        <p:spPr/>
+        <p:txBody>
+          <a:bodyPr/>
+          <a:lstStyle/>
+          <a:p>
+            <a:fld id="{F1738015-88EA-481E-8FC9-2B0FD70A3B16}" type="slidenum">
+              <a:rPr lang="en-GB" smtClean="0"/>
+              <a:t>20</a:t>
+            </a:fld>
+            <a:endParaRPr lang="en-GB"/>
+          </a:p>
+        </p:txBody>
+      </p:sp>
+    </p:spTree>
+    <p:extLst>
+      <p:ext uri="{BB962C8B-B14F-4D97-AF65-F5344CB8AC3E}">
+        <p14:creationId xmlns:p14="http://schemas.microsoft.com/office/powerpoint/2010/main" val="1950041500"/>
       </p:ext>
     </p:extLst>
   </p:cSld>
@@ -11419,7 +11508,7 @@
           <p:spPr>
             <a:xfrm>
               <a:off x="1125491" y="1690689"/>
-              <a:ext cx="1895214" cy="461665"/>
+              <a:ext cx="1895214" cy="646331"/>
             </a:xfrm>
             <a:prstGeom prst="rect">
               <a:avLst/>
@@ -11440,7 +11529,7 @@
             <a:p>
               <a:r>
                 <a:rPr lang="en-US" sz="1200" dirty="0"/>
-                <a:t>Patients’ first prescription</a:t>
+                <a:t>Patients’ first prescription having YEAR &gt;= 2000</a:t>
               </a:r>
               <a:endParaRPr lang="en-GB" sz="1200" dirty="0"/>
             </a:p>
@@ -11482,7 +11571,7 @@
           <p:spPr>
             <a:xfrm>
               <a:off x="4334417" y="1690688"/>
-              <a:ext cx="1779405" cy="646331"/>
+              <a:ext cx="1779405" cy="461665"/>
             </a:xfrm>
             <a:prstGeom prst="rect">
               <a:avLst/>
@@ -11503,7 +11592,7 @@
             <a:p>
               <a:r>
                 <a:rPr lang="en-US" sz="1200" dirty="0"/>
-                <a:t>Name = diazepam AND date after 2000</a:t>
+                <a:t>Name = ‘diazepam’</a:t>
               </a:r>
               <a:endParaRPr lang="en-GB" sz="1200" dirty="0"/>
             </a:p>
@@ -12774,6 +12863,129 @@
           </p:txBody>
         </p:sp>
       </p:grpSp>
+      <p:grpSp>
+        <p:nvGrpSpPr>
+          <p:cNvPr id="49" name="Group 48">
+            <a:extLst>
+              <a:ext uri="{FF2B5EF4-FFF2-40B4-BE49-F238E27FC236}">
+                <a16:creationId xmlns:a16="http://schemas.microsoft.com/office/drawing/2014/main" id="{0155899C-2EA0-4786-91BB-E79890B6E412}"/>
+              </a:ext>
+            </a:extLst>
+          </p:cNvPr>
+          <p:cNvGrpSpPr/>
+          <p:nvPr/>
+        </p:nvGrpSpPr>
+        <p:grpSpPr>
+          <a:xfrm>
+            <a:off x="629397" y="4581144"/>
+            <a:ext cx="2472500" cy="2150875"/>
+            <a:chOff x="3887867" y="25908"/>
+            <a:chExt cx="2472500" cy="2150875"/>
+          </a:xfrm>
+        </p:grpSpPr>
+        <p:sp>
+          <p:nvSpPr>
+            <p:cNvPr id="50" name="Rectangle: Rounded Corners 49">
+              <a:extLst>
+                <a:ext uri="{FF2B5EF4-FFF2-40B4-BE49-F238E27FC236}">
+                  <a16:creationId xmlns:a16="http://schemas.microsoft.com/office/drawing/2014/main" id="{CD5A8B03-0B5F-4394-AA2C-496D2E69AFF7}"/>
+                </a:ext>
+              </a:extLst>
+            </p:cNvPr>
+            <p:cNvSpPr/>
+            <p:nvPr/>
+          </p:nvSpPr>
+          <p:spPr>
+            <a:xfrm>
+              <a:off x="3887867" y="496322"/>
+              <a:ext cx="2472500" cy="1680461"/>
+            </a:xfrm>
+            <a:prstGeom prst="roundRect">
+              <a:avLst/>
+            </a:prstGeom>
+          </p:spPr>
+          <p:style>
+            <a:lnRef idx="2">
+              <a:schemeClr val="accent1">
+                <a:shade val="50000"/>
+              </a:schemeClr>
+            </a:lnRef>
+            <a:fillRef idx="1">
+              <a:schemeClr val="accent1"/>
+            </a:fillRef>
+            <a:effectRef idx="0">
+              <a:schemeClr val="accent1"/>
+            </a:effectRef>
+            <a:fontRef idx="minor">
+              <a:schemeClr val="lt1"/>
+            </a:fontRef>
+          </p:style>
+          <p:txBody>
+            <a:bodyPr rtlCol="0" anchor="ctr"/>
+            <a:lstStyle/>
+            <a:p>
+              <a:pPr algn="ctr"/>
+              <a:r>
+                <a:rPr lang="en-GB" sz="1200" dirty="0"/>
+                <a:t>Important: you have to select the MIN prescription date, GROUPING by the patient CHI and HAVING the year of prescription &gt;= 2000.</a:t>
+              </a:r>
+            </a:p>
+            <a:p>
+              <a:pPr algn="ctr"/>
+              <a:endParaRPr lang="en-GB" sz="1200" dirty="0"/>
+            </a:p>
+            <a:p>
+              <a:pPr algn="ctr"/>
+              <a:r>
+                <a:rPr lang="en-GB" sz="1200" dirty="0"/>
+                <a:t>If you use a WHERE you risk getting patients prescribed before 2000. We’ll look at the demo later</a:t>
+              </a:r>
+            </a:p>
+          </p:txBody>
+        </p:sp>
+        <p:cxnSp>
+          <p:nvCxnSpPr>
+            <p:cNvPr id="51" name="Straight Arrow Connector 50">
+              <a:extLst>
+                <a:ext uri="{FF2B5EF4-FFF2-40B4-BE49-F238E27FC236}">
+                  <a16:creationId xmlns:a16="http://schemas.microsoft.com/office/drawing/2014/main" id="{F9FD7D54-8FF1-436B-A079-7E3993DBF082}"/>
+                </a:ext>
+              </a:extLst>
+            </p:cNvPr>
+            <p:cNvCxnSpPr>
+              <a:cxnSpLocks/>
+              <a:stCxn id="50" idx="0"/>
+            </p:cNvCxnSpPr>
+            <p:nvPr/>
+          </p:nvCxnSpPr>
+          <p:spPr>
+            <a:xfrm flipH="1" flipV="1">
+              <a:off x="5105558" y="25908"/>
+              <a:ext cx="18559" cy="470414"/>
+            </a:xfrm>
+            <a:prstGeom prst="straightConnector1">
+              <a:avLst/>
+            </a:prstGeom>
+            <a:ln w="12700">
+              <a:tailEnd type="triangle"/>
+            </a:ln>
+          </p:spPr>
+          <p:style>
+            <a:lnRef idx="1">
+              <a:schemeClr val="accent1"/>
+            </a:lnRef>
+            <a:fillRef idx="0">
+              <a:schemeClr val="accent1"/>
+            </a:fillRef>
+            <a:effectRef idx="0">
+              <a:schemeClr val="accent1"/>
+            </a:effectRef>
+            <a:fontRef idx="minor">
+              <a:schemeClr val="tx1"/>
+            </a:fontRef>
+          </p:style>
+        </p:cxnSp>
+      </p:grpSp>
     </p:spTree>
     <p:extLst>
       <p:ext uri="{BB962C8B-B14F-4D97-AF65-F5344CB8AC3E}">
@@ -12939,6 +13151,59 @@
                                         <p:cTn id="17" dur="500"/>
                                         <p:tgtEl>
                                           <p:spTgt spid="11"/>
+                                        </p:tgtEl>
+                                      </p:cBhvr>
+                                    </p:animEffect>
+                                  </p:childTnLst>
+                                </p:cTn>
+                              </p:par>
+                            </p:childTnLst>
+                          </p:cTn>
+                        </p:par>
+                      </p:childTnLst>
+                    </p:cTn>
+                  </p:par>
+                  <p:par>
+                    <p:cTn id="18" fill="hold">
+                      <p:stCondLst>
+                        <p:cond delay="indefinite"/>
+                      </p:stCondLst>
+                      <p:childTnLst>
+                        <p:par>
+                          <p:cTn id="19" fill="hold">
+                            <p:stCondLst>
+                              <p:cond delay="0"/>
+                            </p:stCondLst>
+                            <p:childTnLst>
+                              <p:par>
+                                <p:cTn id="20" presetID="10" presetClass="entr" presetSubtype="0" fill="hold" nodeType="clickEffect">
+                                  <p:stCondLst>
+                                    <p:cond delay="0"/>
+                                  </p:stCondLst>
+                                  <p:childTnLst>
+                                    <p:set>
+                                      <p:cBhvr>
+                                        <p:cTn id="21" dur="1" fill="hold">
+                                          <p:stCondLst>
+                                            <p:cond delay="0"/>
+                                          </p:stCondLst>
+                                        </p:cTn>
+                                        <p:tgtEl>
+                                          <p:spTgt spid="49"/>
+                                        </p:tgtEl>
+                                        <p:attrNameLst>
+                                          <p:attrName>style.visibility</p:attrName>
+                                        </p:attrNameLst>
+                                      </p:cBhvr>
+                                      <p:to>
+                                        <p:strVal val="visible"/>
+                                      </p:to>
+                                    </p:set>
+                                    <p:animEffect transition="in" filter="fade">
+                                      <p:cBhvr>
+                                        <p:cTn id="22" dur="500"/>
+                                        <p:tgtEl>
+                                          <p:spTgt spid="49"/>
                                         </p:tgtEl>
                                       </p:cBhvr>
                                     </p:animEffect>
@@ -15747,6 +16012,1428 @@
           <a:chExt cx="0" cy="0"/>
         </a:xfrm>
       </p:grpSpPr>
+      <p:pic>
+        <p:nvPicPr>
+          <p:cNvPr id="33" name="Picture 32">
+            <a:extLst>
+              <a:ext uri="{FF2B5EF4-FFF2-40B4-BE49-F238E27FC236}">
+                <a16:creationId xmlns:a16="http://schemas.microsoft.com/office/drawing/2014/main" id="{2F6FB9EA-3285-4832-AC57-C105D9BBE569}"/>
+              </a:ext>
+            </a:extLst>
+          </p:cNvPr>
+          <p:cNvPicPr>
+            <a:picLocks noChangeAspect="1"/>
+          </p:cNvPicPr>
+          <p:nvPr/>
+        </p:nvPicPr>
+        <p:blipFill>
+          <a:blip r:embed="rId3"/>
+          <a:stretch>
+            <a:fillRect/>
+          </a:stretch>
+        </p:blipFill>
+        <p:spPr>
+          <a:xfrm>
+            <a:off x="626131" y="5406466"/>
+            <a:ext cx="6182588" cy="1181265"/>
+          </a:xfrm>
+          <a:prstGeom prst="rect">
+            <a:avLst/>
+          </a:prstGeom>
+        </p:spPr>
+      </p:pic>
+      <p:pic>
+        <p:nvPicPr>
+          <p:cNvPr id="15" name="Picture 14">
+            <a:extLst>
+              <a:ext uri="{FF2B5EF4-FFF2-40B4-BE49-F238E27FC236}">
+                <a16:creationId xmlns:a16="http://schemas.microsoft.com/office/drawing/2014/main" id="{47AB61E4-0F6F-4EE7-9403-DB4F5A213F00}"/>
+              </a:ext>
+            </a:extLst>
+          </p:cNvPr>
+          <p:cNvPicPr>
+            <a:picLocks noChangeAspect="1"/>
+          </p:cNvPicPr>
+          <p:nvPr/>
+        </p:nvPicPr>
+        <p:blipFill>
+          <a:blip r:embed="rId4"/>
+          <a:stretch>
+            <a:fillRect/>
+          </a:stretch>
+        </p:blipFill>
+        <p:spPr>
+          <a:xfrm>
+            <a:off x="9291312" y="5056785"/>
+            <a:ext cx="2629267" cy="1295581"/>
+          </a:xfrm>
+          <a:prstGeom prst="rect">
+            <a:avLst/>
+          </a:prstGeom>
+        </p:spPr>
+      </p:pic>
+      <p:pic>
+        <p:nvPicPr>
+          <p:cNvPr id="27" name="Picture 26">
+            <a:extLst>
+              <a:ext uri="{FF2B5EF4-FFF2-40B4-BE49-F238E27FC236}">
+                <a16:creationId xmlns:a16="http://schemas.microsoft.com/office/drawing/2014/main" id="{435D6318-840C-4B0C-9B4D-904A062227E0}"/>
+              </a:ext>
+            </a:extLst>
+          </p:cNvPr>
+          <p:cNvPicPr>
+            <a:picLocks noChangeAspect="1"/>
+          </p:cNvPicPr>
+          <p:nvPr/>
+        </p:nvPicPr>
+        <p:blipFill>
+          <a:blip r:embed="rId5"/>
+          <a:stretch>
+            <a:fillRect/>
+          </a:stretch>
+        </p:blipFill>
+        <p:spPr>
+          <a:xfrm>
+            <a:off x="6762303" y="2448436"/>
+            <a:ext cx="4927073" cy="1751670"/>
+          </a:xfrm>
+          <a:prstGeom prst="rect">
+            <a:avLst/>
+          </a:prstGeom>
+        </p:spPr>
+      </p:pic>
+      <p:pic>
+        <p:nvPicPr>
+          <p:cNvPr id="28" name="Picture 27">
+            <a:extLst>
+              <a:ext uri="{FF2B5EF4-FFF2-40B4-BE49-F238E27FC236}">
+                <a16:creationId xmlns:a16="http://schemas.microsoft.com/office/drawing/2014/main" id="{E6DC02B9-42D1-49C9-A346-37293F99957F}"/>
+              </a:ext>
+            </a:extLst>
+          </p:cNvPr>
+          <p:cNvPicPr>
+            <a:picLocks noChangeAspect="1"/>
+          </p:cNvPicPr>
+          <p:nvPr/>
+        </p:nvPicPr>
+        <p:blipFill>
+          <a:blip r:embed="rId6"/>
+          <a:stretch>
+            <a:fillRect/>
+          </a:stretch>
+        </p:blipFill>
+        <p:spPr>
+          <a:xfrm>
+            <a:off x="6150463" y="211779"/>
+            <a:ext cx="5048955" cy="1257475"/>
+          </a:xfrm>
+          <a:prstGeom prst="rect">
+            <a:avLst/>
+          </a:prstGeom>
+        </p:spPr>
+      </p:pic>
+      <p:sp>
+        <p:nvSpPr>
+          <p:cNvPr id="2" name="Title 1">
+            <a:extLst>
+              <a:ext uri="{FF2B5EF4-FFF2-40B4-BE49-F238E27FC236}">
+                <a16:creationId xmlns:a16="http://schemas.microsoft.com/office/drawing/2014/main" id="{83F9C29C-71D7-4374-8A10-D632A627D3D1}"/>
+              </a:ext>
+            </a:extLst>
+          </p:cNvPr>
+          <p:cNvSpPr>
+            <a:spLocks noGrp="1"/>
+          </p:cNvSpPr>
+          <p:nvPr>
+            <p:ph type="title"/>
+          </p:nvPr>
+        </p:nvSpPr>
+        <p:spPr/>
+        <p:txBody>
+          <a:bodyPr/>
+          <a:lstStyle/>
+          <a:p>
+            <a:r>
+              <a:rPr lang="en-GB" dirty="0"/>
+              <a:t>Create the Index</a:t>
+            </a:r>
+          </a:p>
+        </p:txBody>
+      </p:sp>
+      <p:pic>
+        <p:nvPicPr>
+          <p:cNvPr id="13" name="Picture 12">
+            <a:extLst>
+              <a:ext uri="{FF2B5EF4-FFF2-40B4-BE49-F238E27FC236}">
+                <a16:creationId xmlns:a16="http://schemas.microsoft.com/office/drawing/2014/main" id="{E291A25D-C0C1-49F8-84C8-4D5F462285A0}"/>
+              </a:ext>
+            </a:extLst>
+          </p:cNvPr>
+          <p:cNvPicPr>
+            <a:picLocks noChangeAspect="1"/>
+          </p:cNvPicPr>
+          <p:nvPr/>
+        </p:nvPicPr>
+        <p:blipFill rotWithShape="1">
+          <a:blip r:embed="rId7"/>
+          <a:srcRect t="20542" b="56596"/>
+          <a:stretch/>
+        </p:blipFill>
+        <p:spPr>
+          <a:xfrm>
+            <a:off x="149086" y="223246"/>
+            <a:ext cx="4926530" cy="1538473"/>
+          </a:xfrm>
+          <a:prstGeom prst="rect">
+            <a:avLst/>
+          </a:prstGeom>
+        </p:spPr>
+      </p:pic>
+      <p:grpSp>
+        <p:nvGrpSpPr>
+          <p:cNvPr id="17" name="Group 16">
+            <a:extLst>
+              <a:ext uri="{FF2B5EF4-FFF2-40B4-BE49-F238E27FC236}">
+                <a16:creationId xmlns:a16="http://schemas.microsoft.com/office/drawing/2014/main" id="{5DB78D50-551A-4ED5-89CD-C9BCB26D03E7}"/>
+              </a:ext>
+            </a:extLst>
+          </p:cNvPr>
+          <p:cNvGrpSpPr/>
+          <p:nvPr/>
+        </p:nvGrpSpPr>
+        <p:grpSpPr>
+          <a:xfrm>
+            <a:off x="7439944" y="3264951"/>
+            <a:ext cx="1686992" cy="997815"/>
+            <a:chOff x="3465022" y="-1697876"/>
+            <a:chExt cx="1686992" cy="997815"/>
+          </a:xfrm>
+        </p:grpSpPr>
+        <p:sp>
+          <p:nvSpPr>
+            <p:cNvPr id="18" name="Rectangle: Rounded Corners 17">
+              <a:extLst>
+                <a:ext uri="{FF2B5EF4-FFF2-40B4-BE49-F238E27FC236}">
+                  <a16:creationId xmlns:a16="http://schemas.microsoft.com/office/drawing/2014/main" id="{6180C395-A6AB-4FC6-A0FB-69D55423CB11}"/>
+                </a:ext>
+              </a:extLst>
+            </p:cNvPr>
+            <p:cNvSpPr/>
+            <p:nvPr/>
+          </p:nvSpPr>
+          <p:spPr>
+            <a:xfrm>
+              <a:off x="3465022" y="-1207484"/>
+              <a:ext cx="1686992" cy="507423"/>
+            </a:xfrm>
+            <a:prstGeom prst="roundRect">
+              <a:avLst/>
+            </a:prstGeom>
+          </p:spPr>
+          <p:style>
+            <a:lnRef idx="2">
+              <a:schemeClr val="accent1">
+                <a:shade val="50000"/>
+              </a:schemeClr>
+            </a:lnRef>
+            <a:fillRef idx="1">
+              <a:schemeClr val="accent1"/>
+            </a:fillRef>
+            <a:effectRef idx="0">
+              <a:schemeClr val="accent1"/>
+            </a:effectRef>
+            <a:fontRef idx="minor">
+              <a:schemeClr val="lt1"/>
+            </a:fontRef>
+          </p:style>
+          <p:txBody>
+            <a:bodyPr rtlCol="0" anchor="ctr"/>
+            <a:lstStyle/>
+            <a:p>
+              <a:pPr algn="ctr"/>
+              <a:r>
+                <a:rPr lang="en-GB" sz="1200" dirty="0"/>
+                <a:t>Change to the desired aggregate</a:t>
+              </a:r>
+            </a:p>
+          </p:txBody>
+        </p:sp>
+        <p:cxnSp>
+          <p:nvCxnSpPr>
+            <p:cNvPr id="19" name="Straight Arrow Connector 18">
+              <a:extLst>
+                <a:ext uri="{FF2B5EF4-FFF2-40B4-BE49-F238E27FC236}">
+                  <a16:creationId xmlns:a16="http://schemas.microsoft.com/office/drawing/2014/main" id="{FFB982E3-2D3E-467A-80DE-75F3A3F7805F}"/>
+                </a:ext>
+              </a:extLst>
+            </p:cNvPr>
+            <p:cNvCxnSpPr>
+              <a:cxnSpLocks/>
+              <a:stCxn id="18" idx="0"/>
+            </p:cNvCxnSpPr>
+            <p:nvPr/>
+          </p:nvCxnSpPr>
+          <p:spPr>
+            <a:xfrm flipH="1" flipV="1">
+              <a:off x="4203549" y="-1697876"/>
+              <a:ext cx="104969" cy="490392"/>
+            </a:xfrm>
+            <a:prstGeom prst="straightConnector1">
+              <a:avLst/>
+            </a:prstGeom>
+            <a:ln w="12700">
+              <a:tailEnd type="triangle"/>
+            </a:ln>
+          </p:spPr>
+          <p:style>
+            <a:lnRef idx="1">
+              <a:schemeClr val="accent1"/>
+            </a:lnRef>
+            <a:fillRef idx="0">
+              <a:schemeClr val="accent1"/>
+            </a:fillRef>
+            <a:effectRef idx="0">
+              <a:schemeClr val="accent1"/>
+            </a:effectRef>
+            <a:fontRef idx="minor">
+              <a:schemeClr val="tx1"/>
+            </a:fontRef>
+          </p:style>
+        </p:cxnSp>
+      </p:grpSp>
+      <p:grpSp>
+        <p:nvGrpSpPr>
+          <p:cNvPr id="20" name="Group 19">
+            <a:extLst>
+              <a:ext uri="{FF2B5EF4-FFF2-40B4-BE49-F238E27FC236}">
+                <a16:creationId xmlns:a16="http://schemas.microsoft.com/office/drawing/2014/main" id="{9A86328D-C1AC-4EBB-AB30-923590B96846}"/>
+              </a:ext>
+            </a:extLst>
+          </p:cNvPr>
+          <p:cNvGrpSpPr/>
+          <p:nvPr/>
+        </p:nvGrpSpPr>
+        <p:grpSpPr>
+          <a:xfrm>
+            <a:off x="10233587" y="1259641"/>
+            <a:ext cx="1686992" cy="1126135"/>
+            <a:chOff x="5646589" y="-4090744"/>
+            <a:chExt cx="1686992" cy="1126135"/>
+          </a:xfrm>
+        </p:grpSpPr>
+        <p:sp>
+          <p:nvSpPr>
+            <p:cNvPr id="21" name="Rectangle: Rounded Corners 20">
+              <a:extLst>
+                <a:ext uri="{FF2B5EF4-FFF2-40B4-BE49-F238E27FC236}">
+                  <a16:creationId xmlns:a16="http://schemas.microsoft.com/office/drawing/2014/main" id="{86C321CC-3BE9-42AC-971D-8E39F929AECB}"/>
+                </a:ext>
+              </a:extLst>
+            </p:cNvPr>
+            <p:cNvSpPr/>
+            <p:nvPr/>
+          </p:nvSpPr>
+          <p:spPr>
+            <a:xfrm>
+              <a:off x="5646589" y="-3472032"/>
+              <a:ext cx="1686992" cy="507423"/>
+            </a:xfrm>
+            <a:prstGeom prst="roundRect">
+              <a:avLst/>
+            </a:prstGeom>
+          </p:spPr>
+          <p:style>
+            <a:lnRef idx="2">
+              <a:schemeClr val="accent1">
+                <a:shade val="50000"/>
+              </a:schemeClr>
+            </a:lnRef>
+            <a:fillRef idx="1">
+              <a:schemeClr val="accent1"/>
+            </a:fillRef>
+            <a:effectRef idx="0">
+              <a:schemeClr val="accent1"/>
+            </a:effectRef>
+            <a:fontRef idx="minor">
+              <a:schemeClr val="lt1"/>
+            </a:fontRef>
+          </p:style>
+          <p:txBody>
+            <a:bodyPr rtlCol="0" anchor="ctr"/>
+            <a:lstStyle/>
+            <a:p>
+              <a:pPr algn="ctr"/>
+              <a:r>
+                <a:rPr lang="en-GB" sz="1200" dirty="0"/>
+                <a:t>Click here to change the Alias</a:t>
+              </a:r>
+            </a:p>
+          </p:txBody>
+        </p:sp>
+        <p:cxnSp>
+          <p:nvCxnSpPr>
+            <p:cNvPr id="22" name="Straight Arrow Connector 21">
+              <a:extLst>
+                <a:ext uri="{FF2B5EF4-FFF2-40B4-BE49-F238E27FC236}">
+                  <a16:creationId xmlns:a16="http://schemas.microsoft.com/office/drawing/2014/main" id="{6EC4DB50-E8A4-4668-8A4E-76835090BEFD}"/>
+                </a:ext>
+              </a:extLst>
+            </p:cNvPr>
+            <p:cNvCxnSpPr>
+              <a:cxnSpLocks/>
+              <a:stCxn id="21" idx="0"/>
+            </p:cNvCxnSpPr>
+            <p:nvPr/>
+          </p:nvCxnSpPr>
+          <p:spPr>
+            <a:xfrm flipH="1" flipV="1">
+              <a:off x="5886994" y="-4090744"/>
+              <a:ext cx="603091" cy="618712"/>
+            </a:xfrm>
+            <a:prstGeom prst="straightConnector1">
+              <a:avLst/>
+            </a:prstGeom>
+            <a:ln w="12700">
+              <a:tailEnd type="triangle"/>
+            </a:ln>
+          </p:spPr>
+          <p:style>
+            <a:lnRef idx="1">
+              <a:schemeClr val="accent1"/>
+            </a:lnRef>
+            <a:fillRef idx="0">
+              <a:schemeClr val="accent1"/>
+            </a:fillRef>
+            <a:effectRef idx="0">
+              <a:schemeClr val="accent1"/>
+            </a:effectRef>
+            <a:fontRef idx="minor">
+              <a:schemeClr val="tx1"/>
+            </a:fontRef>
+          </p:style>
+        </p:cxnSp>
+      </p:grpSp>
+      <p:grpSp>
+        <p:nvGrpSpPr>
+          <p:cNvPr id="23" name="Group 22">
+            <a:extLst>
+              <a:ext uri="{FF2B5EF4-FFF2-40B4-BE49-F238E27FC236}">
+                <a16:creationId xmlns:a16="http://schemas.microsoft.com/office/drawing/2014/main" id="{CB8A8F2A-4CB4-4B69-93EB-93172BAC8108}"/>
+              </a:ext>
+            </a:extLst>
+          </p:cNvPr>
+          <p:cNvGrpSpPr/>
+          <p:nvPr/>
+        </p:nvGrpSpPr>
+        <p:grpSpPr>
+          <a:xfrm>
+            <a:off x="6199464" y="1227857"/>
+            <a:ext cx="3314942" cy="955962"/>
+            <a:chOff x="2529944" y="-2485404"/>
+            <a:chExt cx="3314942" cy="955962"/>
+          </a:xfrm>
+        </p:grpSpPr>
+        <p:sp>
+          <p:nvSpPr>
+            <p:cNvPr id="24" name="Rectangle: Rounded Corners 23">
+              <a:extLst>
+                <a:ext uri="{FF2B5EF4-FFF2-40B4-BE49-F238E27FC236}">
+                  <a16:creationId xmlns:a16="http://schemas.microsoft.com/office/drawing/2014/main" id="{1F1CFAB3-6A8E-450C-9705-168A4E6DFEAC}"/>
+                </a:ext>
+              </a:extLst>
+            </p:cNvPr>
+            <p:cNvSpPr/>
+            <p:nvPr/>
+          </p:nvSpPr>
+          <p:spPr>
+            <a:xfrm>
+              <a:off x="2529944" y="-2036865"/>
+              <a:ext cx="1686992" cy="507423"/>
+            </a:xfrm>
+            <a:prstGeom prst="roundRect">
+              <a:avLst/>
+            </a:prstGeom>
+          </p:spPr>
+          <p:style>
+            <a:lnRef idx="2">
+              <a:schemeClr val="accent1">
+                <a:shade val="50000"/>
+              </a:schemeClr>
+            </a:lnRef>
+            <a:fillRef idx="1">
+              <a:schemeClr val="accent1"/>
+            </a:fillRef>
+            <a:effectRef idx="0">
+              <a:schemeClr val="accent1"/>
+            </a:effectRef>
+            <a:fontRef idx="minor">
+              <a:schemeClr val="lt1"/>
+            </a:fontRef>
+          </p:style>
+          <p:txBody>
+            <a:bodyPr rtlCol="0" anchor="ctr"/>
+            <a:lstStyle/>
+            <a:p>
+              <a:pPr algn="ctr"/>
+              <a:r>
+                <a:rPr lang="en-GB" sz="1200" dirty="0"/>
+                <a:t>Click on “Edit…”</a:t>
+              </a:r>
+            </a:p>
+          </p:txBody>
+        </p:sp>
+        <p:cxnSp>
+          <p:nvCxnSpPr>
+            <p:cNvPr id="25" name="Straight Arrow Connector 24">
+              <a:extLst>
+                <a:ext uri="{FF2B5EF4-FFF2-40B4-BE49-F238E27FC236}">
+                  <a16:creationId xmlns:a16="http://schemas.microsoft.com/office/drawing/2014/main" id="{20A0136B-F7A6-4D63-BF0B-3354FDC77969}"/>
+                </a:ext>
+              </a:extLst>
+            </p:cNvPr>
+            <p:cNvCxnSpPr>
+              <a:cxnSpLocks/>
+              <a:stCxn id="24" idx="3"/>
+            </p:cNvCxnSpPr>
+            <p:nvPr/>
+          </p:nvCxnSpPr>
+          <p:spPr>
+            <a:xfrm flipV="1">
+              <a:off x="4216936" y="-2485404"/>
+              <a:ext cx="1627950" cy="702251"/>
+            </a:xfrm>
+            <a:prstGeom prst="straightConnector1">
+              <a:avLst/>
+            </a:prstGeom>
+            <a:ln w="12700">
+              <a:tailEnd type="triangle"/>
+            </a:ln>
+          </p:spPr>
+          <p:style>
+            <a:lnRef idx="1">
+              <a:schemeClr val="accent1"/>
+            </a:lnRef>
+            <a:fillRef idx="0">
+              <a:schemeClr val="accent1"/>
+            </a:fillRef>
+            <a:effectRef idx="0">
+              <a:schemeClr val="accent1"/>
+            </a:effectRef>
+            <a:fontRef idx="minor">
+              <a:schemeClr val="tx1"/>
+            </a:fontRef>
+          </p:style>
+        </p:cxnSp>
+      </p:grpSp>
+      <p:grpSp>
+        <p:nvGrpSpPr>
+          <p:cNvPr id="6" name="Group 5">
+            <a:extLst>
+              <a:ext uri="{FF2B5EF4-FFF2-40B4-BE49-F238E27FC236}">
+                <a16:creationId xmlns:a16="http://schemas.microsoft.com/office/drawing/2014/main" id="{4E379A53-B029-4EA2-A71E-1F0EB36A7159}"/>
+              </a:ext>
+            </a:extLst>
+          </p:cNvPr>
+          <p:cNvGrpSpPr/>
+          <p:nvPr/>
+        </p:nvGrpSpPr>
+        <p:grpSpPr>
+          <a:xfrm>
+            <a:off x="149086" y="1469254"/>
+            <a:ext cx="1686992" cy="1100071"/>
+            <a:chOff x="3374664" y="-2618317"/>
+            <a:chExt cx="1686992" cy="1100071"/>
+          </a:xfrm>
+        </p:grpSpPr>
+        <p:sp>
+          <p:nvSpPr>
+            <p:cNvPr id="7" name="Rectangle: Rounded Corners 6">
+              <a:extLst>
+                <a:ext uri="{FF2B5EF4-FFF2-40B4-BE49-F238E27FC236}">
+                  <a16:creationId xmlns:a16="http://schemas.microsoft.com/office/drawing/2014/main" id="{AD9B9C19-13D1-4BAE-BC97-1424D65DAF03}"/>
+                </a:ext>
+              </a:extLst>
+            </p:cNvPr>
+            <p:cNvSpPr/>
+            <p:nvPr/>
+          </p:nvSpPr>
+          <p:spPr>
+            <a:xfrm>
+              <a:off x="3374664" y="-2025669"/>
+              <a:ext cx="1686992" cy="507423"/>
+            </a:xfrm>
+            <a:prstGeom prst="roundRect">
+              <a:avLst/>
+            </a:prstGeom>
+          </p:spPr>
+          <p:style>
+            <a:lnRef idx="2">
+              <a:schemeClr val="accent1">
+                <a:shade val="50000"/>
+              </a:schemeClr>
+            </a:lnRef>
+            <a:fillRef idx="1">
+              <a:schemeClr val="accent1"/>
+            </a:fillRef>
+            <a:effectRef idx="0">
+              <a:schemeClr val="accent1"/>
+            </a:effectRef>
+            <a:fontRef idx="minor">
+              <a:schemeClr val="lt1"/>
+            </a:fontRef>
+          </p:style>
+          <p:txBody>
+            <a:bodyPr rtlCol="0" anchor="ctr"/>
+            <a:lstStyle/>
+            <a:p>
+              <a:pPr algn="ctr"/>
+              <a:r>
+                <a:rPr lang="en-GB" sz="1200" dirty="0"/>
+                <a:t>From here…</a:t>
+              </a:r>
+            </a:p>
+          </p:txBody>
+        </p:sp>
+        <p:cxnSp>
+          <p:nvCxnSpPr>
+            <p:cNvPr id="8" name="Straight Arrow Connector 7">
+              <a:extLst>
+                <a:ext uri="{FF2B5EF4-FFF2-40B4-BE49-F238E27FC236}">
+                  <a16:creationId xmlns:a16="http://schemas.microsoft.com/office/drawing/2014/main" id="{89F8EF01-2C60-4A05-A5FE-D44EED9A2D6C}"/>
+                </a:ext>
+              </a:extLst>
+            </p:cNvPr>
+            <p:cNvCxnSpPr>
+              <a:cxnSpLocks/>
+              <a:stCxn id="7" idx="0"/>
+            </p:cNvCxnSpPr>
+            <p:nvPr/>
+          </p:nvCxnSpPr>
+          <p:spPr>
+            <a:xfrm flipV="1">
+              <a:off x="4218160" y="-2618317"/>
+              <a:ext cx="77887" cy="592648"/>
+            </a:xfrm>
+            <a:prstGeom prst="straightConnector1">
+              <a:avLst/>
+            </a:prstGeom>
+            <a:ln w="12700">
+              <a:tailEnd type="triangle"/>
+            </a:ln>
+          </p:spPr>
+          <p:style>
+            <a:lnRef idx="1">
+              <a:schemeClr val="accent1"/>
+            </a:lnRef>
+            <a:fillRef idx="0">
+              <a:schemeClr val="accent1"/>
+            </a:fillRef>
+            <a:effectRef idx="0">
+              <a:schemeClr val="accent1"/>
+            </a:effectRef>
+            <a:fontRef idx="minor">
+              <a:schemeClr val="tx1"/>
+            </a:fontRef>
+          </p:style>
+        </p:cxnSp>
+      </p:grpSp>
+      <p:pic>
+        <p:nvPicPr>
+          <p:cNvPr id="26" name="Picture 25">
+            <a:extLst>
+              <a:ext uri="{FF2B5EF4-FFF2-40B4-BE49-F238E27FC236}">
+                <a16:creationId xmlns:a16="http://schemas.microsoft.com/office/drawing/2014/main" id="{377021FD-B42A-4A64-97F7-54438CD40D25}"/>
+              </a:ext>
+            </a:extLst>
+          </p:cNvPr>
+          <p:cNvPicPr>
+            <a:picLocks noChangeAspect="1"/>
+          </p:cNvPicPr>
+          <p:nvPr/>
+        </p:nvPicPr>
+        <p:blipFill>
+          <a:blip r:embed="rId8"/>
+          <a:stretch>
+            <a:fillRect/>
+          </a:stretch>
+        </p:blipFill>
+        <p:spPr>
+          <a:xfrm>
+            <a:off x="315631" y="3630463"/>
+            <a:ext cx="5125165" cy="981212"/>
+          </a:xfrm>
+          <a:prstGeom prst="rect">
+            <a:avLst/>
+          </a:prstGeom>
+        </p:spPr>
+      </p:pic>
+      <p:grpSp>
+        <p:nvGrpSpPr>
+          <p:cNvPr id="10" name="Group 9">
+            <a:extLst>
+              <a:ext uri="{FF2B5EF4-FFF2-40B4-BE49-F238E27FC236}">
+                <a16:creationId xmlns:a16="http://schemas.microsoft.com/office/drawing/2014/main" id="{F1EEDA44-01EC-4F04-9C92-5049249544E5}"/>
+              </a:ext>
+            </a:extLst>
+          </p:cNvPr>
+          <p:cNvGrpSpPr/>
+          <p:nvPr/>
+        </p:nvGrpSpPr>
+        <p:grpSpPr>
+          <a:xfrm>
+            <a:off x="2007005" y="2514287"/>
+            <a:ext cx="2456634" cy="1426777"/>
+            <a:chOff x="4992670" y="-5138337"/>
+            <a:chExt cx="2456634" cy="1426777"/>
+          </a:xfrm>
+        </p:grpSpPr>
+        <p:sp>
+          <p:nvSpPr>
+            <p:cNvPr id="11" name="Rectangle: Rounded Corners 10">
+              <a:extLst>
+                <a:ext uri="{FF2B5EF4-FFF2-40B4-BE49-F238E27FC236}">
+                  <a16:creationId xmlns:a16="http://schemas.microsoft.com/office/drawing/2014/main" id="{44440F0E-9621-40B2-829B-1DD3EB1F7C39}"/>
+                </a:ext>
+              </a:extLst>
+            </p:cNvPr>
+            <p:cNvSpPr/>
+            <p:nvPr/>
+          </p:nvSpPr>
+          <p:spPr>
+            <a:xfrm>
+              <a:off x="5471726" y="-5138337"/>
+              <a:ext cx="1977578" cy="750664"/>
+            </a:xfrm>
+            <a:prstGeom prst="roundRect">
+              <a:avLst/>
+            </a:prstGeom>
+          </p:spPr>
+          <p:style>
+            <a:lnRef idx="2">
+              <a:schemeClr val="accent1">
+                <a:shade val="50000"/>
+              </a:schemeClr>
+            </a:lnRef>
+            <a:fillRef idx="1">
+              <a:schemeClr val="accent1"/>
+            </a:fillRef>
+            <a:effectRef idx="0">
+              <a:schemeClr val="accent1"/>
+            </a:effectRef>
+            <a:fontRef idx="minor">
+              <a:schemeClr val="lt1"/>
+            </a:fontRef>
+          </p:style>
+          <p:txBody>
+            <a:bodyPr rtlCol="0" anchor="ctr"/>
+            <a:lstStyle/>
+            <a:p>
+              <a:pPr algn="ctr"/>
+              <a:r>
+                <a:rPr lang="en-GB" sz="1200" dirty="0"/>
+                <a:t>Select the aggregate column (which is count(*) by default)</a:t>
+              </a:r>
+            </a:p>
+          </p:txBody>
+        </p:sp>
+        <p:cxnSp>
+          <p:nvCxnSpPr>
+            <p:cNvPr id="12" name="Straight Arrow Connector 11">
+              <a:extLst>
+                <a:ext uri="{FF2B5EF4-FFF2-40B4-BE49-F238E27FC236}">
+                  <a16:creationId xmlns:a16="http://schemas.microsoft.com/office/drawing/2014/main" id="{6A14B6CB-DF72-451F-9788-FBEE70A2479A}"/>
+                </a:ext>
+              </a:extLst>
+            </p:cNvPr>
+            <p:cNvCxnSpPr>
+              <a:cxnSpLocks/>
+              <a:stCxn id="11" idx="2"/>
+            </p:cNvCxnSpPr>
+            <p:nvPr/>
+          </p:nvCxnSpPr>
+          <p:spPr>
+            <a:xfrm flipH="1">
+              <a:off x="4992670" y="-4387673"/>
+              <a:ext cx="1467845" cy="676113"/>
+            </a:xfrm>
+            <a:prstGeom prst="straightConnector1">
+              <a:avLst/>
+            </a:prstGeom>
+            <a:ln w="12700">
+              <a:tailEnd type="triangle"/>
+            </a:ln>
+          </p:spPr>
+          <p:style>
+            <a:lnRef idx="1">
+              <a:schemeClr val="accent1"/>
+            </a:lnRef>
+            <a:fillRef idx="0">
+              <a:schemeClr val="accent1"/>
+            </a:fillRef>
+            <a:effectRef idx="0">
+              <a:schemeClr val="accent1"/>
+            </a:effectRef>
+            <a:fontRef idx="minor">
+              <a:schemeClr val="tx1"/>
+            </a:fontRef>
+          </p:style>
+        </p:cxnSp>
+      </p:grpSp>
+      <p:grpSp>
+        <p:nvGrpSpPr>
+          <p:cNvPr id="36" name="Group 35">
+            <a:extLst>
+              <a:ext uri="{FF2B5EF4-FFF2-40B4-BE49-F238E27FC236}">
+                <a16:creationId xmlns:a16="http://schemas.microsoft.com/office/drawing/2014/main" id="{7E96AE24-27B1-48A6-8741-BD02B5ED1160}"/>
+              </a:ext>
+            </a:extLst>
+          </p:cNvPr>
+          <p:cNvGrpSpPr/>
+          <p:nvPr/>
+        </p:nvGrpSpPr>
+        <p:grpSpPr>
+          <a:xfrm>
+            <a:off x="7439944" y="5254148"/>
+            <a:ext cx="2459505" cy="507423"/>
+            <a:chOff x="5023478" y="-735576"/>
+            <a:chExt cx="2459505" cy="507423"/>
+          </a:xfrm>
+        </p:grpSpPr>
+        <p:sp>
+          <p:nvSpPr>
+            <p:cNvPr id="37" name="Rectangle: Rounded Corners 36">
+              <a:extLst>
+                <a:ext uri="{FF2B5EF4-FFF2-40B4-BE49-F238E27FC236}">
+                  <a16:creationId xmlns:a16="http://schemas.microsoft.com/office/drawing/2014/main" id="{CFE8B303-E6D9-405E-AB69-E5EDD4AD0BAA}"/>
+                </a:ext>
+              </a:extLst>
+            </p:cNvPr>
+            <p:cNvSpPr/>
+            <p:nvPr/>
+          </p:nvSpPr>
+          <p:spPr>
+            <a:xfrm>
+              <a:off x="5023478" y="-735576"/>
+              <a:ext cx="1686992" cy="507423"/>
+            </a:xfrm>
+            <a:prstGeom prst="roundRect">
+              <a:avLst/>
+            </a:prstGeom>
+          </p:spPr>
+          <p:style>
+            <a:lnRef idx="2">
+              <a:schemeClr val="accent1">
+                <a:shade val="50000"/>
+              </a:schemeClr>
+            </a:lnRef>
+            <a:fillRef idx="1">
+              <a:schemeClr val="accent1"/>
+            </a:fillRef>
+            <a:effectRef idx="0">
+              <a:schemeClr val="accent1"/>
+            </a:effectRef>
+            <a:fontRef idx="minor">
+              <a:schemeClr val="lt1"/>
+            </a:fontRef>
+          </p:style>
+          <p:txBody>
+            <a:bodyPr rtlCol="0" anchor="ctr"/>
+            <a:lstStyle/>
+            <a:p>
+              <a:pPr algn="ctr"/>
+              <a:r>
+                <a:rPr lang="en-GB" sz="1200" dirty="0"/>
+                <a:t>Finish up adding the name filter as usual</a:t>
+              </a:r>
+            </a:p>
+          </p:txBody>
+        </p:sp>
+        <p:cxnSp>
+          <p:nvCxnSpPr>
+            <p:cNvPr id="38" name="Straight Arrow Connector 37">
+              <a:extLst>
+                <a:ext uri="{FF2B5EF4-FFF2-40B4-BE49-F238E27FC236}">
+                  <a16:creationId xmlns:a16="http://schemas.microsoft.com/office/drawing/2014/main" id="{D35328F3-B632-430D-BA26-511B602B831F}"/>
+                </a:ext>
+              </a:extLst>
+            </p:cNvPr>
+            <p:cNvCxnSpPr>
+              <a:cxnSpLocks/>
+              <a:stCxn id="37" idx="3"/>
+            </p:cNvCxnSpPr>
+            <p:nvPr/>
+          </p:nvCxnSpPr>
+          <p:spPr>
+            <a:xfrm>
+              <a:off x="6710470" y="-481864"/>
+              <a:ext cx="772513" cy="253711"/>
+            </a:xfrm>
+            <a:prstGeom prst="straightConnector1">
+              <a:avLst/>
+            </a:prstGeom>
+            <a:ln w="12700">
+              <a:tailEnd type="triangle"/>
+            </a:ln>
+          </p:spPr>
+          <p:style>
+            <a:lnRef idx="1">
+              <a:schemeClr val="accent1"/>
+            </a:lnRef>
+            <a:fillRef idx="0">
+              <a:schemeClr val="accent1"/>
+            </a:fillRef>
+            <a:effectRef idx="0">
+              <a:schemeClr val="accent1"/>
+            </a:effectRef>
+            <a:fontRef idx="minor">
+              <a:schemeClr val="tx1"/>
+            </a:fontRef>
+          </p:style>
+        </p:cxnSp>
+      </p:grpSp>
+      <p:grpSp>
+        <p:nvGrpSpPr>
+          <p:cNvPr id="29" name="Group 28">
+            <a:extLst>
+              <a:ext uri="{FF2B5EF4-FFF2-40B4-BE49-F238E27FC236}">
+                <a16:creationId xmlns:a16="http://schemas.microsoft.com/office/drawing/2014/main" id="{58C40521-1014-4CDA-A7A7-407AB5BD7CDF}"/>
+              </a:ext>
+            </a:extLst>
+          </p:cNvPr>
+          <p:cNvGrpSpPr/>
+          <p:nvPr/>
+        </p:nvGrpSpPr>
+        <p:grpSpPr>
+          <a:xfrm>
+            <a:off x="1303762" y="4864700"/>
+            <a:ext cx="1977578" cy="731428"/>
+            <a:chOff x="5353433" y="-4756293"/>
+            <a:chExt cx="1977578" cy="731428"/>
+          </a:xfrm>
+        </p:grpSpPr>
+        <p:sp>
+          <p:nvSpPr>
+            <p:cNvPr id="30" name="Rectangle: Rounded Corners 29">
+              <a:extLst>
+                <a:ext uri="{FF2B5EF4-FFF2-40B4-BE49-F238E27FC236}">
+                  <a16:creationId xmlns:a16="http://schemas.microsoft.com/office/drawing/2014/main" id="{3B9907FF-5A09-46E3-A8C7-3250280BE240}"/>
+                </a:ext>
+              </a:extLst>
+            </p:cNvPr>
+            <p:cNvSpPr/>
+            <p:nvPr/>
+          </p:nvSpPr>
+          <p:spPr>
+            <a:xfrm>
+              <a:off x="5353433" y="-4756293"/>
+              <a:ext cx="1977578" cy="389448"/>
+            </a:xfrm>
+            <a:prstGeom prst="roundRect">
+              <a:avLst/>
+            </a:prstGeom>
+          </p:spPr>
+          <p:style>
+            <a:lnRef idx="2">
+              <a:schemeClr val="accent1">
+                <a:shade val="50000"/>
+              </a:schemeClr>
+            </a:lnRef>
+            <a:fillRef idx="1">
+              <a:schemeClr val="accent1"/>
+            </a:fillRef>
+            <a:effectRef idx="0">
+              <a:schemeClr val="accent1"/>
+            </a:effectRef>
+            <a:fontRef idx="minor">
+              <a:schemeClr val="lt1"/>
+            </a:fontRef>
+          </p:style>
+          <p:txBody>
+            <a:bodyPr rtlCol="0" anchor="ctr"/>
+            <a:lstStyle/>
+            <a:p>
+              <a:pPr algn="ctr"/>
+              <a:r>
+                <a:rPr lang="en-GB" sz="1200" dirty="0"/>
+                <a:t>Specify your HAVING clause</a:t>
+              </a:r>
+            </a:p>
+          </p:txBody>
+        </p:sp>
+        <p:cxnSp>
+          <p:nvCxnSpPr>
+            <p:cNvPr id="31" name="Straight Arrow Connector 30">
+              <a:extLst>
+                <a:ext uri="{FF2B5EF4-FFF2-40B4-BE49-F238E27FC236}">
+                  <a16:creationId xmlns:a16="http://schemas.microsoft.com/office/drawing/2014/main" id="{A451391A-8588-4FFC-8F0D-EBAD6FA93BF3}"/>
+                </a:ext>
+              </a:extLst>
+            </p:cNvPr>
+            <p:cNvCxnSpPr>
+              <a:cxnSpLocks/>
+              <a:stCxn id="30" idx="2"/>
+            </p:cNvCxnSpPr>
+            <p:nvPr/>
+          </p:nvCxnSpPr>
+          <p:spPr>
+            <a:xfrm>
+              <a:off x="6342222" y="-4366845"/>
+              <a:ext cx="75875" cy="341980"/>
+            </a:xfrm>
+            <a:prstGeom prst="straightConnector1">
+              <a:avLst/>
+            </a:prstGeom>
+            <a:ln w="12700">
+              <a:tailEnd type="triangle"/>
+            </a:ln>
+          </p:spPr>
+          <p:style>
+            <a:lnRef idx="1">
+              <a:schemeClr val="accent1"/>
+            </a:lnRef>
+            <a:fillRef idx="0">
+              <a:schemeClr val="accent1"/>
+            </a:fillRef>
+            <a:effectRef idx="0">
+              <a:schemeClr val="accent1"/>
+            </a:effectRef>
+            <a:fontRef idx="minor">
+              <a:schemeClr val="tx1"/>
+            </a:fontRef>
+          </p:style>
+        </p:cxnSp>
+      </p:grpSp>
+    </p:spTree>
+    <p:extLst>
+      <p:ext uri="{BB962C8B-B14F-4D97-AF65-F5344CB8AC3E}">
+        <p14:creationId xmlns:p14="http://schemas.microsoft.com/office/powerpoint/2010/main" val="1649982442"/>
+      </p:ext>
+    </p:extLst>
+  </p:cSld>
+  <p:clrMapOvr>
+    <a:masterClrMapping/>
+  </p:clrMapOvr>
+  <p:timing>
+    <p:tnLst>
+      <p:par>
+        <p:cTn id="1" dur="indefinite" restart="never" nodeType="tmRoot">
+          <p:childTnLst>
+            <p:seq concurrent="1" nextAc="seek">
+              <p:cTn id="2" dur="indefinite" nodeType="mainSeq">
+                <p:childTnLst>
+                  <p:par>
+                    <p:cTn id="3" fill="hold">
+                      <p:stCondLst>
+                        <p:cond delay="indefinite"/>
+                      </p:stCondLst>
+                      <p:childTnLst>
+                        <p:par>
+                          <p:cTn id="4" fill="hold">
+                            <p:stCondLst>
+                              <p:cond delay="0"/>
+                            </p:stCondLst>
+                            <p:childTnLst>
+                              <p:par>
+                                <p:cTn id="5" presetID="10" presetClass="entr" presetSubtype="0" fill="hold" nodeType="clickEffect">
+                                  <p:stCondLst>
+                                    <p:cond delay="0"/>
+                                  </p:stCondLst>
+                                  <p:childTnLst>
+                                    <p:set>
+                                      <p:cBhvr>
+                                        <p:cTn id="6" dur="1" fill="hold">
+                                          <p:stCondLst>
+                                            <p:cond delay="0"/>
+                                          </p:stCondLst>
+                                        </p:cTn>
+                                        <p:tgtEl>
+                                          <p:spTgt spid="6"/>
+                                        </p:tgtEl>
+                                        <p:attrNameLst>
+                                          <p:attrName>style.visibility</p:attrName>
+                                        </p:attrNameLst>
+                                      </p:cBhvr>
+                                      <p:to>
+                                        <p:strVal val="visible"/>
+                                      </p:to>
+                                    </p:set>
+                                    <p:animEffect transition="in" filter="fade">
+                                      <p:cBhvr>
+                                        <p:cTn id="7" dur="500"/>
+                                        <p:tgtEl>
+                                          <p:spTgt spid="6"/>
+                                        </p:tgtEl>
+                                      </p:cBhvr>
+                                    </p:animEffect>
+                                  </p:childTnLst>
+                                </p:cTn>
+                              </p:par>
+                            </p:childTnLst>
+                          </p:cTn>
+                        </p:par>
+                      </p:childTnLst>
+                    </p:cTn>
+                  </p:par>
+                  <p:par>
+                    <p:cTn id="8" fill="hold">
+                      <p:stCondLst>
+                        <p:cond delay="indefinite"/>
+                      </p:stCondLst>
+                      <p:childTnLst>
+                        <p:par>
+                          <p:cTn id="9" fill="hold">
+                            <p:stCondLst>
+                              <p:cond delay="0"/>
+                            </p:stCondLst>
+                            <p:childTnLst>
+                              <p:par>
+                                <p:cTn id="10" presetID="10" presetClass="entr" presetSubtype="0" fill="hold" nodeType="clickEffect">
+                                  <p:stCondLst>
+                                    <p:cond delay="0"/>
+                                  </p:stCondLst>
+                                  <p:childTnLst>
+                                    <p:set>
+                                      <p:cBhvr>
+                                        <p:cTn id="11" dur="1" fill="hold">
+                                          <p:stCondLst>
+                                            <p:cond delay="0"/>
+                                          </p:stCondLst>
+                                        </p:cTn>
+                                        <p:tgtEl>
+                                          <p:spTgt spid="10"/>
+                                        </p:tgtEl>
+                                        <p:attrNameLst>
+                                          <p:attrName>style.visibility</p:attrName>
+                                        </p:attrNameLst>
+                                      </p:cBhvr>
+                                      <p:to>
+                                        <p:strVal val="visible"/>
+                                      </p:to>
+                                    </p:set>
+                                    <p:animEffect transition="in" filter="fade">
+                                      <p:cBhvr>
+                                        <p:cTn id="12" dur="500"/>
+                                        <p:tgtEl>
+                                          <p:spTgt spid="10"/>
+                                        </p:tgtEl>
+                                      </p:cBhvr>
+                                    </p:animEffect>
+                                  </p:childTnLst>
+                                </p:cTn>
+                              </p:par>
+                            </p:childTnLst>
+                          </p:cTn>
+                        </p:par>
+                      </p:childTnLst>
+                    </p:cTn>
+                  </p:par>
+                  <p:par>
+                    <p:cTn id="13" fill="hold">
+                      <p:stCondLst>
+                        <p:cond delay="indefinite"/>
+                      </p:stCondLst>
+                      <p:childTnLst>
+                        <p:par>
+                          <p:cTn id="14" fill="hold">
+                            <p:stCondLst>
+                              <p:cond delay="0"/>
+                            </p:stCondLst>
+                            <p:childTnLst>
+                              <p:par>
+                                <p:cTn id="15" presetID="10" presetClass="entr" presetSubtype="0" fill="hold" nodeType="clickEffect">
+                                  <p:stCondLst>
+                                    <p:cond delay="0"/>
+                                  </p:stCondLst>
+                                  <p:childTnLst>
+                                    <p:set>
+                                      <p:cBhvr>
+                                        <p:cTn id="16" dur="1" fill="hold">
+                                          <p:stCondLst>
+                                            <p:cond delay="0"/>
+                                          </p:stCondLst>
+                                        </p:cTn>
+                                        <p:tgtEl>
+                                          <p:spTgt spid="17"/>
+                                        </p:tgtEl>
+                                        <p:attrNameLst>
+                                          <p:attrName>style.visibility</p:attrName>
+                                        </p:attrNameLst>
+                                      </p:cBhvr>
+                                      <p:to>
+                                        <p:strVal val="visible"/>
+                                      </p:to>
+                                    </p:set>
+                                    <p:animEffect transition="in" filter="fade">
+                                      <p:cBhvr>
+                                        <p:cTn id="17" dur="500"/>
+                                        <p:tgtEl>
+                                          <p:spTgt spid="17"/>
+                                        </p:tgtEl>
+                                      </p:cBhvr>
+                                    </p:animEffect>
+                                  </p:childTnLst>
+                                </p:cTn>
+                              </p:par>
+                            </p:childTnLst>
+                          </p:cTn>
+                        </p:par>
+                      </p:childTnLst>
+                    </p:cTn>
+                  </p:par>
+                  <p:par>
+                    <p:cTn id="18" fill="hold">
+                      <p:stCondLst>
+                        <p:cond delay="indefinite"/>
+                      </p:stCondLst>
+                      <p:childTnLst>
+                        <p:par>
+                          <p:cTn id="19" fill="hold">
+                            <p:stCondLst>
+                              <p:cond delay="0"/>
+                            </p:stCondLst>
+                            <p:childTnLst>
+                              <p:par>
+                                <p:cTn id="20" presetID="10" presetClass="entr" presetSubtype="0" fill="hold" nodeType="clickEffect">
+                                  <p:stCondLst>
+                                    <p:cond delay="0"/>
+                                  </p:stCondLst>
+                                  <p:childTnLst>
+                                    <p:set>
+                                      <p:cBhvr>
+                                        <p:cTn id="21" dur="1" fill="hold">
+                                          <p:stCondLst>
+                                            <p:cond delay="0"/>
+                                          </p:stCondLst>
+                                        </p:cTn>
+                                        <p:tgtEl>
+                                          <p:spTgt spid="20"/>
+                                        </p:tgtEl>
+                                        <p:attrNameLst>
+                                          <p:attrName>style.visibility</p:attrName>
+                                        </p:attrNameLst>
+                                      </p:cBhvr>
+                                      <p:to>
+                                        <p:strVal val="visible"/>
+                                      </p:to>
+                                    </p:set>
+                                    <p:animEffect transition="in" filter="fade">
+                                      <p:cBhvr>
+                                        <p:cTn id="22" dur="500"/>
+                                        <p:tgtEl>
+                                          <p:spTgt spid="20"/>
+                                        </p:tgtEl>
+                                      </p:cBhvr>
+                                    </p:animEffect>
+                                  </p:childTnLst>
+                                </p:cTn>
+                              </p:par>
+                            </p:childTnLst>
+                          </p:cTn>
+                        </p:par>
+                      </p:childTnLst>
+                    </p:cTn>
+                  </p:par>
+                  <p:par>
+                    <p:cTn id="23" fill="hold">
+                      <p:stCondLst>
+                        <p:cond delay="indefinite"/>
+                      </p:stCondLst>
+                      <p:childTnLst>
+                        <p:par>
+                          <p:cTn id="24" fill="hold">
+                            <p:stCondLst>
+                              <p:cond delay="0"/>
+                            </p:stCondLst>
+                            <p:childTnLst>
+                              <p:par>
+                                <p:cTn id="25" presetID="10" presetClass="entr" presetSubtype="0" fill="hold" nodeType="clickEffect">
+                                  <p:stCondLst>
+                                    <p:cond delay="0"/>
+                                  </p:stCondLst>
+                                  <p:childTnLst>
+                                    <p:set>
+                                      <p:cBhvr>
+                                        <p:cTn id="26" dur="1" fill="hold">
+                                          <p:stCondLst>
+                                            <p:cond delay="0"/>
+                                          </p:stCondLst>
+                                        </p:cTn>
+                                        <p:tgtEl>
+                                          <p:spTgt spid="23"/>
+                                        </p:tgtEl>
+                                        <p:attrNameLst>
+                                          <p:attrName>style.visibility</p:attrName>
+                                        </p:attrNameLst>
+                                      </p:cBhvr>
+                                      <p:to>
+                                        <p:strVal val="visible"/>
+                                      </p:to>
+                                    </p:set>
+                                    <p:animEffect transition="in" filter="fade">
+                                      <p:cBhvr>
+                                        <p:cTn id="27" dur="500"/>
+                                        <p:tgtEl>
+                                          <p:spTgt spid="23"/>
+                                        </p:tgtEl>
+                                      </p:cBhvr>
+                                    </p:animEffect>
+                                  </p:childTnLst>
+                                </p:cTn>
+                              </p:par>
+                            </p:childTnLst>
+                          </p:cTn>
+                        </p:par>
+                      </p:childTnLst>
+                    </p:cTn>
+                  </p:par>
+                  <p:par>
+                    <p:cTn id="28" fill="hold">
+                      <p:stCondLst>
+                        <p:cond delay="indefinite"/>
+                      </p:stCondLst>
+                      <p:childTnLst>
+                        <p:par>
+                          <p:cTn id="29" fill="hold">
+                            <p:stCondLst>
+                              <p:cond delay="0"/>
+                            </p:stCondLst>
+                            <p:childTnLst>
+                              <p:par>
+                                <p:cTn id="30" presetID="10" presetClass="entr" presetSubtype="0" fill="hold" nodeType="clickEffect">
+                                  <p:stCondLst>
+                                    <p:cond delay="0"/>
+                                  </p:stCondLst>
+                                  <p:childTnLst>
+                                    <p:set>
+                                      <p:cBhvr>
+                                        <p:cTn id="31" dur="1" fill="hold">
+                                          <p:stCondLst>
+                                            <p:cond delay="0"/>
+                                          </p:stCondLst>
+                                        </p:cTn>
+                                        <p:tgtEl>
+                                          <p:spTgt spid="36"/>
+                                        </p:tgtEl>
+                                        <p:attrNameLst>
+                                          <p:attrName>style.visibility</p:attrName>
+                                        </p:attrNameLst>
+                                      </p:cBhvr>
+                                      <p:to>
+                                        <p:strVal val="visible"/>
+                                      </p:to>
+                                    </p:set>
+                                    <p:animEffect transition="in" filter="fade">
+                                      <p:cBhvr>
+                                        <p:cTn id="32" dur="500"/>
+                                        <p:tgtEl>
+                                          <p:spTgt spid="36"/>
+                                        </p:tgtEl>
+                                      </p:cBhvr>
+                                    </p:animEffect>
+                                  </p:childTnLst>
+                                </p:cTn>
+                              </p:par>
+                            </p:childTnLst>
+                          </p:cTn>
+                        </p:par>
+                      </p:childTnLst>
+                    </p:cTn>
+                  </p:par>
+                  <p:par>
+                    <p:cTn id="33" fill="hold">
+                      <p:stCondLst>
+                        <p:cond delay="indefinite"/>
+                      </p:stCondLst>
+                      <p:childTnLst>
+                        <p:par>
+                          <p:cTn id="34" fill="hold">
+                            <p:stCondLst>
+                              <p:cond delay="0"/>
+                            </p:stCondLst>
+                            <p:childTnLst>
+                              <p:par>
+                                <p:cTn id="35" presetID="10" presetClass="entr" presetSubtype="0" fill="hold" nodeType="clickEffect">
+                                  <p:stCondLst>
+                                    <p:cond delay="0"/>
+                                  </p:stCondLst>
+                                  <p:childTnLst>
+                                    <p:set>
+                                      <p:cBhvr>
+                                        <p:cTn id="36" dur="1" fill="hold">
+                                          <p:stCondLst>
+                                            <p:cond delay="0"/>
+                                          </p:stCondLst>
+                                        </p:cTn>
+                                        <p:tgtEl>
+                                          <p:spTgt spid="29"/>
+                                        </p:tgtEl>
+                                        <p:attrNameLst>
+                                          <p:attrName>style.visibility</p:attrName>
+                                        </p:attrNameLst>
+                                      </p:cBhvr>
+                                      <p:to>
+                                        <p:strVal val="visible"/>
+                                      </p:to>
+                                    </p:set>
+                                    <p:animEffect transition="in" filter="fade">
+                                      <p:cBhvr>
+                                        <p:cTn id="37" dur="500"/>
+                                        <p:tgtEl>
+                                          <p:spTgt spid="29"/>
+                                        </p:tgtEl>
+                                      </p:cBhvr>
+                                    </p:animEffect>
+                                  </p:childTnLst>
+                                </p:cTn>
+                              </p:par>
+                            </p:childTnLst>
+                          </p:cTn>
+                        </p:par>
+                      </p:childTnLst>
+                    </p:cTn>
+                  </p:par>
+                </p:childTnLst>
+              </p:cTn>
+              <p:prevCondLst>
+                <p:cond evt="onPrev" delay="0">
+                  <p:tgtEl>
+                    <p:sldTgt/>
+                  </p:tgtEl>
+                </p:cond>
+              </p:prevCondLst>
+              <p:nextCondLst>
+                <p:cond evt="onNext" delay="0">
+                  <p:tgtEl>
+                    <p:sldTgt/>
+                  </p:tgtEl>
+                </p:cond>
+              </p:nextCondLst>
+            </p:seq>
+          </p:childTnLst>
+        </p:cTn>
+      </p:par>
+    </p:tnLst>
+  </p:timing>
+</p:sld>
+</file>
+
+<file path=ppt/slides/slide21.xml><?xml version="1.0" encoding="utf-8"?>
+<p:sld xmlns:a="http://schemas.openxmlformats.org/drawingml/2006/main" xmlns:r="http://schemas.openxmlformats.org/officeDocument/2006/relationships" xmlns:p="http://schemas.openxmlformats.org/presentationml/2006/main">
+  <p:cSld>
+    <p:spTree>
+      <p:nvGrpSpPr>
+        <p:cNvPr id="1" name=""/>
+        <p:cNvGrpSpPr/>
+        <p:nvPr/>
+      </p:nvGrpSpPr>
+      <p:grpSpPr>
+        <a:xfrm>
+          <a:off x="0" y="0"/>
+          <a:ext cx="0" cy="0"/>
+          <a:chOff x="0" y="0"/>
+          <a:chExt cx="0" cy="0"/>
+        </a:xfrm>
+      </p:grpSpPr>
       <p:sp>
         <p:nvSpPr>
           <p:cNvPr id="2" name="Title 1">
@@ -16381,7 +18068,7 @@
 </p:sld>
 </file>
 
-<file path=ppt/slides/slide21.xml><?xml version="1.0" encoding="utf-8"?>
+<file path=ppt/slides/slide22.xml><?xml version="1.0" encoding="utf-8"?>
 <p:sld xmlns:a="http://schemas.openxmlformats.org/drawingml/2006/main" xmlns:r="http://schemas.openxmlformats.org/officeDocument/2006/relationships" xmlns:p="http://schemas.openxmlformats.org/presentationml/2006/main">
   <p:cSld>
     <p:spTree>
@@ -16428,35 +18115,6 @@
       </p:sp>
       <p:pic>
         <p:nvPicPr>
-          <p:cNvPr id="14" name="Picture 13">
-            <a:extLst>
-              <a:ext uri="{FF2B5EF4-FFF2-40B4-BE49-F238E27FC236}">
-                <a16:creationId xmlns:a16="http://schemas.microsoft.com/office/drawing/2014/main" id="{79953675-FC0A-4CD8-9EA5-51543A9A09AE}"/>
-              </a:ext>
-            </a:extLst>
-          </p:cNvPr>
-          <p:cNvPicPr>
-            <a:picLocks noChangeAspect="1"/>
-          </p:cNvPicPr>
-          <p:nvPr/>
-        </p:nvPicPr>
-        <p:blipFill rotWithShape="1">
-          <a:blip r:embed="rId2"/>
-          <a:srcRect r="60021"/>
-          <a:stretch/>
-        </p:blipFill>
-        <p:spPr>
-          <a:xfrm>
-            <a:off x="236830" y="1638883"/>
-            <a:ext cx="4139862" cy="3115110"/>
-          </a:xfrm>
-          <a:prstGeom prst="rect">
-            <a:avLst/>
-          </a:prstGeom>
-        </p:spPr>
-      </p:pic>
-      <p:pic>
-        <p:nvPicPr>
           <p:cNvPr id="3" name="Picture 2">
             <a:extLst>
               <a:ext uri="{FF2B5EF4-FFF2-40B4-BE49-F238E27FC236}">
@@ -16470,7 +18128,7 @@
           <p:nvPr/>
         </p:nvPicPr>
         <p:blipFill>
-          <a:blip r:embed="rId3"/>
+          <a:blip r:embed="rId2"/>
           <a:stretch>
             <a:fillRect/>
           </a:stretch>
@@ -16534,6 +18192,85 @@
           <a:p>
             <a:pPr algn="ctr"/>
             <a:endParaRPr lang="en-GB"/>
+          </a:p>
+        </p:txBody>
+      </p:sp>
+      <p:pic>
+        <p:nvPicPr>
+          <p:cNvPr id="4" name="Picture 3">
+            <a:extLst>
+              <a:ext uri="{FF2B5EF4-FFF2-40B4-BE49-F238E27FC236}">
+                <a16:creationId xmlns:a16="http://schemas.microsoft.com/office/drawing/2014/main" id="{A06E3B6B-4BD8-4992-BFBC-7DFCBBB2226A}"/>
+              </a:ext>
+            </a:extLst>
+          </p:cNvPr>
+          <p:cNvPicPr>
+            <a:picLocks noChangeAspect="1"/>
+          </p:cNvPicPr>
+          <p:nvPr/>
+        </p:nvPicPr>
+        <p:blipFill>
+          <a:blip r:embed="rId3"/>
+          <a:stretch>
+            <a:fillRect/>
+          </a:stretch>
+        </p:blipFill>
+        <p:spPr>
+          <a:xfrm>
+            <a:off x="337528" y="1519417"/>
+            <a:ext cx="4039164" cy="2886478"/>
+          </a:xfrm>
+          <a:prstGeom prst="rect">
+            <a:avLst/>
+          </a:prstGeom>
+        </p:spPr>
+      </p:pic>
+      <p:sp>
+        <p:nvSpPr>
+          <p:cNvPr id="19" name="Rectangle: Rounded Corners 18">
+            <a:extLst>
+              <a:ext uri="{FF2B5EF4-FFF2-40B4-BE49-F238E27FC236}">
+                <a16:creationId xmlns:a16="http://schemas.microsoft.com/office/drawing/2014/main" id="{1E0E4FB3-FFA9-4D57-87D7-71DBCC204890}"/>
+              </a:ext>
+            </a:extLst>
+          </p:cNvPr>
+          <p:cNvSpPr/>
+          <p:nvPr/>
+        </p:nvSpPr>
+        <p:spPr>
+          <a:xfrm>
+            <a:off x="629396" y="5051559"/>
+            <a:ext cx="5195331" cy="800602"/>
+          </a:xfrm>
+          <a:prstGeom prst="roundRect">
+            <a:avLst/>
+          </a:prstGeom>
+        </p:spPr>
+        <p:style>
+          <a:lnRef idx="2">
+            <a:schemeClr val="accent1">
+              <a:shade val="50000"/>
+            </a:schemeClr>
+          </a:lnRef>
+          <a:fillRef idx="1">
+            <a:schemeClr val="accent1"/>
+          </a:fillRef>
+          <a:effectRef idx="0">
+            <a:schemeClr val="accent1"/>
+          </a:effectRef>
+          <a:fontRef idx="minor">
+            <a:schemeClr val="lt1"/>
+          </a:fontRef>
+        </p:style>
+        <p:txBody>
+          <a:bodyPr rtlCol="0" anchor="ctr"/>
+          <a:lstStyle/>
+          <a:p>
+            <a:pPr algn="ctr"/>
+            <a:r>
+              <a:rPr lang="en-GB" sz="1200" dirty="0"/>
+              <a:t>Alternatively, the “After 2000” can be added as a filter in the “People in Demography” cohort set instead of the HAVING clause in the Patient Index Table</a:t>
+            </a:r>
           </a:p>
         </p:txBody>
       </p:sp>

--- a/Documentation/Training/CohortBuilder.pptx
+++ b/Documentation/Training/CohortBuilder.pptx
@@ -251,7 +251,7 @@
           <a:p>
             <a:fld id="{E6799723-5C7A-4148-A580-1582FB869D21}" type="datetimeFigureOut">
               <a:rPr lang="en-GB" smtClean="0"/>
-              <a:t>29/11/2019</a:t>
+              <a:t>26/02/2020</a:t>
             </a:fld>
             <a:endParaRPr lang="en-GB"/>
           </a:p>
@@ -995,7 +995,7 @@
           <a:p>
             <a:fld id="{A4B2E03E-B9F4-48CD-BEDC-03BA93144C1F}" type="datetimeFigureOut">
               <a:rPr lang="en-GB" smtClean="0"/>
-              <a:t>29/11/2019</a:t>
+              <a:t>26/02/2020</a:t>
             </a:fld>
             <a:endParaRPr lang="en-GB"/>
           </a:p>
@@ -1165,7 +1165,7 @@
           <a:p>
             <a:fld id="{A4B2E03E-B9F4-48CD-BEDC-03BA93144C1F}" type="datetimeFigureOut">
               <a:rPr lang="en-GB" smtClean="0"/>
-              <a:t>29/11/2019</a:t>
+              <a:t>26/02/2020</a:t>
             </a:fld>
             <a:endParaRPr lang="en-GB"/>
           </a:p>
@@ -1345,7 +1345,7 @@
           <a:p>
             <a:fld id="{A4B2E03E-B9F4-48CD-BEDC-03BA93144C1F}" type="datetimeFigureOut">
               <a:rPr lang="en-GB" smtClean="0"/>
-              <a:t>29/11/2019</a:t>
+              <a:t>26/02/2020</a:t>
             </a:fld>
             <a:endParaRPr lang="en-GB"/>
           </a:p>
@@ -1515,7 +1515,7 @@
           <a:p>
             <a:fld id="{A4B2E03E-B9F4-48CD-BEDC-03BA93144C1F}" type="datetimeFigureOut">
               <a:rPr lang="en-GB" smtClean="0"/>
-              <a:t>29/11/2019</a:t>
+              <a:t>26/02/2020</a:t>
             </a:fld>
             <a:endParaRPr lang="en-GB"/>
           </a:p>
@@ -1761,7 +1761,7 @@
           <a:p>
             <a:fld id="{A4B2E03E-B9F4-48CD-BEDC-03BA93144C1F}" type="datetimeFigureOut">
               <a:rPr lang="en-GB" smtClean="0"/>
-              <a:t>29/11/2019</a:t>
+              <a:t>26/02/2020</a:t>
             </a:fld>
             <a:endParaRPr lang="en-GB"/>
           </a:p>
@@ -1993,7 +1993,7 @@
           <a:p>
             <a:fld id="{A4B2E03E-B9F4-48CD-BEDC-03BA93144C1F}" type="datetimeFigureOut">
               <a:rPr lang="en-GB" smtClean="0"/>
-              <a:t>29/11/2019</a:t>
+              <a:t>26/02/2020</a:t>
             </a:fld>
             <a:endParaRPr lang="en-GB"/>
           </a:p>
@@ -2360,7 +2360,7 @@
           <a:p>
             <a:fld id="{A4B2E03E-B9F4-48CD-BEDC-03BA93144C1F}" type="datetimeFigureOut">
               <a:rPr lang="en-GB" smtClean="0"/>
-              <a:t>29/11/2019</a:t>
+              <a:t>26/02/2020</a:t>
             </a:fld>
             <a:endParaRPr lang="en-GB"/>
           </a:p>
@@ -2478,7 +2478,7 @@
           <a:p>
             <a:fld id="{A4B2E03E-B9F4-48CD-BEDC-03BA93144C1F}" type="datetimeFigureOut">
               <a:rPr lang="en-GB" smtClean="0"/>
-              <a:t>29/11/2019</a:t>
+              <a:t>26/02/2020</a:t>
             </a:fld>
             <a:endParaRPr lang="en-GB"/>
           </a:p>
@@ -2573,7 +2573,7 @@
           <a:p>
             <a:fld id="{A4B2E03E-B9F4-48CD-BEDC-03BA93144C1F}" type="datetimeFigureOut">
               <a:rPr lang="en-GB" smtClean="0"/>
-              <a:t>29/11/2019</a:t>
+              <a:t>26/02/2020</a:t>
             </a:fld>
             <a:endParaRPr lang="en-GB"/>
           </a:p>
@@ -2850,7 +2850,7 @@
           <a:p>
             <a:fld id="{A4B2E03E-B9F4-48CD-BEDC-03BA93144C1F}" type="datetimeFigureOut">
               <a:rPr lang="en-GB" smtClean="0"/>
-              <a:t>29/11/2019</a:t>
+              <a:t>26/02/2020</a:t>
             </a:fld>
             <a:endParaRPr lang="en-GB"/>
           </a:p>
@@ -3103,7 +3103,7 @@
           <a:p>
             <a:fld id="{A4B2E03E-B9F4-48CD-BEDC-03BA93144C1F}" type="datetimeFigureOut">
               <a:rPr lang="en-GB" smtClean="0"/>
-              <a:t>29/11/2019</a:t>
+              <a:t>26/02/2020</a:t>
             </a:fld>
             <a:endParaRPr lang="en-GB"/>
           </a:p>
@@ -3316,7 +3316,7 @@
           <a:p>
             <a:fld id="{A4B2E03E-B9F4-48CD-BEDC-03BA93144C1F}" type="datetimeFigureOut">
               <a:rPr lang="en-GB" smtClean="0"/>
-              <a:t>29/11/2019</a:t>
+              <a:t>26/02/2020</a:t>
             </a:fld>
             <a:endParaRPr lang="en-GB"/>
           </a:p>
@@ -4803,10 +4803,10 @@
       </p:grpSp>
       <p:grpSp>
         <p:nvGrpSpPr>
-          <p:cNvPr id="38" name="Group 37">
+          <p:cNvPr id="4" name="Group 3">
             <a:extLst>
               <a:ext uri="{FF2B5EF4-FFF2-40B4-BE49-F238E27FC236}">
-                <a16:creationId xmlns:a16="http://schemas.microsoft.com/office/drawing/2014/main" id="{9F558821-AEA2-4CCF-A681-60F9E872982A}"/>
+                <a16:creationId xmlns:a16="http://schemas.microsoft.com/office/drawing/2014/main" id="{6A7A2196-934B-46A9-A1A1-A162ED15D36A}"/>
               </a:ext>
             </a:extLst>
           </p:cNvPr>
@@ -4960,7 +4960,7 @@
             <a:lstStyle/>
             <a:p>
               <a:pPr algn="ctr"/>
-              <a:endParaRPr lang="en-GB"/>
+              <a:endParaRPr lang="en-GB" u="sng"/>
             </a:p>
           </p:txBody>
         </p:sp>
@@ -5123,7 +5123,7 @@
             <a:lstStyle/>
             <a:p>
               <a:pPr algn="ctr"/>
-              <a:endParaRPr lang="en-GB"/>
+              <a:endParaRPr lang="en-GB" u="sng"/>
             </a:p>
           </p:txBody>
         </p:sp>
@@ -5266,6 +5266,14 @@
                 <a:srgbClr val="00B050"/>
               </a:solidFill>
             </a:ln>
+            <a:effectLst>
+              <a:glow rad="228600">
+                <a:schemeClr val="accent6">
+                  <a:satMod val="175000"/>
+                  <a:alpha val="40000"/>
+                </a:schemeClr>
+              </a:glow>
+            </a:effectLst>
           </p:spPr>
           <p:style>
             <a:lnRef idx="2">
@@ -5288,7 +5296,7 @@
             <a:lstStyle/>
             <a:p>
               <a:pPr algn="ctr"/>
-              <a:endParaRPr lang="en-GB"/>
+              <a:endParaRPr lang="en-GB" u="sng"/>
             </a:p>
           </p:txBody>
         </p:sp>
@@ -5321,16 +5329,16 @@
             <a:lstStyle/>
             <a:p>
               <a:r>
-                <a:rPr lang="en-US" sz="1200" dirty="0"/>
+                <a:rPr lang="en-US" sz="1200" u="sng" dirty="0"/>
                 <a:t>Set 1 EXCEPT Set 2</a:t>
               </a:r>
             </a:p>
             <a:p>
               <a:r>
-                <a:rPr lang="en-US" sz="1200" dirty="0"/>
+                <a:rPr lang="en-US" sz="1200" u="sng" dirty="0"/>
                 <a:t>People who have ever had Diazepam prescriptions only after 2000</a:t>
               </a:r>
-              <a:endParaRPr lang="en-GB" sz="1200" dirty="0"/>
+              <a:endParaRPr lang="en-GB" sz="1200" u="sng" dirty="0"/>
             </a:p>
           </p:txBody>
         </p:sp>
@@ -6583,6 +6591,14 @@
                 <a:srgbClr val="00B050"/>
               </a:solidFill>
             </a:ln>
+            <a:effectLst>
+              <a:glow rad="228600">
+                <a:schemeClr val="accent6">
+                  <a:satMod val="175000"/>
+                  <a:alpha val="40000"/>
+                </a:schemeClr>
+              </a:glow>
+            </a:effectLst>
           </p:spPr>
           <p:style>
             <a:lnRef idx="2">
@@ -6815,7 +6831,7 @@
                                           </p:stCondLst>
                                         </p:cTn>
                                         <p:tgtEl>
-                                          <p:spTgt spid="38"/>
+                                          <p:spTgt spid="63"/>
                                         </p:tgtEl>
                                         <p:attrNameLst>
                                           <p:attrName>style.visibility</p:attrName>
@@ -6828,59 +6844,6 @@
                                     <p:animEffect transition="in" filter="fade">
                                       <p:cBhvr>
                                         <p:cTn id="22" dur="500"/>
-                                        <p:tgtEl>
-                                          <p:spTgt spid="38"/>
-                                        </p:tgtEl>
-                                      </p:cBhvr>
-                                    </p:animEffect>
-                                  </p:childTnLst>
-                                </p:cTn>
-                              </p:par>
-                            </p:childTnLst>
-                          </p:cTn>
-                        </p:par>
-                      </p:childTnLst>
-                    </p:cTn>
-                  </p:par>
-                  <p:par>
-                    <p:cTn id="23" fill="hold">
-                      <p:stCondLst>
-                        <p:cond delay="indefinite"/>
-                      </p:stCondLst>
-                      <p:childTnLst>
-                        <p:par>
-                          <p:cTn id="24" fill="hold">
-                            <p:stCondLst>
-                              <p:cond delay="0"/>
-                            </p:stCondLst>
-                            <p:childTnLst>
-                              <p:par>
-                                <p:cTn id="25" presetID="10" presetClass="entr" presetSubtype="0" fill="hold" nodeType="clickEffect">
-                                  <p:stCondLst>
-                                    <p:cond delay="0"/>
-                                  </p:stCondLst>
-                                  <p:childTnLst>
-                                    <p:set>
-                                      <p:cBhvr>
-                                        <p:cTn id="26" dur="1" fill="hold">
-                                          <p:stCondLst>
-                                            <p:cond delay="0"/>
-                                          </p:stCondLst>
-                                        </p:cTn>
-                                        <p:tgtEl>
-                                          <p:spTgt spid="63"/>
-                                        </p:tgtEl>
-                                        <p:attrNameLst>
-                                          <p:attrName>style.visibility</p:attrName>
-                                        </p:attrNameLst>
-                                      </p:cBhvr>
-                                      <p:to>
-                                        <p:strVal val="visible"/>
-                                      </p:to>
-                                    </p:set>
-                                    <p:animEffect transition="in" filter="fade">
-                                      <p:cBhvr>
-                                        <p:cTn id="27" dur="500"/>
                                         <p:tgtEl>
                                           <p:spTgt spid="63"/>
                                         </p:tgtEl>
@@ -8312,6 +8275,14 @@
                 <a:srgbClr val="00B050"/>
               </a:solidFill>
             </a:ln>
+            <a:effectLst>
+              <a:glow rad="228600">
+                <a:schemeClr val="accent6">
+                  <a:satMod val="175000"/>
+                  <a:alpha val="40000"/>
+                </a:schemeClr>
+              </a:glow>
+            </a:effectLst>
           </p:spPr>
           <p:style>
             <a:lnRef idx="2">
@@ -8393,8 +8364,8 @@
           </a:p>
         </p:txBody>
       </p:sp>
-      <mc:AlternateContent xmlns:mc="http://schemas.openxmlformats.org/markup-compatibility/2006">
-        <mc:Choice xmlns:a14="http://schemas.microsoft.com/office/drawing/2010/main" Requires="a14">
+      <mc:AlternateContent xmlns:mc="http://schemas.openxmlformats.org/markup-compatibility/2006" xmlns:a14="http://schemas.microsoft.com/office/drawing/2010/main">
+        <mc:Choice Requires="a14">
           <p:sp>
             <p:nvSpPr>
               <p:cNvPr id="14" name="TextBox 13">
@@ -8450,7 +8421,7 @@
             </p:txBody>
           </p:sp>
         </mc:Choice>
-        <mc:Fallback>
+        <mc:Fallback xmlns="">
           <p:sp>
             <p:nvSpPr>
               <p:cNvPr id="14" name="TextBox 13">
@@ -9820,6 +9791,14 @@
                 <a:srgbClr val="00B050"/>
               </a:solidFill>
             </a:ln>
+            <a:effectLst>
+              <a:glow rad="228600">
+                <a:schemeClr val="accent6">
+                  <a:satMod val="175000"/>
+                  <a:alpha val="40000"/>
+                </a:schemeClr>
+              </a:glow>
+            </a:effectLst>
           </p:spPr>
           <p:style>
             <a:lnRef idx="2">
@@ -9849,8 +9828,8 @@
           </p:txBody>
         </p:sp>
       </p:grpSp>
-      <mc:AlternateContent xmlns:mc="http://schemas.openxmlformats.org/markup-compatibility/2006">
-        <mc:Choice xmlns:a14="http://schemas.microsoft.com/office/drawing/2010/main" Requires="a14">
+      <mc:AlternateContent xmlns:mc="http://schemas.openxmlformats.org/markup-compatibility/2006" xmlns:a14="http://schemas.microsoft.com/office/drawing/2010/main">
+        <mc:Choice Requires="a14">
           <p:sp>
             <p:nvSpPr>
               <p:cNvPr id="14" name="TextBox 13">
@@ -9906,7 +9885,7 @@
             </p:txBody>
           </p:sp>
         </mc:Choice>
-        <mc:Fallback>
+        <mc:Fallback xmlns="">
           <p:sp>
             <p:nvSpPr>
               <p:cNvPr id="14" name="TextBox 13">
@@ -21135,7 +21114,7 @@
           <a:p>
             <a:pPr algn="ctr"/>
             <a:r>
-              <a:rPr lang="en-GB" dirty="0"/>
+              <a:rPr lang="en-GB"/>
               <a:t>Set 1</a:t>
             </a:r>
           </a:p>
@@ -21903,10 +21882,10 @@
       </p:sp>
       <p:grpSp>
         <p:nvGrpSpPr>
-          <p:cNvPr id="7" name="Group 6">
+          <p:cNvPr id="5" name="Group 4">
             <a:extLst>
               <a:ext uri="{FF2B5EF4-FFF2-40B4-BE49-F238E27FC236}">
-                <a16:creationId xmlns:a16="http://schemas.microsoft.com/office/drawing/2014/main" id="{0758D805-286E-4FAB-83D4-1130ED8A32C4}"/>
+                <a16:creationId xmlns:a16="http://schemas.microsoft.com/office/drawing/2014/main" id="{8FB8CAEC-520D-4441-ACDA-3B3FCB6DFE34}"/>
               </a:ext>
             </a:extLst>
           </p:cNvPr>
@@ -21917,8 +21896,8 @@
           <a:xfrm>
             <a:off x="838200" y="1829466"/>
             <a:ext cx="4115368" cy="2952444"/>
-            <a:chOff x="5817890" y="656197"/>
-            <a:chExt cx="2614427" cy="1875640"/>
+            <a:chOff x="838200" y="1829466"/>
+            <a:chExt cx="4115368" cy="2952444"/>
           </a:xfrm>
         </p:grpSpPr>
         <p:sp>
@@ -21935,8 +21914,8 @@
           </p:nvSpPr>
           <p:spPr>
             <a:xfrm>
-              <a:off x="6913867" y="1013387"/>
-              <a:ext cx="1518450" cy="1518450"/>
+              <a:off x="2563377" y="2391719"/>
+              <a:ext cx="2390191" cy="2390191"/>
             </a:xfrm>
             <a:prstGeom prst="ellipse">
               <a:avLst/>
@@ -21996,8 +21975,8 @@
           </p:nvSpPr>
           <p:spPr>
             <a:xfrm>
-              <a:off x="5817890" y="656197"/>
-              <a:ext cx="1518450" cy="1518450"/>
+              <a:off x="838200" y="1829466"/>
+              <a:ext cx="2390191" cy="2390191"/>
             </a:xfrm>
             <a:prstGeom prst="ellipse">
               <a:avLst/>
@@ -22052,8 +22031,8 @@
               </p:nvSpPr>
               <p:spPr>
                 <a:xfrm>
-                  <a:off x="5817890" y="656197"/>
-                  <a:ext cx="2614427" cy="1875640"/>
+                  <a:off x="838200" y="1829466"/>
+                  <a:ext cx="4115368" cy="2952444"/>
                 </a:xfrm>
                 <a:custGeom>
                   <a:avLst/>
@@ -22195,6 +22174,14 @@
                     <a:srgbClr val="00B050"/>
                   </a:solidFill>
                 </a:ln>
+                <a:effectLst>
+                  <a:glow rad="228600">
+                    <a:schemeClr val="accent6">
+                      <a:satMod val="175000"/>
+                      <a:alpha val="40000"/>
+                    </a:schemeClr>
+                  </a:glow>
+                </a:effectLst>
               </p:spPr>
               <p:style>
                 <a:lnRef idx="2">
@@ -22269,8 +22256,8 @@
               </p:nvSpPr>
               <p:spPr>
                 <a:xfrm>
-                  <a:off x="5817890" y="656197"/>
-                  <a:ext cx="2614427" cy="1875640"/>
+                  <a:off x="838200" y="1829466"/>
+                  <a:ext cx="4115368" cy="2952444"/>
                 </a:xfrm>
                 <a:custGeom>
                   <a:avLst/>
@@ -22417,6 +22404,14 @@
                     <a:srgbClr val="00B050"/>
                   </a:solidFill>
                 </a:ln>
+                <a:effectLst>
+                  <a:glow rad="228600">
+                    <a:schemeClr val="accent6">
+                      <a:satMod val="175000"/>
+                      <a:alpha val="40000"/>
+                    </a:schemeClr>
+                  </a:glow>
+                </a:effectLst>
               </p:spPr>
               <p:txBody>
                 <a:bodyPr/>
@@ -22436,10 +22431,10 @@
       </p:grpSp>
       <p:grpSp>
         <p:nvGrpSpPr>
-          <p:cNvPr id="8" name="Group 7">
+          <p:cNvPr id="4" name="Group 3">
             <a:extLst>
               <a:ext uri="{FF2B5EF4-FFF2-40B4-BE49-F238E27FC236}">
-                <a16:creationId xmlns:a16="http://schemas.microsoft.com/office/drawing/2014/main" id="{732616BF-8665-4D79-B8D8-94BE64DD200D}"/>
+                <a16:creationId xmlns:a16="http://schemas.microsoft.com/office/drawing/2014/main" id="{713A71C9-360E-4444-9B62-B327B231E090}"/>
               </a:ext>
             </a:extLst>
           </p:cNvPr>
@@ -22450,8 +22445,8 @@
           <a:xfrm>
             <a:off x="5963135" y="359343"/>
             <a:ext cx="3921703" cy="2727516"/>
-            <a:chOff x="6289054" y="2985698"/>
-            <a:chExt cx="4735918" cy="3293797"/>
+            <a:chOff x="5963135" y="359343"/>
+            <a:chExt cx="3921703" cy="2727516"/>
           </a:xfrm>
         </p:grpSpPr>
         <p:sp>
@@ -22468,8 +22463,8 @@
           </p:nvSpPr>
           <p:spPr>
             <a:xfrm>
-              <a:off x="6289054" y="2985698"/>
-              <a:ext cx="2536303" cy="2996132"/>
+              <a:off x="5963135" y="359343"/>
+              <a:ext cx="2100253" cy="2481027"/>
             </a:xfrm>
             <a:custGeom>
               <a:avLst/>
@@ -22628,8 +22623,8 @@
           </p:nvSpPr>
           <p:spPr>
             <a:xfrm>
-              <a:off x="8432315" y="3242595"/>
-              <a:ext cx="2592657" cy="3036900"/>
+              <a:off x="7737919" y="572073"/>
+              <a:ext cx="2146919" cy="2514786"/>
             </a:xfrm>
             <a:custGeom>
               <a:avLst/>
@@ -22799,8 +22794,8 @@
               </p:nvSpPr>
               <p:spPr>
                 <a:xfrm>
-                  <a:off x="7988071" y="3405334"/>
-                  <a:ext cx="1297114" cy="2428866"/>
+                  <a:off x="7370051" y="706834"/>
+                  <a:ext cx="1074110" cy="2011287"/>
                 </a:xfrm>
                 <a:custGeom>
                   <a:avLst/>
@@ -22907,6 +22902,14 @@
                     <a:srgbClr val="00B050"/>
                   </a:solidFill>
                 </a:ln>
+                <a:effectLst>
+                  <a:glow rad="228600">
+                    <a:schemeClr val="accent6">
+                      <a:satMod val="175000"/>
+                      <a:alpha val="40000"/>
+                    </a:schemeClr>
+                  </a:glow>
+                </a:effectLst>
               </p:spPr>
               <p:style>
                 <a:lnRef idx="2">
@@ -22982,8 +22985,8 @@
               </p:nvSpPr>
               <p:spPr>
                 <a:xfrm>
-                  <a:off x="7988071" y="3405334"/>
-                  <a:ext cx="1297114" cy="2428866"/>
+                  <a:off x="7370051" y="706834"/>
+                  <a:ext cx="1074110" cy="2011287"/>
                 </a:xfrm>
                 <a:custGeom>
                   <a:avLst/>
@@ -23090,6 +23093,14 @@
                     <a:srgbClr val="00B050"/>
                   </a:solidFill>
                 </a:ln>
+                <a:effectLst>
+                  <a:glow rad="228600">
+                    <a:schemeClr val="accent6">
+                      <a:satMod val="175000"/>
+                      <a:alpha val="40000"/>
+                    </a:schemeClr>
+                  </a:glow>
+                </a:effectLst>
               </p:spPr>
               <p:txBody>
                 <a:bodyPr/>
@@ -23109,10 +23120,10 @@
       </p:grpSp>
       <p:grpSp>
         <p:nvGrpSpPr>
-          <p:cNvPr id="23" name="Group 22">
+          <p:cNvPr id="3" name="Group 2">
             <a:extLst>
               <a:ext uri="{FF2B5EF4-FFF2-40B4-BE49-F238E27FC236}">
-                <a16:creationId xmlns:a16="http://schemas.microsoft.com/office/drawing/2014/main" id="{06958E5B-91B4-4E89-9A8C-AAF5D3E3EF17}"/>
+                <a16:creationId xmlns:a16="http://schemas.microsoft.com/office/drawing/2014/main" id="{8E6D8585-E3F4-461D-A144-9BC56AFEBE5E}"/>
               </a:ext>
             </a:extLst>
           </p:cNvPr>
@@ -23123,8 +23134,8 @@
           <a:xfrm>
             <a:off x="5901045" y="3866269"/>
             <a:ext cx="4012121" cy="2790401"/>
-            <a:chOff x="6289054" y="2985698"/>
-            <a:chExt cx="4735918" cy="3293797"/>
+            <a:chOff x="5901045" y="3866269"/>
+            <a:chExt cx="4012121" cy="2790401"/>
           </a:xfrm>
         </p:grpSpPr>
         <p:sp>
@@ -23141,8 +23152,8 @@
           </p:nvSpPr>
           <p:spPr>
             <a:xfrm>
-              <a:off x="8432315" y="3242595"/>
-              <a:ext cx="2592657" cy="3036900"/>
+              <a:off x="7716748" y="4083904"/>
+              <a:ext cx="2196418" cy="2572766"/>
             </a:xfrm>
             <a:custGeom>
               <a:avLst/>
@@ -23310,8 +23321,8 @@
           </p:nvSpPr>
           <p:spPr>
             <a:xfrm>
-              <a:off x="7988071" y="3405334"/>
-              <a:ext cx="1297114" cy="2428866"/>
+              <a:off x="7340399" y="4221771"/>
+              <a:ext cx="1098874" cy="2057659"/>
             </a:xfrm>
             <a:custGeom>
               <a:avLst/>
@@ -23459,8 +23470,8 @@
           </p:nvSpPr>
           <p:spPr>
             <a:xfrm>
-              <a:off x="6289054" y="2985698"/>
-              <a:ext cx="2536303" cy="2996132"/>
+              <a:off x="5901045" y="3866269"/>
+              <a:ext cx="2148676" cy="2538229"/>
             </a:xfrm>
             <a:custGeom>
               <a:avLst/>
@@ -23584,6 +23595,14 @@
                 <a:srgbClr val="00B050"/>
               </a:solidFill>
             </a:ln>
+            <a:effectLst>
+              <a:glow rad="228600">
+                <a:schemeClr val="accent6">
+                  <a:satMod val="175000"/>
+                  <a:alpha val="40000"/>
+                </a:schemeClr>
+              </a:glow>
+            </a:effectLst>
           </p:spPr>
           <p:style>
             <a:lnRef idx="2">
@@ -23629,195 +23648,6 @@
   <p:clrMapOvr>
     <a:masterClrMapping/>
   </p:clrMapOvr>
-  <p:timing>
-    <p:tnLst>
-      <p:par>
-        <p:cTn id="1" dur="indefinite" restart="never" nodeType="tmRoot">
-          <p:childTnLst>
-            <p:seq concurrent="1" nextAc="seek">
-              <p:cTn id="2" dur="indefinite" nodeType="mainSeq">
-                <p:childTnLst>
-                  <p:par>
-                    <p:cTn id="3" fill="hold">
-                      <p:stCondLst>
-                        <p:cond delay="indefinite"/>
-                      </p:stCondLst>
-                      <p:childTnLst>
-                        <p:par>
-                          <p:cTn id="4" fill="hold">
-                            <p:stCondLst>
-                              <p:cond delay="0"/>
-                            </p:stCondLst>
-                            <p:childTnLst>
-                              <p:par>
-                                <p:cTn id="5" presetID="10" presetClass="entr" presetSubtype="0" fill="hold" nodeType="clickEffect">
-                                  <p:stCondLst>
-                                    <p:cond delay="0"/>
-                                  </p:stCondLst>
-                                  <p:childTnLst>
-                                    <p:set>
-                                      <p:cBhvr>
-                                        <p:cTn id="6" dur="1" fill="hold">
-                                          <p:stCondLst>
-                                            <p:cond delay="0"/>
-                                          </p:stCondLst>
-                                        </p:cTn>
-                                        <p:tgtEl>
-                                          <p:spTgt spid="7"/>
-                                        </p:tgtEl>
-                                        <p:attrNameLst>
-                                          <p:attrName>style.visibility</p:attrName>
-                                        </p:attrNameLst>
-                                      </p:cBhvr>
-                                      <p:to>
-                                        <p:strVal val="visible"/>
-                                      </p:to>
-                                    </p:set>
-                                    <p:animEffect transition="in" filter="fade">
-                                      <p:cBhvr>
-                                        <p:cTn id="7" dur="500"/>
-                                        <p:tgtEl>
-                                          <p:spTgt spid="7"/>
-                                        </p:tgtEl>
-                                      </p:cBhvr>
-                                    </p:animEffect>
-                                  </p:childTnLst>
-                                </p:cTn>
-                              </p:par>
-                            </p:childTnLst>
-                          </p:cTn>
-                        </p:par>
-                      </p:childTnLst>
-                    </p:cTn>
-                  </p:par>
-                  <p:par>
-                    <p:cTn id="8" fill="hold">
-                      <p:stCondLst>
-                        <p:cond delay="indefinite"/>
-                      </p:stCondLst>
-                      <p:childTnLst>
-                        <p:par>
-                          <p:cTn id="9" fill="hold">
-                            <p:stCondLst>
-                              <p:cond delay="0"/>
-                            </p:stCondLst>
-                            <p:childTnLst>
-                              <p:par>
-                                <p:cTn id="10" presetID="10" presetClass="entr" presetSubtype="0" fill="hold" nodeType="clickEffect">
-                                  <p:stCondLst>
-                                    <p:cond delay="0"/>
-                                  </p:stCondLst>
-                                  <p:childTnLst>
-                                    <p:set>
-                                      <p:cBhvr>
-                                        <p:cTn id="11" dur="1" fill="hold">
-                                          <p:stCondLst>
-                                            <p:cond delay="0"/>
-                                          </p:stCondLst>
-                                        </p:cTn>
-                                        <p:tgtEl>
-                                          <p:spTgt spid="8"/>
-                                        </p:tgtEl>
-                                        <p:attrNameLst>
-                                          <p:attrName>style.visibility</p:attrName>
-                                        </p:attrNameLst>
-                                      </p:cBhvr>
-                                      <p:to>
-                                        <p:strVal val="visible"/>
-                                      </p:to>
-                                    </p:set>
-                                    <p:animEffect transition="in" filter="fade">
-                                      <p:cBhvr>
-                                        <p:cTn id="12" dur="500"/>
-                                        <p:tgtEl>
-                                          <p:spTgt spid="8"/>
-                                        </p:tgtEl>
-                                      </p:cBhvr>
-                                    </p:animEffect>
-                                  </p:childTnLst>
-                                </p:cTn>
-                              </p:par>
-                            </p:childTnLst>
-                          </p:cTn>
-                        </p:par>
-                      </p:childTnLst>
-                    </p:cTn>
-                  </p:par>
-                  <p:par>
-                    <p:cTn id="13" fill="hold">
-                      <p:stCondLst>
-                        <p:cond delay="indefinite"/>
-                      </p:stCondLst>
-                      <p:childTnLst>
-                        <p:par>
-                          <p:cTn id="14" fill="hold">
-                            <p:stCondLst>
-                              <p:cond delay="0"/>
-                            </p:stCondLst>
-                            <p:childTnLst>
-                              <p:par>
-                                <p:cTn id="15" presetID="10" presetClass="entr" presetSubtype="0" fill="hold" nodeType="clickEffect">
-                                  <p:stCondLst>
-                                    <p:cond delay="0"/>
-                                  </p:stCondLst>
-                                  <p:childTnLst>
-                                    <p:set>
-                                      <p:cBhvr>
-                                        <p:cTn id="16" dur="1" fill="hold">
-                                          <p:stCondLst>
-                                            <p:cond delay="0"/>
-                                          </p:stCondLst>
-                                        </p:cTn>
-                                        <p:tgtEl>
-                                          <p:spTgt spid="23"/>
-                                        </p:tgtEl>
-                                        <p:attrNameLst>
-                                          <p:attrName>style.visibility</p:attrName>
-                                        </p:attrNameLst>
-                                      </p:cBhvr>
-                                      <p:to>
-                                        <p:strVal val="visible"/>
-                                      </p:to>
-                                    </p:set>
-                                    <p:animEffect transition="in" filter="fade">
-                                      <p:cBhvr>
-                                        <p:cTn id="17" dur="500"/>
-                                        <p:tgtEl>
-                                          <p:spTgt spid="23"/>
-                                        </p:tgtEl>
-                                      </p:cBhvr>
-                                    </p:animEffect>
-                                  </p:childTnLst>
-                                </p:cTn>
-                              </p:par>
-                            </p:childTnLst>
-                          </p:cTn>
-                        </p:par>
-                      </p:childTnLst>
-                    </p:cTn>
-                  </p:par>
-                </p:childTnLst>
-              </p:cTn>
-              <p:prevCondLst>
-                <p:cond evt="onPrev" delay="0">
-                  <p:tgtEl>
-                    <p:sldTgt/>
-                  </p:tgtEl>
-                </p:cond>
-              </p:prevCondLst>
-              <p:nextCondLst>
-                <p:cond evt="onNext" delay="0">
-                  <p:tgtEl>
-                    <p:sldTgt/>
-                  </p:tgtEl>
-                </p:cond>
-              </p:nextCondLst>
-            </p:seq>
-          </p:childTnLst>
-        </p:cTn>
-      </p:par>
-    </p:tnLst>
-  </p:timing>
 </p:sld>
 </file>
 
@@ -23871,8 +23701,8 @@
           </a:p>
         </p:txBody>
       </p:sp>
-      <mc:AlternateContent xmlns:mc="http://schemas.openxmlformats.org/markup-compatibility/2006">
-        <mc:Choice xmlns:a14="http://schemas.microsoft.com/office/drawing/2010/main" Requires="a14">
+      <mc:AlternateContent xmlns:mc="http://schemas.openxmlformats.org/markup-compatibility/2006" xmlns:a14="http://schemas.microsoft.com/office/drawing/2010/main">
+        <mc:Choice Requires="a14">
           <p:sp>
             <p:nvSpPr>
               <p:cNvPr id="25" name="Content Placeholder 24">
@@ -24338,7 +24168,7 @@
             </p:txBody>
           </p:sp>
         </mc:Choice>
-        <mc:Fallback>
+        <mc:Fallback xmlns="">
           <p:sp>
             <p:nvSpPr>
               <p:cNvPr id="25" name="Content Placeholder 24">

--- a/Documentation/Training/CohortBuilder.pptx
+++ b/Documentation/Training/CohortBuilder.pptx
@@ -251,7 +251,7 @@
           <a:p>
             <a:fld id="{E6799723-5C7A-4148-A580-1582FB869D21}" type="datetimeFigureOut">
               <a:rPr lang="en-GB" smtClean="0"/>
-              <a:t>26/02/2020</a:t>
+              <a:t>19/05/2020</a:t>
             </a:fld>
             <a:endParaRPr lang="en-GB"/>
           </a:p>
@@ -995,7 +995,7 @@
           <a:p>
             <a:fld id="{A4B2E03E-B9F4-48CD-BEDC-03BA93144C1F}" type="datetimeFigureOut">
               <a:rPr lang="en-GB" smtClean="0"/>
-              <a:t>26/02/2020</a:t>
+              <a:t>19/05/2020</a:t>
             </a:fld>
             <a:endParaRPr lang="en-GB"/>
           </a:p>
@@ -1165,7 +1165,7 @@
           <a:p>
             <a:fld id="{A4B2E03E-B9F4-48CD-BEDC-03BA93144C1F}" type="datetimeFigureOut">
               <a:rPr lang="en-GB" smtClean="0"/>
-              <a:t>26/02/2020</a:t>
+              <a:t>19/05/2020</a:t>
             </a:fld>
             <a:endParaRPr lang="en-GB"/>
           </a:p>
@@ -1345,7 +1345,7 @@
           <a:p>
             <a:fld id="{A4B2E03E-B9F4-48CD-BEDC-03BA93144C1F}" type="datetimeFigureOut">
               <a:rPr lang="en-GB" smtClean="0"/>
-              <a:t>26/02/2020</a:t>
+              <a:t>19/05/2020</a:t>
             </a:fld>
             <a:endParaRPr lang="en-GB"/>
           </a:p>
@@ -1515,7 +1515,7 @@
           <a:p>
             <a:fld id="{A4B2E03E-B9F4-48CD-BEDC-03BA93144C1F}" type="datetimeFigureOut">
               <a:rPr lang="en-GB" smtClean="0"/>
-              <a:t>26/02/2020</a:t>
+              <a:t>19/05/2020</a:t>
             </a:fld>
             <a:endParaRPr lang="en-GB"/>
           </a:p>
@@ -1761,7 +1761,7 @@
           <a:p>
             <a:fld id="{A4B2E03E-B9F4-48CD-BEDC-03BA93144C1F}" type="datetimeFigureOut">
               <a:rPr lang="en-GB" smtClean="0"/>
-              <a:t>26/02/2020</a:t>
+              <a:t>19/05/2020</a:t>
             </a:fld>
             <a:endParaRPr lang="en-GB"/>
           </a:p>
@@ -1993,7 +1993,7 @@
           <a:p>
             <a:fld id="{A4B2E03E-B9F4-48CD-BEDC-03BA93144C1F}" type="datetimeFigureOut">
               <a:rPr lang="en-GB" smtClean="0"/>
-              <a:t>26/02/2020</a:t>
+              <a:t>19/05/2020</a:t>
             </a:fld>
             <a:endParaRPr lang="en-GB"/>
           </a:p>
@@ -2360,7 +2360,7 @@
           <a:p>
             <a:fld id="{A4B2E03E-B9F4-48CD-BEDC-03BA93144C1F}" type="datetimeFigureOut">
               <a:rPr lang="en-GB" smtClean="0"/>
-              <a:t>26/02/2020</a:t>
+              <a:t>19/05/2020</a:t>
             </a:fld>
             <a:endParaRPr lang="en-GB"/>
           </a:p>
@@ -2478,7 +2478,7 @@
           <a:p>
             <a:fld id="{A4B2E03E-B9F4-48CD-BEDC-03BA93144C1F}" type="datetimeFigureOut">
               <a:rPr lang="en-GB" smtClean="0"/>
-              <a:t>26/02/2020</a:t>
+              <a:t>19/05/2020</a:t>
             </a:fld>
             <a:endParaRPr lang="en-GB"/>
           </a:p>
@@ -2573,7 +2573,7 @@
           <a:p>
             <a:fld id="{A4B2E03E-B9F4-48CD-BEDC-03BA93144C1F}" type="datetimeFigureOut">
               <a:rPr lang="en-GB" smtClean="0"/>
-              <a:t>26/02/2020</a:t>
+              <a:t>19/05/2020</a:t>
             </a:fld>
             <a:endParaRPr lang="en-GB"/>
           </a:p>
@@ -2850,7 +2850,7 @@
           <a:p>
             <a:fld id="{A4B2E03E-B9F4-48CD-BEDC-03BA93144C1F}" type="datetimeFigureOut">
               <a:rPr lang="en-GB" smtClean="0"/>
-              <a:t>26/02/2020</a:t>
+              <a:t>19/05/2020</a:t>
             </a:fld>
             <a:endParaRPr lang="en-GB"/>
           </a:p>
@@ -3103,7 +3103,7 @@
           <a:p>
             <a:fld id="{A4B2E03E-B9F4-48CD-BEDC-03BA93144C1F}" type="datetimeFigureOut">
               <a:rPr lang="en-GB" smtClean="0"/>
-              <a:t>26/02/2020</a:t>
+              <a:t>19/05/2020</a:t>
             </a:fld>
             <a:endParaRPr lang="en-GB"/>
           </a:p>
@@ -3316,7 +3316,7 @@
           <a:p>
             <a:fld id="{A4B2E03E-B9F4-48CD-BEDC-03BA93144C1F}" type="datetimeFigureOut">
               <a:rPr lang="en-GB" smtClean="0"/>
-              <a:t>26/02/2020</a:t>
+              <a:t>19/05/2020</a:t>
             </a:fld>
             <a:endParaRPr lang="en-GB"/>
           </a:p>
@@ -10804,15 +10804,20 @@
           <p:nvPr/>
         </p:nvPicPr>
         <p:blipFill>
-          <a:blip r:embed="rId2"/>
-          <a:stretch>
-            <a:fillRect/>
-          </a:stretch>
+          <a:blip r:embed="rId2">
+            <a:extLst>
+              <a:ext uri="{28A0092B-C50C-407E-A947-70E740481C1C}">
+                <a14:useLocalDpi xmlns:a14="http://schemas.microsoft.com/office/drawing/2010/main" val="0"/>
+              </a:ext>
+            </a:extLst>
+          </a:blip>
+          <a:srcRect/>
+          <a:stretch/>
         </p:blipFill>
         <p:spPr>
           <a:xfrm>
-            <a:off x="521193" y="2867850"/>
-            <a:ext cx="11149614" cy="3050764"/>
+            <a:off x="2273411" y="2867850"/>
+            <a:ext cx="7645178" cy="3050764"/>
           </a:xfrm>
           <a:prstGeom prst="rect">
             <a:avLst/>
@@ -10861,7 +10866,7 @@
         </p:nvGrpSpPr>
         <p:grpSpPr>
           <a:xfrm>
-            <a:off x="305722" y="1907973"/>
+            <a:off x="1828742" y="2048646"/>
             <a:ext cx="1686992" cy="1684585"/>
             <a:chOff x="3539320" y="-956251"/>
             <a:chExt cx="1686992" cy="1684585"/>
@@ -10973,7 +10978,7 @@
         </p:nvGrpSpPr>
         <p:grpSpPr>
           <a:xfrm>
-            <a:off x="3060295" y="2180670"/>
+            <a:off x="5187721" y="2048646"/>
             <a:ext cx="1686992" cy="2560006"/>
             <a:chOff x="3539320" y="-956251"/>
             <a:chExt cx="1686992" cy="2560006"/>
@@ -11073,10 +11078,10 @@
       </p:grpSp>
       <p:grpSp>
         <p:nvGrpSpPr>
-          <p:cNvPr id="16" name="Group 15">
+          <p:cNvPr id="6" name="Group 5">
             <a:extLst>
               <a:ext uri="{FF2B5EF4-FFF2-40B4-BE49-F238E27FC236}">
-                <a16:creationId xmlns:a16="http://schemas.microsoft.com/office/drawing/2014/main" id="{A4D90DFB-E08B-48C6-81DA-C7E7E560DB76}"/>
+                <a16:creationId xmlns:a16="http://schemas.microsoft.com/office/drawing/2014/main" id="{7335EA12-4E85-4570-90AC-A5DE776366B1}"/>
               </a:ext>
             </a:extLst>
           </p:cNvPr>
@@ -11085,10 +11090,10 @@
         </p:nvGrpSpPr>
         <p:grpSpPr>
           <a:xfrm>
-            <a:off x="7444715" y="1541666"/>
-            <a:ext cx="1686992" cy="2784674"/>
-            <a:chOff x="3517076" y="-1264023"/>
-            <a:chExt cx="1686992" cy="2784674"/>
+            <a:off x="6484330" y="1541666"/>
+            <a:ext cx="2647377" cy="3774668"/>
+            <a:chOff x="6484330" y="1541666"/>
+            <a:chExt cx="2647377" cy="3774668"/>
           </a:xfrm>
         </p:grpSpPr>
         <p:sp>
@@ -11105,7 +11110,7 @@
           </p:nvSpPr>
           <p:spPr>
             <a:xfrm>
-              <a:off x="3517076" y="-1264023"/>
+              <a:off x="7444715" y="1541666"/>
               <a:ext cx="1686992" cy="639004"/>
             </a:xfrm>
             <a:prstGeom prst="roundRect">
@@ -11156,9 +11161,9 @@
             <p:nvPr/>
           </p:nvCxnSpPr>
           <p:spPr>
-            <a:xfrm>
-              <a:off x="4360572" y="-625019"/>
-              <a:ext cx="507272" cy="2145670"/>
+            <a:xfrm flipH="1">
+              <a:off x="6484330" y="2180670"/>
+              <a:ext cx="1803881" cy="2496661"/>
             </a:xfrm>
             <a:prstGeom prst="straightConnector1">
               <a:avLst/>
@@ -11182,137 +11187,25 @@
             </a:fontRef>
           </p:style>
         </p:cxnSp>
-      </p:grpSp>
-      <p:cxnSp>
-        <p:nvCxnSpPr>
-          <p:cNvPr id="20" name="Straight Arrow Connector 19">
-            <a:extLst>
-              <a:ext uri="{FF2B5EF4-FFF2-40B4-BE49-F238E27FC236}">
-                <a16:creationId xmlns:a16="http://schemas.microsoft.com/office/drawing/2014/main" id="{A06321FD-2137-45D7-86AB-55CF2844FE7D}"/>
-              </a:ext>
-            </a:extLst>
-          </p:cNvPr>
-          <p:cNvCxnSpPr>
-            <a:cxnSpLocks/>
-            <a:stCxn id="17" idx="2"/>
-          </p:cNvCxnSpPr>
-          <p:nvPr/>
-        </p:nvCxnSpPr>
-        <p:spPr>
-          <a:xfrm>
-            <a:off x="8288211" y="2180670"/>
-            <a:ext cx="1163203" cy="2852969"/>
-          </a:xfrm>
-          <a:prstGeom prst="straightConnector1">
-            <a:avLst/>
-          </a:prstGeom>
-          <a:ln w="12700">
-            <a:tailEnd type="triangle"/>
-          </a:ln>
-        </p:spPr>
-        <p:style>
-          <a:lnRef idx="1">
-            <a:schemeClr val="accent1"/>
-          </a:lnRef>
-          <a:fillRef idx="0">
-            <a:schemeClr val="accent1"/>
-          </a:fillRef>
-          <a:effectRef idx="0">
-            <a:schemeClr val="accent1"/>
-          </a:effectRef>
-          <a:fontRef idx="minor">
-            <a:schemeClr val="tx1"/>
-          </a:fontRef>
-        </p:style>
-      </p:cxnSp>
-      <p:grpSp>
-        <p:nvGrpSpPr>
-          <p:cNvPr id="25" name="Group 24">
-            <a:extLst>
-              <a:ext uri="{FF2B5EF4-FFF2-40B4-BE49-F238E27FC236}">
-                <a16:creationId xmlns:a16="http://schemas.microsoft.com/office/drawing/2014/main" id="{CB0D67AE-0C67-4FA5-830D-86661EA061E9}"/>
-              </a:ext>
-            </a:extLst>
-          </p:cNvPr>
-          <p:cNvGrpSpPr/>
-          <p:nvPr/>
-        </p:nvGrpSpPr>
-        <p:grpSpPr>
-          <a:xfrm>
-            <a:off x="9701709" y="1283162"/>
-            <a:ext cx="1812452" cy="2915976"/>
-            <a:chOff x="3539320" y="-956251"/>
-            <a:chExt cx="1812452" cy="2915976"/>
-          </a:xfrm>
-        </p:grpSpPr>
-        <p:sp>
-          <p:nvSpPr>
-            <p:cNvPr id="26" name="Rectangle: Rounded Corners 25">
+        <p:cxnSp>
+          <p:nvCxnSpPr>
+            <p:cNvPr id="20" name="Straight Arrow Connector 19">
               <a:extLst>
                 <a:ext uri="{FF2B5EF4-FFF2-40B4-BE49-F238E27FC236}">
-                  <a16:creationId xmlns:a16="http://schemas.microsoft.com/office/drawing/2014/main" id="{B5415190-7B88-4F9D-A4B0-6448EFD3158C}"/>
-                </a:ext>
-              </a:extLst>
-            </p:cNvPr>
-            <p:cNvSpPr/>
-            <p:nvPr/>
-          </p:nvSpPr>
-          <p:spPr>
-            <a:xfrm>
-              <a:off x="3539320" y="-956251"/>
-              <a:ext cx="1812452" cy="1086999"/>
-            </a:xfrm>
-            <a:prstGeom prst="roundRect">
-              <a:avLst/>
-            </a:prstGeom>
-          </p:spPr>
-          <p:style>
-            <a:lnRef idx="2">
-              <a:schemeClr val="accent1">
-                <a:shade val="50000"/>
-              </a:schemeClr>
-            </a:lnRef>
-            <a:fillRef idx="1">
-              <a:schemeClr val="accent1"/>
-            </a:fillRef>
-            <a:effectRef idx="0">
-              <a:schemeClr val="accent1"/>
-            </a:effectRef>
-            <a:fontRef idx="minor">
-              <a:schemeClr val="lt1"/>
-            </a:fontRef>
-          </p:style>
-          <p:txBody>
-            <a:bodyPr rtlCol="0" anchor="ctr"/>
-            <a:lstStyle/>
-            <a:p>
-              <a:pPr algn="ctr"/>
-              <a:r>
-                <a:rPr lang="en-GB" sz="1200" dirty="0"/>
-                <a:t>The system will decide an appropriate caching strategy if a Caching DB has been set (not in this example)</a:t>
-              </a:r>
-            </a:p>
-          </p:txBody>
-        </p:sp>
-        <p:cxnSp>
-          <p:nvCxnSpPr>
-            <p:cNvPr id="27" name="Straight Arrow Connector 26">
-              <a:extLst>
-                <a:ext uri="{FF2B5EF4-FFF2-40B4-BE49-F238E27FC236}">
-                  <a16:creationId xmlns:a16="http://schemas.microsoft.com/office/drawing/2014/main" id="{24245E15-E032-4F8D-B834-40BD693EAE32}"/>
+                  <a16:creationId xmlns:a16="http://schemas.microsoft.com/office/drawing/2014/main" id="{A06321FD-2137-45D7-86AB-55CF2844FE7D}"/>
                 </a:ext>
               </a:extLst>
             </p:cNvPr>
             <p:cNvCxnSpPr>
               <a:cxnSpLocks/>
-              <a:stCxn id="26" idx="2"/>
+              <a:stCxn id="17" idx="2"/>
             </p:cNvCxnSpPr>
             <p:nvPr/>
           </p:nvCxnSpPr>
           <p:spPr>
-            <a:xfrm>
-              <a:off x="4445546" y="130748"/>
-              <a:ext cx="613440" cy="1828977"/>
+            <a:xfrm flipH="1">
+              <a:off x="6999860" y="2180670"/>
+              <a:ext cx="1288351" cy="3135664"/>
             </a:xfrm>
             <a:prstGeom prst="straightConnector1">
               <a:avLst/>
@@ -18362,109 +18255,41 @@
           </a:p>
         </p:txBody>
       </p:sp>
-      <p:grpSp>
-        <p:nvGrpSpPr>
-          <p:cNvPr id="6" name="Group 5">
+      <p:pic>
+        <p:nvPicPr>
+          <p:cNvPr id="4" name="Picture 3">
             <a:extLst>
               <a:ext uri="{FF2B5EF4-FFF2-40B4-BE49-F238E27FC236}">
-                <a16:creationId xmlns:a16="http://schemas.microsoft.com/office/drawing/2014/main" id="{4E931C77-B4C2-4BEA-99D2-DBAF71335FE1}"/>
+                <a16:creationId xmlns:a16="http://schemas.microsoft.com/office/drawing/2014/main" id="{8A28FF46-027F-4C3A-845E-D228C64AD932}"/>
               </a:ext>
             </a:extLst>
           </p:cNvPr>
-          <p:cNvGrpSpPr/>
+          <p:cNvPicPr>
+            <a:picLocks noChangeAspect="1"/>
+          </p:cNvPicPr>
           <p:nvPr/>
-        </p:nvGrpSpPr>
-        <p:grpSpPr>
+        </p:nvPicPr>
+        <p:blipFill>
+          <a:blip r:embed="rId3">
+            <a:extLst>
+              <a:ext uri="{28A0092B-C50C-407E-A947-70E740481C1C}">
+                <a14:useLocalDpi xmlns:a14="http://schemas.microsoft.com/office/drawing/2010/main" val="0"/>
+              </a:ext>
+            </a:extLst>
+          </a:blip>
+          <a:srcRect/>
+          <a:stretch/>
+        </p:blipFill>
+        <p:spPr>
           <a:xfrm>
-            <a:off x="4939860" y="1690688"/>
-            <a:ext cx="6958281" cy="4390297"/>
-            <a:chOff x="4939860" y="1690688"/>
-            <a:chExt cx="6958281" cy="4390297"/>
+            <a:off x="4939860" y="2459636"/>
+            <a:ext cx="6958281" cy="2852401"/>
           </a:xfrm>
-        </p:grpSpPr>
-        <p:pic>
-          <p:nvPicPr>
-            <p:cNvPr id="4" name="Picture 3">
-              <a:extLst>
-                <a:ext uri="{FF2B5EF4-FFF2-40B4-BE49-F238E27FC236}">
-                  <a16:creationId xmlns:a16="http://schemas.microsoft.com/office/drawing/2014/main" id="{8A28FF46-027F-4C3A-845E-D228C64AD932}"/>
-                </a:ext>
-              </a:extLst>
-            </p:cNvPr>
-            <p:cNvPicPr>
-              <a:picLocks noChangeAspect="1"/>
-            </p:cNvPicPr>
-            <p:nvPr/>
-          </p:nvPicPr>
-          <p:blipFill>
-            <a:blip r:embed="rId3"/>
-            <a:stretch>
-              <a:fillRect/>
-            </a:stretch>
-          </p:blipFill>
-          <p:spPr>
-            <a:xfrm>
-              <a:off x="4939860" y="1690688"/>
-              <a:ext cx="6958281" cy="4390297"/>
-            </a:xfrm>
-            <a:prstGeom prst="rect">
-              <a:avLst/>
-            </a:prstGeom>
-          </p:spPr>
-        </p:pic>
-        <p:sp>
-          <p:nvSpPr>
-            <p:cNvPr id="5" name="Rectangle: Rounded Corners 4">
-              <a:extLst>
-                <a:ext uri="{FF2B5EF4-FFF2-40B4-BE49-F238E27FC236}">
-                  <a16:creationId xmlns:a16="http://schemas.microsoft.com/office/drawing/2014/main" id="{ED05FC29-8B5F-4538-858A-6658FF51E050}"/>
-                </a:ext>
-              </a:extLst>
-            </p:cNvPr>
-            <p:cNvSpPr/>
-            <p:nvPr/>
-          </p:nvSpPr>
-          <p:spPr>
-            <a:xfrm>
-              <a:off x="8384275" y="3152633"/>
-              <a:ext cx="3421038" cy="267268"/>
-            </a:xfrm>
-            <a:prstGeom prst="roundRect">
-              <a:avLst/>
-            </a:prstGeom>
-            <a:noFill/>
-            <a:ln w="19050">
-              <a:solidFill>
-                <a:srgbClr val="C00000"/>
-              </a:solidFill>
-            </a:ln>
-          </p:spPr>
-          <p:style>
-            <a:lnRef idx="2">
-              <a:schemeClr val="accent1">
-                <a:shade val="50000"/>
-              </a:schemeClr>
-            </a:lnRef>
-            <a:fillRef idx="1">
-              <a:schemeClr val="accent1"/>
-            </a:fillRef>
-            <a:effectRef idx="0">
-              <a:schemeClr val="accent1"/>
-            </a:effectRef>
-            <a:fontRef idx="minor">
-              <a:schemeClr val="lt1"/>
-            </a:fontRef>
-          </p:style>
-          <p:txBody>
-            <a:bodyPr rtlCol="0" anchor="ctr"/>
-            <a:lstStyle/>
-            <a:p>
-              <a:pPr algn="ctr"/>
-              <a:endParaRPr lang="en-GB"/>
-            </a:p>
-          </p:txBody>
-        </p:sp>
-      </p:grpSp>
+          <a:prstGeom prst="rect">
+            <a:avLst/>
+          </a:prstGeom>
+        </p:spPr>
+      </p:pic>
       <p:grpSp>
         <p:nvGrpSpPr>
           <p:cNvPr id="14" name="Group 13">
@@ -18791,41 +18616,6 @@
                                   </p:childTnLst>
                                 </p:cTn>
                               </p:par>
-                              <p:par>
-                                <p:cTn id="8" presetID="10" presetClass="entr" presetSubtype="0" fill="hold" nodeType="withEffect">
-                                  <p:stCondLst>
-                                    <p:cond delay="0"/>
-                                  </p:stCondLst>
-                                  <p:childTnLst>
-                                    <p:set>
-                                      <p:cBhvr>
-                                        <p:cTn id="9" dur="1" fill="hold">
-                                          <p:stCondLst>
-                                            <p:cond delay="0"/>
-                                          </p:stCondLst>
-                                        </p:cTn>
-                                        <p:tgtEl>
-                                          <p:spTgt spid="6"/>
-                                        </p:tgtEl>
-                                        <p:attrNameLst>
-                                          <p:attrName>style.visibility</p:attrName>
-                                        </p:attrNameLst>
-                                      </p:cBhvr>
-                                      <p:to>
-                                        <p:strVal val="visible"/>
-                                      </p:to>
-                                    </p:set>
-                                    <p:animEffect transition="in" filter="fade">
-                                      <p:cBhvr>
-                                        <p:cTn id="10" dur="500"/>
-                                        <p:tgtEl>
-                                          <p:spTgt spid="6"/>
-                                        </p:tgtEl>
-                                      </p:cBhvr>
-                                    </p:animEffect>
-                                  </p:childTnLst>
-                                </p:cTn>
-                              </p:par>
                             </p:childTnLst>
                           </p:cTn>
                         </p:par>
@@ -18833,26 +18623,26 @@
                     </p:cTn>
                   </p:par>
                   <p:par>
-                    <p:cTn id="11" fill="hold">
+                    <p:cTn id="8" fill="hold">
                       <p:stCondLst>
                         <p:cond delay="indefinite"/>
                       </p:stCondLst>
                       <p:childTnLst>
                         <p:par>
-                          <p:cTn id="12" fill="hold">
+                          <p:cTn id="9" fill="hold">
                             <p:stCondLst>
                               <p:cond delay="0"/>
                             </p:stCondLst>
                             <p:childTnLst>
                               <p:par>
-                                <p:cTn id="13" presetID="10" presetClass="exit" presetSubtype="0" fill="hold" grpId="1" nodeType="clickEffect">
+                                <p:cTn id="10" presetID="10" presetClass="exit" presetSubtype="0" fill="hold" grpId="1" nodeType="clickEffect">
                                   <p:stCondLst>
                                     <p:cond delay="0"/>
                                   </p:stCondLst>
                                   <p:childTnLst>
                                     <p:animEffect transition="out" filter="fade">
                                       <p:cBhvr>
-                                        <p:cTn id="14" dur="500"/>
+                                        <p:cTn id="11" dur="500"/>
                                         <p:tgtEl>
                                           <p:spTgt spid="3">
                                             <p:txEl>
@@ -18864,7 +18654,7 @@
                                     </p:animEffect>
                                     <p:set>
                                       <p:cBhvr>
-                                        <p:cTn id="15" dur="1" fill="hold">
+                                        <p:cTn id="12" dur="1" fill="hold">
                                           <p:stCondLst>
                                             <p:cond delay="499"/>
                                           </p:stCondLst>
@@ -18888,49 +18678,14 @@
                                 </p:cTn>
                               </p:par>
                               <p:par>
-                                <p:cTn id="16" presetID="10" presetClass="exit" presetSubtype="0" fill="hold" nodeType="withEffect">
-                                  <p:stCondLst>
-                                    <p:cond delay="0"/>
-                                  </p:stCondLst>
-                                  <p:childTnLst>
-                                    <p:animEffect transition="out" filter="fade">
-                                      <p:cBhvr>
-                                        <p:cTn id="17" dur="500"/>
-                                        <p:tgtEl>
-                                          <p:spTgt spid="6"/>
-                                        </p:tgtEl>
-                                      </p:cBhvr>
-                                    </p:animEffect>
-                                    <p:set>
-                                      <p:cBhvr>
-                                        <p:cTn id="18" dur="1" fill="hold">
-                                          <p:stCondLst>
-                                            <p:cond delay="499"/>
-                                          </p:stCondLst>
-                                        </p:cTn>
-                                        <p:tgtEl>
-                                          <p:spTgt spid="6"/>
-                                        </p:tgtEl>
-                                        <p:attrNameLst>
-                                          <p:attrName>style.visibility</p:attrName>
-                                        </p:attrNameLst>
-                                      </p:cBhvr>
-                                      <p:to>
-                                        <p:strVal val="hidden"/>
-                                      </p:to>
-                                    </p:set>
-                                  </p:childTnLst>
-                                </p:cTn>
-                              </p:par>
-                              <p:par>
-                                <p:cTn id="19" presetID="10" presetClass="entr" presetSubtype="0" fill="hold" grpId="0" nodeType="withEffect">
+                                <p:cTn id="13" presetID="10" presetClass="entr" presetSubtype="0" fill="hold" grpId="0" nodeType="withEffect">
                                   <p:stCondLst>
                                     <p:cond delay="0"/>
                                   </p:stCondLst>
                                   <p:childTnLst>
                                     <p:set>
                                       <p:cBhvr>
-                                        <p:cTn id="20" dur="1" fill="hold">
+                                        <p:cTn id="14" dur="1" fill="hold">
                                           <p:stCondLst>
                                             <p:cond delay="0"/>
                                           </p:stCondLst>
@@ -18952,7 +18707,7 @@
                                     </p:set>
                                     <p:animEffect transition="in" filter="fade">
                                       <p:cBhvr>
-                                        <p:cTn id="21" dur="500"/>
+                                        <p:cTn id="15" dur="500"/>
                                         <p:tgtEl>
                                           <p:spTgt spid="3">
                                             <p:txEl>
@@ -18966,14 +18721,14 @@
                                 </p:cTn>
                               </p:par>
                               <p:par>
-                                <p:cTn id="22" presetID="10" presetClass="entr" presetSubtype="0" fill="hold" nodeType="withEffect">
+                                <p:cTn id="16" presetID="10" presetClass="entr" presetSubtype="0" fill="hold" nodeType="withEffect">
                                   <p:stCondLst>
                                     <p:cond delay="0"/>
                                   </p:stCondLst>
                                   <p:childTnLst>
                                     <p:set>
                                       <p:cBhvr>
-                                        <p:cTn id="23" dur="1" fill="hold">
+                                        <p:cTn id="17" dur="1" fill="hold">
                                           <p:stCondLst>
                                             <p:cond delay="0"/>
                                           </p:stCondLst>
@@ -18991,7 +18746,7 @@
                                     </p:set>
                                     <p:animEffect transition="in" filter="fade">
                                       <p:cBhvr>
-                                        <p:cTn id="24" dur="500"/>
+                                        <p:cTn id="18" dur="500"/>
                                         <p:tgtEl>
                                           <p:spTgt spid="14"/>
                                         </p:tgtEl>
@@ -19007,26 +18762,26 @@
                     </p:cTn>
                   </p:par>
                   <p:par>
-                    <p:cTn id="25" fill="hold">
+                    <p:cTn id="19" fill="hold">
                       <p:stCondLst>
                         <p:cond delay="indefinite"/>
                       </p:stCondLst>
                       <p:childTnLst>
                         <p:par>
-                          <p:cTn id="26" fill="hold">
+                          <p:cTn id="20" fill="hold">
                             <p:stCondLst>
                               <p:cond delay="0"/>
                             </p:stCondLst>
                             <p:childTnLst>
                               <p:par>
-                                <p:cTn id="27" presetID="10" presetClass="exit" presetSubtype="0" fill="hold" grpId="1" nodeType="clickEffect">
+                                <p:cTn id="21" presetID="10" presetClass="exit" presetSubtype="0" fill="hold" grpId="1" nodeType="clickEffect">
                                   <p:stCondLst>
                                     <p:cond delay="0"/>
                                   </p:stCondLst>
                                   <p:childTnLst>
                                     <p:animEffect transition="out" filter="fade">
                                       <p:cBhvr>
-                                        <p:cTn id="28" dur="500"/>
+                                        <p:cTn id="22" dur="500"/>
                                         <p:tgtEl>
                                           <p:spTgt spid="3">
                                             <p:txEl>
@@ -19038,7 +18793,7 @@
                                     </p:animEffect>
                                     <p:set>
                                       <p:cBhvr>
-                                        <p:cTn id="29" dur="1" fill="hold">
+                                        <p:cTn id="23" dur="1" fill="hold">
                                           <p:stCondLst>
                                             <p:cond delay="499"/>
                                           </p:stCondLst>
@@ -19062,14 +18817,14 @@
                                 </p:cTn>
                               </p:par>
                               <p:par>
-                                <p:cTn id="30" presetID="10" presetClass="exit" presetSubtype="0" fill="hold" nodeType="withEffect">
+                                <p:cTn id="24" presetID="10" presetClass="exit" presetSubtype="0" fill="hold" nodeType="withEffect">
                                   <p:stCondLst>
                                     <p:cond delay="0"/>
                                   </p:stCondLst>
                                   <p:childTnLst>
                                     <p:animEffect transition="out" filter="fade">
                                       <p:cBhvr>
-                                        <p:cTn id="31" dur="500"/>
+                                        <p:cTn id="25" dur="500"/>
                                         <p:tgtEl>
                                           <p:spTgt spid="14"/>
                                         </p:tgtEl>
@@ -19077,7 +18832,7 @@
                                     </p:animEffect>
                                     <p:set>
                                       <p:cBhvr>
-                                        <p:cTn id="32" dur="1" fill="hold">
+                                        <p:cTn id="26" dur="1" fill="hold">
                                           <p:stCondLst>
                                             <p:cond delay="499"/>
                                           </p:stCondLst>
@@ -19097,14 +18852,14 @@
                                 </p:cTn>
                               </p:par>
                               <p:par>
-                                <p:cTn id="33" presetID="10" presetClass="entr" presetSubtype="0" fill="hold" grpId="0" nodeType="withEffect">
+                                <p:cTn id="27" presetID="10" presetClass="entr" presetSubtype="0" fill="hold" grpId="0" nodeType="withEffect">
                                   <p:stCondLst>
                                     <p:cond delay="0"/>
                                   </p:stCondLst>
                                   <p:childTnLst>
                                     <p:set>
                                       <p:cBhvr>
-                                        <p:cTn id="34" dur="1" fill="hold">
+                                        <p:cTn id="28" dur="1" fill="hold">
                                           <p:stCondLst>
                                             <p:cond delay="0"/>
                                           </p:stCondLst>
@@ -19126,7 +18881,7 @@
                                     </p:set>
                                     <p:animEffect transition="in" filter="fade">
                                       <p:cBhvr>
-                                        <p:cTn id="35" dur="500"/>
+                                        <p:cTn id="29" dur="500"/>
                                         <p:tgtEl>
                                           <p:spTgt spid="3">
                                             <p:txEl>
@@ -19140,14 +18895,14 @@
                                 </p:cTn>
                               </p:par>
                               <p:par>
-                                <p:cTn id="36" presetID="10" presetClass="entr" presetSubtype="0" fill="hold" nodeType="withEffect">
+                                <p:cTn id="30" presetID="10" presetClass="entr" presetSubtype="0" fill="hold" nodeType="withEffect">
                                   <p:stCondLst>
                                     <p:cond delay="0"/>
                                   </p:stCondLst>
                                   <p:childTnLst>
                                     <p:set>
                                       <p:cBhvr>
-                                        <p:cTn id="37" dur="1" fill="hold">
+                                        <p:cTn id="31" dur="1" fill="hold">
                                           <p:stCondLst>
                                             <p:cond delay="0"/>
                                           </p:stCondLst>
@@ -19165,7 +18920,7 @@
                                     </p:set>
                                     <p:animEffect transition="in" filter="fade">
                                       <p:cBhvr>
-                                        <p:cTn id="38" dur="500"/>
+                                        <p:cTn id="32" dur="500"/>
                                         <p:tgtEl>
                                           <p:spTgt spid="20"/>
                                         </p:tgtEl>
@@ -20305,15 +20060,20 @@
           <p:nvPr/>
         </p:nvPicPr>
         <p:blipFill>
-          <a:blip r:embed="rId2"/>
-          <a:stretch>
-            <a:fillRect/>
-          </a:stretch>
+          <a:blip r:embed="rId2">
+            <a:extLst>
+              <a:ext uri="{28A0092B-C50C-407E-A947-70E740481C1C}">
+                <a14:useLocalDpi xmlns:a14="http://schemas.microsoft.com/office/drawing/2010/main" val="0"/>
+              </a:ext>
+            </a:extLst>
+          </a:blip>
+          <a:srcRect/>
+          <a:stretch/>
         </p:blipFill>
         <p:spPr>
           <a:xfrm>
-            <a:off x="1878914" y="1418886"/>
-            <a:ext cx="9882260" cy="4948274"/>
+            <a:off x="1878914" y="1537850"/>
+            <a:ext cx="9882260" cy="4710346"/>
           </a:xfrm>
           <a:prstGeom prst="rect">
             <a:avLst/>
@@ -20362,9 +20122,9 @@
         </p:nvGrpSpPr>
         <p:grpSpPr>
           <a:xfrm>
-            <a:off x="2833261" y="2720614"/>
+            <a:off x="4215626" y="3315287"/>
             <a:ext cx="2841723" cy="1308309"/>
-            <a:chOff x="2516033" y="857035"/>
+            <a:chOff x="3898398" y="1451708"/>
             <a:chExt cx="2841723" cy="1308309"/>
           </a:xfrm>
         </p:grpSpPr>
@@ -20382,7 +20142,7 @@
           </p:nvSpPr>
           <p:spPr>
             <a:xfrm>
-              <a:off x="4174950" y="857035"/>
+              <a:off x="5557315" y="1451708"/>
               <a:ext cx="1182806" cy="315446"/>
             </a:xfrm>
             <a:prstGeom prst="roundRect">
@@ -20434,120 +20194,8 @@
           </p:nvCxnSpPr>
           <p:spPr>
             <a:xfrm flipH="1">
-              <a:off x="2516033" y="1172481"/>
+              <a:off x="3898398" y="1767154"/>
               <a:ext cx="2250320" cy="992863"/>
-            </a:xfrm>
-            <a:prstGeom prst="straightConnector1">
-              <a:avLst/>
-            </a:prstGeom>
-            <a:ln w="12700">
-              <a:tailEnd type="triangle"/>
-            </a:ln>
-          </p:spPr>
-          <p:style>
-            <a:lnRef idx="1">
-              <a:schemeClr val="accent1"/>
-            </a:lnRef>
-            <a:fillRef idx="0">
-              <a:schemeClr val="accent1"/>
-            </a:fillRef>
-            <a:effectRef idx="0">
-              <a:schemeClr val="accent1"/>
-            </a:effectRef>
-            <a:fontRef idx="minor">
-              <a:schemeClr val="tx1"/>
-            </a:fontRef>
-          </p:style>
-        </p:cxnSp>
-      </p:grpSp>
-      <p:grpSp>
-        <p:nvGrpSpPr>
-          <p:cNvPr id="8" name="Group 7">
-            <a:extLst>
-              <a:ext uri="{FF2B5EF4-FFF2-40B4-BE49-F238E27FC236}">
-                <a16:creationId xmlns:a16="http://schemas.microsoft.com/office/drawing/2014/main" id="{72AFEF8A-7E77-4DF0-93C9-10E78C7E941D}"/>
-              </a:ext>
-            </a:extLst>
-          </p:cNvPr>
-          <p:cNvGrpSpPr/>
-          <p:nvPr/>
-        </p:nvGrpSpPr>
-        <p:grpSpPr>
-          <a:xfrm>
-            <a:off x="3166281" y="4191318"/>
-            <a:ext cx="2028967" cy="380227"/>
-            <a:chOff x="4847513" y="1837899"/>
-            <a:chExt cx="2028967" cy="380227"/>
-          </a:xfrm>
-        </p:grpSpPr>
-        <p:sp>
-          <p:nvSpPr>
-            <p:cNvPr id="9" name="Rectangle: Rounded Corners 8">
-              <a:extLst>
-                <a:ext uri="{FF2B5EF4-FFF2-40B4-BE49-F238E27FC236}">
-                  <a16:creationId xmlns:a16="http://schemas.microsoft.com/office/drawing/2014/main" id="{737F2CBF-44EF-4A21-9FCF-E0997943F98A}"/>
-                </a:ext>
-              </a:extLst>
-            </p:cNvPr>
-            <p:cNvSpPr/>
-            <p:nvPr/>
-          </p:nvSpPr>
-          <p:spPr>
-            <a:xfrm>
-              <a:off x="5693674" y="1837899"/>
-              <a:ext cx="1182806" cy="315446"/>
-            </a:xfrm>
-            <a:prstGeom prst="roundRect">
-              <a:avLst/>
-            </a:prstGeom>
-          </p:spPr>
-          <p:style>
-            <a:lnRef idx="2">
-              <a:schemeClr val="accent1">
-                <a:shade val="50000"/>
-              </a:schemeClr>
-            </a:lnRef>
-            <a:fillRef idx="1">
-              <a:schemeClr val="accent1"/>
-            </a:fillRef>
-            <a:effectRef idx="0">
-              <a:schemeClr val="accent1"/>
-            </a:effectRef>
-            <a:fontRef idx="minor">
-              <a:schemeClr val="lt1"/>
-            </a:fontRef>
-          </p:style>
-          <p:txBody>
-            <a:bodyPr rtlCol="0" anchor="ctr"/>
-            <a:lstStyle/>
-            <a:p>
-              <a:pPr algn="ctr"/>
-              <a:r>
-                <a:rPr lang="en-GB" sz="1200" dirty="0"/>
-                <a:t>Filters</a:t>
-              </a:r>
-            </a:p>
-          </p:txBody>
-        </p:sp>
-        <p:cxnSp>
-          <p:nvCxnSpPr>
-            <p:cNvPr id="10" name="Straight Arrow Connector 9">
-              <a:extLst>
-                <a:ext uri="{FF2B5EF4-FFF2-40B4-BE49-F238E27FC236}">
-                  <a16:creationId xmlns:a16="http://schemas.microsoft.com/office/drawing/2014/main" id="{44E1AA92-BBCB-4B97-BA5A-85AC2FF166AE}"/>
-                </a:ext>
-              </a:extLst>
-            </p:cNvPr>
-            <p:cNvCxnSpPr>
-              <a:cxnSpLocks/>
-              <a:stCxn id="9" idx="1"/>
-            </p:cNvCxnSpPr>
-            <p:nvPr/>
-          </p:nvCxnSpPr>
-          <p:spPr>
-            <a:xfrm flipH="1">
-              <a:off x="4847513" y="1995622"/>
-              <a:ext cx="846161" cy="222504"/>
             </a:xfrm>
             <a:prstGeom prst="straightConnector1">
               <a:avLst/>
@@ -20586,7 +20234,7 @@
         </p:nvGrpSpPr>
         <p:grpSpPr>
           <a:xfrm>
-            <a:off x="128301" y="4904096"/>
+            <a:off x="215387" y="5420460"/>
             <a:ext cx="2432929" cy="577222"/>
             <a:chOff x="5004180" y="575287"/>
             <a:chExt cx="2432929" cy="577222"/>
@@ -20698,7 +20346,7 @@
         </p:nvGrpSpPr>
         <p:grpSpPr>
           <a:xfrm>
-            <a:off x="105555" y="3554803"/>
+            <a:off x="136014" y="4028923"/>
             <a:ext cx="2254799" cy="507423"/>
             <a:chOff x="3339153" y="690579"/>
             <a:chExt cx="2254799" cy="507423"/>
@@ -20772,6 +20420,159 @@
             <a:xfrm>
               <a:off x="5026145" y="944291"/>
               <a:ext cx="567807" cy="84508"/>
+            </a:xfrm>
+            <a:prstGeom prst="straightConnector1">
+              <a:avLst/>
+            </a:prstGeom>
+            <a:ln w="12700">
+              <a:tailEnd type="triangle"/>
+            </a:ln>
+          </p:spPr>
+          <p:style>
+            <a:lnRef idx="1">
+              <a:schemeClr val="accent1"/>
+            </a:lnRef>
+            <a:fillRef idx="0">
+              <a:schemeClr val="accent1"/>
+            </a:fillRef>
+            <a:effectRef idx="0">
+              <a:schemeClr val="accent1"/>
+            </a:effectRef>
+            <a:fontRef idx="minor">
+              <a:schemeClr val="tx1"/>
+            </a:fontRef>
+          </p:style>
+        </p:cxnSp>
+      </p:grpSp>
+      <p:grpSp>
+        <p:nvGrpSpPr>
+          <p:cNvPr id="12" name="Group 11">
+            <a:extLst>
+              <a:ext uri="{FF2B5EF4-FFF2-40B4-BE49-F238E27FC236}">
+                <a16:creationId xmlns:a16="http://schemas.microsoft.com/office/drawing/2014/main" id="{6F89AA40-D20D-4791-A56E-BAF14F3E398B}"/>
+              </a:ext>
+            </a:extLst>
+          </p:cNvPr>
+          <p:cNvGrpSpPr/>
+          <p:nvPr/>
+        </p:nvGrpSpPr>
+        <p:grpSpPr>
+          <a:xfrm>
+            <a:off x="4005943" y="4713982"/>
+            <a:ext cx="2748139" cy="1082339"/>
+            <a:chOff x="4005943" y="4713982"/>
+            <a:chExt cx="2748139" cy="1082339"/>
+          </a:xfrm>
+        </p:grpSpPr>
+        <p:sp>
+          <p:nvSpPr>
+            <p:cNvPr id="9" name="Rectangle: Rounded Corners 8">
+              <a:extLst>
+                <a:ext uri="{FF2B5EF4-FFF2-40B4-BE49-F238E27FC236}">
+                  <a16:creationId xmlns:a16="http://schemas.microsoft.com/office/drawing/2014/main" id="{737F2CBF-44EF-4A21-9FCF-E0997943F98A}"/>
+                </a:ext>
+              </a:extLst>
+            </p:cNvPr>
+            <p:cNvSpPr/>
+            <p:nvPr/>
+          </p:nvSpPr>
+          <p:spPr>
+            <a:xfrm>
+              <a:off x="5571276" y="4713982"/>
+              <a:ext cx="1182806" cy="315446"/>
+            </a:xfrm>
+            <a:prstGeom prst="roundRect">
+              <a:avLst/>
+            </a:prstGeom>
+          </p:spPr>
+          <p:style>
+            <a:lnRef idx="2">
+              <a:schemeClr val="accent1">
+                <a:shade val="50000"/>
+              </a:schemeClr>
+            </a:lnRef>
+            <a:fillRef idx="1">
+              <a:schemeClr val="accent1"/>
+            </a:fillRef>
+            <a:effectRef idx="0">
+              <a:schemeClr val="accent1"/>
+            </a:effectRef>
+            <a:fontRef idx="minor">
+              <a:schemeClr val="lt1"/>
+            </a:fontRef>
+          </p:style>
+          <p:txBody>
+            <a:bodyPr rtlCol="0" anchor="ctr"/>
+            <a:lstStyle/>
+            <a:p>
+              <a:pPr algn="ctr"/>
+              <a:r>
+                <a:rPr lang="en-GB" sz="1200" dirty="0"/>
+                <a:t>Filters</a:t>
+              </a:r>
+            </a:p>
+          </p:txBody>
+        </p:sp>
+        <p:cxnSp>
+          <p:nvCxnSpPr>
+            <p:cNvPr id="10" name="Straight Arrow Connector 9">
+              <a:extLst>
+                <a:ext uri="{FF2B5EF4-FFF2-40B4-BE49-F238E27FC236}">
+                  <a16:creationId xmlns:a16="http://schemas.microsoft.com/office/drawing/2014/main" id="{44E1AA92-BBCB-4B97-BA5A-85AC2FF166AE}"/>
+                </a:ext>
+              </a:extLst>
+            </p:cNvPr>
+            <p:cNvCxnSpPr>
+              <a:cxnSpLocks/>
+              <a:stCxn id="9" idx="1"/>
+            </p:cNvCxnSpPr>
+            <p:nvPr/>
+          </p:nvCxnSpPr>
+          <p:spPr>
+            <a:xfrm flipH="1">
+              <a:off x="4725115" y="4871705"/>
+              <a:ext cx="846161" cy="222504"/>
+            </a:xfrm>
+            <a:prstGeom prst="straightConnector1">
+              <a:avLst/>
+            </a:prstGeom>
+            <a:ln w="12700">
+              <a:tailEnd type="triangle"/>
+            </a:ln>
+          </p:spPr>
+          <p:style>
+            <a:lnRef idx="1">
+              <a:schemeClr val="accent1"/>
+            </a:lnRef>
+            <a:fillRef idx="0">
+              <a:schemeClr val="accent1"/>
+            </a:fillRef>
+            <a:effectRef idx="0">
+              <a:schemeClr val="accent1"/>
+            </a:effectRef>
+            <a:fontRef idx="minor">
+              <a:schemeClr val="tx1"/>
+            </a:fontRef>
+          </p:style>
+        </p:cxnSp>
+        <p:cxnSp>
+          <p:nvCxnSpPr>
+            <p:cNvPr id="21" name="Straight Arrow Connector 20">
+              <a:extLst>
+                <a:ext uri="{FF2B5EF4-FFF2-40B4-BE49-F238E27FC236}">
+                  <a16:creationId xmlns:a16="http://schemas.microsoft.com/office/drawing/2014/main" id="{E40AA806-DADF-4FEE-952F-C82AE21C3A9D}"/>
+                </a:ext>
+              </a:extLst>
+            </p:cNvPr>
+            <p:cNvCxnSpPr>
+              <a:cxnSpLocks/>
+            </p:cNvCxnSpPr>
+            <p:nvPr/>
+          </p:nvCxnSpPr>
+          <p:spPr>
+            <a:xfrm flipH="1">
+              <a:off x="4005943" y="4982957"/>
+              <a:ext cx="1621241" cy="813364"/>
             </a:xfrm>
             <a:prstGeom prst="straightConnector1">
               <a:avLst/>
@@ -20946,7 +20747,7 @@
                                           </p:stCondLst>
                                         </p:cTn>
                                         <p:tgtEl>
-                                          <p:spTgt spid="8"/>
+                                          <p:spTgt spid="14"/>
                                         </p:tgtEl>
                                         <p:attrNameLst>
                                           <p:attrName>style.visibility</p:attrName>
@@ -20959,59 +20760,6 @@
                                     <p:animEffect transition="in" filter="fade">
                                       <p:cBhvr>
                                         <p:cTn id="17" dur="500"/>
-                                        <p:tgtEl>
-                                          <p:spTgt spid="8"/>
-                                        </p:tgtEl>
-                                      </p:cBhvr>
-                                    </p:animEffect>
-                                  </p:childTnLst>
-                                </p:cTn>
-                              </p:par>
-                            </p:childTnLst>
-                          </p:cTn>
-                        </p:par>
-                      </p:childTnLst>
-                    </p:cTn>
-                  </p:par>
-                  <p:par>
-                    <p:cTn id="18" fill="hold">
-                      <p:stCondLst>
-                        <p:cond delay="indefinite"/>
-                      </p:stCondLst>
-                      <p:childTnLst>
-                        <p:par>
-                          <p:cTn id="19" fill="hold">
-                            <p:stCondLst>
-                              <p:cond delay="0"/>
-                            </p:stCondLst>
-                            <p:childTnLst>
-                              <p:par>
-                                <p:cTn id="20" presetID="10" presetClass="entr" presetSubtype="0" fill="hold" nodeType="clickEffect">
-                                  <p:stCondLst>
-                                    <p:cond delay="0"/>
-                                  </p:stCondLst>
-                                  <p:childTnLst>
-                                    <p:set>
-                                      <p:cBhvr>
-                                        <p:cTn id="21" dur="1" fill="hold">
-                                          <p:stCondLst>
-                                            <p:cond delay="0"/>
-                                          </p:stCondLst>
-                                        </p:cTn>
-                                        <p:tgtEl>
-                                          <p:spTgt spid="14"/>
-                                        </p:tgtEl>
-                                        <p:attrNameLst>
-                                          <p:attrName>style.visibility</p:attrName>
-                                        </p:attrNameLst>
-                                      </p:cBhvr>
-                                      <p:to>
-                                        <p:strVal val="visible"/>
-                                      </p:to>
-                                    </p:set>
-                                    <p:animEffect transition="in" filter="fade">
-                                      <p:cBhvr>
-                                        <p:cTn id="22" dur="500"/>
                                         <p:tgtEl>
                                           <p:spTgt spid="14"/>
                                         </p:tgtEl>
@@ -22015,8 +21763,8 @@
             </a:p>
           </p:txBody>
         </p:sp>
-        <mc:AlternateContent xmlns:mc="http://schemas.openxmlformats.org/markup-compatibility/2006">
-          <mc:Choice xmlns:a14="http://schemas.microsoft.com/office/drawing/2010/main" Requires="a14">
+        <mc:AlternateContent xmlns:mc="http://schemas.openxmlformats.org/markup-compatibility/2006" xmlns:a14="http://schemas.microsoft.com/office/drawing/2010/main">
+          <mc:Choice Requires="a14">
             <p:sp>
               <p:nvSpPr>
                 <p:cNvPr id="12" name="Freeform: Shape 11">
@@ -22239,7 +21987,7 @@
               </p:txBody>
             </p:sp>
           </mc:Choice>
-          <mc:Fallback>
+          <mc:Fallback xmlns="">
             <p:sp>
               <p:nvSpPr>
                 <p:cNvPr id="12" name="Freeform: Shape 11">
@@ -22778,8 +22526,8 @@
             </a:p>
           </p:txBody>
         </p:sp>
-        <mc:AlternateContent xmlns:mc="http://schemas.openxmlformats.org/markup-compatibility/2006">
-          <mc:Choice xmlns:a14="http://schemas.microsoft.com/office/drawing/2010/main" Requires="a14">
+        <mc:AlternateContent xmlns:mc="http://schemas.openxmlformats.org/markup-compatibility/2006" xmlns:a14="http://schemas.microsoft.com/office/drawing/2010/main">
+          <mc:Choice Requires="a14">
             <p:sp>
               <p:nvSpPr>
                 <p:cNvPr id="18" name="Freeform: Shape 17">
@@ -22968,7 +22716,7 @@
               </p:txBody>
             </p:sp>
           </mc:Choice>
-          <mc:Fallback>
+          <mc:Fallback xmlns="">
             <p:sp>
               <p:nvSpPr>
                 <p:cNvPr id="18" name="Freeform: Shape 17">
